--- a/Presentation/draft_presentation_salaries_2023.pptx
+++ b/Presentation/draft_presentation_salaries_2023.pptx
@@ -148,7 +148,7 @@
 <file path=ppt/revisionInfo.xml><?xml version="1.0" encoding="utf-8"?>
 <p1510:revInfo xmlns:a="http://schemas.openxmlformats.org/drawingml/2006/main" xmlns:r="http://schemas.openxmlformats.org/officeDocument/2006/relationships" xmlns:p1510="http://schemas.microsoft.com/office/powerpoint/2015/10/main">
   <p1510:revLst>
-    <p1510:client id="{713AE7ED-0655-4057-A6C2-FB3F86893D8F}" v="14" dt="2023-06-02T11:56:01.412"/>
+    <p1510:client id="{713AE7ED-0655-4057-A6C2-FB3F86893D8F}" v="36" dt="2023-06-06T01:40:42.315"/>
   </p1510:revLst>
 </p1510:revInfo>
 </file>
@@ -158,7 +158,7 @@
   <pc:docChgLst>
     <pc:chgData name="Calogera McCormick" userId="e0a4c6cb4146cbe1" providerId="LiveId" clId="{713AE7ED-0655-4057-A6C2-FB3F86893D8F}"/>
     <pc:docChg chg="undo custSel addSld modSld">
-      <pc:chgData name="Calogera McCormick" userId="e0a4c6cb4146cbe1" providerId="LiveId" clId="{713AE7ED-0655-4057-A6C2-FB3F86893D8F}" dt="2023-06-02T12:01:13.646" v="305" actId="20577"/>
+      <pc:chgData name="Calogera McCormick" userId="e0a4c6cb4146cbe1" providerId="LiveId" clId="{713AE7ED-0655-4057-A6C2-FB3F86893D8F}" dt="2023-06-06T01:40:42.315" v="347" actId="478"/>
       <pc:docMkLst>
         <pc:docMk/>
       </pc:docMkLst>
@@ -201,7 +201,7 @@
         </pc:spChg>
       </pc:sldChg>
       <pc:sldChg chg="addSp delSp modSp new mod modClrScheme chgLayout">
-        <pc:chgData name="Calogera McCormick" userId="e0a4c6cb4146cbe1" providerId="LiveId" clId="{713AE7ED-0655-4057-A6C2-FB3F86893D8F}" dt="2023-06-02T12:01:13.646" v="305" actId="20577"/>
+        <pc:chgData name="Calogera McCormick" userId="e0a4c6cb4146cbe1" providerId="LiveId" clId="{713AE7ED-0655-4057-A6C2-FB3F86893D8F}" dt="2023-06-06T01:40:42.315" v="347" actId="478"/>
         <pc:sldMkLst>
           <pc:docMk/>
           <pc:sldMk cId="2031009587" sldId="392"/>
@@ -214,12 +214,28 @@
             <ac:spMk id="2" creationId="{7DF86ABD-8DC7-1011-EE5B-8D9C45413EB3}"/>
           </ac:spMkLst>
         </pc:spChg>
+        <pc:spChg chg="add del">
+          <ac:chgData name="Calogera McCormick" userId="e0a4c6cb4146cbe1" providerId="LiveId" clId="{713AE7ED-0655-4057-A6C2-FB3F86893D8F}" dt="2023-06-06T01:19:17.721" v="315"/>
+          <ac:spMkLst>
+            <pc:docMk/>
+            <pc:sldMk cId="2031009587" sldId="392"/>
+            <ac:spMk id="2" creationId="{D58CB5BB-E616-DC92-A13F-6630BCFFA514}"/>
+          </ac:spMkLst>
+        </pc:spChg>
         <pc:spChg chg="add del mod ord">
           <ac:chgData name="Calogera McCormick" userId="e0a4c6cb4146cbe1" providerId="LiveId" clId="{713AE7ED-0655-4057-A6C2-FB3F86893D8F}" dt="2023-06-02T11:53:33.938" v="8" actId="700"/>
           <ac:spMkLst>
             <pc:docMk/>
             <pc:sldMk cId="2031009587" sldId="392"/>
             <ac:spMk id="3" creationId="{4998A44C-E4B8-0DFE-B2D2-B8402622B8EB}"/>
+          </ac:spMkLst>
+        </pc:spChg>
+        <pc:spChg chg="add del">
+          <ac:chgData name="Calogera McCormick" userId="e0a4c6cb4146cbe1" providerId="LiveId" clId="{713AE7ED-0655-4057-A6C2-FB3F86893D8F}" dt="2023-06-06T01:19:39.321" v="319"/>
+          <ac:spMkLst>
+            <pc:docMk/>
+            <pc:sldMk cId="2031009587" sldId="392"/>
+            <ac:spMk id="3" creationId="{CE3247D8-4100-00B8-5094-EF68146544FB}"/>
           </ac:spMkLst>
         </pc:spChg>
         <pc:spChg chg="add del mod ord">
@@ -244,6 +260,14 @@
             <pc:docMk/>
             <pc:sldMk cId="2031009587" sldId="392"/>
             <ac:spMk id="6" creationId="{B921D9BE-EE13-7524-E0E2-B6E3726AD34B}"/>
+          </ac:spMkLst>
+        </pc:spChg>
+        <pc:spChg chg="add del">
+          <ac:chgData name="Calogera McCormick" userId="e0a4c6cb4146cbe1" providerId="LiveId" clId="{713AE7ED-0655-4057-A6C2-FB3F86893D8F}" dt="2023-06-06T01:22:09.870" v="332"/>
+          <ac:spMkLst>
+            <pc:docMk/>
+            <pc:sldMk cId="2031009587" sldId="392"/>
+            <ac:spMk id="6" creationId="{C7391C9B-1BA3-7DB1-687D-487CCF3702E5}"/>
           </ac:spMkLst>
         </pc:spChg>
         <pc:spChg chg="mod ord">
@@ -494,6 +518,22 @@
             <ac:spMk id="45" creationId="{220849D2-C953-A93D-04A1-042C69800DAC}"/>
           </ac:spMkLst>
         </pc:spChg>
+        <pc:picChg chg="add mod">
+          <ac:chgData name="Calogera McCormick" userId="e0a4c6cb4146cbe1" providerId="LiveId" clId="{713AE7ED-0655-4057-A6C2-FB3F86893D8F}" dt="2023-06-06T01:21:25.020" v="327" actId="1076"/>
+          <ac:picMkLst>
+            <pc:docMk/>
+            <pc:sldMk cId="2031009587" sldId="392"/>
+            <ac:picMk id="5" creationId="{6F596CDC-581C-99FC-72AA-F339E0AB5826}"/>
+          </ac:picMkLst>
+        </pc:picChg>
+        <pc:picChg chg="add del mod">
+          <ac:chgData name="Calogera McCormick" userId="e0a4c6cb4146cbe1" providerId="LiveId" clId="{713AE7ED-0655-4057-A6C2-FB3F86893D8F}" dt="2023-06-06T01:23:12.638" v="337" actId="931"/>
+          <ac:picMkLst>
+            <pc:docMk/>
+            <pc:sldMk cId="2031009587" sldId="392"/>
+            <ac:picMk id="11" creationId="{78F1514B-E95A-BE34-D4B6-D12D09311364}"/>
+          </ac:picMkLst>
+        </pc:picChg>
         <pc:picChg chg="add del mod">
           <ac:chgData name="Calogera McCormick" userId="e0a4c6cb4146cbe1" providerId="LiveId" clId="{713AE7ED-0655-4057-A6C2-FB3F86893D8F}" dt="2023-06-02T11:55:00.007" v="29" actId="931"/>
           <ac:picMkLst>
@@ -527,23 +567,23 @@
           </ac:picMkLst>
         </pc:picChg>
         <pc:picChg chg="add mod">
-          <ac:chgData name="Calogera McCormick" userId="e0a4c6cb4146cbe1" providerId="LiveId" clId="{713AE7ED-0655-4057-A6C2-FB3F86893D8F}" dt="2023-06-02T11:57:28.597" v="61" actId="14100"/>
+          <ac:chgData name="Calogera McCormick" userId="e0a4c6cb4146cbe1" providerId="LiveId" clId="{713AE7ED-0655-4057-A6C2-FB3F86893D8F}" dt="2023-06-06T01:21:31.436" v="328" actId="14100"/>
           <ac:picMkLst>
             <pc:docMk/>
             <pc:sldMk cId="2031009587" sldId="392"/>
             <ac:picMk id="47" creationId="{642BEA0E-08AD-24B1-FD52-BB8F65C1160B}"/>
           </ac:picMkLst>
         </pc:picChg>
-        <pc:picChg chg="add mod">
-          <ac:chgData name="Calogera McCormick" userId="e0a4c6cb4146cbe1" providerId="LiveId" clId="{713AE7ED-0655-4057-A6C2-FB3F86893D8F}" dt="2023-06-02T11:57:41.024" v="64" actId="14100"/>
+        <pc:picChg chg="add del mod">
+          <ac:chgData name="Calogera McCormick" userId="e0a4c6cb4146cbe1" providerId="LiveId" clId="{713AE7ED-0655-4057-A6C2-FB3F86893D8F}" dt="2023-06-06T01:21:06.990" v="322" actId="478"/>
           <ac:picMkLst>
             <pc:docMk/>
             <pc:sldMk cId="2031009587" sldId="392"/>
             <ac:picMk id="49" creationId="{DF4CFC87-B7D6-98F7-581F-7E7A227E9A17}"/>
           </ac:picMkLst>
         </pc:picChg>
-        <pc:picChg chg="add mod">
-          <ac:chgData name="Calogera McCormick" userId="e0a4c6cb4146cbe1" providerId="LiveId" clId="{713AE7ED-0655-4057-A6C2-FB3F86893D8F}" dt="2023-06-02T11:57:55.605" v="67" actId="1076"/>
+        <pc:picChg chg="add del mod">
+          <ac:chgData name="Calogera McCormick" userId="e0a4c6cb4146cbe1" providerId="LiveId" clId="{713AE7ED-0655-4057-A6C2-FB3F86893D8F}" dt="2023-06-06T01:40:35.751" v="345" actId="478"/>
           <ac:picMkLst>
             <pc:docMk/>
             <pc:sldMk cId="2031009587" sldId="392"/>
@@ -551,27 +591,67 @@
           </ac:picMkLst>
         </pc:picChg>
         <pc:picChg chg="add mod">
-          <ac:chgData name="Calogera McCormick" userId="e0a4c6cb4146cbe1" providerId="LiveId" clId="{713AE7ED-0655-4057-A6C2-FB3F86893D8F}" dt="2023-06-02T11:57:36.982" v="63" actId="1076"/>
+          <ac:chgData name="Calogera McCormick" userId="e0a4c6cb4146cbe1" providerId="LiveId" clId="{713AE7ED-0655-4057-A6C2-FB3F86893D8F}" dt="2023-06-06T01:21:21.470" v="326" actId="1076"/>
           <ac:picMkLst>
             <pc:docMk/>
             <pc:sldMk cId="2031009587" sldId="392"/>
             <ac:picMk id="53" creationId="{AA1B5F70-541E-562E-579A-DDD72A43C170}"/>
           </ac:picMkLst>
         </pc:picChg>
-        <pc:picChg chg="add mod">
-          <ac:chgData name="Calogera McCormick" userId="e0a4c6cb4146cbe1" providerId="LiveId" clId="{713AE7ED-0655-4057-A6C2-FB3F86893D8F}" dt="2023-06-02T11:58:03.552" v="68" actId="1076"/>
+        <pc:picChg chg="add del mod">
+          <ac:chgData name="Calogera McCormick" userId="e0a4c6cb4146cbe1" providerId="LiveId" clId="{713AE7ED-0655-4057-A6C2-FB3F86893D8F}" dt="2023-06-06T01:22:07.609" v="330" actId="478"/>
           <ac:picMkLst>
             <pc:docMk/>
             <pc:sldMk cId="2031009587" sldId="392"/>
             <ac:picMk id="55" creationId="{1F4C0796-FD55-956D-D580-98342A98AC9F}"/>
           </ac:picMkLst>
         </pc:picChg>
-        <pc:picChg chg="add mod">
-          <ac:chgData name="Calogera McCormick" userId="e0a4c6cb4146cbe1" providerId="LiveId" clId="{713AE7ED-0655-4057-A6C2-FB3F86893D8F}" dt="2023-06-02T11:57:50.803" v="66" actId="1076"/>
+        <pc:picChg chg="add del mod">
+          <ac:chgData name="Calogera McCormick" userId="e0a4c6cb4146cbe1" providerId="LiveId" clId="{713AE7ED-0655-4057-A6C2-FB3F86893D8F}" dt="2023-06-06T01:12:18.240" v="308" actId="478"/>
           <ac:picMkLst>
             <pc:docMk/>
             <pc:sldMk cId="2031009587" sldId="392"/>
             <ac:picMk id="57" creationId="{76628F55-A782-DC2F-7688-1367817A2E1F}"/>
+          </ac:picMkLst>
+        </pc:picChg>
+        <pc:picChg chg="add mod">
+          <ac:chgData name="Calogera McCormick" userId="e0a4c6cb4146cbe1" providerId="LiveId" clId="{713AE7ED-0655-4057-A6C2-FB3F86893D8F}" dt="2023-06-06T01:12:16.450" v="307" actId="1076"/>
+          <ac:picMkLst>
+            <pc:docMk/>
+            <pc:sldMk cId="2031009587" sldId="392"/>
+            <ac:picMk id="1026" creationId="{8C80EFAC-F57B-DEA5-3387-DAA4AE31498E}"/>
+          </ac:picMkLst>
+        </pc:picChg>
+        <pc:picChg chg="add del">
+          <ac:chgData name="Calogera McCormick" userId="e0a4c6cb4146cbe1" providerId="LiveId" clId="{713AE7ED-0655-4057-A6C2-FB3F86893D8F}" dt="2023-06-06T01:18:25.971" v="311"/>
+          <ac:picMkLst>
+            <pc:docMk/>
+            <pc:sldMk cId="2031009587" sldId="392"/>
+            <ac:picMk id="1028" creationId="{AF6E080E-440C-AAD8-A09E-ED51713A6904}"/>
+          </ac:picMkLst>
+        </pc:picChg>
+        <pc:picChg chg="add del">
+          <ac:chgData name="Calogera McCormick" userId="e0a4c6cb4146cbe1" providerId="LiveId" clId="{713AE7ED-0655-4057-A6C2-FB3F86893D8F}" dt="2023-06-06T01:24:22.375" v="339"/>
+          <ac:picMkLst>
+            <pc:docMk/>
+            <pc:sldMk cId="2031009587" sldId="392"/>
+            <ac:picMk id="1036" creationId="{BEC33751-4B9C-DF44-064D-16C48C7C8C9A}"/>
+          </ac:picMkLst>
+        </pc:picChg>
+        <pc:picChg chg="add mod">
+          <ac:chgData name="Calogera McCormick" userId="e0a4c6cb4146cbe1" providerId="LiveId" clId="{713AE7ED-0655-4057-A6C2-FB3F86893D8F}" dt="2023-06-06T01:24:53.798" v="344" actId="1076"/>
+          <ac:picMkLst>
+            <pc:docMk/>
+            <pc:sldMk cId="2031009587" sldId="392"/>
+            <ac:picMk id="1038" creationId="{F98CC23E-35FD-B798-DDAD-4A84F703E1F8}"/>
+          </ac:picMkLst>
+        </pc:picChg>
+        <pc:picChg chg="add del">
+          <ac:chgData name="Calogera McCormick" userId="e0a4c6cb4146cbe1" providerId="LiveId" clId="{713AE7ED-0655-4057-A6C2-FB3F86893D8F}" dt="2023-06-06T01:40:42.315" v="347" actId="478"/>
+          <ac:picMkLst>
+            <pc:docMk/>
+            <pc:sldMk cId="2031009587" sldId="392"/>
+            <ac:picMk id="1040" creationId="{EEB34E32-8DAE-C846-A6C8-684BDE1CA684}"/>
           </ac:picMkLst>
         </pc:picChg>
       </pc:sldChg>
@@ -6048,7 +6128,7 @@
           <a:p>
             <a:fld id="{C17F2C1D-F243-42AB-ADF2-E7CB4E04900E}" type="datetimeFigureOut">
               <a:rPr lang="en-US" smtClean="0"/>
-              <a:t>6/2/2023</a:t>
+              <a:t>6/5/2023</a:t>
             </a:fld>
             <a:endParaRPr lang="en-US"/>
           </a:p>
@@ -6225,7 +6305,7 @@
           <a:p>
             <a:fld id="{020CE34E-5667-4A32-A6BA-10C7A552BC63}" type="datetimeFigureOut">
               <a:rPr lang="en-US" smtClean="0"/>
-              <a:t>6/2/2023</a:t>
+              <a:t>6/5/2023</a:t>
             </a:fld>
             <a:endParaRPr lang="en-US"/>
           </a:p>
@@ -21304,8 +21384,8 @@
         </p:blipFill>
         <p:spPr>
           <a:xfrm>
-            <a:off x="4213981" y="2014184"/>
-            <a:ext cx="2385182" cy="1284328"/>
+            <a:off x="4303536" y="1968310"/>
+            <a:ext cx="1941722" cy="1045542"/>
           </a:xfrm>
         </p:spPr>
       </p:pic>
@@ -21396,10 +21476,10 @@
       </p:sp>
       <p:pic>
         <p:nvPicPr>
-          <p:cNvPr id="49" name="Picture 48" descr="A close-up of a logo&#10;&#10;Description automatically generated with low confidence">
+          <p:cNvPr id="53" name="Graphic 52">
             <a:extLst>
               <a:ext uri="{FF2B5EF4-FFF2-40B4-BE49-F238E27FC236}">
-                <a16:creationId xmlns:a16="http://schemas.microsoft.com/office/drawing/2014/main" id="{DF4CFC87-B7D6-98F7-581F-7E7A227E9A17}"/>
+                <a16:creationId xmlns:a16="http://schemas.microsoft.com/office/drawing/2014/main" id="{AA1B5F70-541E-562E-579A-DDD72A43C170}"/>
               </a:ext>
             </a:extLst>
           </p:cNvPr>
@@ -21409,70 +21489,10 @@
           <p:nvPr/>
         </p:nvPicPr>
         <p:blipFill>
-          <a:blip r:embed="rId3"/>
-          <a:stretch>
-            <a:fillRect/>
-          </a:stretch>
-        </p:blipFill>
-        <p:spPr>
-          <a:xfrm>
-            <a:off x="550862" y="1928776"/>
-            <a:ext cx="2755144" cy="930606"/>
-          </a:xfrm>
-          <a:prstGeom prst="rect">
-            <a:avLst/>
-          </a:prstGeom>
-        </p:spPr>
-      </p:pic>
-      <p:pic>
-        <p:nvPicPr>
-          <p:cNvPr id="51" name="Picture 50" descr="A picture containing text, clipart, graphic design, graphics&#10;&#10;Description automatically generated">
-            <a:extLst>
-              <a:ext uri="{FF2B5EF4-FFF2-40B4-BE49-F238E27FC236}">
-                <a16:creationId xmlns:a16="http://schemas.microsoft.com/office/drawing/2014/main" id="{A5BDE646-0A93-957E-FB19-B83A4569555F}"/>
-              </a:ext>
-            </a:extLst>
-          </p:cNvPr>
-          <p:cNvPicPr>
-            <a:picLocks noChangeAspect="1"/>
-          </p:cNvPicPr>
-          <p:nvPr/>
-        </p:nvPicPr>
-        <p:blipFill>
-          <a:blip r:embed="rId4"/>
-          <a:stretch>
-            <a:fillRect/>
-          </a:stretch>
-        </p:blipFill>
-        <p:spPr>
-          <a:xfrm>
-            <a:off x="4482749" y="5018608"/>
-            <a:ext cx="1847643" cy="1154777"/>
-          </a:xfrm>
-          <a:prstGeom prst="rect">
-            <a:avLst/>
-          </a:prstGeom>
-        </p:spPr>
-      </p:pic>
-      <p:pic>
-        <p:nvPicPr>
-          <p:cNvPr id="53" name="Graphic 52">
-            <a:extLst>
-              <a:ext uri="{FF2B5EF4-FFF2-40B4-BE49-F238E27FC236}">
-                <a16:creationId xmlns:a16="http://schemas.microsoft.com/office/drawing/2014/main" id="{AA1B5F70-541E-562E-579A-DDD72A43C170}"/>
-              </a:ext>
-            </a:extLst>
-          </p:cNvPr>
-          <p:cNvPicPr>
-            <a:picLocks noChangeAspect="1"/>
-          </p:cNvPicPr>
-          <p:nvPr/>
-        </p:nvPicPr>
-        <p:blipFill>
-          <a:blip r:embed="rId5">
+          <a:blip r:embed="rId3">
             <a:extLst>
               <a:ext uri="{96DAC541-7B7A-43D3-8B79-37D633B846F1}">
-                <asvg:svgBlip xmlns:asvg="http://schemas.microsoft.com/office/drawing/2016/SVG/main" r:embed="rId6"/>
+                <asvg:svgBlip xmlns:asvg="http://schemas.microsoft.com/office/drawing/2016/SVG/main" r:embed="rId4"/>
               </a:ext>
             </a:extLst>
           </a:blip>
@@ -21482,7 +21502,7 @@
         </p:blipFill>
         <p:spPr>
           <a:xfrm>
-            <a:off x="550862" y="3257711"/>
+            <a:off x="550862" y="3677204"/>
             <a:ext cx="2755144" cy="1113496"/>
           </a:xfrm>
           <a:prstGeom prst="rect">
@@ -21492,10 +21512,57 @@
       </p:pic>
       <p:pic>
         <p:nvPicPr>
-          <p:cNvPr id="55" name="Picture 54" descr="A picture containing text, font, symbol, graphics&#10;&#10;Description automatically generated">
+          <p:cNvPr id="1026" name="Picture 2" descr="Matplotlib Logo PNG Vector">
             <a:extLst>
               <a:ext uri="{FF2B5EF4-FFF2-40B4-BE49-F238E27FC236}">
-                <a16:creationId xmlns:a16="http://schemas.microsoft.com/office/drawing/2014/main" id="{1F4C0796-FD55-956D-D580-98342A98AC9F}"/>
+                <a16:creationId xmlns:a16="http://schemas.microsoft.com/office/drawing/2014/main" id="{8C80EFAC-F57B-DEA5-3387-DAA4AE31498E}"/>
+              </a:ext>
+            </a:extLst>
+          </p:cNvPr>
+          <p:cNvPicPr>
+            <a:picLocks noChangeAspect="1" noChangeArrowheads="1"/>
+          </p:cNvPicPr>
+          <p:nvPr/>
+        </p:nvPicPr>
+        <p:blipFill>
+          <a:blip r:embed="rId5">
+            <a:extLst>
+              <a:ext uri="{28A0092B-C50C-407E-A947-70E740481C1C}">
+                <a14:useLocalDpi xmlns:a14="http://schemas.microsoft.com/office/drawing/2010/main" val="0"/>
+              </a:ext>
+            </a:extLst>
+          </a:blip>
+          <a:srcRect/>
+          <a:stretch>
+            <a:fillRect/>
+          </a:stretch>
+        </p:blipFill>
+        <p:spPr bwMode="auto">
+          <a:xfrm>
+            <a:off x="7937500" y="3757650"/>
+            <a:ext cx="2857500" cy="571500"/>
+          </a:xfrm>
+          <a:prstGeom prst="rect">
+            <a:avLst/>
+          </a:prstGeom>
+          <a:noFill/>
+          <a:extLst>
+            <a:ext uri="{909E8E84-426E-40DD-AFC4-6F175D3DCCD1}">
+              <a14:hiddenFill xmlns:a14="http://schemas.microsoft.com/office/drawing/2010/main">
+                <a:solidFill>
+                  <a:srgbClr val="FFFFFF"/>
+                </a:solidFill>
+              </a14:hiddenFill>
+            </a:ext>
+          </a:extLst>
+        </p:spPr>
+      </p:pic>
+      <p:pic>
+        <p:nvPicPr>
+          <p:cNvPr id="5" name="Graphic 4">
+            <a:extLst>
+              <a:ext uri="{FF2B5EF4-FFF2-40B4-BE49-F238E27FC236}">
+                <a16:creationId xmlns:a16="http://schemas.microsoft.com/office/drawing/2014/main" id="{6F596CDC-581C-99FC-72AA-F339E0AB5826}"/>
               </a:ext>
             </a:extLst>
           </p:cNvPr>
@@ -21505,15 +21572,21 @@
           <p:nvPr/>
         </p:nvPicPr>
         <p:blipFill>
-          <a:blip r:embed="rId7"/>
+          <a:blip r:embed="rId6">
+            <a:extLst>
+              <a:ext uri="{96DAC541-7B7A-43D3-8B79-37D633B846F1}">
+                <asvg:svgBlip xmlns:asvg="http://schemas.microsoft.com/office/drawing/2016/SVG/main" r:embed="rId7"/>
+              </a:ext>
+            </a:extLst>
+          </a:blip>
           <a:stretch>
             <a:fillRect/>
           </a:stretch>
         </p:blipFill>
         <p:spPr>
           <a:xfrm>
-            <a:off x="7383462" y="1928776"/>
-            <a:ext cx="4257675" cy="885825"/>
+            <a:off x="1359619" y="2080838"/>
+            <a:ext cx="982941" cy="1099958"/>
           </a:xfrm>
           <a:prstGeom prst="rect">
             <a:avLst/>
@@ -21522,32 +21595,49 @@
       </p:pic>
       <p:pic>
         <p:nvPicPr>
-          <p:cNvPr id="57" name="Picture 56" descr="A yellow and white logo&#10;&#10;Description automatically generated with medium confidence">
+          <p:cNvPr id="1038" name="Picture 14">
             <a:extLst>
               <a:ext uri="{FF2B5EF4-FFF2-40B4-BE49-F238E27FC236}">
-                <a16:creationId xmlns:a16="http://schemas.microsoft.com/office/drawing/2014/main" id="{76628F55-A782-DC2F-7688-1367817A2E1F}"/>
+                <a16:creationId xmlns:a16="http://schemas.microsoft.com/office/drawing/2014/main" id="{F98CC23E-35FD-B798-DDAD-4A84F703E1F8}"/>
               </a:ext>
             </a:extLst>
           </p:cNvPr>
           <p:cNvPicPr>
-            <a:picLocks noChangeAspect="1"/>
+            <a:picLocks noChangeAspect="1" noChangeArrowheads="1"/>
           </p:cNvPicPr>
           <p:nvPr/>
         </p:nvPicPr>
         <p:blipFill>
-          <a:blip r:embed="rId8"/>
+          <a:blip r:embed="rId8">
+            <a:extLst>
+              <a:ext uri="{28A0092B-C50C-407E-A947-70E740481C1C}">
+                <a14:useLocalDpi xmlns:a14="http://schemas.microsoft.com/office/drawing/2010/main" val="0"/>
+              </a:ext>
+            </a:extLst>
+          </a:blip>
+          <a:srcRect/>
           <a:stretch>
             <a:fillRect/>
           </a:stretch>
         </p:blipFill>
-        <p:spPr>
+        <p:spPr bwMode="auto">
           <a:xfrm>
-            <a:off x="4954134" y="3703706"/>
-            <a:ext cx="904875" cy="981075"/>
+            <a:off x="7130735" y="2029739"/>
+            <a:ext cx="4403202" cy="1052067"/>
           </a:xfrm>
           <a:prstGeom prst="rect">
             <a:avLst/>
           </a:prstGeom>
+          <a:noFill/>
+          <a:extLst>
+            <a:ext uri="{909E8E84-426E-40DD-AFC4-6F175D3DCCD1}">
+              <a14:hiddenFill xmlns:a14="http://schemas.microsoft.com/office/drawing/2010/main">
+                <a:solidFill>
+                  <a:srgbClr val="FFFFFF"/>
+                </a:solidFill>
+              </a14:hiddenFill>
+            </a:ext>
+          </a:extLst>
         </p:spPr>
       </p:pic>
     </p:spTree>
@@ -26960,15 +27050,6 @@
 </file>
 
 <file path=customXml/item1.xml><?xml version="1.0" encoding="utf-8"?>
-<?mso-contentType ?>
-<FormTemplates xmlns="http://schemas.microsoft.com/sharepoint/v3/contenttype/forms">
-  <Display>DocumentLibraryForm</Display>
-  <Edit>DocumentLibraryForm</Edit>
-  <New>DocumentLibraryForm</New>
-</FormTemplates>
-</file>
-
-<file path=customXml/item2.xml><?xml version="1.0" encoding="utf-8"?>
 <p:properties xmlns:p="http://schemas.microsoft.com/office/2006/metadata/properties" xmlns:xsi="http://www.w3.org/2001/XMLSchema-instance" xmlns:pc="http://schemas.microsoft.com/office/infopath/2007/PartnerControls">
   <documentManagement>
     <_ip_UnifiedCompliancePolicyUIAction xmlns="http://schemas.microsoft.com/sharepoint/v3" xsi:nil="true"/>
@@ -26985,6 +27066,15 @@
     <MediaServiceKeyPoints xmlns="71af3243-3dd4-4a8d-8c0d-dd76da1f02a5" xsi:nil="true"/>
   </documentManagement>
 </p:properties>
+</file>
+
+<file path=customXml/item2.xml><?xml version="1.0" encoding="utf-8"?>
+<?mso-contentType ?>
+<FormTemplates xmlns="http://schemas.microsoft.com/sharepoint/v3/contenttype/forms">
+  <Display>DocumentLibraryForm</Display>
+  <Edit>DocumentLibraryForm</Edit>
+  <New>DocumentLibraryForm</New>
+</FormTemplates>
 </file>
 
 <file path=customXml/item3.xml><?xml version="1.0" encoding="utf-8"?>
@@ -27264,14 +27354,6 @@
 </file>
 
 <file path=customXml/itemProps1.xml><?xml version="1.0" encoding="utf-8"?>
-<ds:datastoreItem xmlns:ds="http://schemas.openxmlformats.org/officeDocument/2006/customXml" ds:itemID="{904751AB-E840-446F-8D49-E697067EC887}">
-  <ds:schemaRefs>
-    <ds:schemaRef ds:uri="http://schemas.microsoft.com/sharepoint/v3/contenttype/forms"/>
-  </ds:schemaRefs>
-</ds:datastoreItem>
-</file>
-
-<file path=customXml/itemProps2.xml><?xml version="1.0" encoding="utf-8"?>
 <ds:datastoreItem xmlns:ds="http://schemas.openxmlformats.org/officeDocument/2006/customXml" ds:itemID="{50811A92-D464-4AC4-A396-BA73B10CEEAC}">
   <ds:schemaRefs>
     <ds:schemaRef ds:uri="http://schemas.microsoft.com/office/2006/metadata/properties"/>
@@ -27279,6 +27361,14 @@
     <ds:schemaRef ds:uri="http://schemas.microsoft.com/sharepoint/v3"/>
     <ds:schemaRef ds:uri="71af3243-3dd4-4a8d-8c0d-dd76da1f02a5"/>
     <ds:schemaRef ds:uri="230e9df3-be65-4c73-a93b-d1236ebd677e"/>
+  </ds:schemaRefs>
+</ds:datastoreItem>
+</file>
+
+<file path=customXml/itemProps2.xml><?xml version="1.0" encoding="utf-8"?>
+<ds:datastoreItem xmlns:ds="http://schemas.openxmlformats.org/officeDocument/2006/customXml" ds:itemID="{904751AB-E840-446F-8D49-E697067EC887}">
+  <ds:schemaRefs>
+    <ds:schemaRef ds:uri="http://schemas.microsoft.com/sharepoint/v3/contenttype/forms"/>
   </ds:schemaRefs>
 </ds:datastoreItem>
 </file>

--- a/Presentation/draft_presentation_salaries_2023.pptx
+++ b/Presentation/draft_presentation_salaries_2023.pptx
@@ -5,10 +5,10 @@
     <p:sldMasterId id="2147483684" r:id="rId4"/>
   </p:sldMasterIdLst>
   <p:notesMasterIdLst>
-    <p:notesMasterId r:id="rId19"/>
+    <p:notesMasterId r:id="rId26"/>
   </p:notesMasterIdLst>
   <p:handoutMasterIdLst>
-    <p:handoutMasterId r:id="rId20"/>
+    <p:handoutMasterId r:id="rId27"/>
   </p:handoutMasterIdLst>
   <p:sldIdLst>
     <p:sldId id="257" r:id="rId5"/>
@@ -21,10 +21,17 @@
     <p:sldId id="279" r:id="rId12"/>
     <p:sldId id="268" r:id="rId13"/>
     <p:sldId id="272" r:id="rId14"/>
-    <p:sldId id="270" r:id="rId15"/>
-    <p:sldId id="281" r:id="rId16"/>
-    <p:sldId id="321" r:id="rId17"/>
-    <p:sldId id="391" r:id="rId18"/>
+    <p:sldId id="394" r:id="rId15"/>
+    <p:sldId id="270" r:id="rId16"/>
+    <p:sldId id="395" r:id="rId17"/>
+    <p:sldId id="281" r:id="rId18"/>
+    <p:sldId id="396" r:id="rId19"/>
+    <p:sldId id="397" r:id="rId20"/>
+    <p:sldId id="398" r:id="rId21"/>
+    <p:sldId id="399" r:id="rId22"/>
+    <p:sldId id="321" r:id="rId23"/>
+    <p:sldId id="393" r:id="rId24"/>
+    <p:sldId id="391" r:id="rId25"/>
   </p:sldIdLst>
   <p:sldSz cx="12192000" cy="6858000"/>
   <p:notesSz cx="6858000" cy="9144000"/>
@@ -148,7 +155,7 @@
 <file path=ppt/revisionInfo.xml><?xml version="1.0" encoding="utf-8"?>
 <p1510:revInfo xmlns:a="http://schemas.openxmlformats.org/drawingml/2006/main" xmlns:r="http://schemas.openxmlformats.org/officeDocument/2006/relationships" xmlns:p1510="http://schemas.microsoft.com/office/powerpoint/2015/10/main">
   <p1510:revLst>
-    <p1510:client id="{713AE7ED-0655-4057-A6C2-FB3F86893D8F}" v="36" dt="2023-06-06T01:40:42.315"/>
+    <p1510:client id="{713AE7ED-0655-4057-A6C2-FB3F86893D8F}" v="491" dt="2023-06-08T01:05:23.284"/>
   </p1510:revLst>
 </p1510:revInfo>
 </file>
@@ -158,12 +165,12 @@
   <pc:docChgLst>
     <pc:chgData name="Calogera McCormick" userId="e0a4c6cb4146cbe1" providerId="LiveId" clId="{713AE7ED-0655-4057-A6C2-FB3F86893D8F}"/>
     <pc:docChg chg="undo custSel addSld modSld">
-      <pc:chgData name="Calogera McCormick" userId="e0a4c6cb4146cbe1" providerId="LiveId" clId="{713AE7ED-0655-4057-A6C2-FB3F86893D8F}" dt="2023-06-06T01:40:42.315" v="347" actId="478"/>
+      <pc:chgData name="Calogera McCormick" userId="e0a4c6cb4146cbe1" providerId="LiveId" clId="{713AE7ED-0655-4057-A6C2-FB3F86893D8F}" dt="2023-06-08T01:06:17.201" v="1621" actId="20577"/>
       <pc:docMkLst>
         <pc:docMk/>
       </pc:docMkLst>
-      <pc:sldChg chg="modSp mod">
-        <pc:chgData name="Calogera McCormick" userId="e0a4c6cb4146cbe1" providerId="LiveId" clId="{713AE7ED-0655-4057-A6C2-FB3F86893D8F}" dt="2023-06-02T12:00:13.697" v="226" actId="122"/>
+      <pc:sldChg chg="addSp modSp mod">
+        <pc:chgData name="Calogera McCormick" userId="e0a4c6cb4146cbe1" providerId="LiveId" clId="{713AE7ED-0655-4057-A6C2-FB3F86893D8F}" dt="2023-06-08T00:52:28.127" v="1451"/>
         <pc:sldMkLst>
           <pc:docMk/>
           <pc:sldMk cId="752814286" sldId="257"/>
@@ -184,15 +191,300 @@
             <ac:spMk id="3" creationId="{D9A11267-FC52-4990-8D98-010AFABA5544}"/>
           </ac:spMkLst>
         </pc:spChg>
+        <pc:spChg chg="add mod">
+          <ac:chgData name="Calogera McCormick" userId="e0a4c6cb4146cbe1" providerId="LiveId" clId="{713AE7ED-0655-4057-A6C2-FB3F86893D8F}" dt="2023-06-08T00:52:28.127" v="1451"/>
+          <ac:spMkLst>
+            <pc:docMk/>
+            <pc:sldMk cId="752814286" sldId="257"/>
+            <ac:spMk id="4" creationId="{222F01C4-485F-1A47-DCC9-18BC89F77C52}"/>
+          </ac:spMkLst>
+        </pc:spChg>
+      </pc:sldChg>
+      <pc:sldChg chg="addSp delSp modSp mod">
+        <pc:chgData name="Calogera McCormick" userId="e0a4c6cb4146cbe1" providerId="LiveId" clId="{713AE7ED-0655-4057-A6C2-FB3F86893D8F}" dt="2023-06-08T01:01:42.849" v="1577" actId="14100"/>
+        <pc:sldMkLst>
+          <pc:docMk/>
+          <pc:sldMk cId="2979876663" sldId="268"/>
+        </pc:sldMkLst>
+        <pc:spChg chg="mod">
+          <ac:chgData name="Calogera McCormick" userId="e0a4c6cb4146cbe1" providerId="LiveId" clId="{713AE7ED-0655-4057-A6C2-FB3F86893D8F}" dt="2023-06-08T01:01:35.547" v="1576" actId="554"/>
+          <ac:spMkLst>
+            <pc:docMk/>
+            <pc:sldMk cId="2979876663" sldId="268"/>
+            <ac:spMk id="3" creationId="{B1C6A53C-7538-4FF9-BC09-EFC116FE7054}"/>
+          </ac:spMkLst>
+        </pc:spChg>
+        <pc:spChg chg="add mod">
+          <ac:chgData name="Calogera McCormick" userId="e0a4c6cb4146cbe1" providerId="LiveId" clId="{713AE7ED-0655-4057-A6C2-FB3F86893D8F}" dt="2023-06-08T00:17:55.688" v="892" actId="20577"/>
+          <ac:spMkLst>
+            <pc:docMk/>
+            <pc:sldMk cId="2979876663" sldId="268"/>
+            <ac:spMk id="4" creationId="{244D4E1C-D834-06CB-134A-C6380F643527}"/>
+          </ac:spMkLst>
+        </pc:spChg>
+        <pc:spChg chg="add mod">
+          <ac:chgData name="Calogera McCormick" userId="e0a4c6cb4146cbe1" providerId="LiveId" clId="{713AE7ED-0655-4057-A6C2-FB3F86893D8F}" dt="2023-06-08T01:01:42.849" v="1577" actId="14100"/>
+          <ac:spMkLst>
+            <pc:docMk/>
+            <pc:sldMk cId="2979876663" sldId="268"/>
+            <ac:spMk id="5" creationId="{3F846613-3E3D-EE25-81FF-16C495EFBBE7}"/>
+          </ac:spMkLst>
+        </pc:spChg>
+        <pc:spChg chg="add del">
+          <ac:chgData name="Calogera McCormick" userId="e0a4c6cb4146cbe1" providerId="LiveId" clId="{713AE7ED-0655-4057-A6C2-FB3F86893D8F}" dt="2023-06-08T00:18:18.066" v="911" actId="478"/>
+          <ac:spMkLst>
+            <pc:docMk/>
+            <pc:sldMk cId="2979876663" sldId="268"/>
+            <ac:spMk id="6" creationId="{ED2A30C0-1BC4-4764-9C0F-5D811CAB8312}"/>
+          </ac:spMkLst>
+        </pc:spChg>
+        <pc:spChg chg="add del mod">
+          <ac:chgData name="Calogera McCormick" userId="e0a4c6cb4146cbe1" providerId="LiveId" clId="{713AE7ED-0655-4057-A6C2-FB3F86893D8F}" dt="2023-06-08T00:18:21.694" v="912" actId="478"/>
+          <ac:spMkLst>
+            <pc:docMk/>
+            <pc:sldMk cId="2979876663" sldId="268"/>
+            <ac:spMk id="11" creationId="{790067E4-72E2-D9A5-4CE8-F4448AAE370A}"/>
+          </ac:spMkLst>
+        </pc:spChg>
+        <pc:spChg chg="add del mod">
+          <ac:chgData name="Calogera McCormick" userId="e0a4c6cb4146cbe1" providerId="LiveId" clId="{713AE7ED-0655-4057-A6C2-FB3F86893D8F}" dt="2023-06-08T00:21:10.714" v="985" actId="478"/>
+          <ac:spMkLst>
+            <pc:docMk/>
+            <pc:sldMk cId="2979876663" sldId="268"/>
+            <ac:spMk id="12" creationId="{4264F632-16DA-0EFE-E28F-4C5816E3D965}"/>
+          </ac:spMkLst>
+        </pc:spChg>
+        <pc:spChg chg="add del mod">
+          <ac:chgData name="Calogera McCormick" userId="e0a4c6cb4146cbe1" providerId="LiveId" clId="{713AE7ED-0655-4057-A6C2-FB3F86893D8F}" dt="2023-06-08T00:18:18.066" v="911" actId="478"/>
+          <ac:spMkLst>
+            <pc:docMk/>
+            <pc:sldMk cId="2979876663" sldId="268"/>
+            <ac:spMk id="14" creationId="{FB964C3E-DDC2-175D-0CAB-5584E06744A2}"/>
+          </ac:spMkLst>
+        </pc:spChg>
+        <pc:spChg chg="mod">
+          <ac:chgData name="Calogera McCormick" userId="e0a4c6cb4146cbe1" providerId="LiveId" clId="{713AE7ED-0655-4057-A6C2-FB3F86893D8F}" dt="2023-06-08T01:01:35.547" v="1576" actId="554"/>
+          <ac:spMkLst>
+            <pc:docMk/>
+            <pc:sldMk cId="2979876663" sldId="268"/>
+            <ac:spMk id="15" creationId="{84D39D81-9726-4BD7-BDC0-FA0B2AD0D219}"/>
+          </ac:spMkLst>
+        </pc:spChg>
+        <pc:spChg chg="add del mod">
+          <ac:chgData name="Calogera McCormick" userId="e0a4c6cb4146cbe1" providerId="LiveId" clId="{713AE7ED-0655-4057-A6C2-FB3F86893D8F}" dt="2023-06-08T00:25:51.934" v="999" actId="478"/>
+          <ac:spMkLst>
+            <pc:docMk/>
+            <pc:sldMk cId="2979876663" sldId="268"/>
+            <ac:spMk id="20" creationId="{38DB2ADE-C431-27C6-8573-A7B4EB3D23AA}"/>
+          </ac:spMkLst>
+        </pc:spChg>
+        <pc:spChg chg="add del mod">
+          <ac:chgData name="Calogera McCormick" userId="e0a4c6cb4146cbe1" providerId="LiveId" clId="{713AE7ED-0655-4057-A6C2-FB3F86893D8F}" dt="2023-06-08T00:46:34.151" v="1009" actId="931"/>
+          <ac:spMkLst>
+            <pc:docMk/>
+            <pc:sldMk cId="2979876663" sldId="268"/>
+            <ac:spMk id="22" creationId="{D4D55ED2-8BD2-E191-1106-17FDC1AFE0E9}"/>
+          </ac:spMkLst>
+        </pc:spChg>
+        <pc:spChg chg="add del">
+          <ac:chgData name="Calogera McCormick" userId="e0a4c6cb4146cbe1" providerId="LiveId" clId="{713AE7ED-0655-4057-A6C2-FB3F86893D8F}" dt="2023-06-08T00:45:59.928" v="1006" actId="478"/>
+          <ac:spMkLst>
+            <pc:docMk/>
+            <pc:sldMk cId="2979876663" sldId="268"/>
+            <ac:spMk id="23" creationId="{B266DA3F-D41E-96EC-7B5E-4660011A7B0A}"/>
+          </ac:spMkLst>
+        </pc:spChg>
+        <pc:spChg chg="add del">
+          <ac:chgData name="Calogera McCormick" userId="e0a4c6cb4146cbe1" providerId="LiveId" clId="{713AE7ED-0655-4057-A6C2-FB3F86893D8F}" dt="2023-06-08T00:46:09.949" v="1008" actId="478"/>
+          <ac:spMkLst>
+            <pc:docMk/>
+            <pc:sldMk cId="2979876663" sldId="268"/>
+            <ac:spMk id="24" creationId="{E1F77352-712D-D31B-33A1-E9DE1CB01273}"/>
+          </ac:spMkLst>
+        </pc:spChg>
+        <pc:spChg chg="add mod">
+          <ac:chgData name="Calogera McCormick" userId="e0a4c6cb4146cbe1" providerId="LiveId" clId="{713AE7ED-0655-4057-A6C2-FB3F86893D8F}" dt="2023-06-08T00:52:21.383" v="1449"/>
+          <ac:spMkLst>
+            <pc:docMk/>
+            <pc:sldMk cId="2979876663" sldId="268"/>
+            <ac:spMk id="28" creationId="{A93E6B3B-B3D8-27DA-2310-5CF3D49FFD70}"/>
+          </ac:spMkLst>
+        </pc:spChg>
+        <pc:spChg chg="mod">
+          <ac:chgData name="Calogera McCormick" userId="e0a4c6cb4146cbe1" providerId="LiveId" clId="{713AE7ED-0655-4057-A6C2-FB3F86893D8F}" dt="2023-06-08T00:15:26" v="838" actId="1076"/>
+          <ac:spMkLst>
+            <pc:docMk/>
+            <pc:sldMk cId="2979876663" sldId="268"/>
+            <ac:spMk id="41" creationId="{91181F6D-A54F-4289-8C36-80ECE3B2C8E2}"/>
+          </ac:spMkLst>
+        </pc:spChg>
+        <pc:spChg chg="mod">
+          <ac:chgData name="Calogera McCormick" userId="e0a4c6cb4146cbe1" providerId="LiveId" clId="{713AE7ED-0655-4057-A6C2-FB3F86893D8F}" dt="2023-06-08T01:01:35.547" v="1576" actId="554"/>
+          <ac:spMkLst>
+            <pc:docMk/>
+            <pc:sldMk cId="2979876663" sldId="268"/>
+            <ac:spMk id="42" creationId="{CCDF84CD-BC27-4182-9FBA-9D4FEED95410}"/>
+          </ac:spMkLst>
+        </pc:spChg>
+        <pc:spChg chg="mod">
+          <ac:chgData name="Calogera McCormick" userId="e0a4c6cb4146cbe1" providerId="LiveId" clId="{713AE7ED-0655-4057-A6C2-FB3F86893D8F}" dt="2023-06-08T00:17:36.608" v="860"/>
+          <ac:spMkLst>
+            <pc:docMk/>
+            <pc:sldMk cId="2979876663" sldId="268"/>
+            <ac:spMk id="43" creationId="{E4387CED-5FBE-4AFF-B64D-975B5574F16F}"/>
+          </ac:spMkLst>
+        </pc:spChg>
+        <pc:spChg chg="mod">
+          <ac:chgData name="Calogera McCormick" userId="e0a4c6cb4146cbe1" providerId="LiveId" clId="{713AE7ED-0655-4057-A6C2-FB3F86893D8F}" dt="2023-06-08T01:01:35.547" v="1576" actId="554"/>
+          <ac:spMkLst>
+            <pc:docMk/>
+            <pc:sldMk cId="2979876663" sldId="268"/>
+            <ac:spMk id="44" creationId="{10E83414-3440-46C7-8C07-7D073B69C422}"/>
+          </ac:spMkLst>
+        </pc:spChg>
+        <pc:spChg chg="mod">
+          <ac:chgData name="Calogera McCormick" userId="e0a4c6cb4146cbe1" providerId="LiveId" clId="{713AE7ED-0655-4057-A6C2-FB3F86893D8F}" dt="2023-06-08T00:17:45.280" v="880" actId="20577"/>
+          <ac:spMkLst>
+            <pc:docMk/>
+            <pc:sldMk cId="2979876663" sldId="268"/>
+            <ac:spMk id="45" creationId="{FE5CD03B-066A-46AF-8FB8-E8A78074ABEF}"/>
+          </ac:spMkLst>
+        </pc:spChg>
+        <pc:spChg chg="mod">
+          <ac:chgData name="Calogera McCormick" userId="e0a4c6cb4146cbe1" providerId="LiveId" clId="{713AE7ED-0655-4057-A6C2-FB3F86893D8F}" dt="2023-06-08T00:18:08.049" v="907" actId="20577"/>
+          <ac:spMkLst>
+            <pc:docMk/>
+            <pc:sldMk cId="2979876663" sldId="268"/>
+            <ac:spMk id="47" creationId="{F4640D91-CB97-4FCC-8FEF-F4B22B844DC4}"/>
+          </ac:spMkLst>
+        </pc:spChg>
+        <pc:picChg chg="add del mod">
+          <ac:chgData name="Calogera McCormick" userId="e0a4c6cb4146cbe1" providerId="LiveId" clId="{713AE7ED-0655-4057-A6C2-FB3F86893D8F}" dt="2023-06-08T00:23:12.399" v="994" actId="478"/>
+          <ac:picMkLst>
+            <pc:docMk/>
+            <pc:sldMk cId="2979876663" sldId="268"/>
+            <ac:picMk id="2" creationId="{117BC66A-FA9F-EBB6-B8C3-4F9537EA2161}"/>
+          </ac:picMkLst>
+        </pc:picChg>
+        <pc:picChg chg="add del mod">
+          <ac:chgData name="Calogera McCormick" userId="e0a4c6cb4146cbe1" providerId="LiveId" clId="{713AE7ED-0655-4057-A6C2-FB3F86893D8F}" dt="2023-06-08T00:45:51.265" v="1003" actId="478"/>
+          <ac:picMkLst>
+            <pc:docMk/>
+            <pc:sldMk cId="2979876663" sldId="268"/>
+            <ac:picMk id="16" creationId="{F662657F-ED5B-923B-E7F3-6398EA2A7FD3}"/>
+          </ac:picMkLst>
+        </pc:picChg>
+        <pc:picChg chg="del mod">
+          <ac:chgData name="Calogera McCormick" userId="e0a4c6cb4146cbe1" providerId="LiveId" clId="{713AE7ED-0655-4057-A6C2-FB3F86893D8F}" dt="2023-06-08T00:45:55.366" v="1004" actId="478"/>
+          <ac:picMkLst>
+            <pc:docMk/>
+            <pc:sldMk cId="2979876663" sldId="268"/>
+            <ac:picMk id="17" creationId="{05ED5B1E-974F-476C-A3C9-572D3602E95E}"/>
+          </ac:picMkLst>
+        </pc:picChg>
+        <pc:picChg chg="add mod">
+          <ac:chgData name="Calogera McCormick" userId="e0a4c6cb4146cbe1" providerId="LiveId" clId="{713AE7ED-0655-4057-A6C2-FB3F86893D8F}" dt="2023-06-08T00:23:17.126" v="995" actId="14100"/>
+          <ac:picMkLst>
+            <pc:docMk/>
+            <pc:sldMk cId="2979876663" sldId="268"/>
+            <ac:picMk id="18" creationId="{18B17E19-EF67-B8A0-479E-DA30B0D65895}"/>
+          </ac:picMkLst>
+        </pc:picChg>
+        <pc:picChg chg="add mod">
+          <ac:chgData name="Calogera McCormick" userId="e0a4c6cb4146cbe1" providerId="LiveId" clId="{713AE7ED-0655-4057-A6C2-FB3F86893D8F}" dt="2023-06-08T00:47:33.296" v="1015" actId="14826"/>
+          <ac:picMkLst>
+            <pc:docMk/>
+            <pc:sldMk cId="2979876663" sldId="268"/>
+            <ac:picMk id="26" creationId="{93FE2146-993E-51AF-3141-80787CFF07AC}"/>
+          </ac:picMkLst>
+        </pc:picChg>
+        <pc:picChg chg="add del">
+          <ac:chgData name="Calogera McCormick" userId="e0a4c6cb4146cbe1" providerId="LiveId" clId="{713AE7ED-0655-4057-A6C2-FB3F86893D8F}" dt="2023-06-08T00:47:14.789" v="1014" actId="478"/>
+          <ac:picMkLst>
+            <pc:docMk/>
+            <pc:sldMk cId="2979876663" sldId="268"/>
+            <ac:picMk id="27" creationId="{0D158E11-E2B3-EAC5-BC8D-92C836D3D86F}"/>
+          </ac:picMkLst>
+        </pc:picChg>
+        <pc:picChg chg="mod">
+          <ac:chgData name="Calogera McCormick" userId="e0a4c6cb4146cbe1" providerId="LiveId" clId="{713AE7ED-0655-4057-A6C2-FB3F86893D8F}" dt="2023-06-08T00:14:47.148" v="817" actId="552"/>
+          <ac:picMkLst>
+            <pc:docMk/>
+            <pc:sldMk cId="2979876663" sldId="268"/>
+            <ac:picMk id="36" creationId="{F3CCCCDF-EA66-4F5E-98F3-A05239CBBAC4}"/>
+          </ac:picMkLst>
+        </pc:picChg>
+        <pc:picChg chg="del mod">
+          <ac:chgData name="Calogera McCormick" userId="e0a4c6cb4146cbe1" providerId="LiveId" clId="{713AE7ED-0655-4057-A6C2-FB3F86893D8F}" dt="2023-06-08T00:25:39.420" v="998" actId="478"/>
+          <ac:picMkLst>
+            <pc:docMk/>
+            <pc:sldMk cId="2979876663" sldId="268"/>
+            <ac:picMk id="38" creationId="{8A6BB597-41F4-432E-8432-8F39511B2941}"/>
+          </ac:picMkLst>
+        </pc:picChg>
+        <pc:picChg chg="mod">
+          <ac:chgData name="Calogera McCormick" userId="e0a4c6cb4146cbe1" providerId="LiveId" clId="{713AE7ED-0655-4057-A6C2-FB3F86893D8F}" dt="2023-06-08T00:14:25.161" v="814" actId="1076"/>
+          <ac:picMkLst>
+            <pc:docMk/>
+            <pc:sldMk cId="2979876663" sldId="268"/>
+            <ac:picMk id="40" creationId="{76B2FC80-9F3B-46D8-94D9-882D90A858F6}"/>
+          </ac:picMkLst>
+        </pc:picChg>
+        <pc:picChg chg="add mod">
+          <ac:chgData name="Calogera McCormick" userId="e0a4c6cb4146cbe1" providerId="LiveId" clId="{713AE7ED-0655-4057-A6C2-FB3F86893D8F}" dt="2023-06-08T00:25:58.231" v="1000" actId="14100"/>
+          <ac:picMkLst>
+            <pc:docMk/>
+            <pc:sldMk cId="2979876663" sldId="268"/>
+            <ac:picMk id="1026" creationId="{CE431776-3F06-B255-B85B-C274F2AFF22C}"/>
+          </ac:picMkLst>
+        </pc:picChg>
+      </pc:sldChg>
+      <pc:sldChg chg="addSp modSp mod">
+        <pc:chgData name="Calogera McCormick" userId="e0a4c6cb4146cbe1" providerId="LiveId" clId="{713AE7ED-0655-4057-A6C2-FB3F86893D8F}" dt="2023-06-08T00:52:18.226" v="1448" actId="207"/>
+        <pc:sldMkLst>
+          <pc:docMk/>
+          <pc:sldMk cId="2624630061" sldId="272"/>
+        </pc:sldMkLst>
+        <pc:spChg chg="add mod">
+          <ac:chgData name="Calogera McCormick" userId="e0a4c6cb4146cbe1" providerId="LiveId" clId="{713AE7ED-0655-4057-A6C2-FB3F86893D8F}" dt="2023-06-08T00:52:18.226" v="1448" actId="207"/>
+          <ac:spMkLst>
+            <pc:docMk/>
+            <pc:sldMk cId="2624630061" sldId="272"/>
+            <ac:spMk id="5" creationId="{9C4D63C3-2037-D163-2B36-745EDB87239C}"/>
+          </ac:spMkLst>
+        </pc:spChg>
+        <pc:graphicFrameChg chg="mod">
+          <ac:chgData name="Calogera McCormick" userId="e0a4c6cb4146cbe1" providerId="LiveId" clId="{713AE7ED-0655-4057-A6C2-FB3F86893D8F}" dt="2023-06-08T00:51:55.213" v="1445" actId="20577"/>
+          <ac:graphicFrameMkLst>
+            <pc:docMk/>
+            <pc:sldMk cId="2624630061" sldId="272"/>
+            <ac:graphicFrameMk id="4" creationId="{93897051-DA8D-4072-A594-51769F8D52F5}"/>
+          </ac:graphicFrameMkLst>
+        </pc:graphicFrameChg>
       </pc:sldChg>
       <pc:sldChg chg="modSp mod">
-        <pc:chgData name="Calogera McCormick" userId="e0a4c6cb4146cbe1" providerId="LiveId" clId="{713AE7ED-0655-4057-A6C2-FB3F86893D8F}" dt="2023-06-02T11:53:24.881" v="7" actId="27636"/>
+        <pc:chgData name="Calogera McCormick" userId="e0a4c6cb4146cbe1" providerId="LiveId" clId="{713AE7ED-0655-4057-A6C2-FB3F86893D8F}" dt="2023-06-08T00:10:04.563" v="747" actId="6549"/>
+        <pc:sldMkLst>
+          <pc:docMk/>
+          <pc:sldMk cId="560021826" sldId="317"/>
+        </pc:sldMkLst>
+        <pc:spChg chg="mod">
+          <ac:chgData name="Calogera McCormick" userId="e0a4c6cb4146cbe1" providerId="LiveId" clId="{713AE7ED-0655-4057-A6C2-FB3F86893D8F}" dt="2023-06-08T00:10:04.563" v="747" actId="6549"/>
+          <ac:spMkLst>
+            <pc:docMk/>
+            <pc:sldMk cId="560021826" sldId="317"/>
+            <ac:spMk id="15" creationId="{40F1DF5B-353A-4270-8C10-6A1509441174}"/>
+          </ac:spMkLst>
+        </pc:spChg>
+      </pc:sldChg>
+      <pc:sldChg chg="modSp mod">
+        <pc:chgData name="Calogera McCormick" userId="e0a4c6cb4146cbe1" providerId="LiveId" clId="{713AE7ED-0655-4057-A6C2-FB3F86893D8F}" dt="2023-06-08T00:09:00.744" v="703" actId="20577"/>
         <pc:sldMkLst>
           <pc:docMk/>
           <pc:sldMk cId="2158886557" sldId="384"/>
         </pc:sldMkLst>
         <pc:spChg chg="mod">
-          <ac:chgData name="Calogera McCormick" userId="e0a4c6cb4146cbe1" providerId="LiveId" clId="{713AE7ED-0655-4057-A6C2-FB3F86893D8F}" dt="2023-06-02T11:53:24.881" v="7" actId="27636"/>
+          <ac:chgData name="Calogera McCormick" userId="e0a4c6cb4146cbe1" providerId="LiveId" clId="{713AE7ED-0655-4057-A6C2-FB3F86893D8F}" dt="2023-06-08T00:09:00.744" v="703" actId="20577"/>
           <ac:spMkLst>
             <pc:docMk/>
             <pc:sldMk cId="2158886557" sldId="384"/>
@@ -200,8 +492,46 @@
           </ac:spMkLst>
         </pc:spChg>
       </pc:sldChg>
+      <pc:sldChg chg="addSp modSp mod">
+        <pc:chgData name="Calogera McCormick" userId="e0a4c6cb4146cbe1" providerId="LiveId" clId="{713AE7ED-0655-4057-A6C2-FB3F86893D8F}" dt="2023-06-08T00:52:30.275" v="1452"/>
+        <pc:sldMkLst>
+          <pc:docMk/>
+          <pc:sldMk cId="2313234867" sldId="389"/>
+        </pc:sldMkLst>
+        <pc:spChg chg="mod">
+          <ac:chgData name="Calogera McCormick" userId="e0a4c6cb4146cbe1" providerId="LiveId" clId="{713AE7ED-0655-4057-A6C2-FB3F86893D8F}" dt="2023-06-08T00:07:17.312" v="445" actId="20577"/>
+          <ac:spMkLst>
+            <pc:docMk/>
+            <pc:sldMk cId="2313234867" sldId="389"/>
+            <ac:spMk id="3" creationId="{D3B60D6F-4D0F-4D33-B2A7-159C8583FF00}"/>
+          </ac:spMkLst>
+        </pc:spChg>
+        <pc:spChg chg="add mod">
+          <ac:chgData name="Calogera McCormick" userId="e0a4c6cb4146cbe1" providerId="LiveId" clId="{713AE7ED-0655-4057-A6C2-FB3F86893D8F}" dt="2023-06-08T00:52:30.275" v="1452"/>
+          <ac:spMkLst>
+            <pc:docMk/>
+            <pc:sldMk cId="2313234867" sldId="389"/>
+            <ac:spMk id="4" creationId="{53E1CA95-67F3-DC80-A822-FB3BEFDF38E8}"/>
+          </ac:spMkLst>
+        </pc:spChg>
+      </pc:sldChg>
+      <pc:sldChg chg="modSp mod">
+        <pc:chgData name="Calogera McCormick" userId="e0a4c6cb4146cbe1" providerId="LiveId" clId="{713AE7ED-0655-4057-A6C2-FB3F86893D8F}" dt="2023-06-08T00:52:46.497" v="1467" actId="20577"/>
+        <pc:sldMkLst>
+          <pc:docMk/>
+          <pc:sldMk cId="3247798845" sldId="391"/>
+        </pc:sldMkLst>
+        <pc:spChg chg="mod">
+          <ac:chgData name="Calogera McCormick" userId="e0a4c6cb4146cbe1" providerId="LiveId" clId="{713AE7ED-0655-4057-A6C2-FB3F86893D8F}" dt="2023-06-08T00:52:46.497" v="1467" actId="20577"/>
+          <ac:spMkLst>
+            <pc:docMk/>
+            <pc:sldMk cId="3247798845" sldId="391"/>
+            <ac:spMk id="23" creationId="{8E5E4638-9BCB-4C2E-914F-CC868E2020D5}"/>
+          </ac:spMkLst>
+        </pc:spChg>
+      </pc:sldChg>
       <pc:sldChg chg="addSp delSp modSp new mod modClrScheme chgLayout">
-        <pc:chgData name="Calogera McCormick" userId="e0a4c6cb4146cbe1" providerId="LiveId" clId="{713AE7ED-0655-4057-A6C2-FB3F86893D8F}" dt="2023-06-06T01:40:42.315" v="347" actId="478"/>
+        <pc:chgData name="Calogera McCormick" userId="e0a4c6cb4146cbe1" providerId="LiveId" clId="{713AE7ED-0655-4057-A6C2-FB3F86893D8F}" dt="2023-06-08T00:52:25.868" v="1450"/>
         <pc:sldMkLst>
           <pc:docMk/>
           <pc:sldMk cId="2031009587" sldId="392"/>
@@ -212,6 +542,14 @@
             <pc:docMk/>
             <pc:sldMk cId="2031009587" sldId="392"/>
             <ac:spMk id="2" creationId="{7DF86ABD-8DC7-1011-EE5B-8D9C45413EB3}"/>
+          </ac:spMkLst>
+        </pc:spChg>
+        <pc:spChg chg="add mod">
+          <ac:chgData name="Calogera McCormick" userId="e0a4c6cb4146cbe1" providerId="LiveId" clId="{713AE7ED-0655-4057-A6C2-FB3F86893D8F}" dt="2023-06-08T00:52:25.868" v="1450"/>
+          <ac:spMkLst>
+            <pc:docMk/>
+            <pc:sldMk cId="2031009587" sldId="392"/>
+            <ac:spMk id="2" creationId="{92359531-F2E2-76CD-62AB-232EBEB1DE18}"/>
           </ac:spMkLst>
         </pc:spChg>
         <pc:spChg chg="add del">
@@ -615,7 +953,7 @@
           </ac:picMkLst>
         </pc:picChg>
         <pc:picChg chg="add mod">
-          <ac:chgData name="Calogera McCormick" userId="e0a4c6cb4146cbe1" providerId="LiveId" clId="{713AE7ED-0655-4057-A6C2-FB3F86893D8F}" dt="2023-06-06T01:12:16.450" v="307" actId="1076"/>
+          <ac:chgData name="Calogera McCormick" userId="e0a4c6cb4146cbe1" providerId="LiveId" clId="{713AE7ED-0655-4057-A6C2-FB3F86893D8F}" dt="2023-06-08T00:06:17.291" v="349" actId="1076"/>
           <ac:picMkLst>
             <pc:docMk/>
             <pc:sldMk cId="2031009587" sldId="392"/>
@@ -654,6 +992,103 @@
             <ac:picMk id="1040" creationId="{EEB34E32-8DAE-C846-A6C8-684BDE1CA684}"/>
           </ac:picMkLst>
         </pc:picChg>
+      </pc:sldChg>
+      <pc:sldChg chg="modSp add mod">
+        <pc:chgData name="Calogera McCormick" userId="e0a4c6cb4146cbe1" providerId="LiveId" clId="{713AE7ED-0655-4057-A6C2-FB3F86893D8F}" dt="2023-06-08T00:54:31.451" v="1536" actId="20577"/>
+        <pc:sldMkLst>
+          <pc:docMk/>
+          <pc:sldMk cId="2494024088" sldId="393"/>
+        </pc:sldMkLst>
+        <pc:spChg chg="mod">
+          <ac:chgData name="Calogera McCormick" userId="e0a4c6cb4146cbe1" providerId="LiveId" clId="{713AE7ED-0655-4057-A6C2-FB3F86893D8F}" dt="2023-06-08T00:54:09.754" v="1484" actId="20577"/>
+          <ac:spMkLst>
+            <pc:docMk/>
+            <pc:sldMk cId="2494024088" sldId="393"/>
+            <ac:spMk id="11" creationId="{581E8936-2270-47FE-94A4-398CB123EF90}"/>
+          </ac:spMkLst>
+        </pc:spChg>
+        <pc:spChg chg="mod">
+          <ac:chgData name="Calogera McCormick" userId="e0a4c6cb4146cbe1" providerId="LiveId" clId="{713AE7ED-0655-4057-A6C2-FB3F86893D8F}" dt="2023-06-08T00:54:31.451" v="1536" actId="20577"/>
+          <ac:spMkLst>
+            <pc:docMk/>
+            <pc:sldMk cId="2494024088" sldId="393"/>
+            <ac:spMk id="13" creationId="{C0287FEC-3826-4868-8D93-52429C6156F5}"/>
+          </ac:spMkLst>
+        </pc:spChg>
+      </pc:sldChg>
+      <pc:sldChg chg="modSp add mod">
+        <pc:chgData name="Calogera McCormick" userId="e0a4c6cb4146cbe1" providerId="LiveId" clId="{713AE7ED-0655-4057-A6C2-FB3F86893D8F}" dt="2023-06-08T00:55:15.893" v="1550" actId="20577"/>
+        <pc:sldMkLst>
+          <pc:docMk/>
+          <pc:sldMk cId="2192275075" sldId="394"/>
+        </pc:sldMkLst>
+        <pc:spChg chg="mod">
+          <ac:chgData name="Calogera McCormick" userId="e0a4c6cb4146cbe1" providerId="LiveId" clId="{713AE7ED-0655-4057-A6C2-FB3F86893D8F}" dt="2023-06-08T00:55:15.893" v="1550" actId="20577"/>
+          <ac:spMkLst>
+            <pc:docMk/>
+            <pc:sldMk cId="2192275075" sldId="394"/>
+            <ac:spMk id="11" creationId="{581E8936-2270-47FE-94A4-398CB123EF90}"/>
+          </ac:spMkLst>
+        </pc:spChg>
+      </pc:sldChg>
+      <pc:sldChg chg="modSp add mod">
+        <pc:chgData name="Calogera McCormick" userId="e0a4c6cb4146cbe1" providerId="LiveId" clId="{713AE7ED-0655-4057-A6C2-FB3F86893D8F}" dt="2023-06-08T01:02:13.229" v="1586" actId="20577"/>
+        <pc:sldMkLst>
+          <pc:docMk/>
+          <pc:sldMk cId="1521947180" sldId="395"/>
+        </pc:sldMkLst>
+        <pc:spChg chg="mod">
+          <ac:chgData name="Calogera McCormick" userId="e0a4c6cb4146cbe1" providerId="LiveId" clId="{713AE7ED-0655-4057-A6C2-FB3F86893D8F}" dt="2023-06-08T01:02:13.229" v="1586" actId="20577"/>
+          <ac:spMkLst>
+            <pc:docMk/>
+            <pc:sldMk cId="1521947180" sldId="395"/>
+            <ac:spMk id="11" creationId="{581E8936-2270-47FE-94A4-398CB123EF90}"/>
+          </ac:spMkLst>
+        </pc:spChg>
+      </pc:sldChg>
+      <pc:sldChg chg="modSp add mod">
+        <pc:chgData name="Calogera McCormick" userId="e0a4c6cb4146cbe1" providerId="LiveId" clId="{713AE7ED-0655-4057-A6C2-FB3F86893D8F}" dt="2023-06-08T01:02:27.865" v="1595" actId="20577"/>
+        <pc:sldMkLst>
+          <pc:docMk/>
+          <pc:sldMk cId="3168979440" sldId="396"/>
+        </pc:sldMkLst>
+        <pc:spChg chg="mod">
+          <ac:chgData name="Calogera McCormick" userId="e0a4c6cb4146cbe1" providerId="LiveId" clId="{713AE7ED-0655-4057-A6C2-FB3F86893D8F}" dt="2023-06-08T01:02:27.865" v="1595" actId="20577"/>
+          <ac:spMkLst>
+            <pc:docMk/>
+            <pc:sldMk cId="3168979440" sldId="396"/>
+            <ac:spMk id="11" creationId="{581E8936-2270-47FE-94A4-398CB123EF90}"/>
+          </ac:spMkLst>
+        </pc:spChg>
+      </pc:sldChg>
+      <pc:sldChg chg="add">
+        <pc:chgData name="Calogera McCormick" userId="e0a4c6cb4146cbe1" providerId="LiveId" clId="{713AE7ED-0655-4057-A6C2-FB3F86893D8F}" dt="2023-06-08T01:02:19.697" v="1587"/>
+        <pc:sldMkLst>
+          <pc:docMk/>
+          <pc:sldMk cId="1966113941" sldId="397"/>
+        </pc:sldMkLst>
+      </pc:sldChg>
+      <pc:sldChg chg="modSp add mod">
+        <pc:chgData name="Calogera McCormick" userId="e0a4c6cb4146cbe1" providerId="LiveId" clId="{713AE7ED-0655-4057-A6C2-FB3F86893D8F}" dt="2023-06-08T01:06:17.201" v="1621" actId="20577"/>
+        <pc:sldMkLst>
+          <pc:docMk/>
+          <pc:sldMk cId="3626334480" sldId="398"/>
+        </pc:sldMkLst>
+        <pc:spChg chg="mod">
+          <ac:chgData name="Calogera McCormick" userId="e0a4c6cb4146cbe1" providerId="LiveId" clId="{713AE7ED-0655-4057-A6C2-FB3F86893D8F}" dt="2023-06-08T01:06:17.201" v="1621" actId="20577"/>
+          <ac:spMkLst>
+            <pc:docMk/>
+            <pc:sldMk cId="3626334480" sldId="398"/>
+            <ac:spMk id="11" creationId="{581E8936-2270-47FE-94A4-398CB123EF90}"/>
+          </ac:spMkLst>
+        </pc:spChg>
+      </pc:sldChg>
+      <pc:sldChg chg="add">
+        <pc:chgData name="Calogera McCormick" userId="e0a4c6cb4146cbe1" providerId="LiveId" clId="{713AE7ED-0655-4057-A6C2-FB3F86893D8F}" dt="2023-06-08T01:05:23.264" v="1596"/>
+        <pc:sldMkLst>
+          <pc:docMk/>
+          <pc:sldMk cId="883699955" sldId="399"/>
+        </pc:sldMkLst>
       </pc:sldChg>
     </pc:docChg>
   </pc:docChgLst>
@@ -2467,7 +2902,7 @@
             <a:rPr lang="en-US" sz="1800" dirty="0">
               <a:latin typeface="+mn-lt"/>
             </a:rPr>
-            <a:t>Title</a:t>
+            <a:t>Select Dataset</a:t>
           </a:r>
         </a:p>
       </dgm:t>
@@ -2513,7 +2948,19 @@
             <a:rPr lang="en-US" sz="1800" dirty="0">
               <a:latin typeface="+mn-lt"/>
             </a:rPr>
-            <a:t>To start a presentation, go to the Slide Show tab, and select          From Beginning.</a:t>
+            <a:t>Identify Question</a:t>
+          </a:r>
+        </a:p>
+        <a:p>
+          <a:pPr>
+            <a:buFont typeface="Symbol" panose="05050102010706020507" pitchFamily="18" charset="2"/>
+            <a:buChar char=""/>
+          </a:pPr>
+          <a:r>
+            <a:rPr lang="en-US" sz="1800" dirty="0">
+              <a:latin typeface="+mn-lt"/>
+            </a:rPr>
+            <a:t>Select Dataset</a:t>
           </a:r>
         </a:p>
       </dgm:t>
@@ -2555,7 +3002,7 @@
             <a:rPr lang="en-US" sz="1800" dirty="0">
               <a:latin typeface="+mn-lt"/>
             </a:rPr>
-            <a:t>Title</a:t>
+            <a:t>Data Cleaning</a:t>
           </a:r>
         </a:p>
       </dgm:t>
@@ -2601,7 +3048,7 @@
             <a:rPr lang="en-US" sz="1800" dirty="0">
               <a:latin typeface="+mn-lt"/>
             </a:rPr>
-            <a:t>To display Presenter view, in Slide Show view, on the control bar at the bottom left select the three dots, and then Show                 Presenter View.</a:t>
+            <a:t>Brief text about data cleaning in Tableau and Pandas</a:t>
           </a:r>
         </a:p>
       </dgm:t>
@@ -2643,7 +3090,7 @@
             <a:rPr lang="en-US" sz="1800" dirty="0">
               <a:latin typeface="+mn-lt"/>
             </a:rPr>
-            <a:t>Title</a:t>
+            <a:t>Data Analysis</a:t>
           </a:r>
         </a:p>
       </dgm:t>
@@ -2686,12 +3133,11 @@
             <a:buChar char=""/>
           </a:pPr>
           <a:r>
-            <a:rPr lang="en-US" sz="1800" dirty="0"/>
-            <a:t>During your presentation, the speaker notes are visible on your monitor, but aren't visible to      the audience.</a:t>
+            <a:rPr lang="en-US" sz="1800" dirty="0">
+              <a:latin typeface="+mn-lt"/>
+            </a:rPr>
+            <a:t>Brief text about data visualizations in Tableau.  Describe the data.</a:t>
           </a:r>
-          <a:endParaRPr lang="en-US" sz="1800" dirty="0">
-            <a:latin typeface="+mn-lt"/>
-          </a:endParaRPr>
         </a:p>
       </dgm:t>
     </dgm:pt>
@@ -2736,7 +3182,7 @@
             <a:rPr lang="en-US" sz="1800" dirty="0">
               <a:latin typeface="+mn-lt"/>
             </a:rPr>
-            <a:t>Title</a:t>
+            <a:t>Data Modeling</a:t>
           </a:r>
         </a:p>
       </dgm:t>
@@ -2778,7 +3224,7 @@
             <a:rPr lang="en-US" sz="1800" dirty="0">
               <a:latin typeface="+mn-lt"/>
             </a:rPr>
-            <a:t>Title</a:t>
+            <a:t>Data Predictions</a:t>
           </a:r>
         </a:p>
       </dgm:t>
@@ -2818,7 +3264,7 @@
           </a:pPr>
           <a:r>
             <a:rPr lang="en-US" sz="1800" dirty="0"/>
-            <a:t>If you don’t see the Notes pane or it is completely minimized, click Notes on the task bar across the bottom of the PowerPoint window.</a:t>
+            <a:t>Using the model.  What questions can we answer.  Show examples</a:t>
           </a:r>
           <a:endParaRPr lang="en-US" sz="1800" dirty="0">
             <a:latin typeface="+mn-lt"/>
@@ -2861,7 +3307,7 @@
           </a:pPr>
           <a:r>
             <a:rPr lang="en-US" sz="1800" dirty="0"/>
-            <a:t>The Notes pane is a box that appears below each slide. Tap it to add notes.</a:t>
+            <a:t>Brief text about model build</a:t>
           </a:r>
           <a:endParaRPr lang="en-US" sz="1800" dirty="0">
             <a:latin typeface="+mn-lt"/>
@@ -3309,7 +3755,7 @@
             <a:rPr lang="en-US" sz="1800" kern="1200" dirty="0">
               <a:latin typeface="+mn-lt"/>
             </a:rPr>
-            <a:t>Title</a:t>
+            <a:t>Select Dataset</a:t>
           </a:r>
         </a:p>
       </dsp:txBody>
@@ -3372,7 +3818,28 @@
             <a:rPr lang="en-US" sz="1800" kern="1200" dirty="0">
               <a:latin typeface="+mn-lt"/>
             </a:rPr>
-            <a:t>To start a presentation, go to the Slide Show tab, and select          From Beginning.</a:t>
+            <a:t>Identify Question</a:t>
+          </a:r>
+        </a:p>
+        <a:p>
+          <a:pPr marL="0" lvl="0" indent="0" algn="ctr" defTabSz="800100">
+            <a:lnSpc>
+              <a:spcPct val="90000"/>
+            </a:lnSpc>
+            <a:spcBef>
+              <a:spcPct val="0"/>
+            </a:spcBef>
+            <a:spcAft>
+              <a:spcPct val="35000"/>
+            </a:spcAft>
+            <a:buFont typeface="Symbol" panose="05050102010706020507" pitchFamily="18" charset="2"/>
+            <a:buNone/>
+          </a:pPr>
+          <a:r>
+            <a:rPr lang="en-US" sz="1800" kern="1200" dirty="0">
+              <a:latin typeface="+mn-lt"/>
+            </a:rPr>
+            <a:t>Select Dataset</a:t>
           </a:r>
         </a:p>
       </dsp:txBody>
@@ -3543,7 +4010,7 @@
             <a:rPr lang="en-US" sz="1800" kern="1200" dirty="0">
               <a:latin typeface="+mn-lt"/>
             </a:rPr>
-            <a:t>Title</a:t>
+            <a:t>Data Cleaning</a:t>
           </a:r>
         </a:p>
       </dsp:txBody>
@@ -3606,7 +4073,7 @@
             <a:rPr lang="en-US" sz="1800" kern="1200" dirty="0">
               <a:latin typeface="+mn-lt"/>
             </a:rPr>
-            <a:t>To display Presenter view, in Slide Show view, on the control bar at the bottom left select the three dots, and then Show                 Presenter View.</a:t>
+            <a:t>Brief text about data cleaning in Tableau and Pandas</a:t>
           </a:r>
         </a:p>
       </dsp:txBody>
@@ -3777,7 +4244,7 @@
             <a:rPr lang="en-US" sz="1800" kern="1200" dirty="0">
               <a:latin typeface="+mn-lt"/>
             </a:rPr>
-            <a:t>Title</a:t>
+            <a:t>Data Analysis</a:t>
           </a:r>
         </a:p>
       </dsp:txBody>
@@ -3837,12 +4304,11 @@
             <a:buNone/>
           </a:pPr>
           <a:r>
-            <a:rPr lang="en-US" sz="1800" kern="1200" dirty="0"/>
-            <a:t>During your presentation, the speaker notes are visible on your monitor, but aren't visible to      the audience.</a:t>
+            <a:rPr lang="en-US" sz="1800" kern="1200" dirty="0">
+              <a:latin typeface="+mn-lt"/>
+            </a:rPr>
+            <a:t>Brief text about data visualizations in Tableau.  Describe the data.</a:t>
           </a:r>
-          <a:endParaRPr lang="en-US" sz="1800" kern="1200" dirty="0">
-            <a:latin typeface="+mn-lt"/>
-          </a:endParaRPr>
         </a:p>
       </dsp:txBody>
       <dsp:txXfrm>
@@ -4013,7 +4479,7 @@
             <a:rPr lang="en-US" sz="1800" kern="1200" dirty="0">
               <a:latin typeface="+mn-lt"/>
             </a:rPr>
-            <a:t>Title</a:t>
+            <a:t>Data Modeling</a:t>
           </a:r>
         </a:p>
       </dsp:txBody>
@@ -4074,7 +4540,7 @@
           </a:pPr>
           <a:r>
             <a:rPr lang="en-US" sz="1800" kern="1200" dirty="0"/>
-            <a:t>The Notes pane is a box that appears below each slide. Tap it to add notes.</a:t>
+            <a:t>Brief text about model build</a:t>
           </a:r>
           <a:endParaRPr lang="en-US" sz="1800" kern="1200" dirty="0">
             <a:latin typeface="+mn-lt"/>
@@ -4249,7 +4715,7 @@
             <a:rPr lang="en-US" sz="1800" kern="1200" dirty="0">
               <a:latin typeface="+mn-lt"/>
             </a:rPr>
-            <a:t>Title</a:t>
+            <a:t>Data Predictions</a:t>
           </a:r>
         </a:p>
       </dsp:txBody>
@@ -4310,7 +4776,7 @@
           </a:pPr>
           <a:r>
             <a:rPr lang="en-US" sz="1800" kern="1200" dirty="0"/>
-            <a:t>If you don’t see the Notes pane or it is completely minimized, click Notes on the task bar across the bottom of the PowerPoint window.</a:t>
+            <a:t>Using the model.  What questions can we answer.  Show examples</a:t>
           </a:r>
           <a:endParaRPr lang="en-US" sz="1800" kern="1200" dirty="0">
             <a:latin typeface="+mn-lt"/>
@@ -6128,7 +6594,7 @@
           <a:p>
             <a:fld id="{C17F2C1D-F243-42AB-ADF2-E7CB4E04900E}" type="datetimeFigureOut">
               <a:rPr lang="en-US" smtClean="0"/>
-              <a:t>6/5/2023</a:t>
+              <a:t>6/7/2023</a:t>
             </a:fld>
             <a:endParaRPr lang="en-US"/>
           </a:p>
@@ -6305,7 +6771,7 @@
           <a:p>
             <a:fld id="{020CE34E-5667-4A32-A6BA-10C7A552BC63}" type="datetimeFigureOut">
               <a:rPr lang="en-US" smtClean="0"/>
-              <a:t>6/5/2023</a:t>
+              <a:t>6/7/2023</a:t>
             </a:fld>
             <a:endParaRPr lang="en-US"/>
           </a:p>
@@ -6656,6 +7122,258 @@
 </p:notes>
 </file>
 
+<file path=ppt/notesSlides/notesSlide10.xml><?xml version="1.0" encoding="utf-8"?>
+<p:notes xmlns:a="http://schemas.openxmlformats.org/drawingml/2006/main" xmlns:r="http://schemas.openxmlformats.org/officeDocument/2006/relationships" xmlns:p="http://schemas.openxmlformats.org/presentationml/2006/main">
+  <p:cSld>
+    <p:spTree>
+      <p:nvGrpSpPr>
+        <p:cNvPr id="1" name=""/>
+        <p:cNvGrpSpPr/>
+        <p:nvPr/>
+      </p:nvGrpSpPr>
+      <p:grpSpPr>
+        <a:xfrm>
+          <a:off x="0" y="0"/>
+          <a:ext cx="0" cy="0"/>
+          <a:chOff x="0" y="0"/>
+          <a:chExt cx="0" cy="0"/>
+        </a:xfrm>
+      </p:grpSpPr>
+      <p:sp>
+        <p:nvSpPr>
+          <p:cNvPr id="2" name="Slide Image Placeholder 1"/>
+          <p:cNvSpPr>
+            <a:spLocks noGrp="1" noRot="1" noChangeAspect="1"/>
+          </p:cNvSpPr>
+          <p:nvPr>
+            <p:ph type="sldImg"/>
+          </p:nvPr>
+        </p:nvSpPr>
+        <p:spPr/>
+      </p:sp>
+      <p:sp>
+        <p:nvSpPr>
+          <p:cNvPr id="3" name="Notes Placeholder 2"/>
+          <p:cNvSpPr>
+            <a:spLocks noGrp="1"/>
+          </p:cNvSpPr>
+          <p:nvPr>
+            <p:ph type="body" idx="1"/>
+          </p:nvPr>
+        </p:nvSpPr>
+        <p:spPr/>
+        <p:txBody>
+          <a:bodyPr/>
+          <a:lstStyle/>
+          <a:p>
+            <a:endParaRPr lang="en-US" dirty="0"/>
+          </a:p>
+        </p:txBody>
+      </p:sp>
+      <p:sp>
+        <p:nvSpPr>
+          <p:cNvPr id="4" name="Slide Number Placeholder 3"/>
+          <p:cNvSpPr>
+            <a:spLocks noGrp="1"/>
+          </p:cNvSpPr>
+          <p:nvPr>
+            <p:ph type="sldNum" sz="quarter" idx="5"/>
+          </p:nvPr>
+        </p:nvSpPr>
+        <p:spPr/>
+        <p:txBody>
+          <a:bodyPr/>
+          <a:lstStyle/>
+          <a:p>
+            <a:fld id="{1983A999-5E0E-42CA-8400-604AE921FF7C}" type="slidenum">
+              <a:rPr lang="en-US" smtClean="0"/>
+              <a:t>17</a:t>
+            </a:fld>
+            <a:endParaRPr lang="en-US"/>
+          </a:p>
+        </p:txBody>
+      </p:sp>
+    </p:spTree>
+    <p:extLst>
+      <p:ext uri="{BB962C8B-B14F-4D97-AF65-F5344CB8AC3E}">
+        <p14:creationId xmlns:p14="http://schemas.microsoft.com/office/powerpoint/2010/main" val="750670133"/>
+      </p:ext>
+    </p:extLst>
+  </p:cSld>
+  <p:clrMapOvr>
+    <a:masterClrMapping/>
+  </p:clrMapOvr>
+</p:notes>
+</file>
+
+<file path=ppt/notesSlides/notesSlide11.xml><?xml version="1.0" encoding="utf-8"?>
+<p:notes xmlns:a="http://schemas.openxmlformats.org/drawingml/2006/main" xmlns:r="http://schemas.openxmlformats.org/officeDocument/2006/relationships" xmlns:p="http://schemas.openxmlformats.org/presentationml/2006/main">
+  <p:cSld>
+    <p:spTree>
+      <p:nvGrpSpPr>
+        <p:cNvPr id="1" name=""/>
+        <p:cNvGrpSpPr/>
+        <p:nvPr/>
+      </p:nvGrpSpPr>
+      <p:grpSpPr>
+        <a:xfrm>
+          <a:off x="0" y="0"/>
+          <a:ext cx="0" cy="0"/>
+          <a:chOff x="0" y="0"/>
+          <a:chExt cx="0" cy="0"/>
+        </a:xfrm>
+      </p:grpSpPr>
+      <p:sp>
+        <p:nvSpPr>
+          <p:cNvPr id="2" name="Slide Image Placeholder 1"/>
+          <p:cNvSpPr>
+            <a:spLocks noGrp="1" noRot="1" noChangeAspect="1"/>
+          </p:cNvSpPr>
+          <p:nvPr>
+            <p:ph type="sldImg"/>
+          </p:nvPr>
+        </p:nvSpPr>
+        <p:spPr/>
+      </p:sp>
+      <p:sp>
+        <p:nvSpPr>
+          <p:cNvPr id="3" name="Notes Placeholder 2"/>
+          <p:cNvSpPr>
+            <a:spLocks noGrp="1"/>
+          </p:cNvSpPr>
+          <p:nvPr>
+            <p:ph type="body" idx="1"/>
+          </p:nvPr>
+        </p:nvSpPr>
+        <p:spPr/>
+        <p:txBody>
+          <a:bodyPr/>
+          <a:lstStyle/>
+          <a:p>
+            <a:endParaRPr lang="en-US" dirty="0"/>
+          </a:p>
+        </p:txBody>
+      </p:sp>
+      <p:sp>
+        <p:nvSpPr>
+          <p:cNvPr id="4" name="Slide Number Placeholder 3"/>
+          <p:cNvSpPr>
+            <a:spLocks noGrp="1"/>
+          </p:cNvSpPr>
+          <p:nvPr>
+            <p:ph type="sldNum" sz="quarter" idx="5"/>
+          </p:nvPr>
+        </p:nvSpPr>
+        <p:spPr/>
+        <p:txBody>
+          <a:bodyPr/>
+          <a:lstStyle/>
+          <a:p>
+            <a:fld id="{1983A999-5E0E-42CA-8400-604AE921FF7C}" type="slidenum">
+              <a:rPr lang="en-US" smtClean="0"/>
+              <a:t>19</a:t>
+            </a:fld>
+            <a:endParaRPr lang="en-US"/>
+          </a:p>
+        </p:txBody>
+      </p:sp>
+    </p:spTree>
+    <p:extLst>
+      <p:ext uri="{BB962C8B-B14F-4D97-AF65-F5344CB8AC3E}">
+        <p14:creationId xmlns:p14="http://schemas.microsoft.com/office/powerpoint/2010/main" val="4150892672"/>
+      </p:ext>
+    </p:extLst>
+  </p:cSld>
+  <p:clrMapOvr>
+    <a:masterClrMapping/>
+  </p:clrMapOvr>
+</p:notes>
+</file>
+
+<file path=ppt/notesSlides/notesSlide12.xml><?xml version="1.0" encoding="utf-8"?>
+<p:notes xmlns:a="http://schemas.openxmlformats.org/drawingml/2006/main" xmlns:r="http://schemas.openxmlformats.org/officeDocument/2006/relationships" xmlns:p="http://schemas.openxmlformats.org/presentationml/2006/main">
+  <p:cSld>
+    <p:spTree>
+      <p:nvGrpSpPr>
+        <p:cNvPr id="1" name=""/>
+        <p:cNvGrpSpPr/>
+        <p:nvPr/>
+      </p:nvGrpSpPr>
+      <p:grpSpPr>
+        <a:xfrm>
+          <a:off x="0" y="0"/>
+          <a:ext cx="0" cy="0"/>
+          <a:chOff x="0" y="0"/>
+          <a:chExt cx="0" cy="0"/>
+        </a:xfrm>
+      </p:grpSpPr>
+      <p:sp>
+        <p:nvSpPr>
+          <p:cNvPr id="2" name="Slide Image Placeholder 1"/>
+          <p:cNvSpPr>
+            <a:spLocks noGrp="1" noRot="1" noChangeAspect="1"/>
+          </p:cNvSpPr>
+          <p:nvPr>
+            <p:ph type="sldImg"/>
+          </p:nvPr>
+        </p:nvSpPr>
+        <p:spPr/>
+      </p:sp>
+      <p:sp>
+        <p:nvSpPr>
+          <p:cNvPr id="3" name="Notes Placeholder 2"/>
+          <p:cNvSpPr>
+            <a:spLocks noGrp="1"/>
+          </p:cNvSpPr>
+          <p:nvPr>
+            <p:ph type="body" idx="1"/>
+          </p:nvPr>
+        </p:nvSpPr>
+        <p:spPr/>
+        <p:txBody>
+          <a:bodyPr/>
+          <a:lstStyle/>
+          <a:p>
+            <a:endParaRPr lang="en-US" dirty="0"/>
+          </a:p>
+        </p:txBody>
+      </p:sp>
+      <p:sp>
+        <p:nvSpPr>
+          <p:cNvPr id="4" name="Slide Number Placeholder 3"/>
+          <p:cNvSpPr>
+            <a:spLocks noGrp="1"/>
+          </p:cNvSpPr>
+          <p:nvPr>
+            <p:ph type="sldNum" sz="quarter" idx="5"/>
+          </p:nvPr>
+        </p:nvSpPr>
+        <p:spPr/>
+        <p:txBody>
+          <a:bodyPr/>
+          <a:lstStyle/>
+          <a:p>
+            <a:fld id="{1983A999-5E0E-42CA-8400-604AE921FF7C}" type="slidenum">
+              <a:rPr lang="en-US" smtClean="0"/>
+              <a:t>20</a:t>
+            </a:fld>
+            <a:endParaRPr lang="en-US"/>
+          </a:p>
+        </p:txBody>
+      </p:sp>
+    </p:spTree>
+    <p:extLst>
+      <p:ext uri="{BB962C8B-B14F-4D97-AF65-F5344CB8AC3E}">
+        <p14:creationId xmlns:p14="http://schemas.microsoft.com/office/powerpoint/2010/main" val="3070542203"/>
+      </p:ext>
+    </p:extLst>
+  </p:cSld>
+  <p:clrMapOvr>
+    <a:masterClrMapping/>
+  </p:clrMapOvr>
+</p:notes>
+</file>
+
 <file path=ppt/notesSlides/notesSlide2.xml><?xml version="1.0" encoding="utf-8"?>
 <p:notes xmlns:a="http://schemas.openxmlformats.org/drawingml/2006/main" xmlns:r="http://schemas.openxmlformats.org/officeDocument/2006/relationships" xmlns:p="http://schemas.openxmlformats.org/presentationml/2006/main">
   <p:cSld>
@@ -7066,7 +7784,7 @@
     </p:spTree>
     <p:extLst>
       <p:ext uri="{BB962C8B-B14F-4D97-AF65-F5344CB8AC3E}">
-        <p14:creationId xmlns:p14="http://schemas.microsoft.com/office/powerpoint/2010/main" val="404304175"/>
+        <p14:creationId xmlns:p14="http://schemas.microsoft.com/office/powerpoint/2010/main" val="4215104802"/>
       </p:ext>
     </p:extLst>
   </p:cSld>
@@ -7141,6 +7859,90 @@
           <a:p>
             <a:fld id="{1983A999-5E0E-42CA-8400-604AE921FF7C}" type="slidenum">
               <a:rPr lang="en-US" smtClean="0"/>
+              <a:t>12</a:t>
+            </a:fld>
+            <a:endParaRPr lang="en-US"/>
+          </a:p>
+        </p:txBody>
+      </p:sp>
+    </p:spTree>
+    <p:extLst>
+      <p:ext uri="{BB962C8B-B14F-4D97-AF65-F5344CB8AC3E}">
+        <p14:creationId xmlns:p14="http://schemas.microsoft.com/office/powerpoint/2010/main" val="404304175"/>
+      </p:ext>
+    </p:extLst>
+  </p:cSld>
+  <p:clrMapOvr>
+    <a:masterClrMapping/>
+  </p:clrMapOvr>
+</p:notes>
+</file>
+
+<file path=ppt/notesSlides/notesSlide8.xml><?xml version="1.0" encoding="utf-8"?>
+<p:notes xmlns:a="http://schemas.openxmlformats.org/drawingml/2006/main" xmlns:r="http://schemas.openxmlformats.org/officeDocument/2006/relationships" xmlns:p="http://schemas.openxmlformats.org/presentationml/2006/main">
+  <p:cSld>
+    <p:spTree>
+      <p:nvGrpSpPr>
+        <p:cNvPr id="1" name=""/>
+        <p:cNvGrpSpPr/>
+        <p:nvPr/>
+      </p:nvGrpSpPr>
+      <p:grpSpPr>
+        <a:xfrm>
+          <a:off x="0" y="0"/>
+          <a:ext cx="0" cy="0"/>
+          <a:chOff x="0" y="0"/>
+          <a:chExt cx="0" cy="0"/>
+        </a:xfrm>
+      </p:grpSpPr>
+      <p:sp>
+        <p:nvSpPr>
+          <p:cNvPr id="2" name="Slide Image Placeholder 1"/>
+          <p:cNvSpPr>
+            <a:spLocks noGrp="1" noRot="1" noChangeAspect="1"/>
+          </p:cNvSpPr>
+          <p:nvPr>
+            <p:ph type="sldImg"/>
+          </p:nvPr>
+        </p:nvSpPr>
+        <p:spPr/>
+      </p:sp>
+      <p:sp>
+        <p:nvSpPr>
+          <p:cNvPr id="3" name="Notes Placeholder 2"/>
+          <p:cNvSpPr>
+            <a:spLocks noGrp="1"/>
+          </p:cNvSpPr>
+          <p:nvPr>
+            <p:ph type="body" idx="1"/>
+          </p:nvPr>
+        </p:nvSpPr>
+        <p:spPr/>
+        <p:txBody>
+          <a:bodyPr/>
+          <a:lstStyle/>
+          <a:p>
+            <a:endParaRPr lang="en-US" dirty="0"/>
+          </a:p>
+        </p:txBody>
+      </p:sp>
+      <p:sp>
+        <p:nvSpPr>
+          <p:cNvPr id="4" name="Slide Number Placeholder 3"/>
+          <p:cNvSpPr>
+            <a:spLocks noGrp="1"/>
+          </p:cNvSpPr>
+          <p:nvPr>
+            <p:ph type="sldNum" sz="quarter" idx="5"/>
+          </p:nvPr>
+        </p:nvSpPr>
+        <p:spPr/>
+        <p:txBody>
+          <a:bodyPr/>
+          <a:lstStyle/>
+          <a:p>
+            <a:fld id="{1983A999-5E0E-42CA-8400-604AE921FF7C}" type="slidenum">
+              <a:rPr lang="en-US" smtClean="0"/>
               <a:t>13</a:t>
             </a:fld>
             <a:endParaRPr lang="en-US"/>
@@ -7150,7 +7952,91 @@
     </p:spTree>
     <p:extLst>
       <p:ext uri="{BB962C8B-B14F-4D97-AF65-F5344CB8AC3E}">
-        <p14:creationId xmlns:p14="http://schemas.microsoft.com/office/powerpoint/2010/main" val="4150892672"/>
+        <p14:creationId xmlns:p14="http://schemas.microsoft.com/office/powerpoint/2010/main" val="1992060712"/>
+      </p:ext>
+    </p:extLst>
+  </p:cSld>
+  <p:clrMapOvr>
+    <a:masterClrMapping/>
+  </p:clrMapOvr>
+</p:notes>
+</file>
+
+<file path=ppt/notesSlides/notesSlide9.xml><?xml version="1.0" encoding="utf-8"?>
+<p:notes xmlns:a="http://schemas.openxmlformats.org/drawingml/2006/main" xmlns:r="http://schemas.openxmlformats.org/officeDocument/2006/relationships" xmlns:p="http://schemas.openxmlformats.org/presentationml/2006/main">
+  <p:cSld>
+    <p:spTree>
+      <p:nvGrpSpPr>
+        <p:cNvPr id="1" name=""/>
+        <p:cNvGrpSpPr/>
+        <p:nvPr/>
+      </p:nvGrpSpPr>
+      <p:grpSpPr>
+        <a:xfrm>
+          <a:off x="0" y="0"/>
+          <a:ext cx="0" cy="0"/>
+          <a:chOff x="0" y="0"/>
+          <a:chExt cx="0" cy="0"/>
+        </a:xfrm>
+      </p:grpSpPr>
+      <p:sp>
+        <p:nvSpPr>
+          <p:cNvPr id="2" name="Slide Image Placeholder 1"/>
+          <p:cNvSpPr>
+            <a:spLocks noGrp="1" noRot="1" noChangeAspect="1"/>
+          </p:cNvSpPr>
+          <p:nvPr>
+            <p:ph type="sldImg"/>
+          </p:nvPr>
+        </p:nvSpPr>
+        <p:spPr/>
+      </p:sp>
+      <p:sp>
+        <p:nvSpPr>
+          <p:cNvPr id="3" name="Notes Placeholder 2"/>
+          <p:cNvSpPr>
+            <a:spLocks noGrp="1"/>
+          </p:cNvSpPr>
+          <p:nvPr>
+            <p:ph type="body" idx="1"/>
+          </p:nvPr>
+        </p:nvSpPr>
+        <p:spPr/>
+        <p:txBody>
+          <a:bodyPr/>
+          <a:lstStyle/>
+          <a:p>
+            <a:endParaRPr lang="en-US" dirty="0"/>
+          </a:p>
+        </p:txBody>
+      </p:sp>
+      <p:sp>
+        <p:nvSpPr>
+          <p:cNvPr id="4" name="Slide Number Placeholder 3"/>
+          <p:cNvSpPr>
+            <a:spLocks noGrp="1"/>
+          </p:cNvSpPr>
+          <p:nvPr>
+            <p:ph type="sldNum" sz="quarter" idx="5"/>
+          </p:nvPr>
+        </p:nvSpPr>
+        <p:spPr/>
+        <p:txBody>
+          <a:bodyPr/>
+          <a:lstStyle/>
+          <a:p>
+            <a:fld id="{1983A999-5E0E-42CA-8400-604AE921FF7C}" type="slidenum">
+              <a:rPr lang="en-US" smtClean="0"/>
+              <a:t>15</a:t>
+            </a:fld>
+            <a:endParaRPr lang="en-US"/>
+          </a:p>
+        </p:txBody>
+      </p:sp>
+    </p:spTree>
+    <p:extLst>
+      <p:ext uri="{BB962C8B-B14F-4D97-AF65-F5344CB8AC3E}">
+        <p14:creationId xmlns:p14="http://schemas.microsoft.com/office/powerpoint/2010/main" val="1663283572"/>
       </p:ext>
     </p:extLst>
   </p:cSld>
@@ -19314,6 +20200,55 @@
           </a:p>
         </p:txBody>
       </p:sp>
+      <p:sp>
+        <p:nvSpPr>
+          <p:cNvPr id="4" name="Oval 3">
+            <a:extLst>
+              <a:ext uri="{FF2B5EF4-FFF2-40B4-BE49-F238E27FC236}">
+                <a16:creationId xmlns:a16="http://schemas.microsoft.com/office/drawing/2014/main" id="{222F01C4-485F-1A47-DCC9-18BC89F77C52}"/>
+              </a:ext>
+            </a:extLst>
+          </p:cNvPr>
+          <p:cNvSpPr/>
+          <p:nvPr/>
+        </p:nvSpPr>
+        <p:spPr>
+          <a:xfrm>
+            <a:off x="10906812" y="443060"/>
+            <a:ext cx="768285" cy="721150"/>
+          </a:xfrm>
+          <a:prstGeom prst="ellipse">
+            <a:avLst/>
+          </a:prstGeom>
+          <a:solidFill>
+            <a:srgbClr val="FFFF00"/>
+          </a:solidFill>
+        </p:spPr>
+        <p:style>
+          <a:lnRef idx="2">
+            <a:schemeClr val="accent1">
+              <a:shade val="15000"/>
+            </a:schemeClr>
+          </a:lnRef>
+          <a:fillRef idx="1">
+            <a:schemeClr val="accent1"/>
+          </a:fillRef>
+          <a:effectRef idx="0">
+            <a:schemeClr val="accent1"/>
+          </a:effectRef>
+          <a:fontRef idx="minor">
+            <a:schemeClr val="lt1"/>
+          </a:fontRef>
+        </p:style>
+        <p:txBody>
+          <a:bodyPr rtlCol="0" anchor="ctr"/>
+          <a:lstStyle/>
+          <a:p>
+            <a:pPr algn="ctr"/>
+            <a:endParaRPr lang="en-US"/>
+          </a:p>
+        </p:txBody>
+      </p:sp>
     </p:spTree>
     <p:extLst>
       <p:ext uri="{BB962C8B-B14F-4D97-AF65-F5344CB8AC3E}">
@@ -19393,7 +20328,7 @@
             <p:ph idx="1"/>
             <p:extLst>
               <p:ext uri="{D42A27DB-BD31-4B8C-83A1-F6EECF244321}">
-                <p14:modId xmlns:p14="http://schemas.microsoft.com/office/powerpoint/2010/main" val="3844914864"/>
+                <p14:modId xmlns:p14="http://schemas.microsoft.com/office/powerpoint/2010/main" val="3789855854"/>
               </p:ext>
             </p:extLst>
           </p:nvPr>
@@ -19506,6 +20441,55 @@
               <a:pPr/>
               <a:t>10</a:t>
             </a:fld>
+            <a:endParaRPr lang="en-US"/>
+          </a:p>
+        </p:txBody>
+      </p:sp>
+      <p:sp>
+        <p:nvSpPr>
+          <p:cNvPr id="5" name="Oval 4">
+            <a:extLst>
+              <a:ext uri="{FF2B5EF4-FFF2-40B4-BE49-F238E27FC236}">
+                <a16:creationId xmlns:a16="http://schemas.microsoft.com/office/drawing/2014/main" id="{9C4D63C3-2037-D163-2B36-745EDB87239C}"/>
+              </a:ext>
+            </a:extLst>
+          </p:cNvPr>
+          <p:cNvSpPr/>
+          <p:nvPr/>
+        </p:nvSpPr>
+        <p:spPr>
+          <a:xfrm>
+            <a:off x="10906812" y="443060"/>
+            <a:ext cx="768285" cy="721150"/>
+          </a:xfrm>
+          <a:prstGeom prst="ellipse">
+            <a:avLst/>
+          </a:prstGeom>
+          <a:solidFill>
+            <a:srgbClr val="FFFF00"/>
+          </a:solidFill>
+        </p:spPr>
+        <p:style>
+          <a:lnRef idx="2">
+            <a:schemeClr val="accent1">
+              <a:shade val="15000"/>
+            </a:schemeClr>
+          </a:lnRef>
+          <a:fillRef idx="1">
+            <a:schemeClr val="accent1"/>
+          </a:fillRef>
+          <a:effectRef idx="0">
+            <a:schemeClr val="accent1"/>
+          </a:effectRef>
+          <a:fontRef idx="minor">
+            <a:schemeClr val="lt1"/>
+          </a:fontRef>
+        </p:style>
+        <p:txBody>
+          <a:bodyPr rtlCol="0" anchor="ctr"/>
+          <a:lstStyle/>
+          <a:p>
+            <a:pPr algn="ctr"/>
             <a:endParaRPr lang="en-US"/>
           </a:p>
         </p:txBody>
@@ -19524,6 +20508,240 @@
 </file>
 
 <file path=ppt/slides/slide11.xml><?xml version="1.0" encoding="utf-8"?>
+<p:sld xmlns:a="http://schemas.openxmlformats.org/drawingml/2006/main" xmlns:r="http://schemas.openxmlformats.org/officeDocument/2006/relationships" xmlns:p="http://schemas.openxmlformats.org/presentationml/2006/main">
+  <p:cSld>
+    <p:spTree>
+      <p:nvGrpSpPr>
+        <p:cNvPr id="1" name=""/>
+        <p:cNvGrpSpPr/>
+        <p:nvPr/>
+      </p:nvGrpSpPr>
+      <p:grpSpPr>
+        <a:xfrm>
+          <a:off x="0" y="0"/>
+          <a:ext cx="0" cy="0"/>
+          <a:chOff x="0" y="0"/>
+          <a:chExt cx="0" cy="0"/>
+        </a:xfrm>
+      </p:grpSpPr>
+      <p:sp>
+        <p:nvSpPr>
+          <p:cNvPr id="11" name="Title 10">
+            <a:extLst>
+              <a:ext uri="{FF2B5EF4-FFF2-40B4-BE49-F238E27FC236}">
+                <a16:creationId xmlns:a16="http://schemas.microsoft.com/office/drawing/2014/main" id="{581E8936-2270-47FE-94A4-398CB123EF90}"/>
+              </a:ext>
+            </a:extLst>
+          </p:cNvPr>
+          <p:cNvSpPr>
+            <a:spLocks noGrp="1"/>
+          </p:cNvSpPr>
+          <p:nvPr>
+            <p:ph type="title"/>
+          </p:nvPr>
+        </p:nvSpPr>
+        <p:spPr>
+          <a:xfrm>
+            <a:off x="550863" y="4508500"/>
+            <a:ext cx="4500562" cy="1562959"/>
+          </a:xfrm>
+        </p:spPr>
+        <p:txBody>
+          <a:bodyPr/>
+          <a:lstStyle/>
+          <a:p>
+            <a:r>
+              <a:rPr lang="en-US" dirty="0"/>
+              <a:t>Data Cleaning</a:t>
+            </a:r>
+          </a:p>
+        </p:txBody>
+      </p:sp>
+      <p:pic>
+        <p:nvPicPr>
+          <p:cNvPr id="16" name="Picture Placeholder 15" descr="Data Points Digital background">
+            <a:extLst>
+              <a:ext uri="{FF2B5EF4-FFF2-40B4-BE49-F238E27FC236}">
+                <a16:creationId xmlns:a16="http://schemas.microsoft.com/office/drawing/2014/main" id="{361E9ADB-7377-4CF1-9AE4-AEFBDEBEEEEC}"/>
+              </a:ext>
+            </a:extLst>
+          </p:cNvPr>
+          <p:cNvPicPr>
+            <a:picLocks noGrp="1" noChangeAspect="1"/>
+          </p:cNvPicPr>
+          <p:nvPr>
+            <p:ph type="pic" sz="quarter" idx="13"/>
+          </p:nvPr>
+        </p:nvPicPr>
+        <p:blipFill rotWithShape="1">
+          <a:blip r:embed="rId3" cstate="screen">
+            <a:extLst>
+              <a:ext uri="{28A0092B-C50C-407E-A947-70E740481C1C}">
+                <a14:useLocalDpi xmlns:a14="http://schemas.microsoft.com/office/drawing/2010/main" val="0"/>
+              </a:ext>
+            </a:extLst>
+          </a:blip>
+          <a:srcRect/>
+          <a:stretch/>
+        </p:blipFill>
+        <p:spPr>
+          <a:xfrm>
+            <a:off x="0" y="0"/>
+            <a:ext cx="12192000" cy="3776472"/>
+          </a:xfrm>
+        </p:spPr>
+      </p:pic>
+      <p:sp>
+        <p:nvSpPr>
+          <p:cNvPr id="13" name="Content Placeholder 12">
+            <a:extLst>
+              <a:ext uri="{FF2B5EF4-FFF2-40B4-BE49-F238E27FC236}">
+                <a16:creationId xmlns:a16="http://schemas.microsoft.com/office/drawing/2014/main" id="{C0287FEC-3826-4868-8D93-52429C6156F5}"/>
+              </a:ext>
+            </a:extLst>
+          </p:cNvPr>
+          <p:cNvSpPr>
+            <a:spLocks noGrp="1"/>
+          </p:cNvSpPr>
+          <p:nvPr>
+            <p:ph sz="quarter" idx="15"/>
+          </p:nvPr>
+        </p:nvSpPr>
+        <p:spPr>
+          <a:xfrm>
+            <a:off x="5262411" y="4508500"/>
+            <a:ext cx="6221412" cy="1563688"/>
+          </a:xfrm>
+        </p:spPr>
+        <p:txBody>
+          <a:bodyPr>
+            <a:normAutofit lnSpcReduction="10000"/>
+          </a:bodyPr>
+          <a:lstStyle/>
+          <a:p>
+            <a:r>
+              <a:rPr lang="en-US" dirty="0"/>
+              <a:t>With PowerPoint, you can create presentations and share your work with others, wherever they are. Type the text you want here to get started. You can also add images, art, and videos on this template. Save to OneDrive and access your presentations from your computer, tablet, or phone. </a:t>
+            </a:r>
+          </a:p>
+        </p:txBody>
+      </p:sp>
+      <p:sp>
+        <p:nvSpPr>
+          <p:cNvPr id="4" name="Date Placeholder 3">
+            <a:extLst>
+              <a:ext uri="{FF2B5EF4-FFF2-40B4-BE49-F238E27FC236}">
+                <a16:creationId xmlns:a16="http://schemas.microsoft.com/office/drawing/2014/main" id="{0C329F70-04F7-4C70-BCF8-D4371F54EF2F}"/>
+              </a:ext>
+            </a:extLst>
+          </p:cNvPr>
+          <p:cNvSpPr>
+            <a:spLocks noGrp="1"/>
+          </p:cNvSpPr>
+          <p:nvPr>
+            <p:ph type="dt" sz="half" idx="10"/>
+          </p:nvPr>
+        </p:nvSpPr>
+        <p:spPr>
+          <a:xfrm>
+            <a:off x="550863" y="6507212"/>
+            <a:ext cx="2628900" cy="153888"/>
+          </a:xfrm>
+        </p:spPr>
+        <p:txBody>
+          <a:bodyPr/>
+          <a:lstStyle/>
+          <a:p>
+            <a:r>
+              <a:rPr lang="en-US"/>
+              <a:t>Tuesday, February 2, 20XX</a:t>
+            </a:r>
+            <a:endParaRPr lang="en-US" dirty="0"/>
+          </a:p>
+        </p:txBody>
+      </p:sp>
+      <p:sp>
+        <p:nvSpPr>
+          <p:cNvPr id="5" name="Footer Placeholder 4">
+            <a:extLst>
+              <a:ext uri="{FF2B5EF4-FFF2-40B4-BE49-F238E27FC236}">
+                <a16:creationId xmlns:a16="http://schemas.microsoft.com/office/drawing/2014/main" id="{06A3302E-502D-4151-81C9-5FD6AF9596D6}"/>
+              </a:ext>
+            </a:extLst>
+          </p:cNvPr>
+          <p:cNvSpPr>
+            <a:spLocks noGrp="1"/>
+          </p:cNvSpPr>
+          <p:nvPr>
+            <p:ph type="ftr" sz="quarter" idx="11"/>
+          </p:nvPr>
+        </p:nvSpPr>
+        <p:spPr>
+          <a:xfrm>
+            <a:off x="3359150" y="6507212"/>
+            <a:ext cx="6379210" cy="153888"/>
+          </a:xfrm>
+        </p:spPr>
+        <p:txBody>
+          <a:bodyPr/>
+          <a:lstStyle/>
+          <a:p>
+            <a:r>
+              <a:rPr lang="en-US"/>
+              <a:t>Sample Footer Text</a:t>
+            </a:r>
+          </a:p>
+        </p:txBody>
+      </p:sp>
+      <p:sp>
+        <p:nvSpPr>
+          <p:cNvPr id="6" name="Slide Number Placeholder 5">
+            <a:extLst>
+              <a:ext uri="{FF2B5EF4-FFF2-40B4-BE49-F238E27FC236}">
+                <a16:creationId xmlns:a16="http://schemas.microsoft.com/office/drawing/2014/main" id="{9ED907F8-C614-4D59-A03F-BF9CD5E35703}"/>
+              </a:ext>
+            </a:extLst>
+          </p:cNvPr>
+          <p:cNvSpPr>
+            <a:spLocks noGrp="1"/>
+          </p:cNvSpPr>
+          <p:nvPr>
+            <p:ph type="sldNum" sz="quarter" idx="12"/>
+          </p:nvPr>
+        </p:nvSpPr>
+        <p:spPr>
+          <a:xfrm>
+            <a:off x="9948863" y="6507212"/>
+            <a:ext cx="1692274" cy="153888"/>
+          </a:xfrm>
+        </p:spPr>
+        <p:txBody>
+          <a:bodyPr/>
+          <a:lstStyle/>
+          <a:p>
+            <a:fld id="{DBA1B0FB-D917-4C8C-928F-313BD683BF39}" type="slidenum">
+              <a:rPr lang="en-US" smtClean="0"/>
+              <a:pPr/>
+              <a:t>11</a:t>
+            </a:fld>
+            <a:endParaRPr lang="en-US"/>
+          </a:p>
+        </p:txBody>
+      </p:sp>
+    </p:spTree>
+    <p:extLst>
+      <p:ext uri="{BB962C8B-B14F-4D97-AF65-F5344CB8AC3E}">
+        <p14:creationId xmlns:p14="http://schemas.microsoft.com/office/powerpoint/2010/main" val="2192275075"/>
+      </p:ext>
+    </p:extLst>
+  </p:cSld>
+  <p:clrMapOvr>
+    <a:masterClrMapping/>
+  </p:clrMapOvr>
+</p:sld>
+</file>
+
+<file path=ppt/slides/slide12.xml><?xml version="1.0" encoding="utf-8"?>
 <p:sld xmlns:a="http://schemas.openxmlformats.org/drawingml/2006/main" xmlns:r="http://schemas.openxmlformats.org/officeDocument/2006/relationships" xmlns:p="http://schemas.openxmlformats.org/presentationml/2006/main">
   <p:cSld>
     <p:spTree>
@@ -20153,7 +21371,7 @@
             <a:fld id="{DBA1B0FB-D917-4C8C-928F-313BD683BF39}" type="slidenum">
               <a:rPr lang="en-US" smtClean="0"/>
               <a:pPr/>
-              <a:t>11</a:t>
+              <a:t>12</a:t>
             </a:fld>
             <a:endParaRPr lang="en-US"/>
           </a:p>
@@ -20333,464 +21551,6 @@
 </p:sld>
 </file>
 
-<file path=ppt/slides/slide12.xml><?xml version="1.0" encoding="utf-8"?>
-<p:sld xmlns:a="http://schemas.openxmlformats.org/drawingml/2006/main" xmlns:r="http://schemas.openxmlformats.org/officeDocument/2006/relationships" xmlns:p="http://schemas.openxmlformats.org/presentationml/2006/main">
-  <p:cSld>
-    <p:spTree>
-      <p:nvGrpSpPr>
-        <p:cNvPr id="1" name=""/>
-        <p:cNvGrpSpPr/>
-        <p:nvPr/>
-      </p:nvGrpSpPr>
-      <p:grpSpPr>
-        <a:xfrm>
-          <a:off x="0" y="0"/>
-          <a:ext cx="0" cy="0"/>
-          <a:chOff x="0" y="0"/>
-          <a:chExt cx="0" cy="0"/>
-        </a:xfrm>
-      </p:grpSpPr>
-      <p:sp>
-        <p:nvSpPr>
-          <p:cNvPr id="7" name="Title 6">
-            <a:extLst>
-              <a:ext uri="{FF2B5EF4-FFF2-40B4-BE49-F238E27FC236}">
-                <a16:creationId xmlns:a16="http://schemas.microsoft.com/office/drawing/2014/main" id="{47788B34-4190-4916-9048-47720EA5ABF1}"/>
-              </a:ext>
-            </a:extLst>
-          </p:cNvPr>
-          <p:cNvSpPr>
-            <a:spLocks noGrp="1"/>
-          </p:cNvSpPr>
-          <p:nvPr>
-            <p:ph type="title"/>
-          </p:nvPr>
-        </p:nvSpPr>
-        <p:spPr>
-          <a:xfrm>
-            <a:off x="550862" y="549275"/>
-            <a:ext cx="11097551" cy="1332000"/>
-          </a:xfrm>
-        </p:spPr>
-        <p:txBody>
-          <a:bodyPr/>
-          <a:lstStyle/>
-          <a:p>
-            <a:r>
-              <a:rPr lang="en-US" dirty="0"/>
-              <a:t>Content 2 </a:t>
-            </a:r>
-          </a:p>
-        </p:txBody>
-      </p:sp>
-      <p:sp>
-        <p:nvSpPr>
-          <p:cNvPr id="8" name="Text Placeholder 7">
-            <a:extLst>
-              <a:ext uri="{FF2B5EF4-FFF2-40B4-BE49-F238E27FC236}">
-                <a16:creationId xmlns:a16="http://schemas.microsoft.com/office/drawing/2014/main" id="{ABA415A0-3B77-43FB-A408-5F1DA4B0AAFA}"/>
-              </a:ext>
-            </a:extLst>
-          </p:cNvPr>
-          <p:cNvSpPr>
-            <a:spLocks noGrp="1"/>
-          </p:cNvSpPr>
-          <p:nvPr>
-            <p:ph type="body" idx="1"/>
-          </p:nvPr>
-        </p:nvSpPr>
-        <p:spPr>
-          <a:xfrm>
-            <a:off x="550864" y="1731375"/>
-            <a:ext cx="3563936" cy="535354"/>
-          </a:xfrm>
-        </p:spPr>
-        <p:txBody>
-          <a:bodyPr/>
-          <a:lstStyle/>
-          <a:p>
-            <a:r>
-              <a:rPr lang="en-US" dirty="0"/>
-              <a:t>Subtitle</a:t>
-            </a:r>
-          </a:p>
-        </p:txBody>
-      </p:sp>
-      <p:sp>
-        <p:nvSpPr>
-          <p:cNvPr id="9" name="Content Placeholder 8">
-            <a:extLst>
-              <a:ext uri="{FF2B5EF4-FFF2-40B4-BE49-F238E27FC236}">
-                <a16:creationId xmlns:a16="http://schemas.microsoft.com/office/drawing/2014/main" id="{8598ECEC-4413-4244-8F21-0076EC511806}"/>
-              </a:ext>
-            </a:extLst>
-          </p:cNvPr>
-          <p:cNvSpPr>
-            <a:spLocks noGrp="1"/>
-          </p:cNvSpPr>
-          <p:nvPr>
-            <p:ph sz="half" idx="2"/>
-          </p:nvPr>
-        </p:nvSpPr>
-        <p:spPr>
-          <a:xfrm>
-            <a:off x="559476" y="2432304"/>
-            <a:ext cx="3563936" cy="3515555"/>
-          </a:xfrm>
-        </p:spPr>
-        <p:txBody>
-          <a:bodyPr>
-            <a:normAutofit fontScale="92500" lnSpcReduction="20000"/>
-          </a:bodyPr>
-          <a:lstStyle/>
-          <a:p>
-            <a:pPr lvl="0"/>
-            <a:r>
-              <a:rPr lang="en-US" dirty="0"/>
-              <a:t>Add text, images, art, and videos. </a:t>
-            </a:r>
-          </a:p>
-          <a:p>
-            <a:pPr lvl="0"/>
-            <a:r>
-              <a:rPr lang="en-US" dirty="0"/>
-              <a:t>Add transitions, animations, and motion. </a:t>
-            </a:r>
-          </a:p>
-          <a:p>
-            <a:pPr lvl="0"/>
-            <a:r>
-              <a:rPr lang="en-US" dirty="0"/>
-              <a:t>Save to OneDrive, to get to your presentations from your computer, tablet, or phone. </a:t>
-            </a:r>
-          </a:p>
-          <a:p>
-            <a:r>
-              <a:rPr lang="en-US" dirty="0"/>
-              <a:t>Open the Design Ideas pane for instant slide makeovers. </a:t>
-            </a:r>
-          </a:p>
-          <a:p>
-            <a:r>
-              <a:rPr lang="en-US" dirty="0"/>
-              <a:t>When we have design ideas, we’ll show them to you right there. </a:t>
-            </a:r>
-          </a:p>
-          <a:p>
-            <a:pPr lvl="0"/>
-            <a:endParaRPr lang="en-US" dirty="0"/>
-          </a:p>
-          <a:p>
-            <a:endParaRPr lang="en-US" dirty="0"/>
-          </a:p>
-        </p:txBody>
-      </p:sp>
-      <p:sp>
-        <p:nvSpPr>
-          <p:cNvPr id="12" name="Text Placeholder 11">
-            <a:extLst>
-              <a:ext uri="{FF2B5EF4-FFF2-40B4-BE49-F238E27FC236}">
-                <a16:creationId xmlns:a16="http://schemas.microsoft.com/office/drawing/2014/main" id="{3A63626D-0E6E-4023-ABFC-A744C9862159}"/>
-              </a:ext>
-            </a:extLst>
-          </p:cNvPr>
-          <p:cNvSpPr>
-            <a:spLocks noGrp="1"/>
-          </p:cNvSpPr>
-          <p:nvPr>
-            <p:ph type="body" sz="quarter" idx="13"/>
-          </p:nvPr>
-        </p:nvSpPr>
-        <p:spPr>
-          <a:xfrm>
-            <a:off x="4341573" y="1731375"/>
-            <a:ext cx="3566160" cy="535354"/>
-          </a:xfrm>
-        </p:spPr>
-        <p:txBody>
-          <a:bodyPr/>
-          <a:lstStyle/>
-          <a:p>
-            <a:r>
-              <a:rPr lang="en-US" dirty="0"/>
-              <a:t>subtitle</a:t>
-            </a:r>
-          </a:p>
-        </p:txBody>
-      </p:sp>
-      <p:sp>
-        <p:nvSpPr>
-          <p:cNvPr id="13" name="Content Placeholder 12">
-            <a:extLst>
-              <a:ext uri="{FF2B5EF4-FFF2-40B4-BE49-F238E27FC236}">
-                <a16:creationId xmlns:a16="http://schemas.microsoft.com/office/drawing/2014/main" id="{258E9390-685C-4BAD-BFAD-EC56E81C4745}"/>
-              </a:ext>
-            </a:extLst>
-          </p:cNvPr>
-          <p:cNvSpPr>
-            <a:spLocks noGrp="1"/>
-          </p:cNvSpPr>
-          <p:nvPr>
-            <p:ph sz="quarter" idx="14"/>
-          </p:nvPr>
-        </p:nvSpPr>
-        <p:spPr>
-          <a:xfrm>
-            <a:off x="4341573" y="2427370"/>
-            <a:ext cx="3508755" cy="3515555"/>
-          </a:xfrm>
-        </p:spPr>
-        <p:txBody>
-          <a:bodyPr>
-            <a:normAutofit lnSpcReduction="10000"/>
-          </a:bodyPr>
-          <a:lstStyle/>
-          <a:p>
-            <a:pPr lvl="0"/>
-            <a:r>
-              <a:rPr lang="en-US" dirty="0"/>
-              <a:t>Add text, images, art, and videos. </a:t>
-            </a:r>
-          </a:p>
-          <a:p>
-            <a:pPr lvl="0"/>
-            <a:r>
-              <a:rPr lang="en-US" dirty="0"/>
-              <a:t>Add transitions, animations, and motion. </a:t>
-            </a:r>
-          </a:p>
-          <a:p>
-            <a:pPr lvl="0"/>
-            <a:r>
-              <a:rPr lang="en-US" dirty="0"/>
-              <a:t>Save to OneDrive, to get to your presentations from your computer, tablet, or phone. </a:t>
-            </a:r>
-          </a:p>
-          <a:p>
-            <a:r>
-              <a:rPr lang="en-US" dirty="0"/>
-              <a:t>Open the Design Ideas pane for instant slide makeovers. </a:t>
-            </a:r>
-          </a:p>
-          <a:p>
-            <a:r>
-              <a:rPr lang="en-US" dirty="0"/>
-              <a:t>When we have design ideas, we’ll show them to you right there.</a:t>
-            </a:r>
-          </a:p>
-        </p:txBody>
-      </p:sp>
-      <p:sp>
-        <p:nvSpPr>
-          <p:cNvPr id="10" name="Text Placeholder 9">
-            <a:extLst>
-              <a:ext uri="{FF2B5EF4-FFF2-40B4-BE49-F238E27FC236}">
-                <a16:creationId xmlns:a16="http://schemas.microsoft.com/office/drawing/2014/main" id="{34A9BC34-CFDB-4D7A-8D6C-1CE608D0909F}"/>
-              </a:ext>
-            </a:extLst>
-          </p:cNvPr>
-          <p:cNvSpPr>
-            <a:spLocks noGrp="1"/>
-          </p:cNvSpPr>
-          <p:nvPr>
-            <p:ph type="body" sz="quarter" idx="3"/>
-          </p:nvPr>
-        </p:nvSpPr>
-        <p:spPr>
-          <a:xfrm>
-            <a:off x="8139659" y="1731375"/>
-            <a:ext cx="3566160" cy="535354"/>
-          </a:xfrm>
-        </p:spPr>
-        <p:txBody>
-          <a:bodyPr/>
-          <a:lstStyle/>
-          <a:p>
-            <a:r>
-              <a:rPr lang="en-US"/>
-              <a:t>subtitle</a:t>
-            </a:r>
-            <a:endParaRPr lang="en-US" dirty="0"/>
-          </a:p>
-        </p:txBody>
-      </p:sp>
-      <p:sp>
-        <p:nvSpPr>
-          <p:cNvPr id="11" name="Content Placeholder 10">
-            <a:extLst>
-              <a:ext uri="{FF2B5EF4-FFF2-40B4-BE49-F238E27FC236}">
-                <a16:creationId xmlns:a16="http://schemas.microsoft.com/office/drawing/2014/main" id="{1D014E48-5DD9-49CE-AD5B-0FEF69204F68}"/>
-              </a:ext>
-            </a:extLst>
-          </p:cNvPr>
-          <p:cNvSpPr>
-            <a:spLocks noGrp="1"/>
-          </p:cNvSpPr>
-          <p:nvPr>
-            <p:ph sz="quarter" idx="4"/>
-          </p:nvPr>
-        </p:nvSpPr>
-        <p:spPr>
-          <a:xfrm>
-            <a:off x="8139659" y="2427370"/>
-            <a:ext cx="3508755" cy="3515555"/>
-          </a:xfrm>
-        </p:spPr>
-        <p:txBody>
-          <a:bodyPr>
-            <a:normAutofit lnSpcReduction="10000"/>
-          </a:bodyPr>
-          <a:lstStyle/>
-          <a:p>
-            <a:pPr lvl="0"/>
-            <a:r>
-              <a:rPr lang="en-US" dirty="0"/>
-              <a:t>Add text, images, art, and videos. </a:t>
-            </a:r>
-          </a:p>
-          <a:p>
-            <a:pPr lvl="0"/>
-            <a:r>
-              <a:rPr lang="en-US" dirty="0"/>
-              <a:t>Add transitions, animations, and motion. </a:t>
-            </a:r>
-          </a:p>
-          <a:p>
-            <a:pPr lvl="0"/>
-            <a:r>
-              <a:rPr lang="en-US" dirty="0"/>
-              <a:t>Save to OneDrive, to get to your presentations from your computer, tablet, or phone. </a:t>
-            </a:r>
-          </a:p>
-          <a:p>
-            <a:r>
-              <a:rPr lang="en-US" dirty="0"/>
-              <a:t>Open the Design Ideas pane for instant slide makeovers. </a:t>
-            </a:r>
-          </a:p>
-          <a:p>
-            <a:r>
-              <a:rPr lang="en-US" dirty="0"/>
-              <a:t>When we have design ideas, we’ll show them to you right there.</a:t>
-            </a:r>
-          </a:p>
-        </p:txBody>
-      </p:sp>
-      <p:sp>
-        <p:nvSpPr>
-          <p:cNvPr id="14" name="Date Placeholder 13">
-            <a:extLst>
-              <a:ext uri="{FF2B5EF4-FFF2-40B4-BE49-F238E27FC236}">
-                <a16:creationId xmlns:a16="http://schemas.microsoft.com/office/drawing/2014/main" id="{D236478C-E242-44E0-8357-C72C9B588CA7}"/>
-              </a:ext>
-            </a:extLst>
-          </p:cNvPr>
-          <p:cNvSpPr>
-            <a:spLocks noGrp="1"/>
-          </p:cNvSpPr>
-          <p:nvPr>
-            <p:ph type="dt" sz="half" idx="10"/>
-          </p:nvPr>
-        </p:nvSpPr>
-        <p:spPr>
-          <a:xfrm>
-            <a:off x="550863" y="6507212"/>
-            <a:ext cx="2628900" cy="153888"/>
-          </a:xfrm>
-        </p:spPr>
-        <p:txBody>
-          <a:bodyPr/>
-          <a:lstStyle/>
-          <a:p>
-            <a:r>
-              <a:rPr lang="en-US"/>
-              <a:t>Tuesday, February 2, 20XX</a:t>
-            </a:r>
-            <a:endParaRPr lang="en-US" dirty="0"/>
-          </a:p>
-        </p:txBody>
-      </p:sp>
-      <p:sp>
-        <p:nvSpPr>
-          <p:cNvPr id="15" name="Footer Placeholder 14">
-            <a:extLst>
-              <a:ext uri="{FF2B5EF4-FFF2-40B4-BE49-F238E27FC236}">
-                <a16:creationId xmlns:a16="http://schemas.microsoft.com/office/drawing/2014/main" id="{65A6DC02-681E-4AF7-AC6E-57CDDB2FBA28}"/>
-              </a:ext>
-            </a:extLst>
-          </p:cNvPr>
-          <p:cNvSpPr>
-            <a:spLocks noGrp="1"/>
-          </p:cNvSpPr>
-          <p:nvPr>
-            <p:ph type="ftr" sz="quarter" idx="11"/>
-          </p:nvPr>
-        </p:nvSpPr>
-        <p:spPr>
-          <a:xfrm>
-            <a:off x="3359150" y="6507212"/>
-            <a:ext cx="6379210" cy="153888"/>
-          </a:xfrm>
-        </p:spPr>
-        <p:txBody>
-          <a:bodyPr/>
-          <a:lstStyle/>
-          <a:p>
-            <a:r>
-              <a:rPr lang="en-US"/>
-              <a:t>Sample Footer Text</a:t>
-            </a:r>
-          </a:p>
-        </p:txBody>
-      </p:sp>
-      <p:sp>
-        <p:nvSpPr>
-          <p:cNvPr id="16" name="Slide Number Placeholder 15">
-            <a:extLst>
-              <a:ext uri="{FF2B5EF4-FFF2-40B4-BE49-F238E27FC236}">
-                <a16:creationId xmlns:a16="http://schemas.microsoft.com/office/drawing/2014/main" id="{CF0A8666-4477-461C-A79D-E91232EE973E}"/>
-              </a:ext>
-            </a:extLst>
-          </p:cNvPr>
-          <p:cNvSpPr>
-            <a:spLocks noGrp="1"/>
-          </p:cNvSpPr>
-          <p:nvPr>
-            <p:ph type="sldNum" sz="quarter" idx="12"/>
-          </p:nvPr>
-        </p:nvSpPr>
-        <p:spPr>
-          <a:xfrm>
-            <a:off x="9948863" y="6507212"/>
-            <a:ext cx="1692274" cy="153888"/>
-          </a:xfrm>
-        </p:spPr>
-        <p:txBody>
-          <a:bodyPr/>
-          <a:lstStyle/>
-          <a:p>
-            <a:fld id="{DBA1B0FB-D917-4C8C-928F-313BD683BF39}" type="slidenum">
-              <a:rPr lang="en-US" smtClean="0"/>
-              <a:pPr/>
-              <a:t>12</a:t>
-            </a:fld>
-            <a:endParaRPr lang="en-US"/>
-          </a:p>
-        </p:txBody>
-      </p:sp>
-    </p:spTree>
-    <p:extLst>
-      <p:ext uri="{BB962C8B-B14F-4D97-AF65-F5344CB8AC3E}">
-        <p14:creationId xmlns:p14="http://schemas.microsoft.com/office/powerpoint/2010/main" val="1420547054"/>
-      </p:ext>
-    </p:extLst>
-  </p:cSld>
-  <p:clrMapOvr>
-    <a:masterClrMapping/>
-  </p:clrMapOvr>
-</p:sld>
-</file>
-
 <file path=ppt/slides/slide13.xml><?xml version="1.0" encoding="utf-8"?>
 <p:sld xmlns:a="http://schemas.openxmlformats.org/drawingml/2006/main" xmlns:r="http://schemas.openxmlformats.org/officeDocument/2006/relationships" xmlns:p="http://schemas.openxmlformats.org/presentationml/2006/main">
   <p:cSld>
@@ -20836,7 +21596,7 @@
           <a:p>
             <a:r>
               <a:rPr lang="en-US" dirty="0"/>
-              <a:t>Summary</a:t>
+              <a:t>Data Analysis</a:t>
             </a:r>
           </a:p>
         </p:txBody>
@@ -21015,7 +21775,7 @@
     </p:spTree>
     <p:extLst>
       <p:ext uri="{BB962C8B-B14F-4D97-AF65-F5344CB8AC3E}">
-        <p14:creationId xmlns:p14="http://schemas.microsoft.com/office/powerpoint/2010/main" val="3521561301"/>
+        <p14:creationId xmlns:p14="http://schemas.microsoft.com/office/powerpoint/2010/main" val="1521947180"/>
       </p:ext>
     </p:extLst>
   </p:cSld>
@@ -21044,10 +21804,10 @@
       </p:grpSpPr>
       <p:sp>
         <p:nvSpPr>
-          <p:cNvPr id="22" name="Title 21">
-            <a:extLst>
-              <a:ext uri="{FF2B5EF4-FFF2-40B4-BE49-F238E27FC236}">
-                <a16:creationId xmlns:a16="http://schemas.microsoft.com/office/drawing/2014/main" id="{F8FAEED9-1ECD-45F9-87A0-9394BAEABB79}"/>
+          <p:cNvPr id="7" name="Title 6">
+            <a:extLst>
+              <a:ext uri="{FF2B5EF4-FFF2-40B4-BE49-F238E27FC236}">
+                <a16:creationId xmlns:a16="http://schemas.microsoft.com/office/drawing/2014/main" id="{47788B34-4190-4916-9048-47720EA5ABF1}"/>
               </a:ext>
             </a:extLst>
           </p:cNvPr>
@@ -21055,13 +21815,13 @@
             <a:spLocks noGrp="1"/>
           </p:cNvSpPr>
           <p:nvPr>
-            <p:ph type="ctrTitle"/>
+            <p:ph type="title"/>
           </p:nvPr>
         </p:nvSpPr>
         <p:spPr>
           <a:xfrm>
-            <a:off x="550863" y="549275"/>
-            <a:ext cx="5437187" cy="2986234"/>
+            <a:off x="550862" y="549275"/>
+            <a:ext cx="11097551" cy="1332000"/>
           </a:xfrm>
         </p:spPr>
         <p:txBody>
@@ -21070,17 +21830,17 @@
           <a:p>
             <a:r>
               <a:rPr lang="en-US" dirty="0"/>
-              <a:t>Thank You</a:t>
+              <a:t>Content 2 </a:t>
             </a:r>
           </a:p>
         </p:txBody>
       </p:sp>
       <p:sp>
         <p:nvSpPr>
-          <p:cNvPr id="23" name="Subtitle 22">
-            <a:extLst>
-              <a:ext uri="{FF2B5EF4-FFF2-40B4-BE49-F238E27FC236}">
-                <a16:creationId xmlns:a16="http://schemas.microsoft.com/office/drawing/2014/main" id="{8E5E4638-9BCB-4C2E-914F-CC868E2020D5}"/>
+          <p:cNvPr id="8" name="Text Placeholder 7">
+            <a:extLst>
+              <a:ext uri="{FF2B5EF4-FFF2-40B4-BE49-F238E27FC236}">
+                <a16:creationId xmlns:a16="http://schemas.microsoft.com/office/drawing/2014/main" id="{ABA415A0-3B77-43FB-A408-5F1DA4B0AAFA}"/>
               </a:ext>
             </a:extLst>
           </p:cNvPr>
@@ -21088,13 +21848,13 @@
             <a:spLocks noGrp="1"/>
           </p:cNvSpPr>
           <p:nvPr>
-            <p:ph type="subTitle" idx="1"/>
+            <p:ph type="body" idx="1"/>
           </p:nvPr>
         </p:nvSpPr>
         <p:spPr>
           <a:xfrm>
-            <a:off x="550863" y="3827610"/>
-            <a:ext cx="5437187" cy="2265216"/>
+            <a:off x="550864" y="1731375"/>
+            <a:ext cx="3563936" cy="535354"/>
           </a:xfrm>
         </p:spPr>
         <p:txBody>
@@ -21103,97 +21863,277 @@
           <a:p>
             <a:r>
               <a:rPr lang="en-US" dirty="0"/>
-              <a:t>Presenter name</a:t>
+              <a:t>Subtitle</a:t>
             </a:r>
           </a:p>
-          <a:p>
+        </p:txBody>
+      </p:sp>
+      <p:sp>
+        <p:nvSpPr>
+          <p:cNvPr id="9" name="Content Placeholder 8">
+            <a:extLst>
+              <a:ext uri="{FF2B5EF4-FFF2-40B4-BE49-F238E27FC236}">
+                <a16:creationId xmlns:a16="http://schemas.microsoft.com/office/drawing/2014/main" id="{8598ECEC-4413-4244-8F21-0076EC511806}"/>
+              </a:ext>
+            </a:extLst>
+          </p:cNvPr>
+          <p:cNvSpPr>
+            <a:spLocks noGrp="1"/>
+          </p:cNvSpPr>
+          <p:nvPr>
+            <p:ph sz="half" idx="2"/>
+          </p:nvPr>
+        </p:nvSpPr>
+        <p:spPr>
+          <a:xfrm>
+            <a:off x="559476" y="2432304"/>
+            <a:ext cx="3563936" cy="3515555"/>
+          </a:xfrm>
+        </p:spPr>
+        <p:txBody>
+          <a:bodyPr>
+            <a:normAutofit fontScale="92500" lnSpcReduction="20000"/>
+          </a:bodyPr>
+          <a:lstStyle/>
+          <a:p>
+            <a:pPr lvl="0"/>
             <a:r>
               <a:rPr lang="en-US" dirty="0"/>
-              <a:t>Email address</a:t>
+              <a:t>Add text, images, art, and videos. </a:t>
             </a:r>
           </a:p>
           <a:p>
+            <a:pPr lvl="0"/>
             <a:r>
               <a:rPr lang="en-US" dirty="0"/>
-              <a:t>Website address</a:t>
+              <a:t>Add transitions, animations, and motion. </a:t>
             </a:r>
           </a:p>
+          <a:p>
+            <a:pPr lvl="0"/>
+            <a:r>
+              <a:rPr lang="en-US" dirty="0"/>
+              <a:t>Save to OneDrive, to get to your presentations from your computer, tablet, or phone. </a:t>
+            </a:r>
+          </a:p>
+          <a:p>
+            <a:r>
+              <a:rPr lang="en-US" dirty="0"/>
+              <a:t>Open the Design Ideas pane for instant slide makeovers. </a:t>
+            </a:r>
+          </a:p>
+          <a:p>
+            <a:r>
+              <a:rPr lang="en-US" dirty="0"/>
+              <a:t>When we have design ideas, we’ll show them to you right there. </a:t>
+            </a:r>
+          </a:p>
+          <a:p>
+            <a:pPr lvl="0"/>
+            <a:endParaRPr lang="en-US" dirty="0"/>
+          </a:p>
+          <a:p>
+            <a:endParaRPr lang="en-US" dirty="0"/>
+          </a:p>
         </p:txBody>
       </p:sp>
-      <p:pic>
-        <p:nvPicPr>
-          <p:cNvPr id="27" name="Picture Placeholder 26" descr="Data Points Digital background">
-            <a:extLst>
-              <a:ext uri="{FF2B5EF4-FFF2-40B4-BE49-F238E27FC236}">
-                <a16:creationId xmlns:a16="http://schemas.microsoft.com/office/drawing/2014/main" id="{9E660784-34E2-4CDA-926A-DDD6AAF35046}"/>
-              </a:ext>
-            </a:extLst>
-          </p:cNvPr>
-          <p:cNvPicPr>
-            <a:picLocks noGrp="1" noChangeAspect="1"/>
-          </p:cNvPicPr>
-          <p:nvPr>
-            <p:ph type="pic" sz="quarter" idx="15"/>
-          </p:nvPr>
-        </p:nvPicPr>
-        <p:blipFill rotWithShape="1">
-          <a:blip r:embed="rId2" cstate="screen">
-            <a:extLst>
-              <a:ext uri="{28A0092B-C50C-407E-A947-70E740481C1C}">
-                <a14:useLocalDpi xmlns:a14="http://schemas.microsoft.com/office/drawing/2010/main" val="0"/>
-              </a:ext>
-            </a:extLst>
-          </a:blip>
-          <a:srcRect/>
-          <a:stretch/>
-        </p:blipFill>
+      <p:sp>
+        <p:nvSpPr>
+          <p:cNvPr id="12" name="Text Placeholder 11">
+            <a:extLst>
+              <a:ext uri="{FF2B5EF4-FFF2-40B4-BE49-F238E27FC236}">
+                <a16:creationId xmlns:a16="http://schemas.microsoft.com/office/drawing/2014/main" id="{3A63626D-0E6E-4023-ABFC-A744C9862159}"/>
+              </a:ext>
+            </a:extLst>
+          </p:cNvPr>
+          <p:cNvSpPr>
+            <a:spLocks noGrp="1"/>
+          </p:cNvSpPr>
+          <p:nvPr>
+            <p:ph type="body" sz="quarter" idx="13"/>
+          </p:nvPr>
+        </p:nvSpPr>
         <p:spPr>
           <a:xfrm>
-            <a:off x="6556248" y="548640"/>
-            <a:ext cx="5084064" cy="2880360"/>
+            <a:off x="4341573" y="1731375"/>
+            <a:ext cx="3566160" cy="535354"/>
           </a:xfrm>
         </p:spPr>
-      </p:pic>
-      <p:pic>
-        <p:nvPicPr>
-          <p:cNvPr id="33" name="Picture Placeholder 32" descr="Data Points Digital background">
-            <a:extLst>
-              <a:ext uri="{FF2B5EF4-FFF2-40B4-BE49-F238E27FC236}">
-                <a16:creationId xmlns:a16="http://schemas.microsoft.com/office/drawing/2014/main" id="{48106962-23C6-4DFE-BB3A-E5FFF03F38CE}"/>
-              </a:ext>
-            </a:extLst>
-          </p:cNvPr>
-          <p:cNvPicPr>
-            <a:picLocks noGrp="1" noChangeAspect="1"/>
-          </p:cNvPicPr>
-          <p:nvPr>
-            <p:ph type="pic" sz="quarter" idx="16"/>
-          </p:nvPr>
-        </p:nvPicPr>
-        <p:blipFill rotWithShape="1">
-          <a:blip r:embed="rId3" cstate="screen">
-            <a:extLst>
-              <a:ext uri="{28A0092B-C50C-407E-A947-70E740481C1C}">
-                <a14:useLocalDpi xmlns:a14="http://schemas.microsoft.com/office/drawing/2010/main" val="0"/>
-              </a:ext>
-            </a:extLst>
-          </a:blip>
-          <a:srcRect/>
-          <a:stretch/>
-        </p:blipFill>
+        <p:txBody>
+          <a:bodyPr/>
+          <a:lstStyle/>
+          <a:p>
+            <a:r>
+              <a:rPr lang="en-US" dirty="0"/>
+              <a:t>subtitle</a:t>
+            </a:r>
+          </a:p>
+        </p:txBody>
+      </p:sp>
+      <p:sp>
+        <p:nvSpPr>
+          <p:cNvPr id="13" name="Content Placeholder 12">
+            <a:extLst>
+              <a:ext uri="{FF2B5EF4-FFF2-40B4-BE49-F238E27FC236}">
+                <a16:creationId xmlns:a16="http://schemas.microsoft.com/office/drawing/2014/main" id="{258E9390-685C-4BAD-BFAD-EC56E81C4745}"/>
+              </a:ext>
+            </a:extLst>
+          </p:cNvPr>
+          <p:cNvSpPr>
+            <a:spLocks noGrp="1"/>
+          </p:cNvSpPr>
+          <p:nvPr>
+            <p:ph sz="quarter" idx="14"/>
+          </p:nvPr>
+        </p:nvSpPr>
         <p:spPr>
           <a:xfrm>
-            <a:off x="6556248" y="3429000"/>
-            <a:ext cx="5084064" cy="2880360"/>
+            <a:off x="4341573" y="2427370"/>
+            <a:ext cx="3508755" cy="3515555"/>
           </a:xfrm>
         </p:spPr>
-      </p:pic>
+        <p:txBody>
+          <a:bodyPr>
+            <a:normAutofit lnSpcReduction="10000"/>
+          </a:bodyPr>
+          <a:lstStyle/>
+          <a:p>
+            <a:pPr lvl="0"/>
+            <a:r>
+              <a:rPr lang="en-US" dirty="0"/>
+              <a:t>Add text, images, art, and videos. </a:t>
+            </a:r>
+          </a:p>
+          <a:p>
+            <a:pPr lvl="0"/>
+            <a:r>
+              <a:rPr lang="en-US" dirty="0"/>
+              <a:t>Add transitions, animations, and motion. </a:t>
+            </a:r>
+          </a:p>
+          <a:p>
+            <a:pPr lvl="0"/>
+            <a:r>
+              <a:rPr lang="en-US" dirty="0"/>
+              <a:t>Save to OneDrive, to get to your presentations from your computer, tablet, or phone. </a:t>
+            </a:r>
+          </a:p>
+          <a:p>
+            <a:r>
+              <a:rPr lang="en-US" dirty="0"/>
+              <a:t>Open the Design Ideas pane for instant slide makeovers. </a:t>
+            </a:r>
+          </a:p>
+          <a:p>
+            <a:r>
+              <a:rPr lang="en-US" dirty="0"/>
+              <a:t>When we have design ideas, we’ll show them to you right there.</a:t>
+            </a:r>
+          </a:p>
+        </p:txBody>
+      </p:sp>
       <p:sp>
         <p:nvSpPr>
-          <p:cNvPr id="4" name="Date Placeholder 3">
-            <a:extLst>
-              <a:ext uri="{FF2B5EF4-FFF2-40B4-BE49-F238E27FC236}">
-                <a16:creationId xmlns:a16="http://schemas.microsoft.com/office/drawing/2014/main" id="{7823E305-6365-4345-8BD1-4A31C61D96CB}"/>
+          <p:cNvPr id="10" name="Text Placeholder 9">
+            <a:extLst>
+              <a:ext uri="{FF2B5EF4-FFF2-40B4-BE49-F238E27FC236}">
+                <a16:creationId xmlns:a16="http://schemas.microsoft.com/office/drawing/2014/main" id="{34A9BC34-CFDB-4D7A-8D6C-1CE608D0909F}"/>
+              </a:ext>
+            </a:extLst>
+          </p:cNvPr>
+          <p:cNvSpPr>
+            <a:spLocks noGrp="1"/>
+          </p:cNvSpPr>
+          <p:nvPr>
+            <p:ph type="body" sz="quarter" idx="3"/>
+          </p:nvPr>
+        </p:nvSpPr>
+        <p:spPr>
+          <a:xfrm>
+            <a:off x="8139659" y="1731375"/>
+            <a:ext cx="3566160" cy="535354"/>
+          </a:xfrm>
+        </p:spPr>
+        <p:txBody>
+          <a:bodyPr/>
+          <a:lstStyle/>
+          <a:p>
+            <a:r>
+              <a:rPr lang="en-US"/>
+              <a:t>subtitle</a:t>
+            </a:r>
+            <a:endParaRPr lang="en-US" dirty="0"/>
+          </a:p>
+        </p:txBody>
+      </p:sp>
+      <p:sp>
+        <p:nvSpPr>
+          <p:cNvPr id="11" name="Content Placeholder 10">
+            <a:extLst>
+              <a:ext uri="{FF2B5EF4-FFF2-40B4-BE49-F238E27FC236}">
+                <a16:creationId xmlns:a16="http://schemas.microsoft.com/office/drawing/2014/main" id="{1D014E48-5DD9-49CE-AD5B-0FEF69204F68}"/>
+              </a:ext>
+            </a:extLst>
+          </p:cNvPr>
+          <p:cNvSpPr>
+            <a:spLocks noGrp="1"/>
+          </p:cNvSpPr>
+          <p:nvPr>
+            <p:ph sz="quarter" idx="4"/>
+          </p:nvPr>
+        </p:nvSpPr>
+        <p:spPr>
+          <a:xfrm>
+            <a:off x="8139659" y="2427370"/>
+            <a:ext cx="3508755" cy="3515555"/>
+          </a:xfrm>
+        </p:spPr>
+        <p:txBody>
+          <a:bodyPr>
+            <a:normAutofit lnSpcReduction="10000"/>
+          </a:bodyPr>
+          <a:lstStyle/>
+          <a:p>
+            <a:pPr lvl="0"/>
+            <a:r>
+              <a:rPr lang="en-US" dirty="0"/>
+              <a:t>Add text, images, art, and videos. </a:t>
+            </a:r>
+          </a:p>
+          <a:p>
+            <a:pPr lvl="0"/>
+            <a:r>
+              <a:rPr lang="en-US" dirty="0"/>
+              <a:t>Add transitions, animations, and motion. </a:t>
+            </a:r>
+          </a:p>
+          <a:p>
+            <a:pPr lvl="0"/>
+            <a:r>
+              <a:rPr lang="en-US" dirty="0"/>
+              <a:t>Save to OneDrive, to get to your presentations from your computer, tablet, or phone. </a:t>
+            </a:r>
+          </a:p>
+          <a:p>
+            <a:r>
+              <a:rPr lang="en-US" dirty="0"/>
+              <a:t>Open the Design Ideas pane for instant slide makeovers. </a:t>
+            </a:r>
+          </a:p>
+          <a:p>
+            <a:r>
+              <a:rPr lang="en-US" dirty="0"/>
+              <a:t>When we have design ideas, we’ll show them to you right there.</a:t>
+            </a:r>
+          </a:p>
+        </p:txBody>
+      </p:sp>
+      <p:sp>
+        <p:nvSpPr>
+          <p:cNvPr id="14" name="Date Placeholder 13">
+            <a:extLst>
+              <a:ext uri="{FF2B5EF4-FFF2-40B4-BE49-F238E27FC236}">
+                <a16:creationId xmlns:a16="http://schemas.microsoft.com/office/drawing/2014/main" id="{D236478C-E242-44E0-8357-C72C9B588CA7}"/>
               </a:ext>
             </a:extLst>
           </p:cNvPr>
@@ -21218,15 +22158,16 @@
               <a:rPr lang="en-US"/>
               <a:t>Tuesday, February 2, 20XX</a:t>
             </a:r>
+            <a:endParaRPr lang="en-US" dirty="0"/>
           </a:p>
         </p:txBody>
       </p:sp>
       <p:sp>
         <p:nvSpPr>
-          <p:cNvPr id="5" name="Footer Placeholder 4">
-            <a:extLst>
-              <a:ext uri="{FF2B5EF4-FFF2-40B4-BE49-F238E27FC236}">
-                <a16:creationId xmlns:a16="http://schemas.microsoft.com/office/drawing/2014/main" id="{0B37A3FF-ED32-4C4A-A21F-848A3BF6F896}"/>
+          <p:cNvPr id="15" name="Footer Placeholder 14">
+            <a:extLst>
+              <a:ext uri="{FF2B5EF4-FFF2-40B4-BE49-F238E27FC236}">
+                <a16:creationId xmlns:a16="http://schemas.microsoft.com/office/drawing/2014/main" id="{65A6DC02-681E-4AF7-AC6E-57CDDB2FBA28}"/>
               </a:ext>
             </a:extLst>
           </p:cNvPr>
@@ -21256,10 +22197,10 @@
       </p:sp>
       <p:sp>
         <p:nvSpPr>
-          <p:cNvPr id="6" name="Slide Number Placeholder 5">
-            <a:extLst>
-              <a:ext uri="{FF2B5EF4-FFF2-40B4-BE49-F238E27FC236}">
-                <a16:creationId xmlns:a16="http://schemas.microsoft.com/office/drawing/2014/main" id="{36E60F23-FB58-4EF8-82FD-E86CED25FDD4}"/>
+          <p:cNvPr id="16" name="Slide Number Placeholder 15">
+            <a:extLst>
+              <a:ext uri="{FF2B5EF4-FFF2-40B4-BE49-F238E27FC236}">
+                <a16:creationId xmlns:a16="http://schemas.microsoft.com/office/drawing/2014/main" id="{CF0A8666-4477-461C-A79D-E91232EE973E}"/>
               </a:ext>
             </a:extLst>
           </p:cNvPr>
@@ -21292,7 +22233,1625 @@
     </p:spTree>
     <p:extLst>
       <p:ext uri="{BB962C8B-B14F-4D97-AF65-F5344CB8AC3E}">
-        <p14:creationId xmlns:p14="http://schemas.microsoft.com/office/powerpoint/2010/main" val="3247798845"/>
+        <p14:creationId xmlns:p14="http://schemas.microsoft.com/office/powerpoint/2010/main" val="1420547054"/>
+      </p:ext>
+    </p:extLst>
+  </p:cSld>
+  <p:clrMapOvr>
+    <a:masterClrMapping/>
+  </p:clrMapOvr>
+</p:sld>
+</file>
+
+<file path=ppt/slides/slide15.xml><?xml version="1.0" encoding="utf-8"?>
+<p:sld xmlns:a="http://schemas.openxmlformats.org/drawingml/2006/main" xmlns:r="http://schemas.openxmlformats.org/officeDocument/2006/relationships" xmlns:p="http://schemas.openxmlformats.org/presentationml/2006/main">
+  <p:cSld>
+    <p:spTree>
+      <p:nvGrpSpPr>
+        <p:cNvPr id="1" name=""/>
+        <p:cNvGrpSpPr/>
+        <p:nvPr/>
+      </p:nvGrpSpPr>
+      <p:grpSpPr>
+        <a:xfrm>
+          <a:off x="0" y="0"/>
+          <a:ext cx="0" cy="0"/>
+          <a:chOff x="0" y="0"/>
+          <a:chExt cx="0" cy="0"/>
+        </a:xfrm>
+      </p:grpSpPr>
+      <p:sp>
+        <p:nvSpPr>
+          <p:cNvPr id="11" name="Title 10">
+            <a:extLst>
+              <a:ext uri="{FF2B5EF4-FFF2-40B4-BE49-F238E27FC236}">
+                <a16:creationId xmlns:a16="http://schemas.microsoft.com/office/drawing/2014/main" id="{581E8936-2270-47FE-94A4-398CB123EF90}"/>
+              </a:ext>
+            </a:extLst>
+          </p:cNvPr>
+          <p:cNvSpPr>
+            <a:spLocks noGrp="1"/>
+          </p:cNvSpPr>
+          <p:nvPr>
+            <p:ph type="title"/>
+          </p:nvPr>
+        </p:nvSpPr>
+        <p:spPr>
+          <a:xfrm>
+            <a:off x="550863" y="4508500"/>
+            <a:ext cx="4500562" cy="1562959"/>
+          </a:xfrm>
+        </p:spPr>
+        <p:txBody>
+          <a:bodyPr/>
+          <a:lstStyle/>
+          <a:p>
+            <a:r>
+              <a:rPr lang="en-US" dirty="0"/>
+              <a:t>Data Modeling</a:t>
+            </a:r>
+          </a:p>
+        </p:txBody>
+      </p:sp>
+      <p:pic>
+        <p:nvPicPr>
+          <p:cNvPr id="16" name="Picture Placeholder 15" descr="Data Points Digital background">
+            <a:extLst>
+              <a:ext uri="{FF2B5EF4-FFF2-40B4-BE49-F238E27FC236}">
+                <a16:creationId xmlns:a16="http://schemas.microsoft.com/office/drawing/2014/main" id="{361E9ADB-7377-4CF1-9AE4-AEFBDEBEEEEC}"/>
+              </a:ext>
+            </a:extLst>
+          </p:cNvPr>
+          <p:cNvPicPr>
+            <a:picLocks noGrp="1" noChangeAspect="1"/>
+          </p:cNvPicPr>
+          <p:nvPr>
+            <p:ph type="pic" sz="quarter" idx="13"/>
+          </p:nvPr>
+        </p:nvPicPr>
+        <p:blipFill rotWithShape="1">
+          <a:blip r:embed="rId3" cstate="screen">
+            <a:extLst>
+              <a:ext uri="{28A0092B-C50C-407E-A947-70E740481C1C}">
+                <a14:useLocalDpi xmlns:a14="http://schemas.microsoft.com/office/drawing/2010/main" val="0"/>
+              </a:ext>
+            </a:extLst>
+          </a:blip>
+          <a:srcRect/>
+          <a:stretch/>
+        </p:blipFill>
+        <p:spPr>
+          <a:xfrm>
+            <a:off x="0" y="0"/>
+            <a:ext cx="12192000" cy="3776472"/>
+          </a:xfrm>
+        </p:spPr>
+      </p:pic>
+      <p:sp>
+        <p:nvSpPr>
+          <p:cNvPr id="13" name="Content Placeholder 12">
+            <a:extLst>
+              <a:ext uri="{FF2B5EF4-FFF2-40B4-BE49-F238E27FC236}">
+                <a16:creationId xmlns:a16="http://schemas.microsoft.com/office/drawing/2014/main" id="{C0287FEC-3826-4868-8D93-52429C6156F5}"/>
+              </a:ext>
+            </a:extLst>
+          </p:cNvPr>
+          <p:cNvSpPr>
+            <a:spLocks noGrp="1"/>
+          </p:cNvSpPr>
+          <p:nvPr>
+            <p:ph sz="quarter" idx="15"/>
+          </p:nvPr>
+        </p:nvSpPr>
+        <p:spPr>
+          <a:xfrm>
+            <a:off x="5262411" y="4508500"/>
+            <a:ext cx="6221412" cy="1563688"/>
+          </a:xfrm>
+        </p:spPr>
+        <p:txBody>
+          <a:bodyPr>
+            <a:normAutofit lnSpcReduction="10000"/>
+          </a:bodyPr>
+          <a:lstStyle/>
+          <a:p>
+            <a:r>
+              <a:rPr lang="en-US" dirty="0"/>
+              <a:t>With PowerPoint, you can create presentations and share your work with others, wherever they are. Type the text you want here to get started. You can also add images, art, and videos on this template. Save to OneDrive and access your presentations from your computer, tablet, or phone. </a:t>
+            </a:r>
+          </a:p>
+        </p:txBody>
+      </p:sp>
+      <p:sp>
+        <p:nvSpPr>
+          <p:cNvPr id="4" name="Date Placeholder 3">
+            <a:extLst>
+              <a:ext uri="{FF2B5EF4-FFF2-40B4-BE49-F238E27FC236}">
+                <a16:creationId xmlns:a16="http://schemas.microsoft.com/office/drawing/2014/main" id="{0C329F70-04F7-4C70-BCF8-D4371F54EF2F}"/>
+              </a:ext>
+            </a:extLst>
+          </p:cNvPr>
+          <p:cNvSpPr>
+            <a:spLocks noGrp="1"/>
+          </p:cNvSpPr>
+          <p:nvPr>
+            <p:ph type="dt" sz="half" idx="10"/>
+          </p:nvPr>
+        </p:nvSpPr>
+        <p:spPr>
+          <a:xfrm>
+            <a:off x="550863" y="6507212"/>
+            <a:ext cx="2628900" cy="153888"/>
+          </a:xfrm>
+        </p:spPr>
+        <p:txBody>
+          <a:bodyPr/>
+          <a:lstStyle/>
+          <a:p>
+            <a:r>
+              <a:rPr lang="en-US"/>
+              <a:t>Tuesday, February 2, 20XX</a:t>
+            </a:r>
+            <a:endParaRPr lang="en-US" dirty="0"/>
+          </a:p>
+        </p:txBody>
+      </p:sp>
+      <p:sp>
+        <p:nvSpPr>
+          <p:cNvPr id="5" name="Footer Placeholder 4">
+            <a:extLst>
+              <a:ext uri="{FF2B5EF4-FFF2-40B4-BE49-F238E27FC236}">
+                <a16:creationId xmlns:a16="http://schemas.microsoft.com/office/drawing/2014/main" id="{06A3302E-502D-4151-81C9-5FD6AF9596D6}"/>
+              </a:ext>
+            </a:extLst>
+          </p:cNvPr>
+          <p:cNvSpPr>
+            <a:spLocks noGrp="1"/>
+          </p:cNvSpPr>
+          <p:nvPr>
+            <p:ph type="ftr" sz="quarter" idx="11"/>
+          </p:nvPr>
+        </p:nvSpPr>
+        <p:spPr>
+          <a:xfrm>
+            <a:off x="3359150" y="6507212"/>
+            <a:ext cx="6379210" cy="153888"/>
+          </a:xfrm>
+        </p:spPr>
+        <p:txBody>
+          <a:bodyPr/>
+          <a:lstStyle/>
+          <a:p>
+            <a:r>
+              <a:rPr lang="en-US"/>
+              <a:t>Sample Footer Text</a:t>
+            </a:r>
+          </a:p>
+        </p:txBody>
+      </p:sp>
+      <p:sp>
+        <p:nvSpPr>
+          <p:cNvPr id="6" name="Slide Number Placeholder 5">
+            <a:extLst>
+              <a:ext uri="{FF2B5EF4-FFF2-40B4-BE49-F238E27FC236}">
+                <a16:creationId xmlns:a16="http://schemas.microsoft.com/office/drawing/2014/main" id="{9ED907F8-C614-4D59-A03F-BF9CD5E35703}"/>
+              </a:ext>
+            </a:extLst>
+          </p:cNvPr>
+          <p:cNvSpPr>
+            <a:spLocks noGrp="1"/>
+          </p:cNvSpPr>
+          <p:nvPr>
+            <p:ph type="sldNum" sz="quarter" idx="12"/>
+          </p:nvPr>
+        </p:nvSpPr>
+        <p:spPr>
+          <a:xfrm>
+            <a:off x="9948863" y="6507212"/>
+            <a:ext cx="1692274" cy="153888"/>
+          </a:xfrm>
+        </p:spPr>
+        <p:txBody>
+          <a:bodyPr/>
+          <a:lstStyle/>
+          <a:p>
+            <a:fld id="{DBA1B0FB-D917-4C8C-928F-313BD683BF39}" type="slidenum">
+              <a:rPr lang="en-US" smtClean="0"/>
+              <a:pPr/>
+              <a:t>15</a:t>
+            </a:fld>
+            <a:endParaRPr lang="en-US"/>
+          </a:p>
+        </p:txBody>
+      </p:sp>
+    </p:spTree>
+    <p:extLst>
+      <p:ext uri="{BB962C8B-B14F-4D97-AF65-F5344CB8AC3E}">
+        <p14:creationId xmlns:p14="http://schemas.microsoft.com/office/powerpoint/2010/main" val="3168979440"/>
+      </p:ext>
+    </p:extLst>
+  </p:cSld>
+  <p:clrMapOvr>
+    <a:masterClrMapping/>
+  </p:clrMapOvr>
+</p:sld>
+</file>
+
+<file path=ppt/slides/slide16.xml><?xml version="1.0" encoding="utf-8"?>
+<p:sld xmlns:a="http://schemas.openxmlformats.org/drawingml/2006/main" xmlns:r="http://schemas.openxmlformats.org/officeDocument/2006/relationships" xmlns:p="http://schemas.openxmlformats.org/presentationml/2006/main">
+  <p:cSld>
+    <p:spTree>
+      <p:nvGrpSpPr>
+        <p:cNvPr id="1" name=""/>
+        <p:cNvGrpSpPr/>
+        <p:nvPr/>
+      </p:nvGrpSpPr>
+      <p:grpSpPr>
+        <a:xfrm>
+          <a:off x="0" y="0"/>
+          <a:ext cx="0" cy="0"/>
+          <a:chOff x="0" y="0"/>
+          <a:chExt cx="0" cy="0"/>
+        </a:xfrm>
+      </p:grpSpPr>
+      <p:sp>
+        <p:nvSpPr>
+          <p:cNvPr id="7" name="Title 6">
+            <a:extLst>
+              <a:ext uri="{FF2B5EF4-FFF2-40B4-BE49-F238E27FC236}">
+                <a16:creationId xmlns:a16="http://schemas.microsoft.com/office/drawing/2014/main" id="{47788B34-4190-4916-9048-47720EA5ABF1}"/>
+              </a:ext>
+            </a:extLst>
+          </p:cNvPr>
+          <p:cNvSpPr>
+            <a:spLocks noGrp="1"/>
+          </p:cNvSpPr>
+          <p:nvPr>
+            <p:ph type="title"/>
+          </p:nvPr>
+        </p:nvSpPr>
+        <p:spPr>
+          <a:xfrm>
+            <a:off x="550862" y="549275"/>
+            <a:ext cx="11097551" cy="1332000"/>
+          </a:xfrm>
+        </p:spPr>
+        <p:txBody>
+          <a:bodyPr/>
+          <a:lstStyle/>
+          <a:p>
+            <a:r>
+              <a:rPr lang="en-US" dirty="0"/>
+              <a:t>Content 2 </a:t>
+            </a:r>
+          </a:p>
+        </p:txBody>
+      </p:sp>
+      <p:sp>
+        <p:nvSpPr>
+          <p:cNvPr id="8" name="Text Placeholder 7">
+            <a:extLst>
+              <a:ext uri="{FF2B5EF4-FFF2-40B4-BE49-F238E27FC236}">
+                <a16:creationId xmlns:a16="http://schemas.microsoft.com/office/drawing/2014/main" id="{ABA415A0-3B77-43FB-A408-5F1DA4B0AAFA}"/>
+              </a:ext>
+            </a:extLst>
+          </p:cNvPr>
+          <p:cNvSpPr>
+            <a:spLocks noGrp="1"/>
+          </p:cNvSpPr>
+          <p:nvPr>
+            <p:ph type="body" idx="1"/>
+          </p:nvPr>
+        </p:nvSpPr>
+        <p:spPr>
+          <a:xfrm>
+            <a:off x="550864" y="1731375"/>
+            <a:ext cx="3563936" cy="535354"/>
+          </a:xfrm>
+        </p:spPr>
+        <p:txBody>
+          <a:bodyPr/>
+          <a:lstStyle/>
+          <a:p>
+            <a:r>
+              <a:rPr lang="en-US" dirty="0"/>
+              <a:t>Subtitle</a:t>
+            </a:r>
+          </a:p>
+        </p:txBody>
+      </p:sp>
+      <p:sp>
+        <p:nvSpPr>
+          <p:cNvPr id="9" name="Content Placeholder 8">
+            <a:extLst>
+              <a:ext uri="{FF2B5EF4-FFF2-40B4-BE49-F238E27FC236}">
+                <a16:creationId xmlns:a16="http://schemas.microsoft.com/office/drawing/2014/main" id="{8598ECEC-4413-4244-8F21-0076EC511806}"/>
+              </a:ext>
+            </a:extLst>
+          </p:cNvPr>
+          <p:cNvSpPr>
+            <a:spLocks noGrp="1"/>
+          </p:cNvSpPr>
+          <p:nvPr>
+            <p:ph sz="half" idx="2"/>
+          </p:nvPr>
+        </p:nvSpPr>
+        <p:spPr>
+          <a:xfrm>
+            <a:off x="559476" y="2432304"/>
+            <a:ext cx="3563936" cy="3515555"/>
+          </a:xfrm>
+        </p:spPr>
+        <p:txBody>
+          <a:bodyPr>
+            <a:normAutofit fontScale="92500" lnSpcReduction="20000"/>
+          </a:bodyPr>
+          <a:lstStyle/>
+          <a:p>
+            <a:pPr lvl="0"/>
+            <a:r>
+              <a:rPr lang="en-US" dirty="0"/>
+              <a:t>Add text, images, art, and videos. </a:t>
+            </a:r>
+          </a:p>
+          <a:p>
+            <a:pPr lvl="0"/>
+            <a:r>
+              <a:rPr lang="en-US" dirty="0"/>
+              <a:t>Add transitions, animations, and motion. </a:t>
+            </a:r>
+          </a:p>
+          <a:p>
+            <a:pPr lvl="0"/>
+            <a:r>
+              <a:rPr lang="en-US" dirty="0"/>
+              <a:t>Save to OneDrive, to get to your presentations from your computer, tablet, or phone. </a:t>
+            </a:r>
+          </a:p>
+          <a:p>
+            <a:r>
+              <a:rPr lang="en-US" dirty="0"/>
+              <a:t>Open the Design Ideas pane for instant slide makeovers. </a:t>
+            </a:r>
+          </a:p>
+          <a:p>
+            <a:r>
+              <a:rPr lang="en-US" dirty="0"/>
+              <a:t>When we have design ideas, we’ll show them to you right there. </a:t>
+            </a:r>
+          </a:p>
+          <a:p>
+            <a:pPr lvl="0"/>
+            <a:endParaRPr lang="en-US" dirty="0"/>
+          </a:p>
+          <a:p>
+            <a:endParaRPr lang="en-US" dirty="0"/>
+          </a:p>
+        </p:txBody>
+      </p:sp>
+      <p:sp>
+        <p:nvSpPr>
+          <p:cNvPr id="12" name="Text Placeholder 11">
+            <a:extLst>
+              <a:ext uri="{FF2B5EF4-FFF2-40B4-BE49-F238E27FC236}">
+                <a16:creationId xmlns:a16="http://schemas.microsoft.com/office/drawing/2014/main" id="{3A63626D-0E6E-4023-ABFC-A744C9862159}"/>
+              </a:ext>
+            </a:extLst>
+          </p:cNvPr>
+          <p:cNvSpPr>
+            <a:spLocks noGrp="1"/>
+          </p:cNvSpPr>
+          <p:nvPr>
+            <p:ph type="body" sz="quarter" idx="13"/>
+          </p:nvPr>
+        </p:nvSpPr>
+        <p:spPr>
+          <a:xfrm>
+            <a:off x="4341573" y="1731375"/>
+            <a:ext cx="3566160" cy="535354"/>
+          </a:xfrm>
+        </p:spPr>
+        <p:txBody>
+          <a:bodyPr/>
+          <a:lstStyle/>
+          <a:p>
+            <a:r>
+              <a:rPr lang="en-US" dirty="0"/>
+              <a:t>subtitle</a:t>
+            </a:r>
+          </a:p>
+        </p:txBody>
+      </p:sp>
+      <p:sp>
+        <p:nvSpPr>
+          <p:cNvPr id="13" name="Content Placeholder 12">
+            <a:extLst>
+              <a:ext uri="{FF2B5EF4-FFF2-40B4-BE49-F238E27FC236}">
+                <a16:creationId xmlns:a16="http://schemas.microsoft.com/office/drawing/2014/main" id="{258E9390-685C-4BAD-BFAD-EC56E81C4745}"/>
+              </a:ext>
+            </a:extLst>
+          </p:cNvPr>
+          <p:cNvSpPr>
+            <a:spLocks noGrp="1"/>
+          </p:cNvSpPr>
+          <p:nvPr>
+            <p:ph sz="quarter" idx="14"/>
+          </p:nvPr>
+        </p:nvSpPr>
+        <p:spPr>
+          <a:xfrm>
+            <a:off x="4341573" y="2427370"/>
+            <a:ext cx="3508755" cy="3515555"/>
+          </a:xfrm>
+        </p:spPr>
+        <p:txBody>
+          <a:bodyPr>
+            <a:normAutofit lnSpcReduction="10000"/>
+          </a:bodyPr>
+          <a:lstStyle/>
+          <a:p>
+            <a:pPr lvl="0"/>
+            <a:r>
+              <a:rPr lang="en-US" dirty="0"/>
+              <a:t>Add text, images, art, and videos. </a:t>
+            </a:r>
+          </a:p>
+          <a:p>
+            <a:pPr lvl="0"/>
+            <a:r>
+              <a:rPr lang="en-US" dirty="0"/>
+              <a:t>Add transitions, animations, and motion. </a:t>
+            </a:r>
+          </a:p>
+          <a:p>
+            <a:pPr lvl="0"/>
+            <a:r>
+              <a:rPr lang="en-US" dirty="0"/>
+              <a:t>Save to OneDrive, to get to your presentations from your computer, tablet, or phone. </a:t>
+            </a:r>
+          </a:p>
+          <a:p>
+            <a:r>
+              <a:rPr lang="en-US" dirty="0"/>
+              <a:t>Open the Design Ideas pane for instant slide makeovers. </a:t>
+            </a:r>
+          </a:p>
+          <a:p>
+            <a:r>
+              <a:rPr lang="en-US" dirty="0"/>
+              <a:t>When we have design ideas, we’ll show them to you right there.</a:t>
+            </a:r>
+          </a:p>
+        </p:txBody>
+      </p:sp>
+      <p:sp>
+        <p:nvSpPr>
+          <p:cNvPr id="10" name="Text Placeholder 9">
+            <a:extLst>
+              <a:ext uri="{FF2B5EF4-FFF2-40B4-BE49-F238E27FC236}">
+                <a16:creationId xmlns:a16="http://schemas.microsoft.com/office/drawing/2014/main" id="{34A9BC34-CFDB-4D7A-8D6C-1CE608D0909F}"/>
+              </a:ext>
+            </a:extLst>
+          </p:cNvPr>
+          <p:cNvSpPr>
+            <a:spLocks noGrp="1"/>
+          </p:cNvSpPr>
+          <p:nvPr>
+            <p:ph type="body" sz="quarter" idx="3"/>
+          </p:nvPr>
+        </p:nvSpPr>
+        <p:spPr>
+          <a:xfrm>
+            <a:off x="8139659" y="1731375"/>
+            <a:ext cx="3566160" cy="535354"/>
+          </a:xfrm>
+        </p:spPr>
+        <p:txBody>
+          <a:bodyPr/>
+          <a:lstStyle/>
+          <a:p>
+            <a:r>
+              <a:rPr lang="en-US"/>
+              <a:t>subtitle</a:t>
+            </a:r>
+            <a:endParaRPr lang="en-US" dirty="0"/>
+          </a:p>
+        </p:txBody>
+      </p:sp>
+      <p:sp>
+        <p:nvSpPr>
+          <p:cNvPr id="11" name="Content Placeholder 10">
+            <a:extLst>
+              <a:ext uri="{FF2B5EF4-FFF2-40B4-BE49-F238E27FC236}">
+                <a16:creationId xmlns:a16="http://schemas.microsoft.com/office/drawing/2014/main" id="{1D014E48-5DD9-49CE-AD5B-0FEF69204F68}"/>
+              </a:ext>
+            </a:extLst>
+          </p:cNvPr>
+          <p:cNvSpPr>
+            <a:spLocks noGrp="1"/>
+          </p:cNvSpPr>
+          <p:nvPr>
+            <p:ph sz="quarter" idx="4"/>
+          </p:nvPr>
+        </p:nvSpPr>
+        <p:spPr>
+          <a:xfrm>
+            <a:off x="8139659" y="2427370"/>
+            <a:ext cx="3508755" cy="3515555"/>
+          </a:xfrm>
+        </p:spPr>
+        <p:txBody>
+          <a:bodyPr>
+            <a:normAutofit lnSpcReduction="10000"/>
+          </a:bodyPr>
+          <a:lstStyle/>
+          <a:p>
+            <a:pPr lvl="0"/>
+            <a:r>
+              <a:rPr lang="en-US" dirty="0"/>
+              <a:t>Add text, images, art, and videos. </a:t>
+            </a:r>
+          </a:p>
+          <a:p>
+            <a:pPr lvl="0"/>
+            <a:r>
+              <a:rPr lang="en-US" dirty="0"/>
+              <a:t>Add transitions, animations, and motion. </a:t>
+            </a:r>
+          </a:p>
+          <a:p>
+            <a:pPr lvl="0"/>
+            <a:r>
+              <a:rPr lang="en-US" dirty="0"/>
+              <a:t>Save to OneDrive, to get to your presentations from your computer, tablet, or phone. </a:t>
+            </a:r>
+          </a:p>
+          <a:p>
+            <a:r>
+              <a:rPr lang="en-US" dirty="0"/>
+              <a:t>Open the Design Ideas pane for instant slide makeovers. </a:t>
+            </a:r>
+          </a:p>
+          <a:p>
+            <a:r>
+              <a:rPr lang="en-US" dirty="0"/>
+              <a:t>When we have design ideas, we’ll show them to you right there.</a:t>
+            </a:r>
+          </a:p>
+        </p:txBody>
+      </p:sp>
+      <p:sp>
+        <p:nvSpPr>
+          <p:cNvPr id="14" name="Date Placeholder 13">
+            <a:extLst>
+              <a:ext uri="{FF2B5EF4-FFF2-40B4-BE49-F238E27FC236}">
+                <a16:creationId xmlns:a16="http://schemas.microsoft.com/office/drawing/2014/main" id="{D236478C-E242-44E0-8357-C72C9B588CA7}"/>
+              </a:ext>
+            </a:extLst>
+          </p:cNvPr>
+          <p:cNvSpPr>
+            <a:spLocks noGrp="1"/>
+          </p:cNvSpPr>
+          <p:nvPr>
+            <p:ph type="dt" sz="half" idx="10"/>
+          </p:nvPr>
+        </p:nvSpPr>
+        <p:spPr>
+          <a:xfrm>
+            <a:off x="550863" y="6507212"/>
+            <a:ext cx="2628900" cy="153888"/>
+          </a:xfrm>
+        </p:spPr>
+        <p:txBody>
+          <a:bodyPr/>
+          <a:lstStyle/>
+          <a:p>
+            <a:r>
+              <a:rPr lang="en-US"/>
+              <a:t>Tuesday, February 2, 20XX</a:t>
+            </a:r>
+            <a:endParaRPr lang="en-US" dirty="0"/>
+          </a:p>
+        </p:txBody>
+      </p:sp>
+      <p:sp>
+        <p:nvSpPr>
+          <p:cNvPr id="15" name="Footer Placeholder 14">
+            <a:extLst>
+              <a:ext uri="{FF2B5EF4-FFF2-40B4-BE49-F238E27FC236}">
+                <a16:creationId xmlns:a16="http://schemas.microsoft.com/office/drawing/2014/main" id="{65A6DC02-681E-4AF7-AC6E-57CDDB2FBA28}"/>
+              </a:ext>
+            </a:extLst>
+          </p:cNvPr>
+          <p:cNvSpPr>
+            <a:spLocks noGrp="1"/>
+          </p:cNvSpPr>
+          <p:nvPr>
+            <p:ph type="ftr" sz="quarter" idx="11"/>
+          </p:nvPr>
+        </p:nvSpPr>
+        <p:spPr>
+          <a:xfrm>
+            <a:off x="3359150" y="6507212"/>
+            <a:ext cx="6379210" cy="153888"/>
+          </a:xfrm>
+        </p:spPr>
+        <p:txBody>
+          <a:bodyPr/>
+          <a:lstStyle/>
+          <a:p>
+            <a:r>
+              <a:rPr lang="en-US"/>
+              <a:t>Sample Footer Text</a:t>
+            </a:r>
+          </a:p>
+        </p:txBody>
+      </p:sp>
+      <p:sp>
+        <p:nvSpPr>
+          <p:cNvPr id="16" name="Slide Number Placeholder 15">
+            <a:extLst>
+              <a:ext uri="{FF2B5EF4-FFF2-40B4-BE49-F238E27FC236}">
+                <a16:creationId xmlns:a16="http://schemas.microsoft.com/office/drawing/2014/main" id="{CF0A8666-4477-461C-A79D-E91232EE973E}"/>
+              </a:ext>
+            </a:extLst>
+          </p:cNvPr>
+          <p:cNvSpPr>
+            <a:spLocks noGrp="1"/>
+          </p:cNvSpPr>
+          <p:nvPr>
+            <p:ph type="sldNum" sz="quarter" idx="12"/>
+          </p:nvPr>
+        </p:nvSpPr>
+        <p:spPr>
+          <a:xfrm>
+            <a:off x="9948863" y="6507212"/>
+            <a:ext cx="1692274" cy="153888"/>
+          </a:xfrm>
+        </p:spPr>
+        <p:txBody>
+          <a:bodyPr/>
+          <a:lstStyle/>
+          <a:p>
+            <a:fld id="{DBA1B0FB-D917-4C8C-928F-313BD683BF39}" type="slidenum">
+              <a:rPr lang="en-US" smtClean="0"/>
+              <a:pPr/>
+              <a:t>16</a:t>
+            </a:fld>
+            <a:endParaRPr lang="en-US"/>
+          </a:p>
+        </p:txBody>
+      </p:sp>
+    </p:spTree>
+    <p:extLst>
+      <p:ext uri="{BB962C8B-B14F-4D97-AF65-F5344CB8AC3E}">
+        <p14:creationId xmlns:p14="http://schemas.microsoft.com/office/powerpoint/2010/main" val="1966113941"/>
+      </p:ext>
+    </p:extLst>
+  </p:cSld>
+  <p:clrMapOvr>
+    <a:masterClrMapping/>
+  </p:clrMapOvr>
+</p:sld>
+</file>
+
+<file path=ppt/slides/slide17.xml><?xml version="1.0" encoding="utf-8"?>
+<p:sld xmlns:a="http://schemas.openxmlformats.org/drawingml/2006/main" xmlns:r="http://schemas.openxmlformats.org/officeDocument/2006/relationships" xmlns:p="http://schemas.openxmlformats.org/presentationml/2006/main">
+  <p:cSld>
+    <p:spTree>
+      <p:nvGrpSpPr>
+        <p:cNvPr id="1" name=""/>
+        <p:cNvGrpSpPr/>
+        <p:nvPr/>
+      </p:nvGrpSpPr>
+      <p:grpSpPr>
+        <a:xfrm>
+          <a:off x="0" y="0"/>
+          <a:ext cx="0" cy="0"/>
+          <a:chOff x="0" y="0"/>
+          <a:chExt cx="0" cy="0"/>
+        </a:xfrm>
+      </p:grpSpPr>
+      <p:sp>
+        <p:nvSpPr>
+          <p:cNvPr id="11" name="Title 10">
+            <a:extLst>
+              <a:ext uri="{FF2B5EF4-FFF2-40B4-BE49-F238E27FC236}">
+                <a16:creationId xmlns:a16="http://schemas.microsoft.com/office/drawing/2014/main" id="{581E8936-2270-47FE-94A4-398CB123EF90}"/>
+              </a:ext>
+            </a:extLst>
+          </p:cNvPr>
+          <p:cNvSpPr>
+            <a:spLocks noGrp="1"/>
+          </p:cNvSpPr>
+          <p:nvPr>
+            <p:ph type="title"/>
+          </p:nvPr>
+        </p:nvSpPr>
+        <p:spPr>
+          <a:xfrm>
+            <a:off x="550863" y="4508500"/>
+            <a:ext cx="4500562" cy="1562959"/>
+          </a:xfrm>
+        </p:spPr>
+        <p:txBody>
+          <a:bodyPr/>
+          <a:lstStyle/>
+          <a:p>
+            <a:r>
+              <a:rPr lang="en-US" dirty="0"/>
+              <a:t>Data Predictions</a:t>
+            </a:r>
+          </a:p>
+        </p:txBody>
+      </p:sp>
+      <p:pic>
+        <p:nvPicPr>
+          <p:cNvPr id="16" name="Picture Placeholder 15" descr="Data Points Digital background">
+            <a:extLst>
+              <a:ext uri="{FF2B5EF4-FFF2-40B4-BE49-F238E27FC236}">
+                <a16:creationId xmlns:a16="http://schemas.microsoft.com/office/drawing/2014/main" id="{361E9ADB-7377-4CF1-9AE4-AEFBDEBEEEEC}"/>
+              </a:ext>
+            </a:extLst>
+          </p:cNvPr>
+          <p:cNvPicPr>
+            <a:picLocks noGrp="1" noChangeAspect="1"/>
+          </p:cNvPicPr>
+          <p:nvPr>
+            <p:ph type="pic" sz="quarter" idx="13"/>
+          </p:nvPr>
+        </p:nvPicPr>
+        <p:blipFill rotWithShape="1">
+          <a:blip r:embed="rId3" cstate="screen">
+            <a:extLst>
+              <a:ext uri="{28A0092B-C50C-407E-A947-70E740481C1C}">
+                <a14:useLocalDpi xmlns:a14="http://schemas.microsoft.com/office/drawing/2010/main" val="0"/>
+              </a:ext>
+            </a:extLst>
+          </a:blip>
+          <a:srcRect/>
+          <a:stretch/>
+        </p:blipFill>
+        <p:spPr>
+          <a:xfrm>
+            <a:off x="0" y="0"/>
+            <a:ext cx="12192000" cy="3776472"/>
+          </a:xfrm>
+        </p:spPr>
+      </p:pic>
+      <p:sp>
+        <p:nvSpPr>
+          <p:cNvPr id="13" name="Content Placeholder 12">
+            <a:extLst>
+              <a:ext uri="{FF2B5EF4-FFF2-40B4-BE49-F238E27FC236}">
+                <a16:creationId xmlns:a16="http://schemas.microsoft.com/office/drawing/2014/main" id="{C0287FEC-3826-4868-8D93-52429C6156F5}"/>
+              </a:ext>
+            </a:extLst>
+          </p:cNvPr>
+          <p:cNvSpPr>
+            <a:spLocks noGrp="1"/>
+          </p:cNvSpPr>
+          <p:nvPr>
+            <p:ph sz="quarter" idx="15"/>
+          </p:nvPr>
+        </p:nvSpPr>
+        <p:spPr>
+          <a:xfrm>
+            <a:off x="5262411" y="4508500"/>
+            <a:ext cx="6221412" cy="1563688"/>
+          </a:xfrm>
+        </p:spPr>
+        <p:txBody>
+          <a:bodyPr>
+            <a:normAutofit lnSpcReduction="10000"/>
+          </a:bodyPr>
+          <a:lstStyle/>
+          <a:p>
+            <a:r>
+              <a:rPr lang="en-US" dirty="0"/>
+              <a:t>With PowerPoint, you can create presentations and share your work with others, wherever they are. Type the text you want here to get started. You can also add images, art, and videos on this template. Save to OneDrive and access your presentations from your computer, tablet, or phone. </a:t>
+            </a:r>
+          </a:p>
+        </p:txBody>
+      </p:sp>
+      <p:sp>
+        <p:nvSpPr>
+          <p:cNvPr id="4" name="Date Placeholder 3">
+            <a:extLst>
+              <a:ext uri="{FF2B5EF4-FFF2-40B4-BE49-F238E27FC236}">
+                <a16:creationId xmlns:a16="http://schemas.microsoft.com/office/drawing/2014/main" id="{0C329F70-04F7-4C70-BCF8-D4371F54EF2F}"/>
+              </a:ext>
+            </a:extLst>
+          </p:cNvPr>
+          <p:cNvSpPr>
+            <a:spLocks noGrp="1"/>
+          </p:cNvSpPr>
+          <p:nvPr>
+            <p:ph type="dt" sz="half" idx="10"/>
+          </p:nvPr>
+        </p:nvSpPr>
+        <p:spPr>
+          <a:xfrm>
+            <a:off x="550863" y="6507212"/>
+            <a:ext cx="2628900" cy="153888"/>
+          </a:xfrm>
+        </p:spPr>
+        <p:txBody>
+          <a:bodyPr/>
+          <a:lstStyle/>
+          <a:p>
+            <a:r>
+              <a:rPr lang="en-US"/>
+              <a:t>Tuesday, February 2, 20XX</a:t>
+            </a:r>
+            <a:endParaRPr lang="en-US" dirty="0"/>
+          </a:p>
+        </p:txBody>
+      </p:sp>
+      <p:sp>
+        <p:nvSpPr>
+          <p:cNvPr id="5" name="Footer Placeholder 4">
+            <a:extLst>
+              <a:ext uri="{FF2B5EF4-FFF2-40B4-BE49-F238E27FC236}">
+                <a16:creationId xmlns:a16="http://schemas.microsoft.com/office/drawing/2014/main" id="{06A3302E-502D-4151-81C9-5FD6AF9596D6}"/>
+              </a:ext>
+            </a:extLst>
+          </p:cNvPr>
+          <p:cNvSpPr>
+            <a:spLocks noGrp="1"/>
+          </p:cNvSpPr>
+          <p:nvPr>
+            <p:ph type="ftr" sz="quarter" idx="11"/>
+          </p:nvPr>
+        </p:nvSpPr>
+        <p:spPr>
+          <a:xfrm>
+            <a:off x="3359150" y="6507212"/>
+            <a:ext cx="6379210" cy="153888"/>
+          </a:xfrm>
+        </p:spPr>
+        <p:txBody>
+          <a:bodyPr/>
+          <a:lstStyle/>
+          <a:p>
+            <a:r>
+              <a:rPr lang="en-US"/>
+              <a:t>Sample Footer Text</a:t>
+            </a:r>
+          </a:p>
+        </p:txBody>
+      </p:sp>
+      <p:sp>
+        <p:nvSpPr>
+          <p:cNvPr id="6" name="Slide Number Placeholder 5">
+            <a:extLst>
+              <a:ext uri="{FF2B5EF4-FFF2-40B4-BE49-F238E27FC236}">
+                <a16:creationId xmlns:a16="http://schemas.microsoft.com/office/drawing/2014/main" id="{9ED907F8-C614-4D59-A03F-BF9CD5E35703}"/>
+              </a:ext>
+            </a:extLst>
+          </p:cNvPr>
+          <p:cNvSpPr>
+            <a:spLocks noGrp="1"/>
+          </p:cNvSpPr>
+          <p:nvPr>
+            <p:ph type="sldNum" sz="quarter" idx="12"/>
+          </p:nvPr>
+        </p:nvSpPr>
+        <p:spPr>
+          <a:xfrm>
+            <a:off x="9948863" y="6507212"/>
+            <a:ext cx="1692274" cy="153888"/>
+          </a:xfrm>
+        </p:spPr>
+        <p:txBody>
+          <a:bodyPr/>
+          <a:lstStyle/>
+          <a:p>
+            <a:fld id="{DBA1B0FB-D917-4C8C-928F-313BD683BF39}" type="slidenum">
+              <a:rPr lang="en-US" smtClean="0"/>
+              <a:pPr/>
+              <a:t>17</a:t>
+            </a:fld>
+            <a:endParaRPr lang="en-US"/>
+          </a:p>
+        </p:txBody>
+      </p:sp>
+    </p:spTree>
+    <p:extLst>
+      <p:ext uri="{BB962C8B-B14F-4D97-AF65-F5344CB8AC3E}">
+        <p14:creationId xmlns:p14="http://schemas.microsoft.com/office/powerpoint/2010/main" val="3626334480"/>
+      </p:ext>
+    </p:extLst>
+  </p:cSld>
+  <p:clrMapOvr>
+    <a:masterClrMapping/>
+  </p:clrMapOvr>
+</p:sld>
+</file>
+
+<file path=ppt/slides/slide18.xml><?xml version="1.0" encoding="utf-8"?>
+<p:sld xmlns:a="http://schemas.openxmlformats.org/drawingml/2006/main" xmlns:r="http://schemas.openxmlformats.org/officeDocument/2006/relationships" xmlns:p="http://schemas.openxmlformats.org/presentationml/2006/main">
+  <p:cSld>
+    <p:spTree>
+      <p:nvGrpSpPr>
+        <p:cNvPr id="1" name=""/>
+        <p:cNvGrpSpPr/>
+        <p:nvPr/>
+      </p:nvGrpSpPr>
+      <p:grpSpPr>
+        <a:xfrm>
+          <a:off x="0" y="0"/>
+          <a:ext cx="0" cy="0"/>
+          <a:chOff x="0" y="0"/>
+          <a:chExt cx="0" cy="0"/>
+        </a:xfrm>
+      </p:grpSpPr>
+      <p:sp>
+        <p:nvSpPr>
+          <p:cNvPr id="7" name="Title 6">
+            <a:extLst>
+              <a:ext uri="{FF2B5EF4-FFF2-40B4-BE49-F238E27FC236}">
+                <a16:creationId xmlns:a16="http://schemas.microsoft.com/office/drawing/2014/main" id="{47788B34-4190-4916-9048-47720EA5ABF1}"/>
+              </a:ext>
+            </a:extLst>
+          </p:cNvPr>
+          <p:cNvSpPr>
+            <a:spLocks noGrp="1"/>
+          </p:cNvSpPr>
+          <p:nvPr>
+            <p:ph type="title"/>
+          </p:nvPr>
+        </p:nvSpPr>
+        <p:spPr>
+          <a:xfrm>
+            <a:off x="550862" y="549275"/>
+            <a:ext cx="11097551" cy="1332000"/>
+          </a:xfrm>
+        </p:spPr>
+        <p:txBody>
+          <a:bodyPr/>
+          <a:lstStyle/>
+          <a:p>
+            <a:r>
+              <a:rPr lang="en-US" dirty="0"/>
+              <a:t>Content 2 </a:t>
+            </a:r>
+          </a:p>
+        </p:txBody>
+      </p:sp>
+      <p:sp>
+        <p:nvSpPr>
+          <p:cNvPr id="8" name="Text Placeholder 7">
+            <a:extLst>
+              <a:ext uri="{FF2B5EF4-FFF2-40B4-BE49-F238E27FC236}">
+                <a16:creationId xmlns:a16="http://schemas.microsoft.com/office/drawing/2014/main" id="{ABA415A0-3B77-43FB-A408-5F1DA4B0AAFA}"/>
+              </a:ext>
+            </a:extLst>
+          </p:cNvPr>
+          <p:cNvSpPr>
+            <a:spLocks noGrp="1"/>
+          </p:cNvSpPr>
+          <p:nvPr>
+            <p:ph type="body" idx="1"/>
+          </p:nvPr>
+        </p:nvSpPr>
+        <p:spPr>
+          <a:xfrm>
+            <a:off x="550864" y="1731375"/>
+            <a:ext cx="3563936" cy="535354"/>
+          </a:xfrm>
+        </p:spPr>
+        <p:txBody>
+          <a:bodyPr/>
+          <a:lstStyle/>
+          <a:p>
+            <a:r>
+              <a:rPr lang="en-US" dirty="0"/>
+              <a:t>Subtitle</a:t>
+            </a:r>
+          </a:p>
+        </p:txBody>
+      </p:sp>
+      <p:sp>
+        <p:nvSpPr>
+          <p:cNvPr id="9" name="Content Placeholder 8">
+            <a:extLst>
+              <a:ext uri="{FF2B5EF4-FFF2-40B4-BE49-F238E27FC236}">
+                <a16:creationId xmlns:a16="http://schemas.microsoft.com/office/drawing/2014/main" id="{8598ECEC-4413-4244-8F21-0076EC511806}"/>
+              </a:ext>
+            </a:extLst>
+          </p:cNvPr>
+          <p:cNvSpPr>
+            <a:spLocks noGrp="1"/>
+          </p:cNvSpPr>
+          <p:nvPr>
+            <p:ph sz="half" idx="2"/>
+          </p:nvPr>
+        </p:nvSpPr>
+        <p:spPr>
+          <a:xfrm>
+            <a:off x="559476" y="2432304"/>
+            <a:ext cx="3563936" cy="3515555"/>
+          </a:xfrm>
+        </p:spPr>
+        <p:txBody>
+          <a:bodyPr>
+            <a:normAutofit fontScale="92500" lnSpcReduction="20000"/>
+          </a:bodyPr>
+          <a:lstStyle/>
+          <a:p>
+            <a:pPr lvl="0"/>
+            <a:r>
+              <a:rPr lang="en-US" dirty="0"/>
+              <a:t>Add text, images, art, and videos. </a:t>
+            </a:r>
+          </a:p>
+          <a:p>
+            <a:pPr lvl="0"/>
+            <a:r>
+              <a:rPr lang="en-US" dirty="0"/>
+              <a:t>Add transitions, animations, and motion. </a:t>
+            </a:r>
+          </a:p>
+          <a:p>
+            <a:pPr lvl="0"/>
+            <a:r>
+              <a:rPr lang="en-US" dirty="0"/>
+              <a:t>Save to OneDrive, to get to your presentations from your computer, tablet, or phone. </a:t>
+            </a:r>
+          </a:p>
+          <a:p>
+            <a:r>
+              <a:rPr lang="en-US" dirty="0"/>
+              <a:t>Open the Design Ideas pane for instant slide makeovers. </a:t>
+            </a:r>
+          </a:p>
+          <a:p>
+            <a:r>
+              <a:rPr lang="en-US" dirty="0"/>
+              <a:t>When we have design ideas, we’ll show them to you right there. </a:t>
+            </a:r>
+          </a:p>
+          <a:p>
+            <a:pPr lvl="0"/>
+            <a:endParaRPr lang="en-US" dirty="0"/>
+          </a:p>
+          <a:p>
+            <a:endParaRPr lang="en-US" dirty="0"/>
+          </a:p>
+        </p:txBody>
+      </p:sp>
+      <p:sp>
+        <p:nvSpPr>
+          <p:cNvPr id="12" name="Text Placeholder 11">
+            <a:extLst>
+              <a:ext uri="{FF2B5EF4-FFF2-40B4-BE49-F238E27FC236}">
+                <a16:creationId xmlns:a16="http://schemas.microsoft.com/office/drawing/2014/main" id="{3A63626D-0E6E-4023-ABFC-A744C9862159}"/>
+              </a:ext>
+            </a:extLst>
+          </p:cNvPr>
+          <p:cNvSpPr>
+            <a:spLocks noGrp="1"/>
+          </p:cNvSpPr>
+          <p:nvPr>
+            <p:ph type="body" sz="quarter" idx="13"/>
+          </p:nvPr>
+        </p:nvSpPr>
+        <p:spPr>
+          <a:xfrm>
+            <a:off x="4341573" y="1731375"/>
+            <a:ext cx="3566160" cy="535354"/>
+          </a:xfrm>
+        </p:spPr>
+        <p:txBody>
+          <a:bodyPr/>
+          <a:lstStyle/>
+          <a:p>
+            <a:r>
+              <a:rPr lang="en-US" dirty="0"/>
+              <a:t>subtitle</a:t>
+            </a:r>
+          </a:p>
+        </p:txBody>
+      </p:sp>
+      <p:sp>
+        <p:nvSpPr>
+          <p:cNvPr id="13" name="Content Placeholder 12">
+            <a:extLst>
+              <a:ext uri="{FF2B5EF4-FFF2-40B4-BE49-F238E27FC236}">
+                <a16:creationId xmlns:a16="http://schemas.microsoft.com/office/drawing/2014/main" id="{258E9390-685C-4BAD-BFAD-EC56E81C4745}"/>
+              </a:ext>
+            </a:extLst>
+          </p:cNvPr>
+          <p:cNvSpPr>
+            <a:spLocks noGrp="1"/>
+          </p:cNvSpPr>
+          <p:nvPr>
+            <p:ph sz="quarter" idx="14"/>
+          </p:nvPr>
+        </p:nvSpPr>
+        <p:spPr>
+          <a:xfrm>
+            <a:off x="4341573" y="2427370"/>
+            <a:ext cx="3508755" cy="3515555"/>
+          </a:xfrm>
+        </p:spPr>
+        <p:txBody>
+          <a:bodyPr>
+            <a:normAutofit lnSpcReduction="10000"/>
+          </a:bodyPr>
+          <a:lstStyle/>
+          <a:p>
+            <a:pPr lvl="0"/>
+            <a:r>
+              <a:rPr lang="en-US" dirty="0"/>
+              <a:t>Add text, images, art, and videos. </a:t>
+            </a:r>
+          </a:p>
+          <a:p>
+            <a:pPr lvl="0"/>
+            <a:r>
+              <a:rPr lang="en-US" dirty="0"/>
+              <a:t>Add transitions, animations, and motion. </a:t>
+            </a:r>
+          </a:p>
+          <a:p>
+            <a:pPr lvl="0"/>
+            <a:r>
+              <a:rPr lang="en-US" dirty="0"/>
+              <a:t>Save to OneDrive, to get to your presentations from your computer, tablet, or phone. </a:t>
+            </a:r>
+          </a:p>
+          <a:p>
+            <a:r>
+              <a:rPr lang="en-US" dirty="0"/>
+              <a:t>Open the Design Ideas pane for instant slide makeovers. </a:t>
+            </a:r>
+          </a:p>
+          <a:p>
+            <a:r>
+              <a:rPr lang="en-US" dirty="0"/>
+              <a:t>When we have design ideas, we’ll show them to you right there.</a:t>
+            </a:r>
+          </a:p>
+        </p:txBody>
+      </p:sp>
+      <p:sp>
+        <p:nvSpPr>
+          <p:cNvPr id="10" name="Text Placeholder 9">
+            <a:extLst>
+              <a:ext uri="{FF2B5EF4-FFF2-40B4-BE49-F238E27FC236}">
+                <a16:creationId xmlns:a16="http://schemas.microsoft.com/office/drawing/2014/main" id="{34A9BC34-CFDB-4D7A-8D6C-1CE608D0909F}"/>
+              </a:ext>
+            </a:extLst>
+          </p:cNvPr>
+          <p:cNvSpPr>
+            <a:spLocks noGrp="1"/>
+          </p:cNvSpPr>
+          <p:nvPr>
+            <p:ph type="body" sz="quarter" idx="3"/>
+          </p:nvPr>
+        </p:nvSpPr>
+        <p:spPr>
+          <a:xfrm>
+            <a:off x="8139659" y="1731375"/>
+            <a:ext cx="3566160" cy="535354"/>
+          </a:xfrm>
+        </p:spPr>
+        <p:txBody>
+          <a:bodyPr/>
+          <a:lstStyle/>
+          <a:p>
+            <a:r>
+              <a:rPr lang="en-US"/>
+              <a:t>subtitle</a:t>
+            </a:r>
+            <a:endParaRPr lang="en-US" dirty="0"/>
+          </a:p>
+        </p:txBody>
+      </p:sp>
+      <p:sp>
+        <p:nvSpPr>
+          <p:cNvPr id="11" name="Content Placeholder 10">
+            <a:extLst>
+              <a:ext uri="{FF2B5EF4-FFF2-40B4-BE49-F238E27FC236}">
+                <a16:creationId xmlns:a16="http://schemas.microsoft.com/office/drawing/2014/main" id="{1D014E48-5DD9-49CE-AD5B-0FEF69204F68}"/>
+              </a:ext>
+            </a:extLst>
+          </p:cNvPr>
+          <p:cNvSpPr>
+            <a:spLocks noGrp="1"/>
+          </p:cNvSpPr>
+          <p:nvPr>
+            <p:ph sz="quarter" idx="4"/>
+          </p:nvPr>
+        </p:nvSpPr>
+        <p:spPr>
+          <a:xfrm>
+            <a:off x="8139659" y="2427370"/>
+            <a:ext cx="3508755" cy="3515555"/>
+          </a:xfrm>
+        </p:spPr>
+        <p:txBody>
+          <a:bodyPr>
+            <a:normAutofit lnSpcReduction="10000"/>
+          </a:bodyPr>
+          <a:lstStyle/>
+          <a:p>
+            <a:pPr lvl="0"/>
+            <a:r>
+              <a:rPr lang="en-US" dirty="0"/>
+              <a:t>Add text, images, art, and videos. </a:t>
+            </a:r>
+          </a:p>
+          <a:p>
+            <a:pPr lvl="0"/>
+            <a:r>
+              <a:rPr lang="en-US" dirty="0"/>
+              <a:t>Add transitions, animations, and motion. </a:t>
+            </a:r>
+          </a:p>
+          <a:p>
+            <a:pPr lvl="0"/>
+            <a:r>
+              <a:rPr lang="en-US" dirty="0"/>
+              <a:t>Save to OneDrive, to get to your presentations from your computer, tablet, or phone. </a:t>
+            </a:r>
+          </a:p>
+          <a:p>
+            <a:r>
+              <a:rPr lang="en-US" dirty="0"/>
+              <a:t>Open the Design Ideas pane for instant slide makeovers. </a:t>
+            </a:r>
+          </a:p>
+          <a:p>
+            <a:r>
+              <a:rPr lang="en-US" dirty="0"/>
+              <a:t>When we have design ideas, we’ll show them to you right there.</a:t>
+            </a:r>
+          </a:p>
+        </p:txBody>
+      </p:sp>
+      <p:sp>
+        <p:nvSpPr>
+          <p:cNvPr id="14" name="Date Placeholder 13">
+            <a:extLst>
+              <a:ext uri="{FF2B5EF4-FFF2-40B4-BE49-F238E27FC236}">
+                <a16:creationId xmlns:a16="http://schemas.microsoft.com/office/drawing/2014/main" id="{D236478C-E242-44E0-8357-C72C9B588CA7}"/>
+              </a:ext>
+            </a:extLst>
+          </p:cNvPr>
+          <p:cNvSpPr>
+            <a:spLocks noGrp="1"/>
+          </p:cNvSpPr>
+          <p:nvPr>
+            <p:ph type="dt" sz="half" idx="10"/>
+          </p:nvPr>
+        </p:nvSpPr>
+        <p:spPr>
+          <a:xfrm>
+            <a:off x="550863" y="6507212"/>
+            <a:ext cx="2628900" cy="153888"/>
+          </a:xfrm>
+        </p:spPr>
+        <p:txBody>
+          <a:bodyPr/>
+          <a:lstStyle/>
+          <a:p>
+            <a:r>
+              <a:rPr lang="en-US"/>
+              <a:t>Tuesday, February 2, 20XX</a:t>
+            </a:r>
+            <a:endParaRPr lang="en-US" dirty="0"/>
+          </a:p>
+        </p:txBody>
+      </p:sp>
+      <p:sp>
+        <p:nvSpPr>
+          <p:cNvPr id="15" name="Footer Placeholder 14">
+            <a:extLst>
+              <a:ext uri="{FF2B5EF4-FFF2-40B4-BE49-F238E27FC236}">
+                <a16:creationId xmlns:a16="http://schemas.microsoft.com/office/drawing/2014/main" id="{65A6DC02-681E-4AF7-AC6E-57CDDB2FBA28}"/>
+              </a:ext>
+            </a:extLst>
+          </p:cNvPr>
+          <p:cNvSpPr>
+            <a:spLocks noGrp="1"/>
+          </p:cNvSpPr>
+          <p:nvPr>
+            <p:ph type="ftr" sz="quarter" idx="11"/>
+          </p:nvPr>
+        </p:nvSpPr>
+        <p:spPr>
+          <a:xfrm>
+            <a:off x="3359150" y="6507212"/>
+            <a:ext cx="6379210" cy="153888"/>
+          </a:xfrm>
+        </p:spPr>
+        <p:txBody>
+          <a:bodyPr/>
+          <a:lstStyle/>
+          <a:p>
+            <a:r>
+              <a:rPr lang="en-US"/>
+              <a:t>Sample Footer Text</a:t>
+            </a:r>
+          </a:p>
+        </p:txBody>
+      </p:sp>
+      <p:sp>
+        <p:nvSpPr>
+          <p:cNvPr id="16" name="Slide Number Placeholder 15">
+            <a:extLst>
+              <a:ext uri="{FF2B5EF4-FFF2-40B4-BE49-F238E27FC236}">
+                <a16:creationId xmlns:a16="http://schemas.microsoft.com/office/drawing/2014/main" id="{CF0A8666-4477-461C-A79D-E91232EE973E}"/>
+              </a:ext>
+            </a:extLst>
+          </p:cNvPr>
+          <p:cNvSpPr>
+            <a:spLocks noGrp="1"/>
+          </p:cNvSpPr>
+          <p:nvPr>
+            <p:ph type="sldNum" sz="quarter" idx="12"/>
+          </p:nvPr>
+        </p:nvSpPr>
+        <p:spPr>
+          <a:xfrm>
+            <a:off x="9948863" y="6507212"/>
+            <a:ext cx="1692274" cy="153888"/>
+          </a:xfrm>
+        </p:spPr>
+        <p:txBody>
+          <a:bodyPr/>
+          <a:lstStyle/>
+          <a:p>
+            <a:fld id="{DBA1B0FB-D917-4C8C-928F-313BD683BF39}" type="slidenum">
+              <a:rPr lang="en-US" smtClean="0"/>
+              <a:pPr/>
+              <a:t>18</a:t>
+            </a:fld>
+            <a:endParaRPr lang="en-US"/>
+          </a:p>
+        </p:txBody>
+      </p:sp>
+    </p:spTree>
+    <p:extLst>
+      <p:ext uri="{BB962C8B-B14F-4D97-AF65-F5344CB8AC3E}">
+        <p14:creationId xmlns:p14="http://schemas.microsoft.com/office/powerpoint/2010/main" val="883699955"/>
+      </p:ext>
+    </p:extLst>
+  </p:cSld>
+  <p:clrMapOvr>
+    <a:masterClrMapping/>
+  </p:clrMapOvr>
+</p:sld>
+</file>
+
+<file path=ppt/slides/slide19.xml><?xml version="1.0" encoding="utf-8"?>
+<p:sld xmlns:a="http://schemas.openxmlformats.org/drawingml/2006/main" xmlns:r="http://schemas.openxmlformats.org/officeDocument/2006/relationships" xmlns:p="http://schemas.openxmlformats.org/presentationml/2006/main">
+  <p:cSld>
+    <p:spTree>
+      <p:nvGrpSpPr>
+        <p:cNvPr id="1" name=""/>
+        <p:cNvGrpSpPr/>
+        <p:nvPr/>
+      </p:nvGrpSpPr>
+      <p:grpSpPr>
+        <a:xfrm>
+          <a:off x="0" y="0"/>
+          <a:ext cx="0" cy="0"/>
+          <a:chOff x="0" y="0"/>
+          <a:chExt cx="0" cy="0"/>
+        </a:xfrm>
+      </p:grpSpPr>
+      <p:sp>
+        <p:nvSpPr>
+          <p:cNvPr id="11" name="Title 10">
+            <a:extLst>
+              <a:ext uri="{FF2B5EF4-FFF2-40B4-BE49-F238E27FC236}">
+                <a16:creationId xmlns:a16="http://schemas.microsoft.com/office/drawing/2014/main" id="{581E8936-2270-47FE-94A4-398CB123EF90}"/>
+              </a:ext>
+            </a:extLst>
+          </p:cNvPr>
+          <p:cNvSpPr>
+            <a:spLocks noGrp="1"/>
+          </p:cNvSpPr>
+          <p:nvPr>
+            <p:ph type="title"/>
+          </p:nvPr>
+        </p:nvSpPr>
+        <p:spPr>
+          <a:xfrm>
+            <a:off x="550863" y="4508500"/>
+            <a:ext cx="4500562" cy="1562959"/>
+          </a:xfrm>
+        </p:spPr>
+        <p:txBody>
+          <a:bodyPr/>
+          <a:lstStyle/>
+          <a:p>
+            <a:r>
+              <a:rPr lang="en-US" dirty="0"/>
+              <a:t>Summary</a:t>
+            </a:r>
+          </a:p>
+        </p:txBody>
+      </p:sp>
+      <p:pic>
+        <p:nvPicPr>
+          <p:cNvPr id="16" name="Picture Placeholder 15" descr="Data Points Digital background">
+            <a:extLst>
+              <a:ext uri="{FF2B5EF4-FFF2-40B4-BE49-F238E27FC236}">
+                <a16:creationId xmlns:a16="http://schemas.microsoft.com/office/drawing/2014/main" id="{361E9ADB-7377-4CF1-9AE4-AEFBDEBEEEEC}"/>
+              </a:ext>
+            </a:extLst>
+          </p:cNvPr>
+          <p:cNvPicPr>
+            <a:picLocks noGrp="1" noChangeAspect="1"/>
+          </p:cNvPicPr>
+          <p:nvPr>
+            <p:ph type="pic" sz="quarter" idx="13"/>
+          </p:nvPr>
+        </p:nvPicPr>
+        <p:blipFill rotWithShape="1">
+          <a:blip r:embed="rId3" cstate="screen">
+            <a:extLst>
+              <a:ext uri="{28A0092B-C50C-407E-A947-70E740481C1C}">
+                <a14:useLocalDpi xmlns:a14="http://schemas.microsoft.com/office/drawing/2010/main" val="0"/>
+              </a:ext>
+            </a:extLst>
+          </a:blip>
+          <a:srcRect/>
+          <a:stretch/>
+        </p:blipFill>
+        <p:spPr>
+          <a:xfrm>
+            <a:off x="0" y="0"/>
+            <a:ext cx="12192000" cy="3776472"/>
+          </a:xfrm>
+        </p:spPr>
+      </p:pic>
+      <p:sp>
+        <p:nvSpPr>
+          <p:cNvPr id="13" name="Content Placeholder 12">
+            <a:extLst>
+              <a:ext uri="{FF2B5EF4-FFF2-40B4-BE49-F238E27FC236}">
+                <a16:creationId xmlns:a16="http://schemas.microsoft.com/office/drawing/2014/main" id="{C0287FEC-3826-4868-8D93-52429C6156F5}"/>
+              </a:ext>
+            </a:extLst>
+          </p:cNvPr>
+          <p:cNvSpPr>
+            <a:spLocks noGrp="1"/>
+          </p:cNvSpPr>
+          <p:nvPr>
+            <p:ph sz="quarter" idx="15"/>
+          </p:nvPr>
+        </p:nvSpPr>
+        <p:spPr>
+          <a:xfrm>
+            <a:off x="5262411" y="4508500"/>
+            <a:ext cx="6221412" cy="1563688"/>
+          </a:xfrm>
+        </p:spPr>
+        <p:txBody>
+          <a:bodyPr>
+            <a:normAutofit lnSpcReduction="10000"/>
+          </a:bodyPr>
+          <a:lstStyle/>
+          <a:p>
+            <a:r>
+              <a:rPr lang="en-US" dirty="0"/>
+              <a:t>With PowerPoint, you can create presentations and share your work with others, wherever they are. Type the text you want here to get started. You can also add images, art, and videos on this template. Save to OneDrive and access your presentations from your computer, tablet, or phone. </a:t>
+            </a:r>
+          </a:p>
+        </p:txBody>
+      </p:sp>
+      <p:sp>
+        <p:nvSpPr>
+          <p:cNvPr id="4" name="Date Placeholder 3">
+            <a:extLst>
+              <a:ext uri="{FF2B5EF4-FFF2-40B4-BE49-F238E27FC236}">
+                <a16:creationId xmlns:a16="http://schemas.microsoft.com/office/drawing/2014/main" id="{0C329F70-04F7-4C70-BCF8-D4371F54EF2F}"/>
+              </a:ext>
+            </a:extLst>
+          </p:cNvPr>
+          <p:cNvSpPr>
+            <a:spLocks noGrp="1"/>
+          </p:cNvSpPr>
+          <p:nvPr>
+            <p:ph type="dt" sz="half" idx="10"/>
+          </p:nvPr>
+        </p:nvSpPr>
+        <p:spPr>
+          <a:xfrm>
+            <a:off x="550863" y="6507212"/>
+            <a:ext cx="2628900" cy="153888"/>
+          </a:xfrm>
+        </p:spPr>
+        <p:txBody>
+          <a:bodyPr/>
+          <a:lstStyle/>
+          <a:p>
+            <a:r>
+              <a:rPr lang="en-US"/>
+              <a:t>Tuesday, February 2, 20XX</a:t>
+            </a:r>
+            <a:endParaRPr lang="en-US" dirty="0"/>
+          </a:p>
+        </p:txBody>
+      </p:sp>
+      <p:sp>
+        <p:nvSpPr>
+          <p:cNvPr id="5" name="Footer Placeholder 4">
+            <a:extLst>
+              <a:ext uri="{FF2B5EF4-FFF2-40B4-BE49-F238E27FC236}">
+                <a16:creationId xmlns:a16="http://schemas.microsoft.com/office/drawing/2014/main" id="{06A3302E-502D-4151-81C9-5FD6AF9596D6}"/>
+              </a:ext>
+            </a:extLst>
+          </p:cNvPr>
+          <p:cNvSpPr>
+            <a:spLocks noGrp="1"/>
+          </p:cNvSpPr>
+          <p:nvPr>
+            <p:ph type="ftr" sz="quarter" idx="11"/>
+          </p:nvPr>
+        </p:nvSpPr>
+        <p:spPr>
+          <a:xfrm>
+            <a:off x="3359150" y="6507212"/>
+            <a:ext cx="6379210" cy="153888"/>
+          </a:xfrm>
+        </p:spPr>
+        <p:txBody>
+          <a:bodyPr/>
+          <a:lstStyle/>
+          <a:p>
+            <a:r>
+              <a:rPr lang="en-US"/>
+              <a:t>Sample Footer Text</a:t>
+            </a:r>
+          </a:p>
+        </p:txBody>
+      </p:sp>
+      <p:sp>
+        <p:nvSpPr>
+          <p:cNvPr id="6" name="Slide Number Placeholder 5">
+            <a:extLst>
+              <a:ext uri="{FF2B5EF4-FFF2-40B4-BE49-F238E27FC236}">
+                <a16:creationId xmlns:a16="http://schemas.microsoft.com/office/drawing/2014/main" id="{9ED907F8-C614-4D59-A03F-BF9CD5E35703}"/>
+              </a:ext>
+            </a:extLst>
+          </p:cNvPr>
+          <p:cNvSpPr>
+            <a:spLocks noGrp="1"/>
+          </p:cNvSpPr>
+          <p:nvPr>
+            <p:ph type="sldNum" sz="quarter" idx="12"/>
+          </p:nvPr>
+        </p:nvSpPr>
+        <p:spPr>
+          <a:xfrm>
+            <a:off x="9948863" y="6507212"/>
+            <a:ext cx="1692274" cy="153888"/>
+          </a:xfrm>
+        </p:spPr>
+        <p:txBody>
+          <a:bodyPr/>
+          <a:lstStyle/>
+          <a:p>
+            <a:fld id="{DBA1B0FB-D917-4C8C-928F-313BD683BF39}" type="slidenum">
+              <a:rPr lang="en-US" smtClean="0"/>
+              <a:pPr/>
+              <a:t>19</a:t>
+            </a:fld>
+            <a:endParaRPr lang="en-US"/>
+          </a:p>
+        </p:txBody>
+      </p:sp>
+    </p:spTree>
+    <p:extLst>
+      <p:ext uri="{BB962C8B-B14F-4D97-AF65-F5344CB8AC3E}">
+        <p14:creationId xmlns:p14="http://schemas.microsoft.com/office/powerpoint/2010/main" val="3521561301"/>
       </p:ext>
     </p:extLst>
   </p:cSld>
@@ -21539,8 +24098,8 @@
         </p:blipFill>
         <p:spPr bwMode="auto">
           <a:xfrm>
-            <a:off x="7937500" y="3757650"/>
-            <a:ext cx="2857500" cy="571500"/>
+            <a:off x="8366288" y="3850005"/>
+            <a:ext cx="2254315" cy="450863"/>
           </a:xfrm>
           <a:prstGeom prst="rect">
             <a:avLst/>
@@ -21640,10 +24199,598 @@
           </a:extLst>
         </p:spPr>
       </p:pic>
+      <p:sp>
+        <p:nvSpPr>
+          <p:cNvPr id="2" name="Oval 1">
+            <a:extLst>
+              <a:ext uri="{FF2B5EF4-FFF2-40B4-BE49-F238E27FC236}">
+                <a16:creationId xmlns:a16="http://schemas.microsoft.com/office/drawing/2014/main" id="{92359531-F2E2-76CD-62AB-232EBEB1DE18}"/>
+              </a:ext>
+            </a:extLst>
+          </p:cNvPr>
+          <p:cNvSpPr/>
+          <p:nvPr/>
+        </p:nvSpPr>
+        <p:spPr>
+          <a:xfrm>
+            <a:off x="10906812" y="443060"/>
+            <a:ext cx="768285" cy="721150"/>
+          </a:xfrm>
+          <a:prstGeom prst="ellipse">
+            <a:avLst/>
+          </a:prstGeom>
+          <a:solidFill>
+            <a:srgbClr val="FFFF00"/>
+          </a:solidFill>
+        </p:spPr>
+        <p:style>
+          <a:lnRef idx="2">
+            <a:schemeClr val="accent1">
+              <a:shade val="15000"/>
+            </a:schemeClr>
+          </a:lnRef>
+          <a:fillRef idx="1">
+            <a:schemeClr val="accent1"/>
+          </a:fillRef>
+          <a:effectRef idx="0">
+            <a:schemeClr val="accent1"/>
+          </a:effectRef>
+          <a:fontRef idx="minor">
+            <a:schemeClr val="lt1"/>
+          </a:fontRef>
+        </p:style>
+        <p:txBody>
+          <a:bodyPr rtlCol="0" anchor="ctr"/>
+          <a:lstStyle/>
+          <a:p>
+            <a:pPr algn="ctr"/>
+            <a:endParaRPr lang="en-US"/>
+          </a:p>
+        </p:txBody>
+      </p:sp>
     </p:spTree>
     <p:extLst>
       <p:ext uri="{BB962C8B-B14F-4D97-AF65-F5344CB8AC3E}">
         <p14:creationId xmlns:p14="http://schemas.microsoft.com/office/powerpoint/2010/main" val="2031009587"/>
+      </p:ext>
+    </p:extLst>
+  </p:cSld>
+  <p:clrMapOvr>
+    <a:masterClrMapping/>
+  </p:clrMapOvr>
+</p:sld>
+</file>
+
+<file path=ppt/slides/slide20.xml><?xml version="1.0" encoding="utf-8"?>
+<p:sld xmlns:a="http://schemas.openxmlformats.org/drawingml/2006/main" xmlns:r="http://schemas.openxmlformats.org/officeDocument/2006/relationships" xmlns:p="http://schemas.openxmlformats.org/presentationml/2006/main">
+  <p:cSld>
+    <p:spTree>
+      <p:nvGrpSpPr>
+        <p:cNvPr id="1" name=""/>
+        <p:cNvGrpSpPr/>
+        <p:nvPr/>
+      </p:nvGrpSpPr>
+      <p:grpSpPr>
+        <a:xfrm>
+          <a:off x="0" y="0"/>
+          <a:ext cx="0" cy="0"/>
+          <a:chOff x="0" y="0"/>
+          <a:chExt cx="0" cy="0"/>
+        </a:xfrm>
+      </p:grpSpPr>
+      <p:sp>
+        <p:nvSpPr>
+          <p:cNvPr id="11" name="Title 10">
+            <a:extLst>
+              <a:ext uri="{FF2B5EF4-FFF2-40B4-BE49-F238E27FC236}">
+                <a16:creationId xmlns:a16="http://schemas.microsoft.com/office/drawing/2014/main" id="{581E8936-2270-47FE-94A4-398CB123EF90}"/>
+              </a:ext>
+            </a:extLst>
+          </p:cNvPr>
+          <p:cNvSpPr>
+            <a:spLocks noGrp="1"/>
+          </p:cNvSpPr>
+          <p:nvPr>
+            <p:ph type="title"/>
+          </p:nvPr>
+        </p:nvSpPr>
+        <p:spPr>
+          <a:xfrm>
+            <a:off x="550863" y="4508500"/>
+            <a:ext cx="4500562" cy="1562959"/>
+          </a:xfrm>
+        </p:spPr>
+        <p:txBody>
+          <a:bodyPr/>
+          <a:lstStyle/>
+          <a:p>
+            <a:r>
+              <a:rPr lang="en-US" dirty="0"/>
+              <a:t>Lessons Learned</a:t>
+            </a:r>
+          </a:p>
+        </p:txBody>
+      </p:sp>
+      <p:pic>
+        <p:nvPicPr>
+          <p:cNvPr id="16" name="Picture Placeholder 15" descr="Data Points Digital background">
+            <a:extLst>
+              <a:ext uri="{FF2B5EF4-FFF2-40B4-BE49-F238E27FC236}">
+                <a16:creationId xmlns:a16="http://schemas.microsoft.com/office/drawing/2014/main" id="{361E9ADB-7377-4CF1-9AE4-AEFBDEBEEEEC}"/>
+              </a:ext>
+            </a:extLst>
+          </p:cNvPr>
+          <p:cNvPicPr>
+            <a:picLocks noGrp="1" noChangeAspect="1"/>
+          </p:cNvPicPr>
+          <p:nvPr>
+            <p:ph type="pic" sz="quarter" idx="13"/>
+          </p:nvPr>
+        </p:nvPicPr>
+        <p:blipFill rotWithShape="1">
+          <a:blip r:embed="rId3" cstate="screen">
+            <a:extLst>
+              <a:ext uri="{28A0092B-C50C-407E-A947-70E740481C1C}">
+                <a14:useLocalDpi xmlns:a14="http://schemas.microsoft.com/office/drawing/2010/main" val="0"/>
+              </a:ext>
+            </a:extLst>
+          </a:blip>
+          <a:srcRect/>
+          <a:stretch/>
+        </p:blipFill>
+        <p:spPr>
+          <a:xfrm>
+            <a:off x="0" y="0"/>
+            <a:ext cx="12192000" cy="3776472"/>
+          </a:xfrm>
+        </p:spPr>
+      </p:pic>
+      <p:sp>
+        <p:nvSpPr>
+          <p:cNvPr id="13" name="Content Placeholder 12">
+            <a:extLst>
+              <a:ext uri="{FF2B5EF4-FFF2-40B4-BE49-F238E27FC236}">
+                <a16:creationId xmlns:a16="http://schemas.microsoft.com/office/drawing/2014/main" id="{C0287FEC-3826-4868-8D93-52429C6156F5}"/>
+              </a:ext>
+            </a:extLst>
+          </p:cNvPr>
+          <p:cNvSpPr>
+            <a:spLocks noGrp="1"/>
+          </p:cNvSpPr>
+          <p:nvPr>
+            <p:ph sz="quarter" idx="15"/>
+          </p:nvPr>
+        </p:nvSpPr>
+        <p:spPr>
+          <a:xfrm>
+            <a:off x="5262411" y="4508500"/>
+            <a:ext cx="6221412" cy="1563688"/>
+          </a:xfrm>
+        </p:spPr>
+        <p:txBody>
+          <a:bodyPr>
+            <a:normAutofit/>
+          </a:bodyPr>
+          <a:lstStyle/>
+          <a:p>
+            <a:pPr marL="342900" indent="-342900">
+              <a:buFont typeface="Arial" panose="020B0604020202020204" pitchFamily="34" charset="0"/>
+              <a:buChar char="•"/>
+            </a:pPr>
+            <a:r>
+              <a:rPr lang="en-US" dirty="0"/>
+              <a:t>A few lessons learned here</a:t>
+            </a:r>
+          </a:p>
+          <a:p>
+            <a:pPr marL="342900" indent="-342900">
+              <a:buFont typeface="Arial" panose="020B0604020202020204" pitchFamily="34" charset="0"/>
+              <a:buChar char="•"/>
+            </a:pPr>
+            <a:r>
+              <a:rPr lang="en-US" dirty="0"/>
+              <a:t>And here</a:t>
+            </a:r>
+          </a:p>
+          <a:p>
+            <a:pPr marL="342900" indent="-342900">
+              <a:buFont typeface="Arial" panose="020B0604020202020204" pitchFamily="34" charset="0"/>
+              <a:buChar char="•"/>
+            </a:pPr>
+            <a:r>
+              <a:rPr lang="en-US" dirty="0"/>
+              <a:t>And here</a:t>
+            </a:r>
+          </a:p>
+        </p:txBody>
+      </p:sp>
+      <p:sp>
+        <p:nvSpPr>
+          <p:cNvPr id="4" name="Date Placeholder 3">
+            <a:extLst>
+              <a:ext uri="{FF2B5EF4-FFF2-40B4-BE49-F238E27FC236}">
+                <a16:creationId xmlns:a16="http://schemas.microsoft.com/office/drawing/2014/main" id="{0C329F70-04F7-4C70-BCF8-D4371F54EF2F}"/>
+              </a:ext>
+            </a:extLst>
+          </p:cNvPr>
+          <p:cNvSpPr>
+            <a:spLocks noGrp="1"/>
+          </p:cNvSpPr>
+          <p:nvPr>
+            <p:ph type="dt" sz="half" idx="10"/>
+          </p:nvPr>
+        </p:nvSpPr>
+        <p:spPr>
+          <a:xfrm>
+            <a:off x="550863" y="6507212"/>
+            <a:ext cx="2628900" cy="153888"/>
+          </a:xfrm>
+        </p:spPr>
+        <p:txBody>
+          <a:bodyPr/>
+          <a:lstStyle/>
+          <a:p>
+            <a:r>
+              <a:rPr lang="en-US"/>
+              <a:t>Tuesday, February 2, 20XX</a:t>
+            </a:r>
+            <a:endParaRPr lang="en-US" dirty="0"/>
+          </a:p>
+        </p:txBody>
+      </p:sp>
+      <p:sp>
+        <p:nvSpPr>
+          <p:cNvPr id="5" name="Footer Placeholder 4">
+            <a:extLst>
+              <a:ext uri="{FF2B5EF4-FFF2-40B4-BE49-F238E27FC236}">
+                <a16:creationId xmlns:a16="http://schemas.microsoft.com/office/drawing/2014/main" id="{06A3302E-502D-4151-81C9-5FD6AF9596D6}"/>
+              </a:ext>
+            </a:extLst>
+          </p:cNvPr>
+          <p:cNvSpPr>
+            <a:spLocks noGrp="1"/>
+          </p:cNvSpPr>
+          <p:nvPr>
+            <p:ph type="ftr" sz="quarter" idx="11"/>
+          </p:nvPr>
+        </p:nvSpPr>
+        <p:spPr>
+          <a:xfrm>
+            <a:off x="3359150" y="6507212"/>
+            <a:ext cx="6379210" cy="153888"/>
+          </a:xfrm>
+        </p:spPr>
+        <p:txBody>
+          <a:bodyPr/>
+          <a:lstStyle/>
+          <a:p>
+            <a:r>
+              <a:rPr lang="en-US"/>
+              <a:t>Sample Footer Text</a:t>
+            </a:r>
+          </a:p>
+        </p:txBody>
+      </p:sp>
+      <p:sp>
+        <p:nvSpPr>
+          <p:cNvPr id="6" name="Slide Number Placeholder 5">
+            <a:extLst>
+              <a:ext uri="{FF2B5EF4-FFF2-40B4-BE49-F238E27FC236}">
+                <a16:creationId xmlns:a16="http://schemas.microsoft.com/office/drawing/2014/main" id="{9ED907F8-C614-4D59-A03F-BF9CD5E35703}"/>
+              </a:ext>
+            </a:extLst>
+          </p:cNvPr>
+          <p:cNvSpPr>
+            <a:spLocks noGrp="1"/>
+          </p:cNvSpPr>
+          <p:nvPr>
+            <p:ph type="sldNum" sz="quarter" idx="12"/>
+          </p:nvPr>
+        </p:nvSpPr>
+        <p:spPr>
+          <a:xfrm>
+            <a:off x="9948863" y="6507212"/>
+            <a:ext cx="1692274" cy="153888"/>
+          </a:xfrm>
+        </p:spPr>
+        <p:txBody>
+          <a:bodyPr/>
+          <a:lstStyle/>
+          <a:p>
+            <a:fld id="{DBA1B0FB-D917-4C8C-928F-313BD683BF39}" type="slidenum">
+              <a:rPr lang="en-US" smtClean="0"/>
+              <a:pPr/>
+              <a:t>20</a:t>
+            </a:fld>
+            <a:endParaRPr lang="en-US"/>
+          </a:p>
+        </p:txBody>
+      </p:sp>
+    </p:spTree>
+    <p:extLst>
+      <p:ext uri="{BB962C8B-B14F-4D97-AF65-F5344CB8AC3E}">
+        <p14:creationId xmlns:p14="http://schemas.microsoft.com/office/powerpoint/2010/main" val="2494024088"/>
+      </p:ext>
+    </p:extLst>
+  </p:cSld>
+  <p:clrMapOvr>
+    <a:masterClrMapping/>
+  </p:clrMapOvr>
+</p:sld>
+</file>
+
+<file path=ppt/slides/slide21.xml><?xml version="1.0" encoding="utf-8"?>
+<p:sld xmlns:a="http://schemas.openxmlformats.org/drawingml/2006/main" xmlns:r="http://schemas.openxmlformats.org/officeDocument/2006/relationships" xmlns:p="http://schemas.openxmlformats.org/presentationml/2006/main">
+  <p:cSld>
+    <p:spTree>
+      <p:nvGrpSpPr>
+        <p:cNvPr id="1" name=""/>
+        <p:cNvGrpSpPr/>
+        <p:nvPr/>
+      </p:nvGrpSpPr>
+      <p:grpSpPr>
+        <a:xfrm>
+          <a:off x="0" y="0"/>
+          <a:ext cx="0" cy="0"/>
+          <a:chOff x="0" y="0"/>
+          <a:chExt cx="0" cy="0"/>
+        </a:xfrm>
+      </p:grpSpPr>
+      <p:sp>
+        <p:nvSpPr>
+          <p:cNvPr id="22" name="Title 21">
+            <a:extLst>
+              <a:ext uri="{FF2B5EF4-FFF2-40B4-BE49-F238E27FC236}">
+                <a16:creationId xmlns:a16="http://schemas.microsoft.com/office/drawing/2014/main" id="{F8FAEED9-1ECD-45F9-87A0-9394BAEABB79}"/>
+              </a:ext>
+            </a:extLst>
+          </p:cNvPr>
+          <p:cNvSpPr>
+            <a:spLocks noGrp="1"/>
+          </p:cNvSpPr>
+          <p:nvPr>
+            <p:ph type="ctrTitle"/>
+          </p:nvPr>
+        </p:nvSpPr>
+        <p:spPr>
+          <a:xfrm>
+            <a:off x="550863" y="549275"/>
+            <a:ext cx="5437187" cy="2986234"/>
+          </a:xfrm>
+        </p:spPr>
+        <p:txBody>
+          <a:bodyPr/>
+          <a:lstStyle/>
+          <a:p>
+            <a:r>
+              <a:rPr lang="en-US" dirty="0"/>
+              <a:t>Thank You</a:t>
+            </a:r>
+          </a:p>
+        </p:txBody>
+      </p:sp>
+      <p:sp>
+        <p:nvSpPr>
+          <p:cNvPr id="23" name="Subtitle 22">
+            <a:extLst>
+              <a:ext uri="{FF2B5EF4-FFF2-40B4-BE49-F238E27FC236}">
+                <a16:creationId xmlns:a16="http://schemas.microsoft.com/office/drawing/2014/main" id="{8E5E4638-9BCB-4C2E-914F-CC868E2020D5}"/>
+              </a:ext>
+            </a:extLst>
+          </p:cNvPr>
+          <p:cNvSpPr>
+            <a:spLocks noGrp="1"/>
+          </p:cNvSpPr>
+          <p:nvPr>
+            <p:ph type="subTitle" idx="1"/>
+          </p:nvPr>
+        </p:nvSpPr>
+        <p:spPr>
+          <a:xfrm>
+            <a:off x="550863" y="3827610"/>
+            <a:ext cx="5437187" cy="2265216"/>
+          </a:xfrm>
+        </p:spPr>
+        <p:txBody>
+          <a:bodyPr/>
+          <a:lstStyle/>
+          <a:p>
+            <a:r>
+              <a:rPr lang="en-US" dirty="0"/>
+              <a:t>Presenter name</a:t>
+            </a:r>
+          </a:p>
+          <a:p>
+            <a:r>
+              <a:rPr lang="en-US" dirty="0"/>
+              <a:t>Email address</a:t>
+            </a:r>
+          </a:p>
+          <a:p>
+            <a:r>
+              <a:rPr lang="en-US" dirty="0" err="1"/>
+              <a:t>Github</a:t>
+            </a:r>
+            <a:r>
+              <a:rPr lang="en-US" dirty="0"/>
+              <a:t> address</a:t>
+            </a:r>
+          </a:p>
+        </p:txBody>
+      </p:sp>
+      <p:pic>
+        <p:nvPicPr>
+          <p:cNvPr id="27" name="Picture Placeholder 26" descr="Data Points Digital background">
+            <a:extLst>
+              <a:ext uri="{FF2B5EF4-FFF2-40B4-BE49-F238E27FC236}">
+                <a16:creationId xmlns:a16="http://schemas.microsoft.com/office/drawing/2014/main" id="{9E660784-34E2-4CDA-926A-DDD6AAF35046}"/>
+              </a:ext>
+            </a:extLst>
+          </p:cNvPr>
+          <p:cNvPicPr>
+            <a:picLocks noGrp="1" noChangeAspect="1"/>
+          </p:cNvPicPr>
+          <p:nvPr>
+            <p:ph type="pic" sz="quarter" idx="15"/>
+          </p:nvPr>
+        </p:nvPicPr>
+        <p:blipFill rotWithShape="1">
+          <a:blip r:embed="rId2" cstate="screen">
+            <a:extLst>
+              <a:ext uri="{28A0092B-C50C-407E-A947-70E740481C1C}">
+                <a14:useLocalDpi xmlns:a14="http://schemas.microsoft.com/office/drawing/2010/main" val="0"/>
+              </a:ext>
+            </a:extLst>
+          </a:blip>
+          <a:srcRect/>
+          <a:stretch/>
+        </p:blipFill>
+        <p:spPr>
+          <a:xfrm>
+            <a:off x="6556248" y="548640"/>
+            <a:ext cx="5084064" cy="2880360"/>
+          </a:xfrm>
+        </p:spPr>
+      </p:pic>
+      <p:pic>
+        <p:nvPicPr>
+          <p:cNvPr id="33" name="Picture Placeholder 32" descr="Data Points Digital background">
+            <a:extLst>
+              <a:ext uri="{FF2B5EF4-FFF2-40B4-BE49-F238E27FC236}">
+                <a16:creationId xmlns:a16="http://schemas.microsoft.com/office/drawing/2014/main" id="{48106962-23C6-4DFE-BB3A-E5FFF03F38CE}"/>
+              </a:ext>
+            </a:extLst>
+          </p:cNvPr>
+          <p:cNvPicPr>
+            <a:picLocks noGrp="1" noChangeAspect="1"/>
+          </p:cNvPicPr>
+          <p:nvPr>
+            <p:ph type="pic" sz="quarter" idx="16"/>
+          </p:nvPr>
+        </p:nvPicPr>
+        <p:blipFill rotWithShape="1">
+          <a:blip r:embed="rId3" cstate="screen">
+            <a:extLst>
+              <a:ext uri="{28A0092B-C50C-407E-A947-70E740481C1C}">
+                <a14:useLocalDpi xmlns:a14="http://schemas.microsoft.com/office/drawing/2010/main" val="0"/>
+              </a:ext>
+            </a:extLst>
+          </a:blip>
+          <a:srcRect/>
+          <a:stretch/>
+        </p:blipFill>
+        <p:spPr>
+          <a:xfrm>
+            <a:off x="6556248" y="3429000"/>
+            <a:ext cx="5084064" cy="2880360"/>
+          </a:xfrm>
+        </p:spPr>
+      </p:pic>
+      <p:sp>
+        <p:nvSpPr>
+          <p:cNvPr id="4" name="Date Placeholder 3">
+            <a:extLst>
+              <a:ext uri="{FF2B5EF4-FFF2-40B4-BE49-F238E27FC236}">
+                <a16:creationId xmlns:a16="http://schemas.microsoft.com/office/drawing/2014/main" id="{7823E305-6365-4345-8BD1-4A31C61D96CB}"/>
+              </a:ext>
+            </a:extLst>
+          </p:cNvPr>
+          <p:cNvSpPr>
+            <a:spLocks noGrp="1"/>
+          </p:cNvSpPr>
+          <p:nvPr>
+            <p:ph type="dt" sz="half" idx="10"/>
+          </p:nvPr>
+        </p:nvSpPr>
+        <p:spPr>
+          <a:xfrm>
+            <a:off x="550863" y="6507212"/>
+            <a:ext cx="2628900" cy="153888"/>
+          </a:xfrm>
+        </p:spPr>
+        <p:txBody>
+          <a:bodyPr/>
+          <a:lstStyle/>
+          <a:p>
+            <a:r>
+              <a:rPr lang="en-US"/>
+              <a:t>Tuesday, February 2, 20XX</a:t>
+            </a:r>
+          </a:p>
+        </p:txBody>
+      </p:sp>
+      <p:sp>
+        <p:nvSpPr>
+          <p:cNvPr id="5" name="Footer Placeholder 4">
+            <a:extLst>
+              <a:ext uri="{FF2B5EF4-FFF2-40B4-BE49-F238E27FC236}">
+                <a16:creationId xmlns:a16="http://schemas.microsoft.com/office/drawing/2014/main" id="{0B37A3FF-ED32-4C4A-A21F-848A3BF6F896}"/>
+              </a:ext>
+            </a:extLst>
+          </p:cNvPr>
+          <p:cNvSpPr>
+            <a:spLocks noGrp="1"/>
+          </p:cNvSpPr>
+          <p:nvPr>
+            <p:ph type="ftr" sz="quarter" idx="11"/>
+          </p:nvPr>
+        </p:nvSpPr>
+        <p:spPr>
+          <a:xfrm>
+            <a:off x="3359150" y="6507212"/>
+            <a:ext cx="6379210" cy="153888"/>
+          </a:xfrm>
+        </p:spPr>
+        <p:txBody>
+          <a:bodyPr/>
+          <a:lstStyle/>
+          <a:p>
+            <a:r>
+              <a:rPr lang="en-US"/>
+              <a:t>Sample Footer Text</a:t>
+            </a:r>
+          </a:p>
+        </p:txBody>
+      </p:sp>
+      <p:sp>
+        <p:nvSpPr>
+          <p:cNvPr id="6" name="Slide Number Placeholder 5">
+            <a:extLst>
+              <a:ext uri="{FF2B5EF4-FFF2-40B4-BE49-F238E27FC236}">
+                <a16:creationId xmlns:a16="http://schemas.microsoft.com/office/drawing/2014/main" id="{36E60F23-FB58-4EF8-82FD-E86CED25FDD4}"/>
+              </a:ext>
+            </a:extLst>
+          </p:cNvPr>
+          <p:cNvSpPr>
+            <a:spLocks noGrp="1"/>
+          </p:cNvSpPr>
+          <p:nvPr>
+            <p:ph type="sldNum" sz="quarter" idx="12"/>
+          </p:nvPr>
+        </p:nvSpPr>
+        <p:spPr>
+          <a:xfrm>
+            <a:off x="9948863" y="6507212"/>
+            <a:ext cx="1692274" cy="153888"/>
+          </a:xfrm>
+        </p:spPr>
+        <p:txBody>
+          <a:bodyPr/>
+          <a:lstStyle/>
+          <a:p>
+            <a:fld id="{DBA1B0FB-D917-4C8C-928F-313BD683BF39}" type="slidenum">
+              <a:rPr lang="en-US" smtClean="0"/>
+              <a:pPr/>
+              <a:t>21</a:t>
+            </a:fld>
+            <a:endParaRPr lang="en-US"/>
+          </a:p>
+        </p:txBody>
+      </p:sp>
+    </p:spTree>
+    <p:extLst>
+      <p:ext uri="{BB962C8B-B14F-4D97-AF65-F5344CB8AC3E}">
+        <p14:creationId xmlns:p14="http://schemas.microsoft.com/office/powerpoint/2010/main" val="3247798845"/>
       </p:ext>
     </p:extLst>
   </p:cSld>
@@ -21731,31 +24878,37 @@
           <a:p>
             <a:r>
               <a:rPr lang="en-US" dirty="0"/>
-              <a:t>Topic one</a:t>
+              <a:t>Introduction</a:t>
             </a:r>
           </a:p>
           <a:p>
             <a:r>
               <a:rPr lang="en-US" dirty="0"/>
-              <a:t>Topic two</a:t>
+              <a:t>Data Cleaning</a:t>
             </a:r>
           </a:p>
           <a:p>
             <a:r>
               <a:rPr lang="en-US" dirty="0"/>
-              <a:t>Topic three</a:t>
+              <a:t>Data Analysis</a:t>
             </a:r>
           </a:p>
           <a:p>
             <a:r>
               <a:rPr lang="en-US" dirty="0"/>
-              <a:t>Topic four</a:t>
+              <a:t>Modeling</a:t>
             </a:r>
           </a:p>
           <a:p>
             <a:r>
               <a:rPr lang="en-US" dirty="0"/>
-              <a:t>Topic five</a:t>
+              <a:t>Predictions</a:t>
+            </a:r>
+          </a:p>
+          <a:p>
+            <a:r>
+              <a:rPr lang="en-US" dirty="0"/>
+              <a:t>Lessons Learned</a:t>
             </a:r>
           </a:p>
           <a:p>
@@ -21962,6 +25115,55 @@
               <a:pPr/>
               <a:t>3</a:t>
             </a:fld>
+            <a:endParaRPr lang="en-US"/>
+          </a:p>
+        </p:txBody>
+      </p:sp>
+      <p:sp>
+        <p:nvSpPr>
+          <p:cNvPr id="4" name="Oval 3">
+            <a:extLst>
+              <a:ext uri="{FF2B5EF4-FFF2-40B4-BE49-F238E27FC236}">
+                <a16:creationId xmlns:a16="http://schemas.microsoft.com/office/drawing/2014/main" id="{53E1CA95-67F3-DC80-A822-FB3BEFDF38E8}"/>
+              </a:ext>
+            </a:extLst>
+          </p:cNvPr>
+          <p:cNvSpPr/>
+          <p:nvPr/>
+        </p:nvSpPr>
+        <p:spPr>
+          <a:xfrm>
+            <a:off x="10906812" y="443060"/>
+            <a:ext cx="768285" cy="721150"/>
+          </a:xfrm>
+          <a:prstGeom prst="ellipse">
+            <a:avLst/>
+          </a:prstGeom>
+          <a:solidFill>
+            <a:srgbClr val="FFFF00"/>
+          </a:solidFill>
+        </p:spPr>
+        <p:style>
+          <a:lnRef idx="2">
+            <a:schemeClr val="accent1">
+              <a:shade val="15000"/>
+            </a:schemeClr>
+          </a:lnRef>
+          <a:fillRef idx="1">
+            <a:schemeClr val="accent1"/>
+          </a:fillRef>
+          <a:effectRef idx="0">
+            <a:schemeClr val="accent1"/>
+          </a:effectRef>
+          <a:fontRef idx="minor">
+            <a:schemeClr val="lt1"/>
+          </a:fontRef>
+        </p:style>
+        <p:txBody>
+          <a:bodyPr rtlCol="0" anchor="ctr"/>
+          <a:lstStyle/>
+          <a:p>
+            <a:pPr algn="ctr"/>
             <a:endParaRPr lang="en-US"/>
           </a:p>
         </p:txBody>
@@ -22293,13 +25495,25 @@
         </p:spPr>
         <p:txBody>
           <a:bodyPr>
-            <a:normAutofit lnSpcReduction="10000"/>
+            <a:normAutofit fontScale="92500" lnSpcReduction="20000"/>
           </a:bodyPr>
           <a:lstStyle/>
           <a:p>
             <a:r>
               <a:rPr lang="en-US" dirty="0"/>
-              <a:t>With PowerPoint, you can create presentations and share your work with others, wherever they are. Type the text you want here to get started. You can also add images, art, and videos on this template. Save to OneDrive and access your presentations from your computer, tablet, or phone. </a:t>
+              <a:t>Add an introduction here about the scope of the project</a:t>
+            </a:r>
+          </a:p>
+          <a:p>
+            <a:r>
+              <a:rPr lang="en-US" dirty="0"/>
+              <a:t>Data source</a:t>
+            </a:r>
+          </a:p>
+          <a:p>
+            <a:r>
+              <a:rPr lang="en-US" dirty="0"/>
+              <a:t>Hypothesis or questions this analysis can visualize or questions the model can answer</a:t>
             </a:r>
           </a:p>
         </p:txBody>
@@ -23454,7 +26668,7 @@
                 <a:ea typeface="+mj-ea"/>
                 <a:cs typeface="+mj-cs"/>
               </a:rPr>
-              <a:t>Topic one</a:t>
+              <a:t>Introduction</a:t>
             </a:r>
           </a:p>
         </p:txBody>
@@ -25745,10 +28959,10 @@
       </p:sp>
       <p:pic>
         <p:nvPicPr>
-          <p:cNvPr id="17" name="Picture Placeholder 16" descr="A man smiling in the office">
-            <a:extLst>
-              <a:ext uri="{FF2B5EF4-FFF2-40B4-BE49-F238E27FC236}">
-                <a16:creationId xmlns:a16="http://schemas.microsoft.com/office/drawing/2014/main" id="{05ED5B1E-974F-476C-A3C9-572D3602E95E}"/>
+          <p:cNvPr id="36" name="Picture Placeholder 35" descr="A lady smiling in the office">
+            <a:extLst>
+              <a:ext uri="{FF2B5EF4-FFF2-40B4-BE49-F238E27FC236}">
+                <a16:creationId xmlns:a16="http://schemas.microsoft.com/office/drawing/2014/main" id="{F3CCCCDF-EA66-4F5E-98F3-A05239CBBAC4}"/>
               </a:ext>
             </a:extLst>
           </p:cNvPr>
@@ -25756,7 +28970,7 @@
             <a:picLocks noGrp="1" noChangeAspect="1"/>
           </p:cNvPicPr>
           <p:nvPr>
-            <p:ph type="pic" sz="quarter" idx="13"/>
+            <p:ph type="pic" sz="quarter" idx="14"/>
           </p:nvPr>
         </p:nvPicPr>
         <p:blipFill rotWithShape="1">
@@ -25772,17 +28986,17 @@
         </p:blipFill>
         <p:spPr>
           <a:xfrm>
-            <a:off x="1078992" y="1990724"/>
-            <a:ext cx="1691640" cy="1435608"/>
+            <a:off x="3159474" y="2070293"/>
+            <a:ext cx="1399243" cy="1187466"/>
           </a:xfrm>
         </p:spPr>
       </p:pic>
       <p:pic>
         <p:nvPicPr>
-          <p:cNvPr id="36" name="Picture Placeholder 35" descr="A lady smiling in the office">
-            <a:extLst>
-              <a:ext uri="{FF2B5EF4-FFF2-40B4-BE49-F238E27FC236}">
-                <a16:creationId xmlns:a16="http://schemas.microsoft.com/office/drawing/2014/main" id="{F3CCCCDF-EA66-4F5E-98F3-A05239CBBAC4}"/>
+          <p:cNvPr id="40" name="Picture Placeholder 39" descr="Smiling man with a beard">
+            <a:extLst>
+              <a:ext uri="{FF2B5EF4-FFF2-40B4-BE49-F238E27FC236}">
+                <a16:creationId xmlns:a16="http://schemas.microsoft.com/office/drawing/2014/main" id="{76B2FC80-9F3B-46D8-94D9-882D90A858F6}"/>
               </a:ext>
             </a:extLst>
           </p:cNvPr>
@@ -25790,7 +29004,7 @@
             <a:picLocks noGrp="1" noChangeAspect="1"/>
           </p:cNvPicPr>
           <p:nvPr>
-            <p:ph type="pic" sz="quarter" idx="14"/>
+            <p:ph type="pic" sz="quarter" idx="16"/>
           </p:nvPr>
         </p:nvPicPr>
         <p:blipFill rotWithShape="1">
@@ -25806,76 +29020,8 @@
         </p:blipFill>
         <p:spPr>
           <a:xfrm>
-            <a:off x="3838384" y="1990724"/>
-            <a:ext cx="1691640" cy="1435608"/>
-          </a:xfrm>
-        </p:spPr>
-      </p:pic>
-      <p:pic>
-        <p:nvPicPr>
-          <p:cNvPr id="38" name="Picture Placeholder 37" descr="A lady in the office smiling at the camera&#10;">
-            <a:extLst>
-              <a:ext uri="{FF2B5EF4-FFF2-40B4-BE49-F238E27FC236}">
-                <a16:creationId xmlns:a16="http://schemas.microsoft.com/office/drawing/2014/main" id="{8A6BB597-41F4-432E-8432-8F39511B2941}"/>
-              </a:ext>
-            </a:extLst>
-          </p:cNvPr>
-          <p:cNvPicPr>
-            <a:picLocks noGrp="1" noChangeAspect="1"/>
-          </p:cNvPicPr>
-          <p:nvPr>
-            <p:ph type="pic" sz="quarter" idx="15"/>
-          </p:nvPr>
-        </p:nvPicPr>
-        <p:blipFill rotWithShape="1">
-          <a:blip r:embed="rId5" cstate="screen">
-            <a:extLst>
-              <a:ext uri="{28A0092B-C50C-407E-A947-70E740481C1C}">
-                <a14:useLocalDpi xmlns:a14="http://schemas.microsoft.com/office/drawing/2010/main" val="0"/>
-              </a:ext>
-            </a:extLst>
-          </a:blip>
-          <a:srcRect/>
-          <a:stretch/>
-        </p:blipFill>
-        <p:spPr>
-          <a:xfrm>
-            <a:off x="6661976" y="1993392"/>
-            <a:ext cx="1691640" cy="1435608"/>
-          </a:xfrm>
-        </p:spPr>
-      </p:pic>
-      <p:pic>
-        <p:nvPicPr>
-          <p:cNvPr id="40" name="Picture Placeholder 39" descr="Smiling man with a beard">
-            <a:extLst>
-              <a:ext uri="{FF2B5EF4-FFF2-40B4-BE49-F238E27FC236}">
-                <a16:creationId xmlns:a16="http://schemas.microsoft.com/office/drawing/2014/main" id="{76B2FC80-9F3B-46D8-94D9-882D90A858F6}"/>
-              </a:ext>
-            </a:extLst>
-          </p:cNvPr>
-          <p:cNvPicPr>
-            <a:picLocks noGrp="1" noChangeAspect="1"/>
-          </p:cNvPicPr>
-          <p:nvPr>
-            <p:ph type="pic" sz="quarter" idx="16"/>
-          </p:nvPr>
-        </p:nvPicPr>
-        <p:blipFill rotWithShape="1">
-          <a:blip r:embed="rId6" cstate="screen">
-            <a:extLst>
-              <a:ext uri="{28A0092B-C50C-407E-A947-70E740481C1C}">
-                <a14:useLocalDpi xmlns:a14="http://schemas.microsoft.com/office/drawing/2010/main" val="0"/>
-              </a:ext>
-            </a:extLst>
-          </a:blip>
-          <a:srcRect/>
-          <a:stretch/>
-        </p:blipFill>
-        <p:spPr>
-          <a:xfrm>
-            <a:off x="9485568" y="1990724"/>
-            <a:ext cx="1691640" cy="1435608"/>
+            <a:off x="9464653" y="2070293"/>
+            <a:ext cx="1399243" cy="1187466"/>
           </a:xfrm>
         </p:spPr>
       </p:pic>
@@ -25897,7 +29043,7 @@
         </p:nvSpPr>
         <p:spPr>
           <a:xfrm>
-            <a:off x="1079500" y="3781425"/>
+            <a:off x="1078733" y="3672949"/>
             <a:ext cx="1711325" cy="365760"/>
           </a:xfrm>
         </p:spPr>
@@ -25907,7 +29053,7 @@
           <a:p>
             <a:r>
               <a:rPr lang="en-US" dirty="0"/>
-              <a:t>Name</a:t>
+              <a:t>Calogera McCormick</a:t>
             </a:r>
           </a:p>
         </p:txBody>
@@ -25930,7 +29076,7 @@
         </p:nvSpPr>
         <p:spPr>
           <a:xfrm>
-            <a:off x="1078733" y="4232949"/>
+            <a:off x="1078733" y="4429630"/>
             <a:ext cx="1711572" cy="638175"/>
           </a:xfrm>
         </p:spPr>
@@ -25940,7 +29086,7 @@
           <a:p>
             <a:r>
               <a:rPr lang="en-US" dirty="0"/>
-              <a:t>Title</a:t>
+              <a:t>Project Manager</a:t>
             </a:r>
           </a:p>
         </p:txBody>
@@ -25963,7 +29109,7 @@
         </p:nvSpPr>
         <p:spPr>
           <a:xfrm>
-            <a:off x="3839151" y="3781425"/>
+            <a:off x="3159474" y="3672949"/>
             <a:ext cx="1711325" cy="365760"/>
           </a:xfrm>
         </p:spPr>
@@ -25973,8 +29119,13 @@
           <a:p>
             <a:r>
               <a:rPr lang="en-US" dirty="0"/>
-              <a:t>Name</a:t>
+              <a:t>Sana </a:t>
             </a:r>
+            <a:r>
+              <a:rPr lang="en-US" dirty="0" err="1"/>
+              <a:t>Ayubzai</a:t>
+            </a:r>
+            <a:endParaRPr lang="en-US" dirty="0"/>
           </a:p>
         </p:txBody>
       </p:sp>
@@ -25996,7 +29147,7 @@
         </p:nvSpPr>
         <p:spPr>
           <a:xfrm>
-            <a:off x="3838384" y="4232949"/>
+            <a:off x="3159474" y="4429630"/>
             <a:ext cx="1711572" cy="638175"/>
           </a:xfrm>
         </p:spPr>
@@ -26006,7 +29157,7 @@
           <a:p>
             <a:r>
               <a:rPr lang="en-US" dirty="0"/>
-              <a:t>Title</a:t>
+              <a:t>Data Scientist </a:t>
             </a:r>
           </a:p>
         </p:txBody>
@@ -26029,7 +29180,7 @@
         </p:nvSpPr>
         <p:spPr>
           <a:xfrm>
-            <a:off x="6662743" y="3781425"/>
+            <a:off x="5240215" y="3672949"/>
             <a:ext cx="1711325" cy="365760"/>
           </a:xfrm>
         </p:spPr>
@@ -26039,7 +29190,7 @@
           <a:p>
             <a:r>
               <a:rPr lang="en-US" dirty="0"/>
-              <a:t>Name</a:t>
+              <a:t>Minta Burke</a:t>
             </a:r>
           </a:p>
         </p:txBody>
@@ -26062,7 +29213,7 @@
         </p:nvSpPr>
         <p:spPr>
           <a:xfrm>
-            <a:off x="6661976" y="4232949"/>
+            <a:off x="5240215" y="4429630"/>
             <a:ext cx="1711572" cy="638175"/>
           </a:xfrm>
         </p:spPr>
@@ -26072,7 +29223,7 @@
           <a:p>
             <a:r>
               <a:rPr lang="en-US" dirty="0"/>
-              <a:t>Title</a:t>
+              <a:t>Data Engineer</a:t>
             </a:r>
           </a:p>
         </p:txBody>
@@ -26095,7 +29246,7 @@
         </p:nvSpPr>
         <p:spPr>
           <a:xfrm>
-            <a:off x="9433112" y="3787288"/>
+            <a:off x="9464653" y="3678812"/>
             <a:ext cx="1711325" cy="365760"/>
           </a:xfrm>
         </p:spPr>
@@ -26105,8 +29256,13 @@
           <a:p>
             <a:r>
               <a:rPr lang="en-US" dirty="0"/>
-              <a:t>Name</a:t>
+              <a:t>Aaron </a:t>
             </a:r>
+            <a:r>
+              <a:rPr lang="en-US" dirty="0" err="1"/>
+              <a:t>Lilleoien</a:t>
+            </a:r>
+            <a:endParaRPr lang="en-US" dirty="0"/>
           </a:p>
         </p:txBody>
       </p:sp>
@@ -26128,7 +29284,7 @@
         </p:nvSpPr>
         <p:spPr>
           <a:xfrm>
-            <a:off x="9432345" y="4238812"/>
+            <a:off x="9464653" y="4429630"/>
             <a:ext cx="1711572" cy="638175"/>
           </a:xfrm>
         </p:spPr>
@@ -26138,7 +29294,7 @@
           <a:p>
             <a:r>
               <a:rPr lang="en-US" dirty="0"/>
-              <a:t>Title</a:t>
+              <a:t>Data Architect</a:t>
             </a:r>
           </a:p>
         </p:txBody>
@@ -26241,6 +29397,617 @@
               <a:pPr/>
               <a:t>9</a:t>
             </a:fld>
+            <a:endParaRPr lang="en-US"/>
+          </a:p>
+        </p:txBody>
+      </p:sp>
+      <p:sp>
+        <p:nvSpPr>
+          <p:cNvPr id="4" name="Text Placeholder 44">
+            <a:extLst>
+              <a:ext uri="{FF2B5EF4-FFF2-40B4-BE49-F238E27FC236}">
+                <a16:creationId xmlns:a16="http://schemas.microsoft.com/office/drawing/2014/main" id="{244D4E1C-D834-06CB-134A-C6380F643527}"/>
+              </a:ext>
+            </a:extLst>
+          </p:cNvPr>
+          <p:cNvSpPr txBox="1">
+            <a:spLocks/>
+          </p:cNvSpPr>
+          <p:nvPr/>
+        </p:nvSpPr>
+        <p:spPr>
+          <a:xfrm>
+            <a:off x="7320956" y="3655596"/>
+            <a:ext cx="1711325" cy="365760"/>
+          </a:xfrm>
+          <a:prstGeom prst="rect">
+            <a:avLst/>
+          </a:prstGeom>
+        </p:spPr>
+        <p:txBody>
+          <a:bodyPr vert="horz" wrap="square" lIns="0" tIns="0" rIns="0" bIns="0" rtlCol="0">
+            <a:noAutofit/>
+          </a:bodyPr>
+          <a:lstStyle>
+            <a:lvl1pPr marL="228600" indent="-228600" algn="l" defTabSz="914400" rtl="0" eaLnBrk="1" latinLnBrk="0" hangingPunct="1">
+              <a:lnSpc>
+                <a:spcPct val="110000"/>
+              </a:lnSpc>
+              <a:spcBef>
+                <a:spcPts val="1000"/>
+              </a:spcBef>
+              <a:spcAft>
+                <a:spcPts val="800"/>
+              </a:spcAft>
+              <a:buFont typeface="Arial" panose="020B0604020202020204" pitchFamily="34" charset="0"/>
+              <a:buNone/>
+              <a:defRPr sz="2000" b="1" kern="1200">
+                <a:solidFill>
+                  <a:schemeClr val="tx1">
+                    <a:alpha val="60000"/>
+                  </a:schemeClr>
+                </a:solidFill>
+                <a:latin typeface="+mn-lt"/>
+                <a:ea typeface="+mn-ea"/>
+                <a:cs typeface="+mn-cs"/>
+              </a:defRPr>
+            </a:lvl1pPr>
+            <a:lvl2pPr marL="685800" indent="-228600" algn="l" defTabSz="914400" rtl="0" eaLnBrk="1" latinLnBrk="0" hangingPunct="1">
+              <a:lnSpc>
+                <a:spcPct val="110000"/>
+              </a:lnSpc>
+              <a:spcBef>
+                <a:spcPts val="500"/>
+              </a:spcBef>
+              <a:spcAft>
+                <a:spcPts val="800"/>
+              </a:spcAft>
+              <a:buFont typeface="Arial" panose="020B0604020202020204" pitchFamily="34" charset="0"/>
+              <a:buChar char="•"/>
+              <a:defRPr sz="1400" kern="1200">
+                <a:solidFill>
+                  <a:schemeClr val="tx1">
+                    <a:alpha val="60000"/>
+                  </a:schemeClr>
+                </a:solidFill>
+                <a:latin typeface="+mn-lt"/>
+                <a:ea typeface="+mn-ea"/>
+                <a:cs typeface="+mn-cs"/>
+              </a:defRPr>
+            </a:lvl2pPr>
+            <a:lvl3pPr marL="1143000" indent="-228600" algn="l" defTabSz="914400" rtl="0" eaLnBrk="1" latinLnBrk="0" hangingPunct="1">
+              <a:lnSpc>
+                <a:spcPct val="110000"/>
+              </a:lnSpc>
+              <a:spcBef>
+                <a:spcPts val="500"/>
+              </a:spcBef>
+              <a:spcAft>
+                <a:spcPts val="800"/>
+              </a:spcAft>
+              <a:buFont typeface="Arial" panose="020B0604020202020204" pitchFamily="34" charset="0"/>
+              <a:buChar char="•"/>
+              <a:defRPr sz="1400" kern="1200">
+                <a:solidFill>
+                  <a:schemeClr val="tx1">
+                    <a:alpha val="60000"/>
+                  </a:schemeClr>
+                </a:solidFill>
+                <a:latin typeface="+mn-lt"/>
+                <a:ea typeface="+mn-ea"/>
+                <a:cs typeface="+mn-cs"/>
+              </a:defRPr>
+            </a:lvl3pPr>
+            <a:lvl4pPr marL="1600200" indent="-228600" algn="l" defTabSz="914400" rtl="0" eaLnBrk="1" latinLnBrk="0" hangingPunct="1">
+              <a:lnSpc>
+                <a:spcPct val="110000"/>
+              </a:lnSpc>
+              <a:spcBef>
+                <a:spcPts val="500"/>
+              </a:spcBef>
+              <a:spcAft>
+                <a:spcPts val="800"/>
+              </a:spcAft>
+              <a:buFont typeface="Arial" panose="020B0604020202020204" pitchFamily="34" charset="0"/>
+              <a:buChar char="•"/>
+              <a:defRPr sz="1400" kern="1200">
+                <a:solidFill>
+                  <a:schemeClr val="tx1">
+                    <a:alpha val="60000"/>
+                  </a:schemeClr>
+                </a:solidFill>
+                <a:latin typeface="+mn-lt"/>
+                <a:ea typeface="+mn-ea"/>
+                <a:cs typeface="+mn-cs"/>
+              </a:defRPr>
+            </a:lvl4pPr>
+            <a:lvl5pPr marL="2057400" indent="-228600" algn="l" defTabSz="914400" rtl="0" eaLnBrk="1" latinLnBrk="0" hangingPunct="1">
+              <a:lnSpc>
+                <a:spcPct val="110000"/>
+              </a:lnSpc>
+              <a:spcBef>
+                <a:spcPts val="500"/>
+              </a:spcBef>
+              <a:spcAft>
+                <a:spcPts val="800"/>
+              </a:spcAft>
+              <a:buFont typeface="Arial" panose="020B0604020202020204" pitchFamily="34" charset="0"/>
+              <a:buChar char="•"/>
+              <a:defRPr sz="1400" kern="1200">
+                <a:solidFill>
+                  <a:schemeClr val="tx1">
+                    <a:alpha val="60000"/>
+                  </a:schemeClr>
+                </a:solidFill>
+                <a:latin typeface="+mn-lt"/>
+                <a:ea typeface="+mn-ea"/>
+                <a:cs typeface="+mn-cs"/>
+              </a:defRPr>
+            </a:lvl5pPr>
+            <a:lvl6pPr marL="2514600" indent="-228600" algn="l" defTabSz="914400" rtl="0" eaLnBrk="1" latinLnBrk="0" hangingPunct="1">
+              <a:lnSpc>
+                <a:spcPct val="90000"/>
+              </a:lnSpc>
+              <a:spcBef>
+                <a:spcPts val="500"/>
+              </a:spcBef>
+              <a:buFont typeface="Arial" panose="020B0604020202020204" pitchFamily="34" charset="0"/>
+              <a:buChar char="•"/>
+              <a:defRPr sz="1800" kern="1200">
+                <a:solidFill>
+                  <a:schemeClr val="tx1"/>
+                </a:solidFill>
+                <a:latin typeface="+mn-lt"/>
+                <a:ea typeface="+mn-ea"/>
+                <a:cs typeface="+mn-cs"/>
+              </a:defRPr>
+            </a:lvl6pPr>
+            <a:lvl7pPr marL="2971800" indent="-228600" algn="l" defTabSz="914400" rtl="0" eaLnBrk="1" latinLnBrk="0" hangingPunct="1">
+              <a:lnSpc>
+                <a:spcPct val="90000"/>
+              </a:lnSpc>
+              <a:spcBef>
+                <a:spcPts val="500"/>
+              </a:spcBef>
+              <a:buFont typeface="Arial" panose="020B0604020202020204" pitchFamily="34" charset="0"/>
+              <a:buChar char="•"/>
+              <a:defRPr sz="1800" kern="1200">
+                <a:solidFill>
+                  <a:schemeClr val="tx1"/>
+                </a:solidFill>
+                <a:latin typeface="+mn-lt"/>
+                <a:ea typeface="+mn-ea"/>
+                <a:cs typeface="+mn-cs"/>
+              </a:defRPr>
+            </a:lvl7pPr>
+            <a:lvl8pPr marL="3429000" indent="-228600" algn="l" defTabSz="914400" rtl="0" eaLnBrk="1" latinLnBrk="0" hangingPunct="1">
+              <a:lnSpc>
+                <a:spcPct val="90000"/>
+              </a:lnSpc>
+              <a:spcBef>
+                <a:spcPts val="500"/>
+              </a:spcBef>
+              <a:buFont typeface="Arial" panose="020B0604020202020204" pitchFamily="34" charset="0"/>
+              <a:buChar char="•"/>
+              <a:defRPr sz="1800" kern="1200">
+                <a:solidFill>
+                  <a:schemeClr val="tx1"/>
+                </a:solidFill>
+                <a:latin typeface="+mn-lt"/>
+                <a:ea typeface="+mn-ea"/>
+                <a:cs typeface="+mn-cs"/>
+              </a:defRPr>
+            </a:lvl8pPr>
+            <a:lvl9pPr marL="3886200" indent="-228600" algn="l" defTabSz="914400" rtl="0" eaLnBrk="1" latinLnBrk="0" hangingPunct="1">
+              <a:lnSpc>
+                <a:spcPct val="90000"/>
+              </a:lnSpc>
+              <a:spcBef>
+                <a:spcPts val="500"/>
+              </a:spcBef>
+              <a:buFont typeface="Arial" panose="020B0604020202020204" pitchFamily="34" charset="0"/>
+              <a:buChar char="•"/>
+              <a:defRPr sz="1800" kern="1200">
+                <a:solidFill>
+                  <a:schemeClr val="tx1"/>
+                </a:solidFill>
+                <a:latin typeface="+mn-lt"/>
+                <a:ea typeface="+mn-ea"/>
+                <a:cs typeface="+mn-cs"/>
+              </a:defRPr>
+            </a:lvl9pPr>
+          </a:lstStyle>
+          <a:p>
+            <a:r>
+              <a:rPr lang="en-US" dirty="0" err="1"/>
+              <a:t>Tawn</a:t>
+            </a:r>
+            <a:r>
+              <a:rPr lang="en-US" dirty="0"/>
+              <a:t> </a:t>
+            </a:r>
+            <a:r>
+              <a:rPr lang="en-US" dirty="0" err="1"/>
+              <a:t>Scotton</a:t>
+            </a:r>
+            <a:endParaRPr lang="en-US" dirty="0"/>
+          </a:p>
+        </p:txBody>
+      </p:sp>
+      <p:sp>
+        <p:nvSpPr>
+          <p:cNvPr id="5" name="Text Placeholder 43">
+            <a:extLst>
+              <a:ext uri="{FF2B5EF4-FFF2-40B4-BE49-F238E27FC236}">
+                <a16:creationId xmlns:a16="http://schemas.microsoft.com/office/drawing/2014/main" id="{3F846613-3E3D-EE25-81FF-16C495EFBBE7}"/>
+              </a:ext>
+            </a:extLst>
+          </p:cNvPr>
+          <p:cNvSpPr txBox="1">
+            <a:spLocks/>
+          </p:cNvSpPr>
+          <p:nvPr/>
+        </p:nvSpPr>
+        <p:spPr>
+          <a:xfrm>
+            <a:off x="7320956" y="4429630"/>
+            <a:ext cx="1711572" cy="638174"/>
+          </a:xfrm>
+          <a:prstGeom prst="rect">
+            <a:avLst/>
+          </a:prstGeom>
+        </p:spPr>
+        <p:txBody>
+          <a:bodyPr vert="horz" wrap="square" lIns="0" tIns="0" rIns="0" bIns="0" rtlCol="0">
+            <a:noAutofit/>
+          </a:bodyPr>
+          <a:lstStyle>
+            <a:lvl1pPr marL="228600" indent="-228600" algn="l" defTabSz="914400" rtl="0" eaLnBrk="1" latinLnBrk="0" hangingPunct="1">
+              <a:lnSpc>
+                <a:spcPct val="110000"/>
+              </a:lnSpc>
+              <a:spcBef>
+                <a:spcPts val="1000"/>
+              </a:spcBef>
+              <a:spcAft>
+                <a:spcPts val="800"/>
+              </a:spcAft>
+              <a:buFont typeface="Arial" panose="020B0604020202020204" pitchFamily="34" charset="0"/>
+              <a:buNone/>
+              <a:defRPr sz="1800" kern="1200">
+                <a:solidFill>
+                  <a:schemeClr val="tx1">
+                    <a:alpha val="60000"/>
+                  </a:schemeClr>
+                </a:solidFill>
+                <a:latin typeface="+mn-lt"/>
+                <a:ea typeface="+mn-ea"/>
+                <a:cs typeface="+mn-cs"/>
+              </a:defRPr>
+            </a:lvl1pPr>
+            <a:lvl2pPr marL="685800" indent="-228600" algn="l" defTabSz="914400" rtl="0" eaLnBrk="1" latinLnBrk="0" hangingPunct="1">
+              <a:lnSpc>
+                <a:spcPct val="110000"/>
+              </a:lnSpc>
+              <a:spcBef>
+                <a:spcPts val="500"/>
+              </a:spcBef>
+              <a:spcAft>
+                <a:spcPts val="800"/>
+              </a:spcAft>
+              <a:buFont typeface="Arial" panose="020B0604020202020204" pitchFamily="34" charset="0"/>
+              <a:buChar char="•"/>
+              <a:defRPr sz="1400" kern="1200">
+                <a:solidFill>
+                  <a:schemeClr val="tx1">
+                    <a:alpha val="60000"/>
+                  </a:schemeClr>
+                </a:solidFill>
+                <a:latin typeface="+mn-lt"/>
+                <a:ea typeface="+mn-ea"/>
+                <a:cs typeface="+mn-cs"/>
+              </a:defRPr>
+            </a:lvl2pPr>
+            <a:lvl3pPr marL="1143000" indent="-228600" algn="l" defTabSz="914400" rtl="0" eaLnBrk="1" latinLnBrk="0" hangingPunct="1">
+              <a:lnSpc>
+                <a:spcPct val="110000"/>
+              </a:lnSpc>
+              <a:spcBef>
+                <a:spcPts val="500"/>
+              </a:spcBef>
+              <a:spcAft>
+                <a:spcPts val="800"/>
+              </a:spcAft>
+              <a:buFont typeface="Arial" panose="020B0604020202020204" pitchFamily="34" charset="0"/>
+              <a:buChar char="•"/>
+              <a:defRPr sz="1400" kern="1200">
+                <a:solidFill>
+                  <a:schemeClr val="tx1">
+                    <a:alpha val="60000"/>
+                  </a:schemeClr>
+                </a:solidFill>
+                <a:latin typeface="+mn-lt"/>
+                <a:ea typeface="+mn-ea"/>
+                <a:cs typeface="+mn-cs"/>
+              </a:defRPr>
+            </a:lvl3pPr>
+            <a:lvl4pPr marL="1600200" indent="-228600" algn="l" defTabSz="914400" rtl="0" eaLnBrk="1" latinLnBrk="0" hangingPunct="1">
+              <a:lnSpc>
+                <a:spcPct val="110000"/>
+              </a:lnSpc>
+              <a:spcBef>
+                <a:spcPts val="500"/>
+              </a:spcBef>
+              <a:spcAft>
+                <a:spcPts val="800"/>
+              </a:spcAft>
+              <a:buFont typeface="Arial" panose="020B0604020202020204" pitchFamily="34" charset="0"/>
+              <a:buChar char="•"/>
+              <a:defRPr sz="1400" kern="1200">
+                <a:solidFill>
+                  <a:schemeClr val="tx1">
+                    <a:alpha val="60000"/>
+                  </a:schemeClr>
+                </a:solidFill>
+                <a:latin typeface="+mn-lt"/>
+                <a:ea typeface="+mn-ea"/>
+                <a:cs typeface="+mn-cs"/>
+              </a:defRPr>
+            </a:lvl4pPr>
+            <a:lvl5pPr marL="2057400" indent="-228600" algn="l" defTabSz="914400" rtl="0" eaLnBrk="1" latinLnBrk="0" hangingPunct="1">
+              <a:lnSpc>
+                <a:spcPct val="110000"/>
+              </a:lnSpc>
+              <a:spcBef>
+                <a:spcPts val="500"/>
+              </a:spcBef>
+              <a:spcAft>
+                <a:spcPts val="800"/>
+              </a:spcAft>
+              <a:buFont typeface="Arial" panose="020B0604020202020204" pitchFamily="34" charset="0"/>
+              <a:buChar char="•"/>
+              <a:defRPr sz="1400" kern="1200">
+                <a:solidFill>
+                  <a:schemeClr val="tx1">
+                    <a:alpha val="60000"/>
+                  </a:schemeClr>
+                </a:solidFill>
+                <a:latin typeface="+mn-lt"/>
+                <a:ea typeface="+mn-ea"/>
+                <a:cs typeface="+mn-cs"/>
+              </a:defRPr>
+            </a:lvl5pPr>
+            <a:lvl6pPr marL="2514600" indent="-228600" algn="l" defTabSz="914400" rtl="0" eaLnBrk="1" latinLnBrk="0" hangingPunct="1">
+              <a:lnSpc>
+                <a:spcPct val="90000"/>
+              </a:lnSpc>
+              <a:spcBef>
+                <a:spcPts val="500"/>
+              </a:spcBef>
+              <a:buFont typeface="Arial" panose="020B0604020202020204" pitchFamily="34" charset="0"/>
+              <a:buChar char="•"/>
+              <a:defRPr sz="1800" kern="1200">
+                <a:solidFill>
+                  <a:schemeClr val="tx1"/>
+                </a:solidFill>
+                <a:latin typeface="+mn-lt"/>
+                <a:ea typeface="+mn-ea"/>
+                <a:cs typeface="+mn-cs"/>
+              </a:defRPr>
+            </a:lvl6pPr>
+            <a:lvl7pPr marL="2971800" indent="-228600" algn="l" defTabSz="914400" rtl="0" eaLnBrk="1" latinLnBrk="0" hangingPunct="1">
+              <a:lnSpc>
+                <a:spcPct val="90000"/>
+              </a:lnSpc>
+              <a:spcBef>
+                <a:spcPts val="500"/>
+              </a:spcBef>
+              <a:buFont typeface="Arial" panose="020B0604020202020204" pitchFamily="34" charset="0"/>
+              <a:buChar char="•"/>
+              <a:defRPr sz="1800" kern="1200">
+                <a:solidFill>
+                  <a:schemeClr val="tx1"/>
+                </a:solidFill>
+                <a:latin typeface="+mn-lt"/>
+                <a:ea typeface="+mn-ea"/>
+                <a:cs typeface="+mn-cs"/>
+              </a:defRPr>
+            </a:lvl7pPr>
+            <a:lvl8pPr marL="3429000" indent="-228600" algn="l" defTabSz="914400" rtl="0" eaLnBrk="1" latinLnBrk="0" hangingPunct="1">
+              <a:lnSpc>
+                <a:spcPct val="90000"/>
+              </a:lnSpc>
+              <a:spcBef>
+                <a:spcPts val="500"/>
+              </a:spcBef>
+              <a:buFont typeface="Arial" panose="020B0604020202020204" pitchFamily="34" charset="0"/>
+              <a:buChar char="•"/>
+              <a:defRPr sz="1800" kern="1200">
+                <a:solidFill>
+                  <a:schemeClr val="tx1"/>
+                </a:solidFill>
+                <a:latin typeface="+mn-lt"/>
+                <a:ea typeface="+mn-ea"/>
+                <a:cs typeface="+mn-cs"/>
+              </a:defRPr>
+            </a:lvl8pPr>
+            <a:lvl9pPr marL="3886200" indent="-228600" algn="l" defTabSz="914400" rtl="0" eaLnBrk="1" latinLnBrk="0" hangingPunct="1">
+              <a:lnSpc>
+                <a:spcPct val="90000"/>
+              </a:lnSpc>
+              <a:spcBef>
+                <a:spcPts val="500"/>
+              </a:spcBef>
+              <a:buFont typeface="Arial" panose="020B0604020202020204" pitchFamily="34" charset="0"/>
+              <a:buChar char="•"/>
+              <a:defRPr sz="1800" kern="1200">
+                <a:solidFill>
+                  <a:schemeClr val="tx1"/>
+                </a:solidFill>
+                <a:latin typeface="+mn-lt"/>
+                <a:ea typeface="+mn-ea"/>
+                <a:cs typeface="+mn-cs"/>
+              </a:defRPr>
+            </a:lvl9pPr>
+          </a:lstStyle>
+          <a:p>
+            <a:r>
+              <a:rPr lang="en-US" dirty="0"/>
+              <a:t>Data Analyst</a:t>
+            </a:r>
+          </a:p>
+        </p:txBody>
+      </p:sp>
+      <p:pic>
+        <p:nvPicPr>
+          <p:cNvPr id="18" name="Picture 17">
+            <a:extLst>
+              <a:ext uri="{FF2B5EF4-FFF2-40B4-BE49-F238E27FC236}">
+                <a16:creationId xmlns:a16="http://schemas.microsoft.com/office/drawing/2014/main" id="{18B17E19-EF67-B8A0-479E-DA30B0D65895}"/>
+              </a:ext>
+            </a:extLst>
+          </p:cNvPr>
+          <p:cNvPicPr>
+            <a:picLocks noChangeAspect="1"/>
+          </p:cNvPicPr>
+          <p:nvPr/>
+        </p:nvPicPr>
+        <p:blipFill>
+          <a:blip r:embed="rId5"/>
+          <a:stretch>
+            <a:fillRect/>
+          </a:stretch>
+        </p:blipFill>
+        <p:spPr>
+          <a:xfrm>
+            <a:off x="7320955" y="2056137"/>
+            <a:ext cx="1253041" cy="1253041"/>
+          </a:xfrm>
+          <a:prstGeom prst="rect">
+            <a:avLst/>
+          </a:prstGeom>
+        </p:spPr>
+      </p:pic>
+      <p:pic>
+        <p:nvPicPr>
+          <p:cNvPr id="1026" name="Picture 2" descr="Minta Burke, MBA">
+            <a:extLst>
+              <a:ext uri="{FF2B5EF4-FFF2-40B4-BE49-F238E27FC236}">
+                <a16:creationId xmlns:a16="http://schemas.microsoft.com/office/drawing/2014/main" id="{CE431776-3F06-B255-B85B-C274F2AFF22C}"/>
+              </a:ext>
+            </a:extLst>
+          </p:cNvPr>
+          <p:cNvPicPr>
+            <a:picLocks noChangeAspect="1" noChangeArrowheads="1"/>
+          </p:cNvPicPr>
+          <p:nvPr/>
+        </p:nvPicPr>
+        <p:blipFill>
+          <a:blip r:embed="rId6">
+            <a:extLst>
+              <a:ext uri="{28A0092B-C50C-407E-A947-70E740481C1C}">
+                <a14:useLocalDpi xmlns:a14="http://schemas.microsoft.com/office/drawing/2010/main" val="0"/>
+              </a:ext>
+            </a:extLst>
+          </a:blip>
+          <a:srcRect/>
+          <a:stretch>
+            <a:fillRect/>
+          </a:stretch>
+        </p:blipFill>
+        <p:spPr bwMode="auto">
+          <a:xfrm>
+            <a:off x="5242531" y="2070292"/>
+            <a:ext cx="1185149" cy="1185149"/>
+          </a:xfrm>
+          <a:prstGeom prst="rect">
+            <a:avLst/>
+          </a:prstGeom>
+          <a:noFill/>
+          <a:extLst>
+            <a:ext uri="{909E8E84-426E-40DD-AFC4-6F175D3DCCD1}">
+              <a14:hiddenFill xmlns:a14="http://schemas.microsoft.com/office/drawing/2010/main">
+                <a:solidFill>
+                  <a:srgbClr val="FFFFFF"/>
+                </a:solidFill>
+              </a14:hiddenFill>
+            </a:ext>
+          </a:extLst>
+        </p:spPr>
+      </p:pic>
+      <p:pic>
+        <p:nvPicPr>
+          <p:cNvPr id="26" name="Picture Placeholder 25">
+            <a:extLst>
+              <a:ext uri="{FF2B5EF4-FFF2-40B4-BE49-F238E27FC236}">
+                <a16:creationId xmlns:a16="http://schemas.microsoft.com/office/drawing/2014/main" id="{93FE2146-993E-51AF-3141-80787CFF07AC}"/>
+              </a:ext>
+            </a:extLst>
+          </p:cNvPr>
+          <p:cNvPicPr>
+            <a:picLocks noGrp="1" noChangeAspect="1"/>
+          </p:cNvPicPr>
+          <p:nvPr>
+            <p:ph type="pic" sz="quarter" idx="13"/>
+          </p:nvPr>
+        </p:nvPicPr>
+        <p:blipFill>
+          <a:blip r:embed="rId7"/>
+          <a:srcRect t="7568" b="7568"/>
+          <a:stretch/>
+        </p:blipFill>
+        <p:spPr>
+          <a:xfrm>
+            <a:off x="1078733" y="1964853"/>
+            <a:ext cx="1691640" cy="1435608"/>
+          </a:xfrm>
+        </p:spPr>
+      </p:pic>
+      <p:sp>
+        <p:nvSpPr>
+          <p:cNvPr id="28" name="Oval 27">
+            <a:extLst>
+              <a:ext uri="{FF2B5EF4-FFF2-40B4-BE49-F238E27FC236}">
+                <a16:creationId xmlns:a16="http://schemas.microsoft.com/office/drawing/2014/main" id="{A93E6B3B-B3D8-27DA-2310-5CF3D49FFD70}"/>
+              </a:ext>
+            </a:extLst>
+          </p:cNvPr>
+          <p:cNvSpPr/>
+          <p:nvPr/>
+        </p:nvSpPr>
+        <p:spPr>
+          <a:xfrm>
+            <a:off x="10906812" y="443060"/>
+            <a:ext cx="768285" cy="721150"/>
+          </a:xfrm>
+          <a:prstGeom prst="ellipse">
+            <a:avLst/>
+          </a:prstGeom>
+          <a:solidFill>
+            <a:srgbClr val="FFFF00"/>
+          </a:solidFill>
+        </p:spPr>
+        <p:style>
+          <a:lnRef idx="2">
+            <a:schemeClr val="accent1">
+              <a:shade val="15000"/>
+            </a:schemeClr>
+          </a:lnRef>
+          <a:fillRef idx="1">
+            <a:schemeClr val="accent1"/>
+          </a:fillRef>
+          <a:effectRef idx="0">
+            <a:schemeClr val="accent1"/>
+          </a:effectRef>
+          <a:fontRef idx="minor">
+            <a:schemeClr val="lt1"/>
+          </a:fontRef>
+        </p:style>
+        <p:txBody>
+          <a:bodyPr rtlCol="0" anchor="ctr"/>
+          <a:lstStyle/>
+          <a:p>
+            <a:pPr algn="ctr"/>
             <a:endParaRPr lang="en-US"/>
           </a:p>
         </p:txBody>
@@ -27050,6 +30817,15 @@
 </file>
 
 <file path=customXml/item1.xml><?xml version="1.0" encoding="utf-8"?>
+<?mso-contentType ?>
+<FormTemplates xmlns="http://schemas.microsoft.com/sharepoint/v3/contenttype/forms">
+  <Display>DocumentLibraryForm</Display>
+  <Edit>DocumentLibraryForm</Edit>
+  <New>DocumentLibraryForm</New>
+</FormTemplates>
+</file>
+
+<file path=customXml/item2.xml><?xml version="1.0" encoding="utf-8"?>
 <p:properties xmlns:p="http://schemas.microsoft.com/office/2006/metadata/properties" xmlns:xsi="http://www.w3.org/2001/XMLSchema-instance" xmlns:pc="http://schemas.microsoft.com/office/infopath/2007/PartnerControls">
   <documentManagement>
     <_ip_UnifiedCompliancePolicyUIAction xmlns="http://schemas.microsoft.com/sharepoint/v3" xsi:nil="true"/>
@@ -27066,15 +30842,6 @@
     <MediaServiceKeyPoints xmlns="71af3243-3dd4-4a8d-8c0d-dd76da1f02a5" xsi:nil="true"/>
   </documentManagement>
 </p:properties>
-</file>
-
-<file path=customXml/item2.xml><?xml version="1.0" encoding="utf-8"?>
-<?mso-contentType ?>
-<FormTemplates xmlns="http://schemas.microsoft.com/sharepoint/v3/contenttype/forms">
-  <Display>DocumentLibraryForm</Display>
-  <Edit>DocumentLibraryForm</Edit>
-  <New>DocumentLibraryForm</New>
-</FormTemplates>
 </file>
 
 <file path=customXml/item3.xml><?xml version="1.0" encoding="utf-8"?>
@@ -27354,6 +31121,14 @@
 </file>
 
 <file path=customXml/itemProps1.xml><?xml version="1.0" encoding="utf-8"?>
+<ds:datastoreItem xmlns:ds="http://schemas.openxmlformats.org/officeDocument/2006/customXml" ds:itemID="{904751AB-E840-446F-8D49-E697067EC887}">
+  <ds:schemaRefs>
+    <ds:schemaRef ds:uri="http://schemas.microsoft.com/sharepoint/v3/contenttype/forms"/>
+  </ds:schemaRefs>
+</ds:datastoreItem>
+</file>
+
+<file path=customXml/itemProps2.xml><?xml version="1.0" encoding="utf-8"?>
 <ds:datastoreItem xmlns:ds="http://schemas.openxmlformats.org/officeDocument/2006/customXml" ds:itemID="{50811A92-D464-4AC4-A396-BA73B10CEEAC}">
   <ds:schemaRefs>
     <ds:schemaRef ds:uri="http://schemas.microsoft.com/office/2006/metadata/properties"/>
@@ -27361,14 +31136,6 @@
     <ds:schemaRef ds:uri="http://schemas.microsoft.com/sharepoint/v3"/>
     <ds:schemaRef ds:uri="71af3243-3dd4-4a8d-8c0d-dd76da1f02a5"/>
     <ds:schemaRef ds:uri="230e9df3-be65-4c73-a93b-d1236ebd677e"/>
-  </ds:schemaRefs>
-</ds:datastoreItem>
-</file>
-
-<file path=customXml/itemProps2.xml><?xml version="1.0" encoding="utf-8"?>
-<ds:datastoreItem xmlns:ds="http://schemas.openxmlformats.org/officeDocument/2006/customXml" ds:itemID="{904751AB-E840-446F-8D49-E697067EC887}">
-  <ds:schemaRefs>
-    <ds:schemaRef ds:uri="http://schemas.microsoft.com/sharepoint/v3/contenttype/forms"/>
   </ds:schemaRefs>
 </ds:datastoreItem>
 </file>

--- a/Presentation/draft_presentation_salaries_2023.pptx
+++ b/Presentation/draft_presentation_salaries_2023.pptx
@@ -12,16 +12,16 @@
   </p:handoutMasterIdLst>
   <p:sldIdLst>
     <p:sldId id="257" r:id="rId5"/>
-    <p:sldId id="392" r:id="rId6"/>
-    <p:sldId id="389" r:id="rId7"/>
-    <p:sldId id="384" r:id="rId8"/>
-    <p:sldId id="317" r:id="rId9"/>
-    <p:sldId id="277" r:id="rId10"/>
-    <p:sldId id="278" r:id="rId11"/>
-    <p:sldId id="279" r:id="rId12"/>
-    <p:sldId id="268" r:id="rId13"/>
-    <p:sldId id="272" r:id="rId14"/>
-    <p:sldId id="394" r:id="rId15"/>
+    <p:sldId id="389" r:id="rId6"/>
+    <p:sldId id="384" r:id="rId7"/>
+    <p:sldId id="317" r:id="rId8"/>
+    <p:sldId id="392" r:id="rId9"/>
+    <p:sldId id="268" r:id="rId10"/>
+    <p:sldId id="279" r:id="rId11"/>
+    <p:sldId id="272" r:id="rId12"/>
+    <p:sldId id="394" r:id="rId13"/>
+    <p:sldId id="400" r:id="rId14"/>
+    <p:sldId id="401" r:id="rId15"/>
     <p:sldId id="270" r:id="rId16"/>
     <p:sldId id="395" r:id="rId17"/>
     <p:sldId id="281" r:id="rId18"/>
@@ -155,7 +155,7 @@
 <file path=ppt/revisionInfo.xml><?xml version="1.0" encoding="utf-8"?>
 <p1510:revInfo xmlns:a="http://schemas.openxmlformats.org/drawingml/2006/main" xmlns:r="http://schemas.openxmlformats.org/officeDocument/2006/relationships" xmlns:p1510="http://schemas.microsoft.com/office/powerpoint/2015/10/main">
   <p1510:revLst>
-    <p1510:client id="{713AE7ED-0655-4057-A6C2-FB3F86893D8F}" v="491" dt="2023-06-08T01:05:23.284"/>
+    <p1510:client id="{713AE7ED-0655-4057-A6C2-FB3F86893D8F}" v="493" dt="2023-06-08T15:50:10.340"/>
   </p1510:revLst>
 </p1510:revInfo>
 </file>
@@ -164,13 +164,13 @@
 <pc:chgInfo xmlns:a="http://schemas.openxmlformats.org/drawingml/2006/main" xmlns:r="http://schemas.openxmlformats.org/officeDocument/2006/relationships" xmlns:ac="http://schemas.microsoft.com/office/drawing/2013/main/command" xmlns:pc="http://schemas.microsoft.com/office/powerpoint/2013/main/command">
   <pc:docChgLst>
     <pc:chgData name="Calogera McCormick" userId="e0a4c6cb4146cbe1" providerId="LiveId" clId="{713AE7ED-0655-4057-A6C2-FB3F86893D8F}"/>
-    <pc:docChg chg="undo custSel addSld modSld">
-      <pc:chgData name="Calogera McCormick" userId="e0a4c6cb4146cbe1" providerId="LiveId" clId="{713AE7ED-0655-4057-A6C2-FB3F86893D8F}" dt="2023-06-08T01:06:17.201" v="1621" actId="20577"/>
+    <pc:docChg chg="undo custSel addSld delSld modSld sldOrd">
+      <pc:chgData name="Calogera McCormick" userId="e0a4c6cb4146cbe1" providerId="LiveId" clId="{713AE7ED-0655-4057-A6C2-FB3F86893D8F}" dt="2023-06-08T15:51:51.136" v="1681"/>
       <pc:docMkLst>
         <pc:docMk/>
       </pc:docMkLst>
       <pc:sldChg chg="addSp modSp mod">
-        <pc:chgData name="Calogera McCormick" userId="e0a4c6cb4146cbe1" providerId="LiveId" clId="{713AE7ED-0655-4057-A6C2-FB3F86893D8F}" dt="2023-06-08T00:52:28.127" v="1451"/>
+        <pc:chgData name="Calogera McCormick" userId="e0a4c6cb4146cbe1" providerId="LiveId" clId="{713AE7ED-0655-4057-A6C2-FB3F86893D8F}" dt="2023-06-08T15:45:53.982" v="1622" actId="1076"/>
         <pc:sldMkLst>
           <pc:docMk/>
           <pc:sldMk cId="752814286" sldId="257"/>
@@ -192,7 +192,7 @@
           </ac:spMkLst>
         </pc:spChg>
         <pc:spChg chg="add mod">
-          <ac:chgData name="Calogera McCormick" userId="e0a4c6cb4146cbe1" providerId="LiveId" clId="{713AE7ED-0655-4057-A6C2-FB3F86893D8F}" dt="2023-06-08T00:52:28.127" v="1451"/>
+          <ac:chgData name="Calogera McCormick" userId="e0a4c6cb4146cbe1" providerId="LiveId" clId="{713AE7ED-0655-4057-A6C2-FB3F86893D8F}" dt="2023-06-08T15:45:53.982" v="1622" actId="1076"/>
           <ac:spMkLst>
             <pc:docMk/>
             <pc:sldMk cId="752814286" sldId="257"/>
@@ -200,14 +200,14 @@
           </ac:spMkLst>
         </pc:spChg>
       </pc:sldChg>
-      <pc:sldChg chg="addSp delSp modSp mod">
-        <pc:chgData name="Calogera McCormick" userId="e0a4c6cb4146cbe1" providerId="LiveId" clId="{713AE7ED-0655-4057-A6C2-FB3F86893D8F}" dt="2023-06-08T01:01:42.849" v="1577" actId="14100"/>
+      <pc:sldChg chg="addSp delSp modSp mod ord">
+        <pc:chgData name="Calogera McCormick" userId="e0a4c6cb4146cbe1" providerId="LiveId" clId="{713AE7ED-0655-4057-A6C2-FB3F86893D8F}" dt="2023-06-08T15:48:38.529" v="1632" actId="1076"/>
         <pc:sldMkLst>
           <pc:docMk/>
           <pc:sldMk cId="2979876663" sldId="268"/>
         </pc:sldMkLst>
         <pc:spChg chg="mod">
-          <ac:chgData name="Calogera McCormick" userId="e0a4c6cb4146cbe1" providerId="LiveId" clId="{713AE7ED-0655-4057-A6C2-FB3F86893D8F}" dt="2023-06-08T01:01:35.547" v="1576" actId="554"/>
+          <ac:chgData name="Calogera McCormick" userId="e0a4c6cb4146cbe1" providerId="LiveId" clId="{713AE7ED-0655-4057-A6C2-FB3F86893D8F}" dt="2023-06-08T15:48:33.896" v="1631" actId="1076"/>
           <ac:spMkLst>
             <pc:docMk/>
             <pc:sldMk cId="2979876663" sldId="268"/>
@@ -215,7 +215,7 @@
           </ac:spMkLst>
         </pc:spChg>
         <pc:spChg chg="add mod">
-          <ac:chgData name="Calogera McCormick" userId="e0a4c6cb4146cbe1" providerId="LiveId" clId="{713AE7ED-0655-4057-A6C2-FB3F86893D8F}" dt="2023-06-08T00:17:55.688" v="892" actId="20577"/>
+          <ac:chgData name="Calogera McCormick" userId="e0a4c6cb4146cbe1" providerId="LiveId" clId="{713AE7ED-0655-4057-A6C2-FB3F86893D8F}" dt="2023-06-08T15:48:38.529" v="1632" actId="1076"/>
           <ac:spMkLst>
             <pc:docMk/>
             <pc:sldMk cId="2979876663" sldId="268"/>
@@ -223,7 +223,7 @@
           </ac:spMkLst>
         </pc:spChg>
         <pc:spChg chg="add mod">
-          <ac:chgData name="Calogera McCormick" userId="e0a4c6cb4146cbe1" providerId="LiveId" clId="{713AE7ED-0655-4057-A6C2-FB3F86893D8F}" dt="2023-06-08T01:01:42.849" v="1577" actId="14100"/>
+          <ac:chgData name="Calogera McCormick" userId="e0a4c6cb4146cbe1" providerId="LiveId" clId="{713AE7ED-0655-4057-A6C2-FB3F86893D8F}" dt="2023-06-08T15:48:38.529" v="1632" actId="1076"/>
           <ac:spMkLst>
             <pc:docMk/>
             <pc:sldMk cId="2979876663" sldId="268"/>
@@ -351,7 +351,7 @@
           </ac:spMkLst>
         </pc:spChg>
         <pc:spChg chg="mod">
-          <ac:chgData name="Calogera McCormick" userId="e0a4c6cb4146cbe1" providerId="LiveId" clId="{713AE7ED-0655-4057-A6C2-FB3F86893D8F}" dt="2023-06-08T00:18:08.049" v="907" actId="20577"/>
+          <ac:chgData name="Calogera McCormick" userId="e0a4c6cb4146cbe1" providerId="LiveId" clId="{713AE7ED-0655-4057-A6C2-FB3F86893D8F}" dt="2023-06-08T15:48:33.896" v="1631" actId="1076"/>
           <ac:spMkLst>
             <pc:docMk/>
             <pc:sldMk cId="2979876663" sldId="268"/>
@@ -383,7 +383,7 @@
           </ac:picMkLst>
         </pc:picChg>
         <pc:picChg chg="add mod">
-          <ac:chgData name="Calogera McCormick" userId="e0a4c6cb4146cbe1" providerId="LiveId" clId="{713AE7ED-0655-4057-A6C2-FB3F86893D8F}" dt="2023-06-08T00:23:17.126" v="995" actId="14100"/>
+          <ac:chgData name="Calogera McCormick" userId="e0a4c6cb4146cbe1" providerId="LiveId" clId="{713AE7ED-0655-4057-A6C2-FB3F86893D8F}" dt="2023-06-08T15:48:38.529" v="1632" actId="1076"/>
           <ac:picMkLst>
             <pc:docMk/>
             <pc:sldMk cId="2979876663" sldId="268"/>
@@ -391,7 +391,7 @@
           </ac:picMkLst>
         </pc:picChg>
         <pc:picChg chg="add mod">
-          <ac:chgData name="Calogera McCormick" userId="e0a4c6cb4146cbe1" providerId="LiveId" clId="{713AE7ED-0655-4057-A6C2-FB3F86893D8F}" dt="2023-06-08T00:47:33.296" v="1015" actId="14826"/>
+          <ac:chgData name="Calogera McCormick" userId="e0a4c6cb4146cbe1" providerId="LiveId" clId="{713AE7ED-0655-4057-A6C2-FB3F86893D8F}" dt="2023-06-08T15:47:56.677" v="1628" actId="14100"/>
           <ac:picMkLst>
             <pc:docMk/>
             <pc:sldMk cId="2979876663" sldId="268"/>
@@ -423,7 +423,7 @@
           </ac:picMkLst>
         </pc:picChg>
         <pc:picChg chg="mod">
-          <ac:chgData name="Calogera McCormick" userId="e0a4c6cb4146cbe1" providerId="LiveId" clId="{713AE7ED-0655-4057-A6C2-FB3F86893D8F}" dt="2023-06-08T00:14:25.161" v="814" actId="1076"/>
+          <ac:chgData name="Calogera McCormick" userId="e0a4c6cb4146cbe1" providerId="LiveId" clId="{713AE7ED-0655-4057-A6C2-FB3F86893D8F}" dt="2023-06-08T15:48:33.896" v="1631" actId="1076"/>
           <ac:picMkLst>
             <pc:docMk/>
             <pc:sldMk cId="2979876663" sldId="268"/>
@@ -440,7 +440,7 @@
         </pc:picChg>
       </pc:sldChg>
       <pc:sldChg chg="addSp modSp mod">
-        <pc:chgData name="Calogera McCormick" userId="e0a4c6cb4146cbe1" providerId="LiveId" clId="{713AE7ED-0655-4057-A6C2-FB3F86893D8F}" dt="2023-06-08T00:52:18.226" v="1448" actId="207"/>
+        <pc:chgData name="Calogera McCormick" userId="e0a4c6cb4146cbe1" providerId="LiveId" clId="{713AE7ED-0655-4057-A6C2-FB3F86893D8F}" dt="2023-06-08T15:49:26.162" v="1633" actId="20577"/>
         <pc:sldMkLst>
           <pc:docMk/>
           <pc:sldMk cId="2624630061" sldId="272"/>
@@ -454,13 +454,27 @@
           </ac:spMkLst>
         </pc:spChg>
         <pc:graphicFrameChg chg="mod">
-          <ac:chgData name="Calogera McCormick" userId="e0a4c6cb4146cbe1" providerId="LiveId" clId="{713AE7ED-0655-4057-A6C2-FB3F86893D8F}" dt="2023-06-08T00:51:55.213" v="1445" actId="20577"/>
+          <ac:chgData name="Calogera McCormick" userId="e0a4c6cb4146cbe1" providerId="LiveId" clId="{713AE7ED-0655-4057-A6C2-FB3F86893D8F}" dt="2023-06-08T15:49:26.162" v="1633" actId="20577"/>
           <ac:graphicFrameMkLst>
             <pc:docMk/>
             <pc:sldMk cId="2624630061" sldId="272"/>
             <ac:graphicFrameMk id="4" creationId="{93897051-DA8D-4072-A594-51769F8D52F5}"/>
           </ac:graphicFrameMkLst>
         </pc:graphicFrameChg>
+      </pc:sldChg>
+      <pc:sldChg chg="del">
+        <pc:chgData name="Calogera McCormick" userId="e0a4c6cb4146cbe1" providerId="LiveId" clId="{713AE7ED-0655-4057-A6C2-FB3F86893D8F}" dt="2023-06-08T15:47:02.954" v="1625" actId="2696"/>
+        <pc:sldMkLst>
+          <pc:docMk/>
+          <pc:sldMk cId="3740286033" sldId="277"/>
+        </pc:sldMkLst>
+      </pc:sldChg>
+      <pc:sldChg chg="del">
+        <pc:chgData name="Calogera McCormick" userId="e0a4c6cb4146cbe1" providerId="LiveId" clId="{713AE7ED-0655-4057-A6C2-FB3F86893D8F}" dt="2023-06-08T15:47:02.954" v="1625" actId="2696"/>
+        <pc:sldMkLst>
+          <pc:docMk/>
+          <pc:sldMk cId="2496947791" sldId="278"/>
+        </pc:sldMkLst>
       </pc:sldChg>
       <pc:sldChg chg="modSp mod">
         <pc:chgData name="Calogera McCormick" userId="e0a4c6cb4146cbe1" providerId="LiveId" clId="{713AE7ED-0655-4057-A6C2-FB3F86893D8F}" dt="2023-06-08T00:10:04.563" v="747" actId="6549"/>
@@ -530,8 +544,8 @@
           </ac:spMkLst>
         </pc:spChg>
       </pc:sldChg>
-      <pc:sldChg chg="addSp delSp modSp new mod modClrScheme chgLayout">
-        <pc:chgData name="Calogera McCormick" userId="e0a4c6cb4146cbe1" providerId="LiveId" clId="{713AE7ED-0655-4057-A6C2-FB3F86893D8F}" dt="2023-06-08T00:52:25.868" v="1450"/>
+      <pc:sldChg chg="addSp delSp modSp new mod ord modClrScheme chgLayout">
+        <pc:chgData name="Calogera McCormick" userId="e0a4c6cb4146cbe1" providerId="LiveId" clId="{713AE7ED-0655-4057-A6C2-FB3F86893D8F}" dt="2023-06-08T15:46:08.834" v="1624"/>
         <pc:sldMkLst>
           <pc:docMk/>
           <pc:sldMk cId="2031009587" sldId="392"/>
@@ -1090,6 +1104,220 @@
           <pc:sldMk cId="883699955" sldId="399"/>
         </pc:sldMkLst>
       </pc:sldChg>
+      <pc:sldChg chg="addSp delSp modSp new mod modClrScheme chgLayout">
+        <pc:chgData name="Calogera McCormick" userId="e0a4c6cb4146cbe1" providerId="LiveId" clId="{713AE7ED-0655-4057-A6C2-FB3F86893D8F}" dt="2023-06-08T15:50:10.339" v="1637" actId="1957"/>
+        <pc:sldMkLst>
+          <pc:docMk/>
+          <pc:sldMk cId="3447434048" sldId="400"/>
+        </pc:sldMkLst>
+        <pc:spChg chg="del mod ord">
+          <ac:chgData name="Calogera McCormick" userId="e0a4c6cb4146cbe1" providerId="LiveId" clId="{713AE7ED-0655-4057-A6C2-FB3F86893D8F}" dt="2023-06-08T15:49:57.213" v="1635" actId="700"/>
+          <ac:spMkLst>
+            <pc:docMk/>
+            <pc:sldMk cId="3447434048" sldId="400"/>
+            <ac:spMk id="2" creationId="{B228747B-A70B-179E-967C-2EC893DBC74B}"/>
+          </ac:spMkLst>
+        </pc:spChg>
+        <pc:spChg chg="del">
+          <ac:chgData name="Calogera McCormick" userId="e0a4c6cb4146cbe1" providerId="LiveId" clId="{713AE7ED-0655-4057-A6C2-FB3F86893D8F}" dt="2023-06-08T15:49:57.213" v="1635" actId="700"/>
+          <ac:spMkLst>
+            <pc:docMk/>
+            <pc:sldMk cId="3447434048" sldId="400"/>
+            <ac:spMk id="3" creationId="{7AA750A3-804C-9707-4F3E-3E3EF5D92BC2}"/>
+          </ac:spMkLst>
+        </pc:spChg>
+        <pc:spChg chg="del mod ord">
+          <ac:chgData name="Calogera McCormick" userId="e0a4c6cb4146cbe1" providerId="LiveId" clId="{713AE7ED-0655-4057-A6C2-FB3F86893D8F}" dt="2023-06-08T15:49:57.213" v="1635" actId="700"/>
+          <ac:spMkLst>
+            <pc:docMk/>
+            <pc:sldMk cId="3447434048" sldId="400"/>
+            <ac:spMk id="4" creationId="{5953E9C9-FE3D-9843-7CEC-58AC94696B1E}"/>
+          </ac:spMkLst>
+        </pc:spChg>
+        <pc:spChg chg="mod ord">
+          <ac:chgData name="Calogera McCormick" userId="e0a4c6cb4146cbe1" providerId="LiveId" clId="{713AE7ED-0655-4057-A6C2-FB3F86893D8F}" dt="2023-06-08T15:49:57.213" v="1635" actId="700"/>
+          <ac:spMkLst>
+            <pc:docMk/>
+            <pc:sldMk cId="3447434048" sldId="400"/>
+            <ac:spMk id="5" creationId="{3F6B9F8A-751F-7D09-582F-7B0F544B4766}"/>
+          </ac:spMkLst>
+        </pc:spChg>
+        <pc:spChg chg="mod ord">
+          <ac:chgData name="Calogera McCormick" userId="e0a4c6cb4146cbe1" providerId="LiveId" clId="{713AE7ED-0655-4057-A6C2-FB3F86893D8F}" dt="2023-06-08T15:49:57.213" v="1635" actId="700"/>
+          <ac:spMkLst>
+            <pc:docMk/>
+            <pc:sldMk cId="3447434048" sldId="400"/>
+            <ac:spMk id="6" creationId="{4CC085F2-07EA-A6EF-56DE-8B7FDD71CE98}"/>
+          </ac:spMkLst>
+        </pc:spChg>
+        <pc:spChg chg="mod ord">
+          <ac:chgData name="Calogera McCormick" userId="e0a4c6cb4146cbe1" providerId="LiveId" clId="{713AE7ED-0655-4057-A6C2-FB3F86893D8F}" dt="2023-06-08T15:49:57.213" v="1635" actId="700"/>
+          <ac:spMkLst>
+            <pc:docMk/>
+            <pc:sldMk cId="3447434048" sldId="400"/>
+            <ac:spMk id="7" creationId="{75700248-A8AA-8638-18BD-53A22A37E992}"/>
+          </ac:spMkLst>
+        </pc:spChg>
+        <pc:spChg chg="add mod ord">
+          <ac:chgData name="Calogera McCormick" userId="e0a4c6cb4146cbe1" providerId="LiveId" clId="{713AE7ED-0655-4057-A6C2-FB3F86893D8F}" dt="2023-06-08T15:49:57.213" v="1635" actId="700"/>
+          <ac:spMkLst>
+            <pc:docMk/>
+            <pc:sldMk cId="3447434048" sldId="400"/>
+            <ac:spMk id="8" creationId="{168E8C7D-5B44-4DE4-699B-550A2EEB5F3B}"/>
+          </ac:spMkLst>
+        </pc:spChg>
+        <pc:spChg chg="add del mod ord">
+          <ac:chgData name="Calogera McCormick" userId="e0a4c6cb4146cbe1" providerId="LiveId" clId="{713AE7ED-0655-4057-A6C2-FB3F86893D8F}" dt="2023-06-08T15:50:10.339" v="1637" actId="1957"/>
+          <ac:spMkLst>
+            <pc:docMk/>
+            <pc:sldMk cId="3447434048" sldId="400"/>
+            <ac:spMk id="9" creationId="{0FB88196-95DF-5D2B-D20B-1D13E08108A5}"/>
+          </ac:spMkLst>
+        </pc:spChg>
+        <pc:spChg chg="add mod ord">
+          <ac:chgData name="Calogera McCormick" userId="e0a4c6cb4146cbe1" providerId="LiveId" clId="{713AE7ED-0655-4057-A6C2-FB3F86893D8F}" dt="2023-06-08T15:49:57.213" v="1635" actId="700"/>
+          <ac:spMkLst>
+            <pc:docMk/>
+            <pc:sldMk cId="3447434048" sldId="400"/>
+            <ac:spMk id="10" creationId="{5B389D72-C7F4-C79A-31A7-91F5C89F4D16}"/>
+          </ac:spMkLst>
+        </pc:spChg>
+        <pc:graphicFrameChg chg="add mod">
+          <ac:chgData name="Calogera McCormick" userId="e0a4c6cb4146cbe1" providerId="LiveId" clId="{713AE7ED-0655-4057-A6C2-FB3F86893D8F}" dt="2023-06-08T15:50:10.339" v="1637" actId="1957"/>
+          <ac:graphicFrameMkLst>
+            <pc:docMk/>
+            <pc:sldMk cId="3447434048" sldId="400"/>
+            <ac:graphicFrameMk id="13" creationId="{7A9D9A9A-C8BE-0EA8-E990-D78A1356E95C}"/>
+          </ac:graphicFrameMkLst>
+        </pc:graphicFrameChg>
+      </pc:sldChg>
+      <pc:sldChg chg="addSp delSp modSp new mod modClrScheme chgLayout">
+        <pc:chgData name="Calogera McCormick" userId="e0a4c6cb4146cbe1" providerId="LiveId" clId="{713AE7ED-0655-4057-A6C2-FB3F86893D8F}" dt="2023-06-08T15:51:51.136" v="1681"/>
+        <pc:sldMkLst>
+          <pc:docMk/>
+          <pc:sldMk cId="710247767" sldId="401"/>
+        </pc:sldMkLst>
+        <pc:spChg chg="del mod ord">
+          <ac:chgData name="Calogera McCormick" userId="e0a4c6cb4146cbe1" providerId="LiveId" clId="{713AE7ED-0655-4057-A6C2-FB3F86893D8F}" dt="2023-06-08T15:50:25.766" v="1639" actId="700"/>
+          <ac:spMkLst>
+            <pc:docMk/>
+            <pc:sldMk cId="710247767" sldId="401"/>
+            <ac:spMk id="2" creationId="{DC31FDCA-8C8D-6175-CE42-E40C3139C034}"/>
+          </ac:spMkLst>
+        </pc:spChg>
+        <pc:spChg chg="del mod ord">
+          <ac:chgData name="Calogera McCormick" userId="e0a4c6cb4146cbe1" providerId="LiveId" clId="{713AE7ED-0655-4057-A6C2-FB3F86893D8F}" dt="2023-06-08T15:50:25.766" v="1639" actId="700"/>
+          <ac:spMkLst>
+            <pc:docMk/>
+            <pc:sldMk cId="710247767" sldId="401"/>
+            <ac:spMk id="3" creationId="{3F0D1308-5C49-D5C5-06EF-921F6F669900}"/>
+          </ac:spMkLst>
+        </pc:spChg>
+        <pc:spChg chg="del mod ord">
+          <ac:chgData name="Calogera McCormick" userId="e0a4c6cb4146cbe1" providerId="LiveId" clId="{713AE7ED-0655-4057-A6C2-FB3F86893D8F}" dt="2023-06-08T15:50:25.766" v="1639" actId="700"/>
+          <ac:spMkLst>
+            <pc:docMk/>
+            <pc:sldMk cId="710247767" sldId="401"/>
+            <ac:spMk id="4" creationId="{48052CD6-D3FC-2F63-4983-14E87C1B1263}"/>
+          </ac:spMkLst>
+        </pc:spChg>
+        <pc:spChg chg="mod ord">
+          <ac:chgData name="Calogera McCormick" userId="e0a4c6cb4146cbe1" providerId="LiveId" clId="{713AE7ED-0655-4057-A6C2-FB3F86893D8F}" dt="2023-06-08T15:50:25.766" v="1639" actId="700"/>
+          <ac:spMkLst>
+            <pc:docMk/>
+            <pc:sldMk cId="710247767" sldId="401"/>
+            <ac:spMk id="5" creationId="{6AB23609-EF7A-F3EE-1223-E0A923767A23}"/>
+          </ac:spMkLst>
+        </pc:spChg>
+        <pc:spChg chg="mod ord">
+          <ac:chgData name="Calogera McCormick" userId="e0a4c6cb4146cbe1" providerId="LiveId" clId="{713AE7ED-0655-4057-A6C2-FB3F86893D8F}" dt="2023-06-08T15:50:25.766" v="1639" actId="700"/>
+          <ac:spMkLst>
+            <pc:docMk/>
+            <pc:sldMk cId="710247767" sldId="401"/>
+            <ac:spMk id="6" creationId="{FC2738BC-7034-A37F-D688-0F23F642C201}"/>
+          </ac:spMkLst>
+        </pc:spChg>
+        <pc:spChg chg="mod ord">
+          <ac:chgData name="Calogera McCormick" userId="e0a4c6cb4146cbe1" providerId="LiveId" clId="{713AE7ED-0655-4057-A6C2-FB3F86893D8F}" dt="2023-06-08T15:50:25.766" v="1639" actId="700"/>
+          <ac:spMkLst>
+            <pc:docMk/>
+            <pc:sldMk cId="710247767" sldId="401"/>
+            <ac:spMk id="7" creationId="{3538ACF9-DFFE-2E38-7B52-83E7CEEBED83}"/>
+          </ac:spMkLst>
+        </pc:spChg>
+        <pc:spChg chg="add mod ord">
+          <ac:chgData name="Calogera McCormick" userId="e0a4c6cb4146cbe1" providerId="LiveId" clId="{713AE7ED-0655-4057-A6C2-FB3F86893D8F}" dt="2023-06-08T15:50:57.819" v="1679" actId="20577"/>
+          <ac:spMkLst>
+            <pc:docMk/>
+            <pc:sldMk cId="710247767" sldId="401"/>
+            <ac:spMk id="8" creationId="{ECA544E0-7D3D-B0A0-0C63-B78867383B79}"/>
+          </ac:spMkLst>
+        </pc:spChg>
+        <pc:spChg chg="add mod ord">
+          <ac:chgData name="Calogera McCormick" userId="e0a4c6cb4146cbe1" providerId="LiveId" clId="{713AE7ED-0655-4057-A6C2-FB3F86893D8F}" dt="2023-06-08T15:50:25.766" v="1639" actId="700"/>
+          <ac:spMkLst>
+            <pc:docMk/>
+            <pc:sldMk cId="710247767" sldId="401"/>
+            <ac:spMk id="9" creationId="{AC308BCE-3A7F-D144-7B44-46DA318B42DC}"/>
+          </ac:spMkLst>
+        </pc:spChg>
+        <pc:spChg chg="add del mod ord">
+          <ac:chgData name="Calogera McCormick" userId="e0a4c6cb4146cbe1" providerId="LiveId" clId="{713AE7ED-0655-4057-A6C2-FB3F86893D8F}" dt="2023-06-08T15:51:27.117" v="1680"/>
+          <ac:spMkLst>
+            <pc:docMk/>
+            <pc:sldMk cId="710247767" sldId="401"/>
+            <ac:spMk id="10" creationId="{08E8203D-D753-A115-CE39-B4F647844700}"/>
+          </ac:spMkLst>
+        </pc:spChg>
+        <pc:spChg chg="add mod ord">
+          <ac:chgData name="Calogera McCormick" userId="e0a4c6cb4146cbe1" providerId="LiveId" clId="{713AE7ED-0655-4057-A6C2-FB3F86893D8F}" dt="2023-06-08T15:50:25.766" v="1639" actId="700"/>
+          <ac:spMkLst>
+            <pc:docMk/>
+            <pc:sldMk cId="710247767" sldId="401"/>
+            <ac:spMk id="11" creationId="{F5D6D96F-3B43-9E45-475A-A0D8F3F42ACD}"/>
+          </ac:spMkLst>
+        </pc:spChg>
+        <pc:spChg chg="add del mod ord">
+          <ac:chgData name="Calogera McCormick" userId="e0a4c6cb4146cbe1" providerId="LiveId" clId="{713AE7ED-0655-4057-A6C2-FB3F86893D8F}" dt="2023-06-08T15:51:51.136" v="1681"/>
+          <ac:spMkLst>
+            <pc:docMk/>
+            <pc:sldMk cId="710247767" sldId="401"/>
+            <ac:spMk id="12" creationId="{DE1CD01F-ACA3-3A9A-9030-DB07B4A651F2}"/>
+          </ac:spMkLst>
+        </pc:spChg>
+        <pc:spChg chg="add mod ord">
+          <ac:chgData name="Calogera McCormick" userId="e0a4c6cb4146cbe1" providerId="LiveId" clId="{713AE7ED-0655-4057-A6C2-FB3F86893D8F}" dt="2023-06-08T15:50:25.766" v="1639" actId="700"/>
+          <ac:spMkLst>
+            <pc:docMk/>
+            <pc:sldMk cId="710247767" sldId="401"/>
+            <ac:spMk id="13" creationId="{E247C322-3629-97FD-96A0-89494F943A71}"/>
+          </ac:spMkLst>
+        </pc:spChg>
+        <pc:spChg chg="add mod ord">
+          <ac:chgData name="Calogera McCormick" userId="e0a4c6cb4146cbe1" providerId="LiveId" clId="{713AE7ED-0655-4057-A6C2-FB3F86893D8F}" dt="2023-06-08T15:50:25.766" v="1639" actId="700"/>
+          <ac:spMkLst>
+            <pc:docMk/>
+            <pc:sldMk cId="710247767" sldId="401"/>
+            <ac:spMk id="14" creationId="{F90DA597-C22A-D5DC-CB1F-107AFE831515}"/>
+          </ac:spMkLst>
+        </pc:spChg>
+        <pc:graphicFrameChg chg="add">
+          <ac:chgData name="Calogera McCormick" userId="e0a4c6cb4146cbe1" providerId="LiveId" clId="{713AE7ED-0655-4057-A6C2-FB3F86893D8F}" dt="2023-06-08T15:51:27.117" v="1680"/>
+          <ac:graphicFrameMkLst>
+            <pc:docMk/>
+            <pc:sldMk cId="710247767" sldId="401"/>
+            <ac:graphicFrameMk id="17" creationId="{8B00D182-855B-839A-B7EB-FA5F64D47543}"/>
+          </ac:graphicFrameMkLst>
+        </pc:graphicFrameChg>
+        <pc:graphicFrameChg chg="add">
+          <ac:chgData name="Calogera McCormick" userId="e0a4c6cb4146cbe1" providerId="LiveId" clId="{713AE7ED-0655-4057-A6C2-FB3F86893D8F}" dt="2023-06-08T15:51:51.136" v="1681"/>
+          <ac:graphicFrameMkLst>
+            <pc:docMk/>
+            <pc:sldMk cId="710247767" sldId="401"/>
+            <ac:graphicFrameMk id="20" creationId="{797FAE68-8FA9-114D-D400-24BB5B688C64}"/>
+          </ac:graphicFrameMkLst>
+        </pc:graphicFrameChg>
+      </pc:sldChg>
     </pc:docChg>
   </pc:docChgLst>
 </pc:chgInfo>
@@ -1213,7 +1441,7 @@
           </c:val>
           <c:extLst>
             <c:ext xmlns:c16="http://schemas.microsoft.com/office/drawing/2014/chart" uri="{C3380CC4-5D6E-409C-BE32-E72D297353CC}">
-              <c16:uniqueId val="{00000000-7ECE-42EF-9EA5-4148A3E70204}"/>
+              <c16:uniqueId val="{00000000-F08E-4CD0-A336-0A3AD66A7ED6}"/>
             </c:ext>
           </c:extLst>
         </c:ser>
@@ -1284,7 +1512,7 @@
           </c:val>
           <c:extLst>
             <c:ext xmlns:c16="http://schemas.microsoft.com/office/drawing/2014/chart" uri="{C3380CC4-5D6E-409C-BE32-E72D297353CC}">
-              <c16:uniqueId val="{00000001-7ECE-42EF-9EA5-4148A3E70204}"/>
+              <c16:uniqueId val="{00000001-F08E-4CD0-A336-0A3AD66A7ED6}"/>
             </c:ext>
           </c:extLst>
         </c:ser>
@@ -1355,7 +1583,7 @@
           </c:val>
           <c:extLst>
             <c:ext xmlns:c16="http://schemas.microsoft.com/office/drawing/2014/chart" uri="{C3380CC4-5D6E-409C-BE32-E72D297353CC}">
-              <c16:uniqueId val="{00000002-7ECE-42EF-9EA5-4148A3E70204}"/>
+              <c16:uniqueId val="{00000002-F08E-4CD0-A336-0A3AD66A7ED6}"/>
             </c:ext>
           </c:extLst>
         </c:ser>
@@ -1369,11 +1597,11 @@
         </c:dLbls>
         <c:gapWidth val="219"/>
         <c:overlap val="-27"/>
-        <c:axId val="1287539680"/>
-        <c:axId val="1287528448"/>
+        <c:axId val="1888983103"/>
+        <c:axId val="1888984063"/>
       </c:barChart>
       <c:catAx>
-        <c:axId val="1287539680"/>
+        <c:axId val="1888983103"/>
         <c:scaling>
           <c:orientation val="minMax"/>
         </c:scaling>
@@ -1416,7 +1644,7 @@
             <a:endParaRPr lang="en-US"/>
           </a:p>
         </c:txPr>
-        <c:crossAx val="1287528448"/>
+        <c:crossAx val="1888984063"/>
         <c:crosses val="autoZero"/>
         <c:auto val="1"/>
         <c:lblAlgn val="ctr"/>
@@ -1424,7 +1652,7 @@
         <c:noMultiLvlLbl val="0"/>
       </c:catAx>
       <c:valAx>
-        <c:axId val="1287528448"/>
+        <c:axId val="1888984063"/>
         <c:scaling>
           <c:orientation val="minMax"/>
         </c:scaling>
@@ -1475,7 +1703,7 @@
             <a:endParaRPr lang="en-US"/>
           </a:p>
         </c:txPr>
-        <c:crossAx val="1287539680"/>
+        <c:crossAx val="1888983103"/>
         <c:crosses val="autoZero"/>
         <c:crossBetween val="between"/>
       </c:valAx>
@@ -1552,7 +1780,247 @@
 </c:chartSpace>
 </file>
 
+<file path=ppt/charts/chartEx1.xml><?xml version="1.0" encoding="utf-8"?>
+<cx:chartSpace xmlns:a="http://schemas.openxmlformats.org/drawingml/2006/main" xmlns:r="http://schemas.openxmlformats.org/officeDocument/2006/relationships" xmlns:cx="http://schemas.microsoft.com/office/drawing/2014/chartex">
+  <cx:chartData>
+    <cx:externalData r:id="rId1" cx:autoUpdate="0"/>
+    <cx:data id="0">
+      <cx:strDim type="cat">
+        <cx:f>Sheet1!$A$2:$A$6</cx:f>
+        <cx:lvl ptCount="5">
+          <cx:pt idx="0">Category 1</cx:pt>
+          <cx:pt idx="1">Category 2</cx:pt>
+          <cx:pt idx="2">Category 3</cx:pt>
+          <cx:pt idx="3">Category 4</cx:pt>
+          <cx:pt idx="4">Category 5</cx:pt>
+        </cx:lvl>
+      </cx:strDim>
+      <cx:numDim type="val">
+        <cx:f>Sheet1!$B$2:$B$6</cx:f>
+        <cx:lvl ptCount="5" formatCode="General">
+          <cx:pt idx="0">5000</cx:pt>
+          <cx:pt idx="1">4000</cx:pt>
+          <cx:pt idx="2">3000</cx:pt>
+          <cx:pt idx="3">1000</cx:pt>
+          <cx:pt idx="4">250</cx:pt>
+        </cx:lvl>
+      </cx:numDim>
+    </cx:data>
+  </cx:chartData>
+  <cx:chart>
+    <cx:title pos="t" align="ctr" overlay="0"/>
+    <cx:plotArea>
+      <cx:plotAreaRegion>
+        <cx:series layoutId="funnel" uniqueId="{A7FA1AEC-ECD0-414B-8EA1-D994EF799302}">
+          <cx:tx>
+            <cx:txData>
+              <cx:f>Sheet1!$B$1</cx:f>
+              <cx:v>Series1</cx:v>
+            </cx:txData>
+          </cx:tx>
+          <cx:dataLabels>
+            <cx:visibility seriesName="0" categoryName="0" value="1"/>
+          </cx:dataLabels>
+          <cx:dataId val="0"/>
+        </cx:series>
+      </cx:plotAreaRegion>
+      <cx:axis id="1">
+        <cx:catScaling gapWidth="0.0599999987"/>
+        <cx:tickLabels/>
+      </cx:axis>
+    </cx:plotArea>
+  </cx:chart>
+</cx:chartSpace>
+</file>
+
+<file path=ppt/charts/chartEx2.xml><?xml version="1.0" encoding="utf-8"?>
+<cx:chartSpace xmlns:a="http://schemas.openxmlformats.org/drawingml/2006/main" xmlns:r="http://schemas.openxmlformats.org/officeDocument/2006/relationships" xmlns:cx="http://schemas.microsoft.com/office/drawing/2014/chartex">
+  <cx:chartData>
+    <cx:externalData r:id="rId1" cx:autoUpdate="0"/>
+    <cx:data id="0">
+      <cx:strDim type="cat">
+        <cx:f>Sheet1!$A$2:$C$17</cx:f>
+        <cx:lvl ptCount="16">
+          <cx:pt idx="0">Leaf 1</cx:pt>
+          <cx:pt idx="1">Leaf 2</cx:pt>
+          <cx:pt idx="2">Leaf 3</cx:pt>
+          <cx:pt idx="3">Leaf 4</cx:pt>
+          <cx:pt idx="4">Leaf 5</cx:pt>
+          <cx:pt idx="5"/>
+          <cx:pt idx="6"/>
+          <cx:pt idx="7">Leaf 8</cx:pt>
+          <cx:pt idx="8"/>
+          <cx:pt idx="9">Leaf 10</cx:pt>
+          <cx:pt idx="10">Leaf 11</cx:pt>
+          <cx:pt idx="11">Leaf 12</cx:pt>
+          <cx:pt idx="12">Leaf 13</cx:pt>
+          <cx:pt idx="13">Leaf 14</cx:pt>
+          <cx:pt idx="14">Leaf 15</cx:pt>
+          <cx:pt idx="15"/>
+        </cx:lvl>
+        <cx:lvl ptCount="16">
+          <cx:pt idx="0">Stem 1</cx:pt>
+          <cx:pt idx="1">Stem 1</cx:pt>
+          <cx:pt idx="2">Stem 1</cx:pt>
+          <cx:pt idx="3">Stem 2</cx:pt>
+          <cx:pt idx="4">Stem 2</cx:pt>
+          <cx:pt idx="5">Leaf 6</cx:pt>
+          <cx:pt idx="6">Leaf 7</cx:pt>
+          <cx:pt idx="7">Stem 3</cx:pt>
+          <cx:pt idx="8">Leaf 9</cx:pt>
+          <cx:pt idx="9">Stem 4</cx:pt>
+          <cx:pt idx="10">Stem 4</cx:pt>
+          <cx:pt idx="11">Stem 5</cx:pt>
+          <cx:pt idx="12">Stem 5</cx:pt>
+          <cx:pt idx="13">Stem 6</cx:pt>
+          <cx:pt idx="14">Stem 6</cx:pt>
+          <cx:pt idx="15">Leaf 16</cx:pt>
+        </cx:lvl>
+        <cx:lvl ptCount="16">
+          <cx:pt idx="0">Branch 1</cx:pt>
+          <cx:pt idx="1">Branch 1</cx:pt>
+          <cx:pt idx="2">Branch 1</cx:pt>
+          <cx:pt idx="3">Branch 1</cx:pt>
+          <cx:pt idx="4">Branch 1</cx:pt>
+          <cx:pt idx="5">Branch 1</cx:pt>
+          <cx:pt idx="6">Branch 1</cx:pt>
+          <cx:pt idx="7">Branch 2</cx:pt>
+          <cx:pt idx="8">Branch 2</cx:pt>
+          <cx:pt idx="9">Branch 2</cx:pt>
+          <cx:pt idx="10">Branch 2</cx:pt>
+          <cx:pt idx="11">Branch 3</cx:pt>
+          <cx:pt idx="12">Branch 3</cx:pt>
+          <cx:pt idx="13">Branch 3</cx:pt>
+          <cx:pt idx="14">Branch 3</cx:pt>
+          <cx:pt idx="15">Branch 3</cx:pt>
+        </cx:lvl>
+      </cx:strDim>
+      <cx:numDim type="size">
+        <cx:f>Sheet1!$D$2:$D$17</cx:f>
+        <cx:lvl ptCount="16" formatCode="General">
+          <cx:pt idx="0">22</cx:pt>
+          <cx:pt idx="1">12</cx:pt>
+          <cx:pt idx="2">18</cx:pt>
+          <cx:pt idx="3">87</cx:pt>
+          <cx:pt idx="4">88</cx:pt>
+          <cx:pt idx="5">17</cx:pt>
+          <cx:pt idx="6">14</cx:pt>
+          <cx:pt idx="7">25</cx:pt>
+          <cx:pt idx="8">16</cx:pt>
+          <cx:pt idx="9">24</cx:pt>
+          <cx:pt idx="10">89</cx:pt>
+          <cx:pt idx="11">16</cx:pt>
+          <cx:pt idx="12">19</cx:pt>
+          <cx:pt idx="13">86</cx:pt>
+          <cx:pt idx="14">23</cx:pt>
+          <cx:pt idx="15">21</cx:pt>
+        </cx:lvl>
+      </cx:numDim>
+    </cx:data>
+  </cx:chartData>
+  <cx:chart>
+    <cx:title pos="t" align="ctr" overlay="0"/>
+    <cx:plotArea>
+      <cx:plotAreaRegion>
+        <cx:series layoutId="sunburst" uniqueId="{DC7CFCF9-7296-4D11-A230-6438F45DFFB2}">
+          <cx:tx>
+            <cx:txData>
+              <cx:f>Sheet1!$D$1</cx:f>
+              <cx:v>Series1</cx:v>
+            </cx:txData>
+          </cx:tx>
+          <cx:dataLabels pos="ctr">
+            <cx:visibility seriesName="0" categoryName="1" value="0"/>
+          </cx:dataLabels>
+          <cx:dataId val="0"/>
+        </cx:series>
+      </cx:plotAreaRegion>
+    </cx:plotArea>
+  </cx:chart>
+</cx:chartSpace>
+</file>
+
 <file path=ppt/charts/colors1.xml><?xml version="1.0" encoding="utf-8"?>
+<cs:colorStyle xmlns:cs="http://schemas.microsoft.com/office/drawing/2012/chartStyle" xmlns:a="http://schemas.openxmlformats.org/drawingml/2006/main" meth="cycle" id="10">
+  <a:schemeClr val="accent1"/>
+  <a:schemeClr val="accent2"/>
+  <a:schemeClr val="accent3"/>
+  <a:schemeClr val="accent4"/>
+  <a:schemeClr val="accent5"/>
+  <a:schemeClr val="accent6"/>
+  <cs:variation/>
+  <cs:variation>
+    <a:lumMod val="60000"/>
+  </cs:variation>
+  <cs:variation>
+    <a:lumMod val="80000"/>
+    <a:lumOff val="20000"/>
+  </cs:variation>
+  <cs:variation>
+    <a:lumMod val="80000"/>
+  </cs:variation>
+  <cs:variation>
+    <a:lumMod val="60000"/>
+    <a:lumOff val="40000"/>
+  </cs:variation>
+  <cs:variation>
+    <a:lumMod val="50000"/>
+  </cs:variation>
+  <cs:variation>
+    <a:lumMod val="70000"/>
+    <a:lumOff val="30000"/>
+  </cs:variation>
+  <cs:variation>
+    <a:lumMod val="70000"/>
+  </cs:variation>
+  <cs:variation>
+    <a:lumMod val="50000"/>
+    <a:lumOff val="50000"/>
+  </cs:variation>
+</cs:colorStyle>
+</file>
+
+<file path=ppt/charts/colors2.xml><?xml version="1.0" encoding="utf-8"?>
+<cs:colorStyle xmlns:cs="http://schemas.microsoft.com/office/drawing/2012/chartStyle" xmlns:a="http://schemas.openxmlformats.org/drawingml/2006/main" meth="cycle" id="10">
+  <a:schemeClr val="accent1"/>
+  <a:schemeClr val="accent2"/>
+  <a:schemeClr val="accent3"/>
+  <a:schemeClr val="accent4"/>
+  <a:schemeClr val="accent5"/>
+  <a:schemeClr val="accent6"/>
+  <cs:variation/>
+  <cs:variation>
+    <a:lumMod val="60000"/>
+  </cs:variation>
+  <cs:variation>
+    <a:lumMod val="80000"/>
+    <a:lumOff val="20000"/>
+  </cs:variation>
+  <cs:variation>
+    <a:lumMod val="80000"/>
+  </cs:variation>
+  <cs:variation>
+    <a:lumMod val="60000"/>
+    <a:lumOff val="40000"/>
+  </cs:variation>
+  <cs:variation>
+    <a:lumMod val="50000"/>
+  </cs:variation>
+  <cs:variation>
+    <a:lumMod val="70000"/>
+    <a:lumOff val="30000"/>
+  </cs:variation>
+  <cs:variation>
+    <a:lumMod val="70000"/>
+  </cs:variation>
+  <cs:variation>
+    <a:lumMod val="50000"/>
+    <a:lumOff val="50000"/>
+  </cs:variation>
+</cs:colorStyle>
+</file>
+
+<file path=ppt/charts/colors3.xml><?xml version="1.0" encoding="utf-8"?>
 <cs:colorStyle xmlns:cs="http://schemas.microsoft.com/office/drawing/2012/chartStyle" xmlns:a="http://schemas.openxmlformats.org/drawingml/2006/main" meth="cycle" id="10">
   <a:schemeClr val="accent1"/>
   <a:schemeClr val="accent2"/>
@@ -2091,6 +2559,1024 @@
         <a:noFill/>
       </a:ln>
     </cs:spPr>
+  </cs:wall>
+</cs:chartStyle>
+</file>
+
+<file path=ppt/charts/style2.xml><?xml version="1.0" encoding="utf-8"?>
+<cs:chartStyle xmlns:cs="http://schemas.microsoft.com/office/drawing/2012/chartStyle" xmlns:a="http://schemas.openxmlformats.org/drawingml/2006/main" id="419">
+  <cs:axisTitle>
+    <cs:lnRef idx="0"/>
+    <cs:fillRef idx="0"/>
+    <cs:effectRef idx="0"/>
+    <cs:fontRef idx="minor">
+      <a:schemeClr val="tx1">
+        <a:lumMod val="65000"/>
+        <a:lumOff val="35000"/>
+      </a:schemeClr>
+    </cs:fontRef>
+    <cs:defRPr sz="1197"/>
+  </cs:axisTitle>
+  <cs:categoryAxis>
+    <cs:lnRef idx="0"/>
+    <cs:fillRef idx="0"/>
+    <cs:effectRef idx="0"/>
+    <cs:fontRef idx="minor">
+      <a:schemeClr val="tx1">
+        <a:lumMod val="65000"/>
+        <a:lumOff val="35000"/>
+      </a:schemeClr>
+    </cs:fontRef>
+    <cs:spPr>
+      <a:ln w="9525" cap="flat" cmpd="sng" algn="ctr">
+        <a:solidFill>
+          <a:schemeClr val="tx1">
+            <a:lumMod val="15000"/>
+            <a:lumOff val="85000"/>
+          </a:schemeClr>
+        </a:solidFill>
+        <a:round/>
+      </a:ln>
+    </cs:spPr>
+    <cs:defRPr sz="1197"/>
+  </cs:categoryAxis>
+  <cs:chartArea mods="allowNoFillOverride allowNoLineOverride">
+    <cs:lnRef idx="0"/>
+    <cs:fillRef idx="0"/>
+    <cs:effectRef idx="0"/>
+    <cs:fontRef idx="minor">
+      <a:schemeClr val="tx1"/>
+    </cs:fontRef>
+    <cs:spPr>
+      <a:solidFill>
+        <a:schemeClr val="bg1"/>
+      </a:solidFill>
+      <a:ln w="9525" cap="flat" cmpd="sng" algn="ctr">
+        <a:solidFill>
+          <a:schemeClr val="tx1">
+            <a:lumMod val="15000"/>
+            <a:lumOff val="85000"/>
+          </a:schemeClr>
+        </a:solidFill>
+        <a:round/>
+      </a:ln>
+    </cs:spPr>
+    <cs:defRPr sz="1330"/>
+  </cs:chartArea>
+  <cs:dataLabel>
+    <cs:lnRef idx="0"/>
+    <cs:fillRef idx="0"/>
+    <cs:effectRef idx="0"/>
+    <cs:fontRef idx="minor">
+      <a:schemeClr val="tx1">
+        <a:lumMod val="65000"/>
+        <a:lumOff val="35000"/>
+      </a:schemeClr>
+    </cs:fontRef>
+    <cs:defRPr sz="1197"/>
+  </cs:dataLabel>
+  <cs:dataLabelCallout>
+    <cs:lnRef idx="0"/>
+    <cs:fillRef idx="0"/>
+    <cs:effectRef idx="0"/>
+    <cs:fontRef idx="minor">
+      <a:schemeClr val="dk1">
+        <a:lumMod val="65000"/>
+        <a:lumOff val="35000"/>
+      </a:schemeClr>
+    </cs:fontRef>
+    <cs:spPr>
+      <a:solidFill>
+        <a:schemeClr val="lt1"/>
+      </a:solidFill>
+      <a:ln>
+        <a:solidFill>
+          <a:schemeClr val="dk1">
+            <a:lumMod val="25000"/>
+            <a:lumOff val="75000"/>
+          </a:schemeClr>
+        </a:solidFill>
+      </a:ln>
+    </cs:spPr>
+    <cs:defRPr sz="1197"/>
+    <cs:bodyPr rot="0" spcFirstLastPara="1" vertOverflow="clip" horzOverflow="clip" vert="horz" wrap="square" lIns="36576" tIns="18288" rIns="36576" bIns="18288" anchor="ctr" anchorCtr="1">
+      <a:spAutoFit/>
+    </cs:bodyPr>
+  </cs:dataLabelCallout>
+  <cs:dataPoint>
+    <cs:lnRef idx="0"/>
+    <cs:fillRef idx="0">
+      <cs:styleClr val="auto"/>
+    </cs:fillRef>
+    <cs:effectRef idx="0"/>
+    <cs:fontRef idx="minor">
+      <a:schemeClr val="tx1"/>
+    </cs:fontRef>
+    <cs:spPr>
+      <a:solidFill>
+        <a:schemeClr val="phClr"/>
+      </a:solidFill>
+    </cs:spPr>
+  </cs:dataPoint>
+  <cs:dataPoint3D>
+    <cs:lnRef idx="0"/>
+    <cs:fillRef idx="0">
+      <cs:styleClr val="auto"/>
+    </cs:fillRef>
+    <cs:effectRef idx="0"/>
+    <cs:fontRef idx="minor">
+      <a:schemeClr val="tx1"/>
+    </cs:fontRef>
+    <cs:spPr>
+      <a:solidFill>
+        <a:schemeClr val="phClr"/>
+      </a:solidFill>
+    </cs:spPr>
+  </cs:dataPoint3D>
+  <cs:dataPointLine>
+    <cs:lnRef idx="0">
+      <cs:styleClr val="auto"/>
+    </cs:lnRef>
+    <cs:fillRef idx="0"/>
+    <cs:effectRef idx="0"/>
+    <cs:fontRef idx="minor">
+      <a:schemeClr val="tx1"/>
+    </cs:fontRef>
+    <cs:spPr>
+      <a:ln w="28575" cap="rnd">
+        <a:solidFill>
+          <a:schemeClr val="phClr"/>
+        </a:solidFill>
+        <a:round/>
+      </a:ln>
+    </cs:spPr>
+  </cs:dataPointLine>
+  <cs:dataPointMarker>
+    <cs:lnRef idx="0"/>
+    <cs:fillRef idx="0">
+      <cs:styleClr val="auto"/>
+    </cs:fillRef>
+    <cs:effectRef idx="0"/>
+    <cs:fontRef idx="minor">
+      <a:schemeClr val="tx1"/>
+    </cs:fontRef>
+    <cs:spPr>
+      <a:solidFill>
+        <a:schemeClr val="phClr"/>
+      </a:solidFill>
+      <a:ln w="9525">
+        <a:solidFill>
+          <a:schemeClr val="lt1"/>
+        </a:solidFill>
+      </a:ln>
+    </cs:spPr>
+  </cs:dataPointMarker>
+  <cs:dataPointMarkerLayout symbol="circle" size="5"/>
+  <cs:dataPointWireframe>
+    <cs:lnRef idx="0">
+      <cs:styleClr val="auto"/>
+    </cs:lnRef>
+    <cs:fillRef idx="0"/>
+    <cs:effectRef idx="0"/>
+    <cs:fontRef idx="minor">
+      <a:schemeClr val="tx1"/>
+    </cs:fontRef>
+    <cs:spPr>
+      <a:ln w="28575" cap="rnd">
+        <a:solidFill>
+          <a:schemeClr val="phClr"/>
+        </a:solidFill>
+        <a:round/>
+      </a:ln>
+    </cs:spPr>
+  </cs:dataPointWireframe>
+  <cs:dataTable>
+    <cs:lnRef idx="0"/>
+    <cs:fillRef idx="0"/>
+    <cs:effectRef idx="0"/>
+    <cs:fontRef idx="minor">
+      <a:schemeClr val="tx1">
+        <a:lumMod val="65000"/>
+        <a:lumOff val="35000"/>
+      </a:schemeClr>
+    </cs:fontRef>
+    <cs:spPr>
+      <a:ln w="9525">
+        <a:solidFill>
+          <a:schemeClr val="tx1">
+            <a:lumMod val="15000"/>
+            <a:lumOff val="85000"/>
+          </a:schemeClr>
+        </a:solidFill>
+      </a:ln>
+    </cs:spPr>
+    <cs:defRPr sz="1197"/>
+  </cs:dataTable>
+  <cs:downBar>
+    <cs:lnRef idx="0"/>
+    <cs:fillRef idx="0"/>
+    <cs:effectRef idx="0"/>
+    <cs:fontRef idx="minor">
+      <a:schemeClr val="dk1"/>
+    </cs:fontRef>
+    <cs:spPr>
+      <a:solidFill>
+        <a:schemeClr val="dk1">
+          <a:lumMod val="65000"/>
+          <a:lumOff val="35000"/>
+        </a:schemeClr>
+      </a:solidFill>
+      <a:ln w="9525">
+        <a:solidFill>
+          <a:schemeClr val="tx1">
+            <a:lumMod val="65000"/>
+            <a:lumOff val="35000"/>
+          </a:schemeClr>
+        </a:solidFill>
+      </a:ln>
+    </cs:spPr>
+  </cs:downBar>
+  <cs:dropLine>
+    <cs:lnRef idx="0"/>
+    <cs:fillRef idx="0"/>
+    <cs:effectRef idx="0"/>
+    <cs:fontRef idx="minor">
+      <a:schemeClr val="tx1"/>
+    </cs:fontRef>
+    <cs:spPr>
+      <a:ln w="9525" cap="flat" cmpd="sng" algn="ctr">
+        <a:solidFill>
+          <a:schemeClr val="tx1">
+            <a:lumMod val="35000"/>
+            <a:lumOff val="65000"/>
+          </a:schemeClr>
+        </a:solidFill>
+        <a:round/>
+      </a:ln>
+    </cs:spPr>
+  </cs:dropLine>
+  <cs:errorBar>
+    <cs:lnRef idx="0"/>
+    <cs:fillRef idx="0"/>
+    <cs:effectRef idx="0"/>
+    <cs:fontRef idx="minor">
+      <a:schemeClr val="tx1"/>
+    </cs:fontRef>
+    <cs:spPr>
+      <a:ln w="9525" cap="flat" cmpd="sng" algn="ctr">
+        <a:solidFill>
+          <a:schemeClr val="tx1">
+            <a:lumMod val="65000"/>
+            <a:lumOff val="35000"/>
+          </a:schemeClr>
+        </a:solidFill>
+        <a:round/>
+      </a:ln>
+    </cs:spPr>
+  </cs:errorBar>
+  <cs:floor>
+    <cs:lnRef idx="0"/>
+    <cs:fillRef idx="0"/>
+    <cs:effectRef idx="0"/>
+    <cs:fontRef idx="minor">
+      <a:schemeClr val="tx1"/>
+    </cs:fontRef>
+  </cs:floor>
+  <cs:gridlineMajor>
+    <cs:lnRef idx="0"/>
+    <cs:fillRef idx="0"/>
+    <cs:effectRef idx="0"/>
+    <cs:fontRef idx="minor">
+      <a:schemeClr val="tx1"/>
+    </cs:fontRef>
+    <cs:spPr>
+      <a:ln w="9525" cap="flat" cmpd="sng" algn="ctr">
+        <a:solidFill>
+          <a:schemeClr val="tx1">
+            <a:lumMod val="15000"/>
+            <a:lumOff val="85000"/>
+          </a:schemeClr>
+        </a:solidFill>
+        <a:round/>
+      </a:ln>
+    </cs:spPr>
+  </cs:gridlineMajor>
+  <cs:gridlineMinor>
+    <cs:lnRef idx="0"/>
+    <cs:fillRef idx="0"/>
+    <cs:effectRef idx="0"/>
+    <cs:fontRef idx="minor">
+      <a:schemeClr val="tx1"/>
+    </cs:fontRef>
+    <cs:spPr>
+      <a:ln w="9525" cap="flat" cmpd="sng" algn="ctr">
+        <a:solidFill>
+          <a:schemeClr val="tx1">
+            <a:lumMod val="15000"/>
+            <a:lumOff val="85000"/>
+          </a:schemeClr>
+        </a:solidFill>
+        <a:round/>
+      </a:ln>
+    </cs:spPr>
+  </cs:gridlineMinor>
+  <cs:hiLoLine>
+    <cs:lnRef idx="0"/>
+    <cs:fillRef idx="0"/>
+    <cs:effectRef idx="0"/>
+    <cs:fontRef idx="minor">
+      <a:schemeClr val="tx1"/>
+    </cs:fontRef>
+    <cs:spPr>
+      <a:ln w="9525" cap="flat" cmpd="sng" algn="ctr">
+        <a:solidFill>
+          <a:schemeClr val="tx1">
+            <a:lumMod val="75000"/>
+            <a:lumOff val="25000"/>
+          </a:schemeClr>
+        </a:solidFill>
+        <a:round/>
+      </a:ln>
+    </cs:spPr>
+  </cs:hiLoLine>
+  <cs:leaderLine>
+    <cs:lnRef idx="0"/>
+    <cs:fillRef idx="0"/>
+    <cs:effectRef idx="0"/>
+    <cs:fontRef idx="minor">
+      <a:schemeClr val="tx1"/>
+    </cs:fontRef>
+    <cs:spPr>
+      <a:ln w="9525" cap="flat" cmpd="sng" algn="ctr">
+        <a:solidFill>
+          <a:schemeClr val="tx1">
+            <a:lumMod val="35000"/>
+            <a:lumOff val="65000"/>
+          </a:schemeClr>
+        </a:solidFill>
+        <a:round/>
+      </a:ln>
+    </cs:spPr>
+  </cs:leaderLine>
+  <cs:legend>
+    <cs:lnRef idx="0"/>
+    <cs:fillRef idx="0"/>
+    <cs:effectRef idx="0"/>
+    <cs:fontRef idx="minor">
+      <a:schemeClr val="tx1">
+        <a:lumMod val="65000"/>
+        <a:lumOff val="35000"/>
+      </a:schemeClr>
+    </cs:fontRef>
+    <cs:defRPr sz="1197"/>
+  </cs:legend>
+  <cs:plotArea mods="allowNoFillOverride allowNoLineOverride">
+    <cs:lnRef idx="0"/>
+    <cs:fillRef idx="0"/>
+    <cs:effectRef idx="0"/>
+    <cs:fontRef idx="minor">
+      <a:schemeClr val="tx1"/>
+    </cs:fontRef>
+  </cs:plotArea>
+  <cs:plotArea3D mods="allowNoFillOverride allowNoLineOverride">
+    <cs:lnRef idx="0"/>
+    <cs:fillRef idx="0"/>
+    <cs:effectRef idx="0"/>
+    <cs:fontRef idx="minor">
+      <a:schemeClr val="tx1"/>
+    </cs:fontRef>
+  </cs:plotArea3D>
+  <cs:seriesAxis>
+    <cs:lnRef idx="0"/>
+    <cs:fillRef idx="0"/>
+    <cs:effectRef idx="0"/>
+    <cs:fontRef idx="minor">
+      <a:schemeClr val="tx1">
+        <a:lumMod val="65000"/>
+        <a:lumOff val="35000"/>
+      </a:schemeClr>
+    </cs:fontRef>
+    <cs:spPr>
+      <a:ln w="9525" cap="flat" cmpd="sng" algn="ctr">
+        <a:solidFill>
+          <a:schemeClr val="tx1">
+            <a:lumMod val="15000"/>
+            <a:lumOff val="85000"/>
+          </a:schemeClr>
+        </a:solidFill>
+        <a:round/>
+      </a:ln>
+    </cs:spPr>
+    <cs:defRPr sz="1197"/>
+  </cs:seriesAxis>
+  <cs:seriesLine>
+    <cs:lnRef idx="0"/>
+    <cs:fillRef idx="0"/>
+    <cs:effectRef idx="0"/>
+    <cs:fontRef idx="minor">
+      <a:schemeClr val="tx1"/>
+    </cs:fontRef>
+    <cs:spPr>
+      <a:ln w="9525" cap="flat">
+        <a:solidFill>
+          <a:srgbClr val="D9D9D9"/>
+        </a:solidFill>
+        <a:round/>
+      </a:ln>
+    </cs:spPr>
+  </cs:seriesLine>
+  <cs:title>
+    <cs:lnRef idx="0"/>
+    <cs:fillRef idx="0"/>
+    <cs:effectRef idx="0"/>
+    <cs:fontRef idx="minor">
+      <a:schemeClr val="tx1">
+        <a:lumMod val="65000"/>
+        <a:lumOff val="35000"/>
+      </a:schemeClr>
+    </cs:fontRef>
+    <cs:defRPr sz="1862"/>
+  </cs:title>
+  <cs:trendline>
+    <cs:lnRef idx="0">
+      <cs:styleClr val="auto"/>
+    </cs:lnRef>
+    <cs:fillRef idx="0"/>
+    <cs:effectRef idx="0"/>
+    <cs:fontRef idx="minor">
+      <a:schemeClr val="tx1"/>
+    </cs:fontRef>
+    <cs:spPr>
+      <a:ln w="19050" cap="rnd">
+        <a:solidFill>
+          <a:schemeClr val="phClr"/>
+        </a:solidFill>
+        <a:prstDash val="sysDash"/>
+      </a:ln>
+    </cs:spPr>
+  </cs:trendline>
+  <cs:trendlineLabel>
+    <cs:lnRef idx="0"/>
+    <cs:fillRef idx="0"/>
+    <cs:effectRef idx="0"/>
+    <cs:fontRef idx="minor">
+      <a:schemeClr val="tx1">
+        <a:lumMod val="65000"/>
+        <a:lumOff val="35000"/>
+      </a:schemeClr>
+    </cs:fontRef>
+    <cs:defRPr sz="1197"/>
+  </cs:trendlineLabel>
+  <cs:upBar>
+    <cs:lnRef idx="0"/>
+    <cs:fillRef idx="0"/>
+    <cs:effectRef idx="0"/>
+    <cs:fontRef idx="minor">
+      <a:schemeClr val="dk1"/>
+    </cs:fontRef>
+    <cs:spPr>
+      <a:solidFill>
+        <a:schemeClr val="lt1"/>
+      </a:solidFill>
+      <a:ln w="9525">
+        <a:solidFill>
+          <a:schemeClr val="tx1">
+            <a:lumMod val="15000"/>
+            <a:lumOff val="85000"/>
+          </a:schemeClr>
+        </a:solidFill>
+      </a:ln>
+    </cs:spPr>
+  </cs:upBar>
+  <cs:valueAxis>
+    <cs:lnRef idx="0"/>
+    <cs:fillRef idx="0"/>
+    <cs:effectRef idx="0"/>
+    <cs:fontRef idx="minor">
+      <a:schemeClr val="tx1">
+        <a:lumMod val="65000"/>
+        <a:lumOff val="35000"/>
+      </a:schemeClr>
+    </cs:fontRef>
+    <cs:defRPr sz="1197"/>
+  </cs:valueAxis>
+  <cs:wall>
+    <cs:lnRef idx="0"/>
+    <cs:fillRef idx="0"/>
+    <cs:effectRef idx="0"/>
+    <cs:fontRef idx="minor">
+      <a:schemeClr val="tx1"/>
+    </cs:fontRef>
+  </cs:wall>
+</cs:chartStyle>
+</file>
+
+<file path=ppt/charts/style3.xml><?xml version="1.0" encoding="utf-8"?>
+<cs:chartStyle xmlns:cs="http://schemas.microsoft.com/office/drawing/2012/chartStyle" xmlns:a="http://schemas.openxmlformats.org/drawingml/2006/main" id="381">
+  <cs:axisTitle>
+    <cs:lnRef idx="0"/>
+    <cs:fillRef idx="0"/>
+    <cs:effectRef idx="0"/>
+    <cs:fontRef idx="minor">
+      <a:schemeClr val="tx1">
+        <a:lumMod val="65000"/>
+        <a:lumOff val="35000"/>
+      </a:schemeClr>
+    </cs:fontRef>
+    <cs:defRPr sz="1197"/>
+  </cs:axisTitle>
+  <cs:categoryAxis>
+    <cs:lnRef idx="0"/>
+    <cs:fillRef idx="0"/>
+    <cs:effectRef idx="0"/>
+    <cs:fontRef idx="minor">
+      <a:schemeClr val="tx1">
+        <a:lumMod val="65000"/>
+        <a:lumOff val="35000"/>
+      </a:schemeClr>
+    </cs:fontRef>
+    <cs:spPr>
+      <a:ln w="9525" cap="flat" cmpd="sng" algn="ctr">
+        <a:solidFill>
+          <a:schemeClr val="tx1">
+            <a:lumMod val="15000"/>
+            <a:lumOff val="85000"/>
+          </a:schemeClr>
+        </a:solidFill>
+        <a:round/>
+      </a:ln>
+    </cs:spPr>
+    <cs:defRPr sz="1197"/>
+  </cs:categoryAxis>
+  <cs:chartArea mods="allowNoFillOverride allowNoLineOverride">
+    <cs:lnRef idx="0"/>
+    <cs:fillRef idx="0"/>
+    <cs:effectRef idx="0"/>
+    <cs:fontRef idx="minor">
+      <a:schemeClr val="tx1"/>
+    </cs:fontRef>
+    <cs:spPr>
+      <a:solidFill>
+        <a:schemeClr val="bg1"/>
+      </a:solidFill>
+      <a:ln w="9525" cap="flat" cmpd="sng" algn="ctr">
+        <a:solidFill>
+          <a:schemeClr val="tx1">
+            <a:lumMod val="15000"/>
+            <a:lumOff val="85000"/>
+          </a:schemeClr>
+        </a:solidFill>
+        <a:round/>
+      </a:ln>
+    </cs:spPr>
+    <cs:defRPr sz="1330"/>
+  </cs:chartArea>
+  <cs:dataLabel>
+    <cs:lnRef idx="0"/>
+    <cs:fillRef idx="0"/>
+    <cs:effectRef idx="0"/>
+    <cs:fontRef idx="minor">
+      <a:schemeClr val="lt1"/>
+    </cs:fontRef>
+    <cs:defRPr sz="1197"/>
+  </cs:dataLabel>
+  <cs:dataLabelCallout>
+    <cs:lnRef idx="0"/>
+    <cs:fillRef idx="0"/>
+    <cs:effectRef idx="0"/>
+    <cs:fontRef idx="minor">
+      <a:schemeClr val="dk1">
+        <a:lumMod val="65000"/>
+        <a:lumOff val="35000"/>
+      </a:schemeClr>
+    </cs:fontRef>
+    <cs:spPr>
+      <a:solidFill>
+        <a:schemeClr val="lt1"/>
+      </a:solidFill>
+      <a:ln>
+        <a:solidFill>
+          <a:schemeClr val="dk1">
+            <a:lumMod val="25000"/>
+            <a:lumOff val="75000"/>
+          </a:schemeClr>
+        </a:solidFill>
+      </a:ln>
+    </cs:spPr>
+    <cs:defRPr sz="1197"/>
+    <cs:bodyPr rot="0" spcFirstLastPara="1" vertOverflow="clip" horzOverflow="clip" vert="horz" wrap="square" lIns="36576" tIns="18288" rIns="36576" bIns="18288" anchor="ctr" anchorCtr="1">
+      <a:spAutoFit/>
+    </cs:bodyPr>
+  </cs:dataLabelCallout>
+  <cs:dataPoint>
+    <cs:lnRef idx="0"/>
+    <cs:fillRef idx="0">
+      <cs:styleClr val="auto"/>
+    </cs:fillRef>
+    <cs:effectRef idx="0"/>
+    <cs:fontRef idx="minor">
+      <a:schemeClr val="tx1"/>
+    </cs:fontRef>
+    <cs:spPr>
+      <a:solidFill>
+        <a:schemeClr val="phClr"/>
+      </a:solidFill>
+      <a:ln w="19050">
+        <a:solidFill>
+          <a:schemeClr val="lt1"/>
+        </a:solidFill>
+      </a:ln>
+    </cs:spPr>
+  </cs:dataPoint>
+  <cs:dataPoint3D>
+    <cs:lnRef idx="0"/>
+    <cs:fillRef idx="0">
+      <cs:styleClr val="auto"/>
+    </cs:fillRef>
+    <cs:effectRef idx="0"/>
+    <cs:fontRef idx="minor">
+      <a:schemeClr val="tx1"/>
+    </cs:fontRef>
+    <cs:spPr>
+      <a:solidFill>
+        <a:schemeClr val="phClr"/>
+      </a:solidFill>
+    </cs:spPr>
+  </cs:dataPoint3D>
+  <cs:dataPointLine>
+    <cs:lnRef idx="0">
+      <cs:styleClr val="auto"/>
+    </cs:lnRef>
+    <cs:fillRef idx="0"/>
+    <cs:effectRef idx="0"/>
+    <cs:fontRef idx="minor">
+      <a:schemeClr val="tx1"/>
+    </cs:fontRef>
+    <cs:spPr>
+      <a:ln w="28575" cap="rnd">
+        <a:solidFill>
+          <a:schemeClr val="phClr"/>
+        </a:solidFill>
+        <a:round/>
+      </a:ln>
+    </cs:spPr>
+  </cs:dataPointLine>
+  <cs:dataPointMarker>
+    <cs:lnRef idx="0"/>
+    <cs:fillRef idx="0">
+      <cs:styleClr val="auto"/>
+    </cs:fillRef>
+    <cs:effectRef idx="0"/>
+    <cs:fontRef idx="minor">
+      <a:schemeClr val="tx1"/>
+    </cs:fontRef>
+    <cs:spPr>
+      <a:solidFill>
+        <a:schemeClr val="phClr"/>
+      </a:solidFill>
+      <a:ln w="9525">
+        <a:solidFill>
+          <a:schemeClr val="lt1"/>
+        </a:solidFill>
+      </a:ln>
+    </cs:spPr>
+  </cs:dataPointMarker>
+  <cs:dataPointMarkerLayout symbol="circle" size="5"/>
+  <cs:dataPointWireframe>
+    <cs:lnRef idx="0">
+      <cs:styleClr val="auto"/>
+    </cs:lnRef>
+    <cs:fillRef idx="0"/>
+    <cs:effectRef idx="0"/>
+    <cs:fontRef idx="minor">
+      <a:schemeClr val="tx1"/>
+    </cs:fontRef>
+    <cs:spPr>
+      <a:ln w="28575" cap="rnd">
+        <a:solidFill>
+          <a:schemeClr val="phClr"/>
+        </a:solidFill>
+        <a:round/>
+      </a:ln>
+    </cs:spPr>
+  </cs:dataPointWireframe>
+  <cs:dataTable>
+    <cs:lnRef idx="0"/>
+    <cs:fillRef idx="0"/>
+    <cs:effectRef idx="0"/>
+    <cs:fontRef idx="minor">
+      <a:schemeClr val="tx1">
+        <a:lumMod val="65000"/>
+        <a:lumOff val="35000"/>
+      </a:schemeClr>
+    </cs:fontRef>
+    <cs:spPr>
+      <a:ln w="9525">
+        <a:solidFill>
+          <a:schemeClr val="tx1">
+            <a:lumMod val="15000"/>
+            <a:lumOff val="85000"/>
+          </a:schemeClr>
+        </a:solidFill>
+      </a:ln>
+    </cs:spPr>
+    <cs:defRPr sz="1197"/>
+  </cs:dataTable>
+  <cs:downBar>
+    <cs:lnRef idx="0"/>
+    <cs:fillRef idx="0"/>
+    <cs:effectRef idx="0"/>
+    <cs:fontRef idx="minor">
+      <a:schemeClr val="dk1"/>
+    </cs:fontRef>
+    <cs:spPr>
+      <a:solidFill>
+        <a:schemeClr val="dk1">
+          <a:lumMod val="65000"/>
+          <a:lumOff val="35000"/>
+        </a:schemeClr>
+      </a:solidFill>
+      <a:ln w="9525">
+        <a:solidFill>
+          <a:schemeClr val="tx1">
+            <a:lumMod val="65000"/>
+            <a:lumOff val="35000"/>
+          </a:schemeClr>
+        </a:solidFill>
+      </a:ln>
+    </cs:spPr>
+  </cs:downBar>
+  <cs:dropLine>
+    <cs:lnRef idx="0"/>
+    <cs:fillRef idx="0"/>
+    <cs:effectRef idx="0"/>
+    <cs:fontRef idx="minor">
+      <a:schemeClr val="tx1"/>
+    </cs:fontRef>
+    <cs:spPr>
+      <a:ln w="9525" cap="flat" cmpd="sng" algn="ctr">
+        <a:solidFill>
+          <a:schemeClr val="tx1">
+            <a:lumMod val="35000"/>
+            <a:lumOff val="65000"/>
+          </a:schemeClr>
+        </a:solidFill>
+        <a:round/>
+      </a:ln>
+    </cs:spPr>
+  </cs:dropLine>
+  <cs:errorBar>
+    <cs:lnRef idx="0"/>
+    <cs:fillRef idx="0"/>
+    <cs:effectRef idx="0"/>
+    <cs:fontRef idx="minor">
+      <a:schemeClr val="tx1"/>
+    </cs:fontRef>
+    <cs:spPr>
+      <a:ln w="9525" cap="flat" cmpd="sng" algn="ctr">
+        <a:solidFill>
+          <a:schemeClr val="tx1">
+            <a:lumMod val="65000"/>
+            <a:lumOff val="35000"/>
+          </a:schemeClr>
+        </a:solidFill>
+        <a:round/>
+      </a:ln>
+    </cs:spPr>
+  </cs:errorBar>
+  <cs:floor>
+    <cs:lnRef idx="0"/>
+    <cs:fillRef idx="0"/>
+    <cs:effectRef idx="0"/>
+    <cs:fontRef idx="minor">
+      <a:schemeClr val="tx1"/>
+    </cs:fontRef>
+  </cs:floor>
+  <cs:gridlineMajor>
+    <cs:lnRef idx="0"/>
+    <cs:fillRef idx="0"/>
+    <cs:effectRef idx="0"/>
+    <cs:fontRef idx="minor">
+      <a:schemeClr val="tx1"/>
+    </cs:fontRef>
+    <cs:spPr>
+      <a:ln w="9525" cap="flat" cmpd="sng" algn="ctr">
+        <a:solidFill>
+          <a:schemeClr val="tx1">
+            <a:lumMod val="15000"/>
+            <a:lumOff val="85000"/>
+          </a:schemeClr>
+        </a:solidFill>
+        <a:round/>
+      </a:ln>
+    </cs:spPr>
+  </cs:gridlineMajor>
+  <cs:gridlineMinor>
+    <cs:lnRef idx="0"/>
+    <cs:fillRef idx="0"/>
+    <cs:effectRef idx="0"/>
+    <cs:fontRef idx="minor">
+      <a:schemeClr val="tx1"/>
+    </cs:fontRef>
+    <cs:spPr>
+      <a:ln w="9525" cap="flat" cmpd="sng" algn="ctr">
+        <a:solidFill>
+          <a:schemeClr val="tx1">
+            <a:lumMod val="15000"/>
+            <a:lumOff val="85000"/>
+          </a:schemeClr>
+        </a:solidFill>
+        <a:round/>
+      </a:ln>
+    </cs:spPr>
+  </cs:gridlineMinor>
+  <cs:hiLoLine>
+    <cs:lnRef idx="0"/>
+    <cs:fillRef idx="0"/>
+    <cs:effectRef idx="0"/>
+    <cs:fontRef idx="minor">
+      <a:schemeClr val="tx1"/>
+    </cs:fontRef>
+    <cs:spPr>
+      <a:ln w="9525" cap="flat" cmpd="sng" algn="ctr">
+        <a:solidFill>
+          <a:schemeClr val="tx1">
+            <a:lumMod val="75000"/>
+            <a:lumOff val="25000"/>
+          </a:schemeClr>
+        </a:solidFill>
+        <a:round/>
+      </a:ln>
+    </cs:spPr>
+  </cs:hiLoLine>
+  <cs:leaderLine>
+    <cs:lnRef idx="0"/>
+    <cs:fillRef idx="0"/>
+    <cs:effectRef idx="0"/>
+    <cs:fontRef idx="minor">
+      <a:schemeClr val="tx1"/>
+    </cs:fontRef>
+    <cs:spPr>
+      <a:ln w="9525" cap="flat" cmpd="sng" algn="ctr">
+        <a:solidFill>
+          <a:schemeClr val="tx1">
+            <a:lumMod val="35000"/>
+            <a:lumOff val="65000"/>
+          </a:schemeClr>
+        </a:solidFill>
+        <a:round/>
+      </a:ln>
+    </cs:spPr>
+  </cs:leaderLine>
+  <cs:legend>
+    <cs:lnRef idx="0"/>
+    <cs:fillRef idx="0"/>
+    <cs:effectRef idx="0"/>
+    <cs:fontRef idx="minor">
+      <a:schemeClr val="tx1">
+        <a:lumMod val="65000"/>
+        <a:lumOff val="35000"/>
+      </a:schemeClr>
+    </cs:fontRef>
+    <cs:defRPr sz="1197"/>
+  </cs:legend>
+  <cs:plotArea mods="allowNoFillOverride allowNoLineOverride">
+    <cs:lnRef idx="0"/>
+    <cs:fillRef idx="0"/>
+    <cs:effectRef idx="0"/>
+    <cs:fontRef idx="minor">
+      <a:schemeClr val="tx1"/>
+    </cs:fontRef>
+  </cs:plotArea>
+  <cs:plotArea3D mods="allowNoFillOverride allowNoLineOverride">
+    <cs:lnRef idx="0"/>
+    <cs:fillRef idx="0"/>
+    <cs:effectRef idx="0"/>
+    <cs:fontRef idx="minor">
+      <a:schemeClr val="tx1"/>
+    </cs:fontRef>
+  </cs:plotArea3D>
+  <cs:seriesAxis>
+    <cs:lnRef idx="0"/>
+    <cs:fillRef idx="0"/>
+    <cs:effectRef idx="0"/>
+    <cs:fontRef idx="minor">
+      <a:schemeClr val="tx1">
+        <a:lumMod val="65000"/>
+        <a:lumOff val="35000"/>
+      </a:schemeClr>
+    </cs:fontRef>
+    <cs:spPr>
+      <a:ln w="9525" cap="flat" cmpd="sng" algn="ctr">
+        <a:solidFill>
+          <a:schemeClr val="tx1">
+            <a:lumMod val="15000"/>
+            <a:lumOff val="85000"/>
+          </a:schemeClr>
+        </a:solidFill>
+        <a:round/>
+      </a:ln>
+    </cs:spPr>
+    <cs:defRPr sz="1197"/>
+  </cs:seriesAxis>
+  <cs:seriesLine>
+    <cs:lnRef idx="0"/>
+    <cs:fillRef idx="0"/>
+    <cs:effectRef idx="0"/>
+    <cs:fontRef idx="minor">
+      <a:schemeClr val="tx1"/>
+    </cs:fontRef>
+    <cs:spPr>
+      <a:ln w="9525" cap="flat">
+        <a:solidFill>
+          <a:srgbClr val="D9D9D9"/>
+        </a:solidFill>
+        <a:round/>
+      </a:ln>
+    </cs:spPr>
+  </cs:seriesLine>
+  <cs:title>
+    <cs:lnRef idx="0"/>
+    <cs:fillRef idx="0"/>
+    <cs:effectRef idx="0"/>
+    <cs:fontRef idx="minor">
+      <a:schemeClr val="tx1">
+        <a:lumMod val="65000"/>
+        <a:lumOff val="35000"/>
+      </a:schemeClr>
+    </cs:fontRef>
+    <cs:defRPr sz="1862"/>
+  </cs:title>
+  <cs:trendline>
+    <cs:lnRef idx="0">
+      <cs:styleClr val="auto"/>
+    </cs:lnRef>
+    <cs:fillRef idx="0"/>
+    <cs:effectRef idx="0"/>
+    <cs:fontRef idx="minor">
+      <a:schemeClr val="tx1"/>
+    </cs:fontRef>
+    <cs:spPr>
+      <a:ln w="19050" cap="rnd">
+        <a:solidFill>
+          <a:schemeClr val="phClr"/>
+        </a:solidFill>
+        <a:prstDash val="sysDash"/>
+      </a:ln>
+    </cs:spPr>
+  </cs:trendline>
+  <cs:trendlineLabel>
+    <cs:lnRef idx="0"/>
+    <cs:fillRef idx="0"/>
+    <cs:effectRef idx="0"/>
+    <cs:fontRef idx="minor">
+      <a:schemeClr val="tx1">
+        <a:lumMod val="65000"/>
+        <a:lumOff val="35000"/>
+      </a:schemeClr>
+    </cs:fontRef>
+    <cs:defRPr sz="1197"/>
+  </cs:trendlineLabel>
+  <cs:upBar>
+    <cs:lnRef idx="0"/>
+    <cs:fillRef idx="0"/>
+    <cs:effectRef idx="0"/>
+    <cs:fontRef idx="minor">
+      <a:schemeClr val="dk1"/>
+    </cs:fontRef>
+    <cs:spPr>
+      <a:solidFill>
+        <a:schemeClr val="lt1"/>
+      </a:solidFill>
+      <a:ln w="9525">
+        <a:solidFill>
+          <a:schemeClr val="tx1">
+            <a:lumMod val="15000"/>
+            <a:lumOff val="85000"/>
+          </a:schemeClr>
+        </a:solidFill>
+      </a:ln>
+    </cs:spPr>
+  </cs:upBar>
+  <cs:valueAxis>
+    <cs:lnRef idx="0"/>
+    <cs:fillRef idx="0"/>
+    <cs:effectRef idx="0"/>
+    <cs:fontRef idx="minor">
+      <a:schemeClr val="tx1">
+        <a:lumMod val="65000"/>
+        <a:lumOff val="35000"/>
+      </a:schemeClr>
+    </cs:fontRef>
+    <cs:defRPr sz="1197"/>
+  </cs:valueAxis>
+  <cs:wall>
+    <cs:lnRef idx="0"/>
+    <cs:fillRef idx="0"/>
+    <cs:effectRef idx="0"/>
+    <cs:fontRef idx="minor">
+      <a:schemeClr val="tx1"/>
+    </cs:fontRef>
   </cs:wall>
 </cs:chartStyle>
 </file>
@@ -3136,7 +4622,19 @@
             <a:rPr lang="en-US" sz="1800" dirty="0">
               <a:latin typeface="+mn-lt"/>
             </a:rPr>
-            <a:t>Brief text about data visualizations in Tableau.  Describe the data.</a:t>
+            <a:t>Brief text about data visualizations in Tableau.  </a:t>
+          </a:r>
+        </a:p>
+        <a:p>
+          <a:pPr>
+            <a:buFont typeface="Symbol" panose="05050102010706020507" pitchFamily="18" charset="2"/>
+            <a:buChar char=""/>
+          </a:pPr>
+          <a:r>
+            <a:rPr lang="en-US" sz="1800" dirty="0">
+              <a:latin typeface="+mn-lt"/>
+            </a:rPr>
+            <a:t>Describe the data.</a:t>
           </a:r>
         </a:p>
       </dgm:t>
@@ -4307,7 +5805,28 @@
             <a:rPr lang="en-US" sz="1800" kern="1200" dirty="0">
               <a:latin typeface="+mn-lt"/>
             </a:rPr>
-            <a:t>Brief text about data visualizations in Tableau.  Describe the data.</a:t>
+            <a:t>Brief text about data visualizations in Tableau.  </a:t>
+          </a:r>
+        </a:p>
+        <a:p>
+          <a:pPr marL="0" lvl="0" indent="0" algn="ctr" defTabSz="800100">
+            <a:lnSpc>
+              <a:spcPct val="90000"/>
+            </a:lnSpc>
+            <a:spcBef>
+              <a:spcPct val="0"/>
+            </a:spcBef>
+            <a:spcAft>
+              <a:spcPct val="35000"/>
+            </a:spcAft>
+            <a:buFont typeface="Symbol" panose="05050102010706020507" pitchFamily="18" charset="2"/>
+            <a:buNone/>
+          </a:pPr>
+          <a:r>
+            <a:rPr lang="en-US" sz="1800" kern="1200" dirty="0">
+              <a:latin typeface="+mn-lt"/>
+            </a:rPr>
+            <a:t>Describe the data.</a:t>
           </a:r>
         </a:p>
       </dsp:txBody>
@@ -6594,7 +8113,7 @@
           <a:p>
             <a:fld id="{C17F2C1D-F243-42AB-ADF2-E7CB4E04900E}" type="datetimeFigureOut">
               <a:rPr lang="en-US" smtClean="0"/>
-              <a:t>6/7/2023</a:t>
+              <a:t>6/8/2023</a:t>
             </a:fld>
             <a:endParaRPr lang="en-US"/>
           </a:p>
@@ -6771,7 +8290,7 @@
           <a:p>
             <a:fld id="{020CE34E-5667-4A32-A6BA-10C7A552BC63}" type="datetimeFigureOut">
               <a:rPr lang="en-US" smtClean="0"/>
-              <a:t>6/7/2023</a:t>
+              <a:t>6/8/2023</a:t>
             </a:fld>
             <a:endParaRPr lang="en-US"/>
           </a:p>
@@ -7439,7 +8958,7 @@
           <a:p>
             <a:fld id="{1983A999-5E0E-42CA-8400-604AE921FF7C}" type="slidenum">
               <a:rPr lang="en-US" smtClean="0"/>
-              <a:t>4</a:t>
+              <a:t>3</a:t>
             </a:fld>
             <a:endParaRPr lang="en-US"/>
           </a:p>
@@ -7523,7 +9042,7 @@
           <a:p>
             <a:fld id="{1983A999-5E0E-42CA-8400-604AE921FF7C}" type="slidenum">
               <a:rPr lang="en-US" smtClean="0"/>
-              <a:t>5</a:t>
+              <a:t>4</a:t>
             </a:fld>
             <a:endParaRPr lang="en-US"/>
           </a:p>
@@ -7607,7 +9126,7 @@
           <a:p>
             <a:fld id="{1983A999-5E0E-42CA-8400-604AE921FF7C}" type="slidenum">
               <a:rPr lang="en-US" smtClean="0"/>
-              <a:t>9</a:t>
+              <a:t>6</a:t>
             </a:fld>
             <a:endParaRPr lang="en-US"/>
           </a:p>
@@ -7691,7 +9210,7 @@
           <a:p>
             <a:fld id="{32DC0559-D619-4E56-BF6F-3712370C2150}" type="slidenum">
               <a:rPr lang="en-US" smtClean="0"/>
-              <a:t>10</a:t>
+              <a:t>8</a:t>
             </a:fld>
             <a:endParaRPr lang="en-US"/>
           </a:p>
@@ -7775,7 +9294,7 @@
           <a:p>
             <a:fld id="{1983A999-5E0E-42CA-8400-604AE921FF7C}" type="slidenum">
               <a:rPr lang="en-US" smtClean="0"/>
-              <a:t>11</a:t>
+              <a:t>9</a:t>
             </a:fld>
             <a:endParaRPr lang="en-US"/>
           </a:p>
@@ -20214,7 +21733,7 @@
         </p:nvSpPr>
         <p:spPr>
           <a:xfrm>
-            <a:off x="10906812" y="443060"/>
+            <a:off x="11128341" y="230957"/>
             <a:ext cx="768285" cy="721150"/>
           </a:xfrm>
           <a:prstGeom prst="ellipse">
@@ -20281,10 +21800,10 @@
       </p:grpSpPr>
       <p:sp>
         <p:nvSpPr>
-          <p:cNvPr id="3" name="Title 2">
-            <a:extLst>
-              <a:ext uri="{FF2B5EF4-FFF2-40B4-BE49-F238E27FC236}">
-                <a16:creationId xmlns:a16="http://schemas.microsoft.com/office/drawing/2014/main" id="{FAD72D26-24EF-4CBD-9431-A558CB7CA906}"/>
+          <p:cNvPr id="8" name="Title 7">
+            <a:extLst>
+              <a:ext uri="{FF2B5EF4-FFF2-40B4-BE49-F238E27FC236}">
+                <a16:creationId xmlns:a16="http://schemas.microsoft.com/office/drawing/2014/main" id="{168E8C7D-5B44-4DE4-699B-550A2EEB5F3B}"/>
               </a:ext>
             </a:extLst>
           </p:cNvPr>
@@ -20295,29 +21814,21 @@
             <p:ph type="title"/>
           </p:nvPr>
         </p:nvSpPr>
-        <p:spPr>
-          <a:xfrm>
-            <a:off x="550862" y="549275"/>
-            <a:ext cx="11091600" cy="1332000"/>
-          </a:xfrm>
-        </p:spPr>
+        <p:spPr/>
         <p:txBody>
           <a:bodyPr/>
           <a:lstStyle/>
           <a:p>
-            <a:r>
-              <a:rPr lang="en-US" dirty="0"/>
-              <a:t>Timeline</a:t>
-            </a:r>
+            <a:endParaRPr lang="en-US"/>
           </a:p>
         </p:txBody>
       </p:sp>
       <p:graphicFrame>
         <p:nvGraphicFramePr>
-          <p:cNvPr id="4" name="Content Placeholder 3" descr="Timeline Smart Art Placeholder ">
-            <a:extLst>
-              <a:ext uri="{FF2B5EF4-FFF2-40B4-BE49-F238E27FC236}">
-                <a16:creationId xmlns:a16="http://schemas.microsoft.com/office/drawing/2014/main" id="{93897051-DA8D-4072-A594-51769F8D52F5}"/>
+          <p:cNvPr id="13" name="Content Placeholder 12">
+            <a:extLst>
+              <a:ext uri="{FF2B5EF4-FFF2-40B4-BE49-F238E27FC236}">
+                <a16:creationId xmlns:a16="http://schemas.microsoft.com/office/drawing/2014/main" id="{7A9D9A9A-C8BE-0EA8-E990-D78A1356E95C}"/>
               </a:ext>
             </a:extLst>
           </p:cNvPr>
@@ -20328,27 +21839,27 @@
             <p:ph idx="1"/>
             <p:extLst>
               <p:ext uri="{D42A27DB-BD31-4B8C-83A1-F6EECF244321}">
-                <p14:modId xmlns:p14="http://schemas.microsoft.com/office/powerpoint/2010/main" val="3789855854"/>
+                <p14:modId xmlns:p14="http://schemas.microsoft.com/office/powerpoint/2010/main" val="1000106168"/>
               </p:ext>
             </p:extLst>
           </p:nvPr>
         </p:nvGraphicFramePr>
         <p:xfrm>
-          <a:off x="550863" y="2112963"/>
-          <a:ext cx="11090275" cy="3979862"/>
+          <a:off x="4295775" y="1749425"/>
+          <a:ext cx="7345363" cy="4343400"/>
         </p:xfrm>
         <a:graphic>
-          <a:graphicData uri="http://schemas.openxmlformats.org/drawingml/2006/diagram">
-            <dgm:relIds xmlns:dgm="http://schemas.openxmlformats.org/drawingml/2006/diagram" xmlns:r="http://schemas.openxmlformats.org/officeDocument/2006/relationships" r:dm="rId3" r:lo="rId4" r:qs="rId5" r:cs="rId6"/>
+          <a:graphicData uri="http://schemas.openxmlformats.org/drawingml/2006/chart">
+            <c:chart xmlns:c="http://schemas.openxmlformats.org/drawingml/2006/chart" xmlns:r="http://schemas.openxmlformats.org/officeDocument/2006/relationships" r:id="rId2"/>
           </a:graphicData>
         </a:graphic>
       </p:graphicFrame>
       <p:sp>
         <p:nvSpPr>
-          <p:cNvPr id="2" name="Date Placeholder 1">
-            <a:extLst>
-              <a:ext uri="{FF2B5EF4-FFF2-40B4-BE49-F238E27FC236}">
-                <a16:creationId xmlns:a16="http://schemas.microsoft.com/office/drawing/2014/main" id="{81FCAF0A-629F-4EC6-B3E6-563ED999F360}"/>
+          <p:cNvPr id="10" name="Text Placeholder 9">
+            <a:extLst>
+              <a:ext uri="{FF2B5EF4-FFF2-40B4-BE49-F238E27FC236}">
+                <a16:creationId xmlns:a16="http://schemas.microsoft.com/office/drawing/2014/main" id="{5B389D72-C7F4-C79A-31A7-91F5C89F4D16}"/>
               </a:ext>
             </a:extLst>
           </p:cNvPr>
@@ -20356,15 +21867,35 @@
             <a:spLocks noGrp="1"/>
           </p:cNvSpPr>
           <p:nvPr>
+            <p:ph type="body" sz="half" idx="2"/>
+          </p:nvPr>
+        </p:nvSpPr>
+        <p:spPr/>
+        <p:txBody>
+          <a:bodyPr/>
+          <a:lstStyle/>
+          <a:p>
+            <a:endParaRPr lang="en-US"/>
+          </a:p>
+        </p:txBody>
+      </p:sp>
+      <p:sp>
+        <p:nvSpPr>
+          <p:cNvPr id="5" name="Date Placeholder 4">
+            <a:extLst>
+              <a:ext uri="{FF2B5EF4-FFF2-40B4-BE49-F238E27FC236}">
+                <a16:creationId xmlns:a16="http://schemas.microsoft.com/office/drawing/2014/main" id="{3F6B9F8A-751F-7D09-582F-7B0F544B4766}"/>
+              </a:ext>
+            </a:extLst>
+          </p:cNvPr>
+          <p:cNvSpPr>
+            <a:spLocks noGrp="1"/>
+          </p:cNvSpPr>
+          <p:nvPr>
             <p:ph type="dt" sz="half" idx="10"/>
           </p:nvPr>
         </p:nvSpPr>
-        <p:spPr>
-          <a:xfrm>
-            <a:off x="550863" y="6507212"/>
-            <a:ext cx="2628900" cy="153888"/>
-          </a:xfrm>
-        </p:spPr>
+        <p:spPr/>
         <p:txBody>
           <a:bodyPr/>
           <a:lstStyle/>
@@ -20373,16 +21904,15 @@
               <a:rPr lang="en-US"/>
               <a:t>Tuesday, February 2, 20XX</a:t>
             </a:r>
-            <a:endParaRPr lang="en-US" dirty="0"/>
           </a:p>
         </p:txBody>
       </p:sp>
       <p:sp>
         <p:nvSpPr>
-          <p:cNvPr id="7" name="Footer Placeholder 6">
-            <a:extLst>
-              <a:ext uri="{FF2B5EF4-FFF2-40B4-BE49-F238E27FC236}">
-                <a16:creationId xmlns:a16="http://schemas.microsoft.com/office/drawing/2014/main" id="{920A7C57-D6C5-4BA0-AB3C-41D4E3436B0E}"/>
+          <p:cNvPr id="6" name="Footer Placeholder 5">
+            <a:extLst>
+              <a:ext uri="{FF2B5EF4-FFF2-40B4-BE49-F238E27FC236}">
+                <a16:creationId xmlns:a16="http://schemas.microsoft.com/office/drawing/2014/main" id="{4CC085F2-07EA-A6EF-56DE-8B7FDD71CE98}"/>
               </a:ext>
             </a:extLst>
           </p:cNvPr>
@@ -20393,12 +21923,7 @@
             <p:ph type="ftr" sz="quarter" idx="11"/>
           </p:nvPr>
         </p:nvSpPr>
-        <p:spPr>
-          <a:xfrm>
-            <a:off x="3359150" y="6507212"/>
-            <a:ext cx="6379210" cy="153888"/>
-          </a:xfrm>
-        </p:spPr>
+        <p:spPr/>
         <p:txBody>
           <a:bodyPr/>
           <a:lstStyle/>
@@ -20412,10 +21937,10 @@
       </p:sp>
       <p:sp>
         <p:nvSpPr>
-          <p:cNvPr id="6" name="Slide Number Placeholder 5">
-            <a:extLst>
-              <a:ext uri="{FF2B5EF4-FFF2-40B4-BE49-F238E27FC236}">
-                <a16:creationId xmlns:a16="http://schemas.microsoft.com/office/drawing/2014/main" id="{5E5CAC52-3FD1-464A-805A-B8F7AF04574A}"/>
+          <p:cNvPr id="7" name="Slide Number Placeholder 6">
+            <a:extLst>
+              <a:ext uri="{FF2B5EF4-FFF2-40B4-BE49-F238E27FC236}">
+                <a16:creationId xmlns:a16="http://schemas.microsoft.com/office/drawing/2014/main" id="{75700248-A8AA-8638-18BD-53A22A37E992}"/>
               </a:ext>
             </a:extLst>
           </p:cNvPr>
@@ -20426,78 +21951,23 @@
             <p:ph type="sldNum" sz="quarter" idx="12"/>
           </p:nvPr>
         </p:nvSpPr>
-        <p:spPr>
-          <a:xfrm>
-            <a:off x="9948863" y="6507212"/>
-            <a:ext cx="1692274" cy="153888"/>
-          </a:xfrm>
-        </p:spPr>
+        <p:spPr/>
         <p:txBody>
           <a:bodyPr/>
           <a:lstStyle/>
           <a:p>
             <a:fld id="{DBA1B0FB-D917-4C8C-928F-313BD683BF39}" type="slidenum">
               <a:rPr lang="en-US" smtClean="0"/>
-              <a:pPr/>
               <a:t>10</a:t>
             </a:fld>
             <a:endParaRPr lang="en-US"/>
           </a:p>
         </p:txBody>
       </p:sp>
-      <p:sp>
-        <p:nvSpPr>
-          <p:cNvPr id="5" name="Oval 4">
-            <a:extLst>
-              <a:ext uri="{FF2B5EF4-FFF2-40B4-BE49-F238E27FC236}">
-                <a16:creationId xmlns:a16="http://schemas.microsoft.com/office/drawing/2014/main" id="{9C4D63C3-2037-D163-2B36-745EDB87239C}"/>
-              </a:ext>
-            </a:extLst>
-          </p:cNvPr>
-          <p:cNvSpPr/>
-          <p:nvPr/>
-        </p:nvSpPr>
-        <p:spPr>
-          <a:xfrm>
-            <a:off x="10906812" y="443060"/>
-            <a:ext cx="768285" cy="721150"/>
-          </a:xfrm>
-          <a:prstGeom prst="ellipse">
-            <a:avLst/>
-          </a:prstGeom>
-          <a:solidFill>
-            <a:srgbClr val="FFFF00"/>
-          </a:solidFill>
-        </p:spPr>
-        <p:style>
-          <a:lnRef idx="2">
-            <a:schemeClr val="accent1">
-              <a:shade val="15000"/>
-            </a:schemeClr>
-          </a:lnRef>
-          <a:fillRef idx="1">
-            <a:schemeClr val="accent1"/>
-          </a:fillRef>
-          <a:effectRef idx="0">
-            <a:schemeClr val="accent1"/>
-          </a:effectRef>
-          <a:fontRef idx="minor">
-            <a:schemeClr val="lt1"/>
-          </a:fontRef>
-        </p:style>
-        <p:txBody>
-          <a:bodyPr rtlCol="0" anchor="ctr"/>
-          <a:lstStyle/>
-          <a:p>
-            <a:pPr algn="ctr"/>
-            <a:endParaRPr lang="en-US"/>
-          </a:p>
-        </p:txBody>
-      </p:sp>
     </p:spTree>
     <p:extLst>
       <p:ext uri="{BB962C8B-B14F-4D97-AF65-F5344CB8AC3E}">
-        <p14:creationId xmlns:p14="http://schemas.microsoft.com/office/powerpoint/2010/main" val="2624630061"/>
+        <p14:creationId xmlns:p14="http://schemas.microsoft.com/office/powerpoint/2010/main" val="3447434048"/>
       </p:ext>
     </p:extLst>
   </p:cSld>
@@ -20526,10 +21996,10 @@
       </p:grpSpPr>
       <p:sp>
         <p:nvSpPr>
-          <p:cNvPr id="11" name="Title 10">
-            <a:extLst>
-              <a:ext uri="{FF2B5EF4-FFF2-40B4-BE49-F238E27FC236}">
-                <a16:creationId xmlns:a16="http://schemas.microsoft.com/office/drawing/2014/main" id="{581E8936-2270-47FE-94A4-398CB123EF90}"/>
+          <p:cNvPr id="8" name="Title 7">
+            <a:extLst>
+              <a:ext uri="{FF2B5EF4-FFF2-40B4-BE49-F238E27FC236}">
+                <a16:creationId xmlns:a16="http://schemas.microsoft.com/office/drawing/2014/main" id="{ECA544E0-7D3D-B0A0-0C63-B78867383B79}"/>
               </a:ext>
             </a:extLst>
           </p:cNvPr>
@@ -20540,63 +22010,24 @@
             <p:ph type="title"/>
           </p:nvPr>
         </p:nvSpPr>
-        <p:spPr>
-          <a:xfrm>
-            <a:off x="550863" y="4508500"/>
-            <a:ext cx="4500562" cy="1562959"/>
-          </a:xfrm>
-        </p:spPr>
+        <p:spPr/>
         <p:txBody>
           <a:bodyPr/>
           <a:lstStyle/>
           <a:p>
             <a:r>
               <a:rPr lang="en-US" dirty="0"/>
-              <a:t>Data Cleaning</a:t>
+              <a:t>Show graphs like Tableau dashboard</a:t>
             </a:r>
           </a:p>
         </p:txBody>
       </p:sp>
-      <p:pic>
-        <p:nvPicPr>
-          <p:cNvPr id="16" name="Picture Placeholder 15" descr="Data Points Digital background">
-            <a:extLst>
-              <a:ext uri="{FF2B5EF4-FFF2-40B4-BE49-F238E27FC236}">
-                <a16:creationId xmlns:a16="http://schemas.microsoft.com/office/drawing/2014/main" id="{361E9ADB-7377-4CF1-9AE4-AEFBDEBEEEEC}"/>
-              </a:ext>
-            </a:extLst>
-          </p:cNvPr>
-          <p:cNvPicPr>
-            <a:picLocks noGrp="1" noChangeAspect="1"/>
-          </p:cNvPicPr>
-          <p:nvPr>
-            <p:ph type="pic" sz="quarter" idx="13"/>
-          </p:nvPr>
-        </p:nvPicPr>
-        <p:blipFill rotWithShape="1">
-          <a:blip r:embed="rId3" cstate="screen">
-            <a:extLst>
-              <a:ext uri="{28A0092B-C50C-407E-A947-70E740481C1C}">
-                <a14:useLocalDpi xmlns:a14="http://schemas.microsoft.com/office/drawing/2010/main" val="0"/>
-              </a:ext>
-            </a:extLst>
-          </a:blip>
-          <a:srcRect/>
-          <a:stretch/>
-        </p:blipFill>
-        <p:spPr>
-          <a:xfrm>
-            <a:off x="0" y="0"/>
-            <a:ext cx="12192000" cy="3776472"/>
-          </a:xfrm>
-        </p:spPr>
-      </p:pic>
-      <p:sp>
-        <p:nvSpPr>
-          <p:cNvPr id="13" name="Content Placeholder 12">
-            <a:extLst>
-              <a:ext uri="{FF2B5EF4-FFF2-40B4-BE49-F238E27FC236}">
-                <a16:creationId xmlns:a16="http://schemas.microsoft.com/office/drawing/2014/main" id="{C0287FEC-3826-4868-8D93-52429C6156F5}"/>
+      <p:sp>
+        <p:nvSpPr>
+          <p:cNvPr id="9" name="Text Placeholder 8">
+            <a:extLst>
+              <a:ext uri="{FF2B5EF4-FFF2-40B4-BE49-F238E27FC236}">
+                <a16:creationId xmlns:a16="http://schemas.microsoft.com/office/drawing/2014/main" id="{AC308BCE-3A7F-D144-7B44-46DA318B42DC}"/>
               </a:ext>
             </a:extLst>
           </p:cNvPr>
@@ -20604,34 +22035,86 @@
             <a:spLocks noGrp="1"/>
           </p:cNvSpPr>
           <p:nvPr>
-            <p:ph sz="quarter" idx="15"/>
-          </p:nvPr>
-        </p:nvSpPr>
-        <p:spPr>
-          <a:xfrm>
-            <a:off x="5262411" y="4508500"/>
-            <a:ext cx="6221412" cy="1563688"/>
-          </a:xfrm>
-        </p:spPr>
+            <p:ph type="body" idx="1"/>
+          </p:nvPr>
+        </p:nvSpPr>
+        <p:spPr/>
         <p:txBody>
-          <a:bodyPr>
-            <a:normAutofit lnSpcReduction="10000"/>
-          </a:bodyPr>
+          <a:bodyPr/>
           <a:lstStyle/>
           <a:p>
-            <a:r>
-              <a:rPr lang="en-US" dirty="0"/>
-              <a:t>With PowerPoint, you can create presentations and share your work with others, wherever they are. Type the text you want here to get started. You can also add images, art, and videos on this template. Save to OneDrive and access your presentations from your computer, tablet, or phone. </a:t>
-            </a:r>
+            <a:endParaRPr lang="en-US"/>
           </a:p>
         </p:txBody>
       </p:sp>
-      <p:sp>
-        <p:nvSpPr>
-          <p:cNvPr id="4" name="Date Placeholder 3">
-            <a:extLst>
-              <a:ext uri="{FF2B5EF4-FFF2-40B4-BE49-F238E27FC236}">
-                <a16:creationId xmlns:a16="http://schemas.microsoft.com/office/drawing/2014/main" id="{0C329F70-04F7-4C70-BCF8-D4371F54EF2F}"/>
+      <mc:AlternateContent xmlns:mc="http://schemas.openxmlformats.org/markup-compatibility/2006">
+        <mc:Choice xmlns:cx2="http://schemas.microsoft.com/office/drawing/2015/10/21/chartex" Requires="cx2">
+          <p:graphicFrame>
+            <p:nvGraphicFramePr>
+              <p:cNvPr id="17" name="Content Placeholder 16">
+                <a:extLst>
+                  <a:ext uri="{FF2B5EF4-FFF2-40B4-BE49-F238E27FC236}">
+                    <a16:creationId xmlns:a16="http://schemas.microsoft.com/office/drawing/2014/main" id="{8B00D182-855B-839A-B7EB-FA5F64D47543}"/>
+                  </a:ext>
+                </a:extLst>
+              </p:cNvPr>
+              <p:cNvGraphicFramePr>
+                <a:graphicFrameLocks noGrp="1"/>
+              </p:cNvGraphicFramePr>
+              <p:nvPr>
+                <p:ph sz="half" idx="2"/>
+              </p:nvPr>
+            </p:nvGraphicFramePr>
+            <p:xfrm>
+              <a:off x="558800" y="2432050"/>
+              <a:ext cx="3563938" cy="3516313"/>
+            </p:xfrm>
+            <a:graphic>
+              <a:graphicData uri="http://schemas.microsoft.com/office/drawing/2014/chartex">
+                <cx:chart xmlns:cx="http://schemas.microsoft.com/office/drawing/2014/chartex" xmlns:r="http://schemas.openxmlformats.org/officeDocument/2006/relationships" r:id="rId2"/>
+              </a:graphicData>
+            </a:graphic>
+          </p:graphicFrame>
+        </mc:Choice>
+        <mc:Fallback>
+          <p:pic>
+            <p:nvPicPr>
+              <p:cNvPr id="17" name="Content Placeholder 16">
+                <a:extLst>
+                  <a:ext uri="{FF2B5EF4-FFF2-40B4-BE49-F238E27FC236}">
+                    <a16:creationId xmlns:a16="http://schemas.microsoft.com/office/drawing/2014/main" id="{8B00D182-855B-839A-B7EB-FA5F64D47543}"/>
+                  </a:ext>
+                </a:extLst>
+              </p:cNvPr>
+              <p:cNvPicPr>
+                <a:picLocks noGrp="1" noRot="1" noChangeAspect="1" noMove="1" noResize="1" noEditPoints="1" noAdjustHandles="1" noChangeArrowheads="1" noChangeShapeType="1"/>
+              </p:cNvPicPr>
+              <p:nvPr/>
+            </p:nvPicPr>
+            <p:blipFill>
+              <a:blip r:embed="rId3"/>
+              <a:stretch>
+                <a:fillRect/>
+              </a:stretch>
+            </p:blipFill>
+            <p:spPr>
+              <a:xfrm>
+                <a:off x="558800" y="2432050"/>
+                <a:ext cx="3563938" cy="3516313"/>
+              </a:xfrm>
+              <a:prstGeom prst="rect">
+                <a:avLst/>
+              </a:prstGeom>
+            </p:spPr>
+          </p:pic>
+        </mc:Fallback>
+      </mc:AlternateContent>
+      <p:sp>
+        <p:nvSpPr>
+          <p:cNvPr id="13" name="Text Placeholder 12">
+            <a:extLst>
+              <a:ext uri="{FF2B5EF4-FFF2-40B4-BE49-F238E27FC236}">
+                <a16:creationId xmlns:a16="http://schemas.microsoft.com/office/drawing/2014/main" id="{E247C322-3629-97FD-96A0-89494F943A71}"/>
               </a:ext>
             </a:extLst>
           </p:cNvPr>
@@ -20639,15 +22122,147 @@
             <a:spLocks noGrp="1"/>
           </p:cNvSpPr>
           <p:nvPr>
+            <p:ph type="body" sz="quarter" idx="13"/>
+          </p:nvPr>
+        </p:nvSpPr>
+        <p:spPr/>
+        <p:txBody>
+          <a:bodyPr/>
+          <a:lstStyle/>
+          <a:p>
+            <a:endParaRPr lang="en-US"/>
+          </a:p>
+        </p:txBody>
+      </p:sp>
+      <p:sp>
+        <p:nvSpPr>
+          <p:cNvPr id="14" name="Content Placeholder 13">
+            <a:extLst>
+              <a:ext uri="{FF2B5EF4-FFF2-40B4-BE49-F238E27FC236}">
+                <a16:creationId xmlns:a16="http://schemas.microsoft.com/office/drawing/2014/main" id="{F90DA597-C22A-D5DC-CB1F-107AFE831515}"/>
+              </a:ext>
+            </a:extLst>
+          </p:cNvPr>
+          <p:cNvSpPr>
+            <a:spLocks noGrp="1"/>
+          </p:cNvSpPr>
+          <p:nvPr>
+            <p:ph sz="quarter" idx="14"/>
+          </p:nvPr>
+        </p:nvSpPr>
+        <p:spPr/>
+        <p:txBody>
+          <a:bodyPr/>
+          <a:lstStyle/>
+          <a:p>
+            <a:endParaRPr lang="en-US"/>
+          </a:p>
+        </p:txBody>
+      </p:sp>
+      <p:sp>
+        <p:nvSpPr>
+          <p:cNvPr id="11" name="Text Placeholder 10">
+            <a:extLst>
+              <a:ext uri="{FF2B5EF4-FFF2-40B4-BE49-F238E27FC236}">
+                <a16:creationId xmlns:a16="http://schemas.microsoft.com/office/drawing/2014/main" id="{F5D6D96F-3B43-9E45-475A-A0D8F3F42ACD}"/>
+              </a:ext>
+            </a:extLst>
+          </p:cNvPr>
+          <p:cNvSpPr>
+            <a:spLocks noGrp="1"/>
+          </p:cNvSpPr>
+          <p:nvPr>
+            <p:ph type="body" sz="quarter" idx="3"/>
+          </p:nvPr>
+        </p:nvSpPr>
+        <p:spPr/>
+        <p:txBody>
+          <a:bodyPr/>
+          <a:lstStyle/>
+          <a:p>
+            <a:endParaRPr lang="en-US"/>
+          </a:p>
+        </p:txBody>
+      </p:sp>
+      <mc:AlternateContent xmlns:mc="http://schemas.openxmlformats.org/markup-compatibility/2006">
+        <mc:Choice xmlns:cx1="http://schemas.microsoft.com/office/drawing/2015/9/8/chartex" Requires="cx1">
+          <p:graphicFrame>
+            <p:nvGraphicFramePr>
+              <p:cNvPr id="20" name="Content Placeholder 19">
+                <a:extLst>
+                  <a:ext uri="{FF2B5EF4-FFF2-40B4-BE49-F238E27FC236}">
+                    <a16:creationId xmlns:a16="http://schemas.microsoft.com/office/drawing/2014/main" id="{797FAE68-8FA9-114D-D400-24BB5B688C64}"/>
+                  </a:ext>
+                </a:extLst>
+              </p:cNvPr>
+              <p:cNvGraphicFramePr>
+                <a:graphicFrameLocks noGrp="1"/>
+              </p:cNvGraphicFramePr>
+              <p:nvPr>
+                <p:ph sz="quarter" idx="4"/>
+              </p:nvPr>
+            </p:nvGraphicFramePr>
+            <p:xfrm>
+              <a:off x="8139113" y="2427288"/>
+              <a:ext cx="3509962" cy="3516312"/>
+            </p:xfrm>
+            <a:graphic>
+              <a:graphicData uri="http://schemas.microsoft.com/office/drawing/2014/chartex">
+                <cx:chart xmlns:cx="http://schemas.microsoft.com/office/drawing/2014/chartex" xmlns:r="http://schemas.openxmlformats.org/officeDocument/2006/relationships" r:id="rId4"/>
+              </a:graphicData>
+            </a:graphic>
+          </p:graphicFrame>
+        </mc:Choice>
+        <mc:Fallback>
+          <p:pic>
+            <p:nvPicPr>
+              <p:cNvPr id="20" name="Content Placeholder 19">
+                <a:extLst>
+                  <a:ext uri="{FF2B5EF4-FFF2-40B4-BE49-F238E27FC236}">
+                    <a16:creationId xmlns:a16="http://schemas.microsoft.com/office/drawing/2014/main" id="{797FAE68-8FA9-114D-D400-24BB5B688C64}"/>
+                  </a:ext>
+                </a:extLst>
+              </p:cNvPr>
+              <p:cNvPicPr>
+                <a:picLocks noGrp="1" noRot="1" noChangeAspect="1" noMove="1" noResize="1" noEditPoints="1" noAdjustHandles="1" noChangeArrowheads="1" noChangeShapeType="1"/>
+              </p:cNvPicPr>
+              <p:nvPr/>
+            </p:nvPicPr>
+            <p:blipFill>
+              <a:blip r:embed="rId5"/>
+              <a:stretch>
+                <a:fillRect/>
+              </a:stretch>
+            </p:blipFill>
+            <p:spPr>
+              <a:xfrm>
+                <a:off x="8139113" y="2427288"/>
+                <a:ext cx="3509962" cy="3516312"/>
+              </a:xfrm>
+              <a:prstGeom prst="rect">
+                <a:avLst/>
+              </a:prstGeom>
+            </p:spPr>
+          </p:pic>
+        </mc:Fallback>
+      </mc:AlternateContent>
+      <p:sp>
+        <p:nvSpPr>
+          <p:cNvPr id="5" name="Date Placeholder 4">
+            <a:extLst>
+              <a:ext uri="{FF2B5EF4-FFF2-40B4-BE49-F238E27FC236}">
+                <a16:creationId xmlns:a16="http://schemas.microsoft.com/office/drawing/2014/main" id="{6AB23609-EF7A-F3EE-1223-E0A923767A23}"/>
+              </a:ext>
+            </a:extLst>
+          </p:cNvPr>
+          <p:cNvSpPr>
+            <a:spLocks noGrp="1"/>
+          </p:cNvSpPr>
+          <p:nvPr>
             <p:ph type="dt" sz="half" idx="10"/>
           </p:nvPr>
         </p:nvSpPr>
-        <p:spPr>
-          <a:xfrm>
-            <a:off x="550863" y="6507212"/>
-            <a:ext cx="2628900" cy="153888"/>
-          </a:xfrm>
-        </p:spPr>
+        <p:spPr/>
         <p:txBody>
           <a:bodyPr/>
           <a:lstStyle/>
@@ -20656,16 +22271,15 @@
               <a:rPr lang="en-US"/>
               <a:t>Tuesday, February 2, 20XX</a:t>
             </a:r>
-            <a:endParaRPr lang="en-US" dirty="0"/>
           </a:p>
         </p:txBody>
       </p:sp>
       <p:sp>
         <p:nvSpPr>
-          <p:cNvPr id="5" name="Footer Placeholder 4">
-            <a:extLst>
-              <a:ext uri="{FF2B5EF4-FFF2-40B4-BE49-F238E27FC236}">
-                <a16:creationId xmlns:a16="http://schemas.microsoft.com/office/drawing/2014/main" id="{06A3302E-502D-4151-81C9-5FD6AF9596D6}"/>
+          <p:cNvPr id="6" name="Footer Placeholder 5">
+            <a:extLst>
+              <a:ext uri="{FF2B5EF4-FFF2-40B4-BE49-F238E27FC236}">
+                <a16:creationId xmlns:a16="http://schemas.microsoft.com/office/drawing/2014/main" id="{FC2738BC-7034-A37F-D688-0F23F642C201}"/>
               </a:ext>
             </a:extLst>
           </p:cNvPr>
@@ -20676,12 +22290,7 @@
             <p:ph type="ftr" sz="quarter" idx="11"/>
           </p:nvPr>
         </p:nvSpPr>
-        <p:spPr>
-          <a:xfrm>
-            <a:off x="3359150" y="6507212"/>
-            <a:ext cx="6379210" cy="153888"/>
-          </a:xfrm>
-        </p:spPr>
+        <p:spPr/>
         <p:txBody>
           <a:bodyPr/>
           <a:lstStyle/>
@@ -20695,10 +22304,10 @@
       </p:sp>
       <p:sp>
         <p:nvSpPr>
-          <p:cNvPr id="6" name="Slide Number Placeholder 5">
-            <a:extLst>
-              <a:ext uri="{FF2B5EF4-FFF2-40B4-BE49-F238E27FC236}">
-                <a16:creationId xmlns:a16="http://schemas.microsoft.com/office/drawing/2014/main" id="{9ED907F8-C614-4D59-A03F-BF9CD5E35703}"/>
+          <p:cNvPr id="7" name="Slide Number Placeholder 6">
+            <a:extLst>
+              <a:ext uri="{FF2B5EF4-FFF2-40B4-BE49-F238E27FC236}">
+                <a16:creationId xmlns:a16="http://schemas.microsoft.com/office/drawing/2014/main" id="{3538ACF9-DFFE-2E38-7B52-83E7CEEBED83}"/>
               </a:ext>
             </a:extLst>
           </p:cNvPr>
@@ -20709,19 +22318,13 @@
             <p:ph type="sldNum" sz="quarter" idx="12"/>
           </p:nvPr>
         </p:nvSpPr>
-        <p:spPr>
-          <a:xfrm>
-            <a:off x="9948863" y="6507212"/>
-            <a:ext cx="1692274" cy="153888"/>
-          </a:xfrm>
-        </p:spPr>
+        <p:spPr/>
         <p:txBody>
           <a:bodyPr/>
           <a:lstStyle/>
           <a:p>
             <a:fld id="{DBA1B0FB-D917-4C8C-928F-313BD683BF39}" type="slidenum">
               <a:rPr lang="en-US" smtClean="0"/>
-              <a:pPr/>
               <a:t>11</a:t>
             </a:fld>
             <a:endParaRPr lang="en-US"/>
@@ -20731,7 +22334,7 @@
     </p:spTree>
     <p:extLst>
       <p:ext uri="{BB962C8B-B14F-4D97-AF65-F5344CB8AC3E}">
-        <p14:creationId xmlns:p14="http://schemas.microsoft.com/office/powerpoint/2010/main" val="2192275075"/>
+        <p14:creationId xmlns:p14="http://schemas.microsoft.com/office/powerpoint/2010/main" val="710247767"/>
       </p:ext>
     </p:extLst>
   </p:cSld>
@@ -23880,10 +25483,10 @@
       </p:grpSpPr>
       <p:sp>
         <p:nvSpPr>
-          <p:cNvPr id="44" name="Title 43">
-            <a:extLst>
-              <a:ext uri="{FF2B5EF4-FFF2-40B4-BE49-F238E27FC236}">
-                <a16:creationId xmlns:a16="http://schemas.microsoft.com/office/drawing/2014/main" id="{58012038-9DFA-59CA-548C-C9BE8AA827AC}"/>
+          <p:cNvPr id="2" name="Title 1">
+            <a:extLst>
+              <a:ext uri="{FF2B5EF4-FFF2-40B4-BE49-F238E27FC236}">
+                <a16:creationId xmlns:a16="http://schemas.microsoft.com/office/drawing/2014/main" id="{0046426E-F6F6-4A7C-9181-8C3090996261}"/>
               </a:ext>
             </a:extLst>
           </p:cNvPr>
@@ -23896,8 +25499,8 @@
         </p:nvSpPr>
         <p:spPr>
           <a:xfrm>
-            <a:off x="550862" y="549275"/>
-            <a:ext cx="11091600" cy="1113496"/>
+            <a:off x="550864" y="549275"/>
+            <a:ext cx="3565524" cy="1997855"/>
           </a:xfrm>
         </p:spPr>
         <p:txBody>
@@ -23906,25 +25509,83 @@
           <a:p>
             <a:r>
               <a:rPr lang="en-US" dirty="0"/>
-              <a:t>Tools and Software Used – </a:t>
+              <a:t>Agenda</a:t>
             </a:r>
-            <a:br>
+          </a:p>
+        </p:txBody>
+      </p:sp>
+      <p:sp>
+        <p:nvSpPr>
+          <p:cNvPr id="3" name="Content Placeholder 2">
+            <a:extLst>
+              <a:ext uri="{FF2B5EF4-FFF2-40B4-BE49-F238E27FC236}">
+                <a16:creationId xmlns:a16="http://schemas.microsoft.com/office/drawing/2014/main" id="{D3B60D6F-4D0F-4D33-B2A7-159C8583FF00}"/>
+              </a:ext>
+            </a:extLst>
+          </p:cNvPr>
+          <p:cNvSpPr>
+            <a:spLocks noGrp="1"/>
+          </p:cNvSpPr>
+          <p:nvPr>
+            <p:ph idx="1"/>
+          </p:nvPr>
+        </p:nvSpPr>
+        <p:spPr>
+          <a:xfrm>
+            <a:off x="550863" y="2677306"/>
+            <a:ext cx="3565525" cy="3415519"/>
+          </a:xfrm>
+        </p:spPr>
+        <p:txBody>
+          <a:bodyPr/>
+          <a:lstStyle/>
+          <a:p>
+            <a:r>
               <a:rPr lang="en-US" dirty="0"/>
-            </a:br>
+              <a:t>Introduction</a:t>
+            </a:r>
+          </a:p>
+          <a:p>
             <a:r>
-              <a:rPr lang="en-US" sz="3200" dirty="0"/>
-              <a:t>group by data cleaning, analysis, visualization and modeling</a:t>
+              <a:rPr lang="en-US" dirty="0"/>
+              <a:t>Data Cleaning</a:t>
             </a:r>
+          </a:p>
+          <a:p>
+            <a:r>
+              <a:rPr lang="en-US" dirty="0"/>
+              <a:t>Data Analysis</a:t>
+            </a:r>
+          </a:p>
+          <a:p>
+            <a:r>
+              <a:rPr lang="en-US" dirty="0"/>
+              <a:t>Modeling</a:t>
+            </a:r>
+          </a:p>
+          <a:p>
+            <a:r>
+              <a:rPr lang="en-US" dirty="0"/>
+              <a:t>Predictions</a:t>
+            </a:r>
+          </a:p>
+          <a:p>
+            <a:r>
+              <a:rPr lang="en-US" dirty="0"/>
+              <a:t>Lessons Learned</a:t>
+            </a:r>
+          </a:p>
+          <a:p>
             <a:endParaRPr lang="en-US" dirty="0"/>
           </a:p>
         </p:txBody>
       </p:sp>
       <p:pic>
         <p:nvPicPr>
-          <p:cNvPr id="47" name="Content Placeholder 46" descr="A close-up of a logo&#10;&#10;Description automatically generated with low confidence">
-            <a:extLst>
-              <a:ext uri="{FF2B5EF4-FFF2-40B4-BE49-F238E27FC236}">
-                <a16:creationId xmlns:a16="http://schemas.microsoft.com/office/drawing/2014/main" id="{642BEA0E-08AD-24B1-FD52-BB8F65C1160B}"/>
+          <p:cNvPr id="8" name="Picture Placeholder 7" descr="Digital Data">
+            <a:extLst>
+              <a:ext uri="{FF2B5EF4-FFF2-40B4-BE49-F238E27FC236}">
+                <a16:creationId xmlns:a16="http://schemas.microsoft.com/office/drawing/2014/main" id="{06D2324F-3B7B-45EF-9584-C8EADD2C8C0B}"/>
               </a:ext>
             </a:extLst>
           </p:cNvPr>
@@ -23932,28 +25593,101 @@
             <a:picLocks noGrp="1" noChangeAspect="1"/>
           </p:cNvPicPr>
           <p:nvPr>
-            <p:ph idx="1"/>
+            <p:ph type="pic" sz="quarter" idx="13"/>
           </p:nvPr>
         </p:nvPicPr>
-        <p:blipFill>
-          <a:blip r:embed="rId2"/>
-          <a:stretch>
-            <a:fillRect/>
-          </a:stretch>
+        <p:blipFill rotWithShape="1">
+          <a:blip r:embed="rId2" cstate="screen">
+            <a:extLst>
+              <a:ext uri="{28A0092B-C50C-407E-A947-70E740481C1C}">
+                <a14:useLocalDpi xmlns:a14="http://schemas.microsoft.com/office/drawing/2010/main" val="0"/>
+              </a:ext>
+            </a:extLst>
+          </a:blip>
+          <a:srcRect/>
+          <a:stretch/>
         </p:blipFill>
         <p:spPr>
           <a:xfrm>
-            <a:off x="4303536" y="1968310"/>
-            <a:ext cx="1941722" cy="1045542"/>
+            <a:off x="5208928" y="1596771"/>
+            <a:ext cx="3448558" cy="3448558"/>
           </a:xfrm>
         </p:spPr>
       </p:pic>
-      <p:sp>
-        <p:nvSpPr>
-          <p:cNvPr id="7" name="Date Placeholder 6">
-            <a:extLst>
-              <a:ext uri="{FF2B5EF4-FFF2-40B4-BE49-F238E27FC236}">
-                <a16:creationId xmlns:a16="http://schemas.microsoft.com/office/drawing/2014/main" id="{03111517-C1CE-91AE-05D3-7B39096963FA}"/>
+      <p:pic>
+        <p:nvPicPr>
+          <p:cNvPr id="10" name="Picture Placeholder 9" descr="Data Points ">
+            <a:extLst>
+              <a:ext uri="{FF2B5EF4-FFF2-40B4-BE49-F238E27FC236}">
+                <a16:creationId xmlns:a16="http://schemas.microsoft.com/office/drawing/2014/main" id="{71F862F9-0E8A-4DB9-8083-1C3AA6E5D777}"/>
+              </a:ext>
+            </a:extLst>
+          </p:cNvPr>
+          <p:cNvPicPr>
+            <a:picLocks noGrp="1" noChangeAspect="1"/>
+          </p:cNvPicPr>
+          <p:nvPr>
+            <p:ph type="pic" sz="quarter" idx="14"/>
+          </p:nvPr>
+        </p:nvPicPr>
+        <p:blipFill rotWithShape="1">
+          <a:blip r:embed="rId3" cstate="screen">
+            <a:extLst>
+              <a:ext uri="{28A0092B-C50C-407E-A947-70E740481C1C}">
+                <a14:useLocalDpi xmlns:a14="http://schemas.microsoft.com/office/drawing/2010/main" val="0"/>
+              </a:ext>
+            </a:extLst>
+          </a:blip>
+          <a:srcRect/>
+          <a:stretch/>
+        </p:blipFill>
+        <p:spPr>
+          <a:xfrm>
+            <a:off x="8918575" y="596392"/>
+            <a:ext cx="2263776" cy="2263776"/>
+          </a:xfrm>
+        </p:spPr>
+      </p:pic>
+      <p:pic>
+        <p:nvPicPr>
+          <p:cNvPr id="12" name="Picture Placeholder 11" descr="Data Background">
+            <a:extLst>
+              <a:ext uri="{FF2B5EF4-FFF2-40B4-BE49-F238E27FC236}">
+                <a16:creationId xmlns:a16="http://schemas.microsoft.com/office/drawing/2014/main" id="{A63F39B9-0715-40B5-8ECB-9B983F99C690}"/>
+              </a:ext>
+            </a:extLst>
+          </p:cNvPr>
+          <p:cNvPicPr>
+            <a:picLocks noGrp="1" noChangeAspect="1"/>
+          </p:cNvPicPr>
+          <p:nvPr>
+            <p:ph type="pic" sz="quarter" idx="15"/>
+          </p:nvPr>
+        </p:nvPicPr>
+        <p:blipFill rotWithShape="1">
+          <a:blip r:embed="rId4" cstate="screen">
+            <a:extLst>
+              <a:ext uri="{28A0092B-C50C-407E-A947-70E740481C1C}">
+                <a14:useLocalDpi xmlns:a14="http://schemas.microsoft.com/office/drawing/2010/main" val="0"/>
+              </a:ext>
+            </a:extLst>
+          </a:blip>
+          <a:srcRect/>
+          <a:stretch/>
+        </p:blipFill>
+        <p:spPr>
+          <a:xfrm>
+            <a:off x="9091612" y="3324733"/>
+            <a:ext cx="2936876" cy="2936876"/>
+          </a:xfrm>
+        </p:spPr>
+      </p:pic>
+      <p:sp>
+        <p:nvSpPr>
+          <p:cNvPr id="13" name="Date Placeholder 12">
+            <a:extLst>
+              <a:ext uri="{FF2B5EF4-FFF2-40B4-BE49-F238E27FC236}">
+                <a16:creationId xmlns:a16="http://schemas.microsoft.com/office/drawing/2014/main" id="{915FE2C5-E66A-4405-B19E-2C5C546C98E4}"/>
               </a:ext>
             </a:extLst>
           </p:cNvPr>
@@ -23964,7 +25698,12 @@
             <p:ph type="dt" sz="half" idx="10"/>
           </p:nvPr>
         </p:nvSpPr>
-        <p:spPr/>
+        <p:spPr>
+          <a:xfrm>
+            <a:off x="550863" y="6507212"/>
+            <a:ext cx="2628900" cy="153888"/>
+          </a:xfrm>
+        </p:spPr>
         <p:txBody>
           <a:bodyPr/>
           <a:lstStyle/>
@@ -23978,10 +25717,10 @@
       </p:sp>
       <p:sp>
         <p:nvSpPr>
-          <p:cNvPr id="8" name="Footer Placeholder 7">
-            <a:extLst>
-              <a:ext uri="{FF2B5EF4-FFF2-40B4-BE49-F238E27FC236}">
-                <a16:creationId xmlns:a16="http://schemas.microsoft.com/office/drawing/2014/main" id="{ED546115-FD46-7B02-1211-AA5C00FF1CFE}"/>
+          <p:cNvPr id="14" name="Footer Placeholder 13">
+            <a:extLst>
+              <a:ext uri="{FF2B5EF4-FFF2-40B4-BE49-F238E27FC236}">
+                <a16:creationId xmlns:a16="http://schemas.microsoft.com/office/drawing/2014/main" id="{B01DF4D0-78BC-4C8C-9570-26F0B225433A}"/>
               </a:ext>
             </a:extLst>
           </p:cNvPr>
@@ -23992,13 +25731,18 @@
             <p:ph type="ftr" sz="quarter" idx="11"/>
           </p:nvPr>
         </p:nvSpPr>
-        <p:spPr/>
+        <p:spPr>
+          <a:xfrm>
+            <a:off x="3359150" y="6507212"/>
+            <a:ext cx="6379210" cy="153888"/>
+          </a:xfrm>
+        </p:spPr>
         <p:txBody>
           <a:bodyPr/>
           <a:lstStyle/>
           <a:p>
             <a:r>
-              <a:rPr lang="en-US"/>
+              <a:rPr lang="en-US" dirty="0"/>
               <a:t>Sample Footer Text</a:t>
             </a:r>
           </a:p>
@@ -24006,10 +25750,10 @@
       </p:sp>
       <p:sp>
         <p:nvSpPr>
-          <p:cNvPr id="9" name="Slide Number Placeholder 8">
-            <a:extLst>
-              <a:ext uri="{FF2B5EF4-FFF2-40B4-BE49-F238E27FC236}">
-                <a16:creationId xmlns:a16="http://schemas.microsoft.com/office/drawing/2014/main" id="{30383EAC-B88A-D707-05AA-63EE802D8FBE}"/>
+          <p:cNvPr id="15" name="Slide Number Placeholder 14">
+            <a:extLst>
+              <a:ext uri="{FF2B5EF4-FFF2-40B4-BE49-F238E27FC236}">
+                <a16:creationId xmlns:a16="http://schemas.microsoft.com/office/drawing/2014/main" id="{3B199C97-F175-437D-8311-DB662925C063}"/>
               </a:ext>
             </a:extLst>
           </p:cNvPr>
@@ -24020,191 +25764,31 @@
             <p:ph type="sldNum" sz="quarter" idx="12"/>
           </p:nvPr>
         </p:nvSpPr>
-        <p:spPr/>
+        <p:spPr>
+          <a:xfrm>
+            <a:off x="9948863" y="6507212"/>
+            <a:ext cx="1692274" cy="153888"/>
+          </a:xfrm>
+        </p:spPr>
         <p:txBody>
           <a:bodyPr/>
           <a:lstStyle/>
           <a:p>
             <a:fld id="{DBA1B0FB-D917-4C8C-928F-313BD683BF39}" type="slidenum">
               <a:rPr lang="en-US" smtClean="0"/>
+              <a:pPr/>
               <a:t>2</a:t>
             </a:fld>
             <a:endParaRPr lang="en-US"/>
           </a:p>
         </p:txBody>
       </p:sp>
-      <p:pic>
-        <p:nvPicPr>
-          <p:cNvPr id="53" name="Graphic 52">
-            <a:extLst>
-              <a:ext uri="{FF2B5EF4-FFF2-40B4-BE49-F238E27FC236}">
-                <a16:creationId xmlns:a16="http://schemas.microsoft.com/office/drawing/2014/main" id="{AA1B5F70-541E-562E-579A-DDD72A43C170}"/>
-              </a:ext>
-            </a:extLst>
-          </p:cNvPr>
-          <p:cNvPicPr>
-            <a:picLocks noChangeAspect="1"/>
-          </p:cNvPicPr>
-          <p:nvPr/>
-        </p:nvPicPr>
-        <p:blipFill>
-          <a:blip r:embed="rId3">
-            <a:extLst>
-              <a:ext uri="{96DAC541-7B7A-43D3-8B79-37D633B846F1}">
-                <asvg:svgBlip xmlns:asvg="http://schemas.microsoft.com/office/drawing/2016/SVG/main" r:embed="rId4"/>
-              </a:ext>
-            </a:extLst>
-          </a:blip>
-          <a:stretch>
-            <a:fillRect/>
-          </a:stretch>
-        </p:blipFill>
-        <p:spPr>
-          <a:xfrm>
-            <a:off x="550862" y="3677204"/>
-            <a:ext cx="2755144" cy="1113496"/>
-          </a:xfrm>
-          <a:prstGeom prst="rect">
-            <a:avLst/>
-          </a:prstGeom>
-        </p:spPr>
-      </p:pic>
-      <p:pic>
-        <p:nvPicPr>
-          <p:cNvPr id="1026" name="Picture 2" descr="Matplotlib Logo PNG Vector">
-            <a:extLst>
-              <a:ext uri="{FF2B5EF4-FFF2-40B4-BE49-F238E27FC236}">
-                <a16:creationId xmlns:a16="http://schemas.microsoft.com/office/drawing/2014/main" id="{8C80EFAC-F57B-DEA5-3387-DAA4AE31498E}"/>
-              </a:ext>
-            </a:extLst>
-          </p:cNvPr>
-          <p:cNvPicPr>
-            <a:picLocks noChangeAspect="1" noChangeArrowheads="1"/>
-          </p:cNvPicPr>
-          <p:nvPr/>
-        </p:nvPicPr>
-        <p:blipFill>
-          <a:blip r:embed="rId5">
-            <a:extLst>
-              <a:ext uri="{28A0092B-C50C-407E-A947-70E740481C1C}">
-                <a14:useLocalDpi xmlns:a14="http://schemas.microsoft.com/office/drawing/2010/main" val="0"/>
-              </a:ext>
-            </a:extLst>
-          </a:blip>
-          <a:srcRect/>
-          <a:stretch>
-            <a:fillRect/>
-          </a:stretch>
-        </p:blipFill>
-        <p:spPr bwMode="auto">
-          <a:xfrm>
-            <a:off x="8366288" y="3850005"/>
-            <a:ext cx="2254315" cy="450863"/>
-          </a:xfrm>
-          <a:prstGeom prst="rect">
-            <a:avLst/>
-          </a:prstGeom>
-          <a:noFill/>
-          <a:extLst>
-            <a:ext uri="{909E8E84-426E-40DD-AFC4-6F175D3DCCD1}">
-              <a14:hiddenFill xmlns:a14="http://schemas.microsoft.com/office/drawing/2010/main">
-                <a:solidFill>
-                  <a:srgbClr val="FFFFFF"/>
-                </a:solidFill>
-              </a14:hiddenFill>
-            </a:ext>
-          </a:extLst>
-        </p:spPr>
-      </p:pic>
-      <p:pic>
-        <p:nvPicPr>
-          <p:cNvPr id="5" name="Graphic 4">
-            <a:extLst>
-              <a:ext uri="{FF2B5EF4-FFF2-40B4-BE49-F238E27FC236}">
-                <a16:creationId xmlns:a16="http://schemas.microsoft.com/office/drawing/2014/main" id="{6F596CDC-581C-99FC-72AA-F339E0AB5826}"/>
-              </a:ext>
-            </a:extLst>
-          </p:cNvPr>
-          <p:cNvPicPr>
-            <a:picLocks noChangeAspect="1"/>
-          </p:cNvPicPr>
-          <p:nvPr/>
-        </p:nvPicPr>
-        <p:blipFill>
-          <a:blip r:embed="rId6">
-            <a:extLst>
-              <a:ext uri="{96DAC541-7B7A-43D3-8B79-37D633B846F1}">
-                <asvg:svgBlip xmlns:asvg="http://schemas.microsoft.com/office/drawing/2016/SVG/main" r:embed="rId7"/>
-              </a:ext>
-            </a:extLst>
-          </a:blip>
-          <a:stretch>
-            <a:fillRect/>
-          </a:stretch>
-        </p:blipFill>
-        <p:spPr>
-          <a:xfrm>
-            <a:off x="1359619" y="2080838"/>
-            <a:ext cx="982941" cy="1099958"/>
-          </a:xfrm>
-          <a:prstGeom prst="rect">
-            <a:avLst/>
-          </a:prstGeom>
-        </p:spPr>
-      </p:pic>
-      <p:pic>
-        <p:nvPicPr>
-          <p:cNvPr id="1038" name="Picture 14">
-            <a:extLst>
-              <a:ext uri="{FF2B5EF4-FFF2-40B4-BE49-F238E27FC236}">
-                <a16:creationId xmlns:a16="http://schemas.microsoft.com/office/drawing/2014/main" id="{F98CC23E-35FD-B798-DDAD-4A84F703E1F8}"/>
-              </a:ext>
-            </a:extLst>
-          </p:cNvPr>
-          <p:cNvPicPr>
-            <a:picLocks noChangeAspect="1" noChangeArrowheads="1"/>
-          </p:cNvPicPr>
-          <p:nvPr/>
-        </p:nvPicPr>
-        <p:blipFill>
-          <a:blip r:embed="rId8">
-            <a:extLst>
-              <a:ext uri="{28A0092B-C50C-407E-A947-70E740481C1C}">
-                <a14:useLocalDpi xmlns:a14="http://schemas.microsoft.com/office/drawing/2010/main" val="0"/>
-              </a:ext>
-            </a:extLst>
-          </a:blip>
-          <a:srcRect/>
-          <a:stretch>
-            <a:fillRect/>
-          </a:stretch>
-        </p:blipFill>
-        <p:spPr bwMode="auto">
-          <a:xfrm>
-            <a:off x="7130735" y="2029739"/>
-            <a:ext cx="4403202" cy="1052067"/>
-          </a:xfrm>
-          <a:prstGeom prst="rect">
-            <a:avLst/>
-          </a:prstGeom>
-          <a:noFill/>
-          <a:extLst>
-            <a:ext uri="{909E8E84-426E-40DD-AFC4-6F175D3DCCD1}">
-              <a14:hiddenFill xmlns:a14="http://schemas.microsoft.com/office/drawing/2010/main">
-                <a:solidFill>
-                  <a:srgbClr val="FFFFFF"/>
-                </a:solidFill>
-              </a14:hiddenFill>
-            </a:ext>
-          </a:extLst>
-        </p:spPr>
-      </p:pic>
-      <p:sp>
-        <p:nvSpPr>
-          <p:cNvPr id="2" name="Oval 1">
-            <a:extLst>
-              <a:ext uri="{FF2B5EF4-FFF2-40B4-BE49-F238E27FC236}">
-                <a16:creationId xmlns:a16="http://schemas.microsoft.com/office/drawing/2014/main" id="{92359531-F2E2-76CD-62AB-232EBEB1DE18}"/>
+      <p:sp>
+        <p:nvSpPr>
+          <p:cNvPr id="4" name="Oval 3">
+            <a:extLst>
+              <a:ext uri="{FF2B5EF4-FFF2-40B4-BE49-F238E27FC236}">
+                <a16:creationId xmlns:a16="http://schemas.microsoft.com/office/drawing/2014/main" id="{53E1CA95-67F3-DC80-A822-FB3BEFDF38E8}"/>
               </a:ext>
             </a:extLst>
           </p:cNvPr>
@@ -24251,7 +25835,7 @@
     </p:spTree>
     <p:extLst>
       <p:ext uri="{BB962C8B-B14F-4D97-AF65-F5344CB8AC3E}">
-        <p14:creationId xmlns:p14="http://schemas.microsoft.com/office/powerpoint/2010/main" val="2031009587"/>
+        <p14:creationId xmlns:p14="http://schemas.microsoft.com/office/powerpoint/2010/main" val="2313234867"/>
       </p:ext>
     </p:extLst>
   </p:cSld>
@@ -24819,387 +26403,6 @@
       </p:grpSpPr>
       <p:sp>
         <p:nvSpPr>
-          <p:cNvPr id="2" name="Title 1">
-            <a:extLst>
-              <a:ext uri="{FF2B5EF4-FFF2-40B4-BE49-F238E27FC236}">
-                <a16:creationId xmlns:a16="http://schemas.microsoft.com/office/drawing/2014/main" id="{0046426E-F6F6-4A7C-9181-8C3090996261}"/>
-              </a:ext>
-            </a:extLst>
-          </p:cNvPr>
-          <p:cNvSpPr>
-            <a:spLocks noGrp="1"/>
-          </p:cNvSpPr>
-          <p:nvPr>
-            <p:ph type="title"/>
-          </p:nvPr>
-        </p:nvSpPr>
-        <p:spPr>
-          <a:xfrm>
-            <a:off x="550864" y="549275"/>
-            <a:ext cx="3565524" cy="1997855"/>
-          </a:xfrm>
-        </p:spPr>
-        <p:txBody>
-          <a:bodyPr/>
-          <a:lstStyle/>
-          <a:p>
-            <a:r>
-              <a:rPr lang="en-US" dirty="0"/>
-              <a:t>Agenda</a:t>
-            </a:r>
-          </a:p>
-        </p:txBody>
-      </p:sp>
-      <p:sp>
-        <p:nvSpPr>
-          <p:cNvPr id="3" name="Content Placeholder 2">
-            <a:extLst>
-              <a:ext uri="{FF2B5EF4-FFF2-40B4-BE49-F238E27FC236}">
-                <a16:creationId xmlns:a16="http://schemas.microsoft.com/office/drawing/2014/main" id="{D3B60D6F-4D0F-4D33-B2A7-159C8583FF00}"/>
-              </a:ext>
-            </a:extLst>
-          </p:cNvPr>
-          <p:cNvSpPr>
-            <a:spLocks noGrp="1"/>
-          </p:cNvSpPr>
-          <p:nvPr>
-            <p:ph idx="1"/>
-          </p:nvPr>
-        </p:nvSpPr>
-        <p:spPr>
-          <a:xfrm>
-            <a:off x="550863" y="2677306"/>
-            <a:ext cx="3565525" cy="3415519"/>
-          </a:xfrm>
-        </p:spPr>
-        <p:txBody>
-          <a:bodyPr/>
-          <a:lstStyle/>
-          <a:p>
-            <a:r>
-              <a:rPr lang="en-US" dirty="0"/>
-              <a:t>Introduction</a:t>
-            </a:r>
-          </a:p>
-          <a:p>
-            <a:r>
-              <a:rPr lang="en-US" dirty="0"/>
-              <a:t>Data Cleaning</a:t>
-            </a:r>
-          </a:p>
-          <a:p>
-            <a:r>
-              <a:rPr lang="en-US" dirty="0"/>
-              <a:t>Data Analysis</a:t>
-            </a:r>
-          </a:p>
-          <a:p>
-            <a:r>
-              <a:rPr lang="en-US" dirty="0"/>
-              <a:t>Modeling</a:t>
-            </a:r>
-          </a:p>
-          <a:p>
-            <a:r>
-              <a:rPr lang="en-US" dirty="0"/>
-              <a:t>Predictions</a:t>
-            </a:r>
-          </a:p>
-          <a:p>
-            <a:r>
-              <a:rPr lang="en-US" dirty="0"/>
-              <a:t>Lessons Learned</a:t>
-            </a:r>
-          </a:p>
-          <a:p>
-            <a:endParaRPr lang="en-US" dirty="0"/>
-          </a:p>
-        </p:txBody>
-      </p:sp>
-      <p:pic>
-        <p:nvPicPr>
-          <p:cNvPr id="8" name="Picture Placeholder 7" descr="Digital Data">
-            <a:extLst>
-              <a:ext uri="{FF2B5EF4-FFF2-40B4-BE49-F238E27FC236}">
-                <a16:creationId xmlns:a16="http://schemas.microsoft.com/office/drawing/2014/main" id="{06D2324F-3B7B-45EF-9584-C8EADD2C8C0B}"/>
-              </a:ext>
-            </a:extLst>
-          </p:cNvPr>
-          <p:cNvPicPr>
-            <a:picLocks noGrp="1" noChangeAspect="1"/>
-          </p:cNvPicPr>
-          <p:nvPr>
-            <p:ph type="pic" sz="quarter" idx="13"/>
-          </p:nvPr>
-        </p:nvPicPr>
-        <p:blipFill rotWithShape="1">
-          <a:blip r:embed="rId2" cstate="screen">
-            <a:extLst>
-              <a:ext uri="{28A0092B-C50C-407E-A947-70E740481C1C}">
-                <a14:useLocalDpi xmlns:a14="http://schemas.microsoft.com/office/drawing/2010/main" val="0"/>
-              </a:ext>
-            </a:extLst>
-          </a:blip>
-          <a:srcRect/>
-          <a:stretch/>
-        </p:blipFill>
-        <p:spPr>
-          <a:xfrm>
-            <a:off x="5208928" y="1596771"/>
-            <a:ext cx="3448558" cy="3448558"/>
-          </a:xfrm>
-        </p:spPr>
-      </p:pic>
-      <p:pic>
-        <p:nvPicPr>
-          <p:cNvPr id="10" name="Picture Placeholder 9" descr="Data Points ">
-            <a:extLst>
-              <a:ext uri="{FF2B5EF4-FFF2-40B4-BE49-F238E27FC236}">
-                <a16:creationId xmlns:a16="http://schemas.microsoft.com/office/drawing/2014/main" id="{71F862F9-0E8A-4DB9-8083-1C3AA6E5D777}"/>
-              </a:ext>
-            </a:extLst>
-          </p:cNvPr>
-          <p:cNvPicPr>
-            <a:picLocks noGrp="1" noChangeAspect="1"/>
-          </p:cNvPicPr>
-          <p:nvPr>
-            <p:ph type="pic" sz="quarter" idx="14"/>
-          </p:nvPr>
-        </p:nvPicPr>
-        <p:blipFill rotWithShape="1">
-          <a:blip r:embed="rId3" cstate="screen">
-            <a:extLst>
-              <a:ext uri="{28A0092B-C50C-407E-A947-70E740481C1C}">
-                <a14:useLocalDpi xmlns:a14="http://schemas.microsoft.com/office/drawing/2010/main" val="0"/>
-              </a:ext>
-            </a:extLst>
-          </a:blip>
-          <a:srcRect/>
-          <a:stretch/>
-        </p:blipFill>
-        <p:spPr>
-          <a:xfrm>
-            <a:off x="8918575" y="596392"/>
-            <a:ext cx="2263776" cy="2263776"/>
-          </a:xfrm>
-        </p:spPr>
-      </p:pic>
-      <p:pic>
-        <p:nvPicPr>
-          <p:cNvPr id="12" name="Picture Placeholder 11" descr="Data Background">
-            <a:extLst>
-              <a:ext uri="{FF2B5EF4-FFF2-40B4-BE49-F238E27FC236}">
-                <a16:creationId xmlns:a16="http://schemas.microsoft.com/office/drawing/2014/main" id="{A63F39B9-0715-40B5-8ECB-9B983F99C690}"/>
-              </a:ext>
-            </a:extLst>
-          </p:cNvPr>
-          <p:cNvPicPr>
-            <a:picLocks noGrp="1" noChangeAspect="1"/>
-          </p:cNvPicPr>
-          <p:nvPr>
-            <p:ph type="pic" sz="quarter" idx="15"/>
-          </p:nvPr>
-        </p:nvPicPr>
-        <p:blipFill rotWithShape="1">
-          <a:blip r:embed="rId4" cstate="screen">
-            <a:extLst>
-              <a:ext uri="{28A0092B-C50C-407E-A947-70E740481C1C}">
-                <a14:useLocalDpi xmlns:a14="http://schemas.microsoft.com/office/drawing/2010/main" val="0"/>
-              </a:ext>
-            </a:extLst>
-          </a:blip>
-          <a:srcRect/>
-          <a:stretch/>
-        </p:blipFill>
-        <p:spPr>
-          <a:xfrm>
-            <a:off x="9091612" y="3324733"/>
-            <a:ext cx="2936876" cy="2936876"/>
-          </a:xfrm>
-        </p:spPr>
-      </p:pic>
-      <p:sp>
-        <p:nvSpPr>
-          <p:cNvPr id="13" name="Date Placeholder 12">
-            <a:extLst>
-              <a:ext uri="{FF2B5EF4-FFF2-40B4-BE49-F238E27FC236}">
-                <a16:creationId xmlns:a16="http://schemas.microsoft.com/office/drawing/2014/main" id="{915FE2C5-E66A-4405-B19E-2C5C546C98E4}"/>
-              </a:ext>
-            </a:extLst>
-          </p:cNvPr>
-          <p:cNvSpPr>
-            <a:spLocks noGrp="1"/>
-          </p:cNvSpPr>
-          <p:nvPr>
-            <p:ph type="dt" sz="half" idx="10"/>
-          </p:nvPr>
-        </p:nvSpPr>
-        <p:spPr>
-          <a:xfrm>
-            <a:off x="550863" y="6507212"/>
-            <a:ext cx="2628900" cy="153888"/>
-          </a:xfrm>
-        </p:spPr>
-        <p:txBody>
-          <a:bodyPr/>
-          <a:lstStyle/>
-          <a:p>
-            <a:r>
-              <a:rPr lang="en-US"/>
-              <a:t>Tuesday, February 2, 20XX</a:t>
-            </a:r>
-          </a:p>
-        </p:txBody>
-      </p:sp>
-      <p:sp>
-        <p:nvSpPr>
-          <p:cNvPr id="14" name="Footer Placeholder 13">
-            <a:extLst>
-              <a:ext uri="{FF2B5EF4-FFF2-40B4-BE49-F238E27FC236}">
-                <a16:creationId xmlns:a16="http://schemas.microsoft.com/office/drawing/2014/main" id="{B01DF4D0-78BC-4C8C-9570-26F0B225433A}"/>
-              </a:ext>
-            </a:extLst>
-          </p:cNvPr>
-          <p:cNvSpPr>
-            <a:spLocks noGrp="1"/>
-          </p:cNvSpPr>
-          <p:nvPr>
-            <p:ph type="ftr" sz="quarter" idx="11"/>
-          </p:nvPr>
-        </p:nvSpPr>
-        <p:spPr>
-          <a:xfrm>
-            <a:off x="3359150" y="6507212"/>
-            <a:ext cx="6379210" cy="153888"/>
-          </a:xfrm>
-        </p:spPr>
-        <p:txBody>
-          <a:bodyPr/>
-          <a:lstStyle/>
-          <a:p>
-            <a:r>
-              <a:rPr lang="en-US" dirty="0"/>
-              <a:t>Sample Footer Text</a:t>
-            </a:r>
-          </a:p>
-        </p:txBody>
-      </p:sp>
-      <p:sp>
-        <p:nvSpPr>
-          <p:cNvPr id="15" name="Slide Number Placeholder 14">
-            <a:extLst>
-              <a:ext uri="{FF2B5EF4-FFF2-40B4-BE49-F238E27FC236}">
-                <a16:creationId xmlns:a16="http://schemas.microsoft.com/office/drawing/2014/main" id="{3B199C97-F175-437D-8311-DB662925C063}"/>
-              </a:ext>
-            </a:extLst>
-          </p:cNvPr>
-          <p:cNvSpPr>
-            <a:spLocks noGrp="1"/>
-          </p:cNvSpPr>
-          <p:nvPr>
-            <p:ph type="sldNum" sz="quarter" idx="12"/>
-          </p:nvPr>
-        </p:nvSpPr>
-        <p:spPr>
-          <a:xfrm>
-            <a:off x="9948863" y="6507212"/>
-            <a:ext cx="1692274" cy="153888"/>
-          </a:xfrm>
-        </p:spPr>
-        <p:txBody>
-          <a:bodyPr/>
-          <a:lstStyle/>
-          <a:p>
-            <a:fld id="{DBA1B0FB-D917-4C8C-928F-313BD683BF39}" type="slidenum">
-              <a:rPr lang="en-US" smtClean="0"/>
-              <a:pPr/>
-              <a:t>3</a:t>
-            </a:fld>
-            <a:endParaRPr lang="en-US"/>
-          </a:p>
-        </p:txBody>
-      </p:sp>
-      <p:sp>
-        <p:nvSpPr>
-          <p:cNvPr id="4" name="Oval 3">
-            <a:extLst>
-              <a:ext uri="{FF2B5EF4-FFF2-40B4-BE49-F238E27FC236}">
-                <a16:creationId xmlns:a16="http://schemas.microsoft.com/office/drawing/2014/main" id="{53E1CA95-67F3-DC80-A822-FB3BEFDF38E8}"/>
-              </a:ext>
-            </a:extLst>
-          </p:cNvPr>
-          <p:cNvSpPr/>
-          <p:nvPr/>
-        </p:nvSpPr>
-        <p:spPr>
-          <a:xfrm>
-            <a:off x="10906812" y="443060"/>
-            <a:ext cx="768285" cy="721150"/>
-          </a:xfrm>
-          <a:prstGeom prst="ellipse">
-            <a:avLst/>
-          </a:prstGeom>
-          <a:solidFill>
-            <a:srgbClr val="FFFF00"/>
-          </a:solidFill>
-        </p:spPr>
-        <p:style>
-          <a:lnRef idx="2">
-            <a:schemeClr val="accent1">
-              <a:shade val="15000"/>
-            </a:schemeClr>
-          </a:lnRef>
-          <a:fillRef idx="1">
-            <a:schemeClr val="accent1"/>
-          </a:fillRef>
-          <a:effectRef idx="0">
-            <a:schemeClr val="accent1"/>
-          </a:effectRef>
-          <a:fontRef idx="minor">
-            <a:schemeClr val="lt1"/>
-          </a:fontRef>
-        </p:style>
-        <p:txBody>
-          <a:bodyPr rtlCol="0" anchor="ctr"/>
-          <a:lstStyle/>
-          <a:p>
-            <a:pPr algn="ctr"/>
-            <a:endParaRPr lang="en-US"/>
-          </a:p>
-        </p:txBody>
-      </p:sp>
-    </p:spTree>
-    <p:extLst>
-      <p:ext uri="{BB962C8B-B14F-4D97-AF65-F5344CB8AC3E}">
-        <p14:creationId xmlns:p14="http://schemas.microsoft.com/office/powerpoint/2010/main" val="2313234867"/>
-      </p:ext>
-    </p:extLst>
-  </p:cSld>
-  <p:clrMapOvr>
-    <a:masterClrMapping/>
-  </p:clrMapOvr>
-</p:sld>
-</file>
-
-<file path=ppt/slides/slide4.xml><?xml version="1.0" encoding="utf-8"?>
-<p:sld xmlns:a="http://schemas.openxmlformats.org/drawingml/2006/main" xmlns:r="http://schemas.openxmlformats.org/officeDocument/2006/relationships" xmlns:p="http://schemas.openxmlformats.org/presentationml/2006/main">
-  <p:cSld>
-    <p:spTree>
-      <p:nvGrpSpPr>
-        <p:cNvPr id="1" name=""/>
-        <p:cNvGrpSpPr/>
-        <p:nvPr/>
-      </p:nvGrpSpPr>
-      <p:grpSpPr>
-        <a:xfrm>
-          <a:off x="0" y="0"/>
-          <a:ext cx="0" cy="0"/>
-          <a:chOff x="0" y="0"/>
-          <a:chExt cx="0" cy="0"/>
-        </a:xfrm>
-      </p:grpSpPr>
-      <p:sp>
-        <p:nvSpPr>
           <p:cNvPr id="11" name="Title 10">
             <a:extLst>
               <a:ext uri="{FF2B5EF4-FFF2-40B4-BE49-F238E27FC236}">
@@ -25430,7 +26633,7 @@
             <a:fld id="{DBA1B0FB-D917-4C8C-928F-313BD683BF39}" type="slidenum">
               <a:rPr lang="en-US" smtClean="0"/>
               <a:pPr/>
-              <a:t>4</a:t>
+              <a:t>3</a:t>
             </a:fld>
             <a:endParaRPr lang="en-US"/>
           </a:p>
@@ -25531,7 +26734,7 @@
 </p:sld>
 </file>
 
-<file path=ppt/slides/slide5.xml><?xml version="1.0" encoding="utf-8"?>
+<file path=ppt/slides/slide4.xml><?xml version="1.0" encoding="utf-8"?>
 <p:sld xmlns:a="http://schemas.openxmlformats.org/drawingml/2006/main" xmlns:r="http://schemas.openxmlformats.org/officeDocument/2006/relationships" xmlns:p="http://schemas.openxmlformats.org/presentationml/2006/main">
   <p:cSld>
     <p:bg>
@@ -26797,7 +28000,7 @@
           <a:p>
             <a:fld id="{DBA1B0FB-D917-4C8C-928F-313BD683BF39}" type="slidenum">
               <a:rPr lang="en-US" smtClean="0"/>
-              <a:t>5</a:t>
+              <a:t>4</a:t>
             </a:fld>
             <a:endParaRPr lang="en-US"/>
           </a:p>
@@ -26807,6 +28010,406 @@
     <p:extLst>
       <p:ext uri="{BB962C8B-B14F-4D97-AF65-F5344CB8AC3E}">
         <p14:creationId xmlns:p14="http://schemas.microsoft.com/office/powerpoint/2010/main" val="560021826"/>
+      </p:ext>
+    </p:extLst>
+  </p:cSld>
+  <p:clrMapOvr>
+    <a:masterClrMapping/>
+  </p:clrMapOvr>
+</p:sld>
+</file>
+
+<file path=ppt/slides/slide5.xml><?xml version="1.0" encoding="utf-8"?>
+<p:sld xmlns:a="http://schemas.openxmlformats.org/drawingml/2006/main" xmlns:r="http://schemas.openxmlformats.org/officeDocument/2006/relationships" xmlns:p="http://schemas.openxmlformats.org/presentationml/2006/main">
+  <p:cSld>
+    <p:spTree>
+      <p:nvGrpSpPr>
+        <p:cNvPr id="1" name=""/>
+        <p:cNvGrpSpPr/>
+        <p:nvPr/>
+      </p:nvGrpSpPr>
+      <p:grpSpPr>
+        <a:xfrm>
+          <a:off x="0" y="0"/>
+          <a:ext cx="0" cy="0"/>
+          <a:chOff x="0" y="0"/>
+          <a:chExt cx="0" cy="0"/>
+        </a:xfrm>
+      </p:grpSpPr>
+      <p:sp>
+        <p:nvSpPr>
+          <p:cNvPr id="44" name="Title 43">
+            <a:extLst>
+              <a:ext uri="{FF2B5EF4-FFF2-40B4-BE49-F238E27FC236}">
+                <a16:creationId xmlns:a16="http://schemas.microsoft.com/office/drawing/2014/main" id="{58012038-9DFA-59CA-548C-C9BE8AA827AC}"/>
+              </a:ext>
+            </a:extLst>
+          </p:cNvPr>
+          <p:cNvSpPr>
+            <a:spLocks noGrp="1"/>
+          </p:cNvSpPr>
+          <p:nvPr>
+            <p:ph type="title"/>
+          </p:nvPr>
+        </p:nvSpPr>
+        <p:spPr>
+          <a:xfrm>
+            <a:off x="550862" y="549275"/>
+            <a:ext cx="11091600" cy="1113496"/>
+          </a:xfrm>
+        </p:spPr>
+        <p:txBody>
+          <a:bodyPr/>
+          <a:lstStyle/>
+          <a:p>
+            <a:r>
+              <a:rPr lang="en-US" dirty="0"/>
+              <a:t>Tools and Software Used – </a:t>
+            </a:r>
+            <a:br>
+              <a:rPr lang="en-US" dirty="0"/>
+            </a:br>
+            <a:r>
+              <a:rPr lang="en-US" sz="3200" dirty="0"/>
+              <a:t>group by data cleaning, analysis, visualization and modeling</a:t>
+            </a:r>
+            <a:endParaRPr lang="en-US" dirty="0"/>
+          </a:p>
+        </p:txBody>
+      </p:sp>
+      <p:pic>
+        <p:nvPicPr>
+          <p:cNvPr id="47" name="Content Placeholder 46" descr="A close-up of a logo&#10;&#10;Description automatically generated with low confidence">
+            <a:extLst>
+              <a:ext uri="{FF2B5EF4-FFF2-40B4-BE49-F238E27FC236}">
+                <a16:creationId xmlns:a16="http://schemas.microsoft.com/office/drawing/2014/main" id="{642BEA0E-08AD-24B1-FD52-BB8F65C1160B}"/>
+              </a:ext>
+            </a:extLst>
+          </p:cNvPr>
+          <p:cNvPicPr>
+            <a:picLocks noGrp="1" noChangeAspect="1"/>
+          </p:cNvPicPr>
+          <p:nvPr>
+            <p:ph idx="1"/>
+          </p:nvPr>
+        </p:nvPicPr>
+        <p:blipFill>
+          <a:blip r:embed="rId2"/>
+          <a:stretch>
+            <a:fillRect/>
+          </a:stretch>
+        </p:blipFill>
+        <p:spPr>
+          <a:xfrm>
+            <a:off x="4303536" y="1968310"/>
+            <a:ext cx="1941722" cy="1045542"/>
+          </a:xfrm>
+        </p:spPr>
+      </p:pic>
+      <p:sp>
+        <p:nvSpPr>
+          <p:cNvPr id="7" name="Date Placeholder 6">
+            <a:extLst>
+              <a:ext uri="{FF2B5EF4-FFF2-40B4-BE49-F238E27FC236}">
+                <a16:creationId xmlns:a16="http://schemas.microsoft.com/office/drawing/2014/main" id="{03111517-C1CE-91AE-05D3-7B39096963FA}"/>
+              </a:ext>
+            </a:extLst>
+          </p:cNvPr>
+          <p:cNvSpPr>
+            <a:spLocks noGrp="1"/>
+          </p:cNvSpPr>
+          <p:nvPr>
+            <p:ph type="dt" sz="half" idx="10"/>
+          </p:nvPr>
+        </p:nvSpPr>
+        <p:spPr/>
+        <p:txBody>
+          <a:bodyPr/>
+          <a:lstStyle/>
+          <a:p>
+            <a:r>
+              <a:rPr lang="en-US"/>
+              <a:t>Tuesday, February 2, 20XX</a:t>
+            </a:r>
+          </a:p>
+        </p:txBody>
+      </p:sp>
+      <p:sp>
+        <p:nvSpPr>
+          <p:cNvPr id="8" name="Footer Placeholder 7">
+            <a:extLst>
+              <a:ext uri="{FF2B5EF4-FFF2-40B4-BE49-F238E27FC236}">
+                <a16:creationId xmlns:a16="http://schemas.microsoft.com/office/drawing/2014/main" id="{ED546115-FD46-7B02-1211-AA5C00FF1CFE}"/>
+              </a:ext>
+            </a:extLst>
+          </p:cNvPr>
+          <p:cNvSpPr>
+            <a:spLocks noGrp="1"/>
+          </p:cNvSpPr>
+          <p:nvPr>
+            <p:ph type="ftr" sz="quarter" idx="11"/>
+          </p:nvPr>
+        </p:nvSpPr>
+        <p:spPr/>
+        <p:txBody>
+          <a:bodyPr/>
+          <a:lstStyle/>
+          <a:p>
+            <a:r>
+              <a:rPr lang="en-US"/>
+              <a:t>Sample Footer Text</a:t>
+            </a:r>
+          </a:p>
+        </p:txBody>
+      </p:sp>
+      <p:sp>
+        <p:nvSpPr>
+          <p:cNvPr id="9" name="Slide Number Placeholder 8">
+            <a:extLst>
+              <a:ext uri="{FF2B5EF4-FFF2-40B4-BE49-F238E27FC236}">
+                <a16:creationId xmlns:a16="http://schemas.microsoft.com/office/drawing/2014/main" id="{30383EAC-B88A-D707-05AA-63EE802D8FBE}"/>
+              </a:ext>
+            </a:extLst>
+          </p:cNvPr>
+          <p:cNvSpPr>
+            <a:spLocks noGrp="1"/>
+          </p:cNvSpPr>
+          <p:nvPr>
+            <p:ph type="sldNum" sz="quarter" idx="12"/>
+          </p:nvPr>
+        </p:nvSpPr>
+        <p:spPr/>
+        <p:txBody>
+          <a:bodyPr/>
+          <a:lstStyle/>
+          <a:p>
+            <a:fld id="{DBA1B0FB-D917-4C8C-928F-313BD683BF39}" type="slidenum">
+              <a:rPr lang="en-US" smtClean="0"/>
+              <a:t>5</a:t>
+            </a:fld>
+            <a:endParaRPr lang="en-US"/>
+          </a:p>
+        </p:txBody>
+      </p:sp>
+      <p:pic>
+        <p:nvPicPr>
+          <p:cNvPr id="53" name="Graphic 52">
+            <a:extLst>
+              <a:ext uri="{FF2B5EF4-FFF2-40B4-BE49-F238E27FC236}">
+                <a16:creationId xmlns:a16="http://schemas.microsoft.com/office/drawing/2014/main" id="{AA1B5F70-541E-562E-579A-DDD72A43C170}"/>
+              </a:ext>
+            </a:extLst>
+          </p:cNvPr>
+          <p:cNvPicPr>
+            <a:picLocks noChangeAspect="1"/>
+          </p:cNvPicPr>
+          <p:nvPr/>
+        </p:nvPicPr>
+        <p:blipFill>
+          <a:blip r:embed="rId3">
+            <a:extLst>
+              <a:ext uri="{96DAC541-7B7A-43D3-8B79-37D633B846F1}">
+                <asvg:svgBlip xmlns:asvg="http://schemas.microsoft.com/office/drawing/2016/SVG/main" r:embed="rId4"/>
+              </a:ext>
+            </a:extLst>
+          </a:blip>
+          <a:stretch>
+            <a:fillRect/>
+          </a:stretch>
+        </p:blipFill>
+        <p:spPr>
+          <a:xfrm>
+            <a:off x="550862" y="3677204"/>
+            <a:ext cx="2755144" cy="1113496"/>
+          </a:xfrm>
+          <a:prstGeom prst="rect">
+            <a:avLst/>
+          </a:prstGeom>
+        </p:spPr>
+      </p:pic>
+      <p:pic>
+        <p:nvPicPr>
+          <p:cNvPr id="1026" name="Picture 2" descr="Matplotlib Logo PNG Vector">
+            <a:extLst>
+              <a:ext uri="{FF2B5EF4-FFF2-40B4-BE49-F238E27FC236}">
+                <a16:creationId xmlns:a16="http://schemas.microsoft.com/office/drawing/2014/main" id="{8C80EFAC-F57B-DEA5-3387-DAA4AE31498E}"/>
+              </a:ext>
+            </a:extLst>
+          </p:cNvPr>
+          <p:cNvPicPr>
+            <a:picLocks noChangeAspect="1" noChangeArrowheads="1"/>
+          </p:cNvPicPr>
+          <p:nvPr/>
+        </p:nvPicPr>
+        <p:blipFill>
+          <a:blip r:embed="rId5">
+            <a:extLst>
+              <a:ext uri="{28A0092B-C50C-407E-A947-70E740481C1C}">
+                <a14:useLocalDpi xmlns:a14="http://schemas.microsoft.com/office/drawing/2010/main" val="0"/>
+              </a:ext>
+            </a:extLst>
+          </a:blip>
+          <a:srcRect/>
+          <a:stretch>
+            <a:fillRect/>
+          </a:stretch>
+        </p:blipFill>
+        <p:spPr bwMode="auto">
+          <a:xfrm>
+            <a:off x="8366288" y="3850005"/>
+            <a:ext cx="2254315" cy="450863"/>
+          </a:xfrm>
+          <a:prstGeom prst="rect">
+            <a:avLst/>
+          </a:prstGeom>
+          <a:noFill/>
+          <a:extLst>
+            <a:ext uri="{909E8E84-426E-40DD-AFC4-6F175D3DCCD1}">
+              <a14:hiddenFill xmlns:a14="http://schemas.microsoft.com/office/drawing/2010/main">
+                <a:solidFill>
+                  <a:srgbClr val="FFFFFF"/>
+                </a:solidFill>
+              </a14:hiddenFill>
+            </a:ext>
+          </a:extLst>
+        </p:spPr>
+      </p:pic>
+      <p:pic>
+        <p:nvPicPr>
+          <p:cNvPr id="5" name="Graphic 4">
+            <a:extLst>
+              <a:ext uri="{FF2B5EF4-FFF2-40B4-BE49-F238E27FC236}">
+                <a16:creationId xmlns:a16="http://schemas.microsoft.com/office/drawing/2014/main" id="{6F596CDC-581C-99FC-72AA-F339E0AB5826}"/>
+              </a:ext>
+            </a:extLst>
+          </p:cNvPr>
+          <p:cNvPicPr>
+            <a:picLocks noChangeAspect="1"/>
+          </p:cNvPicPr>
+          <p:nvPr/>
+        </p:nvPicPr>
+        <p:blipFill>
+          <a:blip r:embed="rId6">
+            <a:extLst>
+              <a:ext uri="{96DAC541-7B7A-43D3-8B79-37D633B846F1}">
+                <asvg:svgBlip xmlns:asvg="http://schemas.microsoft.com/office/drawing/2016/SVG/main" r:embed="rId7"/>
+              </a:ext>
+            </a:extLst>
+          </a:blip>
+          <a:stretch>
+            <a:fillRect/>
+          </a:stretch>
+        </p:blipFill>
+        <p:spPr>
+          <a:xfrm>
+            <a:off x="1359619" y="2080838"/>
+            <a:ext cx="982941" cy="1099958"/>
+          </a:xfrm>
+          <a:prstGeom prst="rect">
+            <a:avLst/>
+          </a:prstGeom>
+        </p:spPr>
+      </p:pic>
+      <p:pic>
+        <p:nvPicPr>
+          <p:cNvPr id="1038" name="Picture 14">
+            <a:extLst>
+              <a:ext uri="{FF2B5EF4-FFF2-40B4-BE49-F238E27FC236}">
+                <a16:creationId xmlns:a16="http://schemas.microsoft.com/office/drawing/2014/main" id="{F98CC23E-35FD-B798-DDAD-4A84F703E1F8}"/>
+              </a:ext>
+            </a:extLst>
+          </p:cNvPr>
+          <p:cNvPicPr>
+            <a:picLocks noChangeAspect="1" noChangeArrowheads="1"/>
+          </p:cNvPicPr>
+          <p:nvPr/>
+        </p:nvPicPr>
+        <p:blipFill>
+          <a:blip r:embed="rId8">
+            <a:extLst>
+              <a:ext uri="{28A0092B-C50C-407E-A947-70E740481C1C}">
+                <a14:useLocalDpi xmlns:a14="http://schemas.microsoft.com/office/drawing/2010/main" val="0"/>
+              </a:ext>
+            </a:extLst>
+          </a:blip>
+          <a:srcRect/>
+          <a:stretch>
+            <a:fillRect/>
+          </a:stretch>
+        </p:blipFill>
+        <p:spPr bwMode="auto">
+          <a:xfrm>
+            <a:off x="7130735" y="2029739"/>
+            <a:ext cx="4403202" cy="1052067"/>
+          </a:xfrm>
+          <a:prstGeom prst="rect">
+            <a:avLst/>
+          </a:prstGeom>
+          <a:noFill/>
+          <a:extLst>
+            <a:ext uri="{909E8E84-426E-40DD-AFC4-6F175D3DCCD1}">
+              <a14:hiddenFill xmlns:a14="http://schemas.microsoft.com/office/drawing/2010/main">
+                <a:solidFill>
+                  <a:srgbClr val="FFFFFF"/>
+                </a:solidFill>
+              </a14:hiddenFill>
+            </a:ext>
+          </a:extLst>
+        </p:spPr>
+      </p:pic>
+      <p:sp>
+        <p:nvSpPr>
+          <p:cNvPr id="2" name="Oval 1">
+            <a:extLst>
+              <a:ext uri="{FF2B5EF4-FFF2-40B4-BE49-F238E27FC236}">
+                <a16:creationId xmlns:a16="http://schemas.microsoft.com/office/drawing/2014/main" id="{92359531-F2E2-76CD-62AB-232EBEB1DE18}"/>
+              </a:ext>
+            </a:extLst>
+          </p:cNvPr>
+          <p:cNvSpPr/>
+          <p:nvPr/>
+        </p:nvSpPr>
+        <p:spPr>
+          <a:xfrm>
+            <a:off x="10906812" y="443060"/>
+            <a:ext cx="768285" cy="721150"/>
+          </a:xfrm>
+          <a:prstGeom prst="ellipse">
+            <a:avLst/>
+          </a:prstGeom>
+          <a:solidFill>
+            <a:srgbClr val="FFFF00"/>
+          </a:solidFill>
+        </p:spPr>
+        <p:style>
+          <a:lnRef idx="2">
+            <a:schemeClr val="accent1">
+              <a:shade val="15000"/>
+            </a:schemeClr>
+          </a:lnRef>
+          <a:fillRef idx="1">
+            <a:schemeClr val="accent1"/>
+          </a:fillRef>
+          <a:effectRef idx="0">
+            <a:schemeClr val="accent1"/>
+          </a:effectRef>
+          <a:fontRef idx="minor">
+            <a:schemeClr val="lt1"/>
+          </a:fontRef>
+        </p:style>
+        <p:txBody>
+          <a:bodyPr rtlCol="0" anchor="ctr"/>
+          <a:lstStyle/>
+          <a:p>
+            <a:pPr algn="ctr"/>
+            <a:endParaRPr lang="en-US"/>
+          </a:p>
+        </p:txBody>
+      </p:sp>
+    </p:spTree>
+    <p:extLst>
+      <p:ext uri="{BB962C8B-B14F-4D97-AF65-F5344CB8AC3E}">
+        <p14:creationId xmlns:p14="http://schemas.microsoft.com/office/powerpoint/2010/main" val="2031009587"/>
       </p:ext>
     </p:extLst>
   </p:cSld>
@@ -26835,2097 +28438,6 @@
       </p:grpSpPr>
       <p:sp>
         <p:nvSpPr>
-          <p:cNvPr id="7" name="Title 6">
-            <a:extLst>
-              <a:ext uri="{FF2B5EF4-FFF2-40B4-BE49-F238E27FC236}">
-                <a16:creationId xmlns:a16="http://schemas.microsoft.com/office/drawing/2014/main" id="{3E174092-82D3-44E0-8948-4096232ED0A7}"/>
-              </a:ext>
-            </a:extLst>
-          </p:cNvPr>
-          <p:cNvSpPr>
-            <a:spLocks noGrp="1"/>
-          </p:cNvSpPr>
-          <p:nvPr>
-            <p:ph type="title"/>
-          </p:nvPr>
-        </p:nvSpPr>
-        <p:spPr>
-          <a:xfrm>
-            <a:off x="550862" y="549275"/>
-            <a:ext cx="11091600" cy="1332000"/>
-          </a:xfrm>
-        </p:spPr>
-        <p:txBody>
-          <a:bodyPr/>
-          <a:lstStyle/>
-          <a:p>
-            <a:r>
-              <a:rPr lang="en-US" dirty="0"/>
-              <a:t>Chart</a:t>
-            </a:r>
-          </a:p>
-        </p:txBody>
-      </p:sp>
-      <p:graphicFrame>
-        <p:nvGraphicFramePr>
-          <p:cNvPr id="11" name="Content Placeholder 10" descr="Bar Chart Placeholder ">
-            <a:extLst>
-              <a:ext uri="{FF2B5EF4-FFF2-40B4-BE49-F238E27FC236}">
-                <a16:creationId xmlns:a16="http://schemas.microsoft.com/office/drawing/2014/main" id="{E4A6D503-95F0-4FD3-86D4-D1170C6E2B64}"/>
-              </a:ext>
-            </a:extLst>
-          </p:cNvPr>
-          <p:cNvGraphicFramePr>
-            <a:graphicFrameLocks noGrp="1"/>
-          </p:cNvGraphicFramePr>
-          <p:nvPr>
-            <p:ph idx="1"/>
-            <p:extLst>
-              <p:ext uri="{D42A27DB-BD31-4B8C-83A1-F6EECF244321}">
-                <p14:modId xmlns:p14="http://schemas.microsoft.com/office/powerpoint/2010/main" val="372078104"/>
-              </p:ext>
-            </p:extLst>
-          </p:nvPr>
-        </p:nvGraphicFramePr>
-        <p:xfrm>
-          <a:off x="550863" y="2112963"/>
-          <a:ext cx="11090275" cy="3979862"/>
-        </p:xfrm>
-        <a:graphic>
-          <a:graphicData uri="http://schemas.openxmlformats.org/drawingml/2006/chart">
-            <c:chart xmlns:c="http://schemas.openxmlformats.org/drawingml/2006/chart" xmlns:r="http://schemas.openxmlformats.org/officeDocument/2006/relationships" r:id="rId2"/>
-          </a:graphicData>
-        </a:graphic>
-      </p:graphicFrame>
-      <p:sp>
-        <p:nvSpPr>
-          <p:cNvPr id="4" name="Date Placeholder 3">
-            <a:extLst>
-              <a:ext uri="{FF2B5EF4-FFF2-40B4-BE49-F238E27FC236}">
-                <a16:creationId xmlns:a16="http://schemas.microsoft.com/office/drawing/2014/main" id="{E39EF484-38C8-4EDC-ACF5-695CFB216839}"/>
-              </a:ext>
-            </a:extLst>
-          </p:cNvPr>
-          <p:cNvSpPr>
-            <a:spLocks noGrp="1"/>
-          </p:cNvSpPr>
-          <p:nvPr>
-            <p:ph type="dt" sz="half" idx="10"/>
-          </p:nvPr>
-        </p:nvSpPr>
-        <p:spPr>
-          <a:xfrm>
-            <a:off x="550863" y="6507212"/>
-            <a:ext cx="2628900" cy="153888"/>
-          </a:xfrm>
-        </p:spPr>
-        <p:txBody>
-          <a:bodyPr/>
-          <a:lstStyle/>
-          <a:p>
-            <a:r>
-              <a:rPr lang="en-US"/>
-              <a:t>Tuesday, February 2, 20XX</a:t>
-            </a:r>
-            <a:endParaRPr lang="en-US" dirty="0"/>
-          </a:p>
-        </p:txBody>
-      </p:sp>
-      <p:sp>
-        <p:nvSpPr>
-          <p:cNvPr id="5" name="Footer Placeholder 4">
-            <a:extLst>
-              <a:ext uri="{FF2B5EF4-FFF2-40B4-BE49-F238E27FC236}">
-                <a16:creationId xmlns:a16="http://schemas.microsoft.com/office/drawing/2014/main" id="{AFD183D7-B16E-4A9D-BC4B-D1EC347BF97E}"/>
-              </a:ext>
-            </a:extLst>
-          </p:cNvPr>
-          <p:cNvSpPr>
-            <a:spLocks noGrp="1"/>
-          </p:cNvSpPr>
-          <p:nvPr>
-            <p:ph type="ftr" sz="quarter" idx="11"/>
-          </p:nvPr>
-        </p:nvSpPr>
-        <p:spPr>
-          <a:xfrm>
-            <a:off x="3359150" y="6507212"/>
-            <a:ext cx="6379210" cy="153888"/>
-          </a:xfrm>
-        </p:spPr>
-        <p:txBody>
-          <a:bodyPr/>
-          <a:lstStyle/>
-          <a:p>
-            <a:r>
-              <a:rPr lang="en-US"/>
-              <a:t>Sample Footer Text</a:t>
-            </a:r>
-          </a:p>
-        </p:txBody>
-      </p:sp>
-      <p:sp>
-        <p:nvSpPr>
-          <p:cNvPr id="6" name="Slide Number Placeholder 5">
-            <a:extLst>
-              <a:ext uri="{FF2B5EF4-FFF2-40B4-BE49-F238E27FC236}">
-                <a16:creationId xmlns:a16="http://schemas.microsoft.com/office/drawing/2014/main" id="{705C33DF-36C9-49E9-B48D-A320B179C4D4}"/>
-              </a:ext>
-            </a:extLst>
-          </p:cNvPr>
-          <p:cNvSpPr>
-            <a:spLocks noGrp="1"/>
-          </p:cNvSpPr>
-          <p:nvPr>
-            <p:ph type="sldNum" sz="quarter" idx="12"/>
-          </p:nvPr>
-        </p:nvSpPr>
-        <p:spPr>
-          <a:xfrm>
-            <a:off x="9948863" y="6507212"/>
-            <a:ext cx="1692274" cy="153888"/>
-          </a:xfrm>
-        </p:spPr>
-        <p:txBody>
-          <a:bodyPr/>
-          <a:lstStyle/>
-          <a:p>
-            <a:fld id="{DBA1B0FB-D917-4C8C-928F-313BD683BF39}" type="slidenum">
-              <a:rPr lang="en-US" smtClean="0"/>
-              <a:pPr/>
-              <a:t>6</a:t>
-            </a:fld>
-            <a:endParaRPr lang="en-US"/>
-          </a:p>
-        </p:txBody>
-      </p:sp>
-    </p:spTree>
-    <p:extLst>
-      <p:ext uri="{BB962C8B-B14F-4D97-AF65-F5344CB8AC3E}">
-        <p14:creationId xmlns:p14="http://schemas.microsoft.com/office/powerpoint/2010/main" val="3740286033"/>
-      </p:ext>
-    </p:extLst>
-  </p:cSld>
-  <p:clrMapOvr>
-    <a:masterClrMapping/>
-  </p:clrMapOvr>
-</p:sld>
-</file>
-
-<file path=ppt/slides/slide7.xml><?xml version="1.0" encoding="utf-8"?>
-<p:sld xmlns:a="http://schemas.openxmlformats.org/drawingml/2006/main" xmlns:r="http://schemas.openxmlformats.org/officeDocument/2006/relationships" xmlns:p="http://schemas.openxmlformats.org/presentationml/2006/main">
-  <p:cSld>
-    <p:spTree>
-      <p:nvGrpSpPr>
-        <p:cNvPr id="1" name=""/>
-        <p:cNvGrpSpPr/>
-        <p:nvPr/>
-      </p:nvGrpSpPr>
-      <p:grpSpPr>
-        <a:xfrm>
-          <a:off x="0" y="0"/>
-          <a:ext cx="0" cy="0"/>
-          <a:chOff x="0" y="0"/>
-          <a:chExt cx="0" cy="0"/>
-        </a:xfrm>
-      </p:grpSpPr>
-      <p:sp>
-        <p:nvSpPr>
-          <p:cNvPr id="2" name="Title 1">
-            <a:extLst>
-              <a:ext uri="{FF2B5EF4-FFF2-40B4-BE49-F238E27FC236}">
-                <a16:creationId xmlns:a16="http://schemas.microsoft.com/office/drawing/2014/main" id="{FCB102D8-1D22-4940-AF19-07CF3A0DC5F4}"/>
-              </a:ext>
-            </a:extLst>
-          </p:cNvPr>
-          <p:cNvSpPr>
-            <a:spLocks noGrp="1"/>
-          </p:cNvSpPr>
-          <p:nvPr>
-            <p:ph type="title"/>
-          </p:nvPr>
-        </p:nvSpPr>
-        <p:spPr>
-          <a:xfrm>
-            <a:off x="550862" y="549275"/>
-            <a:ext cx="11091600" cy="1332000"/>
-          </a:xfrm>
-        </p:spPr>
-        <p:txBody>
-          <a:bodyPr/>
-          <a:lstStyle/>
-          <a:p>
-            <a:r>
-              <a:rPr lang="en-US" dirty="0"/>
-              <a:t>Table</a:t>
-            </a:r>
-          </a:p>
-        </p:txBody>
-      </p:sp>
-      <p:graphicFrame>
-        <p:nvGraphicFramePr>
-          <p:cNvPr id="13" name="Table 13">
-            <a:extLst>
-              <a:ext uri="{FF2B5EF4-FFF2-40B4-BE49-F238E27FC236}">
-                <a16:creationId xmlns:a16="http://schemas.microsoft.com/office/drawing/2014/main" id="{914D6EE3-4782-45C1-A75C-003483879C97}"/>
-              </a:ext>
-            </a:extLst>
-          </p:cNvPr>
-          <p:cNvGraphicFramePr>
-            <a:graphicFrameLocks noGrp="1"/>
-          </p:cNvGraphicFramePr>
-          <p:nvPr>
-            <p:ph idx="1"/>
-            <p:extLst>
-              <p:ext uri="{D42A27DB-BD31-4B8C-83A1-F6EECF244321}">
-                <p14:modId xmlns:p14="http://schemas.microsoft.com/office/powerpoint/2010/main" val="2331562790"/>
-              </p:ext>
-            </p:extLst>
-          </p:nvPr>
-        </p:nvGraphicFramePr>
-        <p:xfrm>
-          <a:off x="550863" y="2112963"/>
-          <a:ext cx="11090275" cy="2466720"/>
-        </p:xfrm>
-        <a:graphic>
-          <a:graphicData uri="http://schemas.openxmlformats.org/drawingml/2006/table">
-            <a:tbl>
-              <a:tblPr firstRow="1" bandRow="1">
-                <a:tableStyleId>{7DF18680-E054-41AD-8BC1-D1AEF772440D}</a:tableStyleId>
-              </a:tblPr>
-              <a:tblGrid>
-                <a:gridCol w="2218055">
-                  <a:extLst>
-                    <a:ext uri="{9D8B030D-6E8A-4147-A177-3AD203B41FA5}">
-                      <a16:colId xmlns:a16="http://schemas.microsoft.com/office/drawing/2014/main" val="562691606"/>
-                    </a:ext>
-                  </a:extLst>
-                </a:gridCol>
-                <a:gridCol w="2218055">
-                  <a:extLst>
-                    <a:ext uri="{9D8B030D-6E8A-4147-A177-3AD203B41FA5}">
-                      <a16:colId xmlns:a16="http://schemas.microsoft.com/office/drawing/2014/main" val="3970149589"/>
-                    </a:ext>
-                  </a:extLst>
-                </a:gridCol>
-                <a:gridCol w="2218055">
-                  <a:extLst>
-                    <a:ext uri="{9D8B030D-6E8A-4147-A177-3AD203B41FA5}">
-                      <a16:colId xmlns:a16="http://schemas.microsoft.com/office/drawing/2014/main" val="1552287268"/>
-                    </a:ext>
-                  </a:extLst>
-                </a:gridCol>
-                <a:gridCol w="2218055">
-                  <a:extLst>
-                    <a:ext uri="{9D8B030D-6E8A-4147-A177-3AD203B41FA5}">
-                      <a16:colId xmlns:a16="http://schemas.microsoft.com/office/drawing/2014/main" val="3637583548"/>
-                    </a:ext>
-                  </a:extLst>
-                </a:gridCol>
-                <a:gridCol w="2218055">
-                  <a:extLst>
-                    <a:ext uri="{9D8B030D-6E8A-4147-A177-3AD203B41FA5}">
-                      <a16:colId xmlns:a16="http://schemas.microsoft.com/office/drawing/2014/main" val="1751413396"/>
-                    </a:ext>
-                  </a:extLst>
-                </a:gridCol>
-              </a:tblGrid>
-              <a:tr h="493344">
-                <a:tc>
-                  <a:txBody>
-                    <a:bodyPr/>
-                    <a:lstStyle/>
-                    <a:p>
-                      <a:pPr algn="ctr"/>
-                      <a:endParaRPr lang="en-US" dirty="0"/>
-                    </a:p>
-                  </a:txBody>
-                  <a:tcPr anchor="ctr">
-                    <a:lnL w="9525" cap="flat" cmpd="sng" algn="ctr">
-                      <a:solidFill>
-                        <a:schemeClr val="tx1"/>
-                      </a:solidFill>
-                      <a:prstDash val="solid"/>
-                      <a:round/>
-                      <a:headEnd type="none" w="med" len="med"/>
-                      <a:tailEnd type="none" w="med" len="med"/>
-                    </a:lnL>
-                    <a:lnR w="9525" cap="flat" cmpd="sng" algn="ctr">
-                      <a:solidFill>
-                        <a:schemeClr val="tx1"/>
-                      </a:solidFill>
-                      <a:prstDash val="solid"/>
-                      <a:round/>
-                      <a:headEnd type="none" w="med" len="med"/>
-                      <a:tailEnd type="none" w="med" len="med"/>
-                    </a:lnR>
-                    <a:lnT w="9525" cap="flat" cmpd="sng" algn="ctr">
-                      <a:solidFill>
-                        <a:schemeClr val="tx1"/>
-                      </a:solidFill>
-                      <a:prstDash val="solid"/>
-                      <a:round/>
-                      <a:headEnd type="none" w="med" len="med"/>
-                      <a:tailEnd type="none" w="med" len="med"/>
-                    </a:lnT>
-                    <a:lnB w="9525" cap="flat" cmpd="sng" algn="ctr">
-                      <a:solidFill>
-                        <a:schemeClr val="tx1"/>
-                      </a:solidFill>
-                      <a:prstDash val="solid"/>
-                      <a:round/>
-                      <a:headEnd type="none" w="med" len="med"/>
-                      <a:tailEnd type="none" w="med" len="med"/>
-                    </a:lnB>
-                    <a:solidFill>
-                      <a:schemeClr val="accent2"/>
-                    </a:solidFill>
-                  </a:tcPr>
-                </a:tc>
-                <a:tc>
-                  <a:txBody>
-                    <a:bodyPr/>
-                    <a:lstStyle/>
-                    <a:p>
-                      <a:pPr algn="ctr"/>
-                      <a:r>
-                        <a:rPr lang="en-US" dirty="0"/>
-                        <a:t>Category 1</a:t>
-                      </a:r>
-                    </a:p>
-                  </a:txBody>
-                  <a:tcPr anchor="ctr">
-                    <a:lnL w="9525" cap="flat" cmpd="sng" algn="ctr">
-                      <a:solidFill>
-                        <a:schemeClr val="tx1"/>
-                      </a:solidFill>
-                      <a:prstDash val="solid"/>
-                      <a:round/>
-                      <a:headEnd type="none" w="med" len="med"/>
-                      <a:tailEnd type="none" w="med" len="med"/>
-                    </a:lnL>
-                    <a:lnR w="9525" cap="flat" cmpd="sng" algn="ctr">
-                      <a:solidFill>
-                        <a:schemeClr val="tx1"/>
-                      </a:solidFill>
-                      <a:prstDash val="solid"/>
-                      <a:round/>
-                      <a:headEnd type="none" w="med" len="med"/>
-                      <a:tailEnd type="none" w="med" len="med"/>
-                    </a:lnR>
-                    <a:lnT w="9525" cap="flat" cmpd="sng" algn="ctr">
-                      <a:solidFill>
-                        <a:schemeClr val="tx1"/>
-                      </a:solidFill>
-                      <a:prstDash val="solid"/>
-                      <a:round/>
-                      <a:headEnd type="none" w="med" len="med"/>
-                      <a:tailEnd type="none" w="med" len="med"/>
-                    </a:lnT>
-                    <a:lnB w="9525" cap="flat" cmpd="sng" algn="ctr">
-                      <a:solidFill>
-                        <a:schemeClr val="tx1"/>
-                      </a:solidFill>
-                      <a:prstDash val="solid"/>
-                      <a:round/>
-                      <a:headEnd type="none" w="med" len="med"/>
-                      <a:tailEnd type="none" w="med" len="med"/>
-                    </a:lnB>
-                    <a:solidFill>
-                      <a:schemeClr val="accent2"/>
-                    </a:solidFill>
-                  </a:tcPr>
-                </a:tc>
-                <a:tc>
-                  <a:txBody>
-                    <a:bodyPr/>
-                    <a:lstStyle/>
-                    <a:p>
-                      <a:pPr algn="ctr"/>
-                      <a:r>
-                        <a:rPr lang="en-US" dirty="0"/>
-                        <a:t>Category 2</a:t>
-                      </a:r>
-                    </a:p>
-                  </a:txBody>
-                  <a:tcPr anchor="ctr">
-                    <a:lnL w="9525" cap="flat" cmpd="sng" algn="ctr">
-                      <a:solidFill>
-                        <a:schemeClr val="tx1"/>
-                      </a:solidFill>
-                      <a:prstDash val="solid"/>
-                      <a:round/>
-                      <a:headEnd type="none" w="med" len="med"/>
-                      <a:tailEnd type="none" w="med" len="med"/>
-                    </a:lnL>
-                    <a:lnR w="9525" cap="flat" cmpd="sng" algn="ctr">
-                      <a:solidFill>
-                        <a:schemeClr val="tx1"/>
-                      </a:solidFill>
-                      <a:prstDash val="solid"/>
-                      <a:round/>
-                      <a:headEnd type="none" w="med" len="med"/>
-                      <a:tailEnd type="none" w="med" len="med"/>
-                    </a:lnR>
-                    <a:lnT w="9525" cap="flat" cmpd="sng" algn="ctr">
-                      <a:solidFill>
-                        <a:schemeClr val="tx1"/>
-                      </a:solidFill>
-                      <a:prstDash val="solid"/>
-                      <a:round/>
-                      <a:headEnd type="none" w="med" len="med"/>
-                      <a:tailEnd type="none" w="med" len="med"/>
-                    </a:lnT>
-                    <a:lnB w="9525" cap="flat" cmpd="sng" algn="ctr">
-                      <a:solidFill>
-                        <a:schemeClr val="tx1"/>
-                      </a:solidFill>
-                      <a:prstDash val="solid"/>
-                      <a:round/>
-                      <a:headEnd type="none" w="med" len="med"/>
-                      <a:tailEnd type="none" w="med" len="med"/>
-                    </a:lnB>
-                    <a:solidFill>
-                      <a:schemeClr val="accent2"/>
-                    </a:solidFill>
-                  </a:tcPr>
-                </a:tc>
-                <a:tc>
-                  <a:txBody>
-                    <a:bodyPr/>
-                    <a:lstStyle/>
-                    <a:p>
-                      <a:pPr algn="ctr"/>
-                      <a:r>
-                        <a:rPr lang="en-US" dirty="0"/>
-                        <a:t>Category 3</a:t>
-                      </a:r>
-                    </a:p>
-                  </a:txBody>
-                  <a:tcPr anchor="ctr">
-                    <a:lnL w="9525" cap="flat" cmpd="sng" algn="ctr">
-                      <a:solidFill>
-                        <a:schemeClr val="tx1"/>
-                      </a:solidFill>
-                      <a:prstDash val="solid"/>
-                      <a:round/>
-                      <a:headEnd type="none" w="med" len="med"/>
-                      <a:tailEnd type="none" w="med" len="med"/>
-                    </a:lnL>
-                    <a:lnR w="9525" cap="flat" cmpd="sng" algn="ctr">
-                      <a:solidFill>
-                        <a:schemeClr val="tx1"/>
-                      </a:solidFill>
-                      <a:prstDash val="solid"/>
-                      <a:round/>
-                      <a:headEnd type="none" w="med" len="med"/>
-                      <a:tailEnd type="none" w="med" len="med"/>
-                    </a:lnR>
-                    <a:lnT w="9525" cap="flat" cmpd="sng" algn="ctr">
-                      <a:solidFill>
-                        <a:schemeClr val="tx1"/>
-                      </a:solidFill>
-                      <a:prstDash val="solid"/>
-                      <a:round/>
-                      <a:headEnd type="none" w="med" len="med"/>
-                      <a:tailEnd type="none" w="med" len="med"/>
-                    </a:lnT>
-                    <a:lnB w="9525" cap="flat" cmpd="sng" algn="ctr">
-                      <a:solidFill>
-                        <a:schemeClr val="tx1"/>
-                      </a:solidFill>
-                      <a:prstDash val="solid"/>
-                      <a:round/>
-                      <a:headEnd type="none" w="med" len="med"/>
-                      <a:tailEnd type="none" w="med" len="med"/>
-                    </a:lnB>
-                    <a:solidFill>
-                      <a:schemeClr val="accent2"/>
-                    </a:solidFill>
-                  </a:tcPr>
-                </a:tc>
-                <a:tc>
-                  <a:txBody>
-                    <a:bodyPr/>
-                    <a:lstStyle/>
-                    <a:p>
-                      <a:pPr algn="ctr"/>
-                      <a:r>
-                        <a:rPr lang="en-US" dirty="0"/>
-                        <a:t>Category 4</a:t>
-                      </a:r>
-                    </a:p>
-                  </a:txBody>
-                  <a:tcPr anchor="ctr">
-                    <a:lnL w="9525" cap="flat" cmpd="sng" algn="ctr">
-                      <a:solidFill>
-                        <a:schemeClr val="tx1"/>
-                      </a:solidFill>
-                      <a:prstDash val="solid"/>
-                      <a:round/>
-                      <a:headEnd type="none" w="med" len="med"/>
-                      <a:tailEnd type="none" w="med" len="med"/>
-                    </a:lnL>
-                    <a:lnR w="9525" cap="flat" cmpd="sng" algn="ctr">
-                      <a:solidFill>
-                        <a:schemeClr val="tx1"/>
-                      </a:solidFill>
-                      <a:prstDash val="solid"/>
-                      <a:round/>
-                      <a:headEnd type="none" w="med" len="med"/>
-                      <a:tailEnd type="none" w="med" len="med"/>
-                    </a:lnR>
-                    <a:lnT w="9525" cap="flat" cmpd="sng" algn="ctr">
-                      <a:solidFill>
-                        <a:schemeClr val="tx1"/>
-                      </a:solidFill>
-                      <a:prstDash val="solid"/>
-                      <a:round/>
-                      <a:headEnd type="none" w="med" len="med"/>
-                      <a:tailEnd type="none" w="med" len="med"/>
-                    </a:lnT>
-                    <a:lnB w="9525" cap="flat" cmpd="sng" algn="ctr">
-                      <a:solidFill>
-                        <a:schemeClr val="tx1"/>
-                      </a:solidFill>
-                      <a:prstDash val="solid"/>
-                      <a:round/>
-                      <a:headEnd type="none" w="med" len="med"/>
-                      <a:tailEnd type="none" w="med" len="med"/>
-                    </a:lnB>
-                    <a:solidFill>
-                      <a:schemeClr val="accent2"/>
-                    </a:solidFill>
-                  </a:tcPr>
-                </a:tc>
-                <a:extLst>
-                  <a:ext uri="{0D108BD9-81ED-4DB2-BD59-A6C34878D82A}">
-                    <a16:rowId xmlns:a16="http://schemas.microsoft.com/office/drawing/2014/main" val="2193002138"/>
-                  </a:ext>
-                </a:extLst>
-              </a:tr>
-              <a:tr h="493344">
-                <a:tc>
-                  <a:txBody>
-                    <a:bodyPr/>
-                    <a:lstStyle/>
-                    <a:p>
-                      <a:pPr algn="ctr"/>
-                      <a:r>
-                        <a:rPr lang="en-US" dirty="0">
-                          <a:solidFill>
-                            <a:schemeClr val="tx1"/>
-                          </a:solidFill>
-                        </a:rPr>
-                        <a:t>Item 1</a:t>
-                      </a:r>
-                    </a:p>
-                  </a:txBody>
-                  <a:tcPr anchor="ctr">
-                    <a:lnL w="9525" cap="flat" cmpd="sng" algn="ctr">
-                      <a:solidFill>
-                        <a:schemeClr val="tx1"/>
-                      </a:solidFill>
-                      <a:prstDash val="solid"/>
-                      <a:round/>
-                      <a:headEnd type="none" w="med" len="med"/>
-                      <a:tailEnd type="none" w="med" len="med"/>
-                    </a:lnL>
-                    <a:lnR w="9525" cap="flat" cmpd="sng" algn="ctr">
-                      <a:solidFill>
-                        <a:schemeClr val="tx1"/>
-                      </a:solidFill>
-                      <a:prstDash val="solid"/>
-                      <a:round/>
-                      <a:headEnd type="none" w="med" len="med"/>
-                      <a:tailEnd type="none" w="med" len="med"/>
-                    </a:lnR>
-                    <a:lnT w="9525" cap="flat" cmpd="sng" algn="ctr">
-                      <a:solidFill>
-                        <a:schemeClr val="tx1"/>
-                      </a:solidFill>
-                      <a:prstDash val="solid"/>
-                      <a:round/>
-                      <a:headEnd type="none" w="med" len="med"/>
-                      <a:tailEnd type="none" w="med" len="med"/>
-                    </a:lnT>
-                    <a:lnB w="9525" cap="flat" cmpd="sng" algn="ctr">
-                      <a:solidFill>
-                        <a:schemeClr val="tx1"/>
-                      </a:solidFill>
-                      <a:prstDash val="solid"/>
-                      <a:round/>
-                      <a:headEnd type="none" w="med" len="med"/>
-                      <a:tailEnd type="none" w="med" len="med"/>
-                    </a:lnB>
-                    <a:noFill/>
-                  </a:tcPr>
-                </a:tc>
-                <a:tc>
-                  <a:txBody>
-                    <a:bodyPr/>
-                    <a:lstStyle/>
-                    <a:p>
-                      <a:pPr algn="ctr"/>
-                      <a:r>
-                        <a:rPr lang="en-US" dirty="0">
-                          <a:solidFill>
-                            <a:schemeClr val="tx1"/>
-                          </a:solidFill>
-                        </a:rPr>
-                        <a:t>4.5</a:t>
-                      </a:r>
-                    </a:p>
-                  </a:txBody>
-                  <a:tcPr anchor="ctr">
-                    <a:lnL w="9525" cap="flat" cmpd="sng" algn="ctr">
-                      <a:solidFill>
-                        <a:schemeClr val="tx1"/>
-                      </a:solidFill>
-                      <a:prstDash val="solid"/>
-                      <a:round/>
-                      <a:headEnd type="none" w="med" len="med"/>
-                      <a:tailEnd type="none" w="med" len="med"/>
-                    </a:lnL>
-                    <a:lnR w="9525" cap="flat" cmpd="sng" algn="ctr">
-                      <a:solidFill>
-                        <a:schemeClr val="tx1"/>
-                      </a:solidFill>
-                      <a:prstDash val="solid"/>
-                      <a:round/>
-                      <a:headEnd type="none" w="med" len="med"/>
-                      <a:tailEnd type="none" w="med" len="med"/>
-                    </a:lnR>
-                    <a:lnT w="9525" cap="flat" cmpd="sng" algn="ctr">
-                      <a:solidFill>
-                        <a:schemeClr val="tx1"/>
-                      </a:solidFill>
-                      <a:prstDash val="solid"/>
-                      <a:round/>
-                      <a:headEnd type="none" w="med" len="med"/>
-                      <a:tailEnd type="none" w="med" len="med"/>
-                    </a:lnT>
-                    <a:lnB w="9525" cap="flat" cmpd="sng" algn="ctr">
-                      <a:solidFill>
-                        <a:schemeClr val="tx1"/>
-                      </a:solidFill>
-                      <a:prstDash val="solid"/>
-                      <a:round/>
-                      <a:headEnd type="none" w="med" len="med"/>
-                      <a:tailEnd type="none" w="med" len="med"/>
-                    </a:lnB>
-                    <a:noFill/>
-                  </a:tcPr>
-                </a:tc>
-                <a:tc>
-                  <a:txBody>
-                    <a:bodyPr/>
-                    <a:lstStyle/>
-                    <a:p>
-                      <a:pPr algn="ctr"/>
-                      <a:r>
-                        <a:rPr lang="en-US" dirty="0">
-                          <a:solidFill>
-                            <a:schemeClr val="tx1"/>
-                          </a:solidFill>
-                        </a:rPr>
-                        <a:t>2.3</a:t>
-                      </a:r>
-                    </a:p>
-                  </a:txBody>
-                  <a:tcPr anchor="ctr">
-                    <a:lnL w="9525" cap="flat" cmpd="sng" algn="ctr">
-                      <a:solidFill>
-                        <a:schemeClr val="tx1"/>
-                      </a:solidFill>
-                      <a:prstDash val="solid"/>
-                      <a:round/>
-                      <a:headEnd type="none" w="med" len="med"/>
-                      <a:tailEnd type="none" w="med" len="med"/>
-                    </a:lnL>
-                    <a:lnR w="9525" cap="flat" cmpd="sng" algn="ctr">
-                      <a:solidFill>
-                        <a:schemeClr val="tx1"/>
-                      </a:solidFill>
-                      <a:prstDash val="solid"/>
-                      <a:round/>
-                      <a:headEnd type="none" w="med" len="med"/>
-                      <a:tailEnd type="none" w="med" len="med"/>
-                    </a:lnR>
-                    <a:lnT w="9525" cap="flat" cmpd="sng" algn="ctr">
-                      <a:solidFill>
-                        <a:schemeClr val="tx1"/>
-                      </a:solidFill>
-                      <a:prstDash val="solid"/>
-                      <a:round/>
-                      <a:headEnd type="none" w="med" len="med"/>
-                      <a:tailEnd type="none" w="med" len="med"/>
-                    </a:lnT>
-                    <a:lnB w="9525" cap="flat" cmpd="sng" algn="ctr">
-                      <a:solidFill>
-                        <a:schemeClr val="tx1"/>
-                      </a:solidFill>
-                      <a:prstDash val="solid"/>
-                      <a:round/>
-                      <a:headEnd type="none" w="med" len="med"/>
-                      <a:tailEnd type="none" w="med" len="med"/>
-                    </a:lnB>
-                    <a:noFill/>
-                  </a:tcPr>
-                </a:tc>
-                <a:tc>
-                  <a:txBody>
-                    <a:bodyPr/>
-                    <a:lstStyle/>
-                    <a:p>
-                      <a:pPr algn="ctr"/>
-                      <a:r>
-                        <a:rPr lang="en-US" dirty="0">
-                          <a:solidFill>
-                            <a:schemeClr val="tx1"/>
-                          </a:solidFill>
-                        </a:rPr>
-                        <a:t>1.7</a:t>
-                      </a:r>
-                    </a:p>
-                  </a:txBody>
-                  <a:tcPr anchor="ctr">
-                    <a:lnL w="9525" cap="flat" cmpd="sng" algn="ctr">
-                      <a:solidFill>
-                        <a:schemeClr val="tx1"/>
-                      </a:solidFill>
-                      <a:prstDash val="solid"/>
-                      <a:round/>
-                      <a:headEnd type="none" w="med" len="med"/>
-                      <a:tailEnd type="none" w="med" len="med"/>
-                    </a:lnL>
-                    <a:lnR w="9525" cap="flat" cmpd="sng" algn="ctr">
-                      <a:solidFill>
-                        <a:schemeClr val="tx1"/>
-                      </a:solidFill>
-                      <a:prstDash val="solid"/>
-                      <a:round/>
-                      <a:headEnd type="none" w="med" len="med"/>
-                      <a:tailEnd type="none" w="med" len="med"/>
-                    </a:lnR>
-                    <a:lnT w="9525" cap="flat" cmpd="sng" algn="ctr">
-                      <a:solidFill>
-                        <a:schemeClr val="tx1"/>
-                      </a:solidFill>
-                      <a:prstDash val="solid"/>
-                      <a:round/>
-                      <a:headEnd type="none" w="med" len="med"/>
-                      <a:tailEnd type="none" w="med" len="med"/>
-                    </a:lnT>
-                    <a:lnB w="9525" cap="flat" cmpd="sng" algn="ctr">
-                      <a:solidFill>
-                        <a:schemeClr val="tx1"/>
-                      </a:solidFill>
-                      <a:prstDash val="solid"/>
-                      <a:round/>
-                      <a:headEnd type="none" w="med" len="med"/>
-                      <a:tailEnd type="none" w="med" len="med"/>
-                    </a:lnB>
-                    <a:noFill/>
-                  </a:tcPr>
-                </a:tc>
-                <a:tc>
-                  <a:txBody>
-                    <a:bodyPr/>
-                    <a:lstStyle/>
-                    <a:p>
-                      <a:pPr algn="ctr"/>
-                      <a:r>
-                        <a:rPr lang="en-US" dirty="0">
-                          <a:solidFill>
-                            <a:schemeClr val="tx1"/>
-                          </a:solidFill>
-                        </a:rPr>
-                        <a:t>5</a:t>
-                      </a:r>
-                    </a:p>
-                  </a:txBody>
-                  <a:tcPr anchor="ctr">
-                    <a:lnL w="9525" cap="flat" cmpd="sng" algn="ctr">
-                      <a:solidFill>
-                        <a:schemeClr val="tx1"/>
-                      </a:solidFill>
-                      <a:prstDash val="solid"/>
-                      <a:round/>
-                      <a:headEnd type="none" w="med" len="med"/>
-                      <a:tailEnd type="none" w="med" len="med"/>
-                    </a:lnL>
-                    <a:lnR w="9525" cap="flat" cmpd="sng" algn="ctr">
-                      <a:solidFill>
-                        <a:schemeClr val="tx1"/>
-                      </a:solidFill>
-                      <a:prstDash val="solid"/>
-                      <a:round/>
-                      <a:headEnd type="none" w="med" len="med"/>
-                      <a:tailEnd type="none" w="med" len="med"/>
-                    </a:lnR>
-                    <a:lnT w="9525" cap="flat" cmpd="sng" algn="ctr">
-                      <a:solidFill>
-                        <a:schemeClr val="tx1"/>
-                      </a:solidFill>
-                      <a:prstDash val="solid"/>
-                      <a:round/>
-                      <a:headEnd type="none" w="med" len="med"/>
-                      <a:tailEnd type="none" w="med" len="med"/>
-                    </a:lnT>
-                    <a:lnB w="9525" cap="flat" cmpd="sng" algn="ctr">
-                      <a:solidFill>
-                        <a:schemeClr val="tx1"/>
-                      </a:solidFill>
-                      <a:prstDash val="solid"/>
-                      <a:round/>
-                      <a:headEnd type="none" w="med" len="med"/>
-                      <a:tailEnd type="none" w="med" len="med"/>
-                    </a:lnB>
-                    <a:noFill/>
-                  </a:tcPr>
-                </a:tc>
-                <a:extLst>
-                  <a:ext uri="{0D108BD9-81ED-4DB2-BD59-A6C34878D82A}">
-                    <a16:rowId xmlns:a16="http://schemas.microsoft.com/office/drawing/2014/main" val="3922611538"/>
-                  </a:ext>
-                </a:extLst>
-              </a:tr>
-              <a:tr h="493344">
-                <a:tc>
-                  <a:txBody>
-                    <a:bodyPr/>
-                    <a:lstStyle/>
-                    <a:p>
-                      <a:pPr algn="ctr"/>
-                      <a:r>
-                        <a:rPr lang="en-US" dirty="0">
-                          <a:solidFill>
-                            <a:schemeClr val="tx1"/>
-                          </a:solidFill>
-                        </a:rPr>
-                        <a:t>Item 2</a:t>
-                      </a:r>
-                    </a:p>
-                  </a:txBody>
-                  <a:tcPr anchor="ctr">
-                    <a:lnL w="9525" cap="flat" cmpd="sng" algn="ctr">
-                      <a:solidFill>
-                        <a:schemeClr val="tx1"/>
-                      </a:solidFill>
-                      <a:prstDash val="solid"/>
-                      <a:round/>
-                      <a:headEnd type="none" w="med" len="med"/>
-                      <a:tailEnd type="none" w="med" len="med"/>
-                    </a:lnL>
-                    <a:lnR w="9525" cap="flat" cmpd="sng" algn="ctr">
-                      <a:solidFill>
-                        <a:schemeClr val="tx1"/>
-                      </a:solidFill>
-                      <a:prstDash val="solid"/>
-                      <a:round/>
-                      <a:headEnd type="none" w="med" len="med"/>
-                      <a:tailEnd type="none" w="med" len="med"/>
-                    </a:lnR>
-                    <a:lnT w="9525" cap="flat" cmpd="sng" algn="ctr">
-                      <a:solidFill>
-                        <a:schemeClr val="tx1"/>
-                      </a:solidFill>
-                      <a:prstDash val="solid"/>
-                      <a:round/>
-                      <a:headEnd type="none" w="med" len="med"/>
-                      <a:tailEnd type="none" w="med" len="med"/>
-                    </a:lnT>
-                    <a:lnB w="9525" cap="flat" cmpd="sng" algn="ctr">
-                      <a:solidFill>
-                        <a:schemeClr val="tx1"/>
-                      </a:solidFill>
-                      <a:prstDash val="solid"/>
-                      <a:round/>
-                      <a:headEnd type="none" w="med" len="med"/>
-                      <a:tailEnd type="none" w="med" len="med"/>
-                    </a:lnB>
-                    <a:noFill/>
-                  </a:tcPr>
-                </a:tc>
-                <a:tc>
-                  <a:txBody>
-                    <a:bodyPr/>
-                    <a:lstStyle/>
-                    <a:p>
-                      <a:pPr algn="ctr"/>
-                      <a:r>
-                        <a:rPr lang="en-US" dirty="0">
-                          <a:solidFill>
-                            <a:schemeClr val="tx1"/>
-                          </a:solidFill>
-                        </a:rPr>
-                        <a:t>3.2</a:t>
-                      </a:r>
-                    </a:p>
-                  </a:txBody>
-                  <a:tcPr anchor="ctr">
-                    <a:lnL w="9525" cap="flat" cmpd="sng" algn="ctr">
-                      <a:solidFill>
-                        <a:schemeClr val="tx1"/>
-                      </a:solidFill>
-                      <a:prstDash val="solid"/>
-                      <a:round/>
-                      <a:headEnd type="none" w="med" len="med"/>
-                      <a:tailEnd type="none" w="med" len="med"/>
-                    </a:lnL>
-                    <a:lnR w="9525" cap="flat" cmpd="sng" algn="ctr">
-                      <a:solidFill>
-                        <a:schemeClr val="tx1"/>
-                      </a:solidFill>
-                      <a:prstDash val="solid"/>
-                      <a:round/>
-                      <a:headEnd type="none" w="med" len="med"/>
-                      <a:tailEnd type="none" w="med" len="med"/>
-                    </a:lnR>
-                    <a:lnT w="9525" cap="flat" cmpd="sng" algn="ctr">
-                      <a:solidFill>
-                        <a:schemeClr val="tx1"/>
-                      </a:solidFill>
-                      <a:prstDash val="solid"/>
-                      <a:round/>
-                      <a:headEnd type="none" w="med" len="med"/>
-                      <a:tailEnd type="none" w="med" len="med"/>
-                    </a:lnT>
-                    <a:lnB w="9525" cap="flat" cmpd="sng" algn="ctr">
-                      <a:solidFill>
-                        <a:schemeClr val="tx1"/>
-                      </a:solidFill>
-                      <a:prstDash val="solid"/>
-                      <a:round/>
-                      <a:headEnd type="none" w="med" len="med"/>
-                      <a:tailEnd type="none" w="med" len="med"/>
-                    </a:lnB>
-                    <a:noFill/>
-                  </a:tcPr>
-                </a:tc>
-                <a:tc>
-                  <a:txBody>
-                    <a:bodyPr/>
-                    <a:lstStyle/>
-                    <a:p>
-                      <a:pPr algn="ctr"/>
-                      <a:r>
-                        <a:rPr lang="en-US" dirty="0">
-                          <a:solidFill>
-                            <a:schemeClr val="tx1"/>
-                          </a:solidFill>
-                        </a:rPr>
-                        <a:t>5.1</a:t>
-                      </a:r>
-                    </a:p>
-                  </a:txBody>
-                  <a:tcPr anchor="ctr">
-                    <a:lnL w="9525" cap="flat" cmpd="sng" algn="ctr">
-                      <a:solidFill>
-                        <a:schemeClr val="tx1"/>
-                      </a:solidFill>
-                      <a:prstDash val="solid"/>
-                      <a:round/>
-                      <a:headEnd type="none" w="med" len="med"/>
-                      <a:tailEnd type="none" w="med" len="med"/>
-                    </a:lnL>
-                    <a:lnR w="9525" cap="flat" cmpd="sng" algn="ctr">
-                      <a:solidFill>
-                        <a:schemeClr val="tx1"/>
-                      </a:solidFill>
-                      <a:prstDash val="solid"/>
-                      <a:round/>
-                      <a:headEnd type="none" w="med" len="med"/>
-                      <a:tailEnd type="none" w="med" len="med"/>
-                    </a:lnR>
-                    <a:lnT w="9525" cap="flat" cmpd="sng" algn="ctr">
-                      <a:solidFill>
-                        <a:schemeClr val="tx1"/>
-                      </a:solidFill>
-                      <a:prstDash val="solid"/>
-                      <a:round/>
-                      <a:headEnd type="none" w="med" len="med"/>
-                      <a:tailEnd type="none" w="med" len="med"/>
-                    </a:lnT>
-                    <a:lnB w="9525" cap="flat" cmpd="sng" algn="ctr">
-                      <a:solidFill>
-                        <a:schemeClr val="tx1"/>
-                      </a:solidFill>
-                      <a:prstDash val="solid"/>
-                      <a:round/>
-                      <a:headEnd type="none" w="med" len="med"/>
-                      <a:tailEnd type="none" w="med" len="med"/>
-                    </a:lnB>
-                    <a:noFill/>
-                  </a:tcPr>
-                </a:tc>
-                <a:tc>
-                  <a:txBody>
-                    <a:bodyPr/>
-                    <a:lstStyle/>
-                    <a:p>
-                      <a:pPr algn="ctr"/>
-                      <a:r>
-                        <a:rPr lang="en-US" dirty="0">
-                          <a:solidFill>
-                            <a:schemeClr val="tx1"/>
-                          </a:solidFill>
-                        </a:rPr>
-                        <a:t>4.4</a:t>
-                      </a:r>
-                    </a:p>
-                  </a:txBody>
-                  <a:tcPr anchor="ctr">
-                    <a:lnL w="9525" cap="flat" cmpd="sng" algn="ctr">
-                      <a:solidFill>
-                        <a:schemeClr val="tx1"/>
-                      </a:solidFill>
-                      <a:prstDash val="solid"/>
-                      <a:round/>
-                      <a:headEnd type="none" w="med" len="med"/>
-                      <a:tailEnd type="none" w="med" len="med"/>
-                    </a:lnL>
-                    <a:lnR w="9525" cap="flat" cmpd="sng" algn="ctr">
-                      <a:solidFill>
-                        <a:schemeClr val="tx1"/>
-                      </a:solidFill>
-                      <a:prstDash val="solid"/>
-                      <a:round/>
-                      <a:headEnd type="none" w="med" len="med"/>
-                      <a:tailEnd type="none" w="med" len="med"/>
-                    </a:lnR>
-                    <a:lnT w="9525" cap="flat" cmpd="sng" algn="ctr">
-                      <a:solidFill>
-                        <a:schemeClr val="tx1"/>
-                      </a:solidFill>
-                      <a:prstDash val="solid"/>
-                      <a:round/>
-                      <a:headEnd type="none" w="med" len="med"/>
-                      <a:tailEnd type="none" w="med" len="med"/>
-                    </a:lnT>
-                    <a:lnB w="9525" cap="flat" cmpd="sng" algn="ctr">
-                      <a:solidFill>
-                        <a:schemeClr val="tx1"/>
-                      </a:solidFill>
-                      <a:prstDash val="solid"/>
-                      <a:round/>
-                      <a:headEnd type="none" w="med" len="med"/>
-                      <a:tailEnd type="none" w="med" len="med"/>
-                    </a:lnB>
-                    <a:noFill/>
-                  </a:tcPr>
-                </a:tc>
-                <a:tc>
-                  <a:txBody>
-                    <a:bodyPr/>
-                    <a:lstStyle/>
-                    <a:p>
-                      <a:pPr algn="ctr"/>
-                      <a:r>
-                        <a:rPr lang="en-US" dirty="0">
-                          <a:solidFill>
-                            <a:schemeClr val="tx1"/>
-                          </a:solidFill>
-                        </a:rPr>
-                        <a:t>3</a:t>
-                      </a:r>
-                    </a:p>
-                  </a:txBody>
-                  <a:tcPr anchor="ctr">
-                    <a:lnL w="9525" cap="flat" cmpd="sng" algn="ctr">
-                      <a:solidFill>
-                        <a:schemeClr val="tx1"/>
-                      </a:solidFill>
-                      <a:prstDash val="solid"/>
-                      <a:round/>
-                      <a:headEnd type="none" w="med" len="med"/>
-                      <a:tailEnd type="none" w="med" len="med"/>
-                    </a:lnL>
-                    <a:lnR w="9525" cap="flat" cmpd="sng" algn="ctr">
-                      <a:solidFill>
-                        <a:schemeClr val="tx1"/>
-                      </a:solidFill>
-                      <a:prstDash val="solid"/>
-                      <a:round/>
-                      <a:headEnd type="none" w="med" len="med"/>
-                      <a:tailEnd type="none" w="med" len="med"/>
-                    </a:lnR>
-                    <a:lnT w="9525" cap="flat" cmpd="sng" algn="ctr">
-                      <a:solidFill>
-                        <a:schemeClr val="tx1"/>
-                      </a:solidFill>
-                      <a:prstDash val="solid"/>
-                      <a:round/>
-                      <a:headEnd type="none" w="med" len="med"/>
-                      <a:tailEnd type="none" w="med" len="med"/>
-                    </a:lnT>
-                    <a:lnB w="9525" cap="flat" cmpd="sng" algn="ctr">
-                      <a:solidFill>
-                        <a:schemeClr val="tx1"/>
-                      </a:solidFill>
-                      <a:prstDash val="solid"/>
-                      <a:round/>
-                      <a:headEnd type="none" w="med" len="med"/>
-                      <a:tailEnd type="none" w="med" len="med"/>
-                    </a:lnB>
-                    <a:noFill/>
-                  </a:tcPr>
-                </a:tc>
-                <a:extLst>
-                  <a:ext uri="{0D108BD9-81ED-4DB2-BD59-A6C34878D82A}">
-                    <a16:rowId xmlns:a16="http://schemas.microsoft.com/office/drawing/2014/main" val="1580915798"/>
-                  </a:ext>
-                </a:extLst>
-              </a:tr>
-              <a:tr h="493344">
-                <a:tc>
-                  <a:txBody>
-                    <a:bodyPr/>
-                    <a:lstStyle/>
-                    <a:p>
-                      <a:pPr algn="ctr"/>
-                      <a:r>
-                        <a:rPr lang="en-US" dirty="0">
-                          <a:solidFill>
-                            <a:schemeClr val="tx1"/>
-                          </a:solidFill>
-                        </a:rPr>
-                        <a:t>Item 3</a:t>
-                      </a:r>
-                    </a:p>
-                  </a:txBody>
-                  <a:tcPr anchor="ctr">
-                    <a:lnL w="9525" cap="flat" cmpd="sng" algn="ctr">
-                      <a:solidFill>
-                        <a:schemeClr val="tx1"/>
-                      </a:solidFill>
-                      <a:prstDash val="solid"/>
-                      <a:round/>
-                      <a:headEnd type="none" w="med" len="med"/>
-                      <a:tailEnd type="none" w="med" len="med"/>
-                    </a:lnL>
-                    <a:lnR w="9525" cap="flat" cmpd="sng" algn="ctr">
-                      <a:solidFill>
-                        <a:schemeClr val="tx1"/>
-                      </a:solidFill>
-                      <a:prstDash val="solid"/>
-                      <a:round/>
-                      <a:headEnd type="none" w="med" len="med"/>
-                      <a:tailEnd type="none" w="med" len="med"/>
-                    </a:lnR>
-                    <a:lnT w="9525" cap="flat" cmpd="sng" algn="ctr">
-                      <a:solidFill>
-                        <a:schemeClr val="tx1"/>
-                      </a:solidFill>
-                      <a:prstDash val="solid"/>
-                      <a:round/>
-                      <a:headEnd type="none" w="med" len="med"/>
-                      <a:tailEnd type="none" w="med" len="med"/>
-                    </a:lnT>
-                    <a:lnB w="9525" cap="flat" cmpd="sng" algn="ctr">
-                      <a:solidFill>
-                        <a:schemeClr val="tx1"/>
-                      </a:solidFill>
-                      <a:prstDash val="solid"/>
-                      <a:round/>
-                      <a:headEnd type="none" w="med" len="med"/>
-                      <a:tailEnd type="none" w="med" len="med"/>
-                    </a:lnB>
-                    <a:noFill/>
-                  </a:tcPr>
-                </a:tc>
-                <a:tc>
-                  <a:txBody>
-                    <a:bodyPr/>
-                    <a:lstStyle/>
-                    <a:p>
-                      <a:pPr algn="ctr"/>
-                      <a:r>
-                        <a:rPr lang="en-US" dirty="0">
-                          <a:solidFill>
-                            <a:schemeClr val="tx1"/>
-                          </a:solidFill>
-                        </a:rPr>
-                        <a:t>2.1</a:t>
-                      </a:r>
-                    </a:p>
-                  </a:txBody>
-                  <a:tcPr anchor="ctr">
-                    <a:lnL w="9525" cap="flat" cmpd="sng" algn="ctr">
-                      <a:solidFill>
-                        <a:schemeClr val="tx1"/>
-                      </a:solidFill>
-                      <a:prstDash val="solid"/>
-                      <a:round/>
-                      <a:headEnd type="none" w="med" len="med"/>
-                      <a:tailEnd type="none" w="med" len="med"/>
-                    </a:lnL>
-                    <a:lnR w="9525" cap="flat" cmpd="sng" algn="ctr">
-                      <a:solidFill>
-                        <a:schemeClr val="tx1"/>
-                      </a:solidFill>
-                      <a:prstDash val="solid"/>
-                      <a:round/>
-                      <a:headEnd type="none" w="med" len="med"/>
-                      <a:tailEnd type="none" w="med" len="med"/>
-                    </a:lnR>
-                    <a:lnT w="9525" cap="flat" cmpd="sng" algn="ctr">
-                      <a:solidFill>
-                        <a:schemeClr val="tx1"/>
-                      </a:solidFill>
-                      <a:prstDash val="solid"/>
-                      <a:round/>
-                      <a:headEnd type="none" w="med" len="med"/>
-                      <a:tailEnd type="none" w="med" len="med"/>
-                    </a:lnT>
-                    <a:lnB w="9525" cap="flat" cmpd="sng" algn="ctr">
-                      <a:solidFill>
-                        <a:schemeClr val="tx1"/>
-                      </a:solidFill>
-                      <a:prstDash val="solid"/>
-                      <a:round/>
-                      <a:headEnd type="none" w="med" len="med"/>
-                      <a:tailEnd type="none" w="med" len="med"/>
-                    </a:lnB>
-                    <a:noFill/>
-                  </a:tcPr>
-                </a:tc>
-                <a:tc>
-                  <a:txBody>
-                    <a:bodyPr/>
-                    <a:lstStyle/>
-                    <a:p>
-                      <a:pPr algn="ctr"/>
-                      <a:r>
-                        <a:rPr lang="en-US" dirty="0">
-                          <a:solidFill>
-                            <a:schemeClr val="tx1"/>
-                          </a:solidFill>
-                        </a:rPr>
-                        <a:t>1.7</a:t>
-                      </a:r>
-                    </a:p>
-                  </a:txBody>
-                  <a:tcPr anchor="ctr">
-                    <a:lnL w="9525" cap="flat" cmpd="sng" algn="ctr">
-                      <a:solidFill>
-                        <a:schemeClr val="tx1"/>
-                      </a:solidFill>
-                      <a:prstDash val="solid"/>
-                      <a:round/>
-                      <a:headEnd type="none" w="med" len="med"/>
-                      <a:tailEnd type="none" w="med" len="med"/>
-                    </a:lnL>
-                    <a:lnR w="9525" cap="flat" cmpd="sng" algn="ctr">
-                      <a:solidFill>
-                        <a:schemeClr val="tx1"/>
-                      </a:solidFill>
-                      <a:prstDash val="solid"/>
-                      <a:round/>
-                      <a:headEnd type="none" w="med" len="med"/>
-                      <a:tailEnd type="none" w="med" len="med"/>
-                    </a:lnR>
-                    <a:lnT w="9525" cap="flat" cmpd="sng" algn="ctr">
-                      <a:solidFill>
-                        <a:schemeClr val="tx1"/>
-                      </a:solidFill>
-                      <a:prstDash val="solid"/>
-                      <a:round/>
-                      <a:headEnd type="none" w="med" len="med"/>
-                      <a:tailEnd type="none" w="med" len="med"/>
-                    </a:lnT>
-                    <a:lnB w="9525" cap="flat" cmpd="sng" algn="ctr">
-                      <a:solidFill>
-                        <a:schemeClr val="tx1"/>
-                      </a:solidFill>
-                      <a:prstDash val="solid"/>
-                      <a:round/>
-                      <a:headEnd type="none" w="med" len="med"/>
-                      <a:tailEnd type="none" w="med" len="med"/>
-                    </a:lnB>
-                    <a:noFill/>
-                  </a:tcPr>
-                </a:tc>
-                <a:tc>
-                  <a:txBody>
-                    <a:bodyPr/>
-                    <a:lstStyle/>
-                    <a:p>
-                      <a:pPr algn="ctr"/>
-                      <a:r>
-                        <a:rPr lang="en-US" dirty="0">
-                          <a:solidFill>
-                            <a:schemeClr val="tx1"/>
-                          </a:solidFill>
-                        </a:rPr>
-                        <a:t>2.5</a:t>
-                      </a:r>
-                    </a:p>
-                  </a:txBody>
-                  <a:tcPr anchor="ctr">
-                    <a:lnL w="9525" cap="flat" cmpd="sng" algn="ctr">
-                      <a:solidFill>
-                        <a:schemeClr val="tx1"/>
-                      </a:solidFill>
-                      <a:prstDash val="solid"/>
-                      <a:round/>
-                      <a:headEnd type="none" w="med" len="med"/>
-                      <a:tailEnd type="none" w="med" len="med"/>
-                    </a:lnL>
-                    <a:lnR w="9525" cap="flat" cmpd="sng" algn="ctr">
-                      <a:solidFill>
-                        <a:schemeClr val="tx1"/>
-                      </a:solidFill>
-                      <a:prstDash val="solid"/>
-                      <a:round/>
-                      <a:headEnd type="none" w="med" len="med"/>
-                      <a:tailEnd type="none" w="med" len="med"/>
-                    </a:lnR>
-                    <a:lnT w="9525" cap="flat" cmpd="sng" algn="ctr">
-                      <a:solidFill>
-                        <a:schemeClr val="tx1"/>
-                      </a:solidFill>
-                      <a:prstDash val="solid"/>
-                      <a:round/>
-                      <a:headEnd type="none" w="med" len="med"/>
-                      <a:tailEnd type="none" w="med" len="med"/>
-                    </a:lnT>
-                    <a:lnB w="9525" cap="flat" cmpd="sng" algn="ctr">
-                      <a:solidFill>
-                        <a:schemeClr val="tx1"/>
-                      </a:solidFill>
-                      <a:prstDash val="solid"/>
-                      <a:round/>
-                      <a:headEnd type="none" w="med" len="med"/>
-                      <a:tailEnd type="none" w="med" len="med"/>
-                    </a:lnB>
-                    <a:noFill/>
-                  </a:tcPr>
-                </a:tc>
-                <a:tc>
-                  <a:txBody>
-                    <a:bodyPr/>
-                    <a:lstStyle/>
-                    <a:p>
-                      <a:pPr algn="ctr"/>
-                      <a:r>
-                        <a:rPr lang="en-US" dirty="0">
-                          <a:solidFill>
-                            <a:schemeClr val="tx1"/>
-                          </a:solidFill>
-                        </a:rPr>
-                        <a:t>2.8</a:t>
-                      </a:r>
-                    </a:p>
-                  </a:txBody>
-                  <a:tcPr anchor="ctr">
-                    <a:lnL w="9525" cap="flat" cmpd="sng" algn="ctr">
-                      <a:solidFill>
-                        <a:schemeClr val="tx1"/>
-                      </a:solidFill>
-                      <a:prstDash val="solid"/>
-                      <a:round/>
-                      <a:headEnd type="none" w="med" len="med"/>
-                      <a:tailEnd type="none" w="med" len="med"/>
-                    </a:lnL>
-                    <a:lnR w="9525" cap="flat" cmpd="sng" algn="ctr">
-                      <a:solidFill>
-                        <a:schemeClr val="tx1"/>
-                      </a:solidFill>
-                      <a:prstDash val="solid"/>
-                      <a:round/>
-                      <a:headEnd type="none" w="med" len="med"/>
-                      <a:tailEnd type="none" w="med" len="med"/>
-                    </a:lnR>
-                    <a:lnT w="9525" cap="flat" cmpd="sng" algn="ctr">
-                      <a:solidFill>
-                        <a:schemeClr val="tx1"/>
-                      </a:solidFill>
-                      <a:prstDash val="solid"/>
-                      <a:round/>
-                      <a:headEnd type="none" w="med" len="med"/>
-                      <a:tailEnd type="none" w="med" len="med"/>
-                    </a:lnT>
-                    <a:lnB w="9525" cap="flat" cmpd="sng" algn="ctr">
-                      <a:solidFill>
-                        <a:schemeClr val="tx1"/>
-                      </a:solidFill>
-                      <a:prstDash val="solid"/>
-                      <a:round/>
-                      <a:headEnd type="none" w="med" len="med"/>
-                      <a:tailEnd type="none" w="med" len="med"/>
-                    </a:lnB>
-                    <a:noFill/>
-                  </a:tcPr>
-                </a:tc>
-                <a:extLst>
-                  <a:ext uri="{0D108BD9-81ED-4DB2-BD59-A6C34878D82A}">
-                    <a16:rowId xmlns:a16="http://schemas.microsoft.com/office/drawing/2014/main" val="3796691047"/>
-                  </a:ext>
-                </a:extLst>
-              </a:tr>
-              <a:tr h="493344">
-                <a:tc>
-                  <a:txBody>
-                    <a:bodyPr/>
-                    <a:lstStyle/>
-                    <a:p>
-                      <a:pPr algn="ctr"/>
-                      <a:r>
-                        <a:rPr lang="en-US" dirty="0">
-                          <a:solidFill>
-                            <a:schemeClr val="tx1"/>
-                          </a:solidFill>
-                        </a:rPr>
-                        <a:t>Item 4</a:t>
-                      </a:r>
-                    </a:p>
-                  </a:txBody>
-                  <a:tcPr anchor="ctr">
-                    <a:lnL w="9525" cap="flat" cmpd="sng" algn="ctr">
-                      <a:solidFill>
-                        <a:schemeClr val="tx1"/>
-                      </a:solidFill>
-                      <a:prstDash val="solid"/>
-                      <a:round/>
-                      <a:headEnd type="none" w="med" len="med"/>
-                      <a:tailEnd type="none" w="med" len="med"/>
-                    </a:lnL>
-                    <a:lnR w="9525" cap="flat" cmpd="sng" algn="ctr">
-                      <a:solidFill>
-                        <a:schemeClr val="tx1"/>
-                      </a:solidFill>
-                      <a:prstDash val="solid"/>
-                      <a:round/>
-                      <a:headEnd type="none" w="med" len="med"/>
-                      <a:tailEnd type="none" w="med" len="med"/>
-                    </a:lnR>
-                    <a:lnT w="9525" cap="flat" cmpd="sng" algn="ctr">
-                      <a:solidFill>
-                        <a:schemeClr val="tx1"/>
-                      </a:solidFill>
-                      <a:prstDash val="solid"/>
-                      <a:round/>
-                      <a:headEnd type="none" w="med" len="med"/>
-                      <a:tailEnd type="none" w="med" len="med"/>
-                    </a:lnT>
-                    <a:lnB w="9525" cap="flat" cmpd="sng" algn="ctr">
-                      <a:solidFill>
-                        <a:schemeClr val="tx1"/>
-                      </a:solidFill>
-                      <a:prstDash val="solid"/>
-                      <a:round/>
-                      <a:headEnd type="none" w="med" len="med"/>
-                      <a:tailEnd type="none" w="med" len="med"/>
-                    </a:lnB>
-                    <a:noFill/>
-                  </a:tcPr>
-                </a:tc>
-                <a:tc>
-                  <a:txBody>
-                    <a:bodyPr/>
-                    <a:lstStyle/>
-                    <a:p>
-                      <a:pPr algn="ctr"/>
-                      <a:r>
-                        <a:rPr lang="en-US" dirty="0">
-                          <a:solidFill>
-                            <a:schemeClr val="tx1"/>
-                          </a:solidFill>
-                        </a:rPr>
-                        <a:t>4.5</a:t>
-                      </a:r>
-                    </a:p>
-                  </a:txBody>
-                  <a:tcPr anchor="ctr">
-                    <a:lnL w="9525" cap="flat" cmpd="sng" algn="ctr">
-                      <a:solidFill>
-                        <a:schemeClr val="tx1"/>
-                      </a:solidFill>
-                      <a:prstDash val="solid"/>
-                      <a:round/>
-                      <a:headEnd type="none" w="med" len="med"/>
-                      <a:tailEnd type="none" w="med" len="med"/>
-                    </a:lnL>
-                    <a:lnR w="9525" cap="flat" cmpd="sng" algn="ctr">
-                      <a:solidFill>
-                        <a:schemeClr val="tx1"/>
-                      </a:solidFill>
-                      <a:prstDash val="solid"/>
-                      <a:round/>
-                      <a:headEnd type="none" w="med" len="med"/>
-                      <a:tailEnd type="none" w="med" len="med"/>
-                    </a:lnR>
-                    <a:lnT w="9525" cap="flat" cmpd="sng" algn="ctr">
-                      <a:solidFill>
-                        <a:schemeClr val="tx1"/>
-                      </a:solidFill>
-                      <a:prstDash val="solid"/>
-                      <a:round/>
-                      <a:headEnd type="none" w="med" len="med"/>
-                      <a:tailEnd type="none" w="med" len="med"/>
-                    </a:lnT>
-                    <a:lnB w="9525" cap="flat" cmpd="sng" algn="ctr">
-                      <a:solidFill>
-                        <a:schemeClr val="tx1"/>
-                      </a:solidFill>
-                      <a:prstDash val="solid"/>
-                      <a:round/>
-                      <a:headEnd type="none" w="med" len="med"/>
-                      <a:tailEnd type="none" w="med" len="med"/>
-                    </a:lnB>
-                    <a:noFill/>
-                  </a:tcPr>
-                </a:tc>
-                <a:tc>
-                  <a:txBody>
-                    <a:bodyPr/>
-                    <a:lstStyle/>
-                    <a:p>
-                      <a:pPr algn="ctr"/>
-                      <a:r>
-                        <a:rPr lang="en-US" dirty="0">
-                          <a:solidFill>
-                            <a:schemeClr val="tx1"/>
-                          </a:solidFill>
-                        </a:rPr>
-                        <a:t>2.2</a:t>
-                      </a:r>
-                    </a:p>
-                  </a:txBody>
-                  <a:tcPr anchor="ctr">
-                    <a:lnL w="9525" cap="flat" cmpd="sng" algn="ctr">
-                      <a:solidFill>
-                        <a:schemeClr val="tx1"/>
-                      </a:solidFill>
-                      <a:prstDash val="solid"/>
-                      <a:round/>
-                      <a:headEnd type="none" w="med" len="med"/>
-                      <a:tailEnd type="none" w="med" len="med"/>
-                    </a:lnL>
-                    <a:lnR w="9525" cap="flat" cmpd="sng" algn="ctr">
-                      <a:solidFill>
-                        <a:schemeClr val="tx1"/>
-                      </a:solidFill>
-                      <a:prstDash val="solid"/>
-                      <a:round/>
-                      <a:headEnd type="none" w="med" len="med"/>
-                      <a:tailEnd type="none" w="med" len="med"/>
-                    </a:lnR>
-                    <a:lnT w="9525" cap="flat" cmpd="sng" algn="ctr">
-                      <a:solidFill>
-                        <a:schemeClr val="tx1"/>
-                      </a:solidFill>
-                      <a:prstDash val="solid"/>
-                      <a:round/>
-                      <a:headEnd type="none" w="med" len="med"/>
-                      <a:tailEnd type="none" w="med" len="med"/>
-                    </a:lnT>
-                    <a:lnB w="9525" cap="flat" cmpd="sng" algn="ctr">
-                      <a:solidFill>
-                        <a:schemeClr val="tx1"/>
-                      </a:solidFill>
-                      <a:prstDash val="solid"/>
-                      <a:round/>
-                      <a:headEnd type="none" w="med" len="med"/>
-                      <a:tailEnd type="none" w="med" len="med"/>
-                    </a:lnB>
-                    <a:noFill/>
-                  </a:tcPr>
-                </a:tc>
-                <a:tc>
-                  <a:txBody>
-                    <a:bodyPr/>
-                    <a:lstStyle/>
-                    <a:p>
-                      <a:pPr algn="ctr"/>
-                      <a:r>
-                        <a:rPr lang="en-US" dirty="0">
-                          <a:solidFill>
-                            <a:schemeClr val="tx1"/>
-                          </a:solidFill>
-                        </a:rPr>
-                        <a:t>1.7</a:t>
-                      </a:r>
-                    </a:p>
-                  </a:txBody>
-                  <a:tcPr anchor="ctr">
-                    <a:lnL w="9525" cap="flat" cmpd="sng" algn="ctr">
-                      <a:solidFill>
-                        <a:schemeClr val="tx1"/>
-                      </a:solidFill>
-                      <a:prstDash val="solid"/>
-                      <a:round/>
-                      <a:headEnd type="none" w="med" len="med"/>
-                      <a:tailEnd type="none" w="med" len="med"/>
-                    </a:lnL>
-                    <a:lnR w="9525" cap="flat" cmpd="sng" algn="ctr">
-                      <a:solidFill>
-                        <a:schemeClr val="tx1"/>
-                      </a:solidFill>
-                      <a:prstDash val="solid"/>
-                      <a:round/>
-                      <a:headEnd type="none" w="med" len="med"/>
-                      <a:tailEnd type="none" w="med" len="med"/>
-                    </a:lnR>
-                    <a:lnT w="9525" cap="flat" cmpd="sng" algn="ctr">
-                      <a:solidFill>
-                        <a:schemeClr val="tx1"/>
-                      </a:solidFill>
-                      <a:prstDash val="solid"/>
-                      <a:round/>
-                      <a:headEnd type="none" w="med" len="med"/>
-                      <a:tailEnd type="none" w="med" len="med"/>
-                    </a:lnT>
-                    <a:lnB w="9525" cap="flat" cmpd="sng" algn="ctr">
-                      <a:solidFill>
-                        <a:schemeClr val="tx1"/>
-                      </a:solidFill>
-                      <a:prstDash val="solid"/>
-                      <a:round/>
-                      <a:headEnd type="none" w="med" len="med"/>
-                      <a:tailEnd type="none" w="med" len="med"/>
-                    </a:lnB>
-                    <a:noFill/>
-                  </a:tcPr>
-                </a:tc>
-                <a:tc>
-                  <a:txBody>
-                    <a:bodyPr/>
-                    <a:lstStyle/>
-                    <a:p>
-                      <a:pPr algn="ctr"/>
-                      <a:r>
-                        <a:rPr lang="en-US" dirty="0">
-                          <a:solidFill>
-                            <a:schemeClr val="tx1"/>
-                          </a:solidFill>
-                        </a:rPr>
-                        <a:t>7</a:t>
-                      </a:r>
-                    </a:p>
-                  </a:txBody>
-                  <a:tcPr anchor="ctr">
-                    <a:lnL w="9525" cap="flat" cmpd="sng" algn="ctr">
-                      <a:solidFill>
-                        <a:schemeClr val="tx1"/>
-                      </a:solidFill>
-                      <a:prstDash val="solid"/>
-                      <a:round/>
-                      <a:headEnd type="none" w="med" len="med"/>
-                      <a:tailEnd type="none" w="med" len="med"/>
-                    </a:lnL>
-                    <a:lnR w="9525" cap="flat" cmpd="sng" algn="ctr">
-                      <a:solidFill>
-                        <a:schemeClr val="tx1"/>
-                      </a:solidFill>
-                      <a:prstDash val="solid"/>
-                      <a:round/>
-                      <a:headEnd type="none" w="med" len="med"/>
-                      <a:tailEnd type="none" w="med" len="med"/>
-                    </a:lnR>
-                    <a:lnT w="9525" cap="flat" cmpd="sng" algn="ctr">
-                      <a:solidFill>
-                        <a:schemeClr val="tx1"/>
-                      </a:solidFill>
-                      <a:prstDash val="solid"/>
-                      <a:round/>
-                      <a:headEnd type="none" w="med" len="med"/>
-                      <a:tailEnd type="none" w="med" len="med"/>
-                    </a:lnT>
-                    <a:lnB w="9525" cap="flat" cmpd="sng" algn="ctr">
-                      <a:solidFill>
-                        <a:schemeClr val="tx1"/>
-                      </a:solidFill>
-                      <a:prstDash val="solid"/>
-                      <a:round/>
-                      <a:headEnd type="none" w="med" len="med"/>
-                      <a:tailEnd type="none" w="med" len="med"/>
-                    </a:lnB>
-                    <a:noFill/>
-                  </a:tcPr>
-                </a:tc>
-                <a:extLst>
-                  <a:ext uri="{0D108BD9-81ED-4DB2-BD59-A6C34878D82A}">
-                    <a16:rowId xmlns:a16="http://schemas.microsoft.com/office/drawing/2014/main" val="3721269701"/>
-                  </a:ext>
-                </a:extLst>
-              </a:tr>
-            </a:tbl>
-          </a:graphicData>
-        </a:graphic>
-      </p:graphicFrame>
-      <p:sp>
-        <p:nvSpPr>
-          <p:cNvPr id="14" name="Date Placeholder 13">
-            <a:extLst>
-              <a:ext uri="{FF2B5EF4-FFF2-40B4-BE49-F238E27FC236}">
-                <a16:creationId xmlns:a16="http://schemas.microsoft.com/office/drawing/2014/main" id="{DC738669-5750-45EA-9715-A0041D4C569B}"/>
-              </a:ext>
-            </a:extLst>
-          </p:cNvPr>
-          <p:cNvSpPr>
-            <a:spLocks noGrp="1"/>
-          </p:cNvSpPr>
-          <p:nvPr>
-            <p:ph type="dt" sz="half" idx="10"/>
-          </p:nvPr>
-        </p:nvSpPr>
-        <p:spPr>
-          <a:xfrm>
-            <a:off x="550863" y="6507212"/>
-            <a:ext cx="2628900" cy="153888"/>
-          </a:xfrm>
-        </p:spPr>
-        <p:txBody>
-          <a:bodyPr/>
-          <a:lstStyle/>
-          <a:p>
-            <a:r>
-              <a:rPr lang="en-US"/>
-              <a:t>Tuesday, February 2, 20XX</a:t>
-            </a:r>
-          </a:p>
-        </p:txBody>
-      </p:sp>
-      <p:sp>
-        <p:nvSpPr>
-          <p:cNvPr id="15" name="Footer Placeholder 14">
-            <a:extLst>
-              <a:ext uri="{FF2B5EF4-FFF2-40B4-BE49-F238E27FC236}">
-                <a16:creationId xmlns:a16="http://schemas.microsoft.com/office/drawing/2014/main" id="{CD05A243-8080-4F6D-8538-65CDDF891BA6}"/>
-              </a:ext>
-            </a:extLst>
-          </p:cNvPr>
-          <p:cNvSpPr>
-            <a:spLocks noGrp="1"/>
-          </p:cNvSpPr>
-          <p:nvPr>
-            <p:ph type="ftr" sz="quarter" idx="11"/>
-          </p:nvPr>
-        </p:nvSpPr>
-        <p:spPr>
-          <a:xfrm>
-            <a:off x="3359150" y="6507212"/>
-            <a:ext cx="6379210" cy="153888"/>
-          </a:xfrm>
-        </p:spPr>
-        <p:txBody>
-          <a:bodyPr/>
-          <a:lstStyle/>
-          <a:p>
-            <a:r>
-              <a:rPr lang="en-US"/>
-              <a:t>Sample Footer Text</a:t>
-            </a:r>
-          </a:p>
-        </p:txBody>
-      </p:sp>
-      <p:sp>
-        <p:nvSpPr>
-          <p:cNvPr id="16" name="Slide Number Placeholder 15">
-            <a:extLst>
-              <a:ext uri="{FF2B5EF4-FFF2-40B4-BE49-F238E27FC236}">
-                <a16:creationId xmlns:a16="http://schemas.microsoft.com/office/drawing/2014/main" id="{3F8A62C8-5437-4C47-AC0F-0605F84CBA57}"/>
-              </a:ext>
-            </a:extLst>
-          </p:cNvPr>
-          <p:cNvSpPr>
-            <a:spLocks noGrp="1"/>
-          </p:cNvSpPr>
-          <p:nvPr>
-            <p:ph type="sldNum" sz="quarter" idx="12"/>
-          </p:nvPr>
-        </p:nvSpPr>
-        <p:spPr>
-          <a:xfrm>
-            <a:off x="9948863" y="6507212"/>
-            <a:ext cx="1692274" cy="153888"/>
-          </a:xfrm>
-        </p:spPr>
-        <p:txBody>
-          <a:bodyPr/>
-          <a:lstStyle/>
-          <a:p>
-            <a:fld id="{DBA1B0FB-D917-4C8C-928F-313BD683BF39}" type="slidenum">
-              <a:rPr lang="en-US" smtClean="0"/>
-              <a:pPr/>
-              <a:t>7</a:t>
-            </a:fld>
-            <a:endParaRPr lang="en-US"/>
-          </a:p>
-        </p:txBody>
-      </p:sp>
-    </p:spTree>
-    <p:extLst>
-      <p:ext uri="{BB962C8B-B14F-4D97-AF65-F5344CB8AC3E}">
-        <p14:creationId xmlns:p14="http://schemas.microsoft.com/office/powerpoint/2010/main" val="2496947791"/>
-      </p:ext>
-    </p:extLst>
-  </p:cSld>
-  <p:clrMapOvr>
-    <a:masterClrMapping/>
-  </p:clrMapOvr>
-</p:sld>
-</file>
-
-<file path=ppt/slides/slide8.xml><?xml version="1.0" encoding="utf-8"?>
-<p:sld xmlns:a="http://schemas.openxmlformats.org/drawingml/2006/main" xmlns:r="http://schemas.openxmlformats.org/officeDocument/2006/relationships" xmlns:p="http://schemas.openxmlformats.org/presentationml/2006/main">
-  <p:cSld>
-    <p:spTree>
-      <p:nvGrpSpPr>
-        <p:cNvPr id="1" name=""/>
-        <p:cNvGrpSpPr/>
-        <p:nvPr/>
-      </p:nvGrpSpPr>
-      <p:grpSpPr>
-        <a:xfrm>
-          <a:off x="0" y="0"/>
-          <a:ext cx="0" cy="0"/>
-          <a:chOff x="0" y="0"/>
-          <a:chExt cx="0" cy="0"/>
-        </a:xfrm>
-      </p:grpSpPr>
-      <p:sp>
-        <p:nvSpPr>
-          <p:cNvPr id="14" name="Title 13">
-            <a:extLst>
-              <a:ext uri="{FF2B5EF4-FFF2-40B4-BE49-F238E27FC236}">
-                <a16:creationId xmlns:a16="http://schemas.microsoft.com/office/drawing/2014/main" id="{C15EE852-24F1-4643-8082-AB45CFF2BA10}"/>
-              </a:ext>
-            </a:extLst>
-          </p:cNvPr>
-          <p:cNvSpPr>
-            <a:spLocks noGrp="1"/>
-          </p:cNvSpPr>
-          <p:nvPr>
-            <p:ph type="title"/>
-          </p:nvPr>
-        </p:nvSpPr>
-        <p:spPr>
-          <a:xfrm>
-            <a:off x="550864" y="549275"/>
-            <a:ext cx="3566160" cy="3384550"/>
-          </a:xfrm>
-        </p:spPr>
-        <p:txBody>
-          <a:bodyPr>
-            <a:normAutofit/>
-          </a:bodyPr>
-          <a:lstStyle/>
-          <a:p>
-            <a:r>
-              <a:rPr lang="en-US" dirty="0"/>
-              <a:t>The way to get started is to quit talking and begin doing.</a:t>
-            </a:r>
-          </a:p>
-        </p:txBody>
-      </p:sp>
-      <p:sp>
-        <p:nvSpPr>
-          <p:cNvPr id="15" name="Content Placeholder 14">
-            <a:extLst>
-              <a:ext uri="{FF2B5EF4-FFF2-40B4-BE49-F238E27FC236}">
-                <a16:creationId xmlns:a16="http://schemas.microsoft.com/office/drawing/2014/main" id="{4139825C-53C7-44F4-A064-9795CECD081B}"/>
-              </a:ext>
-            </a:extLst>
-          </p:cNvPr>
-          <p:cNvSpPr>
-            <a:spLocks noGrp="1"/>
-          </p:cNvSpPr>
-          <p:nvPr>
-            <p:ph sz="quarter" idx="15"/>
-          </p:nvPr>
-        </p:nvSpPr>
-        <p:spPr>
-          <a:xfrm>
-            <a:off x="550863" y="4097338"/>
-            <a:ext cx="3565524" cy="2351087"/>
-          </a:xfrm>
-        </p:spPr>
-        <p:txBody>
-          <a:bodyPr/>
-          <a:lstStyle/>
-          <a:p>
-            <a:r>
-              <a:rPr lang="en-US" dirty="0"/>
-              <a:t>Walt Disney</a:t>
-            </a:r>
-          </a:p>
-          <a:p>
-            <a:endParaRPr lang="en-US" dirty="0"/>
-          </a:p>
-        </p:txBody>
-      </p:sp>
-      <p:pic>
-        <p:nvPicPr>
-          <p:cNvPr id="18" name="Picture Placeholder 17" descr="A person drawing on a white board">
-            <a:extLst>
-              <a:ext uri="{FF2B5EF4-FFF2-40B4-BE49-F238E27FC236}">
-                <a16:creationId xmlns:a16="http://schemas.microsoft.com/office/drawing/2014/main" id="{301557C2-9072-409B-88EC-E8577CEFCAFB}"/>
-              </a:ext>
-            </a:extLst>
-          </p:cNvPr>
-          <p:cNvPicPr>
-            <a:picLocks noGrp="1" noChangeAspect="1"/>
-          </p:cNvPicPr>
-          <p:nvPr>
-            <p:ph type="pic" sz="quarter" idx="13"/>
-          </p:nvPr>
-        </p:nvPicPr>
-        <p:blipFill rotWithShape="1">
-          <a:blip r:embed="rId2" cstate="screen">
-            <a:extLst>
-              <a:ext uri="{28A0092B-C50C-407E-A947-70E740481C1C}">
-                <a14:useLocalDpi xmlns:a14="http://schemas.microsoft.com/office/drawing/2010/main" val="0"/>
-              </a:ext>
-            </a:extLst>
-          </a:blip>
-          <a:srcRect/>
-          <a:stretch/>
-        </p:blipFill>
-        <p:spPr>
-          <a:xfrm>
-            <a:off x="5535809" y="656633"/>
-            <a:ext cx="5132388" cy="5132388"/>
-          </a:xfrm>
-        </p:spPr>
-      </p:pic>
-      <p:sp>
-        <p:nvSpPr>
-          <p:cNvPr id="19" name="Date Placeholder 18">
-            <a:extLst>
-              <a:ext uri="{FF2B5EF4-FFF2-40B4-BE49-F238E27FC236}">
-                <a16:creationId xmlns:a16="http://schemas.microsoft.com/office/drawing/2014/main" id="{386DB667-0553-4FB8-B0E0-776539934AFF}"/>
-              </a:ext>
-            </a:extLst>
-          </p:cNvPr>
-          <p:cNvSpPr>
-            <a:spLocks noGrp="1"/>
-          </p:cNvSpPr>
-          <p:nvPr>
-            <p:ph type="dt" sz="half" idx="10"/>
-          </p:nvPr>
-        </p:nvSpPr>
-        <p:spPr>
-          <a:xfrm>
-            <a:off x="550863" y="6507212"/>
-            <a:ext cx="2628900" cy="153888"/>
-          </a:xfrm>
-        </p:spPr>
-        <p:txBody>
-          <a:bodyPr/>
-          <a:lstStyle/>
-          <a:p>
-            <a:r>
-              <a:rPr lang="en-US"/>
-              <a:t>Tuesday, February 2, 20XX</a:t>
-            </a:r>
-            <a:endParaRPr lang="en-US" dirty="0"/>
-          </a:p>
-        </p:txBody>
-      </p:sp>
-      <p:sp>
-        <p:nvSpPr>
-          <p:cNvPr id="20" name="Footer Placeholder 19">
-            <a:extLst>
-              <a:ext uri="{FF2B5EF4-FFF2-40B4-BE49-F238E27FC236}">
-                <a16:creationId xmlns:a16="http://schemas.microsoft.com/office/drawing/2014/main" id="{C77C6228-C5A8-44DC-ABD7-A22A4475D3DF}"/>
-              </a:ext>
-            </a:extLst>
-          </p:cNvPr>
-          <p:cNvSpPr>
-            <a:spLocks noGrp="1"/>
-          </p:cNvSpPr>
-          <p:nvPr>
-            <p:ph type="ftr" sz="quarter" idx="11"/>
-          </p:nvPr>
-        </p:nvSpPr>
-        <p:spPr>
-          <a:xfrm>
-            <a:off x="3359150" y="6507212"/>
-            <a:ext cx="6379210" cy="153888"/>
-          </a:xfrm>
-        </p:spPr>
-        <p:txBody>
-          <a:bodyPr/>
-          <a:lstStyle/>
-          <a:p>
-            <a:r>
-              <a:rPr lang="en-US"/>
-              <a:t>Sample Footer Text</a:t>
-            </a:r>
-          </a:p>
-        </p:txBody>
-      </p:sp>
-      <p:sp>
-        <p:nvSpPr>
-          <p:cNvPr id="21" name="Slide Number Placeholder 20">
-            <a:extLst>
-              <a:ext uri="{FF2B5EF4-FFF2-40B4-BE49-F238E27FC236}">
-                <a16:creationId xmlns:a16="http://schemas.microsoft.com/office/drawing/2014/main" id="{1C563B34-DD53-4FB1-B8C2-8914E01C6365}"/>
-              </a:ext>
-            </a:extLst>
-          </p:cNvPr>
-          <p:cNvSpPr>
-            <a:spLocks noGrp="1"/>
-          </p:cNvSpPr>
-          <p:nvPr>
-            <p:ph type="sldNum" sz="quarter" idx="12"/>
-          </p:nvPr>
-        </p:nvSpPr>
-        <p:spPr>
-          <a:xfrm>
-            <a:off x="9948863" y="6507212"/>
-            <a:ext cx="1692274" cy="153888"/>
-          </a:xfrm>
-        </p:spPr>
-        <p:txBody>
-          <a:bodyPr/>
-          <a:lstStyle/>
-          <a:p>
-            <a:fld id="{DBA1B0FB-D917-4C8C-928F-313BD683BF39}" type="slidenum">
-              <a:rPr lang="en-US" smtClean="0"/>
-              <a:pPr/>
-              <a:t>8</a:t>
-            </a:fld>
-            <a:endParaRPr lang="en-US"/>
-          </a:p>
-        </p:txBody>
-      </p:sp>
-    </p:spTree>
-    <p:extLst>
-      <p:ext uri="{BB962C8B-B14F-4D97-AF65-F5344CB8AC3E}">
-        <p14:creationId xmlns:p14="http://schemas.microsoft.com/office/powerpoint/2010/main" val="395518310"/>
-      </p:ext>
-    </p:extLst>
-  </p:cSld>
-  <p:clrMapOvr>
-    <a:masterClrMapping/>
-  </p:clrMapOvr>
-</p:sld>
-</file>
-
-<file path=ppt/slides/slide9.xml><?xml version="1.0" encoding="utf-8"?>
-<p:sld xmlns:a="http://schemas.openxmlformats.org/drawingml/2006/main" xmlns:r="http://schemas.openxmlformats.org/officeDocument/2006/relationships" xmlns:p="http://schemas.openxmlformats.org/presentationml/2006/main">
-  <p:cSld>
-    <p:spTree>
-      <p:nvGrpSpPr>
-        <p:cNvPr id="1" name=""/>
-        <p:cNvGrpSpPr/>
-        <p:nvPr/>
-      </p:nvGrpSpPr>
-      <p:grpSpPr>
-        <a:xfrm>
-          <a:off x="0" y="0"/>
-          <a:ext cx="0" cy="0"/>
-          <a:chOff x="0" y="0"/>
-          <a:chExt cx="0" cy="0"/>
-        </a:xfrm>
-      </p:grpSpPr>
-      <p:sp>
-        <p:nvSpPr>
           <p:cNvPr id="6" name="Title 5">
             <a:extLst>
               <a:ext uri="{FF2B5EF4-FFF2-40B4-BE49-F238E27FC236}">
@@ -29020,7 +28532,7 @@
         </p:blipFill>
         <p:spPr>
           <a:xfrm>
-            <a:off x="9464653" y="2070293"/>
+            <a:off x="7283361" y="2070292"/>
             <a:ext cx="1399243" cy="1187466"/>
           </a:xfrm>
         </p:spPr>
@@ -29246,7 +28758,7 @@
         </p:nvSpPr>
         <p:spPr>
           <a:xfrm>
-            <a:off x="9464653" y="3678812"/>
+            <a:off x="7283361" y="3678812"/>
             <a:ext cx="1711325" cy="365760"/>
           </a:xfrm>
         </p:spPr>
@@ -29284,7 +28796,7 @@
         </p:nvSpPr>
         <p:spPr>
           <a:xfrm>
-            <a:off x="9464653" y="4429630"/>
+            <a:off x="7283361" y="4429630"/>
             <a:ext cx="1711572" cy="638175"/>
           </a:xfrm>
         </p:spPr>
@@ -29395,7 +28907,7 @@
             <a:fld id="{DBA1B0FB-D917-4C8C-928F-313BD683BF39}" type="slidenum">
               <a:rPr lang="en-US" smtClean="0"/>
               <a:pPr/>
-              <a:t>9</a:t>
+              <a:t>6</a:t>
             </a:fld>
             <a:endParaRPr lang="en-US"/>
           </a:p>
@@ -29417,7 +28929,7 @@
         </p:nvSpPr>
         <p:spPr>
           <a:xfrm>
-            <a:off x="7320956" y="3655596"/>
+            <a:off x="9538285" y="3655596"/>
             <a:ext cx="1711325" cy="365760"/>
           </a:xfrm>
           <a:prstGeom prst="rect">
@@ -29650,7 +29162,7 @@
         </p:nvSpPr>
         <p:spPr>
           <a:xfrm>
-            <a:off x="7320956" y="4429630"/>
+            <a:off x="9538285" y="4429630"/>
             <a:ext cx="1711572" cy="638174"/>
           </a:xfrm>
           <a:prstGeom prst="rect">
@@ -29880,7 +29392,7 @@
         </p:blipFill>
         <p:spPr>
           <a:xfrm>
-            <a:off x="7320955" y="2056137"/>
+            <a:off x="9538284" y="2056137"/>
             <a:ext cx="1253041" cy="1253041"/>
           </a:xfrm>
           <a:prstGeom prst="rect">
@@ -29958,8 +29470,8 @@
         </p:blipFill>
         <p:spPr>
           <a:xfrm>
-            <a:off x="1078733" y="1964853"/>
-            <a:ext cx="1691640" cy="1435608"/>
+            <a:off x="1078733" y="2056137"/>
+            <a:ext cx="1584076" cy="1344324"/>
           </a:xfrm>
         </p:spPr>
       </p:pic>
@@ -30016,6 +29528,722 @@
     <p:extLst>
       <p:ext uri="{BB962C8B-B14F-4D97-AF65-F5344CB8AC3E}">
         <p14:creationId xmlns:p14="http://schemas.microsoft.com/office/powerpoint/2010/main" val="2979876663"/>
+      </p:ext>
+    </p:extLst>
+  </p:cSld>
+  <p:clrMapOvr>
+    <a:masterClrMapping/>
+  </p:clrMapOvr>
+</p:sld>
+</file>
+
+<file path=ppt/slides/slide7.xml><?xml version="1.0" encoding="utf-8"?>
+<p:sld xmlns:a="http://schemas.openxmlformats.org/drawingml/2006/main" xmlns:r="http://schemas.openxmlformats.org/officeDocument/2006/relationships" xmlns:p="http://schemas.openxmlformats.org/presentationml/2006/main">
+  <p:cSld>
+    <p:spTree>
+      <p:nvGrpSpPr>
+        <p:cNvPr id="1" name=""/>
+        <p:cNvGrpSpPr/>
+        <p:nvPr/>
+      </p:nvGrpSpPr>
+      <p:grpSpPr>
+        <a:xfrm>
+          <a:off x="0" y="0"/>
+          <a:ext cx="0" cy="0"/>
+          <a:chOff x="0" y="0"/>
+          <a:chExt cx="0" cy="0"/>
+        </a:xfrm>
+      </p:grpSpPr>
+      <p:sp>
+        <p:nvSpPr>
+          <p:cNvPr id="14" name="Title 13">
+            <a:extLst>
+              <a:ext uri="{FF2B5EF4-FFF2-40B4-BE49-F238E27FC236}">
+                <a16:creationId xmlns:a16="http://schemas.microsoft.com/office/drawing/2014/main" id="{C15EE852-24F1-4643-8082-AB45CFF2BA10}"/>
+              </a:ext>
+            </a:extLst>
+          </p:cNvPr>
+          <p:cNvSpPr>
+            <a:spLocks noGrp="1"/>
+          </p:cNvSpPr>
+          <p:nvPr>
+            <p:ph type="title"/>
+          </p:nvPr>
+        </p:nvSpPr>
+        <p:spPr>
+          <a:xfrm>
+            <a:off x="550864" y="549275"/>
+            <a:ext cx="3566160" cy="3384550"/>
+          </a:xfrm>
+        </p:spPr>
+        <p:txBody>
+          <a:bodyPr>
+            <a:normAutofit/>
+          </a:bodyPr>
+          <a:lstStyle/>
+          <a:p>
+            <a:r>
+              <a:rPr lang="en-US" dirty="0"/>
+              <a:t>The way to get started is to quit talking and begin doing.</a:t>
+            </a:r>
+          </a:p>
+        </p:txBody>
+      </p:sp>
+      <p:sp>
+        <p:nvSpPr>
+          <p:cNvPr id="15" name="Content Placeholder 14">
+            <a:extLst>
+              <a:ext uri="{FF2B5EF4-FFF2-40B4-BE49-F238E27FC236}">
+                <a16:creationId xmlns:a16="http://schemas.microsoft.com/office/drawing/2014/main" id="{4139825C-53C7-44F4-A064-9795CECD081B}"/>
+              </a:ext>
+            </a:extLst>
+          </p:cNvPr>
+          <p:cNvSpPr>
+            <a:spLocks noGrp="1"/>
+          </p:cNvSpPr>
+          <p:nvPr>
+            <p:ph sz="quarter" idx="15"/>
+          </p:nvPr>
+        </p:nvSpPr>
+        <p:spPr>
+          <a:xfrm>
+            <a:off x="550863" y="4097338"/>
+            <a:ext cx="3565524" cy="2351087"/>
+          </a:xfrm>
+        </p:spPr>
+        <p:txBody>
+          <a:bodyPr/>
+          <a:lstStyle/>
+          <a:p>
+            <a:r>
+              <a:rPr lang="en-US" dirty="0"/>
+              <a:t>Walt Disney</a:t>
+            </a:r>
+          </a:p>
+          <a:p>
+            <a:endParaRPr lang="en-US" dirty="0"/>
+          </a:p>
+        </p:txBody>
+      </p:sp>
+      <p:pic>
+        <p:nvPicPr>
+          <p:cNvPr id="18" name="Picture Placeholder 17" descr="A person drawing on a white board">
+            <a:extLst>
+              <a:ext uri="{FF2B5EF4-FFF2-40B4-BE49-F238E27FC236}">
+                <a16:creationId xmlns:a16="http://schemas.microsoft.com/office/drawing/2014/main" id="{301557C2-9072-409B-88EC-E8577CEFCAFB}"/>
+              </a:ext>
+            </a:extLst>
+          </p:cNvPr>
+          <p:cNvPicPr>
+            <a:picLocks noGrp="1" noChangeAspect="1"/>
+          </p:cNvPicPr>
+          <p:nvPr>
+            <p:ph type="pic" sz="quarter" idx="13"/>
+          </p:nvPr>
+        </p:nvPicPr>
+        <p:blipFill rotWithShape="1">
+          <a:blip r:embed="rId2" cstate="screen">
+            <a:extLst>
+              <a:ext uri="{28A0092B-C50C-407E-A947-70E740481C1C}">
+                <a14:useLocalDpi xmlns:a14="http://schemas.microsoft.com/office/drawing/2010/main" val="0"/>
+              </a:ext>
+            </a:extLst>
+          </a:blip>
+          <a:srcRect/>
+          <a:stretch/>
+        </p:blipFill>
+        <p:spPr>
+          <a:xfrm>
+            <a:off x="5535809" y="656633"/>
+            <a:ext cx="5132388" cy="5132388"/>
+          </a:xfrm>
+        </p:spPr>
+      </p:pic>
+      <p:sp>
+        <p:nvSpPr>
+          <p:cNvPr id="19" name="Date Placeholder 18">
+            <a:extLst>
+              <a:ext uri="{FF2B5EF4-FFF2-40B4-BE49-F238E27FC236}">
+                <a16:creationId xmlns:a16="http://schemas.microsoft.com/office/drawing/2014/main" id="{386DB667-0553-4FB8-B0E0-776539934AFF}"/>
+              </a:ext>
+            </a:extLst>
+          </p:cNvPr>
+          <p:cNvSpPr>
+            <a:spLocks noGrp="1"/>
+          </p:cNvSpPr>
+          <p:nvPr>
+            <p:ph type="dt" sz="half" idx="10"/>
+          </p:nvPr>
+        </p:nvSpPr>
+        <p:spPr>
+          <a:xfrm>
+            <a:off x="550863" y="6507212"/>
+            <a:ext cx="2628900" cy="153888"/>
+          </a:xfrm>
+        </p:spPr>
+        <p:txBody>
+          <a:bodyPr/>
+          <a:lstStyle/>
+          <a:p>
+            <a:r>
+              <a:rPr lang="en-US"/>
+              <a:t>Tuesday, February 2, 20XX</a:t>
+            </a:r>
+            <a:endParaRPr lang="en-US" dirty="0"/>
+          </a:p>
+        </p:txBody>
+      </p:sp>
+      <p:sp>
+        <p:nvSpPr>
+          <p:cNvPr id="20" name="Footer Placeholder 19">
+            <a:extLst>
+              <a:ext uri="{FF2B5EF4-FFF2-40B4-BE49-F238E27FC236}">
+                <a16:creationId xmlns:a16="http://schemas.microsoft.com/office/drawing/2014/main" id="{C77C6228-C5A8-44DC-ABD7-A22A4475D3DF}"/>
+              </a:ext>
+            </a:extLst>
+          </p:cNvPr>
+          <p:cNvSpPr>
+            <a:spLocks noGrp="1"/>
+          </p:cNvSpPr>
+          <p:nvPr>
+            <p:ph type="ftr" sz="quarter" idx="11"/>
+          </p:nvPr>
+        </p:nvSpPr>
+        <p:spPr>
+          <a:xfrm>
+            <a:off x="3359150" y="6507212"/>
+            <a:ext cx="6379210" cy="153888"/>
+          </a:xfrm>
+        </p:spPr>
+        <p:txBody>
+          <a:bodyPr/>
+          <a:lstStyle/>
+          <a:p>
+            <a:r>
+              <a:rPr lang="en-US"/>
+              <a:t>Sample Footer Text</a:t>
+            </a:r>
+          </a:p>
+        </p:txBody>
+      </p:sp>
+      <p:sp>
+        <p:nvSpPr>
+          <p:cNvPr id="21" name="Slide Number Placeholder 20">
+            <a:extLst>
+              <a:ext uri="{FF2B5EF4-FFF2-40B4-BE49-F238E27FC236}">
+                <a16:creationId xmlns:a16="http://schemas.microsoft.com/office/drawing/2014/main" id="{1C563B34-DD53-4FB1-B8C2-8914E01C6365}"/>
+              </a:ext>
+            </a:extLst>
+          </p:cNvPr>
+          <p:cNvSpPr>
+            <a:spLocks noGrp="1"/>
+          </p:cNvSpPr>
+          <p:nvPr>
+            <p:ph type="sldNum" sz="quarter" idx="12"/>
+          </p:nvPr>
+        </p:nvSpPr>
+        <p:spPr>
+          <a:xfrm>
+            <a:off x="9948863" y="6507212"/>
+            <a:ext cx="1692274" cy="153888"/>
+          </a:xfrm>
+        </p:spPr>
+        <p:txBody>
+          <a:bodyPr/>
+          <a:lstStyle/>
+          <a:p>
+            <a:fld id="{DBA1B0FB-D917-4C8C-928F-313BD683BF39}" type="slidenum">
+              <a:rPr lang="en-US" smtClean="0"/>
+              <a:pPr/>
+              <a:t>7</a:t>
+            </a:fld>
+            <a:endParaRPr lang="en-US"/>
+          </a:p>
+        </p:txBody>
+      </p:sp>
+    </p:spTree>
+    <p:extLst>
+      <p:ext uri="{BB962C8B-B14F-4D97-AF65-F5344CB8AC3E}">
+        <p14:creationId xmlns:p14="http://schemas.microsoft.com/office/powerpoint/2010/main" val="395518310"/>
+      </p:ext>
+    </p:extLst>
+  </p:cSld>
+  <p:clrMapOvr>
+    <a:masterClrMapping/>
+  </p:clrMapOvr>
+</p:sld>
+</file>
+
+<file path=ppt/slides/slide8.xml><?xml version="1.0" encoding="utf-8"?>
+<p:sld xmlns:a="http://schemas.openxmlformats.org/drawingml/2006/main" xmlns:r="http://schemas.openxmlformats.org/officeDocument/2006/relationships" xmlns:p="http://schemas.openxmlformats.org/presentationml/2006/main">
+  <p:cSld>
+    <p:spTree>
+      <p:nvGrpSpPr>
+        <p:cNvPr id="1" name=""/>
+        <p:cNvGrpSpPr/>
+        <p:nvPr/>
+      </p:nvGrpSpPr>
+      <p:grpSpPr>
+        <a:xfrm>
+          <a:off x="0" y="0"/>
+          <a:ext cx="0" cy="0"/>
+          <a:chOff x="0" y="0"/>
+          <a:chExt cx="0" cy="0"/>
+        </a:xfrm>
+      </p:grpSpPr>
+      <p:sp>
+        <p:nvSpPr>
+          <p:cNvPr id="3" name="Title 2">
+            <a:extLst>
+              <a:ext uri="{FF2B5EF4-FFF2-40B4-BE49-F238E27FC236}">
+                <a16:creationId xmlns:a16="http://schemas.microsoft.com/office/drawing/2014/main" id="{FAD72D26-24EF-4CBD-9431-A558CB7CA906}"/>
+              </a:ext>
+            </a:extLst>
+          </p:cNvPr>
+          <p:cNvSpPr>
+            <a:spLocks noGrp="1"/>
+          </p:cNvSpPr>
+          <p:nvPr>
+            <p:ph type="title"/>
+          </p:nvPr>
+        </p:nvSpPr>
+        <p:spPr>
+          <a:xfrm>
+            <a:off x="550862" y="549275"/>
+            <a:ext cx="11091600" cy="1332000"/>
+          </a:xfrm>
+        </p:spPr>
+        <p:txBody>
+          <a:bodyPr/>
+          <a:lstStyle/>
+          <a:p>
+            <a:r>
+              <a:rPr lang="en-US" dirty="0"/>
+              <a:t>Timeline</a:t>
+            </a:r>
+          </a:p>
+        </p:txBody>
+      </p:sp>
+      <p:graphicFrame>
+        <p:nvGraphicFramePr>
+          <p:cNvPr id="4" name="Content Placeholder 3" descr="Timeline Smart Art Placeholder ">
+            <a:extLst>
+              <a:ext uri="{FF2B5EF4-FFF2-40B4-BE49-F238E27FC236}">
+                <a16:creationId xmlns:a16="http://schemas.microsoft.com/office/drawing/2014/main" id="{93897051-DA8D-4072-A594-51769F8D52F5}"/>
+              </a:ext>
+            </a:extLst>
+          </p:cNvPr>
+          <p:cNvGraphicFramePr>
+            <a:graphicFrameLocks noGrp="1"/>
+          </p:cNvGraphicFramePr>
+          <p:nvPr>
+            <p:ph idx="1"/>
+            <p:extLst>
+              <p:ext uri="{D42A27DB-BD31-4B8C-83A1-F6EECF244321}">
+                <p14:modId xmlns:p14="http://schemas.microsoft.com/office/powerpoint/2010/main" val="2727404955"/>
+              </p:ext>
+            </p:extLst>
+          </p:nvPr>
+        </p:nvGraphicFramePr>
+        <p:xfrm>
+          <a:off x="550863" y="2112963"/>
+          <a:ext cx="11090275" cy="3979862"/>
+        </p:xfrm>
+        <a:graphic>
+          <a:graphicData uri="http://schemas.openxmlformats.org/drawingml/2006/diagram">
+            <dgm:relIds xmlns:dgm="http://schemas.openxmlformats.org/drawingml/2006/diagram" xmlns:r="http://schemas.openxmlformats.org/officeDocument/2006/relationships" r:dm="rId3" r:lo="rId4" r:qs="rId5" r:cs="rId6"/>
+          </a:graphicData>
+        </a:graphic>
+      </p:graphicFrame>
+      <p:sp>
+        <p:nvSpPr>
+          <p:cNvPr id="2" name="Date Placeholder 1">
+            <a:extLst>
+              <a:ext uri="{FF2B5EF4-FFF2-40B4-BE49-F238E27FC236}">
+                <a16:creationId xmlns:a16="http://schemas.microsoft.com/office/drawing/2014/main" id="{81FCAF0A-629F-4EC6-B3E6-563ED999F360}"/>
+              </a:ext>
+            </a:extLst>
+          </p:cNvPr>
+          <p:cNvSpPr>
+            <a:spLocks noGrp="1"/>
+          </p:cNvSpPr>
+          <p:nvPr>
+            <p:ph type="dt" sz="half" idx="10"/>
+          </p:nvPr>
+        </p:nvSpPr>
+        <p:spPr>
+          <a:xfrm>
+            <a:off x="550863" y="6507212"/>
+            <a:ext cx="2628900" cy="153888"/>
+          </a:xfrm>
+        </p:spPr>
+        <p:txBody>
+          <a:bodyPr/>
+          <a:lstStyle/>
+          <a:p>
+            <a:r>
+              <a:rPr lang="en-US"/>
+              <a:t>Tuesday, February 2, 20XX</a:t>
+            </a:r>
+            <a:endParaRPr lang="en-US" dirty="0"/>
+          </a:p>
+        </p:txBody>
+      </p:sp>
+      <p:sp>
+        <p:nvSpPr>
+          <p:cNvPr id="7" name="Footer Placeholder 6">
+            <a:extLst>
+              <a:ext uri="{FF2B5EF4-FFF2-40B4-BE49-F238E27FC236}">
+                <a16:creationId xmlns:a16="http://schemas.microsoft.com/office/drawing/2014/main" id="{920A7C57-D6C5-4BA0-AB3C-41D4E3436B0E}"/>
+              </a:ext>
+            </a:extLst>
+          </p:cNvPr>
+          <p:cNvSpPr>
+            <a:spLocks noGrp="1"/>
+          </p:cNvSpPr>
+          <p:nvPr>
+            <p:ph type="ftr" sz="quarter" idx="11"/>
+          </p:nvPr>
+        </p:nvSpPr>
+        <p:spPr>
+          <a:xfrm>
+            <a:off x="3359150" y="6507212"/>
+            <a:ext cx="6379210" cy="153888"/>
+          </a:xfrm>
+        </p:spPr>
+        <p:txBody>
+          <a:bodyPr/>
+          <a:lstStyle/>
+          <a:p>
+            <a:r>
+              <a:rPr lang="en-US"/>
+              <a:t>Sample Footer Text</a:t>
+            </a:r>
+          </a:p>
+        </p:txBody>
+      </p:sp>
+      <p:sp>
+        <p:nvSpPr>
+          <p:cNvPr id="6" name="Slide Number Placeholder 5">
+            <a:extLst>
+              <a:ext uri="{FF2B5EF4-FFF2-40B4-BE49-F238E27FC236}">
+                <a16:creationId xmlns:a16="http://schemas.microsoft.com/office/drawing/2014/main" id="{5E5CAC52-3FD1-464A-805A-B8F7AF04574A}"/>
+              </a:ext>
+            </a:extLst>
+          </p:cNvPr>
+          <p:cNvSpPr>
+            <a:spLocks noGrp="1"/>
+          </p:cNvSpPr>
+          <p:nvPr>
+            <p:ph type="sldNum" sz="quarter" idx="12"/>
+          </p:nvPr>
+        </p:nvSpPr>
+        <p:spPr>
+          <a:xfrm>
+            <a:off x="9948863" y="6507212"/>
+            <a:ext cx="1692274" cy="153888"/>
+          </a:xfrm>
+        </p:spPr>
+        <p:txBody>
+          <a:bodyPr/>
+          <a:lstStyle/>
+          <a:p>
+            <a:fld id="{DBA1B0FB-D917-4C8C-928F-313BD683BF39}" type="slidenum">
+              <a:rPr lang="en-US" smtClean="0"/>
+              <a:pPr/>
+              <a:t>8</a:t>
+            </a:fld>
+            <a:endParaRPr lang="en-US"/>
+          </a:p>
+        </p:txBody>
+      </p:sp>
+      <p:sp>
+        <p:nvSpPr>
+          <p:cNvPr id="5" name="Oval 4">
+            <a:extLst>
+              <a:ext uri="{FF2B5EF4-FFF2-40B4-BE49-F238E27FC236}">
+                <a16:creationId xmlns:a16="http://schemas.microsoft.com/office/drawing/2014/main" id="{9C4D63C3-2037-D163-2B36-745EDB87239C}"/>
+              </a:ext>
+            </a:extLst>
+          </p:cNvPr>
+          <p:cNvSpPr/>
+          <p:nvPr/>
+        </p:nvSpPr>
+        <p:spPr>
+          <a:xfrm>
+            <a:off x="10906812" y="443060"/>
+            <a:ext cx="768285" cy="721150"/>
+          </a:xfrm>
+          <a:prstGeom prst="ellipse">
+            <a:avLst/>
+          </a:prstGeom>
+          <a:solidFill>
+            <a:srgbClr val="FFFF00"/>
+          </a:solidFill>
+        </p:spPr>
+        <p:style>
+          <a:lnRef idx="2">
+            <a:schemeClr val="accent1">
+              <a:shade val="15000"/>
+            </a:schemeClr>
+          </a:lnRef>
+          <a:fillRef idx="1">
+            <a:schemeClr val="accent1"/>
+          </a:fillRef>
+          <a:effectRef idx="0">
+            <a:schemeClr val="accent1"/>
+          </a:effectRef>
+          <a:fontRef idx="minor">
+            <a:schemeClr val="lt1"/>
+          </a:fontRef>
+        </p:style>
+        <p:txBody>
+          <a:bodyPr rtlCol="0" anchor="ctr"/>
+          <a:lstStyle/>
+          <a:p>
+            <a:pPr algn="ctr"/>
+            <a:endParaRPr lang="en-US"/>
+          </a:p>
+        </p:txBody>
+      </p:sp>
+    </p:spTree>
+    <p:extLst>
+      <p:ext uri="{BB962C8B-B14F-4D97-AF65-F5344CB8AC3E}">
+        <p14:creationId xmlns:p14="http://schemas.microsoft.com/office/powerpoint/2010/main" val="2624630061"/>
+      </p:ext>
+    </p:extLst>
+  </p:cSld>
+  <p:clrMapOvr>
+    <a:masterClrMapping/>
+  </p:clrMapOvr>
+</p:sld>
+</file>
+
+<file path=ppt/slides/slide9.xml><?xml version="1.0" encoding="utf-8"?>
+<p:sld xmlns:a="http://schemas.openxmlformats.org/drawingml/2006/main" xmlns:r="http://schemas.openxmlformats.org/officeDocument/2006/relationships" xmlns:p="http://schemas.openxmlformats.org/presentationml/2006/main">
+  <p:cSld>
+    <p:spTree>
+      <p:nvGrpSpPr>
+        <p:cNvPr id="1" name=""/>
+        <p:cNvGrpSpPr/>
+        <p:nvPr/>
+      </p:nvGrpSpPr>
+      <p:grpSpPr>
+        <a:xfrm>
+          <a:off x="0" y="0"/>
+          <a:ext cx="0" cy="0"/>
+          <a:chOff x="0" y="0"/>
+          <a:chExt cx="0" cy="0"/>
+        </a:xfrm>
+      </p:grpSpPr>
+      <p:sp>
+        <p:nvSpPr>
+          <p:cNvPr id="11" name="Title 10">
+            <a:extLst>
+              <a:ext uri="{FF2B5EF4-FFF2-40B4-BE49-F238E27FC236}">
+                <a16:creationId xmlns:a16="http://schemas.microsoft.com/office/drawing/2014/main" id="{581E8936-2270-47FE-94A4-398CB123EF90}"/>
+              </a:ext>
+            </a:extLst>
+          </p:cNvPr>
+          <p:cNvSpPr>
+            <a:spLocks noGrp="1"/>
+          </p:cNvSpPr>
+          <p:nvPr>
+            <p:ph type="title"/>
+          </p:nvPr>
+        </p:nvSpPr>
+        <p:spPr>
+          <a:xfrm>
+            <a:off x="550863" y="4508500"/>
+            <a:ext cx="4500562" cy="1562959"/>
+          </a:xfrm>
+        </p:spPr>
+        <p:txBody>
+          <a:bodyPr/>
+          <a:lstStyle/>
+          <a:p>
+            <a:r>
+              <a:rPr lang="en-US" dirty="0"/>
+              <a:t>Data Cleaning</a:t>
+            </a:r>
+          </a:p>
+        </p:txBody>
+      </p:sp>
+      <p:pic>
+        <p:nvPicPr>
+          <p:cNvPr id="16" name="Picture Placeholder 15" descr="Data Points Digital background">
+            <a:extLst>
+              <a:ext uri="{FF2B5EF4-FFF2-40B4-BE49-F238E27FC236}">
+                <a16:creationId xmlns:a16="http://schemas.microsoft.com/office/drawing/2014/main" id="{361E9ADB-7377-4CF1-9AE4-AEFBDEBEEEEC}"/>
+              </a:ext>
+            </a:extLst>
+          </p:cNvPr>
+          <p:cNvPicPr>
+            <a:picLocks noGrp="1" noChangeAspect="1"/>
+          </p:cNvPicPr>
+          <p:nvPr>
+            <p:ph type="pic" sz="quarter" idx="13"/>
+          </p:nvPr>
+        </p:nvPicPr>
+        <p:blipFill rotWithShape="1">
+          <a:blip r:embed="rId3" cstate="screen">
+            <a:extLst>
+              <a:ext uri="{28A0092B-C50C-407E-A947-70E740481C1C}">
+                <a14:useLocalDpi xmlns:a14="http://schemas.microsoft.com/office/drawing/2010/main" val="0"/>
+              </a:ext>
+            </a:extLst>
+          </a:blip>
+          <a:srcRect/>
+          <a:stretch/>
+        </p:blipFill>
+        <p:spPr>
+          <a:xfrm>
+            <a:off x="0" y="0"/>
+            <a:ext cx="12192000" cy="3776472"/>
+          </a:xfrm>
+        </p:spPr>
+      </p:pic>
+      <p:sp>
+        <p:nvSpPr>
+          <p:cNvPr id="13" name="Content Placeholder 12">
+            <a:extLst>
+              <a:ext uri="{FF2B5EF4-FFF2-40B4-BE49-F238E27FC236}">
+                <a16:creationId xmlns:a16="http://schemas.microsoft.com/office/drawing/2014/main" id="{C0287FEC-3826-4868-8D93-52429C6156F5}"/>
+              </a:ext>
+            </a:extLst>
+          </p:cNvPr>
+          <p:cNvSpPr>
+            <a:spLocks noGrp="1"/>
+          </p:cNvSpPr>
+          <p:nvPr>
+            <p:ph sz="quarter" idx="15"/>
+          </p:nvPr>
+        </p:nvSpPr>
+        <p:spPr>
+          <a:xfrm>
+            <a:off x="5262411" y="4508500"/>
+            <a:ext cx="6221412" cy="1563688"/>
+          </a:xfrm>
+        </p:spPr>
+        <p:txBody>
+          <a:bodyPr>
+            <a:normAutofit lnSpcReduction="10000"/>
+          </a:bodyPr>
+          <a:lstStyle/>
+          <a:p>
+            <a:r>
+              <a:rPr lang="en-US" dirty="0"/>
+              <a:t>With PowerPoint, you can create presentations and share your work with others, wherever they are. Type the text you want here to get started. You can also add images, art, and videos on this template. Save to OneDrive and access your presentations from your computer, tablet, or phone. </a:t>
+            </a:r>
+          </a:p>
+        </p:txBody>
+      </p:sp>
+      <p:sp>
+        <p:nvSpPr>
+          <p:cNvPr id="4" name="Date Placeholder 3">
+            <a:extLst>
+              <a:ext uri="{FF2B5EF4-FFF2-40B4-BE49-F238E27FC236}">
+                <a16:creationId xmlns:a16="http://schemas.microsoft.com/office/drawing/2014/main" id="{0C329F70-04F7-4C70-BCF8-D4371F54EF2F}"/>
+              </a:ext>
+            </a:extLst>
+          </p:cNvPr>
+          <p:cNvSpPr>
+            <a:spLocks noGrp="1"/>
+          </p:cNvSpPr>
+          <p:nvPr>
+            <p:ph type="dt" sz="half" idx="10"/>
+          </p:nvPr>
+        </p:nvSpPr>
+        <p:spPr>
+          <a:xfrm>
+            <a:off x="550863" y="6507212"/>
+            <a:ext cx="2628900" cy="153888"/>
+          </a:xfrm>
+        </p:spPr>
+        <p:txBody>
+          <a:bodyPr/>
+          <a:lstStyle/>
+          <a:p>
+            <a:r>
+              <a:rPr lang="en-US"/>
+              <a:t>Tuesday, February 2, 20XX</a:t>
+            </a:r>
+            <a:endParaRPr lang="en-US" dirty="0"/>
+          </a:p>
+        </p:txBody>
+      </p:sp>
+      <p:sp>
+        <p:nvSpPr>
+          <p:cNvPr id="5" name="Footer Placeholder 4">
+            <a:extLst>
+              <a:ext uri="{FF2B5EF4-FFF2-40B4-BE49-F238E27FC236}">
+                <a16:creationId xmlns:a16="http://schemas.microsoft.com/office/drawing/2014/main" id="{06A3302E-502D-4151-81C9-5FD6AF9596D6}"/>
+              </a:ext>
+            </a:extLst>
+          </p:cNvPr>
+          <p:cNvSpPr>
+            <a:spLocks noGrp="1"/>
+          </p:cNvSpPr>
+          <p:nvPr>
+            <p:ph type="ftr" sz="quarter" idx="11"/>
+          </p:nvPr>
+        </p:nvSpPr>
+        <p:spPr>
+          <a:xfrm>
+            <a:off x="3359150" y="6507212"/>
+            <a:ext cx="6379210" cy="153888"/>
+          </a:xfrm>
+        </p:spPr>
+        <p:txBody>
+          <a:bodyPr/>
+          <a:lstStyle/>
+          <a:p>
+            <a:r>
+              <a:rPr lang="en-US"/>
+              <a:t>Sample Footer Text</a:t>
+            </a:r>
+          </a:p>
+        </p:txBody>
+      </p:sp>
+      <p:sp>
+        <p:nvSpPr>
+          <p:cNvPr id="6" name="Slide Number Placeholder 5">
+            <a:extLst>
+              <a:ext uri="{FF2B5EF4-FFF2-40B4-BE49-F238E27FC236}">
+                <a16:creationId xmlns:a16="http://schemas.microsoft.com/office/drawing/2014/main" id="{9ED907F8-C614-4D59-A03F-BF9CD5E35703}"/>
+              </a:ext>
+            </a:extLst>
+          </p:cNvPr>
+          <p:cNvSpPr>
+            <a:spLocks noGrp="1"/>
+          </p:cNvSpPr>
+          <p:nvPr>
+            <p:ph type="sldNum" sz="quarter" idx="12"/>
+          </p:nvPr>
+        </p:nvSpPr>
+        <p:spPr>
+          <a:xfrm>
+            <a:off x="9948863" y="6507212"/>
+            <a:ext cx="1692274" cy="153888"/>
+          </a:xfrm>
+        </p:spPr>
+        <p:txBody>
+          <a:bodyPr/>
+          <a:lstStyle/>
+          <a:p>
+            <a:fld id="{DBA1B0FB-D917-4C8C-928F-313BD683BF39}" type="slidenum">
+              <a:rPr lang="en-US" smtClean="0"/>
+              <a:pPr/>
+              <a:t>9</a:t>
+            </a:fld>
+            <a:endParaRPr lang="en-US"/>
+          </a:p>
+        </p:txBody>
+      </p:sp>
+    </p:spTree>
+    <p:extLst>
+      <p:ext uri="{BB962C8B-B14F-4D97-AF65-F5344CB8AC3E}">
+        <p14:creationId xmlns:p14="http://schemas.microsoft.com/office/powerpoint/2010/main" val="2192275075"/>
       </p:ext>
     </p:extLst>
   </p:cSld>
@@ -30817,15 +31045,6 @@
 </file>
 
 <file path=customXml/item1.xml><?xml version="1.0" encoding="utf-8"?>
-<?mso-contentType ?>
-<FormTemplates xmlns="http://schemas.microsoft.com/sharepoint/v3/contenttype/forms">
-  <Display>DocumentLibraryForm</Display>
-  <Edit>DocumentLibraryForm</Edit>
-  <New>DocumentLibraryForm</New>
-</FormTemplates>
-</file>
-
-<file path=customXml/item2.xml><?xml version="1.0" encoding="utf-8"?>
 <p:properties xmlns:p="http://schemas.microsoft.com/office/2006/metadata/properties" xmlns:xsi="http://www.w3.org/2001/XMLSchema-instance" xmlns:pc="http://schemas.microsoft.com/office/infopath/2007/PartnerControls">
   <documentManagement>
     <_ip_UnifiedCompliancePolicyUIAction xmlns="http://schemas.microsoft.com/sharepoint/v3" xsi:nil="true"/>
@@ -30842,6 +31061,15 @@
     <MediaServiceKeyPoints xmlns="71af3243-3dd4-4a8d-8c0d-dd76da1f02a5" xsi:nil="true"/>
   </documentManagement>
 </p:properties>
+</file>
+
+<file path=customXml/item2.xml><?xml version="1.0" encoding="utf-8"?>
+<?mso-contentType ?>
+<FormTemplates xmlns="http://schemas.microsoft.com/sharepoint/v3/contenttype/forms">
+  <Display>DocumentLibraryForm</Display>
+  <Edit>DocumentLibraryForm</Edit>
+  <New>DocumentLibraryForm</New>
+</FormTemplates>
 </file>
 
 <file path=customXml/item3.xml><?xml version="1.0" encoding="utf-8"?>
@@ -31121,14 +31349,6 @@
 </file>
 
 <file path=customXml/itemProps1.xml><?xml version="1.0" encoding="utf-8"?>
-<ds:datastoreItem xmlns:ds="http://schemas.openxmlformats.org/officeDocument/2006/customXml" ds:itemID="{904751AB-E840-446F-8D49-E697067EC887}">
-  <ds:schemaRefs>
-    <ds:schemaRef ds:uri="http://schemas.microsoft.com/sharepoint/v3/contenttype/forms"/>
-  </ds:schemaRefs>
-</ds:datastoreItem>
-</file>
-
-<file path=customXml/itemProps2.xml><?xml version="1.0" encoding="utf-8"?>
 <ds:datastoreItem xmlns:ds="http://schemas.openxmlformats.org/officeDocument/2006/customXml" ds:itemID="{50811A92-D464-4AC4-A396-BA73B10CEEAC}">
   <ds:schemaRefs>
     <ds:schemaRef ds:uri="http://schemas.microsoft.com/office/2006/metadata/properties"/>
@@ -31136,6 +31356,14 @@
     <ds:schemaRef ds:uri="http://schemas.microsoft.com/sharepoint/v3"/>
     <ds:schemaRef ds:uri="71af3243-3dd4-4a8d-8c0d-dd76da1f02a5"/>
     <ds:schemaRef ds:uri="230e9df3-be65-4c73-a93b-d1236ebd677e"/>
+  </ds:schemaRefs>
+</ds:datastoreItem>
+</file>
+
+<file path=customXml/itemProps2.xml><?xml version="1.0" encoding="utf-8"?>
+<ds:datastoreItem xmlns:ds="http://schemas.openxmlformats.org/officeDocument/2006/customXml" ds:itemID="{904751AB-E840-446F-8D49-E697067EC887}">
+  <ds:schemaRefs>
+    <ds:schemaRef ds:uri="http://schemas.microsoft.com/sharepoint/v3/contenttype/forms"/>
   </ds:schemaRefs>
 </ds:datastoreItem>
 </file>

--- a/Presentation/draft_presentation_salaries_2023.pptx
+++ b/Presentation/draft_presentation_salaries_2023.pptx
@@ -5,10 +5,10 @@
     <p:sldMasterId id="2147483684" r:id="rId4"/>
   </p:sldMasterIdLst>
   <p:notesMasterIdLst>
-    <p:notesMasterId r:id="rId26"/>
+    <p:notesMasterId r:id="rId27"/>
   </p:notesMasterIdLst>
   <p:handoutMasterIdLst>
-    <p:handoutMasterId r:id="rId27"/>
+    <p:handoutMasterId r:id="rId28"/>
   </p:handoutMasterIdLst>
   <p:sldIdLst>
     <p:sldId id="257" r:id="rId5"/>
@@ -21,17 +21,18 @@
     <p:sldId id="272" r:id="rId12"/>
     <p:sldId id="394" r:id="rId13"/>
     <p:sldId id="400" r:id="rId14"/>
-    <p:sldId id="401" r:id="rId15"/>
-    <p:sldId id="270" r:id="rId16"/>
-    <p:sldId id="395" r:id="rId17"/>
-    <p:sldId id="281" r:id="rId18"/>
-    <p:sldId id="396" r:id="rId19"/>
-    <p:sldId id="397" r:id="rId20"/>
-    <p:sldId id="398" r:id="rId21"/>
-    <p:sldId id="399" r:id="rId22"/>
-    <p:sldId id="321" r:id="rId23"/>
-    <p:sldId id="393" r:id="rId24"/>
-    <p:sldId id="391" r:id="rId25"/>
+    <p:sldId id="402" r:id="rId15"/>
+    <p:sldId id="401" r:id="rId16"/>
+    <p:sldId id="270" r:id="rId17"/>
+    <p:sldId id="395" r:id="rId18"/>
+    <p:sldId id="281" r:id="rId19"/>
+    <p:sldId id="396" r:id="rId20"/>
+    <p:sldId id="397" r:id="rId21"/>
+    <p:sldId id="398" r:id="rId22"/>
+    <p:sldId id="399" r:id="rId23"/>
+    <p:sldId id="321" r:id="rId24"/>
+    <p:sldId id="393" r:id="rId25"/>
+    <p:sldId id="391" r:id="rId26"/>
   </p:sldIdLst>
   <p:sldSz cx="12192000" cy="6858000"/>
   <p:notesSz cx="6858000" cy="9144000"/>
@@ -155,7 +156,7 @@
 <file path=ppt/revisionInfo.xml><?xml version="1.0" encoding="utf-8"?>
 <p1510:revInfo xmlns:a="http://schemas.openxmlformats.org/drawingml/2006/main" xmlns:r="http://schemas.openxmlformats.org/officeDocument/2006/relationships" xmlns:p1510="http://schemas.microsoft.com/office/powerpoint/2015/10/main">
   <p1510:revLst>
-    <p1510:client id="{713AE7ED-0655-4057-A6C2-FB3F86893D8F}" v="493" dt="2023-06-08T15:50:10.340"/>
+    <p1510:client id="{713AE7ED-0655-4057-A6C2-FB3F86893D8F}" v="496" dt="2023-06-10T19:27:26.673"/>
   </p1510:revLst>
 </p1510:revInfo>
 </file>
@@ -165,7 +166,7 @@
   <pc:docChgLst>
     <pc:chgData name="Calogera McCormick" userId="e0a4c6cb4146cbe1" providerId="LiveId" clId="{713AE7ED-0655-4057-A6C2-FB3F86893D8F}"/>
     <pc:docChg chg="undo custSel addSld delSld modSld sldOrd">
-      <pc:chgData name="Calogera McCormick" userId="e0a4c6cb4146cbe1" providerId="LiveId" clId="{713AE7ED-0655-4057-A6C2-FB3F86893D8F}" dt="2023-06-08T15:51:51.136" v="1681"/>
+      <pc:chgData name="Calogera McCormick" userId="e0a4c6cb4146cbe1" providerId="LiveId" clId="{713AE7ED-0655-4057-A6C2-FB3F86893D8F}" dt="2023-06-10T19:27:26.672" v="1686"/>
       <pc:docMkLst>
         <pc:docMk/>
       </pc:docMkLst>
@@ -1318,6 +1319,29 @@
           </ac:graphicFrameMkLst>
         </pc:graphicFrameChg>
       </pc:sldChg>
+      <pc:sldChg chg="addSp delSp modSp add mod">
+        <pc:chgData name="Calogera McCormick" userId="e0a4c6cb4146cbe1" providerId="LiveId" clId="{713AE7ED-0655-4057-A6C2-FB3F86893D8F}" dt="2023-06-10T19:27:26.672" v="1686"/>
+        <pc:sldMkLst>
+          <pc:docMk/>
+          <pc:sldMk cId="922817052" sldId="402"/>
+        </pc:sldMkLst>
+        <pc:graphicFrameChg chg="add del mod">
+          <ac:chgData name="Calogera McCormick" userId="e0a4c6cb4146cbe1" providerId="LiveId" clId="{713AE7ED-0655-4057-A6C2-FB3F86893D8F}" dt="2023-06-10T19:27:12.735" v="1685" actId="478"/>
+          <ac:graphicFrameMkLst>
+            <pc:docMk/>
+            <pc:sldMk cId="922817052" sldId="402"/>
+            <ac:graphicFrameMk id="2" creationId="{9A289FC9-5B00-DF9E-78BF-84FE5EE4B1D4}"/>
+          </ac:graphicFrameMkLst>
+        </pc:graphicFrameChg>
+        <pc:graphicFrameChg chg="add mod">
+          <ac:chgData name="Calogera McCormick" userId="e0a4c6cb4146cbe1" providerId="LiveId" clId="{713AE7ED-0655-4057-A6C2-FB3F86893D8F}" dt="2023-06-10T19:27:26.672" v="1686"/>
+          <ac:graphicFrameMkLst>
+            <pc:docMk/>
+            <pc:sldMk cId="922817052" sldId="402"/>
+            <ac:graphicFrameMk id="4" creationId="{2FE35A22-402D-3682-B4D6-7D300089AB9D}"/>
+          </ac:graphicFrameMkLst>
+        </pc:graphicFrameChg>
+      </pc:sldChg>
     </pc:docChg>
   </pc:docChgLst>
 </pc:chgInfo>
@@ -1780,6 +1804,463 @@
 </c:chartSpace>
 </file>
 
+<file path=ppt/charts/chart2.xml><?xml version="1.0" encoding="utf-8"?>
+<c:chartSpace xmlns:c="http://schemas.openxmlformats.org/drawingml/2006/chart" xmlns:a="http://schemas.openxmlformats.org/drawingml/2006/main" xmlns:r="http://schemas.openxmlformats.org/officeDocument/2006/relationships" xmlns:c16r2="http://schemas.microsoft.com/office/drawing/2015/06/chart">
+  <c:date1904 val="0"/>
+  <c:lang val="en-US"/>
+  <c:roundedCorners val="0"/>
+  <mc:AlternateContent xmlns:mc="http://schemas.openxmlformats.org/markup-compatibility/2006">
+    <mc:Choice xmlns:c14="http://schemas.microsoft.com/office/drawing/2007/8/2/chart" Requires="c14">
+      <c14:style val="102"/>
+    </mc:Choice>
+    <mc:Fallback>
+      <c:style val="2"/>
+    </mc:Fallback>
+  </mc:AlternateContent>
+  <c:chart>
+    <c:title>
+      <c:overlay val="0"/>
+      <c:spPr>
+        <a:noFill/>
+        <a:ln>
+          <a:noFill/>
+        </a:ln>
+        <a:effectLst/>
+      </c:spPr>
+      <c:txPr>
+        <a:bodyPr rot="0" spcFirstLastPara="1" vertOverflow="ellipsis" vert="horz" wrap="square" anchor="ctr" anchorCtr="1"/>
+        <a:lstStyle/>
+        <a:p>
+          <a:pPr>
+            <a:defRPr sz="1862" b="0" i="0" u="none" strike="noStrike" kern="1200" spc="0" baseline="0">
+              <a:solidFill>
+                <a:schemeClr val="tx1">
+                  <a:lumMod val="65000"/>
+                  <a:lumOff val="35000"/>
+                </a:schemeClr>
+              </a:solidFill>
+              <a:latin typeface="+mn-lt"/>
+              <a:ea typeface="+mn-ea"/>
+              <a:cs typeface="+mn-cs"/>
+            </a:defRPr>
+          </a:pPr>
+          <a:endParaRPr lang="en-US"/>
+        </a:p>
+      </c:txPr>
+    </c:title>
+    <c:autoTitleDeleted val="0"/>
+    <c:plotArea>
+      <c:layout/>
+      <c:barChart>
+        <c:barDir val="col"/>
+        <c:grouping val="clustered"/>
+        <c:varyColors val="0"/>
+        <c:ser>
+          <c:idx val="0"/>
+          <c:order val="0"/>
+          <c:tx>
+            <c:strRef>
+              <c:f>Sheet1!$B$1</c:f>
+              <c:strCache>
+                <c:ptCount val="1"/>
+                <c:pt idx="0">
+                  <c:v>Series 1</c:v>
+                </c:pt>
+              </c:strCache>
+            </c:strRef>
+          </c:tx>
+          <c:spPr>
+            <a:solidFill>
+              <a:schemeClr val="accent1"/>
+            </a:solidFill>
+            <a:ln>
+              <a:noFill/>
+            </a:ln>
+            <a:effectLst/>
+          </c:spPr>
+          <c:invertIfNegative val="0"/>
+          <c:cat>
+            <c:strRef>
+              <c:f>Sheet1!$A$2:$A$5</c:f>
+              <c:strCache>
+                <c:ptCount val="4"/>
+                <c:pt idx="0">
+                  <c:v>Category 1</c:v>
+                </c:pt>
+                <c:pt idx="1">
+                  <c:v>Category 2</c:v>
+                </c:pt>
+                <c:pt idx="2">
+                  <c:v>Category 3</c:v>
+                </c:pt>
+                <c:pt idx="3">
+                  <c:v>Category 4</c:v>
+                </c:pt>
+              </c:strCache>
+            </c:strRef>
+          </c:cat>
+          <c:val>
+            <c:numRef>
+              <c:f>Sheet1!$B$2:$B$5</c:f>
+              <c:numCache>
+                <c:formatCode>General</c:formatCode>
+                <c:ptCount val="4"/>
+                <c:pt idx="0">
+                  <c:v>4.3</c:v>
+                </c:pt>
+                <c:pt idx="1">
+                  <c:v>2.5</c:v>
+                </c:pt>
+                <c:pt idx="2">
+                  <c:v>3.5</c:v>
+                </c:pt>
+                <c:pt idx="3">
+                  <c:v>4.5</c:v>
+                </c:pt>
+              </c:numCache>
+            </c:numRef>
+          </c:val>
+          <c:extLst>
+            <c:ext xmlns:c16="http://schemas.microsoft.com/office/drawing/2014/chart" uri="{C3380CC4-5D6E-409C-BE32-E72D297353CC}">
+              <c16:uniqueId val="{00000000-F08E-4CD0-A336-0A3AD66A7ED6}"/>
+            </c:ext>
+          </c:extLst>
+        </c:ser>
+        <c:ser>
+          <c:idx val="1"/>
+          <c:order val="1"/>
+          <c:tx>
+            <c:strRef>
+              <c:f>Sheet1!$C$1</c:f>
+              <c:strCache>
+                <c:ptCount val="1"/>
+                <c:pt idx="0">
+                  <c:v>Series 2</c:v>
+                </c:pt>
+              </c:strCache>
+            </c:strRef>
+          </c:tx>
+          <c:spPr>
+            <a:solidFill>
+              <a:schemeClr val="accent2"/>
+            </a:solidFill>
+            <a:ln>
+              <a:noFill/>
+            </a:ln>
+            <a:effectLst/>
+          </c:spPr>
+          <c:invertIfNegative val="0"/>
+          <c:cat>
+            <c:strRef>
+              <c:f>Sheet1!$A$2:$A$5</c:f>
+              <c:strCache>
+                <c:ptCount val="4"/>
+                <c:pt idx="0">
+                  <c:v>Category 1</c:v>
+                </c:pt>
+                <c:pt idx="1">
+                  <c:v>Category 2</c:v>
+                </c:pt>
+                <c:pt idx="2">
+                  <c:v>Category 3</c:v>
+                </c:pt>
+                <c:pt idx="3">
+                  <c:v>Category 4</c:v>
+                </c:pt>
+              </c:strCache>
+            </c:strRef>
+          </c:cat>
+          <c:val>
+            <c:numRef>
+              <c:f>Sheet1!$C$2:$C$5</c:f>
+              <c:numCache>
+                <c:formatCode>General</c:formatCode>
+                <c:ptCount val="4"/>
+                <c:pt idx="0">
+                  <c:v>2.4</c:v>
+                </c:pt>
+                <c:pt idx="1">
+                  <c:v>4.4000000000000004</c:v>
+                </c:pt>
+                <c:pt idx="2">
+                  <c:v>1.8</c:v>
+                </c:pt>
+                <c:pt idx="3">
+                  <c:v>2.8</c:v>
+                </c:pt>
+              </c:numCache>
+            </c:numRef>
+          </c:val>
+          <c:extLst>
+            <c:ext xmlns:c16="http://schemas.microsoft.com/office/drawing/2014/chart" uri="{C3380CC4-5D6E-409C-BE32-E72D297353CC}">
+              <c16:uniqueId val="{00000001-F08E-4CD0-A336-0A3AD66A7ED6}"/>
+            </c:ext>
+          </c:extLst>
+        </c:ser>
+        <c:ser>
+          <c:idx val="2"/>
+          <c:order val="2"/>
+          <c:tx>
+            <c:strRef>
+              <c:f>Sheet1!$D$1</c:f>
+              <c:strCache>
+                <c:ptCount val="1"/>
+                <c:pt idx="0">
+                  <c:v>Series 3</c:v>
+                </c:pt>
+              </c:strCache>
+            </c:strRef>
+          </c:tx>
+          <c:spPr>
+            <a:solidFill>
+              <a:schemeClr val="accent3"/>
+            </a:solidFill>
+            <a:ln>
+              <a:noFill/>
+            </a:ln>
+            <a:effectLst/>
+          </c:spPr>
+          <c:invertIfNegative val="0"/>
+          <c:cat>
+            <c:strRef>
+              <c:f>Sheet1!$A$2:$A$5</c:f>
+              <c:strCache>
+                <c:ptCount val="4"/>
+                <c:pt idx="0">
+                  <c:v>Category 1</c:v>
+                </c:pt>
+                <c:pt idx="1">
+                  <c:v>Category 2</c:v>
+                </c:pt>
+                <c:pt idx="2">
+                  <c:v>Category 3</c:v>
+                </c:pt>
+                <c:pt idx="3">
+                  <c:v>Category 4</c:v>
+                </c:pt>
+              </c:strCache>
+            </c:strRef>
+          </c:cat>
+          <c:val>
+            <c:numRef>
+              <c:f>Sheet1!$D$2:$D$5</c:f>
+              <c:numCache>
+                <c:formatCode>General</c:formatCode>
+                <c:ptCount val="4"/>
+                <c:pt idx="0">
+                  <c:v>2</c:v>
+                </c:pt>
+                <c:pt idx="1">
+                  <c:v>2</c:v>
+                </c:pt>
+                <c:pt idx="2">
+                  <c:v>3</c:v>
+                </c:pt>
+                <c:pt idx="3">
+                  <c:v>5</c:v>
+                </c:pt>
+              </c:numCache>
+            </c:numRef>
+          </c:val>
+          <c:extLst>
+            <c:ext xmlns:c16="http://schemas.microsoft.com/office/drawing/2014/chart" uri="{C3380CC4-5D6E-409C-BE32-E72D297353CC}">
+              <c16:uniqueId val="{00000002-F08E-4CD0-A336-0A3AD66A7ED6}"/>
+            </c:ext>
+          </c:extLst>
+        </c:ser>
+        <c:dLbls>
+          <c:showLegendKey val="0"/>
+          <c:showVal val="0"/>
+          <c:showCatName val="0"/>
+          <c:showSerName val="0"/>
+          <c:showPercent val="0"/>
+          <c:showBubbleSize val="0"/>
+        </c:dLbls>
+        <c:gapWidth val="219"/>
+        <c:overlap val="-27"/>
+        <c:axId val="1888983103"/>
+        <c:axId val="1888984063"/>
+      </c:barChart>
+      <c:catAx>
+        <c:axId val="1888983103"/>
+        <c:scaling>
+          <c:orientation val="minMax"/>
+        </c:scaling>
+        <c:delete val="0"/>
+        <c:axPos val="b"/>
+        <c:numFmt formatCode="General" sourceLinked="1"/>
+        <c:majorTickMark val="none"/>
+        <c:minorTickMark val="none"/>
+        <c:tickLblPos val="nextTo"/>
+        <c:spPr>
+          <a:noFill/>
+          <a:ln w="9525" cap="flat" cmpd="sng" algn="ctr">
+            <a:solidFill>
+              <a:schemeClr val="tx1">
+                <a:lumMod val="15000"/>
+                <a:lumOff val="85000"/>
+              </a:schemeClr>
+            </a:solidFill>
+            <a:round/>
+          </a:ln>
+          <a:effectLst/>
+        </c:spPr>
+        <c:txPr>
+          <a:bodyPr rot="-60000000" spcFirstLastPara="1" vertOverflow="ellipsis" vert="horz" wrap="square" anchor="ctr" anchorCtr="1"/>
+          <a:lstStyle/>
+          <a:p>
+            <a:pPr>
+              <a:defRPr sz="1197" b="0" i="0" u="none" strike="noStrike" kern="1200" baseline="0">
+                <a:solidFill>
+                  <a:schemeClr val="tx1">
+                    <a:lumMod val="65000"/>
+                    <a:lumOff val="35000"/>
+                  </a:schemeClr>
+                </a:solidFill>
+                <a:latin typeface="+mn-lt"/>
+                <a:ea typeface="+mn-ea"/>
+                <a:cs typeface="+mn-cs"/>
+              </a:defRPr>
+            </a:pPr>
+            <a:endParaRPr lang="en-US"/>
+          </a:p>
+        </c:txPr>
+        <c:crossAx val="1888984063"/>
+        <c:crosses val="autoZero"/>
+        <c:auto val="1"/>
+        <c:lblAlgn val="ctr"/>
+        <c:lblOffset val="100"/>
+        <c:noMultiLvlLbl val="0"/>
+      </c:catAx>
+      <c:valAx>
+        <c:axId val="1888984063"/>
+        <c:scaling>
+          <c:orientation val="minMax"/>
+        </c:scaling>
+        <c:delete val="0"/>
+        <c:axPos val="l"/>
+        <c:majorGridlines>
+          <c:spPr>
+            <a:ln w="9525" cap="flat" cmpd="sng" algn="ctr">
+              <a:solidFill>
+                <a:schemeClr val="tx1">
+                  <a:lumMod val="15000"/>
+                  <a:lumOff val="85000"/>
+                </a:schemeClr>
+              </a:solidFill>
+              <a:round/>
+            </a:ln>
+            <a:effectLst/>
+          </c:spPr>
+        </c:majorGridlines>
+        <c:numFmt formatCode="General" sourceLinked="1"/>
+        <c:majorTickMark val="none"/>
+        <c:minorTickMark val="none"/>
+        <c:tickLblPos val="nextTo"/>
+        <c:spPr>
+          <a:noFill/>
+          <a:ln>
+            <a:noFill/>
+          </a:ln>
+          <a:effectLst/>
+        </c:spPr>
+        <c:txPr>
+          <a:bodyPr rot="-60000000" spcFirstLastPara="1" vertOverflow="ellipsis" vert="horz" wrap="square" anchor="ctr" anchorCtr="1"/>
+          <a:lstStyle/>
+          <a:p>
+            <a:pPr>
+              <a:defRPr sz="1197" b="0" i="0" u="none" strike="noStrike" kern="1200" baseline="0">
+                <a:solidFill>
+                  <a:schemeClr val="tx1">
+                    <a:lumMod val="65000"/>
+                    <a:lumOff val="35000"/>
+                  </a:schemeClr>
+                </a:solidFill>
+                <a:latin typeface="+mn-lt"/>
+                <a:ea typeface="+mn-ea"/>
+                <a:cs typeface="+mn-cs"/>
+              </a:defRPr>
+            </a:pPr>
+            <a:endParaRPr lang="en-US"/>
+          </a:p>
+        </c:txPr>
+        <c:crossAx val="1888983103"/>
+        <c:crosses val="autoZero"/>
+        <c:crossBetween val="between"/>
+      </c:valAx>
+      <c:spPr>
+        <a:noFill/>
+        <a:ln>
+          <a:noFill/>
+        </a:ln>
+        <a:effectLst/>
+      </c:spPr>
+    </c:plotArea>
+    <c:legend>
+      <c:legendPos val="b"/>
+      <c:overlay val="0"/>
+      <c:spPr>
+        <a:noFill/>
+        <a:ln>
+          <a:noFill/>
+        </a:ln>
+        <a:effectLst/>
+      </c:spPr>
+      <c:txPr>
+        <a:bodyPr rot="0" spcFirstLastPara="1" vertOverflow="ellipsis" vert="horz" wrap="square" anchor="ctr" anchorCtr="1"/>
+        <a:lstStyle/>
+        <a:p>
+          <a:pPr>
+            <a:defRPr sz="1197" b="0" i="0" u="none" strike="noStrike" kern="1200" baseline="0">
+              <a:solidFill>
+                <a:schemeClr val="tx1">
+                  <a:lumMod val="65000"/>
+                  <a:lumOff val="35000"/>
+                </a:schemeClr>
+              </a:solidFill>
+              <a:latin typeface="+mn-lt"/>
+              <a:ea typeface="+mn-ea"/>
+              <a:cs typeface="+mn-cs"/>
+            </a:defRPr>
+          </a:pPr>
+          <a:endParaRPr lang="en-US"/>
+        </a:p>
+      </c:txPr>
+    </c:legend>
+    <c:plotVisOnly val="1"/>
+    <c:dispBlanksAs val="gap"/>
+    <c:extLst>
+      <c:ext xmlns:c16r3="http://schemas.microsoft.com/office/drawing/2017/03/chart" uri="{56B9EC1D-385E-4148-901F-78D8002777C0}">
+        <c16r3:dataDisplayOptions16>
+          <c16r3:dispNaAsBlank val="1"/>
+        </c16r3:dataDisplayOptions16>
+      </c:ext>
+    </c:extLst>
+    <c:showDLblsOverMax val="0"/>
+  </c:chart>
+  <c:spPr>
+    <a:noFill/>
+    <a:ln>
+      <a:noFill/>
+    </a:ln>
+    <a:effectLst/>
+  </c:spPr>
+  <c:txPr>
+    <a:bodyPr/>
+    <a:lstStyle/>
+    <a:p>
+      <a:pPr>
+        <a:defRPr/>
+      </a:pPr>
+      <a:endParaRPr lang="en-US"/>
+    </a:p>
+  </c:txPr>
+  <c:externalData r:id="rId3">
+    <c:autoUpdate val="0"/>
+  </c:externalData>
+</c:chartSpace>
+</file>
+
 <file path=ppt/charts/chartEx1.xml><?xml version="1.0" encoding="utf-8"?>
 <cx:chartSpace xmlns:a="http://schemas.openxmlformats.org/drawingml/2006/main" xmlns:r="http://schemas.openxmlformats.org/officeDocument/2006/relationships" xmlns:cx="http://schemas.microsoft.com/office/drawing/2014/chartex">
   <cx:chartData>
@@ -1824,7 +2305,7 @@
           <cx:dataId val="0"/>
         </cx:series>
       </cx:plotAreaRegion>
-      <cx:axis id="1">
+      <cx:axis id="0">
         <cx:catScaling gapWidth="0.0599999987"/>
         <cx:tickLabels/>
       </cx:axis>
@@ -1846,17 +2327,13 @@
           <cx:pt idx="2">Leaf 3</cx:pt>
           <cx:pt idx="3">Leaf 4</cx:pt>
           <cx:pt idx="4">Leaf 5</cx:pt>
-          <cx:pt idx="5"/>
-          <cx:pt idx="6"/>
           <cx:pt idx="7">Leaf 8</cx:pt>
-          <cx:pt idx="8"/>
           <cx:pt idx="9">Leaf 10</cx:pt>
           <cx:pt idx="10">Leaf 11</cx:pt>
           <cx:pt idx="11">Leaf 12</cx:pt>
           <cx:pt idx="12">Leaf 13</cx:pt>
           <cx:pt idx="13">Leaf 14</cx:pt>
           <cx:pt idx="14">Leaf 15</cx:pt>
-          <cx:pt idx="15"/>
         </cx:lvl>
         <cx:lvl ptCount="16">
           <cx:pt idx="0">Stem 1</cx:pt>
@@ -2021,6 +2498,46 @@
 </file>
 
 <file path=ppt/charts/colors3.xml><?xml version="1.0" encoding="utf-8"?>
+<cs:colorStyle xmlns:cs="http://schemas.microsoft.com/office/drawing/2012/chartStyle" xmlns:a="http://schemas.openxmlformats.org/drawingml/2006/main" meth="cycle" id="10">
+  <a:schemeClr val="accent1"/>
+  <a:schemeClr val="accent2"/>
+  <a:schemeClr val="accent3"/>
+  <a:schemeClr val="accent4"/>
+  <a:schemeClr val="accent5"/>
+  <a:schemeClr val="accent6"/>
+  <cs:variation/>
+  <cs:variation>
+    <a:lumMod val="60000"/>
+  </cs:variation>
+  <cs:variation>
+    <a:lumMod val="80000"/>
+    <a:lumOff val="20000"/>
+  </cs:variation>
+  <cs:variation>
+    <a:lumMod val="80000"/>
+  </cs:variation>
+  <cs:variation>
+    <a:lumMod val="60000"/>
+    <a:lumOff val="40000"/>
+  </cs:variation>
+  <cs:variation>
+    <a:lumMod val="50000"/>
+  </cs:variation>
+  <cs:variation>
+    <a:lumMod val="70000"/>
+    <a:lumOff val="30000"/>
+  </cs:variation>
+  <cs:variation>
+    <a:lumMod val="70000"/>
+  </cs:variation>
+  <cs:variation>
+    <a:lumMod val="50000"/>
+    <a:lumOff val="50000"/>
+  </cs:variation>
+</cs:colorStyle>
+</file>
+
+<file path=ppt/charts/colors4.xml><?xml version="1.0" encoding="utf-8"?>
 <cs:colorStyle xmlns:cs="http://schemas.microsoft.com/office/drawing/2012/chartStyle" xmlns:a="http://schemas.openxmlformats.org/drawingml/2006/main" meth="cycle" id="10">
   <a:schemeClr val="accent1"/>
   <a:schemeClr val="accent2"/>
@@ -2564,6 +3081,509 @@
 </file>
 
 <file path=ppt/charts/style2.xml><?xml version="1.0" encoding="utf-8"?>
+<cs:chartStyle xmlns:cs="http://schemas.microsoft.com/office/drawing/2012/chartStyle" xmlns:a="http://schemas.openxmlformats.org/drawingml/2006/main" id="201">
+  <cs:axisTitle>
+    <cs:lnRef idx="0"/>
+    <cs:fillRef idx="0"/>
+    <cs:effectRef idx="0"/>
+    <cs:fontRef idx="minor">
+      <a:schemeClr val="tx1">
+        <a:lumMod val="65000"/>
+        <a:lumOff val="35000"/>
+      </a:schemeClr>
+    </cs:fontRef>
+    <cs:defRPr sz="1330" kern="1200"/>
+  </cs:axisTitle>
+  <cs:categoryAxis>
+    <cs:lnRef idx="0"/>
+    <cs:fillRef idx="0"/>
+    <cs:effectRef idx="0"/>
+    <cs:fontRef idx="minor">
+      <a:schemeClr val="tx1">
+        <a:lumMod val="65000"/>
+        <a:lumOff val="35000"/>
+      </a:schemeClr>
+    </cs:fontRef>
+    <cs:spPr>
+      <a:ln w="9525" cap="flat" cmpd="sng" algn="ctr">
+        <a:solidFill>
+          <a:schemeClr val="tx1">
+            <a:lumMod val="15000"/>
+            <a:lumOff val="85000"/>
+          </a:schemeClr>
+        </a:solidFill>
+        <a:round/>
+      </a:ln>
+    </cs:spPr>
+    <cs:defRPr sz="1197" kern="1200"/>
+  </cs:categoryAxis>
+  <cs:chartArea mods="allowNoFillOverride allowNoLineOverride">
+    <cs:lnRef idx="0"/>
+    <cs:fillRef idx="0"/>
+    <cs:effectRef idx="0"/>
+    <cs:fontRef idx="minor">
+      <a:schemeClr val="tx1"/>
+    </cs:fontRef>
+    <cs:spPr>
+      <a:solidFill>
+        <a:schemeClr val="bg1"/>
+      </a:solidFill>
+      <a:ln w="9525" cap="flat" cmpd="sng" algn="ctr">
+        <a:solidFill>
+          <a:schemeClr val="tx1">
+            <a:lumMod val="15000"/>
+            <a:lumOff val="85000"/>
+          </a:schemeClr>
+        </a:solidFill>
+        <a:round/>
+      </a:ln>
+    </cs:spPr>
+    <cs:defRPr sz="1330" kern="1200"/>
+  </cs:chartArea>
+  <cs:dataLabel>
+    <cs:lnRef idx="0"/>
+    <cs:fillRef idx="0"/>
+    <cs:effectRef idx="0"/>
+    <cs:fontRef idx="minor">
+      <a:schemeClr val="tx1">
+        <a:lumMod val="75000"/>
+        <a:lumOff val="25000"/>
+      </a:schemeClr>
+    </cs:fontRef>
+    <cs:defRPr sz="1197" kern="1200"/>
+  </cs:dataLabel>
+  <cs:dataLabelCallout>
+    <cs:lnRef idx="0"/>
+    <cs:fillRef idx="0"/>
+    <cs:effectRef idx="0"/>
+    <cs:fontRef idx="minor">
+      <a:schemeClr val="dk1">
+        <a:lumMod val="65000"/>
+        <a:lumOff val="35000"/>
+      </a:schemeClr>
+    </cs:fontRef>
+    <cs:spPr>
+      <a:solidFill>
+        <a:schemeClr val="lt1"/>
+      </a:solidFill>
+      <a:ln>
+        <a:solidFill>
+          <a:schemeClr val="dk1">
+            <a:lumMod val="25000"/>
+            <a:lumOff val="75000"/>
+          </a:schemeClr>
+        </a:solidFill>
+      </a:ln>
+    </cs:spPr>
+    <cs:defRPr sz="1197" kern="1200"/>
+    <cs:bodyPr rot="0" spcFirstLastPara="1" vertOverflow="clip" horzOverflow="clip" vert="horz" wrap="square" lIns="36576" tIns="18288" rIns="36576" bIns="18288" anchor="ctr" anchorCtr="1">
+      <a:spAutoFit/>
+    </cs:bodyPr>
+  </cs:dataLabelCallout>
+  <cs:dataPoint>
+    <cs:lnRef idx="0"/>
+    <cs:fillRef idx="1">
+      <cs:styleClr val="auto"/>
+    </cs:fillRef>
+    <cs:effectRef idx="0"/>
+    <cs:fontRef idx="minor">
+      <a:schemeClr val="tx1"/>
+    </cs:fontRef>
+  </cs:dataPoint>
+  <cs:dataPoint3D>
+    <cs:lnRef idx="0"/>
+    <cs:fillRef idx="1">
+      <cs:styleClr val="auto"/>
+    </cs:fillRef>
+    <cs:effectRef idx="0"/>
+    <cs:fontRef idx="minor">
+      <a:schemeClr val="tx1"/>
+    </cs:fontRef>
+  </cs:dataPoint3D>
+  <cs:dataPointLine>
+    <cs:lnRef idx="0">
+      <cs:styleClr val="auto"/>
+    </cs:lnRef>
+    <cs:fillRef idx="1"/>
+    <cs:effectRef idx="0"/>
+    <cs:fontRef idx="minor">
+      <a:schemeClr val="tx1"/>
+    </cs:fontRef>
+    <cs:spPr>
+      <a:ln w="28575" cap="rnd">
+        <a:solidFill>
+          <a:schemeClr val="phClr"/>
+        </a:solidFill>
+        <a:round/>
+      </a:ln>
+    </cs:spPr>
+  </cs:dataPointLine>
+  <cs:dataPointMarker>
+    <cs:lnRef idx="0">
+      <cs:styleClr val="auto"/>
+    </cs:lnRef>
+    <cs:fillRef idx="1">
+      <cs:styleClr val="auto"/>
+    </cs:fillRef>
+    <cs:effectRef idx="0"/>
+    <cs:fontRef idx="minor">
+      <a:schemeClr val="tx1"/>
+    </cs:fontRef>
+    <cs:spPr>
+      <a:ln w="9525">
+        <a:solidFill>
+          <a:schemeClr val="phClr"/>
+        </a:solidFill>
+      </a:ln>
+    </cs:spPr>
+  </cs:dataPointMarker>
+  <cs:dataPointMarkerLayout symbol="circle" size="5"/>
+  <cs:dataPointWireframe>
+    <cs:lnRef idx="0">
+      <cs:styleClr val="auto"/>
+    </cs:lnRef>
+    <cs:fillRef idx="1"/>
+    <cs:effectRef idx="0"/>
+    <cs:fontRef idx="minor">
+      <a:schemeClr val="tx1"/>
+    </cs:fontRef>
+    <cs:spPr>
+      <a:ln w="9525" cap="rnd">
+        <a:solidFill>
+          <a:schemeClr val="phClr"/>
+        </a:solidFill>
+        <a:round/>
+      </a:ln>
+    </cs:spPr>
+  </cs:dataPointWireframe>
+  <cs:dataTable>
+    <cs:lnRef idx="0"/>
+    <cs:fillRef idx="0"/>
+    <cs:effectRef idx="0"/>
+    <cs:fontRef idx="minor">
+      <a:schemeClr val="tx1">
+        <a:lumMod val="65000"/>
+        <a:lumOff val="35000"/>
+      </a:schemeClr>
+    </cs:fontRef>
+    <cs:spPr>
+      <a:noFill/>
+      <a:ln w="9525" cap="flat" cmpd="sng" algn="ctr">
+        <a:solidFill>
+          <a:schemeClr val="tx1">
+            <a:lumMod val="15000"/>
+            <a:lumOff val="85000"/>
+          </a:schemeClr>
+        </a:solidFill>
+        <a:round/>
+      </a:ln>
+    </cs:spPr>
+    <cs:defRPr sz="1197" kern="1200"/>
+  </cs:dataTable>
+  <cs:downBar>
+    <cs:lnRef idx="0"/>
+    <cs:fillRef idx="0"/>
+    <cs:effectRef idx="0"/>
+    <cs:fontRef idx="minor">
+      <a:schemeClr val="dk1"/>
+    </cs:fontRef>
+    <cs:spPr>
+      <a:solidFill>
+        <a:schemeClr val="dk1">
+          <a:lumMod val="65000"/>
+          <a:lumOff val="35000"/>
+        </a:schemeClr>
+      </a:solidFill>
+      <a:ln w="9525">
+        <a:solidFill>
+          <a:schemeClr val="tx1">
+            <a:lumMod val="65000"/>
+            <a:lumOff val="35000"/>
+          </a:schemeClr>
+        </a:solidFill>
+      </a:ln>
+    </cs:spPr>
+  </cs:downBar>
+  <cs:dropLine>
+    <cs:lnRef idx="0"/>
+    <cs:fillRef idx="0"/>
+    <cs:effectRef idx="0"/>
+    <cs:fontRef idx="minor">
+      <a:schemeClr val="tx1"/>
+    </cs:fontRef>
+    <cs:spPr>
+      <a:ln w="9525" cap="flat" cmpd="sng" algn="ctr">
+        <a:solidFill>
+          <a:schemeClr val="tx1">
+            <a:lumMod val="35000"/>
+            <a:lumOff val="65000"/>
+          </a:schemeClr>
+        </a:solidFill>
+        <a:round/>
+      </a:ln>
+    </cs:spPr>
+  </cs:dropLine>
+  <cs:errorBar>
+    <cs:lnRef idx="0"/>
+    <cs:fillRef idx="0"/>
+    <cs:effectRef idx="0"/>
+    <cs:fontRef idx="minor">
+      <a:schemeClr val="tx1"/>
+    </cs:fontRef>
+    <cs:spPr>
+      <a:ln w="9525" cap="flat" cmpd="sng" algn="ctr">
+        <a:solidFill>
+          <a:schemeClr val="tx1">
+            <a:lumMod val="65000"/>
+            <a:lumOff val="35000"/>
+          </a:schemeClr>
+        </a:solidFill>
+        <a:round/>
+      </a:ln>
+    </cs:spPr>
+  </cs:errorBar>
+  <cs:floor>
+    <cs:lnRef idx="0"/>
+    <cs:fillRef idx="0"/>
+    <cs:effectRef idx="0"/>
+    <cs:fontRef idx="minor">
+      <a:schemeClr val="tx1"/>
+    </cs:fontRef>
+    <cs:spPr>
+      <a:noFill/>
+      <a:ln>
+        <a:noFill/>
+      </a:ln>
+    </cs:spPr>
+  </cs:floor>
+  <cs:gridlineMajor>
+    <cs:lnRef idx="0"/>
+    <cs:fillRef idx="0"/>
+    <cs:effectRef idx="0"/>
+    <cs:fontRef idx="minor">
+      <a:schemeClr val="tx1"/>
+    </cs:fontRef>
+    <cs:spPr>
+      <a:ln w="9525" cap="flat" cmpd="sng" algn="ctr">
+        <a:solidFill>
+          <a:schemeClr val="tx1">
+            <a:lumMod val="15000"/>
+            <a:lumOff val="85000"/>
+          </a:schemeClr>
+        </a:solidFill>
+        <a:round/>
+      </a:ln>
+    </cs:spPr>
+  </cs:gridlineMajor>
+  <cs:gridlineMinor>
+    <cs:lnRef idx="0"/>
+    <cs:fillRef idx="0"/>
+    <cs:effectRef idx="0"/>
+    <cs:fontRef idx="minor">
+      <a:schemeClr val="tx1"/>
+    </cs:fontRef>
+    <cs:spPr>
+      <a:ln w="9525" cap="flat" cmpd="sng" algn="ctr">
+        <a:solidFill>
+          <a:schemeClr val="tx1">
+            <a:lumMod val="5000"/>
+            <a:lumOff val="95000"/>
+          </a:schemeClr>
+        </a:solidFill>
+        <a:round/>
+      </a:ln>
+    </cs:spPr>
+  </cs:gridlineMinor>
+  <cs:hiLoLine>
+    <cs:lnRef idx="0"/>
+    <cs:fillRef idx="0"/>
+    <cs:effectRef idx="0"/>
+    <cs:fontRef idx="minor">
+      <a:schemeClr val="tx1"/>
+    </cs:fontRef>
+    <cs:spPr>
+      <a:ln w="9525" cap="flat" cmpd="sng" algn="ctr">
+        <a:solidFill>
+          <a:schemeClr val="tx1">
+            <a:lumMod val="75000"/>
+            <a:lumOff val="25000"/>
+          </a:schemeClr>
+        </a:solidFill>
+        <a:round/>
+      </a:ln>
+    </cs:spPr>
+  </cs:hiLoLine>
+  <cs:leaderLine>
+    <cs:lnRef idx="0"/>
+    <cs:fillRef idx="0"/>
+    <cs:effectRef idx="0"/>
+    <cs:fontRef idx="minor">
+      <a:schemeClr val="tx1"/>
+    </cs:fontRef>
+    <cs:spPr>
+      <a:ln w="9525" cap="flat" cmpd="sng" algn="ctr">
+        <a:solidFill>
+          <a:schemeClr val="tx1">
+            <a:lumMod val="35000"/>
+            <a:lumOff val="65000"/>
+          </a:schemeClr>
+        </a:solidFill>
+        <a:round/>
+      </a:ln>
+    </cs:spPr>
+  </cs:leaderLine>
+  <cs:legend>
+    <cs:lnRef idx="0"/>
+    <cs:fillRef idx="0"/>
+    <cs:effectRef idx="0"/>
+    <cs:fontRef idx="minor">
+      <a:schemeClr val="tx1">
+        <a:lumMod val="65000"/>
+        <a:lumOff val="35000"/>
+      </a:schemeClr>
+    </cs:fontRef>
+    <cs:defRPr sz="1197" kern="1200"/>
+  </cs:legend>
+  <cs:plotArea mods="allowNoFillOverride allowNoLineOverride">
+    <cs:lnRef idx="0"/>
+    <cs:fillRef idx="0"/>
+    <cs:effectRef idx="0"/>
+    <cs:fontRef idx="minor">
+      <a:schemeClr val="tx1"/>
+    </cs:fontRef>
+  </cs:plotArea>
+  <cs:plotArea3D mods="allowNoFillOverride allowNoLineOverride">
+    <cs:lnRef idx="0"/>
+    <cs:fillRef idx="0"/>
+    <cs:effectRef idx="0"/>
+    <cs:fontRef idx="minor">
+      <a:schemeClr val="tx1"/>
+    </cs:fontRef>
+  </cs:plotArea3D>
+  <cs:seriesAxis>
+    <cs:lnRef idx="0"/>
+    <cs:fillRef idx="0"/>
+    <cs:effectRef idx="0"/>
+    <cs:fontRef idx="minor">
+      <a:schemeClr val="tx1">
+        <a:lumMod val="65000"/>
+        <a:lumOff val="35000"/>
+      </a:schemeClr>
+    </cs:fontRef>
+    <cs:defRPr sz="1197" kern="1200"/>
+  </cs:seriesAxis>
+  <cs:seriesLine>
+    <cs:lnRef idx="0"/>
+    <cs:fillRef idx="0"/>
+    <cs:effectRef idx="0"/>
+    <cs:fontRef idx="minor">
+      <a:schemeClr val="tx1"/>
+    </cs:fontRef>
+    <cs:spPr>
+      <a:ln w="9525" cap="flat" cmpd="sng" algn="ctr">
+        <a:solidFill>
+          <a:schemeClr val="tx1">
+            <a:lumMod val="35000"/>
+            <a:lumOff val="65000"/>
+          </a:schemeClr>
+        </a:solidFill>
+        <a:round/>
+      </a:ln>
+    </cs:spPr>
+  </cs:seriesLine>
+  <cs:title>
+    <cs:lnRef idx="0"/>
+    <cs:fillRef idx="0"/>
+    <cs:effectRef idx="0"/>
+    <cs:fontRef idx="minor">
+      <a:schemeClr val="tx1">
+        <a:lumMod val="65000"/>
+        <a:lumOff val="35000"/>
+      </a:schemeClr>
+    </cs:fontRef>
+    <cs:defRPr sz="1862" b="0" kern="1200" spc="0" baseline="0"/>
+  </cs:title>
+  <cs:trendline>
+    <cs:lnRef idx="0">
+      <cs:styleClr val="auto"/>
+    </cs:lnRef>
+    <cs:fillRef idx="0"/>
+    <cs:effectRef idx="0"/>
+    <cs:fontRef idx="minor">
+      <a:schemeClr val="tx1"/>
+    </cs:fontRef>
+    <cs:spPr>
+      <a:ln w="19050" cap="rnd">
+        <a:solidFill>
+          <a:schemeClr val="phClr"/>
+        </a:solidFill>
+        <a:prstDash val="sysDot"/>
+      </a:ln>
+    </cs:spPr>
+  </cs:trendline>
+  <cs:trendlineLabel>
+    <cs:lnRef idx="0"/>
+    <cs:fillRef idx="0"/>
+    <cs:effectRef idx="0"/>
+    <cs:fontRef idx="minor">
+      <a:schemeClr val="tx1">
+        <a:lumMod val="65000"/>
+        <a:lumOff val="35000"/>
+      </a:schemeClr>
+    </cs:fontRef>
+    <cs:defRPr sz="1197" kern="1200"/>
+  </cs:trendlineLabel>
+  <cs:upBar>
+    <cs:lnRef idx="0"/>
+    <cs:fillRef idx="0"/>
+    <cs:effectRef idx="0"/>
+    <cs:fontRef idx="minor">
+      <a:schemeClr val="dk1"/>
+    </cs:fontRef>
+    <cs:spPr>
+      <a:solidFill>
+        <a:schemeClr val="lt1"/>
+      </a:solidFill>
+      <a:ln w="9525">
+        <a:solidFill>
+          <a:schemeClr val="tx1">
+            <a:lumMod val="15000"/>
+            <a:lumOff val="85000"/>
+          </a:schemeClr>
+        </a:solidFill>
+      </a:ln>
+    </cs:spPr>
+  </cs:upBar>
+  <cs:valueAxis>
+    <cs:lnRef idx="0"/>
+    <cs:fillRef idx="0"/>
+    <cs:effectRef idx="0"/>
+    <cs:fontRef idx="minor">
+      <a:schemeClr val="tx1">
+        <a:lumMod val="65000"/>
+        <a:lumOff val="35000"/>
+      </a:schemeClr>
+    </cs:fontRef>
+    <cs:defRPr sz="1197" kern="1200"/>
+  </cs:valueAxis>
+  <cs:wall>
+    <cs:lnRef idx="0"/>
+    <cs:fillRef idx="0"/>
+    <cs:effectRef idx="0"/>
+    <cs:fontRef idx="minor">
+      <a:schemeClr val="tx1"/>
+    </cs:fontRef>
+    <cs:spPr>
+      <a:noFill/>
+      <a:ln>
+        <a:noFill/>
+      </a:ln>
+    </cs:spPr>
+  </cs:wall>
+</cs:chartStyle>
+</file>
+
+<file path=ppt/charts/style3.xml><?xml version="1.0" encoding="utf-8"?>
 <cs:chartStyle xmlns:cs="http://schemas.microsoft.com/office/drawing/2012/chartStyle" xmlns:a="http://schemas.openxmlformats.org/drawingml/2006/main" id="419">
   <cs:axisTitle>
     <cs:lnRef idx="0"/>
@@ -3071,7 +4091,7 @@
 </cs:chartStyle>
 </file>
 
-<file path=ppt/charts/style3.xml><?xml version="1.0" encoding="utf-8"?>
+<file path=ppt/charts/style4.xml><?xml version="1.0" encoding="utf-8"?>
 <cs:chartStyle xmlns:cs="http://schemas.microsoft.com/office/drawing/2012/chartStyle" xmlns:a="http://schemas.openxmlformats.org/drawingml/2006/main" id="381">
   <cs:axisTitle>
     <cs:lnRef idx="0"/>
@@ -8113,7 +9133,7 @@
           <a:p>
             <a:fld id="{C17F2C1D-F243-42AB-ADF2-E7CB4E04900E}" type="datetimeFigureOut">
               <a:rPr lang="en-US" smtClean="0"/>
-              <a:t>6/8/2023</a:t>
+              <a:t>6/10/2023</a:t>
             </a:fld>
             <a:endParaRPr lang="en-US"/>
           </a:p>
@@ -8290,7 +9310,7 @@
           <a:p>
             <a:fld id="{020CE34E-5667-4A32-A6BA-10C7A552BC63}" type="datetimeFigureOut">
               <a:rPr lang="en-US" smtClean="0"/>
-              <a:t>6/8/2023</a:t>
+              <a:t>6/10/2023</a:t>
             </a:fld>
             <a:endParaRPr lang="en-US"/>
           </a:p>
@@ -8706,7 +9726,7 @@
           <a:p>
             <a:fld id="{1983A999-5E0E-42CA-8400-604AE921FF7C}" type="slidenum">
               <a:rPr lang="en-US" smtClean="0"/>
-              <a:t>17</a:t>
+              <a:t>18</a:t>
             </a:fld>
             <a:endParaRPr lang="en-US"/>
           </a:p>
@@ -8790,7 +9810,7 @@
           <a:p>
             <a:fld id="{1983A999-5E0E-42CA-8400-604AE921FF7C}" type="slidenum">
               <a:rPr lang="en-US" smtClean="0"/>
-              <a:t>19</a:t>
+              <a:t>20</a:t>
             </a:fld>
             <a:endParaRPr lang="en-US"/>
           </a:p>
@@ -8874,7 +9894,7 @@
           <a:p>
             <a:fld id="{1983A999-5E0E-42CA-8400-604AE921FF7C}" type="slidenum">
               <a:rPr lang="en-US" smtClean="0"/>
-              <a:t>20</a:t>
+              <a:t>21</a:t>
             </a:fld>
             <a:endParaRPr lang="en-US"/>
           </a:p>
@@ -9378,7 +10398,7 @@
           <a:p>
             <a:fld id="{1983A999-5E0E-42CA-8400-604AE921FF7C}" type="slidenum">
               <a:rPr lang="en-US" smtClean="0"/>
-              <a:t>12</a:t>
+              <a:t>13</a:t>
             </a:fld>
             <a:endParaRPr lang="en-US"/>
           </a:p>
@@ -9462,7 +10482,7 @@
           <a:p>
             <a:fld id="{1983A999-5E0E-42CA-8400-604AE921FF7C}" type="slidenum">
               <a:rPr lang="en-US" smtClean="0"/>
-              <a:t>13</a:t>
+              <a:t>14</a:t>
             </a:fld>
             <a:endParaRPr lang="en-US"/>
           </a:p>
@@ -9546,7 +10566,7 @@
           <a:p>
             <a:fld id="{1983A999-5E0E-42CA-8400-604AE921FF7C}" type="slidenum">
               <a:rPr lang="en-US" smtClean="0"/>
-              <a:t>15</a:t>
+              <a:t>16</a:t>
             </a:fld>
             <a:endParaRPr lang="en-US"/>
           </a:p>
@@ -21999,7 +23019,7 @@
           <p:cNvPr id="8" name="Title 7">
             <a:extLst>
               <a:ext uri="{FF2B5EF4-FFF2-40B4-BE49-F238E27FC236}">
-                <a16:creationId xmlns:a16="http://schemas.microsoft.com/office/drawing/2014/main" id="{ECA544E0-7D3D-B0A0-0C63-B78867383B79}"/>
+                <a16:creationId xmlns:a16="http://schemas.microsoft.com/office/drawing/2014/main" id="{168E8C7D-5B44-4DE4-699B-550A2EEB5F3B}"/>
               </a:ext>
             </a:extLst>
           </p:cNvPr>
@@ -22015,6 +23035,335 @@
           <a:bodyPr/>
           <a:lstStyle/>
           <a:p>
+            <a:endParaRPr lang="en-US"/>
+          </a:p>
+        </p:txBody>
+      </p:sp>
+      <p:graphicFrame>
+        <p:nvGraphicFramePr>
+          <p:cNvPr id="13" name="Content Placeholder 12">
+            <a:extLst>
+              <a:ext uri="{FF2B5EF4-FFF2-40B4-BE49-F238E27FC236}">
+                <a16:creationId xmlns:a16="http://schemas.microsoft.com/office/drawing/2014/main" id="{7A9D9A9A-C8BE-0EA8-E990-D78A1356E95C}"/>
+              </a:ext>
+            </a:extLst>
+          </p:cNvPr>
+          <p:cNvGraphicFramePr>
+            <a:graphicFrameLocks noGrp="1"/>
+          </p:cNvGraphicFramePr>
+          <p:nvPr>
+            <p:ph idx="1"/>
+          </p:nvPr>
+        </p:nvGraphicFramePr>
+        <p:xfrm>
+          <a:off x="4295775" y="1749425"/>
+          <a:ext cx="7345363" cy="4343400"/>
+        </p:xfrm>
+        <a:graphic>
+          <a:graphicData uri="http://schemas.openxmlformats.org/drawingml/2006/chart">
+            <c:chart xmlns:c="http://schemas.openxmlformats.org/drawingml/2006/chart" xmlns:r="http://schemas.openxmlformats.org/officeDocument/2006/relationships" r:id="rId2"/>
+          </a:graphicData>
+        </a:graphic>
+      </p:graphicFrame>
+      <p:sp>
+        <p:nvSpPr>
+          <p:cNvPr id="10" name="Text Placeholder 9">
+            <a:extLst>
+              <a:ext uri="{FF2B5EF4-FFF2-40B4-BE49-F238E27FC236}">
+                <a16:creationId xmlns:a16="http://schemas.microsoft.com/office/drawing/2014/main" id="{5B389D72-C7F4-C79A-31A7-91F5C89F4D16}"/>
+              </a:ext>
+            </a:extLst>
+          </p:cNvPr>
+          <p:cNvSpPr>
+            <a:spLocks noGrp="1"/>
+          </p:cNvSpPr>
+          <p:nvPr>
+            <p:ph type="body" sz="half" idx="2"/>
+          </p:nvPr>
+        </p:nvSpPr>
+        <p:spPr/>
+        <p:txBody>
+          <a:bodyPr/>
+          <a:lstStyle/>
+          <a:p>
+            <a:endParaRPr lang="en-US"/>
+          </a:p>
+        </p:txBody>
+      </p:sp>
+      <p:sp>
+        <p:nvSpPr>
+          <p:cNvPr id="5" name="Date Placeholder 4">
+            <a:extLst>
+              <a:ext uri="{FF2B5EF4-FFF2-40B4-BE49-F238E27FC236}">
+                <a16:creationId xmlns:a16="http://schemas.microsoft.com/office/drawing/2014/main" id="{3F6B9F8A-751F-7D09-582F-7B0F544B4766}"/>
+              </a:ext>
+            </a:extLst>
+          </p:cNvPr>
+          <p:cNvSpPr>
+            <a:spLocks noGrp="1"/>
+          </p:cNvSpPr>
+          <p:nvPr>
+            <p:ph type="dt" sz="half" idx="10"/>
+          </p:nvPr>
+        </p:nvSpPr>
+        <p:spPr/>
+        <p:txBody>
+          <a:bodyPr/>
+          <a:lstStyle/>
+          <a:p>
+            <a:r>
+              <a:rPr lang="en-US"/>
+              <a:t>Tuesday, February 2, 20XX</a:t>
+            </a:r>
+          </a:p>
+        </p:txBody>
+      </p:sp>
+      <p:sp>
+        <p:nvSpPr>
+          <p:cNvPr id="6" name="Footer Placeholder 5">
+            <a:extLst>
+              <a:ext uri="{FF2B5EF4-FFF2-40B4-BE49-F238E27FC236}">
+                <a16:creationId xmlns:a16="http://schemas.microsoft.com/office/drawing/2014/main" id="{4CC085F2-07EA-A6EF-56DE-8B7FDD71CE98}"/>
+              </a:ext>
+            </a:extLst>
+          </p:cNvPr>
+          <p:cNvSpPr>
+            <a:spLocks noGrp="1"/>
+          </p:cNvSpPr>
+          <p:nvPr>
+            <p:ph type="ftr" sz="quarter" idx="11"/>
+          </p:nvPr>
+        </p:nvSpPr>
+        <p:spPr/>
+        <p:txBody>
+          <a:bodyPr/>
+          <a:lstStyle/>
+          <a:p>
+            <a:r>
+              <a:rPr lang="en-US"/>
+              <a:t>Sample Footer Text</a:t>
+            </a:r>
+          </a:p>
+        </p:txBody>
+      </p:sp>
+      <p:sp>
+        <p:nvSpPr>
+          <p:cNvPr id="7" name="Slide Number Placeholder 6">
+            <a:extLst>
+              <a:ext uri="{FF2B5EF4-FFF2-40B4-BE49-F238E27FC236}">
+                <a16:creationId xmlns:a16="http://schemas.microsoft.com/office/drawing/2014/main" id="{75700248-A8AA-8638-18BD-53A22A37E992}"/>
+              </a:ext>
+            </a:extLst>
+          </p:cNvPr>
+          <p:cNvSpPr>
+            <a:spLocks noGrp="1"/>
+          </p:cNvSpPr>
+          <p:nvPr>
+            <p:ph type="sldNum" sz="quarter" idx="12"/>
+          </p:nvPr>
+        </p:nvSpPr>
+        <p:spPr/>
+        <p:txBody>
+          <a:bodyPr/>
+          <a:lstStyle/>
+          <a:p>
+            <a:fld id="{DBA1B0FB-D917-4C8C-928F-313BD683BF39}" type="slidenum">
+              <a:rPr lang="en-US" smtClean="0"/>
+              <a:t>11</a:t>
+            </a:fld>
+            <a:endParaRPr lang="en-US"/>
+          </a:p>
+        </p:txBody>
+      </p:sp>
+      <p:graphicFrame>
+        <p:nvGraphicFramePr>
+          <p:cNvPr id="2" name="Object 1">
+            <a:extLst>
+              <a:ext uri="{FF2B5EF4-FFF2-40B4-BE49-F238E27FC236}">
+                <a16:creationId xmlns:a16="http://schemas.microsoft.com/office/drawing/2014/main" id="{9A289FC9-5B00-DF9E-78BF-84FE5EE4B1D4}"/>
+              </a:ext>
+            </a:extLst>
+          </p:cNvPr>
+          <p:cNvGraphicFramePr>
+            <a:graphicFrameLocks noChangeAspect="1"/>
+          </p:cNvGraphicFramePr>
+          <p:nvPr>
+            <p:extLst>
+              <p:ext uri="{D42A27DB-BD31-4B8C-83A1-F6EECF244321}">
+                <p14:modId xmlns:p14="http://schemas.microsoft.com/office/powerpoint/2010/main" val="416431530"/>
+              </p:ext>
+            </p:extLst>
+          </p:nvPr>
+        </p:nvGraphicFramePr>
+        <p:xfrm>
+          <a:off x="254000" y="3059113"/>
+          <a:ext cx="2670175" cy="442912"/>
+        </p:xfrm>
+        <a:graphic>
+          <a:graphicData uri="http://schemas.openxmlformats.org/presentationml/2006/ole">
+            <mc:AlternateContent xmlns:mc="http://schemas.openxmlformats.org/markup-compatibility/2006">
+              <mc:Choice xmlns:v="urn:schemas-microsoft-com:vml" Requires="v">
+                <p:oleObj name="Packager Shell Object" showAsIcon="1" r:id="rId3" imgW="2670480" imgH="442800" progId="Package">
+                  <p:link updateAutomatic="1"/>
+                </p:oleObj>
+              </mc:Choice>
+              <mc:Fallback>
+                <p:oleObj name="Packager Shell Object" showAsIcon="1" r:id="rId3" imgW="2670480" imgH="442800" progId="Package">
+                  <p:link updateAutomatic="1"/>
+                  <p:pic>
+                    <p:nvPicPr>
+                      <p:cNvPr id="2" name="Object 1">
+                        <a:extLst>
+                          <a:ext uri="{FF2B5EF4-FFF2-40B4-BE49-F238E27FC236}">
+                            <a16:creationId xmlns:a16="http://schemas.microsoft.com/office/drawing/2014/main" id="{9A289FC9-5B00-DF9E-78BF-84FE5EE4B1D4}"/>
+                          </a:ext>
+                        </a:extLst>
+                      </p:cNvPr>
+                      <p:cNvPicPr/>
+                      <p:nvPr/>
+                    </p:nvPicPr>
+                    <p:blipFill>
+                      <a:blip r:embed="rId4"/>
+                      <a:stretch>
+                        <a:fillRect/>
+                      </a:stretch>
+                    </p:blipFill>
+                    <p:spPr>
+                      <a:xfrm>
+                        <a:off x="254000" y="3059113"/>
+                        <a:ext cx="2670175" cy="442912"/>
+                      </a:xfrm>
+                      <a:prstGeom prst="rect">
+                        <a:avLst/>
+                      </a:prstGeom>
+                    </p:spPr>
+                  </p:pic>
+                </p:oleObj>
+              </mc:Fallback>
+            </mc:AlternateContent>
+          </a:graphicData>
+        </a:graphic>
+      </p:graphicFrame>
+      <p:graphicFrame>
+        <p:nvGraphicFramePr>
+          <p:cNvPr id="4" name="Object 3">
+            <a:extLst>
+              <a:ext uri="{FF2B5EF4-FFF2-40B4-BE49-F238E27FC236}">
+                <a16:creationId xmlns:a16="http://schemas.microsoft.com/office/drawing/2014/main" id="{2FE35A22-402D-3682-B4D6-7D300089AB9D}"/>
+              </a:ext>
+            </a:extLst>
+          </p:cNvPr>
+          <p:cNvGraphicFramePr>
+            <a:graphicFrameLocks noChangeAspect="1"/>
+          </p:cNvGraphicFramePr>
+          <p:nvPr>
+            <p:extLst>
+              <p:ext uri="{D42A27DB-BD31-4B8C-83A1-F6EECF244321}">
+                <p14:modId xmlns:p14="http://schemas.microsoft.com/office/powerpoint/2010/main" val="3313528403"/>
+              </p:ext>
+            </p:extLst>
+          </p:nvPr>
+        </p:nvGraphicFramePr>
+        <p:xfrm>
+          <a:off x="447675" y="4656138"/>
+          <a:ext cx="1757363" cy="442912"/>
+        </p:xfrm>
+        <a:graphic>
+          <a:graphicData uri="http://schemas.openxmlformats.org/presentationml/2006/ole">
+            <mc:AlternateContent xmlns:mc="http://schemas.openxmlformats.org/markup-compatibility/2006">
+              <mc:Choice xmlns:v="urn:schemas-microsoft-com:vml" Requires="v">
+                <p:oleObj name="Packager Shell Object" showAsIcon="1" r:id="rId5" imgW="1757520" imgH="442800" progId="Package">
+                  <p:embed/>
+                </p:oleObj>
+              </mc:Choice>
+              <mc:Fallback>
+                <p:oleObj name="Packager Shell Object" showAsIcon="1" r:id="rId5" imgW="1757520" imgH="442800" progId="Package">
+                  <p:embed/>
+                  <p:pic>
+                    <p:nvPicPr>
+                      <p:cNvPr id="4" name="Object 3">
+                        <a:extLst>
+                          <a:ext uri="{FF2B5EF4-FFF2-40B4-BE49-F238E27FC236}">
+                            <a16:creationId xmlns:a16="http://schemas.microsoft.com/office/drawing/2014/main" id="{2FE35A22-402D-3682-B4D6-7D300089AB9D}"/>
+                          </a:ext>
+                        </a:extLst>
+                      </p:cNvPr>
+                      <p:cNvPicPr/>
+                      <p:nvPr/>
+                    </p:nvPicPr>
+                    <p:blipFill>
+                      <a:blip r:embed="rId6"/>
+                      <a:stretch>
+                        <a:fillRect/>
+                      </a:stretch>
+                    </p:blipFill>
+                    <p:spPr>
+                      <a:xfrm>
+                        <a:off x="447675" y="4656138"/>
+                        <a:ext cx="1757363" cy="442912"/>
+                      </a:xfrm>
+                      <a:prstGeom prst="rect">
+                        <a:avLst/>
+                      </a:prstGeom>
+                    </p:spPr>
+                  </p:pic>
+                </p:oleObj>
+              </mc:Fallback>
+            </mc:AlternateContent>
+          </a:graphicData>
+        </a:graphic>
+      </p:graphicFrame>
+    </p:spTree>
+    <p:extLst>
+      <p:ext uri="{BB962C8B-B14F-4D97-AF65-F5344CB8AC3E}">
+        <p14:creationId xmlns:p14="http://schemas.microsoft.com/office/powerpoint/2010/main" val="922817052"/>
+      </p:ext>
+    </p:extLst>
+  </p:cSld>
+  <p:clrMapOvr>
+    <a:masterClrMapping/>
+  </p:clrMapOvr>
+</p:sld>
+</file>
+
+<file path=ppt/slides/slide12.xml><?xml version="1.0" encoding="utf-8"?>
+<p:sld xmlns:a="http://schemas.openxmlformats.org/drawingml/2006/main" xmlns:r="http://schemas.openxmlformats.org/officeDocument/2006/relationships" xmlns:p="http://schemas.openxmlformats.org/presentationml/2006/main">
+  <p:cSld>
+    <p:spTree>
+      <p:nvGrpSpPr>
+        <p:cNvPr id="1" name=""/>
+        <p:cNvGrpSpPr/>
+        <p:nvPr/>
+      </p:nvGrpSpPr>
+      <p:grpSpPr>
+        <a:xfrm>
+          <a:off x="0" y="0"/>
+          <a:ext cx="0" cy="0"/>
+          <a:chOff x="0" y="0"/>
+          <a:chExt cx="0" cy="0"/>
+        </a:xfrm>
+      </p:grpSpPr>
+      <p:sp>
+        <p:nvSpPr>
+          <p:cNvPr id="8" name="Title 7">
+            <a:extLst>
+              <a:ext uri="{FF2B5EF4-FFF2-40B4-BE49-F238E27FC236}">
+                <a16:creationId xmlns:a16="http://schemas.microsoft.com/office/drawing/2014/main" id="{ECA544E0-7D3D-B0A0-0C63-B78867383B79}"/>
+              </a:ext>
+            </a:extLst>
+          </p:cNvPr>
+          <p:cNvSpPr>
+            <a:spLocks noGrp="1"/>
+          </p:cNvSpPr>
+          <p:nvPr>
+            <p:ph type="title"/>
+          </p:nvPr>
+        </p:nvSpPr>
+        <p:spPr/>
+        <p:txBody>
+          <a:bodyPr/>
+          <a:lstStyle/>
+          <a:p>
             <a:r>
               <a:rPr lang="en-US" dirty="0"/>
               <a:t>Show graphs like Tableau dashboard</a:t>
@@ -22047,8 +23396,8 @@
           </a:p>
         </p:txBody>
       </p:sp>
-      <mc:AlternateContent xmlns:mc="http://schemas.openxmlformats.org/markup-compatibility/2006">
-        <mc:Choice xmlns:cx2="http://schemas.microsoft.com/office/drawing/2015/10/21/chartex" Requires="cx2">
+      <mc:AlternateContent xmlns:mc="http://schemas.openxmlformats.org/markup-compatibility/2006" xmlns:cx2="http://schemas.microsoft.com/office/drawing/2015/10/21/chartex">
+        <mc:Choice Requires="cx2">
           <p:graphicFrame>
             <p:nvGraphicFramePr>
               <p:cNvPr id="17" name="Content Placeholder 16">
@@ -22076,7 +23425,7 @@
             </a:graphic>
           </p:graphicFrame>
         </mc:Choice>
-        <mc:Fallback>
+        <mc:Fallback xmlns="">
           <p:pic>
             <p:nvPicPr>
               <p:cNvPr id="17" name="Content Placeholder 16">
@@ -22184,8 +23533,8 @@
           </a:p>
         </p:txBody>
       </p:sp>
-      <mc:AlternateContent xmlns:mc="http://schemas.openxmlformats.org/markup-compatibility/2006">
-        <mc:Choice xmlns:cx1="http://schemas.microsoft.com/office/drawing/2015/9/8/chartex" Requires="cx1">
+      <mc:AlternateContent xmlns:mc="http://schemas.openxmlformats.org/markup-compatibility/2006" xmlns:cx1="http://schemas.microsoft.com/office/drawing/2015/9/8/chartex">
+        <mc:Choice Requires="cx1">
           <p:graphicFrame>
             <p:nvGraphicFramePr>
               <p:cNvPr id="20" name="Content Placeholder 19">
@@ -22213,7 +23562,7 @@
             </a:graphic>
           </p:graphicFrame>
         </mc:Choice>
-        <mc:Fallback>
+        <mc:Fallback xmlns="">
           <p:pic>
             <p:nvPicPr>
               <p:cNvPr id="20" name="Content Placeholder 19">
@@ -22325,7 +23674,7 @@
           <a:p>
             <a:fld id="{DBA1B0FB-D917-4C8C-928F-313BD683BF39}" type="slidenum">
               <a:rPr lang="en-US" smtClean="0"/>
-              <a:t>11</a:t>
+              <a:t>12</a:t>
             </a:fld>
             <a:endParaRPr lang="en-US"/>
           </a:p>
@@ -22344,7 +23693,7 @@
 </p:sld>
 </file>
 
-<file path=ppt/slides/slide12.xml><?xml version="1.0" encoding="utf-8"?>
+<file path=ppt/slides/slide13.xml><?xml version="1.0" encoding="utf-8"?>
 <p:sld xmlns:a="http://schemas.openxmlformats.org/drawingml/2006/main" xmlns:r="http://schemas.openxmlformats.org/officeDocument/2006/relationships" xmlns:p="http://schemas.openxmlformats.org/presentationml/2006/main">
   <p:cSld>
     <p:spTree>
@@ -22974,7 +24323,7 @@
             <a:fld id="{DBA1B0FB-D917-4C8C-928F-313BD683BF39}" type="slidenum">
               <a:rPr lang="en-US" smtClean="0"/>
               <a:pPr/>
-              <a:t>12</a:t>
+              <a:t>13</a:t>
             </a:fld>
             <a:endParaRPr lang="en-US"/>
           </a:p>
@@ -23154,7 +24503,7 @@
 </p:sld>
 </file>
 
-<file path=ppt/slides/slide13.xml><?xml version="1.0" encoding="utf-8"?>
+<file path=ppt/slides/slide14.xml><?xml version="1.0" encoding="utf-8"?>
 <p:sld xmlns:a="http://schemas.openxmlformats.org/drawingml/2006/main" xmlns:r="http://schemas.openxmlformats.org/officeDocument/2006/relationships" xmlns:p="http://schemas.openxmlformats.org/presentationml/2006/main">
   <p:cSld>
     <p:spTree>
@@ -23369,7 +24718,7 @@
             <a:fld id="{DBA1B0FB-D917-4C8C-928F-313BD683BF39}" type="slidenum">
               <a:rPr lang="en-US" smtClean="0"/>
               <a:pPr/>
-              <a:t>13</a:t>
+              <a:t>14</a:t>
             </a:fld>
             <a:endParaRPr lang="en-US"/>
           </a:p>
@@ -23379,464 +24728,6 @@
     <p:extLst>
       <p:ext uri="{BB962C8B-B14F-4D97-AF65-F5344CB8AC3E}">
         <p14:creationId xmlns:p14="http://schemas.microsoft.com/office/powerpoint/2010/main" val="1521947180"/>
-      </p:ext>
-    </p:extLst>
-  </p:cSld>
-  <p:clrMapOvr>
-    <a:masterClrMapping/>
-  </p:clrMapOvr>
-</p:sld>
-</file>
-
-<file path=ppt/slides/slide14.xml><?xml version="1.0" encoding="utf-8"?>
-<p:sld xmlns:a="http://schemas.openxmlformats.org/drawingml/2006/main" xmlns:r="http://schemas.openxmlformats.org/officeDocument/2006/relationships" xmlns:p="http://schemas.openxmlformats.org/presentationml/2006/main">
-  <p:cSld>
-    <p:spTree>
-      <p:nvGrpSpPr>
-        <p:cNvPr id="1" name=""/>
-        <p:cNvGrpSpPr/>
-        <p:nvPr/>
-      </p:nvGrpSpPr>
-      <p:grpSpPr>
-        <a:xfrm>
-          <a:off x="0" y="0"/>
-          <a:ext cx="0" cy="0"/>
-          <a:chOff x="0" y="0"/>
-          <a:chExt cx="0" cy="0"/>
-        </a:xfrm>
-      </p:grpSpPr>
-      <p:sp>
-        <p:nvSpPr>
-          <p:cNvPr id="7" name="Title 6">
-            <a:extLst>
-              <a:ext uri="{FF2B5EF4-FFF2-40B4-BE49-F238E27FC236}">
-                <a16:creationId xmlns:a16="http://schemas.microsoft.com/office/drawing/2014/main" id="{47788B34-4190-4916-9048-47720EA5ABF1}"/>
-              </a:ext>
-            </a:extLst>
-          </p:cNvPr>
-          <p:cNvSpPr>
-            <a:spLocks noGrp="1"/>
-          </p:cNvSpPr>
-          <p:nvPr>
-            <p:ph type="title"/>
-          </p:nvPr>
-        </p:nvSpPr>
-        <p:spPr>
-          <a:xfrm>
-            <a:off x="550862" y="549275"/>
-            <a:ext cx="11097551" cy="1332000"/>
-          </a:xfrm>
-        </p:spPr>
-        <p:txBody>
-          <a:bodyPr/>
-          <a:lstStyle/>
-          <a:p>
-            <a:r>
-              <a:rPr lang="en-US" dirty="0"/>
-              <a:t>Content 2 </a:t>
-            </a:r>
-          </a:p>
-        </p:txBody>
-      </p:sp>
-      <p:sp>
-        <p:nvSpPr>
-          <p:cNvPr id="8" name="Text Placeholder 7">
-            <a:extLst>
-              <a:ext uri="{FF2B5EF4-FFF2-40B4-BE49-F238E27FC236}">
-                <a16:creationId xmlns:a16="http://schemas.microsoft.com/office/drawing/2014/main" id="{ABA415A0-3B77-43FB-A408-5F1DA4B0AAFA}"/>
-              </a:ext>
-            </a:extLst>
-          </p:cNvPr>
-          <p:cNvSpPr>
-            <a:spLocks noGrp="1"/>
-          </p:cNvSpPr>
-          <p:nvPr>
-            <p:ph type="body" idx="1"/>
-          </p:nvPr>
-        </p:nvSpPr>
-        <p:spPr>
-          <a:xfrm>
-            <a:off x="550864" y="1731375"/>
-            <a:ext cx="3563936" cy="535354"/>
-          </a:xfrm>
-        </p:spPr>
-        <p:txBody>
-          <a:bodyPr/>
-          <a:lstStyle/>
-          <a:p>
-            <a:r>
-              <a:rPr lang="en-US" dirty="0"/>
-              <a:t>Subtitle</a:t>
-            </a:r>
-          </a:p>
-        </p:txBody>
-      </p:sp>
-      <p:sp>
-        <p:nvSpPr>
-          <p:cNvPr id="9" name="Content Placeholder 8">
-            <a:extLst>
-              <a:ext uri="{FF2B5EF4-FFF2-40B4-BE49-F238E27FC236}">
-                <a16:creationId xmlns:a16="http://schemas.microsoft.com/office/drawing/2014/main" id="{8598ECEC-4413-4244-8F21-0076EC511806}"/>
-              </a:ext>
-            </a:extLst>
-          </p:cNvPr>
-          <p:cNvSpPr>
-            <a:spLocks noGrp="1"/>
-          </p:cNvSpPr>
-          <p:nvPr>
-            <p:ph sz="half" idx="2"/>
-          </p:nvPr>
-        </p:nvSpPr>
-        <p:spPr>
-          <a:xfrm>
-            <a:off x="559476" y="2432304"/>
-            <a:ext cx="3563936" cy="3515555"/>
-          </a:xfrm>
-        </p:spPr>
-        <p:txBody>
-          <a:bodyPr>
-            <a:normAutofit fontScale="92500" lnSpcReduction="20000"/>
-          </a:bodyPr>
-          <a:lstStyle/>
-          <a:p>
-            <a:pPr lvl="0"/>
-            <a:r>
-              <a:rPr lang="en-US" dirty="0"/>
-              <a:t>Add text, images, art, and videos. </a:t>
-            </a:r>
-          </a:p>
-          <a:p>
-            <a:pPr lvl="0"/>
-            <a:r>
-              <a:rPr lang="en-US" dirty="0"/>
-              <a:t>Add transitions, animations, and motion. </a:t>
-            </a:r>
-          </a:p>
-          <a:p>
-            <a:pPr lvl="0"/>
-            <a:r>
-              <a:rPr lang="en-US" dirty="0"/>
-              <a:t>Save to OneDrive, to get to your presentations from your computer, tablet, or phone. </a:t>
-            </a:r>
-          </a:p>
-          <a:p>
-            <a:r>
-              <a:rPr lang="en-US" dirty="0"/>
-              <a:t>Open the Design Ideas pane for instant slide makeovers. </a:t>
-            </a:r>
-          </a:p>
-          <a:p>
-            <a:r>
-              <a:rPr lang="en-US" dirty="0"/>
-              <a:t>When we have design ideas, we’ll show them to you right there. </a:t>
-            </a:r>
-          </a:p>
-          <a:p>
-            <a:pPr lvl="0"/>
-            <a:endParaRPr lang="en-US" dirty="0"/>
-          </a:p>
-          <a:p>
-            <a:endParaRPr lang="en-US" dirty="0"/>
-          </a:p>
-        </p:txBody>
-      </p:sp>
-      <p:sp>
-        <p:nvSpPr>
-          <p:cNvPr id="12" name="Text Placeholder 11">
-            <a:extLst>
-              <a:ext uri="{FF2B5EF4-FFF2-40B4-BE49-F238E27FC236}">
-                <a16:creationId xmlns:a16="http://schemas.microsoft.com/office/drawing/2014/main" id="{3A63626D-0E6E-4023-ABFC-A744C9862159}"/>
-              </a:ext>
-            </a:extLst>
-          </p:cNvPr>
-          <p:cNvSpPr>
-            <a:spLocks noGrp="1"/>
-          </p:cNvSpPr>
-          <p:nvPr>
-            <p:ph type="body" sz="quarter" idx="13"/>
-          </p:nvPr>
-        </p:nvSpPr>
-        <p:spPr>
-          <a:xfrm>
-            <a:off x="4341573" y="1731375"/>
-            <a:ext cx="3566160" cy="535354"/>
-          </a:xfrm>
-        </p:spPr>
-        <p:txBody>
-          <a:bodyPr/>
-          <a:lstStyle/>
-          <a:p>
-            <a:r>
-              <a:rPr lang="en-US" dirty="0"/>
-              <a:t>subtitle</a:t>
-            </a:r>
-          </a:p>
-        </p:txBody>
-      </p:sp>
-      <p:sp>
-        <p:nvSpPr>
-          <p:cNvPr id="13" name="Content Placeholder 12">
-            <a:extLst>
-              <a:ext uri="{FF2B5EF4-FFF2-40B4-BE49-F238E27FC236}">
-                <a16:creationId xmlns:a16="http://schemas.microsoft.com/office/drawing/2014/main" id="{258E9390-685C-4BAD-BFAD-EC56E81C4745}"/>
-              </a:ext>
-            </a:extLst>
-          </p:cNvPr>
-          <p:cNvSpPr>
-            <a:spLocks noGrp="1"/>
-          </p:cNvSpPr>
-          <p:nvPr>
-            <p:ph sz="quarter" idx="14"/>
-          </p:nvPr>
-        </p:nvSpPr>
-        <p:spPr>
-          <a:xfrm>
-            <a:off x="4341573" y="2427370"/>
-            <a:ext cx="3508755" cy="3515555"/>
-          </a:xfrm>
-        </p:spPr>
-        <p:txBody>
-          <a:bodyPr>
-            <a:normAutofit lnSpcReduction="10000"/>
-          </a:bodyPr>
-          <a:lstStyle/>
-          <a:p>
-            <a:pPr lvl="0"/>
-            <a:r>
-              <a:rPr lang="en-US" dirty="0"/>
-              <a:t>Add text, images, art, and videos. </a:t>
-            </a:r>
-          </a:p>
-          <a:p>
-            <a:pPr lvl="0"/>
-            <a:r>
-              <a:rPr lang="en-US" dirty="0"/>
-              <a:t>Add transitions, animations, and motion. </a:t>
-            </a:r>
-          </a:p>
-          <a:p>
-            <a:pPr lvl="0"/>
-            <a:r>
-              <a:rPr lang="en-US" dirty="0"/>
-              <a:t>Save to OneDrive, to get to your presentations from your computer, tablet, or phone. </a:t>
-            </a:r>
-          </a:p>
-          <a:p>
-            <a:r>
-              <a:rPr lang="en-US" dirty="0"/>
-              <a:t>Open the Design Ideas pane for instant slide makeovers. </a:t>
-            </a:r>
-          </a:p>
-          <a:p>
-            <a:r>
-              <a:rPr lang="en-US" dirty="0"/>
-              <a:t>When we have design ideas, we’ll show them to you right there.</a:t>
-            </a:r>
-          </a:p>
-        </p:txBody>
-      </p:sp>
-      <p:sp>
-        <p:nvSpPr>
-          <p:cNvPr id="10" name="Text Placeholder 9">
-            <a:extLst>
-              <a:ext uri="{FF2B5EF4-FFF2-40B4-BE49-F238E27FC236}">
-                <a16:creationId xmlns:a16="http://schemas.microsoft.com/office/drawing/2014/main" id="{34A9BC34-CFDB-4D7A-8D6C-1CE608D0909F}"/>
-              </a:ext>
-            </a:extLst>
-          </p:cNvPr>
-          <p:cNvSpPr>
-            <a:spLocks noGrp="1"/>
-          </p:cNvSpPr>
-          <p:nvPr>
-            <p:ph type="body" sz="quarter" idx="3"/>
-          </p:nvPr>
-        </p:nvSpPr>
-        <p:spPr>
-          <a:xfrm>
-            <a:off x="8139659" y="1731375"/>
-            <a:ext cx="3566160" cy="535354"/>
-          </a:xfrm>
-        </p:spPr>
-        <p:txBody>
-          <a:bodyPr/>
-          <a:lstStyle/>
-          <a:p>
-            <a:r>
-              <a:rPr lang="en-US"/>
-              <a:t>subtitle</a:t>
-            </a:r>
-            <a:endParaRPr lang="en-US" dirty="0"/>
-          </a:p>
-        </p:txBody>
-      </p:sp>
-      <p:sp>
-        <p:nvSpPr>
-          <p:cNvPr id="11" name="Content Placeholder 10">
-            <a:extLst>
-              <a:ext uri="{FF2B5EF4-FFF2-40B4-BE49-F238E27FC236}">
-                <a16:creationId xmlns:a16="http://schemas.microsoft.com/office/drawing/2014/main" id="{1D014E48-5DD9-49CE-AD5B-0FEF69204F68}"/>
-              </a:ext>
-            </a:extLst>
-          </p:cNvPr>
-          <p:cNvSpPr>
-            <a:spLocks noGrp="1"/>
-          </p:cNvSpPr>
-          <p:nvPr>
-            <p:ph sz="quarter" idx="4"/>
-          </p:nvPr>
-        </p:nvSpPr>
-        <p:spPr>
-          <a:xfrm>
-            <a:off x="8139659" y="2427370"/>
-            <a:ext cx="3508755" cy="3515555"/>
-          </a:xfrm>
-        </p:spPr>
-        <p:txBody>
-          <a:bodyPr>
-            <a:normAutofit lnSpcReduction="10000"/>
-          </a:bodyPr>
-          <a:lstStyle/>
-          <a:p>
-            <a:pPr lvl="0"/>
-            <a:r>
-              <a:rPr lang="en-US" dirty="0"/>
-              <a:t>Add text, images, art, and videos. </a:t>
-            </a:r>
-          </a:p>
-          <a:p>
-            <a:pPr lvl="0"/>
-            <a:r>
-              <a:rPr lang="en-US" dirty="0"/>
-              <a:t>Add transitions, animations, and motion. </a:t>
-            </a:r>
-          </a:p>
-          <a:p>
-            <a:pPr lvl="0"/>
-            <a:r>
-              <a:rPr lang="en-US" dirty="0"/>
-              <a:t>Save to OneDrive, to get to your presentations from your computer, tablet, or phone. </a:t>
-            </a:r>
-          </a:p>
-          <a:p>
-            <a:r>
-              <a:rPr lang="en-US" dirty="0"/>
-              <a:t>Open the Design Ideas pane for instant slide makeovers. </a:t>
-            </a:r>
-          </a:p>
-          <a:p>
-            <a:r>
-              <a:rPr lang="en-US" dirty="0"/>
-              <a:t>When we have design ideas, we’ll show them to you right there.</a:t>
-            </a:r>
-          </a:p>
-        </p:txBody>
-      </p:sp>
-      <p:sp>
-        <p:nvSpPr>
-          <p:cNvPr id="14" name="Date Placeholder 13">
-            <a:extLst>
-              <a:ext uri="{FF2B5EF4-FFF2-40B4-BE49-F238E27FC236}">
-                <a16:creationId xmlns:a16="http://schemas.microsoft.com/office/drawing/2014/main" id="{D236478C-E242-44E0-8357-C72C9B588CA7}"/>
-              </a:ext>
-            </a:extLst>
-          </p:cNvPr>
-          <p:cNvSpPr>
-            <a:spLocks noGrp="1"/>
-          </p:cNvSpPr>
-          <p:nvPr>
-            <p:ph type="dt" sz="half" idx="10"/>
-          </p:nvPr>
-        </p:nvSpPr>
-        <p:spPr>
-          <a:xfrm>
-            <a:off x="550863" y="6507212"/>
-            <a:ext cx="2628900" cy="153888"/>
-          </a:xfrm>
-        </p:spPr>
-        <p:txBody>
-          <a:bodyPr/>
-          <a:lstStyle/>
-          <a:p>
-            <a:r>
-              <a:rPr lang="en-US"/>
-              <a:t>Tuesday, February 2, 20XX</a:t>
-            </a:r>
-            <a:endParaRPr lang="en-US" dirty="0"/>
-          </a:p>
-        </p:txBody>
-      </p:sp>
-      <p:sp>
-        <p:nvSpPr>
-          <p:cNvPr id="15" name="Footer Placeholder 14">
-            <a:extLst>
-              <a:ext uri="{FF2B5EF4-FFF2-40B4-BE49-F238E27FC236}">
-                <a16:creationId xmlns:a16="http://schemas.microsoft.com/office/drawing/2014/main" id="{65A6DC02-681E-4AF7-AC6E-57CDDB2FBA28}"/>
-              </a:ext>
-            </a:extLst>
-          </p:cNvPr>
-          <p:cNvSpPr>
-            <a:spLocks noGrp="1"/>
-          </p:cNvSpPr>
-          <p:nvPr>
-            <p:ph type="ftr" sz="quarter" idx="11"/>
-          </p:nvPr>
-        </p:nvSpPr>
-        <p:spPr>
-          <a:xfrm>
-            <a:off x="3359150" y="6507212"/>
-            <a:ext cx="6379210" cy="153888"/>
-          </a:xfrm>
-        </p:spPr>
-        <p:txBody>
-          <a:bodyPr/>
-          <a:lstStyle/>
-          <a:p>
-            <a:r>
-              <a:rPr lang="en-US"/>
-              <a:t>Sample Footer Text</a:t>
-            </a:r>
-          </a:p>
-        </p:txBody>
-      </p:sp>
-      <p:sp>
-        <p:nvSpPr>
-          <p:cNvPr id="16" name="Slide Number Placeholder 15">
-            <a:extLst>
-              <a:ext uri="{FF2B5EF4-FFF2-40B4-BE49-F238E27FC236}">
-                <a16:creationId xmlns:a16="http://schemas.microsoft.com/office/drawing/2014/main" id="{CF0A8666-4477-461C-A79D-E91232EE973E}"/>
-              </a:ext>
-            </a:extLst>
-          </p:cNvPr>
-          <p:cNvSpPr>
-            <a:spLocks noGrp="1"/>
-          </p:cNvSpPr>
-          <p:nvPr>
-            <p:ph type="sldNum" sz="quarter" idx="12"/>
-          </p:nvPr>
-        </p:nvSpPr>
-        <p:spPr>
-          <a:xfrm>
-            <a:off x="9948863" y="6507212"/>
-            <a:ext cx="1692274" cy="153888"/>
-          </a:xfrm>
-        </p:spPr>
-        <p:txBody>
-          <a:bodyPr/>
-          <a:lstStyle/>
-          <a:p>
-            <a:fld id="{DBA1B0FB-D917-4C8C-928F-313BD683BF39}" type="slidenum">
-              <a:rPr lang="en-US" smtClean="0"/>
-              <a:pPr/>
-              <a:t>14</a:t>
-            </a:fld>
-            <a:endParaRPr lang="en-US"/>
-          </a:p>
-        </p:txBody>
-      </p:sp>
-    </p:spTree>
-    <p:extLst>
-      <p:ext uri="{BB962C8B-B14F-4D97-AF65-F5344CB8AC3E}">
-        <p14:creationId xmlns:p14="http://schemas.microsoft.com/office/powerpoint/2010/main" val="1420547054"/>
       </p:ext>
     </p:extLst>
   </p:cSld>
@@ -23865,10 +24756,10 @@
       </p:grpSpPr>
       <p:sp>
         <p:nvSpPr>
-          <p:cNvPr id="11" name="Title 10">
+          <p:cNvPr id="7" name="Title 6">
             <a:extLst>
               <a:ext uri="{FF2B5EF4-FFF2-40B4-BE49-F238E27FC236}">
-                <a16:creationId xmlns:a16="http://schemas.microsoft.com/office/drawing/2014/main" id="{581E8936-2270-47FE-94A4-398CB123EF90}"/>
+                <a16:creationId xmlns:a16="http://schemas.microsoft.com/office/drawing/2014/main" id="{47788B34-4190-4916-9048-47720EA5ABF1}"/>
               </a:ext>
             </a:extLst>
           </p:cNvPr>
@@ -23881,8 +24772,8 @@
         </p:nvSpPr>
         <p:spPr>
           <a:xfrm>
-            <a:off x="550863" y="4508500"/>
-            <a:ext cx="4500562" cy="1562959"/>
+            <a:off x="550862" y="549275"/>
+            <a:ext cx="11097551" cy="1332000"/>
           </a:xfrm>
         </p:spPr>
         <p:txBody>
@@ -23891,51 +24782,17 @@
           <a:p>
             <a:r>
               <a:rPr lang="en-US" dirty="0"/>
-              <a:t>Data Modeling</a:t>
+              <a:t>Content 2 </a:t>
             </a:r>
           </a:p>
         </p:txBody>
       </p:sp>
-      <p:pic>
-        <p:nvPicPr>
-          <p:cNvPr id="16" name="Picture Placeholder 15" descr="Data Points Digital background">
-            <a:extLst>
-              <a:ext uri="{FF2B5EF4-FFF2-40B4-BE49-F238E27FC236}">
-                <a16:creationId xmlns:a16="http://schemas.microsoft.com/office/drawing/2014/main" id="{361E9ADB-7377-4CF1-9AE4-AEFBDEBEEEEC}"/>
-              </a:ext>
-            </a:extLst>
-          </p:cNvPr>
-          <p:cNvPicPr>
-            <a:picLocks noGrp="1" noChangeAspect="1"/>
-          </p:cNvPicPr>
-          <p:nvPr>
-            <p:ph type="pic" sz="quarter" idx="13"/>
-          </p:nvPr>
-        </p:nvPicPr>
-        <p:blipFill rotWithShape="1">
-          <a:blip r:embed="rId3" cstate="screen">
-            <a:extLst>
-              <a:ext uri="{28A0092B-C50C-407E-A947-70E740481C1C}">
-                <a14:useLocalDpi xmlns:a14="http://schemas.microsoft.com/office/drawing/2010/main" val="0"/>
-              </a:ext>
-            </a:extLst>
-          </a:blip>
-          <a:srcRect/>
-          <a:stretch/>
-        </p:blipFill>
-        <p:spPr>
-          <a:xfrm>
-            <a:off x="0" y="0"/>
-            <a:ext cx="12192000" cy="3776472"/>
-          </a:xfrm>
-        </p:spPr>
-      </p:pic>
       <p:sp>
         <p:nvSpPr>
-          <p:cNvPr id="13" name="Content Placeholder 12">
+          <p:cNvPr id="8" name="Text Placeholder 7">
             <a:extLst>
               <a:ext uri="{FF2B5EF4-FFF2-40B4-BE49-F238E27FC236}">
-                <a16:creationId xmlns:a16="http://schemas.microsoft.com/office/drawing/2014/main" id="{C0287FEC-3826-4868-8D93-52429C6156F5}"/>
+                <a16:creationId xmlns:a16="http://schemas.microsoft.com/office/drawing/2014/main" id="{ABA415A0-3B77-43FB-A408-5F1DA4B0AAFA}"/>
               </a:ext>
             </a:extLst>
           </p:cNvPr>
@@ -23943,13 +24800,148 @@
             <a:spLocks noGrp="1"/>
           </p:cNvSpPr>
           <p:nvPr>
-            <p:ph sz="quarter" idx="15"/>
+            <p:ph type="body" idx="1"/>
           </p:nvPr>
         </p:nvSpPr>
         <p:spPr>
           <a:xfrm>
-            <a:off x="5262411" y="4508500"/>
-            <a:ext cx="6221412" cy="1563688"/>
+            <a:off x="550864" y="1731375"/>
+            <a:ext cx="3563936" cy="535354"/>
+          </a:xfrm>
+        </p:spPr>
+        <p:txBody>
+          <a:bodyPr/>
+          <a:lstStyle/>
+          <a:p>
+            <a:r>
+              <a:rPr lang="en-US" dirty="0"/>
+              <a:t>Subtitle</a:t>
+            </a:r>
+          </a:p>
+        </p:txBody>
+      </p:sp>
+      <p:sp>
+        <p:nvSpPr>
+          <p:cNvPr id="9" name="Content Placeholder 8">
+            <a:extLst>
+              <a:ext uri="{FF2B5EF4-FFF2-40B4-BE49-F238E27FC236}">
+                <a16:creationId xmlns:a16="http://schemas.microsoft.com/office/drawing/2014/main" id="{8598ECEC-4413-4244-8F21-0076EC511806}"/>
+              </a:ext>
+            </a:extLst>
+          </p:cNvPr>
+          <p:cNvSpPr>
+            <a:spLocks noGrp="1"/>
+          </p:cNvSpPr>
+          <p:nvPr>
+            <p:ph sz="half" idx="2"/>
+          </p:nvPr>
+        </p:nvSpPr>
+        <p:spPr>
+          <a:xfrm>
+            <a:off x="559476" y="2432304"/>
+            <a:ext cx="3563936" cy="3515555"/>
+          </a:xfrm>
+        </p:spPr>
+        <p:txBody>
+          <a:bodyPr>
+            <a:normAutofit fontScale="92500" lnSpcReduction="20000"/>
+          </a:bodyPr>
+          <a:lstStyle/>
+          <a:p>
+            <a:pPr lvl="0"/>
+            <a:r>
+              <a:rPr lang="en-US" dirty="0"/>
+              <a:t>Add text, images, art, and videos. </a:t>
+            </a:r>
+          </a:p>
+          <a:p>
+            <a:pPr lvl="0"/>
+            <a:r>
+              <a:rPr lang="en-US" dirty="0"/>
+              <a:t>Add transitions, animations, and motion. </a:t>
+            </a:r>
+          </a:p>
+          <a:p>
+            <a:pPr lvl="0"/>
+            <a:r>
+              <a:rPr lang="en-US" dirty="0"/>
+              <a:t>Save to OneDrive, to get to your presentations from your computer, tablet, or phone. </a:t>
+            </a:r>
+          </a:p>
+          <a:p>
+            <a:r>
+              <a:rPr lang="en-US" dirty="0"/>
+              <a:t>Open the Design Ideas pane for instant slide makeovers. </a:t>
+            </a:r>
+          </a:p>
+          <a:p>
+            <a:r>
+              <a:rPr lang="en-US" dirty="0"/>
+              <a:t>When we have design ideas, we’ll show them to you right there. </a:t>
+            </a:r>
+          </a:p>
+          <a:p>
+            <a:pPr lvl="0"/>
+            <a:endParaRPr lang="en-US" dirty="0"/>
+          </a:p>
+          <a:p>
+            <a:endParaRPr lang="en-US" dirty="0"/>
+          </a:p>
+        </p:txBody>
+      </p:sp>
+      <p:sp>
+        <p:nvSpPr>
+          <p:cNvPr id="12" name="Text Placeholder 11">
+            <a:extLst>
+              <a:ext uri="{FF2B5EF4-FFF2-40B4-BE49-F238E27FC236}">
+                <a16:creationId xmlns:a16="http://schemas.microsoft.com/office/drawing/2014/main" id="{3A63626D-0E6E-4023-ABFC-A744C9862159}"/>
+              </a:ext>
+            </a:extLst>
+          </p:cNvPr>
+          <p:cNvSpPr>
+            <a:spLocks noGrp="1"/>
+          </p:cNvSpPr>
+          <p:nvPr>
+            <p:ph type="body" sz="quarter" idx="13"/>
+          </p:nvPr>
+        </p:nvSpPr>
+        <p:spPr>
+          <a:xfrm>
+            <a:off x="4341573" y="1731375"/>
+            <a:ext cx="3566160" cy="535354"/>
+          </a:xfrm>
+        </p:spPr>
+        <p:txBody>
+          <a:bodyPr/>
+          <a:lstStyle/>
+          <a:p>
+            <a:r>
+              <a:rPr lang="en-US" dirty="0"/>
+              <a:t>subtitle</a:t>
+            </a:r>
+          </a:p>
+        </p:txBody>
+      </p:sp>
+      <p:sp>
+        <p:nvSpPr>
+          <p:cNvPr id="13" name="Content Placeholder 12">
+            <a:extLst>
+              <a:ext uri="{FF2B5EF4-FFF2-40B4-BE49-F238E27FC236}">
+                <a16:creationId xmlns:a16="http://schemas.microsoft.com/office/drawing/2014/main" id="{258E9390-685C-4BAD-BFAD-EC56E81C4745}"/>
+              </a:ext>
+            </a:extLst>
+          </p:cNvPr>
+          <p:cNvSpPr>
+            <a:spLocks noGrp="1"/>
+          </p:cNvSpPr>
+          <p:nvPr>
+            <p:ph sz="quarter" idx="14"/>
+          </p:nvPr>
+        </p:nvSpPr>
+        <p:spPr>
+          <a:xfrm>
+            <a:off x="4341573" y="2427370"/>
+            <a:ext cx="3508755" cy="3515555"/>
           </a:xfrm>
         </p:spPr>
         <p:txBody>
@@ -23958,19 +24950,142 @@
           </a:bodyPr>
           <a:lstStyle/>
           <a:p>
+            <a:pPr lvl="0"/>
             <a:r>
               <a:rPr lang="en-US" dirty="0"/>
-              <a:t>With PowerPoint, you can create presentations and share your work with others, wherever they are. Type the text you want here to get started. You can also add images, art, and videos on this template. Save to OneDrive and access your presentations from your computer, tablet, or phone. </a:t>
+              <a:t>Add text, images, art, and videos. </a:t>
+            </a:r>
+          </a:p>
+          <a:p>
+            <a:pPr lvl="0"/>
+            <a:r>
+              <a:rPr lang="en-US" dirty="0"/>
+              <a:t>Add transitions, animations, and motion. </a:t>
+            </a:r>
+          </a:p>
+          <a:p>
+            <a:pPr lvl="0"/>
+            <a:r>
+              <a:rPr lang="en-US" dirty="0"/>
+              <a:t>Save to OneDrive, to get to your presentations from your computer, tablet, or phone. </a:t>
+            </a:r>
+          </a:p>
+          <a:p>
+            <a:r>
+              <a:rPr lang="en-US" dirty="0"/>
+              <a:t>Open the Design Ideas pane for instant slide makeovers. </a:t>
+            </a:r>
+          </a:p>
+          <a:p>
+            <a:r>
+              <a:rPr lang="en-US" dirty="0"/>
+              <a:t>When we have design ideas, we’ll show them to you right there.</a:t>
             </a:r>
           </a:p>
         </p:txBody>
       </p:sp>
       <p:sp>
         <p:nvSpPr>
-          <p:cNvPr id="4" name="Date Placeholder 3">
+          <p:cNvPr id="10" name="Text Placeholder 9">
             <a:extLst>
               <a:ext uri="{FF2B5EF4-FFF2-40B4-BE49-F238E27FC236}">
-                <a16:creationId xmlns:a16="http://schemas.microsoft.com/office/drawing/2014/main" id="{0C329F70-04F7-4C70-BCF8-D4371F54EF2F}"/>
+                <a16:creationId xmlns:a16="http://schemas.microsoft.com/office/drawing/2014/main" id="{34A9BC34-CFDB-4D7A-8D6C-1CE608D0909F}"/>
+              </a:ext>
+            </a:extLst>
+          </p:cNvPr>
+          <p:cNvSpPr>
+            <a:spLocks noGrp="1"/>
+          </p:cNvSpPr>
+          <p:nvPr>
+            <p:ph type="body" sz="quarter" idx="3"/>
+          </p:nvPr>
+        </p:nvSpPr>
+        <p:spPr>
+          <a:xfrm>
+            <a:off x="8139659" y="1731375"/>
+            <a:ext cx="3566160" cy="535354"/>
+          </a:xfrm>
+        </p:spPr>
+        <p:txBody>
+          <a:bodyPr/>
+          <a:lstStyle/>
+          <a:p>
+            <a:r>
+              <a:rPr lang="en-US"/>
+              <a:t>subtitle</a:t>
+            </a:r>
+            <a:endParaRPr lang="en-US" dirty="0"/>
+          </a:p>
+        </p:txBody>
+      </p:sp>
+      <p:sp>
+        <p:nvSpPr>
+          <p:cNvPr id="11" name="Content Placeholder 10">
+            <a:extLst>
+              <a:ext uri="{FF2B5EF4-FFF2-40B4-BE49-F238E27FC236}">
+                <a16:creationId xmlns:a16="http://schemas.microsoft.com/office/drawing/2014/main" id="{1D014E48-5DD9-49CE-AD5B-0FEF69204F68}"/>
+              </a:ext>
+            </a:extLst>
+          </p:cNvPr>
+          <p:cNvSpPr>
+            <a:spLocks noGrp="1"/>
+          </p:cNvSpPr>
+          <p:nvPr>
+            <p:ph sz="quarter" idx="4"/>
+          </p:nvPr>
+        </p:nvSpPr>
+        <p:spPr>
+          <a:xfrm>
+            <a:off x="8139659" y="2427370"/>
+            <a:ext cx="3508755" cy="3515555"/>
+          </a:xfrm>
+        </p:spPr>
+        <p:txBody>
+          <a:bodyPr>
+            <a:normAutofit lnSpcReduction="10000"/>
+          </a:bodyPr>
+          <a:lstStyle/>
+          <a:p>
+            <a:pPr lvl="0"/>
+            <a:r>
+              <a:rPr lang="en-US" dirty="0"/>
+              <a:t>Add text, images, art, and videos. </a:t>
+            </a:r>
+          </a:p>
+          <a:p>
+            <a:pPr lvl="0"/>
+            <a:r>
+              <a:rPr lang="en-US" dirty="0"/>
+              <a:t>Add transitions, animations, and motion. </a:t>
+            </a:r>
+          </a:p>
+          <a:p>
+            <a:pPr lvl="0"/>
+            <a:r>
+              <a:rPr lang="en-US" dirty="0"/>
+              <a:t>Save to OneDrive, to get to your presentations from your computer, tablet, or phone. </a:t>
+            </a:r>
+          </a:p>
+          <a:p>
+            <a:r>
+              <a:rPr lang="en-US" dirty="0"/>
+              <a:t>Open the Design Ideas pane for instant slide makeovers. </a:t>
+            </a:r>
+          </a:p>
+          <a:p>
+            <a:r>
+              <a:rPr lang="en-US" dirty="0"/>
+              <a:t>When we have design ideas, we’ll show them to you right there.</a:t>
+            </a:r>
+          </a:p>
+        </p:txBody>
+      </p:sp>
+      <p:sp>
+        <p:nvSpPr>
+          <p:cNvPr id="14" name="Date Placeholder 13">
+            <a:extLst>
+              <a:ext uri="{FF2B5EF4-FFF2-40B4-BE49-F238E27FC236}">
+                <a16:creationId xmlns:a16="http://schemas.microsoft.com/office/drawing/2014/main" id="{D236478C-E242-44E0-8357-C72C9B588CA7}"/>
               </a:ext>
             </a:extLst>
           </p:cNvPr>
@@ -24001,10 +25116,10 @@
       </p:sp>
       <p:sp>
         <p:nvSpPr>
-          <p:cNvPr id="5" name="Footer Placeholder 4">
+          <p:cNvPr id="15" name="Footer Placeholder 14">
             <a:extLst>
               <a:ext uri="{FF2B5EF4-FFF2-40B4-BE49-F238E27FC236}">
-                <a16:creationId xmlns:a16="http://schemas.microsoft.com/office/drawing/2014/main" id="{06A3302E-502D-4151-81C9-5FD6AF9596D6}"/>
+                <a16:creationId xmlns:a16="http://schemas.microsoft.com/office/drawing/2014/main" id="{65A6DC02-681E-4AF7-AC6E-57CDDB2FBA28}"/>
               </a:ext>
             </a:extLst>
           </p:cNvPr>
@@ -24034,10 +25149,10 @@
       </p:sp>
       <p:sp>
         <p:nvSpPr>
-          <p:cNvPr id="6" name="Slide Number Placeholder 5">
+          <p:cNvPr id="16" name="Slide Number Placeholder 15">
             <a:extLst>
               <a:ext uri="{FF2B5EF4-FFF2-40B4-BE49-F238E27FC236}">
-                <a16:creationId xmlns:a16="http://schemas.microsoft.com/office/drawing/2014/main" id="{9ED907F8-C614-4D59-A03F-BF9CD5E35703}"/>
+                <a16:creationId xmlns:a16="http://schemas.microsoft.com/office/drawing/2014/main" id="{CF0A8666-4477-461C-A79D-E91232EE973E}"/>
               </a:ext>
             </a:extLst>
           </p:cNvPr>
@@ -24070,7 +25185,7 @@
     </p:spTree>
     <p:extLst>
       <p:ext uri="{BB962C8B-B14F-4D97-AF65-F5344CB8AC3E}">
-        <p14:creationId xmlns:p14="http://schemas.microsoft.com/office/powerpoint/2010/main" val="3168979440"/>
+        <p14:creationId xmlns:p14="http://schemas.microsoft.com/office/powerpoint/2010/main" val="1420547054"/>
       </p:ext>
     </p:extLst>
   </p:cSld>
@@ -24099,10 +25214,10 @@
       </p:grpSpPr>
       <p:sp>
         <p:nvSpPr>
-          <p:cNvPr id="7" name="Title 6">
+          <p:cNvPr id="11" name="Title 10">
             <a:extLst>
               <a:ext uri="{FF2B5EF4-FFF2-40B4-BE49-F238E27FC236}">
-                <a16:creationId xmlns:a16="http://schemas.microsoft.com/office/drawing/2014/main" id="{47788B34-4190-4916-9048-47720EA5ABF1}"/>
+                <a16:creationId xmlns:a16="http://schemas.microsoft.com/office/drawing/2014/main" id="{581E8936-2270-47FE-94A4-398CB123EF90}"/>
               </a:ext>
             </a:extLst>
           </p:cNvPr>
@@ -24115,8 +25230,8 @@
         </p:nvSpPr>
         <p:spPr>
           <a:xfrm>
-            <a:off x="550862" y="549275"/>
-            <a:ext cx="11097551" cy="1332000"/>
+            <a:off x="550863" y="4508500"/>
+            <a:ext cx="4500562" cy="1562959"/>
           </a:xfrm>
         </p:spPr>
         <p:txBody>
@@ -24125,17 +25240,51 @@
           <a:p>
             <a:r>
               <a:rPr lang="en-US" dirty="0"/>
-              <a:t>Content 2 </a:t>
+              <a:t>Data Modeling</a:t>
             </a:r>
           </a:p>
         </p:txBody>
       </p:sp>
+      <p:pic>
+        <p:nvPicPr>
+          <p:cNvPr id="16" name="Picture Placeholder 15" descr="Data Points Digital background">
+            <a:extLst>
+              <a:ext uri="{FF2B5EF4-FFF2-40B4-BE49-F238E27FC236}">
+                <a16:creationId xmlns:a16="http://schemas.microsoft.com/office/drawing/2014/main" id="{361E9ADB-7377-4CF1-9AE4-AEFBDEBEEEEC}"/>
+              </a:ext>
+            </a:extLst>
+          </p:cNvPr>
+          <p:cNvPicPr>
+            <a:picLocks noGrp="1" noChangeAspect="1"/>
+          </p:cNvPicPr>
+          <p:nvPr>
+            <p:ph type="pic" sz="quarter" idx="13"/>
+          </p:nvPr>
+        </p:nvPicPr>
+        <p:blipFill rotWithShape="1">
+          <a:blip r:embed="rId3" cstate="screen">
+            <a:extLst>
+              <a:ext uri="{28A0092B-C50C-407E-A947-70E740481C1C}">
+                <a14:useLocalDpi xmlns:a14="http://schemas.microsoft.com/office/drawing/2010/main" val="0"/>
+              </a:ext>
+            </a:extLst>
+          </a:blip>
+          <a:srcRect/>
+          <a:stretch/>
+        </p:blipFill>
+        <p:spPr>
+          <a:xfrm>
+            <a:off x="0" y="0"/>
+            <a:ext cx="12192000" cy="3776472"/>
+          </a:xfrm>
+        </p:spPr>
+      </p:pic>
       <p:sp>
         <p:nvSpPr>
-          <p:cNvPr id="8" name="Text Placeholder 7">
+          <p:cNvPr id="13" name="Content Placeholder 12">
             <a:extLst>
               <a:ext uri="{FF2B5EF4-FFF2-40B4-BE49-F238E27FC236}">
-                <a16:creationId xmlns:a16="http://schemas.microsoft.com/office/drawing/2014/main" id="{ABA415A0-3B77-43FB-A408-5F1DA4B0AAFA}"/>
+                <a16:creationId xmlns:a16="http://schemas.microsoft.com/office/drawing/2014/main" id="{C0287FEC-3826-4868-8D93-52429C6156F5}"/>
               </a:ext>
             </a:extLst>
           </p:cNvPr>
@@ -24143,148 +25292,13 @@
             <a:spLocks noGrp="1"/>
           </p:cNvSpPr>
           <p:nvPr>
-            <p:ph type="body" idx="1"/>
+            <p:ph sz="quarter" idx="15"/>
           </p:nvPr>
         </p:nvSpPr>
         <p:spPr>
           <a:xfrm>
-            <a:off x="550864" y="1731375"/>
-            <a:ext cx="3563936" cy="535354"/>
-          </a:xfrm>
-        </p:spPr>
-        <p:txBody>
-          <a:bodyPr/>
-          <a:lstStyle/>
-          <a:p>
-            <a:r>
-              <a:rPr lang="en-US" dirty="0"/>
-              <a:t>Subtitle</a:t>
-            </a:r>
-          </a:p>
-        </p:txBody>
-      </p:sp>
-      <p:sp>
-        <p:nvSpPr>
-          <p:cNvPr id="9" name="Content Placeholder 8">
-            <a:extLst>
-              <a:ext uri="{FF2B5EF4-FFF2-40B4-BE49-F238E27FC236}">
-                <a16:creationId xmlns:a16="http://schemas.microsoft.com/office/drawing/2014/main" id="{8598ECEC-4413-4244-8F21-0076EC511806}"/>
-              </a:ext>
-            </a:extLst>
-          </p:cNvPr>
-          <p:cNvSpPr>
-            <a:spLocks noGrp="1"/>
-          </p:cNvSpPr>
-          <p:nvPr>
-            <p:ph sz="half" idx="2"/>
-          </p:nvPr>
-        </p:nvSpPr>
-        <p:spPr>
-          <a:xfrm>
-            <a:off x="559476" y="2432304"/>
-            <a:ext cx="3563936" cy="3515555"/>
-          </a:xfrm>
-        </p:spPr>
-        <p:txBody>
-          <a:bodyPr>
-            <a:normAutofit fontScale="92500" lnSpcReduction="20000"/>
-          </a:bodyPr>
-          <a:lstStyle/>
-          <a:p>
-            <a:pPr lvl="0"/>
-            <a:r>
-              <a:rPr lang="en-US" dirty="0"/>
-              <a:t>Add text, images, art, and videos. </a:t>
-            </a:r>
-          </a:p>
-          <a:p>
-            <a:pPr lvl="0"/>
-            <a:r>
-              <a:rPr lang="en-US" dirty="0"/>
-              <a:t>Add transitions, animations, and motion. </a:t>
-            </a:r>
-          </a:p>
-          <a:p>
-            <a:pPr lvl="0"/>
-            <a:r>
-              <a:rPr lang="en-US" dirty="0"/>
-              <a:t>Save to OneDrive, to get to your presentations from your computer, tablet, or phone. </a:t>
-            </a:r>
-          </a:p>
-          <a:p>
-            <a:r>
-              <a:rPr lang="en-US" dirty="0"/>
-              <a:t>Open the Design Ideas pane for instant slide makeovers. </a:t>
-            </a:r>
-          </a:p>
-          <a:p>
-            <a:r>
-              <a:rPr lang="en-US" dirty="0"/>
-              <a:t>When we have design ideas, we’ll show them to you right there. </a:t>
-            </a:r>
-          </a:p>
-          <a:p>
-            <a:pPr lvl="0"/>
-            <a:endParaRPr lang="en-US" dirty="0"/>
-          </a:p>
-          <a:p>
-            <a:endParaRPr lang="en-US" dirty="0"/>
-          </a:p>
-        </p:txBody>
-      </p:sp>
-      <p:sp>
-        <p:nvSpPr>
-          <p:cNvPr id="12" name="Text Placeholder 11">
-            <a:extLst>
-              <a:ext uri="{FF2B5EF4-FFF2-40B4-BE49-F238E27FC236}">
-                <a16:creationId xmlns:a16="http://schemas.microsoft.com/office/drawing/2014/main" id="{3A63626D-0E6E-4023-ABFC-A744C9862159}"/>
-              </a:ext>
-            </a:extLst>
-          </p:cNvPr>
-          <p:cNvSpPr>
-            <a:spLocks noGrp="1"/>
-          </p:cNvSpPr>
-          <p:nvPr>
-            <p:ph type="body" sz="quarter" idx="13"/>
-          </p:nvPr>
-        </p:nvSpPr>
-        <p:spPr>
-          <a:xfrm>
-            <a:off x="4341573" y="1731375"/>
-            <a:ext cx="3566160" cy="535354"/>
-          </a:xfrm>
-        </p:spPr>
-        <p:txBody>
-          <a:bodyPr/>
-          <a:lstStyle/>
-          <a:p>
-            <a:r>
-              <a:rPr lang="en-US" dirty="0"/>
-              <a:t>subtitle</a:t>
-            </a:r>
-          </a:p>
-        </p:txBody>
-      </p:sp>
-      <p:sp>
-        <p:nvSpPr>
-          <p:cNvPr id="13" name="Content Placeholder 12">
-            <a:extLst>
-              <a:ext uri="{FF2B5EF4-FFF2-40B4-BE49-F238E27FC236}">
-                <a16:creationId xmlns:a16="http://schemas.microsoft.com/office/drawing/2014/main" id="{258E9390-685C-4BAD-BFAD-EC56E81C4745}"/>
-              </a:ext>
-            </a:extLst>
-          </p:cNvPr>
-          <p:cNvSpPr>
-            <a:spLocks noGrp="1"/>
-          </p:cNvSpPr>
-          <p:nvPr>
-            <p:ph sz="quarter" idx="14"/>
-          </p:nvPr>
-        </p:nvSpPr>
-        <p:spPr>
-          <a:xfrm>
-            <a:off x="4341573" y="2427370"/>
-            <a:ext cx="3508755" cy="3515555"/>
+            <a:off x="5262411" y="4508500"/>
+            <a:ext cx="6221412" cy="1563688"/>
           </a:xfrm>
         </p:spPr>
         <p:txBody>
@@ -24293,142 +25307,19 @@
           </a:bodyPr>
           <a:lstStyle/>
           <a:p>
-            <a:pPr lvl="0"/>
             <a:r>
               <a:rPr lang="en-US" dirty="0"/>
-              <a:t>Add text, images, art, and videos. </a:t>
-            </a:r>
-          </a:p>
-          <a:p>
-            <a:pPr lvl="0"/>
-            <a:r>
-              <a:rPr lang="en-US" dirty="0"/>
-              <a:t>Add transitions, animations, and motion. </a:t>
-            </a:r>
-          </a:p>
-          <a:p>
-            <a:pPr lvl="0"/>
-            <a:r>
-              <a:rPr lang="en-US" dirty="0"/>
-              <a:t>Save to OneDrive, to get to your presentations from your computer, tablet, or phone. </a:t>
-            </a:r>
-          </a:p>
-          <a:p>
-            <a:r>
-              <a:rPr lang="en-US" dirty="0"/>
-              <a:t>Open the Design Ideas pane for instant slide makeovers. </a:t>
-            </a:r>
-          </a:p>
-          <a:p>
-            <a:r>
-              <a:rPr lang="en-US" dirty="0"/>
-              <a:t>When we have design ideas, we’ll show them to you right there.</a:t>
+              <a:t>With PowerPoint, you can create presentations and share your work with others, wherever they are. Type the text you want here to get started. You can also add images, art, and videos on this template. Save to OneDrive and access your presentations from your computer, tablet, or phone. </a:t>
             </a:r>
           </a:p>
         </p:txBody>
       </p:sp>
       <p:sp>
         <p:nvSpPr>
-          <p:cNvPr id="10" name="Text Placeholder 9">
+          <p:cNvPr id="4" name="Date Placeholder 3">
             <a:extLst>
               <a:ext uri="{FF2B5EF4-FFF2-40B4-BE49-F238E27FC236}">
-                <a16:creationId xmlns:a16="http://schemas.microsoft.com/office/drawing/2014/main" id="{34A9BC34-CFDB-4D7A-8D6C-1CE608D0909F}"/>
-              </a:ext>
-            </a:extLst>
-          </p:cNvPr>
-          <p:cNvSpPr>
-            <a:spLocks noGrp="1"/>
-          </p:cNvSpPr>
-          <p:nvPr>
-            <p:ph type="body" sz="quarter" idx="3"/>
-          </p:nvPr>
-        </p:nvSpPr>
-        <p:spPr>
-          <a:xfrm>
-            <a:off x="8139659" y="1731375"/>
-            <a:ext cx="3566160" cy="535354"/>
-          </a:xfrm>
-        </p:spPr>
-        <p:txBody>
-          <a:bodyPr/>
-          <a:lstStyle/>
-          <a:p>
-            <a:r>
-              <a:rPr lang="en-US"/>
-              <a:t>subtitle</a:t>
-            </a:r>
-            <a:endParaRPr lang="en-US" dirty="0"/>
-          </a:p>
-        </p:txBody>
-      </p:sp>
-      <p:sp>
-        <p:nvSpPr>
-          <p:cNvPr id="11" name="Content Placeholder 10">
-            <a:extLst>
-              <a:ext uri="{FF2B5EF4-FFF2-40B4-BE49-F238E27FC236}">
-                <a16:creationId xmlns:a16="http://schemas.microsoft.com/office/drawing/2014/main" id="{1D014E48-5DD9-49CE-AD5B-0FEF69204F68}"/>
-              </a:ext>
-            </a:extLst>
-          </p:cNvPr>
-          <p:cNvSpPr>
-            <a:spLocks noGrp="1"/>
-          </p:cNvSpPr>
-          <p:nvPr>
-            <p:ph sz="quarter" idx="4"/>
-          </p:nvPr>
-        </p:nvSpPr>
-        <p:spPr>
-          <a:xfrm>
-            <a:off x="8139659" y="2427370"/>
-            <a:ext cx="3508755" cy="3515555"/>
-          </a:xfrm>
-        </p:spPr>
-        <p:txBody>
-          <a:bodyPr>
-            <a:normAutofit lnSpcReduction="10000"/>
-          </a:bodyPr>
-          <a:lstStyle/>
-          <a:p>
-            <a:pPr lvl="0"/>
-            <a:r>
-              <a:rPr lang="en-US" dirty="0"/>
-              <a:t>Add text, images, art, and videos. </a:t>
-            </a:r>
-          </a:p>
-          <a:p>
-            <a:pPr lvl="0"/>
-            <a:r>
-              <a:rPr lang="en-US" dirty="0"/>
-              <a:t>Add transitions, animations, and motion. </a:t>
-            </a:r>
-          </a:p>
-          <a:p>
-            <a:pPr lvl="0"/>
-            <a:r>
-              <a:rPr lang="en-US" dirty="0"/>
-              <a:t>Save to OneDrive, to get to your presentations from your computer, tablet, or phone. </a:t>
-            </a:r>
-          </a:p>
-          <a:p>
-            <a:r>
-              <a:rPr lang="en-US" dirty="0"/>
-              <a:t>Open the Design Ideas pane for instant slide makeovers. </a:t>
-            </a:r>
-          </a:p>
-          <a:p>
-            <a:r>
-              <a:rPr lang="en-US" dirty="0"/>
-              <a:t>When we have design ideas, we’ll show them to you right there.</a:t>
-            </a:r>
-          </a:p>
-        </p:txBody>
-      </p:sp>
-      <p:sp>
-        <p:nvSpPr>
-          <p:cNvPr id="14" name="Date Placeholder 13">
-            <a:extLst>
-              <a:ext uri="{FF2B5EF4-FFF2-40B4-BE49-F238E27FC236}">
-                <a16:creationId xmlns:a16="http://schemas.microsoft.com/office/drawing/2014/main" id="{D236478C-E242-44E0-8357-C72C9B588CA7}"/>
+                <a16:creationId xmlns:a16="http://schemas.microsoft.com/office/drawing/2014/main" id="{0C329F70-04F7-4C70-BCF8-D4371F54EF2F}"/>
               </a:ext>
             </a:extLst>
           </p:cNvPr>
@@ -24459,10 +25350,10 @@
       </p:sp>
       <p:sp>
         <p:nvSpPr>
-          <p:cNvPr id="15" name="Footer Placeholder 14">
+          <p:cNvPr id="5" name="Footer Placeholder 4">
             <a:extLst>
               <a:ext uri="{FF2B5EF4-FFF2-40B4-BE49-F238E27FC236}">
-                <a16:creationId xmlns:a16="http://schemas.microsoft.com/office/drawing/2014/main" id="{65A6DC02-681E-4AF7-AC6E-57CDDB2FBA28}"/>
+                <a16:creationId xmlns:a16="http://schemas.microsoft.com/office/drawing/2014/main" id="{06A3302E-502D-4151-81C9-5FD6AF9596D6}"/>
               </a:ext>
             </a:extLst>
           </p:cNvPr>
@@ -24492,10 +25383,10 @@
       </p:sp>
       <p:sp>
         <p:nvSpPr>
-          <p:cNvPr id="16" name="Slide Number Placeholder 15">
+          <p:cNvPr id="6" name="Slide Number Placeholder 5">
             <a:extLst>
               <a:ext uri="{FF2B5EF4-FFF2-40B4-BE49-F238E27FC236}">
-                <a16:creationId xmlns:a16="http://schemas.microsoft.com/office/drawing/2014/main" id="{CF0A8666-4477-461C-A79D-E91232EE973E}"/>
+                <a16:creationId xmlns:a16="http://schemas.microsoft.com/office/drawing/2014/main" id="{9ED907F8-C614-4D59-A03F-BF9CD5E35703}"/>
               </a:ext>
             </a:extLst>
           </p:cNvPr>
@@ -24528,7 +25419,7 @@
     </p:spTree>
     <p:extLst>
       <p:ext uri="{BB962C8B-B14F-4D97-AF65-F5344CB8AC3E}">
-        <p14:creationId xmlns:p14="http://schemas.microsoft.com/office/powerpoint/2010/main" val="1966113941"/>
+        <p14:creationId xmlns:p14="http://schemas.microsoft.com/office/powerpoint/2010/main" val="3168979440"/>
       </p:ext>
     </p:extLst>
   </p:cSld>
@@ -24557,10 +25448,10 @@
       </p:grpSpPr>
       <p:sp>
         <p:nvSpPr>
-          <p:cNvPr id="11" name="Title 10">
+          <p:cNvPr id="7" name="Title 6">
             <a:extLst>
               <a:ext uri="{FF2B5EF4-FFF2-40B4-BE49-F238E27FC236}">
-                <a16:creationId xmlns:a16="http://schemas.microsoft.com/office/drawing/2014/main" id="{581E8936-2270-47FE-94A4-398CB123EF90}"/>
+                <a16:creationId xmlns:a16="http://schemas.microsoft.com/office/drawing/2014/main" id="{47788B34-4190-4916-9048-47720EA5ABF1}"/>
               </a:ext>
             </a:extLst>
           </p:cNvPr>
@@ -24573,8 +25464,8 @@
         </p:nvSpPr>
         <p:spPr>
           <a:xfrm>
-            <a:off x="550863" y="4508500"/>
-            <a:ext cx="4500562" cy="1562959"/>
+            <a:off x="550862" y="549275"/>
+            <a:ext cx="11097551" cy="1332000"/>
           </a:xfrm>
         </p:spPr>
         <p:txBody>
@@ -24583,51 +25474,17 @@
           <a:p>
             <a:r>
               <a:rPr lang="en-US" dirty="0"/>
-              <a:t>Data Predictions</a:t>
+              <a:t>Content 2 </a:t>
             </a:r>
           </a:p>
         </p:txBody>
       </p:sp>
-      <p:pic>
-        <p:nvPicPr>
-          <p:cNvPr id="16" name="Picture Placeholder 15" descr="Data Points Digital background">
-            <a:extLst>
-              <a:ext uri="{FF2B5EF4-FFF2-40B4-BE49-F238E27FC236}">
-                <a16:creationId xmlns:a16="http://schemas.microsoft.com/office/drawing/2014/main" id="{361E9ADB-7377-4CF1-9AE4-AEFBDEBEEEEC}"/>
-              </a:ext>
-            </a:extLst>
-          </p:cNvPr>
-          <p:cNvPicPr>
-            <a:picLocks noGrp="1" noChangeAspect="1"/>
-          </p:cNvPicPr>
-          <p:nvPr>
-            <p:ph type="pic" sz="quarter" idx="13"/>
-          </p:nvPr>
-        </p:nvPicPr>
-        <p:blipFill rotWithShape="1">
-          <a:blip r:embed="rId3" cstate="screen">
-            <a:extLst>
-              <a:ext uri="{28A0092B-C50C-407E-A947-70E740481C1C}">
-                <a14:useLocalDpi xmlns:a14="http://schemas.microsoft.com/office/drawing/2010/main" val="0"/>
-              </a:ext>
-            </a:extLst>
-          </a:blip>
-          <a:srcRect/>
-          <a:stretch/>
-        </p:blipFill>
-        <p:spPr>
-          <a:xfrm>
-            <a:off x="0" y="0"/>
-            <a:ext cx="12192000" cy="3776472"/>
-          </a:xfrm>
-        </p:spPr>
-      </p:pic>
       <p:sp>
         <p:nvSpPr>
-          <p:cNvPr id="13" name="Content Placeholder 12">
+          <p:cNvPr id="8" name="Text Placeholder 7">
             <a:extLst>
               <a:ext uri="{FF2B5EF4-FFF2-40B4-BE49-F238E27FC236}">
-                <a16:creationId xmlns:a16="http://schemas.microsoft.com/office/drawing/2014/main" id="{C0287FEC-3826-4868-8D93-52429C6156F5}"/>
+                <a16:creationId xmlns:a16="http://schemas.microsoft.com/office/drawing/2014/main" id="{ABA415A0-3B77-43FB-A408-5F1DA4B0AAFA}"/>
               </a:ext>
             </a:extLst>
           </p:cNvPr>
@@ -24635,13 +25492,148 @@
             <a:spLocks noGrp="1"/>
           </p:cNvSpPr>
           <p:nvPr>
-            <p:ph sz="quarter" idx="15"/>
+            <p:ph type="body" idx="1"/>
           </p:nvPr>
         </p:nvSpPr>
         <p:spPr>
           <a:xfrm>
-            <a:off x="5262411" y="4508500"/>
-            <a:ext cx="6221412" cy="1563688"/>
+            <a:off x="550864" y="1731375"/>
+            <a:ext cx="3563936" cy="535354"/>
+          </a:xfrm>
+        </p:spPr>
+        <p:txBody>
+          <a:bodyPr/>
+          <a:lstStyle/>
+          <a:p>
+            <a:r>
+              <a:rPr lang="en-US" dirty="0"/>
+              <a:t>Subtitle</a:t>
+            </a:r>
+          </a:p>
+        </p:txBody>
+      </p:sp>
+      <p:sp>
+        <p:nvSpPr>
+          <p:cNvPr id="9" name="Content Placeholder 8">
+            <a:extLst>
+              <a:ext uri="{FF2B5EF4-FFF2-40B4-BE49-F238E27FC236}">
+                <a16:creationId xmlns:a16="http://schemas.microsoft.com/office/drawing/2014/main" id="{8598ECEC-4413-4244-8F21-0076EC511806}"/>
+              </a:ext>
+            </a:extLst>
+          </p:cNvPr>
+          <p:cNvSpPr>
+            <a:spLocks noGrp="1"/>
+          </p:cNvSpPr>
+          <p:nvPr>
+            <p:ph sz="half" idx="2"/>
+          </p:nvPr>
+        </p:nvSpPr>
+        <p:spPr>
+          <a:xfrm>
+            <a:off x="559476" y="2432304"/>
+            <a:ext cx="3563936" cy="3515555"/>
+          </a:xfrm>
+        </p:spPr>
+        <p:txBody>
+          <a:bodyPr>
+            <a:normAutofit fontScale="92500" lnSpcReduction="20000"/>
+          </a:bodyPr>
+          <a:lstStyle/>
+          <a:p>
+            <a:pPr lvl="0"/>
+            <a:r>
+              <a:rPr lang="en-US" dirty="0"/>
+              <a:t>Add text, images, art, and videos. </a:t>
+            </a:r>
+          </a:p>
+          <a:p>
+            <a:pPr lvl="0"/>
+            <a:r>
+              <a:rPr lang="en-US" dirty="0"/>
+              <a:t>Add transitions, animations, and motion. </a:t>
+            </a:r>
+          </a:p>
+          <a:p>
+            <a:pPr lvl="0"/>
+            <a:r>
+              <a:rPr lang="en-US" dirty="0"/>
+              <a:t>Save to OneDrive, to get to your presentations from your computer, tablet, or phone. </a:t>
+            </a:r>
+          </a:p>
+          <a:p>
+            <a:r>
+              <a:rPr lang="en-US" dirty="0"/>
+              <a:t>Open the Design Ideas pane for instant slide makeovers. </a:t>
+            </a:r>
+          </a:p>
+          <a:p>
+            <a:r>
+              <a:rPr lang="en-US" dirty="0"/>
+              <a:t>When we have design ideas, we’ll show them to you right there. </a:t>
+            </a:r>
+          </a:p>
+          <a:p>
+            <a:pPr lvl="0"/>
+            <a:endParaRPr lang="en-US" dirty="0"/>
+          </a:p>
+          <a:p>
+            <a:endParaRPr lang="en-US" dirty="0"/>
+          </a:p>
+        </p:txBody>
+      </p:sp>
+      <p:sp>
+        <p:nvSpPr>
+          <p:cNvPr id="12" name="Text Placeholder 11">
+            <a:extLst>
+              <a:ext uri="{FF2B5EF4-FFF2-40B4-BE49-F238E27FC236}">
+                <a16:creationId xmlns:a16="http://schemas.microsoft.com/office/drawing/2014/main" id="{3A63626D-0E6E-4023-ABFC-A744C9862159}"/>
+              </a:ext>
+            </a:extLst>
+          </p:cNvPr>
+          <p:cNvSpPr>
+            <a:spLocks noGrp="1"/>
+          </p:cNvSpPr>
+          <p:nvPr>
+            <p:ph type="body" sz="quarter" idx="13"/>
+          </p:nvPr>
+        </p:nvSpPr>
+        <p:spPr>
+          <a:xfrm>
+            <a:off x="4341573" y="1731375"/>
+            <a:ext cx="3566160" cy="535354"/>
+          </a:xfrm>
+        </p:spPr>
+        <p:txBody>
+          <a:bodyPr/>
+          <a:lstStyle/>
+          <a:p>
+            <a:r>
+              <a:rPr lang="en-US" dirty="0"/>
+              <a:t>subtitle</a:t>
+            </a:r>
+          </a:p>
+        </p:txBody>
+      </p:sp>
+      <p:sp>
+        <p:nvSpPr>
+          <p:cNvPr id="13" name="Content Placeholder 12">
+            <a:extLst>
+              <a:ext uri="{FF2B5EF4-FFF2-40B4-BE49-F238E27FC236}">
+                <a16:creationId xmlns:a16="http://schemas.microsoft.com/office/drawing/2014/main" id="{258E9390-685C-4BAD-BFAD-EC56E81C4745}"/>
+              </a:ext>
+            </a:extLst>
+          </p:cNvPr>
+          <p:cNvSpPr>
+            <a:spLocks noGrp="1"/>
+          </p:cNvSpPr>
+          <p:nvPr>
+            <p:ph sz="quarter" idx="14"/>
+          </p:nvPr>
+        </p:nvSpPr>
+        <p:spPr>
+          <a:xfrm>
+            <a:off x="4341573" y="2427370"/>
+            <a:ext cx="3508755" cy="3515555"/>
           </a:xfrm>
         </p:spPr>
         <p:txBody>
@@ -24650,19 +25642,142 @@
           </a:bodyPr>
           <a:lstStyle/>
           <a:p>
+            <a:pPr lvl="0"/>
             <a:r>
               <a:rPr lang="en-US" dirty="0"/>
-              <a:t>With PowerPoint, you can create presentations and share your work with others, wherever they are. Type the text you want here to get started. You can also add images, art, and videos on this template. Save to OneDrive and access your presentations from your computer, tablet, or phone. </a:t>
+              <a:t>Add text, images, art, and videos. </a:t>
+            </a:r>
+          </a:p>
+          <a:p>
+            <a:pPr lvl="0"/>
+            <a:r>
+              <a:rPr lang="en-US" dirty="0"/>
+              <a:t>Add transitions, animations, and motion. </a:t>
+            </a:r>
+          </a:p>
+          <a:p>
+            <a:pPr lvl="0"/>
+            <a:r>
+              <a:rPr lang="en-US" dirty="0"/>
+              <a:t>Save to OneDrive, to get to your presentations from your computer, tablet, or phone. </a:t>
+            </a:r>
+          </a:p>
+          <a:p>
+            <a:r>
+              <a:rPr lang="en-US" dirty="0"/>
+              <a:t>Open the Design Ideas pane for instant slide makeovers. </a:t>
+            </a:r>
+          </a:p>
+          <a:p>
+            <a:r>
+              <a:rPr lang="en-US" dirty="0"/>
+              <a:t>When we have design ideas, we’ll show them to you right there.</a:t>
             </a:r>
           </a:p>
         </p:txBody>
       </p:sp>
       <p:sp>
         <p:nvSpPr>
-          <p:cNvPr id="4" name="Date Placeholder 3">
+          <p:cNvPr id="10" name="Text Placeholder 9">
             <a:extLst>
               <a:ext uri="{FF2B5EF4-FFF2-40B4-BE49-F238E27FC236}">
-                <a16:creationId xmlns:a16="http://schemas.microsoft.com/office/drawing/2014/main" id="{0C329F70-04F7-4C70-BCF8-D4371F54EF2F}"/>
+                <a16:creationId xmlns:a16="http://schemas.microsoft.com/office/drawing/2014/main" id="{34A9BC34-CFDB-4D7A-8D6C-1CE608D0909F}"/>
+              </a:ext>
+            </a:extLst>
+          </p:cNvPr>
+          <p:cNvSpPr>
+            <a:spLocks noGrp="1"/>
+          </p:cNvSpPr>
+          <p:nvPr>
+            <p:ph type="body" sz="quarter" idx="3"/>
+          </p:nvPr>
+        </p:nvSpPr>
+        <p:spPr>
+          <a:xfrm>
+            <a:off x="8139659" y="1731375"/>
+            <a:ext cx="3566160" cy="535354"/>
+          </a:xfrm>
+        </p:spPr>
+        <p:txBody>
+          <a:bodyPr/>
+          <a:lstStyle/>
+          <a:p>
+            <a:r>
+              <a:rPr lang="en-US"/>
+              <a:t>subtitle</a:t>
+            </a:r>
+            <a:endParaRPr lang="en-US" dirty="0"/>
+          </a:p>
+        </p:txBody>
+      </p:sp>
+      <p:sp>
+        <p:nvSpPr>
+          <p:cNvPr id="11" name="Content Placeholder 10">
+            <a:extLst>
+              <a:ext uri="{FF2B5EF4-FFF2-40B4-BE49-F238E27FC236}">
+                <a16:creationId xmlns:a16="http://schemas.microsoft.com/office/drawing/2014/main" id="{1D014E48-5DD9-49CE-AD5B-0FEF69204F68}"/>
+              </a:ext>
+            </a:extLst>
+          </p:cNvPr>
+          <p:cNvSpPr>
+            <a:spLocks noGrp="1"/>
+          </p:cNvSpPr>
+          <p:nvPr>
+            <p:ph sz="quarter" idx="4"/>
+          </p:nvPr>
+        </p:nvSpPr>
+        <p:spPr>
+          <a:xfrm>
+            <a:off x="8139659" y="2427370"/>
+            <a:ext cx="3508755" cy="3515555"/>
+          </a:xfrm>
+        </p:spPr>
+        <p:txBody>
+          <a:bodyPr>
+            <a:normAutofit lnSpcReduction="10000"/>
+          </a:bodyPr>
+          <a:lstStyle/>
+          <a:p>
+            <a:pPr lvl="0"/>
+            <a:r>
+              <a:rPr lang="en-US" dirty="0"/>
+              <a:t>Add text, images, art, and videos. </a:t>
+            </a:r>
+          </a:p>
+          <a:p>
+            <a:pPr lvl="0"/>
+            <a:r>
+              <a:rPr lang="en-US" dirty="0"/>
+              <a:t>Add transitions, animations, and motion. </a:t>
+            </a:r>
+          </a:p>
+          <a:p>
+            <a:pPr lvl="0"/>
+            <a:r>
+              <a:rPr lang="en-US" dirty="0"/>
+              <a:t>Save to OneDrive, to get to your presentations from your computer, tablet, or phone. </a:t>
+            </a:r>
+          </a:p>
+          <a:p>
+            <a:r>
+              <a:rPr lang="en-US" dirty="0"/>
+              <a:t>Open the Design Ideas pane for instant slide makeovers. </a:t>
+            </a:r>
+          </a:p>
+          <a:p>
+            <a:r>
+              <a:rPr lang="en-US" dirty="0"/>
+              <a:t>When we have design ideas, we’ll show them to you right there.</a:t>
+            </a:r>
+          </a:p>
+        </p:txBody>
+      </p:sp>
+      <p:sp>
+        <p:nvSpPr>
+          <p:cNvPr id="14" name="Date Placeholder 13">
+            <a:extLst>
+              <a:ext uri="{FF2B5EF4-FFF2-40B4-BE49-F238E27FC236}">
+                <a16:creationId xmlns:a16="http://schemas.microsoft.com/office/drawing/2014/main" id="{D236478C-E242-44E0-8357-C72C9B588CA7}"/>
               </a:ext>
             </a:extLst>
           </p:cNvPr>
@@ -24693,10 +25808,10 @@
       </p:sp>
       <p:sp>
         <p:nvSpPr>
-          <p:cNvPr id="5" name="Footer Placeholder 4">
+          <p:cNvPr id="15" name="Footer Placeholder 14">
             <a:extLst>
               <a:ext uri="{FF2B5EF4-FFF2-40B4-BE49-F238E27FC236}">
-                <a16:creationId xmlns:a16="http://schemas.microsoft.com/office/drawing/2014/main" id="{06A3302E-502D-4151-81C9-5FD6AF9596D6}"/>
+                <a16:creationId xmlns:a16="http://schemas.microsoft.com/office/drawing/2014/main" id="{65A6DC02-681E-4AF7-AC6E-57CDDB2FBA28}"/>
               </a:ext>
             </a:extLst>
           </p:cNvPr>
@@ -24726,10 +25841,10 @@
       </p:sp>
       <p:sp>
         <p:nvSpPr>
-          <p:cNvPr id="6" name="Slide Number Placeholder 5">
+          <p:cNvPr id="16" name="Slide Number Placeholder 15">
             <a:extLst>
               <a:ext uri="{FF2B5EF4-FFF2-40B4-BE49-F238E27FC236}">
-                <a16:creationId xmlns:a16="http://schemas.microsoft.com/office/drawing/2014/main" id="{9ED907F8-C614-4D59-A03F-BF9CD5E35703}"/>
+                <a16:creationId xmlns:a16="http://schemas.microsoft.com/office/drawing/2014/main" id="{CF0A8666-4477-461C-A79D-E91232EE973E}"/>
               </a:ext>
             </a:extLst>
           </p:cNvPr>
@@ -24762,7 +25877,7 @@
     </p:spTree>
     <p:extLst>
       <p:ext uri="{BB962C8B-B14F-4D97-AF65-F5344CB8AC3E}">
-        <p14:creationId xmlns:p14="http://schemas.microsoft.com/office/powerpoint/2010/main" val="3626334480"/>
+        <p14:creationId xmlns:p14="http://schemas.microsoft.com/office/powerpoint/2010/main" val="1966113941"/>
       </p:ext>
     </p:extLst>
   </p:cSld>
@@ -24791,10 +25906,10 @@
       </p:grpSpPr>
       <p:sp>
         <p:nvSpPr>
-          <p:cNvPr id="7" name="Title 6">
+          <p:cNvPr id="11" name="Title 10">
             <a:extLst>
               <a:ext uri="{FF2B5EF4-FFF2-40B4-BE49-F238E27FC236}">
-                <a16:creationId xmlns:a16="http://schemas.microsoft.com/office/drawing/2014/main" id="{47788B34-4190-4916-9048-47720EA5ABF1}"/>
+                <a16:creationId xmlns:a16="http://schemas.microsoft.com/office/drawing/2014/main" id="{581E8936-2270-47FE-94A4-398CB123EF90}"/>
               </a:ext>
             </a:extLst>
           </p:cNvPr>
@@ -24807,8 +25922,8 @@
         </p:nvSpPr>
         <p:spPr>
           <a:xfrm>
-            <a:off x="550862" y="549275"/>
-            <a:ext cx="11097551" cy="1332000"/>
+            <a:off x="550863" y="4508500"/>
+            <a:ext cx="4500562" cy="1562959"/>
           </a:xfrm>
         </p:spPr>
         <p:txBody>
@@ -24817,17 +25932,51 @@
           <a:p>
             <a:r>
               <a:rPr lang="en-US" dirty="0"/>
-              <a:t>Content 2 </a:t>
+              <a:t>Data Predictions</a:t>
             </a:r>
           </a:p>
         </p:txBody>
       </p:sp>
+      <p:pic>
+        <p:nvPicPr>
+          <p:cNvPr id="16" name="Picture Placeholder 15" descr="Data Points Digital background">
+            <a:extLst>
+              <a:ext uri="{FF2B5EF4-FFF2-40B4-BE49-F238E27FC236}">
+                <a16:creationId xmlns:a16="http://schemas.microsoft.com/office/drawing/2014/main" id="{361E9ADB-7377-4CF1-9AE4-AEFBDEBEEEEC}"/>
+              </a:ext>
+            </a:extLst>
+          </p:cNvPr>
+          <p:cNvPicPr>
+            <a:picLocks noGrp="1" noChangeAspect="1"/>
+          </p:cNvPicPr>
+          <p:nvPr>
+            <p:ph type="pic" sz="quarter" idx="13"/>
+          </p:nvPr>
+        </p:nvPicPr>
+        <p:blipFill rotWithShape="1">
+          <a:blip r:embed="rId3" cstate="screen">
+            <a:extLst>
+              <a:ext uri="{28A0092B-C50C-407E-A947-70E740481C1C}">
+                <a14:useLocalDpi xmlns:a14="http://schemas.microsoft.com/office/drawing/2010/main" val="0"/>
+              </a:ext>
+            </a:extLst>
+          </a:blip>
+          <a:srcRect/>
+          <a:stretch/>
+        </p:blipFill>
+        <p:spPr>
+          <a:xfrm>
+            <a:off x="0" y="0"/>
+            <a:ext cx="12192000" cy="3776472"/>
+          </a:xfrm>
+        </p:spPr>
+      </p:pic>
       <p:sp>
         <p:nvSpPr>
-          <p:cNvPr id="8" name="Text Placeholder 7">
+          <p:cNvPr id="13" name="Content Placeholder 12">
             <a:extLst>
               <a:ext uri="{FF2B5EF4-FFF2-40B4-BE49-F238E27FC236}">
-                <a16:creationId xmlns:a16="http://schemas.microsoft.com/office/drawing/2014/main" id="{ABA415A0-3B77-43FB-A408-5F1DA4B0AAFA}"/>
+                <a16:creationId xmlns:a16="http://schemas.microsoft.com/office/drawing/2014/main" id="{C0287FEC-3826-4868-8D93-52429C6156F5}"/>
               </a:ext>
             </a:extLst>
           </p:cNvPr>
@@ -24835,148 +25984,13 @@
             <a:spLocks noGrp="1"/>
           </p:cNvSpPr>
           <p:nvPr>
-            <p:ph type="body" idx="1"/>
+            <p:ph sz="quarter" idx="15"/>
           </p:nvPr>
         </p:nvSpPr>
         <p:spPr>
           <a:xfrm>
-            <a:off x="550864" y="1731375"/>
-            <a:ext cx="3563936" cy="535354"/>
-          </a:xfrm>
-        </p:spPr>
-        <p:txBody>
-          <a:bodyPr/>
-          <a:lstStyle/>
-          <a:p>
-            <a:r>
-              <a:rPr lang="en-US" dirty="0"/>
-              <a:t>Subtitle</a:t>
-            </a:r>
-          </a:p>
-        </p:txBody>
-      </p:sp>
-      <p:sp>
-        <p:nvSpPr>
-          <p:cNvPr id="9" name="Content Placeholder 8">
-            <a:extLst>
-              <a:ext uri="{FF2B5EF4-FFF2-40B4-BE49-F238E27FC236}">
-                <a16:creationId xmlns:a16="http://schemas.microsoft.com/office/drawing/2014/main" id="{8598ECEC-4413-4244-8F21-0076EC511806}"/>
-              </a:ext>
-            </a:extLst>
-          </p:cNvPr>
-          <p:cNvSpPr>
-            <a:spLocks noGrp="1"/>
-          </p:cNvSpPr>
-          <p:nvPr>
-            <p:ph sz="half" idx="2"/>
-          </p:nvPr>
-        </p:nvSpPr>
-        <p:spPr>
-          <a:xfrm>
-            <a:off x="559476" y="2432304"/>
-            <a:ext cx="3563936" cy="3515555"/>
-          </a:xfrm>
-        </p:spPr>
-        <p:txBody>
-          <a:bodyPr>
-            <a:normAutofit fontScale="92500" lnSpcReduction="20000"/>
-          </a:bodyPr>
-          <a:lstStyle/>
-          <a:p>
-            <a:pPr lvl="0"/>
-            <a:r>
-              <a:rPr lang="en-US" dirty="0"/>
-              <a:t>Add text, images, art, and videos. </a:t>
-            </a:r>
-          </a:p>
-          <a:p>
-            <a:pPr lvl="0"/>
-            <a:r>
-              <a:rPr lang="en-US" dirty="0"/>
-              <a:t>Add transitions, animations, and motion. </a:t>
-            </a:r>
-          </a:p>
-          <a:p>
-            <a:pPr lvl="0"/>
-            <a:r>
-              <a:rPr lang="en-US" dirty="0"/>
-              <a:t>Save to OneDrive, to get to your presentations from your computer, tablet, or phone. </a:t>
-            </a:r>
-          </a:p>
-          <a:p>
-            <a:r>
-              <a:rPr lang="en-US" dirty="0"/>
-              <a:t>Open the Design Ideas pane for instant slide makeovers. </a:t>
-            </a:r>
-          </a:p>
-          <a:p>
-            <a:r>
-              <a:rPr lang="en-US" dirty="0"/>
-              <a:t>When we have design ideas, we’ll show them to you right there. </a:t>
-            </a:r>
-          </a:p>
-          <a:p>
-            <a:pPr lvl="0"/>
-            <a:endParaRPr lang="en-US" dirty="0"/>
-          </a:p>
-          <a:p>
-            <a:endParaRPr lang="en-US" dirty="0"/>
-          </a:p>
-        </p:txBody>
-      </p:sp>
-      <p:sp>
-        <p:nvSpPr>
-          <p:cNvPr id="12" name="Text Placeholder 11">
-            <a:extLst>
-              <a:ext uri="{FF2B5EF4-FFF2-40B4-BE49-F238E27FC236}">
-                <a16:creationId xmlns:a16="http://schemas.microsoft.com/office/drawing/2014/main" id="{3A63626D-0E6E-4023-ABFC-A744C9862159}"/>
-              </a:ext>
-            </a:extLst>
-          </p:cNvPr>
-          <p:cNvSpPr>
-            <a:spLocks noGrp="1"/>
-          </p:cNvSpPr>
-          <p:nvPr>
-            <p:ph type="body" sz="quarter" idx="13"/>
-          </p:nvPr>
-        </p:nvSpPr>
-        <p:spPr>
-          <a:xfrm>
-            <a:off x="4341573" y="1731375"/>
-            <a:ext cx="3566160" cy="535354"/>
-          </a:xfrm>
-        </p:spPr>
-        <p:txBody>
-          <a:bodyPr/>
-          <a:lstStyle/>
-          <a:p>
-            <a:r>
-              <a:rPr lang="en-US" dirty="0"/>
-              <a:t>subtitle</a:t>
-            </a:r>
-          </a:p>
-        </p:txBody>
-      </p:sp>
-      <p:sp>
-        <p:nvSpPr>
-          <p:cNvPr id="13" name="Content Placeholder 12">
-            <a:extLst>
-              <a:ext uri="{FF2B5EF4-FFF2-40B4-BE49-F238E27FC236}">
-                <a16:creationId xmlns:a16="http://schemas.microsoft.com/office/drawing/2014/main" id="{258E9390-685C-4BAD-BFAD-EC56E81C4745}"/>
-              </a:ext>
-            </a:extLst>
-          </p:cNvPr>
-          <p:cNvSpPr>
-            <a:spLocks noGrp="1"/>
-          </p:cNvSpPr>
-          <p:nvPr>
-            <p:ph sz="quarter" idx="14"/>
-          </p:nvPr>
-        </p:nvSpPr>
-        <p:spPr>
-          <a:xfrm>
-            <a:off x="4341573" y="2427370"/>
-            <a:ext cx="3508755" cy="3515555"/>
+            <a:off x="5262411" y="4508500"/>
+            <a:ext cx="6221412" cy="1563688"/>
           </a:xfrm>
         </p:spPr>
         <p:txBody>
@@ -24985,142 +25999,19 @@
           </a:bodyPr>
           <a:lstStyle/>
           <a:p>
-            <a:pPr lvl="0"/>
             <a:r>
               <a:rPr lang="en-US" dirty="0"/>
-              <a:t>Add text, images, art, and videos. </a:t>
-            </a:r>
-          </a:p>
-          <a:p>
-            <a:pPr lvl="0"/>
-            <a:r>
-              <a:rPr lang="en-US" dirty="0"/>
-              <a:t>Add transitions, animations, and motion. </a:t>
-            </a:r>
-          </a:p>
-          <a:p>
-            <a:pPr lvl="0"/>
-            <a:r>
-              <a:rPr lang="en-US" dirty="0"/>
-              <a:t>Save to OneDrive, to get to your presentations from your computer, tablet, or phone. </a:t>
-            </a:r>
-          </a:p>
-          <a:p>
-            <a:r>
-              <a:rPr lang="en-US" dirty="0"/>
-              <a:t>Open the Design Ideas pane for instant slide makeovers. </a:t>
-            </a:r>
-          </a:p>
-          <a:p>
-            <a:r>
-              <a:rPr lang="en-US" dirty="0"/>
-              <a:t>When we have design ideas, we’ll show them to you right there.</a:t>
+              <a:t>With PowerPoint, you can create presentations and share your work with others, wherever they are. Type the text you want here to get started. You can also add images, art, and videos on this template. Save to OneDrive and access your presentations from your computer, tablet, or phone. </a:t>
             </a:r>
           </a:p>
         </p:txBody>
       </p:sp>
       <p:sp>
         <p:nvSpPr>
-          <p:cNvPr id="10" name="Text Placeholder 9">
+          <p:cNvPr id="4" name="Date Placeholder 3">
             <a:extLst>
               <a:ext uri="{FF2B5EF4-FFF2-40B4-BE49-F238E27FC236}">
-                <a16:creationId xmlns:a16="http://schemas.microsoft.com/office/drawing/2014/main" id="{34A9BC34-CFDB-4D7A-8D6C-1CE608D0909F}"/>
-              </a:ext>
-            </a:extLst>
-          </p:cNvPr>
-          <p:cNvSpPr>
-            <a:spLocks noGrp="1"/>
-          </p:cNvSpPr>
-          <p:nvPr>
-            <p:ph type="body" sz="quarter" idx="3"/>
-          </p:nvPr>
-        </p:nvSpPr>
-        <p:spPr>
-          <a:xfrm>
-            <a:off x="8139659" y="1731375"/>
-            <a:ext cx="3566160" cy="535354"/>
-          </a:xfrm>
-        </p:spPr>
-        <p:txBody>
-          <a:bodyPr/>
-          <a:lstStyle/>
-          <a:p>
-            <a:r>
-              <a:rPr lang="en-US"/>
-              <a:t>subtitle</a:t>
-            </a:r>
-            <a:endParaRPr lang="en-US" dirty="0"/>
-          </a:p>
-        </p:txBody>
-      </p:sp>
-      <p:sp>
-        <p:nvSpPr>
-          <p:cNvPr id="11" name="Content Placeholder 10">
-            <a:extLst>
-              <a:ext uri="{FF2B5EF4-FFF2-40B4-BE49-F238E27FC236}">
-                <a16:creationId xmlns:a16="http://schemas.microsoft.com/office/drawing/2014/main" id="{1D014E48-5DD9-49CE-AD5B-0FEF69204F68}"/>
-              </a:ext>
-            </a:extLst>
-          </p:cNvPr>
-          <p:cNvSpPr>
-            <a:spLocks noGrp="1"/>
-          </p:cNvSpPr>
-          <p:nvPr>
-            <p:ph sz="quarter" idx="4"/>
-          </p:nvPr>
-        </p:nvSpPr>
-        <p:spPr>
-          <a:xfrm>
-            <a:off x="8139659" y="2427370"/>
-            <a:ext cx="3508755" cy="3515555"/>
-          </a:xfrm>
-        </p:spPr>
-        <p:txBody>
-          <a:bodyPr>
-            <a:normAutofit lnSpcReduction="10000"/>
-          </a:bodyPr>
-          <a:lstStyle/>
-          <a:p>
-            <a:pPr lvl="0"/>
-            <a:r>
-              <a:rPr lang="en-US" dirty="0"/>
-              <a:t>Add text, images, art, and videos. </a:t>
-            </a:r>
-          </a:p>
-          <a:p>
-            <a:pPr lvl="0"/>
-            <a:r>
-              <a:rPr lang="en-US" dirty="0"/>
-              <a:t>Add transitions, animations, and motion. </a:t>
-            </a:r>
-          </a:p>
-          <a:p>
-            <a:pPr lvl="0"/>
-            <a:r>
-              <a:rPr lang="en-US" dirty="0"/>
-              <a:t>Save to OneDrive, to get to your presentations from your computer, tablet, or phone. </a:t>
-            </a:r>
-          </a:p>
-          <a:p>
-            <a:r>
-              <a:rPr lang="en-US" dirty="0"/>
-              <a:t>Open the Design Ideas pane for instant slide makeovers. </a:t>
-            </a:r>
-          </a:p>
-          <a:p>
-            <a:r>
-              <a:rPr lang="en-US" dirty="0"/>
-              <a:t>When we have design ideas, we’ll show them to you right there.</a:t>
-            </a:r>
-          </a:p>
-        </p:txBody>
-      </p:sp>
-      <p:sp>
-        <p:nvSpPr>
-          <p:cNvPr id="14" name="Date Placeholder 13">
-            <a:extLst>
-              <a:ext uri="{FF2B5EF4-FFF2-40B4-BE49-F238E27FC236}">
-                <a16:creationId xmlns:a16="http://schemas.microsoft.com/office/drawing/2014/main" id="{D236478C-E242-44E0-8357-C72C9B588CA7}"/>
+                <a16:creationId xmlns:a16="http://schemas.microsoft.com/office/drawing/2014/main" id="{0C329F70-04F7-4C70-BCF8-D4371F54EF2F}"/>
               </a:ext>
             </a:extLst>
           </p:cNvPr>
@@ -25151,10 +26042,10 @@
       </p:sp>
       <p:sp>
         <p:nvSpPr>
-          <p:cNvPr id="15" name="Footer Placeholder 14">
+          <p:cNvPr id="5" name="Footer Placeholder 4">
             <a:extLst>
               <a:ext uri="{FF2B5EF4-FFF2-40B4-BE49-F238E27FC236}">
-                <a16:creationId xmlns:a16="http://schemas.microsoft.com/office/drawing/2014/main" id="{65A6DC02-681E-4AF7-AC6E-57CDDB2FBA28}"/>
+                <a16:creationId xmlns:a16="http://schemas.microsoft.com/office/drawing/2014/main" id="{06A3302E-502D-4151-81C9-5FD6AF9596D6}"/>
               </a:ext>
             </a:extLst>
           </p:cNvPr>
@@ -25184,10 +26075,10 @@
       </p:sp>
       <p:sp>
         <p:nvSpPr>
-          <p:cNvPr id="16" name="Slide Number Placeholder 15">
+          <p:cNvPr id="6" name="Slide Number Placeholder 5">
             <a:extLst>
               <a:ext uri="{FF2B5EF4-FFF2-40B4-BE49-F238E27FC236}">
-                <a16:creationId xmlns:a16="http://schemas.microsoft.com/office/drawing/2014/main" id="{CF0A8666-4477-461C-A79D-E91232EE973E}"/>
+                <a16:creationId xmlns:a16="http://schemas.microsoft.com/office/drawing/2014/main" id="{9ED907F8-C614-4D59-A03F-BF9CD5E35703}"/>
               </a:ext>
             </a:extLst>
           </p:cNvPr>
@@ -25220,7 +26111,7 @@
     </p:spTree>
     <p:extLst>
       <p:ext uri="{BB962C8B-B14F-4D97-AF65-F5344CB8AC3E}">
-        <p14:creationId xmlns:p14="http://schemas.microsoft.com/office/powerpoint/2010/main" val="883699955"/>
+        <p14:creationId xmlns:p14="http://schemas.microsoft.com/office/powerpoint/2010/main" val="3626334480"/>
       </p:ext>
     </p:extLst>
   </p:cSld>
@@ -25249,10 +26140,10 @@
       </p:grpSpPr>
       <p:sp>
         <p:nvSpPr>
-          <p:cNvPr id="11" name="Title 10">
+          <p:cNvPr id="7" name="Title 6">
             <a:extLst>
               <a:ext uri="{FF2B5EF4-FFF2-40B4-BE49-F238E27FC236}">
-                <a16:creationId xmlns:a16="http://schemas.microsoft.com/office/drawing/2014/main" id="{581E8936-2270-47FE-94A4-398CB123EF90}"/>
+                <a16:creationId xmlns:a16="http://schemas.microsoft.com/office/drawing/2014/main" id="{47788B34-4190-4916-9048-47720EA5ABF1}"/>
               </a:ext>
             </a:extLst>
           </p:cNvPr>
@@ -25265,8 +26156,8 @@
         </p:nvSpPr>
         <p:spPr>
           <a:xfrm>
-            <a:off x="550863" y="4508500"/>
-            <a:ext cx="4500562" cy="1562959"/>
+            <a:off x="550862" y="549275"/>
+            <a:ext cx="11097551" cy="1332000"/>
           </a:xfrm>
         </p:spPr>
         <p:txBody>
@@ -25275,51 +26166,17 @@
           <a:p>
             <a:r>
               <a:rPr lang="en-US" dirty="0"/>
-              <a:t>Summary</a:t>
+              <a:t>Content 2 </a:t>
             </a:r>
           </a:p>
         </p:txBody>
       </p:sp>
-      <p:pic>
-        <p:nvPicPr>
-          <p:cNvPr id="16" name="Picture Placeholder 15" descr="Data Points Digital background">
-            <a:extLst>
-              <a:ext uri="{FF2B5EF4-FFF2-40B4-BE49-F238E27FC236}">
-                <a16:creationId xmlns:a16="http://schemas.microsoft.com/office/drawing/2014/main" id="{361E9ADB-7377-4CF1-9AE4-AEFBDEBEEEEC}"/>
-              </a:ext>
-            </a:extLst>
-          </p:cNvPr>
-          <p:cNvPicPr>
-            <a:picLocks noGrp="1" noChangeAspect="1"/>
-          </p:cNvPicPr>
-          <p:nvPr>
-            <p:ph type="pic" sz="quarter" idx="13"/>
-          </p:nvPr>
-        </p:nvPicPr>
-        <p:blipFill rotWithShape="1">
-          <a:blip r:embed="rId3" cstate="screen">
-            <a:extLst>
-              <a:ext uri="{28A0092B-C50C-407E-A947-70E740481C1C}">
-                <a14:useLocalDpi xmlns:a14="http://schemas.microsoft.com/office/drawing/2010/main" val="0"/>
-              </a:ext>
-            </a:extLst>
-          </a:blip>
-          <a:srcRect/>
-          <a:stretch/>
-        </p:blipFill>
-        <p:spPr>
-          <a:xfrm>
-            <a:off x="0" y="0"/>
-            <a:ext cx="12192000" cy="3776472"/>
-          </a:xfrm>
-        </p:spPr>
-      </p:pic>
       <p:sp>
         <p:nvSpPr>
-          <p:cNvPr id="13" name="Content Placeholder 12">
+          <p:cNvPr id="8" name="Text Placeholder 7">
             <a:extLst>
               <a:ext uri="{FF2B5EF4-FFF2-40B4-BE49-F238E27FC236}">
-                <a16:creationId xmlns:a16="http://schemas.microsoft.com/office/drawing/2014/main" id="{C0287FEC-3826-4868-8D93-52429C6156F5}"/>
+                <a16:creationId xmlns:a16="http://schemas.microsoft.com/office/drawing/2014/main" id="{ABA415A0-3B77-43FB-A408-5F1DA4B0AAFA}"/>
               </a:ext>
             </a:extLst>
           </p:cNvPr>
@@ -25327,13 +26184,148 @@
             <a:spLocks noGrp="1"/>
           </p:cNvSpPr>
           <p:nvPr>
-            <p:ph sz="quarter" idx="15"/>
+            <p:ph type="body" idx="1"/>
           </p:nvPr>
         </p:nvSpPr>
         <p:spPr>
           <a:xfrm>
-            <a:off x="5262411" y="4508500"/>
-            <a:ext cx="6221412" cy="1563688"/>
+            <a:off x="550864" y="1731375"/>
+            <a:ext cx="3563936" cy="535354"/>
+          </a:xfrm>
+        </p:spPr>
+        <p:txBody>
+          <a:bodyPr/>
+          <a:lstStyle/>
+          <a:p>
+            <a:r>
+              <a:rPr lang="en-US" dirty="0"/>
+              <a:t>Subtitle</a:t>
+            </a:r>
+          </a:p>
+        </p:txBody>
+      </p:sp>
+      <p:sp>
+        <p:nvSpPr>
+          <p:cNvPr id="9" name="Content Placeholder 8">
+            <a:extLst>
+              <a:ext uri="{FF2B5EF4-FFF2-40B4-BE49-F238E27FC236}">
+                <a16:creationId xmlns:a16="http://schemas.microsoft.com/office/drawing/2014/main" id="{8598ECEC-4413-4244-8F21-0076EC511806}"/>
+              </a:ext>
+            </a:extLst>
+          </p:cNvPr>
+          <p:cNvSpPr>
+            <a:spLocks noGrp="1"/>
+          </p:cNvSpPr>
+          <p:nvPr>
+            <p:ph sz="half" idx="2"/>
+          </p:nvPr>
+        </p:nvSpPr>
+        <p:spPr>
+          <a:xfrm>
+            <a:off x="559476" y="2432304"/>
+            <a:ext cx="3563936" cy="3515555"/>
+          </a:xfrm>
+        </p:spPr>
+        <p:txBody>
+          <a:bodyPr>
+            <a:normAutofit fontScale="92500" lnSpcReduction="20000"/>
+          </a:bodyPr>
+          <a:lstStyle/>
+          <a:p>
+            <a:pPr lvl="0"/>
+            <a:r>
+              <a:rPr lang="en-US" dirty="0"/>
+              <a:t>Add text, images, art, and videos. </a:t>
+            </a:r>
+          </a:p>
+          <a:p>
+            <a:pPr lvl="0"/>
+            <a:r>
+              <a:rPr lang="en-US" dirty="0"/>
+              <a:t>Add transitions, animations, and motion. </a:t>
+            </a:r>
+          </a:p>
+          <a:p>
+            <a:pPr lvl="0"/>
+            <a:r>
+              <a:rPr lang="en-US" dirty="0"/>
+              <a:t>Save to OneDrive, to get to your presentations from your computer, tablet, or phone. </a:t>
+            </a:r>
+          </a:p>
+          <a:p>
+            <a:r>
+              <a:rPr lang="en-US" dirty="0"/>
+              <a:t>Open the Design Ideas pane for instant slide makeovers. </a:t>
+            </a:r>
+          </a:p>
+          <a:p>
+            <a:r>
+              <a:rPr lang="en-US" dirty="0"/>
+              <a:t>When we have design ideas, we’ll show them to you right there. </a:t>
+            </a:r>
+          </a:p>
+          <a:p>
+            <a:pPr lvl="0"/>
+            <a:endParaRPr lang="en-US" dirty="0"/>
+          </a:p>
+          <a:p>
+            <a:endParaRPr lang="en-US" dirty="0"/>
+          </a:p>
+        </p:txBody>
+      </p:sp>
+      <p:sp>
+        <p:nvSpPr>
+          <p:cNvPr id="12" name="Text Placeholder 11">
+            <a:extLst>
+              <a:ext uri="{FF2B5EF4-FFF2-40B4-BE49-F238E27FC236}">
+                <a16:creationId xmlns:a16="http://schemas.microsoft.com/office/drawing/2014/main" id="{3A63626D-0E6E-4023-ABFC-A744C9862159}"/>
+              </a:ext>
+            </a:extLst>
+          </p:cNvPr>
+          <p:cNvSpPr>
+            <a:spLocks noGrp="1"/>
+          </p:cNvSpPr>
+          <p:nvPr>
+            <p:ph type="body" sz="quarter" idx="13"/>
+          </p:nvPr>
+        </p:nvSpPr>
+        <p:spPr>
+          <a:xfrm>
+            <a:off x="4341573" y="1731375"/>
+            <a:ext cx="3566160" cy="535354"/>
+          </a:xfrm>
+        </p:spPr>
+        <p:txBody>
+          <a:bodyPr/>
+          <a:lstStyle/>
+          <a:p>
+            <a:r>
+              <a:rPr lang="en-US" dirty="0"/>
+              <a:t>subtitle</a:t>
+            </a:r>
+          </a:p>
+        </p:txBody>
+      </p:sp>
+      <p:sp>
+        <p:nvSpPr>
+          <p:cNvPr id="13" name="Content Placeholder 12">
+            <a:extLst>
+              <a:ext uri="{FF2B5EF4-FFF2-40B4-BE49-F238E27FC236}">
+                <a16:creationId xmlns:a16="http://schemas.microsoft.com/office/drawing/2014/main" id="{258E9390-685C-4BAD-BFAD-EC56E81C4745}"/>
+              </a:ext>
+            </a:extLst>
+          </p:cNvPr>
+          <p:cNvSpPr>
+            <a:spLocks noGrp="1"/>
+          </p:cNvSpPr>
+          <p:nvPr>
+            <p:ph sz="quarter" idx="14"/>
+          </p:nvPr>
+        </p:nvSpPr>
+        <p:spPr>
+          <a:xfrm>
+            <a:off x="4341573" y="2427370"/>
+            <a:ext cx="3508755" cy="3515555"/>
           </a:xfrm>
         </p:spPr>
         <p:txBody>
@@ -25342,19 +26334,142 @@
           </a:bodyPr>
           <a:lstStyle/>
           <a:p>
+            <a:pPr lvl="0"/>
             <a:r>
               <a:rPr lang="en-US" dirty="0"/>
-              <a:t>With PowerPoint, you can create presentations and share your work with others, wherever they are. Type the text you want here to get started. You can also add images, art, and videos on this template. Save to OneDrive and access your presentations from your computer, tablet, or phone. </a:t>
+              <a:t>Add text, images, art, and videos. </a:t>
+            </a:r>
+          </a:p>
+          <a:p>
+            <a:pPr lvl="0"/>
+            <a:r>
+              <a:rPr lang="en-US" dirty="0"/>
+              <a:t>Add transitions, animations, and motion. </a:t>
+            </a:r>
+          </a:p>
+          <a:p>
+            <a:pPr lvl="0"/>
+            <a:r>
+              <a:rPr lang="en-US" dirty="0"/>
+              <a:t>Save to OneDrive, to get to your presentations from your computer, tablet, or phone. </a:t>
+            </a:r>
+          </a:p>
+          <a:p>
+            <a:r>
+              <a:rPr lang="en-US" dirty="0"/>
+              <a:t>Open the Design Ideas pane for instant slide makeovers. </a:t>
+            </a:r>
+          </a:p>
+          <a:p>
+            <a:r>
+              <a:rPr lang="en-US" dirty="0"/>
+              <a:t>When we have design ideas, we’ll show them to you right there.</a:t>
             </a:r>
           </a:p>
         </p:txBody>
       </p:sp>
       <p:sp>
         <p:nvSpPr>
-          <p:cNvPr id="4" name="Date Placeholder 3">
+          <p:cNvPr id="10" name="Text Placeholder 9">
             <a:extLst>
               <a:ext uri="{FF2B5EF4-FFF2-40B4-BE49-F238E27FC236}">
-                <a16:creationId xmlns:a16="http://schemas.microsoft.com/office/drawing/2014/main" id="{0C329F70-04F7-4C70-BCF8-D4371F54EF2F}"/>
+                <a16:creationId xmlns:a16="http://schemas.microsoft.com/office/drawing/2014/main" id="{34A9BC34-CFDB-4D7A-8D6C-1CE608D0909F}"/>
+              </a:ext>
+            </a:extLst>
+          </p:cNvPr>
+          <p:cNvSpPr>
+            <a:spLocks noGrp="1"/>
+          </p:cNvSpPr>
+          <p:nvPr>
+            <p:ph type="body" sz="quarter" idx="3"/>
+          </p:nvPr>
+        </p:nvSpPr>
+        <p:spPr>
+          <a:xfrm>
+            <a:off x="8139659" y="1731375"/>
+            <a:ext cx="3566160" cy="535354"/>
+          </a:xfrm>
+        </p:spPr>
+        <p:txBody>
+          <a:bodyPr/>
+          <a:lstStyle/>
+          <a:p>
+            <a:r>
+              <a:rPr lang="en-US"/>
+              <a:t>subtitle</a:t>
+            </a:r>
+            <a:endParaRPr lang="en-US" dirty="0"/>
+          </a:p>
+        </p:txBody>
+      </p:sp>
+      <p:sp>
+        <p:nvSpPr>
+          <p:cNvPr id="11" name="Content Placeholder 10">
+            <a:extLst>
+              <a:ext uri="{FF2B5EF4-FFF2-40B4-BE49-F238E27FC236}">
+                <a16:creationId xmlns:a16="http://schemas.microsoft.com/office/drawing/2014/main" id="{1D014E48-5DD9-49CE-AD5B-0FEF69204F68}"/>
+              </a:ext>
+            </a:extLst>
+          </p:cNvPr>
+          <p:cNvSpPr>
+            <a:spLocks noGrp="1"/>
+          </p:cNvSpPr>
+          <p:nvPr>
+            <p:ph sz="quarter" idx="4"/>
+          </p:nvPr>
+        </p:nvSpPr>
+        <p:spPr>
+          <a:xfrm>
+            <a:off x="8139659" y="2427370"/>
+            <a:ext cx="3508755" cy="3515555"/>
+          </a:xfrm>
+        </p:spPr>
+        <p:txBody>
+          <a:bodyPr>
+            <a:normAutofit lnSpcReduction="10000"/>
+          </a:bodyPr>
+          <a:lstStyle/>
+          <a:p>
+            <a:pPr lvl="0"/>
+            <a:r>
+              <a:rPr lang="en-US" dirty="0"/>
+              <a:t>Add text, images, art, and videos. </a:t>
+            </a:r>
+          </a:p>
+          <a:p>
+            <a:pPr lvl="0"/>
+            <a:r>
+              <a:rPr lang="en-US" dirty="0"/>
+              <a:t>Add transitions, animations, and motion. </a:t>
+            </a:r>
+          </a:p>
+          <a:p>
+            <a:pPr lvl="0"/>
+            <a:r>
+              <a:rPr lang="en-US" dirty="0"/>
+              <a:t>Save to OneDrive, to get to your presentations from your computer, tablet, or phone. </a:t>
+            </a:r>
+          </a:p>
+          <a:p>
+            <a:r>
+              <a:rPr lang="en-US" dirty="0"/>
+              <a:t>Open the Design Ideas pane for instant slide makeovers. </a:t>
+            </a:r>
+          </a:p>
+          <a:p>
+            <a:r>
+              <a:rPr lang="en-US" dirty="0"/>
+              <a:t>When we have design ideas, we’ll show them to you right there.</a:t>
+            </a:r>
+          </a:p>
+        </p:txBody>
+      </p:sp>
+      <p:sp>
+        <p:nvSpPr>
+          <p:cNvPr id="14" name="Date Placeholder 13">
+            <a:extLst>
+              <a:ext uri="{FF2B5EF4-FFF2-40B4-BE49-F238E27FC236}">
+                <a16:creationId xmlns:a16="http://schemas.microsoft.com/office/drawing/2014/main" id="{D236478C-E242-44E0-8357-C72C9B588CA7}"/>
               </a:ext>
             </a:extLst>
           </p:cNvPr>
@@ -25385,10 +26500,10 @@
       </p:sp>
       <p:sp>
         <p:nvSpPr>
-          <p:cNvPr id="5" name="Footer Placeholder 4">
+          <p:cNvPr id="15" name="Footer Placeholder 14">
             <a:extLst>
               <a:ext uri="{FF2B5EF4-FFF2-40B4-BE49-F238E27FC236}">
-                <a16:creationId xmlns:a16="http://schemas.microsoft.com/office/drawing/2014/main" id="{06A3302E-502D-4151-81C9-5FD6AF9596D6}"/>
+                <a16:creationId xmlns:a16="http://schemas.microsoft.com/office/drawing/2014/main" id="{65A6DC02-681E-4AF7-AC6E-57CDDB2FBA28}"/>
               </a:ext>
             </a:extLst>
           </p:cNvPr>
@@ -25418,10 +26533,10 @@
       </p:sp>
       <p:sp>
         <p:nvSpPr>
-          <p:cNvPr id="6" name="Slide Number Placeholder 5">
+          <p:cNvPr id="16" name="Slide Number Placeholder 15">
             <a:extLst>
               <a:ext uri="{FF2B5EF4-FFF2-40B4-BE49-F238E27FC236}">
-                <a16:creationId xmlns:a16="http://schemas.microsoft.com/office/drawing/2014/main" id="{9ED907F8-C614-4D59-A03F-BF9CD5E35703}"/>
+                <a16:creationId xmlns:a16="http://schemas.microsoft.com/office/drawing/2014/main" id="{CF0A8666-4477-461C-A79D-E91232EE973E}"/>
               </a:ext>
             </a:extLst>
           </p:cNvPr>
@@ -25454,7 +26569,7 @@
     </p:spTree>
     <p:extLst>
       <p:ext uri="{BB962C8B-B14F-4D97-AF65-F5344CB8AC3E}">
-        <p14:creationId xmlns:p14="http://schemas.microsoft.com/office/powerpoint/2010/main" val="3521561301"/>
+        <p14:creationId xmlns:p14="http://schemas.microsoft.com/office/powerpoint/2010/main" val="883699955"/>
       </p:ext>
     </p:extLst>
   </p:cSld>
@@ -25890,7 +27005,7 @@
           <a:p>
             <a:r>
               <a:rPr lang="en-US" dirty="0"/>
-              <a:t>Lessons Learned</a:t>
+              <a:t>Summary</a:t>
             </a:r>
           </a:p>
         </p:txBody>
@@ -25953,37 +27068,13 @@
         </p:spPr>
         <p:txBody>
           <a:bodyPr>
-            <a:normAutofit/>
+            <a:normAutofit lnSpcReduction="10000"/>
           </a:bodyPr>
           <a:lstStyle/>
           <a:p>
-            <a:pPr marL="342900" indent="-342900">
-              <a:buFont typeface="Arial" panose="020B0604020202020204" pitchFamily="34" charset="0"/>
-              <a:buChar char="•"/>
-            </a:pPr>
             <a:r>
               <a:rPr lang="en-US" dirty="0"/>
-              <a:t>A few lessons learned here</a:t>
-            </a:r>
-          </a:p>
-          <a:p>
-            <a:pPr marL="342900" indent="-342900">
-              <a:buFont typeface="Arial" panose="020B0604020202020204" pitchFamily="34" charset="0"/>
-              <a:buChar char="•"/>
-            </a:pPr>
-            <a:r>
-              <a:rPr lang="en-US" dirty="0"/>
-              <a:t>And here</a:t>
-            </a:r>
-          </a:p>
-          <a:p>
-            <a:pPr marL="342900" indent="-342900">
-              <a:buFont typeface="Arial" panose="020B0604020202020204" pitchFamily="34" charset="0"/>
-              <a:buChar char="•"/>
-            </a:pPr>
-            <a:r>
-              <a:rPr lang="en-US" dirty="0"/>
-              <a:t>And here</a:t>
+              <a:t>With PowerPoint, you can create presentations and share your work with others, wherever they are. Type the text you want here to get started. You can also add images, art, and videos on this template. Save to OneDrive and access your presentations from your computer, tablet, or phone. </a:t>
             </a:r>
           </a:p>
         </p:txBody>
@@ -26093,7 +27184,7 @@
     </p:spTree>
     <p:extLst>
       <p:ext uri="{BB962C8B-B14F-4D97-AF65-F5344CB8AC3E}">
-        <p14:creationId xmlns:p14="http://schemas.microsoft.com/office/powerpoint/2010/main" val="2494024088"/>
+        <p14:creationId xmlns:p14="http://schemas.microsoft.com/office/powerpoint/2010/main" val="3521561301"/>
       </p:ext>
     </p:extLst>
   </p:cSld>
@@ -26122,6 +27213,264 @@
       </p:grpSpPr>
       <p:sp>
         <p:nvSpPr>
+          <p:cNvPr id="11" name="Title 10">
+            <a:extLst>
+              <a:ext uri="{FF2B5EF4-FFF2-40B4-BE49-F238E27FC236}">
+                <a16:creationId xmlns:a16="http://schemas.microsoft.com/office/drawing/2014/main" id="{581E8936-2270-47FE-94A4-398CB123EF90}"/>
+              </a:ext>
+            </a:extLst>
+          </p:cNvPr>
+          <p:cNvSpPr>
+            <a:spLocks noGrp="1"/>
+          </p:cNvSpPr>
+          <p:nvPr>
+            <p:ph type="title"/>
+          </p:nvPr>
+        </p:nvSpPr>
+        <p:spPr>
+          <a:xfrm>
+            <a:off x="550863" y="4508500"/>
+            <a:ext cx="4500562" cy="1562959"/>
+          </a:xfrm>
+        </p:spPr>
+        <p:txBody>
+          <a:bodyPr/>
+          <a:lstStyle/>
+          <a:p>
+            <a:r>
+              <a:rPr lang="en-US" dirty="0"/>
+              <a:t>Lessons Learned</a:t>
+            </a:r>
+          </a:p>
+        </p:txBody>
+      </p:sp>
+      <p:pic>
+        <p:nvPicPr>
+          <p:cNvPr id="16" name="Picture Placeholder 15" descr="Data Points Digital background">
+            <a:extLst>
+              <a:ext uri="{FF2B5EF4-FFF2-40B4-BE49-F238E27FC236}">
+                <a16:creationId xmlns:a16="http://schemas.microsoft.com/office/drawing/2014/main" id="{361E9ADB-7377-4CF1-9AE4-AEFBDEBEEEEC}"/>
+              </a:ext>
+            </a:extLst>
+          </p:cNvPr>
+          <p:cNvPicPr>
+            <a:picLocks noGrp="1" noChangeAspect="1"/>
+          </p:cNvPicPr>
+          <p:nvPr>
+            <p:ph type="pic" sz="quarter" idx="13"/>
+          </p:nvPr>
+        </p:nvPicPr>
+        <p:blipFill rotWithShape="1">
+          <a:blip r:embed="rId3" cstate="screen">
+            <a:extLst>
+              <a:ext uri="{28A0092B-C50C-407E-A947-70E740481C1C}">
+                <a14:useLocalDpi xmlns:a14="http://schemas.microsoft.com/office/drawing/2010/main" val="0"/>
+              </a:ext>
+            </a:extLst>
+          </a:blip>
+          <a:srcRect/>
+          <a:stretch/>
+        </p:blipFill>
+        <p:spPr>
+          <a:xfrm>
+            <a:off x="0" y="0"/>
+            <a:ext cx="12192000" cy="3776472"/>
+          </a:xfrm>
+        </p:spPr>
+      </p:pic>
+      <p:sp>
+        <p:nvSpPr>
+          <p:cNvPr id="13" name="Content Placeholder 12">
+            <a:extLst>
+              <a:ext uri="{FF2B5EF4-FFF2-40B4-BE49-F238E27FC236}">
+                <a16:creationId xmlns:a16="http://schemas.microsoft.com/office/drawing/2014/main" id="{C0287FEC-3826-4868-8D93-52429C6156F5}"/>
+              </a:ext>
+            </a:extLst>
+          </p:cNvPr>
+          <p:cNvSpPr>
+            <a:spLocks noGrp="1"/>
+          </p:cNvSpPr>
+          <p:nvPr>
+            <p:ph sz="quarter" idx="15"/>
+          </p:nvPr>
+        </p:nvSpPr>
+        <p:spPr>
+          <a:xfrm>
+            <a:off x="5262411" y="4508500"/>
+            <a:ext cx="6221412" cy="1563688"/>
+          </a:xfrm>
+        </p:spPr>
+        <p:txBody>
+          <a:bodyPr>
+            <a:normAutofit/>
+          </a:bodyPr>
+          <a:lstStyle/>
+          <a:p>
+            <a:pPr marL="342900" indent="-342900">
+              <a:buFont typeface="Arial" panose="020B0604020202020204" pitchFamily="34" charset="0"/>
+              <a:buChar char="•"/>
+            </a:pPr>
+            <a:r>
+              <a:rPr lang="en-US" dirty="0"/>
+              <a:t>A few lessons learned here</a:t>
+            </a:r>
+          </a:p>
+          <a:p>
+            <a:pPr marL="342900" indent="-342900">
+              <a:buFont typeface="Arial" panose="020B0604020202020204" pitchFamily="34" charset="0"/>
+              <a:buChar char="•"/>
+            </a:pPr>
+            <a:r>
+              <a:rPr lang="en-US" dirty="0"/>
+              <a:t>And here</a:t>
+            </a:r>
+          </a:p>
+          <a:p>
+            <a:pPr marL="342900" indent="-342900">
+              <a:buFont typeface="Arial" panose="020B0604020202020204" pitchFamily="34" charset="0"/>
+              <a:buChar char="•"/>
+            </a:pPr>
+            <a:r>
+              <a:rPr lang="en-US" dirty="0"/>
+              <a:t>And here</a:t>
+            </a:r>
+          </a:p>
+        </p:txBody>
+      </p:sp>
+      <p:sp>
+        <p:nvSpPr>
+          <p:cNvPr id="4" name="Date Placeholder 3">
+            <a:extLst>
+              <a:ext uri="{FF2B5EF4-FFF2-40B4-BE49-F238E27FC236}">
+                <a16:creationId xmlns:a16="http://schemas.microsoft.com/office/drawing/2014/main" id="{0C329F70-04F7-4C70-BCF8-D4371F54EF2F}"/>
+              </a:ext>
+            </a:extLst>
+          </p:cNvPr>
+          <p:cNvSpPr>
+            <a:spLocks noGrp="1"/>
+          </p:cNvSpPr>
+          <p:nvPr>
+            <p:ph type="dt" sz="half" idx="10"/>
+          </p:nvPr>
+        </p:nvSpPr>
+        <p:spPr>
+          <a:xfrm>
+            <a:off x="550863" y="6507212"/>
+            <a:ext cx="2628900" cy="153888"/>
+          </a:xfrm>
+        </p:spPr>
+        <p:txBody>
+          <a:bodyPr/>
+          <a:lstStyle/>
+          <a:p>
+            <a:r>
+              <a:rPr lang="en-US"/>
+              <a:t>Tuesday, February 2, 20XX</a:t>
+            </a:r>
+            <a:endParaRPr lang="en-US" dirty="0"/>
+          </a:p>
+        </p:txBody>
+      </p:sp>
+      <p:sp>
+        <p:nvSpPr>
+          <p:cNvPr id="5" name="Footer Placeholder 4">
+            <a:extLst>
+              <a:ext uri="{FF2B5EF4-FFF2-40B4-BE49-F238E27FC236}">
+                <a16:creationId xmlns:a16="http://schemas.microsoft.com/office/drawing/2014/main" id="{06A3302E-502D-4151-81C9-5FD6AF9596D6}"/>
+              </a:ext>
+            </a:extLst>
+          </p:cNvPr>
+          <p:cNvSpPr>
+            <a:spLocks noGrp="1"/>
+          </p:cNvSpPr>
+          <p:nvPr>
+            <p:ph type="ftr" sz="quarter" idx="11"/>
+          </p:nvPr>
+        </p:nvSpPr>
+        <p:spPr>
+          <a:xfrm>
+            <a:off x="3359150" y="6507212"/>
+            <a:ext cx="6379210" cy="153888"/>
+          </a:xfrm>
+        </p:spPr>
+        <p:txBody>
+          <a:bodyPr/>
+          <a:lstStyle/>
+          <a:p>
+            <a:r>
+              <a:rPr lang="en-US"/>
+              <a:t>Sample Footer Text</a:t>
+            </a:r>
+          </a:p>
+        </p:txBody>
+      </p:sp>
+      <p:sp>
+        <p:nvSpPr>
+          <p:cNvPr id="6" name="Slide Number Placeholder 5">
+            <a:extLst>
+              <a:ext uri="{FF2B5EF4-FFF2-40B4-BE49-F238E27FC236}">
+                <a16:creationId xmlns:a16="http://schemas.microsoft.com/office/drawing/2014/main" id="{9ED907F8-C614-4D59-A03F-BF9CD5E35703}"/>
+              </a:ext>
+            </a:extLst>
+          </p:cNvPr>
+          <p:cNvSpPr>
+            <a:spLocks noGrp="1"/>
+          </p:cNvSpPr>
+          <p:nvPr>
+            <p:ph type="sldNum" sz="quarter" idx="12"/>
+          </p:nvPr>
+        </p:nvSpPr>
+        <p:spPr>
+          <a:xfrm>
+            <a:off x="9948863" y="6507212"/>
+            <a:ext cx="1692274" cy="153888"/>
+          </a:xfrm>
+        </p:spPr>
+        <p:txBody>
+          <a:bodyPr/>
+          <a:lstStyle/>
+          <a:p>
+            <a:fld id="{DBA1B0FB-D917-4C8C-928F-313BD683BF39}" type="slidenum">
+              <a:rPr lang="en-US" smtClean="0"/>
+              <a:pPr/>
+              <a:t>21</a:t>
+            </a:fld>
+            <a:endParaRPr lang="en-US"/>
+          </a:p>
+        </p:txBody>
+      </p:sp>
+    </p:spTree>
+    <p:extLst>
+      <p:ext uri="{BB962C8B-B14F-4D97-AF65-F5344CB8AC3E}">
+        <p14:creationId xmlns:p14="http://schemas.microsoft.com/office/powerpoint/2010/main" val="2494024088"/>
+      </p:ext>
+    </p:extLst>
+  </p:cSld>
+  <p:clrMapOvr>
+    <a:masterClrMapping/>
+  </p:clrMapOvr>
+</p:sld>
+</file>
+
+<file path=ppt/slides/slide22.xml><?xml version="1.0" encoding="utf-8"?>
+<p:sld xmlns:a="http://schemas.openxmlformats.org/drawingml/2006/main" xmlns:r="http://schemas.openxmlformats.org/officeDocument/2006/relationships" xmlns:p="http://schemas.openxmlformats.org/presentationml/2006/main">
+  <p:cSld>
+    <p:spTree>
+      <p:nvGrpSpPr>
+        <p:cNvPr id="1" name=""/>
+        <p:cNvGrpSpPr/>
+        <p:nvPr/>
+      </p:nvGrpSpPr>
+      <p:grpSpPr>
+        <a:xfrm>
+          <a:off x="0" y="0"/>
+          <a:ext cx="0" cy="0"/>
+          <a:chOff x="0" y="0"/>
+          <a:chExt cx="0" cy="0"/>
+        </a:xfrm>
+      </p:grpSpPr>
+      <p:sp>
+        <p:nvSpPr>
           <p:cNvPr id="22" name="Title 21">
             <a:extLst>
               <a:ext uri="{FF2B5EF4-FFF2-40B4-BE49-F238E27FC236}">
@@ -26365,7 +27714,7 @@
             <a:fld id="{DBA1B0FB-D917-4C8C-928F-313BD683BF39}" type="slidenum">
               <a:rPr lang="en-US" smtClean="0"/>
               <a:pPr/>
-              <a:t>21</a:t>
+              <a:t>22</a:t>
             </a:fld>
             <a:endParaRPr lang="en-US"/>
           </a:p>
@@ -31045,6 +32394,15 @@
 </file>
 
 <file path=customXml/item1.xml><?xml version="1.0" encoding="utf-8"?>
+<?mso-contentType ?>
+<FormTemplates xmlns="http://schemas.microsoft.com/sharepoint/v3/contenttype/forms">
+  <Display>DocumentLibraryForm</Display>
+  <Edit>DocumentLibraryForm</Edit>
+  <New>DocumentLibraryForm</New>
+</FormTemplates>
+</file>
+
+<file path=customXml/item2.xml><?xml version="1.0" encoding="utf-8"?>
 <p:properties xmlns:p="http://schemas.microsoft.com/office/2006/metadata/properties" xmlns:xsi="http://www.w3.org/2001/XMLSchema-instance" xmlns:pc="http://schemas.microsoft.com/office/infopath/2007/PartnerControls">
   <documentManagement>
     <_ip_UnifiedCompliancePolicyUIAction xmlns="http://schemas.microsoft.com/sharepoint/v3" xsi:nil="true"/>
@@ -31061,15 +32419,6 @@
     <MediaServiceKeyPoints xmlns="71af3243-3dd4-4a8d-8c0d-dd76da1f02a5" xsi:nil="true"/>
   </documentManagement>
 </p:properties>
-</file>
-
-<file path=customXml/item2.xml><?xml version="1.0" encoding="utf-8"?>
-<?mso-contentType ?>
-<FormTemplates xmlns="http://schemas.microsoft.com/sharepoint/v3/contenttype/forms">
-  <Display>DocumentLibraryForm</Display>
-  <Edit>DocumentLibraryForm</Edit>
-  <New>DocumentLibraryForm</New>
-</FormTemplates>
 </file>
 
 <file path=customXml/item3.xml><?xml version="1.0" encoding="utf-8"?>
@@ -31349,6 +32698,14 @@
 </file>
 
 <file path=customXml/itemProps1.xml><?xml version="1.0" encoding="utf-8"?>
+<ds:datastoreItem xmlns:ds="http://schemas.openxmlformats.org/officeDocument/2006/customXml" ds:itemID="{904751AB-E840-446F-8D49-E697067EC887}">
+  <ds:schemaRefs>
+    <ds:schemaRef ds:uri="http://schemas.microsoft.com/sharepoint/v3/contenttype/forms"/>
+  </ds:schemaRefs>
+</ds:datastoreItem>
+</file>
+
+<file path=customXml/itemProps2.xml><?xml version="1.0" encoding="utf-8"?>
 <ds:datastoreItem xmlns:ds="http://schemas.openxmlformats.org/officeDocument/2006/customXml" ds:itemID="{50811A92-D464-4AC4-A396-BA73B10CEEAC}">
   <ds:schemaRefs>
     <ds:schemaRef ds:uri="http://schemas.microsoft.com/office/2006/metadata/properties"/>
@@ -31356,14 +32713,6 @@
     <ds:schemaRef ds:uri="http://schemas.microsoft.com/sharepoint/v3"/>
     <ds:schemaRef ds:uri="71af3243-3dd4-4a8d-8c0d-dd76da1f02a5"/>
     <ds:schemaRef ds:uri="230e9df3-be65-4c73-a93b-d1236ebd677e"/>
-  </ds:schemaRefs>
-</ds:datastoreItem>
-</file>
-
-<file path=customXml/itemProps2.xml><?xml version="1.0" encoding="utf-8"?>
-<ds:datastoreItem xmlns:ds="http://schemas.openxmlformats.org/officeDocument/2006/customXml" ds:itemID="{904751AB-E840-446F-8D49-E697067EC887}">
-  <ds:schemaRefs>
-    <ds:schemaRef ds:uri="http://schemas.microsoft.com/sharepoint/v3/contenttype/forms"/>
   </ds:schemaRefs>
 </ds:datastoreItem>
 </file>

--- a/Presentation/draft_presentation_salaries_2023.pptx
+++ b/Presentation/draft_presentation_salaries_2023.pptx
@@ -166,7 +166,7 @@
   <pc:docChgLst>
     <pc:chgData name="Calogera McCormick" userId="e0a4c6cb4146cbe1" providerId="LiveId" clId="{713AE7ED-0655-4057-A6C2-FB3F86893D8F}"/>
     <pc:docChg chg="undo custSel addSld delSld modSld sldOrd">
-      <pc:chgData name="Calogera McCormick" userId="e0a4c6cb4146cbe1" providerId="LiveId" clId="{713AE7ED-0655-4057-A6C2-FB3F86893D8F}" dt="2023-06-10T19:27:26.672" v="1686"/>
+      <pc:chgData name="Calogera McCormick" userId="e0a4c6cb4146cbe1" providerId="LiveId" clId="{713AE7ED-0655-4057-A6C2-FB3F86893D8F}" dt="2023-06-10T21:29:39.501" v="1729" actId="20577"/>
       <pc:docMkLst>
         <pc:docMk/>
       </pc:docMkLst>
@@ -508,7 +508,7 @@
         </pc:spChg>
       </pc:sldChg>
       <pc:sldChg chg="addSp modSp mod">
-        <pc:chgData name="Calogera McCormick" userId="e0a4c6cb4146cbe1" providerId="LiveId" clId="{713AE7ED-0655-4057-A6C2-FB3F86893D8F}" dt="2023-06-08T00:52:30.275" v="1452"/>
+        <pc:chgData name="Calogera McCormick" userId="e0a4c6cb4146cbe1" providerId="LiveId" clId="{713AE7ED-0655-4057-A6C2-FB3F86893D8F}" dt="2023-06-10T21:29:39.501" v="1729" actId="20577"/>
         <pc:sldMkLst>
           <pc:docMk/>
           <pc:sldMk cId="2313234867" sldId="389"/>
@@ -527,6 +527,22 @@
             <pc:docMk/>
             <pc:sldMk cId="2313234867" sldId="389"/>
             <ac:spMk id="4" creationId="{53E1CA95-67F3-DC80-A822-FB3BEFDF38E8}"/>
+          </ac:spMkLst>
+        </pc:spChg>
+        <pc:spChg chg="mod">
+          <ac:chgData name="Calogera McCormick" userId="e0a4c6cb4146cbe1" providerId="LiveId" clId="{713AE7ED-0655-4057-A6C2-FB3F86893D8F}" dt="2023-06-10T21:29:39.501" v="1729" actId="20577"/>
+          <ac:spMkLst>
+            <pc:docMk/>
+            <pc:sldMk cId="2313234867" sldId="389"/>
+            <ac:spMk id="13" creationId="{915FE2C5-E66A-4405-B19E-2C5C546C98E4}"/>
+          </ac:spMkLst>
+        </pc:spChg>
+        <pc:spChg chg="mod">
+          <ac:chgData name="Calogera McCormick" userId="e0a4c6cb4146cbe1" providerId="LiveId" clId="{713AE7ED-0655-4057-A6C2-FB3F86893D8F}" dt="2023-06-10T21:29:29.839" v="1716" actId="20577"/>
+          <ac:spMkLst>
+            <pc:docMk/>
+            <pc:sldMk cId="2313234867" sldId="389"/>
+            <ac:spMk id="14" creationId="{B01DF4D0-78BC-4C8C-9570-26F0B225433A}"/>
           </ac:spMkLst>
         </pc:spChg>
       </pc:sldChg>
@@ -26824,8 +26840,8 @@
           <a:lstStyle/>
           <a:p>
             <a:r>
-              <a:rPr lang="en-US"/>
-              <a:t>Tuesday, February 2, 20XX</a:t>
+              <a:rPr lang="en-US" dirty="0"/>
+              <a:t>June 10, 2023</a:t>
             </a:r>
           </a:p>
         </p:txBody>
@@ -26857,8 +26873,14 @@
           <a:lstStyle/>
           <a:p>
             <a:r>
-              <a:rPr lang="en-US" dirty="0"/>
-              <a:t>Sample Footer Text</a:t>
+              <a:rPr lang="en-US" b="0" dirty="0">
+                <a:solidFill>
+                  <a:srgbClr val="CCCCCC"/>
+                </a:solidFill>
+                <a:effectLst/>
+                <a:latin typeface="Consolas" panose="020B0609020204030204" pitchFamily="49" charset="0"/>
+              </a:rPr>
+              <a:t>Data Related Jobs Salary Predictor app</a:t>
             </a:r>
           </a:p>
         </p:txBody>
@@ -32394,15 +32416,6 @@
 </file>
 
 <file path=customXml/item1.xml><?xml version="1.0" encoding="utf-8"?>
-<?mso-contentType ?>
-<FormTemplates xmlns="http://schemas.microsoft.com/sharepoint/v3/contenttype/forms">
-  <Display>DocumentLibraryForm</Display>
-  <Edit>DocumentLibraryForm</Edit>
-  <New>DocumentLibraryForm</New>
-</FormTemplates>
-</file>
-
-<file path=customXml/item2.xml><?xml version="1.0" encoding="utf-8"?>
 <p:properties xmlns:p="http://schemas.microsoft.com/office/2006/metadata/properties" xmlns:xsi="http://www.w3.org/2001/XMLSchema-instance" xmlns:pc="http://schemas.microsoft.com/office/infopath/2007/PartnerControls">
   <documentManagement>
     <_ip_UnifiedCompliancePolicyUIAction xmlns="http://schemas.microsoft.com/sharepoint/v3" xsi:nil="true"/>
@@ -32419,6 +32432,15 @@
     <MediaServiceKeyPoints xmlns="71af3243-3dd4-4a8d-8c0d-dd76da1f02a5" xsi:nil="true"/>
   </documentManagement>
 </p:properties>
+</file>
+
+<file path=customXml/item2.xml><?xml version="1.0" encoding="utf-8"?>
+<?mso-contentType ?>
+<FormTemplates xmlns="http://schemas.microsoft.com/sharepoint/v3/contenttype/forms">
+  <Display>DocumentLibraryForm</Display>
+  <Edit>DocumentLibraryForm</Edit>
+  <New>DocumentLibraryForm</New>
+</FormTemplates>
 </file>
 
 <file path=customXml/item3.xml><?xml version="1.0" encoding="utf-8"?>
@@ -32698,14 +32720,6 @@
 </file>
 
 <file path=customXml/itemProps1.xml><?xml version="1.0" encoding="utf-8"?>
-<ds:datastoreItem xmlns:ds="http://schemas.openxmlformats.org/officeDocument/2006/customXml" ds:itemID="{904751AB-E840-446F-8D49-E697067EC887}">
-  <ds:schemaRefs>
-    <ds:schemaRef ds:uri="http://schemas.microsoft.com/sharepoint/v3/contenttype/forms"/>
-  </ds:schemaRefs>
-</ds:datastoreItem>
-</file>
-
-<file path=customXml/itemProps2.xml><?xml version="1.0" encoding="utf-8"?>
 <ds:datastoreItem xmlns:ds="http://schemas.openxmlformats.org/officeDocument/2006/customXml" ds:itemID="{50811A92-D464-4AC4-A396-BA73B10CEEAC}">
   <ds:schemaRefs>
     <ds:schemaRef ds:uri="http://schemas.microsoft.com/office/2006/metadata/properties"/>
@@ -32713,6 +32727,14 @@
     <ds:schemaRef ds:uri="http://schemas.microsoft.com/sharepoint/v3"/>
     <ds:schemaRef ds:uri="71af3243-3dd4-4a8d-8c0d-dd76da1f02a5"/>
     <ds:schemaRef ds:uri="230e9df3-be65-4c73-a93b-d1236ebd677e"/>
+  </ds:schemaRefs>
+</ds:datastoreItem>
+</file>
+
+<file path=customXml/itemProps2.xml><?xml version="1.0" encoding="utf-8"?>
+<ds:datastoreItem xmlns:ds="http://schemas.openxmlformats.org/officeDocument/2006/customXml" ds:itemID="{904751AB-E840-446F-8D49-E697067EC887}">
+  <ds:schemaRefs>
+    <ds:schemaRef ds:uri="http://schemas.microsoft.com/sharepoint/v3/contenttype/forms"/>
   </ds:schemaRefs>
 </ds:datastoreItem>
 </file>

--- a/Presentation/draft_presentation_salaries_2023.pptx
+++ b/Presentation/draft_presentation_salaries_2023.pptx
@@ -17,21 +17,21 @@
     <p:sldId id="317" r:id="rId8"/>
     <p:sldId id="392" r:id="rId9"/>
     <p:sldId id="268" r:id="rId10"/>
-    <p:sldId id="279" r:id="rId11"/>
-    <p:sldId id="272" r:id="rId12"/>
-    <p:sldId id="394" r:id="rId13"/>
-    <p:sldId id="400" r:id="rId14"/>
-    <p:sldId id="402" r:id="rId15"/>
-    <p:sldId id="401" r:id="rId16"/>
-    <p:sldId id="270" r:id="rId17"/>
-    <p:sldId id="395" r:id="rId18"/>
-    <p:sldId id="281" r:id="rId19"/>
-    <p:sldId id="396" r:id="rId20"/>
-    <p:sldId id="397" r:id="rId21"/>
-    <p:sldId id="398" r:id="rId22"/>
-    <p:sldId id="399" r:id="rId23"/>
-    <p:sldId id="321" r:id="rId24"/>
-    <p:sldId id="393" r:id="rId25"/>
+    <p:sldId id="272" r:id="rId11"/>
+    <p:sldId id="394" r:id="rId12"/>
+    <p:sldId id="400" r:id="rId13"/>
+    <p:sldId id="402" r:id="rId14"/>
+    <p:sldId id="401" r:id="rId15"/>
+    <p:sldId id="270" r:id="rId16"/>
+    <p:sldId id="395" r:id="rId17"/>
+    <p:sldId id="281" r:id="rId18"/>
+    <p:sldId id="396" r:id="rId19"/>
+    <p:sldId id="397" r:id="rId20"/>
+    <p:sldId id="398" r:id="rId21"/>
+    <p:sldId id="399" r:id="rId22"/>
+    <p:sldId id="321" r:id="rId23"/>
+    <p:sldId id="393" r:id="rId24"/>
+    <p:sldId id="279" r:id="rId25"/>
     <p:sldId id="391" r:id="rId26"/>
   </p:sldIdLst>
   <p:sldSz cx="12192000" cy="6858000"/>
@@ -156,7 +156,7 @@
 <file path=ppt/revisionInfo.xml><?xml version="1.0" encoding="utf-8"?>
 <p1510:revInfo xmlns:a="http://schemas.openxmlformats.org/drawingml/2006/main" xmlns:r="http://schemas.openxmlformats.org/officeDocument/2006/relationships" xmlns:p1510="http://schemas.microsoft.com/office/powerpoint/2015/10/main">
   <p1510:revLst>
-    <p1510:client id="{713AE7ED-0655-4057-A6C2-FB3F86893D8F}" v="496" dt="2023-06-10T19:27:26.673"/>
+    <p1510:client id="{713AE7ED-0655-4057-A6C2-FB3F86893D8F}" v="503" dt="2023-06-10T22:47:34.024"/>
   </p1510:revLst>
 </p1510:revInfo>
 </file>
@@ -166,7 +166,7 @@
   <pc:docChgLst>
     <pc:chgData name="Calogera McCormick" userId="e0a4c6cb4146cbe1" providerId="LiveId" clId="{713AE7ED-0655-4057-A6C2-FB3F86893D8F}"/>
     <pc:docChg chg="undo custSel addSld delSld modSld sldOrd">
-      <pc:chgData name="Calogera McCormick" userId="e0a4c6cb4146cbe1" providerId="LiveId" clId="{713AE7ED-0655-4057-A6C2-FB3F86893D8F}" dt="2023-06-10T21:29:39.501" v="1729" actId="20577"/>
+      <pc:chgData name="Calogera McCormick" userId="e0a4c6cb4146cbe1" providerId="LiveId" clId="{713AE7ED-0655-4057-A6C2-FB3F86893D8F}" dt="2023-06-10T23:01:36.366" v="2762" actId="6549"/>
       <pc:docMkLst>
         <pc:docMk/>
       </pc:docMkLst>
@@ -440,14 +440,14 @@
           </ac:picMkLst>
         </pc:picChg>
       </pc:sldChg>
-      <pc:sldChg chg="addSp modSp mod">
-        <pc:chgData name="Calogera McCormick" userId="e0a4c6cb4146cbe1" providerId="LiveId" clId="{713AE7ED-0655-4057-A6C2-FB3F86893D8F}" dt="2023-06-08T15:49:26.162" v="1633" actId="20577"/>
+      <pc:sldChg chg="addSp delSp modSp mod">
+        <pc:chgData name="Calogera McCormick" userId="e0a4c6cb4146cbe1" providerId="LiveId" clId="{713AE7ED-0655-4057-A6C2-FB3F86893D8F}" dt="2023-06-10T22:56:49.499" v="2322" actId="478"/>
         <pc:sldMkLst>
           <pc:docMk/>
           <pc:sldMk cId="2624630061" sldId="272"/>
         </pc:sldMkLst>
-        <pc:spChg chg="add mod">
-          <ac:chgData name="Calogera McCormick" userId="e0a4c6cb4146cbe1" providerId="LiveId" clId="{713AE7ED-0655-4057-A6C2-FB3F86893D8F}" dt="2023-06-08T00:52:18.226" v="1448" actId="207"/>
+        <pc:spChg chg="add del mod">
+          <ac:chgData name="Calogera McCormick" userId="e0a4c6cb4146cbe1" providerId="LiveId" clId="{713AE7ED-0655-4057-A6C2-FB3F86893D8F}" dt="2023-06-10T22:56:49.499" v="2322" actId="478"/>
           <ac:spMkLst>
             <pc:docMk/>
             <pc:sldMk cId="2624630061" sldId="272"/>
@@ -477,6 +477,29 @@
           <pc:sldMk cId="2496947791" sldId="278"/>
         </pc:sldMkLst>
       </pc:sldChg>
+      <pc:sldChg chg="modSp mod ord">
+        <pc:chgData name="Calogera McCormick" userId="e0a4c6cb4146cbe1" providerId="LiveId" clId="{713AE7ED-0655-4057-A6C2-FB3F86893D8F}" dt="2023-06-10T22:56:34.461" v="2320"/>
+        <pc:sldMkLst>
+          <pc:docMk/>
+          <pc:sldMk cId="395518310" sldId="279"/>
+        </pc:sldMkLst>
+        <pc:spChg chg="mod">
+          <ac:chgData name="Calogera McCormick" userId="e0a4c6cb4146cbe1" providerId="LiveId" clId="{713AE7ED-0655-4057-A6C2-FB3F86893D8F}" dt="2023-06-10T22:56:21.508" v="2318" actId="20577"/>
+          <ac:spMkLst>
+            <pc:docMk/>
+            <pc:sldMk cId="395518310" sldId="279"/>
+            <ac:spMk id="14" creationId="{C15EE852-24F1-4643-8082-AB45CFF2BA10}"/>
+          </ac:spMkLst>
+        </pc:spChg>
+        <pc:spChg chg="mod">
+          <ac:chgData name="Calogera McCormick" userId="e0a4c6cb4146cbe1" providerId="LiveId" clId="{713AE7ED-0655-4057-A6C2-FB3F86893D8F}" dt="2023-06-10T22:53:50.945" v="2075" actId="20577"/>
+          <ac:spMkLst>
+            <pc:docMk/>
+            <pc:sldMk cId="395518310" sldId="279"/>
+            <ac:spMk id="15" creationId="{4139825C-53C7-44F4-A064-9795CECD081B}"/>
+          </ac:spMkLst>
+        </pc:spChg>
+      </pc:sldChg>
       <pc:sldChg chg="modSp mod">
         <pc:chgData name="Calogera McCormick" userId="e0a4c6cb4146cbe1" providerId="LiveId" clId="{713AE7ED-0655-4057-A6C2-FB3F86893D8F}" dt="2023-06-08T00:10:04.563" v="747" actId="6549"/>
         <pc:sldMkLst>
@@ -493,13 +516,13 @@
         </pc:spChg>
       </pc:sldChg>
       <pc:sldChg chg="modSp mod">
-        <pc:chgData name="Calogera McCormick" userId="e0a4c6cb4146cbe1" providerId="LiveId" clId="{713AE7ED-0655-4057-A6C2-FB3F86893D8F}" dt="2023-06-08T00:09:00.744" v="703" actId="20577"/>
+        <pc:chgData name="Calogera McCormick" userId="e0a4c6cb4146cbe1" providerId="LiveId" clId="{713AE7ED-0655-4057-A6C2-FB3F86893D8F}" dt="2023-06-10T22:58:50.057" v="2440" actId="20577"/>
         <pc:sldMkLst>
           <pc:docMk/>
           <pc:sldMk cId="2158886557" sldId="384"/>
         </pc:sldMkLst>
         <pc:spChg chg="mod">
-          <ac:chgData name="Calogera McCormick" userId="e0a4c6cb4146cbe1" providerId="LiveId" clId="{713AE7ED-0655-4057-A6C2-FB3F86893D8F}" dt="2023-06-08T00:09:00.744" v="703" actId="20577"/>
+          <ac:chgData name="Calogera McCormick" userId="e0a4c6cb4146cbe1" providerId="LiveId" clId="{713AE7ED-0655-4057-A6C2-FB3F86893D8F}" dt="2023-06-10T22:58:50.057" v="2440" actId="20577"/>
           <ac:spMkLst>
             <pc:docMk/>
             <pc:sldMk cId="2158886557" sldId="384"/>
@@ -562,7 +585,7 @@
         </pc:spChg>
       </pc:sldChg>
       <pc:sldChg chg="addSp delSp modSp new mod ord modClrScheme chgLayout">
-        <pc:chgData name="Calogera McCormick" userId="e0a4c6cb4146cbe1" providerId="LiveId" clId="{713AE7ED-0655-4057-A6C2-FB3F86893D8F}" dt="2023-06-08T15:46:08.834" v="1624"/>
+        <pc:chgData name="Calogera McCormick" userId="e0a4c6cb4146cbe1" providerId="LiveId" clId="{713AE7ED-0655-4057-A6C2-FB3F86893D8F}" dt="2023-06-10T22:50:17.866" v="2030" actId="207"/>
         <pc:sldMkLst>
           <pc:docMk/>
           <pc:sldMk cId="2031009587" sldId="392"/>
@@ -872,7 +895,7 @@
           </ac:spMkLst>
         </pc:spChg>
         <pc:spChg chg="add mod ord">
-          <ac:chgData name="Calogera McCormick" userId="e0a4c6cb4146cbe1" providerId="LiveId" clId="{713AE7ED-0655-4057-A6C2-FB3F86893D8F}" dt="2023-06-02T12:01:13.646" v="305" actId="20577"/>
+          <ac:chgData name="Calogera McCormick" userId="e0a4c6cb4146cbe1" providerId="LiveId" clId="{713AE7ED-0655-4057-A6C2-FB3F86893D8F}" dt="2023-06-10T22:49:45.586" v="2027" actId="20577"/>
           <ac:spMkLst>
             <pc:docMk/>
             <pc:sldMk cId="2031009587" sldId="392"/>
@@ -887,12 +910,36 @@
             <ac:spMk id="45" creationId="{220849D2-C953-A93D-04A1-042C69800DAC}"/>
           </ac:spMkLst>
         </pc:spChg>
+        <pc:graphicFrameChg chg="add mod modGraphic">
+          <ac:chgData name="Calogera McCormick" userId="e0a4c6cb4146cbe1" providerId="LiveId" clId="{713AE7ED-0655-4057-A6C2-FB3F86893D8F}" dt="2023-06-10T22:50:17.866" v="2030" actId="207"/>
+          <ac:graphicFrameMkLst>
+            <pc:docMk/>
+            <pc:sldMk cId="2031009587" sldId="392"/>
+            <ac:graphicFrameMk id="3" creationId="{F4BACA68-1D0D-8EAD-FF77-469EB8D23C2C}"/>
+          </ac:graphicFrameMkLst>
+        </pc:graphicFrameChg>
         <pc:picChg chg="add mod">
-          <ac:chgData name="Calogera McCormick" userId="e0a4c6cb4146cbe1" providerId="LiveId" clId="{713AE7ED-0655-4057-A6C2-FB3F86893D8F}" dt="2023-06-06T01:21:25.020" v="327" actId="1076"/>
+          <ac:chgData name="Calogera McCormick" userId="e0a4c6cb4146cbe1" providerId="LiveId" clId="{713AE7ED-0655-4057-A6C2-FB3F86893D8F}" dt="2023-06-10T22:28:58.976" v="1860" actId="1076"/>
+          <ac:picMkLst>
+            <pc:docMk/>
+            <pc:sldMk cId="2031009587" sldId="392"/>
+            <ac:picMk id="4" creationId="{F50FF372-563F-E289-8FA0-C4373B9A0BDF}"/>
+          </ac:picMkLst>
+        </pc:picChg>
+        <pc:picChg chg="add del mod">
+          <ac:chgData name="Calogera McCormick" userId="e0a4c6cb4146cbe1" providerId="LiveId" clId="{713AE7ED-0655-4057-A6C2-FB3F86893D8F}" dt="2023-06-10T22:28:02.949" v="1800" actId="21"/>
           <ac:picMkLst>
             <pc:docMk/>
             <pc:sldMk cId="2031009587" sldId="392"/>
             <ac:picMk id="5" creationId="{6F596CDC-581C-99FC-72AA-F339E0AB5826}"/>
+          </ac:picMkLst>
+        </pc:picChg>
+        <pc:picChg chg="add mod">
+          <ac:chgData name="Calogera McCormick" userId="e0a4c6cb4146cbe1" providerId="LiveId" clId="{713AE7ED-0655-4057-A6C2-FB3F86893D8F}" dt="2023-06-10T22:47:46.882" v="1986" actId="1076"/>
+          <ac:picMkLst>
+            <pc:docMk/>
+            <pc:sldMk cId="2031009587" sldId="392"/>
+            <ac:picMk id="10" creationId="{458347B8-1369-8393-02CD-ECCE0D0BEABA}"/>
           </ac:picMkLst>
         </pc:picChg>
         <pc:picChg chg="add del mod">
@@ -936,7 +983,7 @@
           </ac:picMkLst>
         </pc:picChg>
         <pc:picChg chg="add mod">
-          <ac:chgData name="Calogera McCormick" userId="e0a4c6cb4146cbe1" providerId="LiveId" clId="{713AE7ED-0655-4057-A6C2-FB3F86893D8F}" dt="2023-06-06T01:21:31.436" v="328" actId="14100"/>
+          <ac:chgData name="Calogera McCormick" userId="e0a4c6cb4146cbe1" providerId="LiveId" clId="{713AE7ED-0655-4057-A6C2-FB3F86893D8F}" dt="2023-06-10T22:30:05.523" v="1873" actId="1076"/>
           <ac:picMkLst>
             <pc:docMk/>
             <pc:sldMk cId="2031009587" sldId="392"/>
@@ -960,7 +1007,7 @@
           </ac:picMkLst>
         </pc:picChg>
         <pc:picChg chg="add mod">
-          <ac:chgData name="Calogera McCormick" userId="e0a4c6cb4146cbe1" providerId="LiveId" clId="{713AE7ED-0655-4057-A6C2-FB3F86893D8F}" dt="2023-06-06T01:21:21.470" v="326" actId="1076"/>
+          <ac:chgData name="Calogera McCormick" userId="e0a4c6cb4146cbe1" providerId="LiveId" clId="{713AE7ED-0655-4057-A6C2-FB3F86893D8F}" dt="2023-06-10T22:29:01.680" v="1861" actId="1076"/>
           <ac:picMkLst>
             <pc:docMk/>
             <pc:sldMk cId="2031009587" sldId="392"/>
@@ -983,8 +1030,8 @@
             <ac:picMk id="57" creationId="{76628F55-A782-DC2F-7688-1367817A2E1F}"/>
           </ac:picMkLst>
         </pc:picChg>
-        <pc:picChg chg="add mod">
-          <ac:chgData name="Calogera McCormick" userId="e0a4c6cb4146cbe1" providerId="LiveId" clId="{713AE7ED-0655-4057-A6C2-FB3F86893D8F}" dt="2023-06-08T00:06:17.291" v="349" actId="1076"/>
+        <pc:picChg chg="add del mod">
+          <ac:chgData name="Calogera McCormick" userId="e0a4c6cb4146cbe1" providerId="LiveId" clId="{713AE7ED-0655-4057-A6C2-FB3F86893D8F}" dt="2023-06-10T22:39:13.067" v="1964" actId="478"/>
           <ac:picMkLst>
             <pc:docMk/>
             <pc:sldMk cId="2031009587" sldId="392"/>
@@ -1025,7 +1072,7 @@
         </pc:picChg>
       </pc:sldChg>
       <pc:sldChg chg="modSp add mod">
-        <pc:chgData name="Calogera McCormick" userId="e0a4c6cb4146cbe1" providerId="LiveId" clId="{713AE7ED-0655-4057-A6C2-FB3F86893D8F}" dt="2023-06-08T00:54:31.451" v="1536" actId="20577"/>
+        <pc:chgData name="Calogera McCormick" userId="e0a4c6cb4146cbe1" providerId="LiveId" clId="{713AE7ED-0655-4057-A6C2-FB3F86893D8F}" dt="2023-06-10T23:01:36.366" v="2762" actId="6549"/>
         <pc:sldMkLst>
           <pc:docMk/>
           <pc:sldMk cId="2494024088" sldId="393"/>
@@ -1039,7 +1086,7 @@
           </ac:spMkLst>
         </pc:spChg>
         <pc:spChg chg="mod">
-          <ac:chgData name="Calogera McCormick" userId="e0a4c6cb4146cbe1" providerId="LiveId" clId="{713AE7ED-0655-4057-A6C2-FB3F86893D8F}" dt="2023-06-08T00:54:31.451" v="1536" actId="20577"/>
+          <ac:chgData name="Calogera McCormick" userId="e0a4c6cb4146cbe1" providerId="LiveId" clId="{713AE7ED-0655-4057-A6C2-FB3F86893D8F}" dt="2023-06-10T23:01:36.366" v="2762" actId="6549"/>
           <ac:spMkLst>
             <pc:docMk/>
             <pc:sldMk cId="2494024088" sldId="393"/>
@@ -9742,7 +9789,7 @@
           <a:p>
             <a:fld id="{1983A999-5E0E-42CA-8400-604AE921FF7C}" type="slidenum">
               <a:rPr lang="en-US" smtClean="0"/>
-              <a:t>18</a:t>
+              <a:t>17</a:t>
             </a:fld>
             <a:endParaRPr lang="en-US"/>
           </a:p>
@@ -9826,7 +9873,7 @@
           <a:p>
             <a:fld id="{1983A999-5E0E-42CA-8400-604AE921FF7C}" type="slidenum">
               <a:rPr lang="en-US" smtClean="0"/>
-              <a:t>20</a:t>
+              <a:t>19</a:t>
             </a:fld>
             <a:endParaRPr lang="en-US"/>
           </a:p>
@@ -9910,7 +9957,7 @@
           <a:p>
             <a:fld id="{1983A999-5E0E-42CA-8400-604AE921FF7C}" type="slidenum">
               <a:rPr lang="en-US" smtClean="0"/>
-              <a:t>21</a:t>
+              <a:t>20</a:t>
             </a:fld>
             <a:endParaRPr lang="en-US"/>
           </a:p>
@@ -10246,7 +10293,7 @@
           <a:p>
             <a:fld id="{32DC0559-D619-4E56-BF6F-3712370C2150}" type="slidenum">
               <a:rPr lang="en-US" smtClean="0"/>
-              <a:t>8</a:t>
+              <a:t>7</a:t>
             </a:fld>
             <a:endParaRPr lang="en-US"/>
           </a:p>
@@ -10330,7 +10377,7 @@
           <a:p>
             <a:fld id="{1983A999-5E0E-42CA-8400-604AE921FF7C}" type="slidenum">
               <a:rPr lang="en-US" smtClean="0"/>
-              <a:t>9</a:t>
+              <a:t>8</a:t>
             </a:fld>
             <a:endParaRPr lang="en-US"/>
           </a:p>
@@ -10414,7 +10461,7 @@
           <a:p>
             <a:fld id="{1983A999-5E0E-42CA-8400-604AE921FF7C}" type="slidenum">
               <a:rPr lang="en-US" smtClean="0"/>
-              <a:t>13</a:t>
+              <a:t>12</a:t>
             </a:fld>
             <a:endParaRPr lang="en-US"/>
           </a:p>
@@ -10498,7 +10545,7 @@
           <a:p>
             <a:fld id="{1983A999-5E0E-42CA-8400-604AE921FF7C}" type="slidenum">
               <a:rPr lang="en-US" smtClean="0"/>
-              <a:t>14</a:t>
+              <a:t>13</a:t>
             </a:fld>
             <a:endParaRPr lang="en-US"/>
           </a:p>
@@ -10582,7 +10629,7 @@
           <a:p>
             <a:fld id="{1983A999-5E0E-42CA-8400-604AE921FF7C}" type="slidenum">
               <a:rPr lang="en-US" smtClean="0"/>
-              <a:t>16</a:t>
+              <a:t>15</a:t>
             </a:fld>
             <a:endParaRPr lang="en-US"/>
           </a:p>
@@ -22873,11 +22920,6 @@
           </p:cNvGraphicFramePr>
           <p:nvPr>
             <p:ph idx="1"/>
-            <p:extLst>
-              <p:ext uri="{D42A27DB-BD31-4B8C-83A1-F6EECF244321}">
-                <p14:modId xmlns:p14="http://schemas.microsoft.com/office/powerpoint/2010/main" val="1000106168"/>
-              </p:ext>
-            </p:extLst>
           </p:nvPr>
         </p:nvGraphicFramePr>
         <p:xfrm>
@@ -22995,197 +23037,6 @@
             <a:fld id="{DBA1B0FB-D917-4C8C-928F-313BD683BF39}" type="slidenum">
               <a:rPr lang="en-US" smtClean="0"/>
               <a:t>10</a:t>
-            </a:fld>
-            <a:endParaRPr lang="en-US"/>
-          </a:p>
-        </p:txBody>
-      </p:sp>
-    </p:spTree>
-    <p:extLst>
-      <p:ext uri="{BB962C8B-B14F-4D97-AF65-F5344CB8AC3E}">
-        <p14:creationId xmlns:p14="http://schemas.microsoft.com/office/powerpoint/2010/main" val="3447434048"/>
-      </p:ext>
-    </p:extLst>
-  </p:cSld>
-  <p:clrMapOvr>
-    <a:masterClrMapping/>
-  </p:clrMapOvr>
-</p:sld>
-</file>
-
-<file path=ppt/slides/slide11.xml><?xml version="1.0" encoding="utf-8"?>
-<p:sld xmlns:a="http://schemas.openxmlformats.org/drawingml/2006/main" xmlns:r="http://schemas.openxmlformats.org/officeDocument/2006/relationships" xmlns:p="http://schemas.openxmlformats.org/presentationml/2006/main">
-  <p:cSld>
-    <p:spTree>
-      <p:nvGrpSpPr>
-        <p:cNvPr id="1" name=""/>
-        <p:cNvGrpSpPr/>
-        <p:nvPr/>
-      </p:nvGrpSpPr>
-      <p:grpSpPr>
-        <a:xfrm>
-          <a:off x="0" y="0"/>
-          <a:ext cx="0" cy="0"/>
-          <a:chOff x="0" y="0"/>
-          <a:chExt cx="0" cy="0"/>
-        </a:xfrm>
-      </p:grpSpPr>
-      <p:sp>
-        <p:nvSpPr>
-          <p:cNvPr id="8" name="Title 7">
-            <a:extLst>
-              <a:ext uri="{FF2B5EF4-FFF2-40B4-BE49-F238E27FC236}">
-                <a16:creationId xmlns:a16="http://schemas.microsoft.com/office/drawing/2014/main" id="{168E8C7D-5B44-4DE4-699B-550A2EEB5F3B}"/>
-              </a:ext>
-            </a:extLst>
-          </p:cNvPr>
-          <p:cNvSpPr>
-            <a:spLocks noGrp="1"/>
-          </p:cNvSpPr>
-          <p:nvPr>
-            <p:ph type="title"/>
-          </p:nvPr>
-        </p:nvSpPr>
-        <p:spPr/>
-        <p:txBody>
-          <a:bodyPr/>
-          <a:lstStyle/>
-          <a:p>
-            <a:endParaRPr lang="en-US"/>
-          </a:p>
-        </p:txBody>
-      </p:sp>
-      <p:graphicFrame>
-        <p:nvGraphicFramePr>
-          <p:cNvPr id="13" name="Content Placeholder 12">
-            <a:extLst>
-              <a:ext uri="{FF2B5EF4-FFF2-40B4-BE49-F238E27FC236}">
-                <a16:creationId xmlns:a16="http://schemas.microsoft.com/office/drawing/2014/main" id="{7A9D9A9A-C8BE-0EA8-E990-D78A1356E95C}"/>
-              </a:ext>
-            </a:extLst>
-          </p:cNvPr>
-          <p:cNvGraphicFramePr>
-            <a:graphicFrameLocks noGrp="1"/>
-          </p:cNvGraphicFramePr>
-          <p:nvPr>
-            <p:ph idx="1"/>
-          </p:nvPr>
-        </p:nvGraphicFramePr>
-        <p:xfrm>
-          <a:off x="4295775" y="1749425"/>
-          <a:ext cx="7345363" cy="4343400"/>
-        </p:xfrm>
-        <a:graphic>
-          <a:graphicData uri="http://schemas.openxmlformats.org/drawingml/2006/chart">
-            <c:chart xmlns:c="http://schemas.openxmlformats.org/drawingml/2006/chart" xmlns:r="http://schemas.openxmlformats.org/officeDocument/2006/relationships" r:id="rId2"/>
-          </a:graphicData>
-        </a:graphic>
-      </p:graphicFrame>
-      <p:sp>
-        <p:nvSpPr>
-          <p:cNvPr id="10" name="Text Placeholder 9">
-            <a:extLst>
-              <a:ext uri="{FF2B5EF4-FFF2-40B4-BE49-F238E27FC236}">
-                <a16:creationId xmlns:a16="http://schemas.microsoft.com/office/drawing/2014/main" id="{5B389D72-C7F4-C79A-31A7-91F5C89F4D16}"/>
-              </a:ext>
-            </a:extLst>
-          </p:cNvPr>
-          <p:cNvSpPr>
-            <a:spLocks noGrp="1"/>
-          </p:cNvSpPr>
-          <p:nvPr>
-            <p:ph type="body" sz="half" idx="2"/>
-          </p:nvPr>
-        </p:nvSpPr>
-        <p:spPr/>
-        <p:txBody>
-          <a:bodyPr/>
-          <a:lstStyle/>
-          <a:p>
-            <a:endParaRPr lang="en-US"/>
-          </a:p>
-        </p:txBody>
-      </p:sp>
-      <p:sp>
-        <p:nvSpPr>
-          <p:cNvPr id="5" name="Date Placeholder 4">
-            <a:extLst>
-              <a:ext uri="{FF2B5EF4-FFF2-40B4-BE49-F238E27FC236}">
-                <a16:creationId xmlns:a16="http://schemas.microsoft.com/office/drawing/2014/main" id="{3F6B9F8A-751F-7D09-582F-7B0F544B4766}"/>
-              </a:ext>
-            </a:extLst>
-          </p:cNvPr>
-          <p:cNvSpPr>
-            <a:spLocks noGrp="1"/>
-          </p:cNvSpPr>
-          <p:nvPr>
-            <p:ph type="dt" sz="half" idx="10"/>
-          </p:nvPr>
-        </p:nvSpPr>
-        <p:spPr/>
-        <p:txBody>
-          <a:bodyPr/>
-          <a:lstStyle/>
-          <a:p>
-            <a:r>
-              <a:rPr lang="en-US"/>
-              <a:t>Tuesday, February 2, 20XX</a:t>
-            </a:r>
-          </a:p>
-        </p:txBody>
-      </p:sp>
-      <p:sp>
-        <p:nvSpPr>
-          <p:cNvPr id="6" name="Footer Placeholder 5">
-            <a:extLst>
-              <a:ext uri="{FF2B5EF4-FFF2-40B4-BE49-F238E27FC236}">
-                <a16:creationId xmlns:a16="http://schemas.microsoft.com/office/drawing/2014/main" id="{4CC085F2-07EA-A6EF-56DE-8B7FDD71CE98}"/>
-              </a:ext>
-            </a:extLst>
-          </p:cNvPr>
-          <p:cNvSpPr>
-            <a:spLocks noGrp="1"/>
-          </p:cNvSpPr>
-          <p:nvPr>
-            <p:ph type="ftr" sz="quarter" idx="11"/>
-          </p:nvPr>
-        </p:nvSpPr>
-        <p:spPr/>
-        <p:txBody>
-          <a:bodyPr/>
-          <a:lstStyle/>
-          <a:p>
-            <a:r>
-              <a:rPr lang="en-US"/>
-              <a:t>Sample Footer Text</a:t>
-            </a:r>
-          </a:p>
-        </p:txBody>
-      </p:sp>
-      <p:sp>
-        <p:nvSpPr>
-          <p:cNvPr id="7" name="Slide Number Placeholder 6">
-            <a:extLst>
-              <a:ext uri="{FF2B5EF4-FFF2-40B4-BE49-F238E27FC236}">
-                <a16:creationId xmlns:a16="http://schemas.microsoft.com/office/drawing/2014/main" id="{75700248-A8AA-8638-18BD-53A22A37E992}"/>
-              </a:ext>
-            </a:extLst>
-          </p:cNvPr>
-          <p:cNvSpPr>
-            <a:spLocks noGrp="1"/>
-          </p:cNvSpPr>
-          <p:nvPr>
-            <p:ph type="sldNum" sz="quarter" idx="12"/>
-          </p:nvPr>
-        </p:nvSpPr>
-        <p:spPr/>
-        <p:txBody>
-          <a:bodyPr/>
-          <a:lstStyle/>
-          <a:p>
-            <a:fld id="{DBA1B0FB-D917-4C8C-928F-313BD683BF39}" type="slidenum">
-              <a:rPr lang="en-US" smtClean="0"/>
-              <a:t>11</a:t>
             </a:fld>
             <a:endParaRPr lang="en-US"/>
           </a:p>
@@ -23342,7 +23193,7 @@
 </p:sld>
 </file>
 
-<file path=ppt/slides/slide12.xml><?xml version="1.0" encoding="utf-8"?>
+<file path=ppt/slides/slide11.xml><?xml version="1.0" encoding="utf-8"?>
 <p:sld xmlns:a="http://schemas.openxmlformats.org/drawingml/2006/main" xmlns:r="http://schemas.openxmlformats.org/officeDocument/2006/relationships" xmlns:p="http://schemas.openxmlformats.org/presentationml/2006/main">
   <p:cSld>
     <p:spTree>
@@ -23690,7 +23541,7 @@
           <a:p>
             <a:fld id="{DBA1B0FB-D917-4C8C-928F-313BD683BF39}" type="slidenum">
               <a:rPr lang="en-US" smtClean="0"/>
-              <a:t>12</a:t>
+              <a:t>11</a:t>
             </a:fld>
             <a:endParaRPr lang="en-US"/>
           </a:p>
@@ -23709,7 +23560,7 @@
 </p:sld>
 </file>
 
-<file path=ppt/slides/slide13.xml><?xml version="1.0" encoding="utf-8"?>
+<file path=ppt/slides/slide12.xml><?xml version="1.0" encoding="utf-8"?>
 <p:sld xmlns:a="http://schemas.openxmlformats.org/drawingml/2006/main" xmlns:r="http://schemas.openxmlformats.org/officeDocument/2006/relationships" xmlns:p="http://schemas.openxmlformats.org/presentationml/2006/main">
   <p:cSld>
     <p:spTree>
@@ -24339,7 +24190,7 @@
             <a:fld id="{DBA1B0FB-D917-4C8C-928F-313BD683BF39}" type="slidenum">
               <a:rPr lang="en-US" smtClean="0"/>
               <a:pPr/>
-              <a:t>13</a:t>
+              <a:t>12</a:t>
             </a:fld>
             <a:endParaRPr lang="en-US"/>
           </a:p>
@@ -24519,6 +24370,240 @@
 </p:sld>
 </file>
 
+<file path=ppt/slides/slide13.xml><?xml version="1.0" encoding="utf-8"?>
+<p:sld xmlns:a="http://schemas.openxmlformats.org/drawingml/2006/main" xmlns:r="http://schemas.openxmlformats.org/officeDocument/2006/relationships" xmlns:p="http://schemas.openxmlformats.org/presentationml/2006/main">
+  <p:cSld>
+    <p:spTree>
+      <p:nvGrpSpPr>
+        <p:cNvPr id="1" name=""/>
+        <p:cNvGrpSpPr/>
+        <p:nvPr/>
+      </p:nvGrpSpPr>
+      <p:grpSpPr>
+        <a:xfrm>
+          <a:off x="0" y="0"/>
+          <a:ext cx="0" cy="0"/>
+          <a:chOff x="0" y="0"/>
+          <a:chExt cx="0" cy="0"/>
+        </a:xfrm>
+      </p:grpSpPr>
+      <p:sp>
+        <p:nvSpPr>
+          <p:cNvPr id="11" name="Title 10">
+            <a:extLst>
+              <a:ext uri="{FF2B5EF4-FFF2-40B4-BE49-F238E27FC236}">
+                <a16:creationId xmlns:a16="http://schemas.microsoft.com/office/drawing/2014/main" id="{581E8936-2270-47FE-94A4-398CB123EF90}"/>
+              </a:ext>
+            </a:extLst>
+          </p:cNvPr>
+          <p:cNvSpPr>
+            <a:spLocks noGrp="1"/>
+          </p:cNvSpPr>
+          <p:nvPr>
+            <p:ph type="title"/>
+          </p:nvPr>
+        </p:nvSpPr>
+        <p:spPr>
+          <a:xfrm>
+            <a:off x="550863" y="4508500"/>
+            <a:ext cx="4500562" cy="1562959"/>
+          </a:xfrm>
+        </p:spPr>
+        <p:txBody>
+          <a:bodyPr/>
+          <a:lstStyle/>
+          <a:p>
+            <a:r>
+              <a:rPr lang="en-US" dirty="0"/>
+              <a:t>Data Analysis</a:t>
+            </a:r>
+          </a:p>
+        </p:txBody>
+      </p:sp>
+      <p:pic>
+        <p:nvPicPr>
+          <p:cNvPr id="16" name="Picture Placeholder 15" descr="Data Points Digital background">
+            <a:extLst>
+              <a:ext uri="{FF2B5EF4-FFF2-40B4-BE49-F238E27FC236}">
+                <a16:creationId xmlns:a16="http://schemas.microsoft.com/office/drawing/2014/main" id="{361E9ADB-7377-4CF1-9AE4-AEFBDEBEEEEC}"/>
+              </a:ext>
+            </a:extLst>
+          </p:cNvPr>
+          <p:cNvPicPr>
+            <a:picLocks noGrp="1" noChangeAspect="1"/>
+          </p:cNvPicPr>
+          <p:nvPr>
+            <p:ph type="pic" sz="quarter" idx="13"/>
+          </p:nvPr>
+        </p:nvPicPr>
+        <p:blipFill rotWithShape="1">
+          <a:blip r:embed="rId3" cstate="screen">
+            <a:extLst>
+              <a:ext uri="{28A0092B-C50C-407E-A947-70E740481C1C}">
+                <a14:useLocalDpi xmlns:a14="http://schemas.microsoft.com/office/drawing/2010/main" val="0"/>
+              </a:ext>
+            </a:extLst>
+          </a:blip>
+          <a:srcRect/>
+          <a:stretch/>
+        </p:blipFill>
+        <p:spPr>
+          <a:xfrm>
+            <a:off x="0" y="0"/>
+            <a:ext cx="12192000" cy="3776472"/>
+          </a:xfrm>
+        </p:spPr>
+      </p:pic>
+      <p:sp>
+        <p:nvSpPr>
+          <p:cNvPr id="13" name="Content Placeholder 12">
+            <a:extLst>
+              <a:ext uri="{FF2B5EF4-FFF2-40B4-BE49-F238E27FC236}">
+                <a16:creationId xmlns:a16="http://schemas.microsoft.com/office/drawing/2014/main" id="{C0287FEC-3826-4868-8D93-52429C6156F5}"/>
+              </a:ext>
+            </a:extLst>
+          </p:cNvPr>
+          <p:cNvSpPr>
+            <a:spLocks noGrp="1"/>
+          </p:cNvSpPr>
+          <p:nvPr>
+            <p:ph sz="quarter" idx="15"/>
+          </p:nvPr>
+        </p:nvSpPr>
+        <p:spPr>
+          <a:xfrm>
+            <a:off x="5262411" y="4508500"/>
+            <a:ext cx="6221412" cy="1563688"/>
+          </a:xfrm>
+        </p:spPr>
+        <p:txBody>
+          <a:bodyPr>
+            <a:normAutofit lnSpcReduction="10000"/>
+          </a:bodyPr>
+          <a:lstStyle/>
+          <a:p>
+            <a:r>
+              <a:rPr lang="en-US" dirty="0"/>
+              <a:t>With PowerPoint, you can create presentations and share your work with others, wherever they are. Type the text you want here to get started. You can also add images, art, and videos on this template. Save to OneDrive and access your presentations from your computer, tablet, or phone. </a:t>
+            </a:r>
+          </a:p>
+        </p:txBody>
+      </p:sp>
+      <p:sp>
+        <p:nvSpPr>
+          <p:cNvPr id="4" name="Date Placeholder 3">
+            <a:extLst>
+              <a:ext uri="{FF2B5EF4-FFF2-40B4-BE49-F238E27FC236}">
+                <a16:creationId xmlns:a16="http://schemas.microsoft.com/office/drawing/2014/main" id="{0C329F70-04F7-4C70-BCF8-D4371F54EF2F}"/>
+              </a:ext>
+            </a:extLst>
+          </p:cNvPr>
+          <p:cNvSpPr>
+            <a:spLocks noGrp="1"/>
+          </p:cNvSpPr>
+          <p:nvPr>
+            <p:ph type="dt" sz="half" idx="10"/>
+          </p:nvPr>
+        </p:nvSpPr>
+        <p:spPr>
+          <a:xfrm>
+            <a:off x="550863" y="6507212"/>
+            <a:ext cx="2628900" cy="153888"/>
+          </a:xfrm>
+        </p:spPr>
+        <p:txBody>
+          <a:bodyPr/>
+          <a:lstStyle/>
+          <a:p>
+            <a:r>
+              <a:rPr lang="en-US"/>
+              <a:t>Tuesday, February 2, 20XX</a:t>
+            </a:r>
+            <a:endParaRPr lang="en-US" dirty="0"/>
+          </a:p>
+        </p:txBody>
+      </p:sp>
+      <p:sp>
+        <p:nvSpPr>
+          <p:cNvPr id="5" name="Footer Placeholder 4">
+            <a:extLst>
+              <a:ext uri="{FF2B5EF4-FFF2-40B4-BE49-F238E27FC236}">
+                <a16:creationId xmlns:a16="http://schemas.microsoft.com/office/drawing/2014/main" id="{06A3302E-502D-4151-81C9-5FD6AF9596D6}"/>
+              </a:ext>
+            </a:extLst>
+          </p:cNvPr>
+          <p:cNvSpPr>
+            <a:spLocks noGrp="1"/>
+          </p:cNvSpPr>
+          <p:nvPr>
+            <p:ph type="ftr" sz="quarter" idx="11"/>
+          </p:nvPr>
+        </p:nvSpPr>
+        <p:spPr>
+          <a:xfrm>
+            <a:off x="3359150" y="6507212"/>
+            <a:ext cx="6379210" cy="153888"/>
+          </a:xfrm>
+        </p:spPr>
+        <p:txBody>
+          <a:bodyPr/>
+          <a:lstStyle/>
+          <a:p>
+            <a:r>
+              <a:rPr lang="en-US"/>
+              <a:t>Sample Footer Text</a:t>
+            </a:r>
+          </a:p>
+        </p:txBody>
+      </p:sp>
+      <p:sp>
+        <p:nvSpPr>
+          <p:cNvPr id="6" name="Slide Number Placeholder 5">
+            <a:extLst>
+              <a:ext uri="{FF2B5EF4-FFF2-40B4-BE49-F238E27FC236}">
+                <a16:creationId xmlns:a16="http://schemas.microsoft.com/office/drawing/2014/main" id="{9ED907F8-C614-4D59-A03F-BF9CD5E35703}"/>
+              </a:ext>
+            </a:extLst>
+          </p:cNvPr>
+          <p:cNvSpPr>
+            <a:spLocks noGrp="1"/>
+          </p:cNvSpPr>
+          <p:nvPr>
+            <p:ph type="sldNum" sz="quarter" idx="12"/>
+          </p:nvPr>
+        </p:nvSpPr>
+        <p:spPr>
+          <a:xfrm>
+            <a:off x="9948863" y="6507212"/>
+            <a:ext cx="1692274" cy="153888"/>
+          </a:xfrm>
+        </p:spPr>
+        <p:txBody>
+          <a:bodyPr/>
+          <a:lstStyle/>
+          <a:p>
+            <a:fld id="{DBA1B0FB-D917-4C8C-928F-313BD683BF39}" type="slidenum">
+              <a:rPr lang="en-US" smtClean="0"/>
+              <a:pPr/>
+              <a:t>13</a:t>
+            </a:fld>
+            <a:endParaRPr lang="en-US"/>
+          </a:p>
+        </p:txBody>
+      </p:sp>
+    </p:spTree>
+    <p:extLst>
+      <p:ext uri="{BB962C8B-B14F-4D97-AF65-F5344CB8AC3E}">
+        <p14:creationId xmlns:p14="http://schemas.microsoft.com/office/powerpoint/2010/main" val="1521947180"/>
+      </p:ext>
+    </p:extLst>
+  </p:cSld>
+  <p:clrMapOvr>
+    <a:masterClrMapping/>
+  </p:clrMapOvr>
+</p:sld>
+</file>
+
 <file path=ppt/slides/slide14.xml><?xml version="1.0" encoding="utf-8"?>
 <p:sld xmlns:a="http://schemas.openxmlformats.org/drawingml/2006/main" xmlns:r="http://schemas.openxmlformats.org/officeDocument/2006/relationships" xmlns:p="http://schemas.openxmlformats.org/presentationml/2006/main">
   <p:cSld>
@@ -24538,10 +24623,10 @@
       </p:grpSpPr>
       <p:sp>
         <p:nvSpPr>
-          <p:cNvPr id="11" name="Title 10">
+          <p:cNvPr id="7" name="Title 6">
             <a:extLst>
               <a:ext uri="{FF2B5EF4-FFF2-40B4-BE49-F238E27FC236}">
-                <a16:creationId xmlns:a16="http://schemas.microsoft.com/office/drawing/2014/main" id="{581E8936-2270-47FE-94A4-398CB123EF90}"/>
+                <a16:creationId xmlns:a16="http://schemas.microsoft.com/office/drawing/2014/main" id="{47788B34-4190-4916-9048-47720EA5ABF1}"/>
               </a:ext>
             </a:extLst>
           </p:cNvPr>
@@ -24554,8 +24639,8 @@
         </p:nvSpPr>
         <p:spPr>
           <a:xfrm>
-            <a:off x="550863" y="4508500"/>
-            <a:ext cx="4500562" cy="1562959"/>
+            <a:off x="550862" y="549275"/>
+            <a:ext cx="11097551" cy="1332000"/>
           </a:xfrm>
         </p:spPr>
         <p:txBody>
@@ -24564,51 +24649,17 @@
           <a:p>
             <a:r>
               <a:rPr lang="en-US" dirty="0"/>
-              <a:t>Data Analysis</a:t>
+              <a:t>Content 2 </a:t>
             </a:r>
           </a:p>
         </p:txBody>
       </p:sp>
-      <p:pic>
-        <p:nvPicPr>
-          <p:cNvPr id="16" name="Picture Placeholder 15" descr="Data Points Digital background">
-            <a:extLst>
-              <a:ext uri="{FF2B5EF4-FFF2-40B4-BE49-F238E27FC236}">
-                <a16:creationId xmlns:a16="http://schemas.microsoft.com/office/drawing/2014/main" id="{361E9ADB-7377-4CF1-9AE4-AEFBDEBEEEEC}"/>
-              </a:ext>
-            </a:extLst>
-          </p:cNvPr>
-          <p:cNvPicPr>
-            <a:picLocks noGrp="1" noChangeAspect="1"/>
-          </p:cNvPicPr>
-          <p:nvPr>
-            <p:ph type="pic" sz="quarter" idx="13"/>
-          </p:nvPr>
-        </p:nvPicPr>
-        <p:blipFill rotWithShape="1">
-          <a:blip r:embed="rId3" cstate="screen">
-            <a:extLst>
-              <a:ext uri="{28A0092B-C50C-407E-A947-70E740481C1C}">
-                <a14:useLocalDpi xmlns:a14="http://schemas.microsoft.com/office/drawing/2010/main" val="0"/>
-              </a:ext>
-            </a:extLst>
-          </a:blip>
-          <a:srcRect/>
-          <a:stretch/>
-        </p:blipFill>
-        <p:spPr>
-          <a:xfrm>
-            <a:off x="0" y="0"/>
-            <a:ext cx="12192000" cy="3776472"/>
-          </a:xfrm>
-        </p:spPr>
-      </p:pic>
       <p:sp>
         <p:nvSpPr>
-          <p:cNvPr id="13" name="Content Placeholder 12">
+          <p:cNvPr id="8" name="Text Placeholder 7">
             <a:extLst>
               <a:ext uri="{FF2B5EF4-FFF2-40B4-BE49-F238E27FC236}">
-                <a16:creationId xmlns:a16="http://schemas.microsoft.com/office/drawing/2014/main" id="{C0287FEC-3826-4868-8D93-52429C6156F5}"/>
+                <a16:creationId xmlns:a16="http://schemas.microsoft.com/office/drawing/2014/main" id="{ABA415A0-3B77-43FB-A408-5F1DA4B0AAFA}"/>
               </a:ext>
             </a:extLst>
           </p:cNvPr>
@@ -24616,13 +24667,148 @@
             <a:spLocks noGrp="1"/>
           </p:cNvSpPr>
           <p:nvPr>
-            <p:ph sz="quarter" idx="15"/>
+            <p:ph type="body" idx="1"/>
           </p:nvPr>
         </p:nvSpPr>
         <p:spPr>
           <a:xfrm>
-            <a:off x="5262411" y="4508500"/>
-            <a:ext cx="6221412" cy="1563688"/>
+            <a:off x="550864" y="1731375"/>
+            <a:ext cx="3563936" cy="535354"/>
+          </a:xfrm>
+        </p:spPr>
+        <p:txBody>
+          <a:bodyPr/>
+          <a:lstStyle/>
+          <a:p>
+            <a:r>
+              <a:rPr lang="en-US" dirty="0"/>
+              <a:t>Subtitle</a:t>
+            </a:r>
+          </a:p>
+        </p:txBody>
+      </p:sp>
+      <p:sp>
+        <p:nvSpPr>
+          <p:cNvPr id="9" name="Content Placeholder 8">
+            <a:extLst>
+              <a:ext uri="{FF2B5EF4-FFF2-40B4-BE49-F238E27FC236}">
+                <a16:creationId xmlns:a16="http://schemas.microsoft.com/office/drawing/2014/main" id="{8598ECEC-4413-4244-8F21-0076EC511806}"/>
+              </a:ext>
+            </a:extLst>
+          </p:cNvPr>
+          <p:cNvSpPr>
+            <a:spLocks noGrp="1"/>
+          </p:cNvSpPr>
+          <p:nvPr>
+            <p:ph sz="half" idx="2"/>
+          </p:nvPr>
+        </p:nvSpPr>
+        <p:spPr>
+          <a:xfrm>
+            <a:off x="559476" y="2432304"/>
+            <a:ext cx="3563936" cy="3515555"/>
+          </a:xfrm>
+        </p:spPr>
+        <p:txBody>
+          <a:bodyPr>
+            <a:normAutofit fontScale="92500" lnSpcReduction="20000"/>
+          </a:bodyPr>
+          <a:lstStyle/>
+          <a:p>
+            <a:pPr lvl="0"/>
+            <a:r>
+              <a:rPr lang="en-US" dirty="0"/>
+              <a:t>Add text, images, art, and videos. </a:t>
+            </a:r>
+          </a:p>
+          <a:p>
+            <a:pPr lvl="0"/>
+            <a:r>
+              <a:rPr lang="en-US" dirty="0"/>
+              <a:t>Add transitions, animations, and motion. </a:t>
+            </a:r>
+          </a:p>
+          <a:p>
+            <a:pPr lvl="0"/>
+            <a:r>
+              <a:rPr lang="en-US" dirty="0"/>
+              <a:t>Save to OneDrive, to get to your presentations from your computer, tablet, or phone. </a:t>
+            </a:r>
+          </a:p>
+          <a:p>
+            <a:r>
+              <a:rPr lang="en-US" dirty="0"/>
+              <a:t>Open the Design Ideas pane for instant slide makeovers. </a:t>
+            </a:r>
+          </a:p>
+          <a:p>
+            <a:r>
+              <a:rPr lang="en-US" dirty="0"/>
+              <a:t>When we have design ideas, we’ll show them to you right there. </a:t>
+            </a:r>
+          </a:p>
+          <a:p>
+            <a:pPr lvl="0"/>
+            <a:endParaRPr lang="en-US" dirty="0"/>
+          </a:p>
+          <a:p>
+            <a:endParaRPr lang="en-US" dirty="0"/>
+          </a:p>
+        </p:txBody>
+      </p:sp>
+      <p:sp>
+        <p:nvSpPr>
+          <p:cNvPr id="12" name="Text Placeholder 11">
+            <a:extLst>
+              <a:ext uri="{FF2B5EF4-FFF2-40B4-BE49-F238E27FC236}">
+                <a16:creationId xmlns:a16="http://schemas.microsoft.com/office/drawing/2014/main" id="{3A63626D-0E6E-4023-ABFC-A744C9862159}"/>
+              </a:ext>
+            </a:extLst>
+          </p:cNvPr>
+          <p:cNvSpPr>
+            <a:spLocks noGrp="1"/>
+          </p:cNvSpPr>
+          <p:nvPr>
+            <p:ph type="body" sz="quarter" idx="13"/>
+          </p:nvPr>
+        </p:nvSpPr>
+        <p:spPr>
+          <a:xfrm>
+            <a:off x="4341573" y="1731375"/>
+            <a:ext cx="3566160" cy="535354"/>
+          </a:xfrm>
+        </p:spPr>
+        <p:txBody>
+          <a:bodyPr/>
+          <a:lstStyle/>
+          <a:p>
+            <a:r>
+              <a:rPr lang="en-US" dirty="0"/>
+              <a:t>subtitle</a:t>
+            </a:r>
+          </a:p>
+        </p:txBody>
+      </p:sp>
+      <p:sp>
+        <p:nvSpPr>
+          <p:cNvPr id="13" name="Content Placeholder 12">
+            <a:extLst>
+              <a:ext uri="{FF2B5EF4-FFF2-40B4-BE49-F238E27FC236}">
+                <a16:creationId xmlns:a16="http://schemas.microsoft.com/office/drawing/2014/main" id="{258E9390-685C-4BAD-BFAD-EC56E81C4745}"/>
+              </a:ext>
+            </a:extLst>
+          </p:cNvPr>
+          <p:cNvSpPr>
+            <a:spLocks noGrp="1"/>
+          </p:cNvSpPr>
+          <p:nvPr>
+            <p:ph sz="quarter" idx="14"/>
+          </p:nvPr>
+        </p:nvSpPr>
+        <p:spPr>
+          <a:xfrm>
+            <a:off x="4341573" y="2427370"/>
+            <a:ext cx="3508755" cy="3515555"/>
           </a:xfrm>
         </p:spPr>
         <p:txBody>
@@ -24631,19 +24817,142 @@
           </a:bodyPr>
           <a:lstStyle/>
           <a:p>
+            <a:pPr lvl="0"/>
             <a:r>
               <a:rPr lang="en-US" dirty="0"/>
-              <a:t>With PowerPoint, you can create presentations and share your work with others, wherever they are. Type the text you want here to get started. You can also add images, art, and videos on this template. Save to OneDrive and access your presentations from your computer, tablet, or phone. </a:t>
+              <a:t>Add text, images, art, and videos. </a:t>
+            </a:r>
+          </a:p>
+          <a:p>
+            <a:pPr lvl="0"/>
+            <a:r>
+              <a:rPr lang="en-US" dirty="0"/>
+              <a:t>Add transitions, animations, and motion. </a:t>
+            </a:r>
+          </a:p>
+          <a:p>
+            <a:pPr lvl="0"/>
+            <a:r>
+              <a:rPr lang="en-US" dirty="0"/>
+              <a:t>Save to OneDrive, to get to your presentations from your computer, tablet, or phone. </a:t>
+            </a:r>
+          </a:p>
+          <a:p>
+            <a:r>
+              <a:rPr lang="en-US" dirty="0"/>
+              <a:t>Open the Design Ideas pane for instant slide makeovers. </a:t>
+            </a:r>
+          </a:p>
+          <a:p>
+            <a:r>
+              <a:rPr lang="en-US" dirty="0"/>
+              <a:t>When we have design ideas, we’ll show them to you right there.</a:t>
             </a:r>
           </a:p>
         </p:txBody>
       </p:sp>
       <p:sp>
         <p:nvSpPr>
-          <p:cNvPr id="4" name="Date Placeholder 3">
+          <p:cNvPr id="10" name="Text Placeholder 9">
             <a:extLst>
               <a:ext uri="{FF2B5EF4-FFF2-40B4-BE49-F238E27FC236}">
-                <a16:creationId xmlns:a16="http://schemas.microsoft.com/office/drawing/2014/main" id="{0C329F70-04F7-4C70-BCF8-D4371F54EF2F}"/>
+                <a16:creationId xmlns:a16="http://schemas.microsoft.com/office/drawing/2014/main" id="{34A9BC34-CFDB-4D7A-8D6C-1CE608D0909F}"/>
+              </a:ext>
+            </a:extLst>
+          </p:cNvPr>
+          <p:cNvSpPr>
+            <a:spLocks noGrp="1"/>
+          </p:cNvSpPr>
+          <p:nvPr>
+            <p:ph type="body" sz="quarter" idx="3"/>
+          </p:nvPr>
+        </p:nvSpPr>
+        <p:spPr>
+          <a:xfrm>
+            <a:off x="8139659" y="1731375"/>
+            <a:ext cx="3566160" cy="535354"/>
+          </a:xfrm>
+        </p:spPr>
+        <p:txBody>
+          <a:bodyPr/>
+          <a:lstStyle/>
+          <a:p>
+            <a:r>
+              <a:rPr lang="en-US"/>
+              <a:t>subtitle</a:t>
+            </a:r>
+            <a:endParaRPr lang="en-US" dirty="0"/>
+          </a:p>
+        </p:txBody>
+      </p:sp>
+      <p:sp>
+        <p:nvSpPr>
+          <p:cNvPr id="11" name="Content Placeholder 10">
+            <a:extLst>
+              <a:ext uri="{FF2B5EF4-FFF2-40B4-BE49-F238E27FC236}">
+                <a16:creationId xmlns:a16="http://schemas.microsoft.com/office/drawing/2014/main" id="{1D014E48-5DD9-49CE-AD5B-0FEF69204F68}"/>
+              </a:ext>
+            </a:extLst>
+          </p:cNvPr>
+          <p:cNvSpPr>
+            <a:spLocks noGrp="1"/>
+          </p:cNvSpPr>
+          <p:nvPr>
+            <p:ph sz="quarter" idx="4"/>
+          </p:nvPr>
+        </p:nvSpPr>
+        <p:spPr>
+          <a:xfrm>
+            <a:off x="8139659" y="2427370"/>
+            <a:ext cx="3508755" cy="3515555"/>
+          </a:xfrm>
+        </p:spPr>
+        <p:txBody>
+          <a:bodyPr>
+            <a:normAutofit lnSpcReduction="10000"/>
+          </a:bodyPr>
+          <a:lstStyle/>
+          <a:p>
+            <a:pPr lvl="0"/>
+            <a:r>
+              <a:rPr lang="en-US" dirty="0"/>
+              <a:t>Add text, images, art, and videos. </a:t>
+            </a:r>
+          </a:p>
+          <a:p>
+            <a:pPr lvl="0"/>
+            <a:r>
+              <a:rPr lang="en-US" dirty="0"/>
+              <a:t>Add transitions, animations, and motion. </a:t>
+            </a:r>
+          </a:p>
+          <a:p>
+            <a:pPr lvl="0"/>
+            <a:r>
+              <a:rPr lang="en-US" dirty="0"/>
+              <a:t>Save to OneDrive, to get to your presentations from your computer, tablet, or phone. </a:t>
+            </a:r>
+          </a:p>
+          <a:p>
+            <a:r>
+              <a:rPr lang="en-US" dirty="0"/>
+              <a:t>Open the Design Ideas pane for instant slide makeovers. </a:t>
+            </a:r>
+          </a:p>
+          <a:p>
+            <a:r>
+              <a:rPr lang="en-US" dirty="0"/>
+              <a:t>When we have design ideas, we’ll show them to you right there.</a:t>
+            </a:r>
+          </a:p>
+        </p:txBody>
+      </p:sp>
+      <p:sp>
+        <p:nvSpPr>
+          <p:cNvPr id="14" name="Date Placeholder 13">
+            <a:extLst>
+              <a:ext uri="{FF2B5EF4-FFF2-40B4-BE49-F238E27FC236}">
+                <a16:creationId xmlns:a16="http://schemas.microsoft.com/office/drawing/2014/main" id="{D236478C-E242-44E0-8357-C72C9B588CA7}"/>
               </a:ext>
             </a:extLst>
           </p:cNvPr>
@@ -24674,10 +24983,10 @@
       </p:sp>
       <p:sp>
         <p:nvSpPr>
-          <p:cNvPr id="5" name="Footer Placeholder 4">
+          <p:cNvPr id="15" name="Footer Placeholder 14">
             <a:extLst>
               <a:ext uri="{FF2B5EF4-FFF2-40B4-BE49-F238E27FC236}">
-                <a16:creationId xmlns:a16="http://schemas.microsoft.com/office/drawing/2014/main" id="{06A3302E-502D-4151-81C9-5FD6AF9596D6}"/>
+                <a16:creationId xmlns:a16="http://schemas.microsoft.com/office/drawing/2014/main" id="{65A6DC02-681E-4AF7-AC6E-57CDDB2FBA28}"/>
               </a:ext>
             </a:extLst>
           </p:cNvPr>
@@ -24707,10 +25016,10 @@
       </p:sp>
       <p:sp>
         <p:nvSpPr>
-          <p:cNvPr id="6" name="Slide Number Placeholder 5">
+          <p:cNvPr id="16" name="Slide Number Placeholder 15">
             <a:extLst>
               <a:ext uri="{FF2B5EF4-FFF2-40B4-BE49-F238E27FC236}">
-                <a16:creationId xmlns:a16="http://schemas.microsoft.com/office/drawing/2014/main" id="{9ED907F8-C614-4D59-A03F-BF9CD5E35703}"/>
+                <a16:creationId xmlns:a16="http://schemas.microsoft.com/office/drawing/2014/main" id="{CF0A8666-4477-461C-A79D-E91232EE973E}"/>
               </a:ext>
             </a:extLst>
           </p:cNvPr>
@@ -24743,7 +25052,7 @@
     </p:spTree>
     <p:extLst>
       <p:ext uri="{BB962C8B-B14F-4D97-AF65-F5344CB8AC3E}">
-        <p14:creationId xmlns:p14="http://schemas.microsoft.com/office/powerpoint/2010/main" val="1521947180"/>
+        <p14:creationId xmlns:p14="http://schemas.microsoft.com/office/powerpoint/2010/main" val="1420547054"/>
       </p:ext>
     </p:extLst>
   </p:cSld>
@@ -24772,10 +25081,10 @@
       </p:grpSpPr>
       <p:sp>
         <p:nvSpPr>
-          <p:cNvPr id="7" name="Title 6">
+          <p:cNvPr id="11" name="Title 10">
             <a:extLst>
               <a:ext uri="{FF2B5EF4-FFF2-40B4-BE49-F238E27FC236}">
-                <a16:creationId xmlns:a16="http://schemas.microsoft.com/office/drawing/2014/main" id="{47788B34-4190-4916-9048-47720EA5ABF1}"/>
+                <a16:creationId xmlns:a16="http://schemas.microsoft.com/office/drawing/2014/main" id="{581E8936-2270-47FE-94A4-398CB123EF90}"/>
               </a:ext>
             </a:extLst>
           </p:cNvPr>
@@ -24788,8 +25097,8 @@
         </p:nvSpPr>
         <p:spPr>
           <a:xfrm>
-            <a:off x="550862" y="549275"/>
-            <a:ext cx="11097551" cy="1332000"/>
+            <a:off x="550863" y="4508500"/>
+            <a:ext cx="4500562" cy="1562959"/>
           </a:xfrm>
         </p:spPr>
         <p:txBody>
@@ -24798,17 +25107,51 @@
           <a:p>
             <a:r>
               <a:rPr lang="en-US" dirty="0"/>
-              <a:t>Content 2 </a:t>
+              <a:t>Data Modeling</a:t>
             </a:r>
           </a:p>
         </p:txBody>
       </p:sp>
+      <p:pic>
+        <p:nvPicPr>
+          <p:cNvPr id="16" name="Picture Placeholder 15" descr="Data Points Digital background">
+            <a:extLst>
+              <a:ext uri="{FF2B5EF4-FFF2-40B4-BE49-F238E27FC236}">
+                <a16:creationId xmlns:a16="http://schemas.microsoft.com/office/drawing/2014/main" id="{361E9ADB-7377-4CF1-9AE4-AEFBDEBEEEEC}"/>
+              </a:ext>
+            </a:extLst>
+          </p:cNvPr>
+          <p:cNvPicPr>
+            <a:picLocks noGrp="1" noChangeAspect="1"/>
+          </p:cNvPicPr>
+          <p:nvPr>
+            <p:ph type="pic" sz="quarter" idx="13"/>
+          </p:nvPr>
+        </p:nvPicPr>
+        <p:blipFill rotWithShape="1">
+          <a:blip r:embed="rId3" cstate="screen">
+            <a:extLst>
+              <a:ext uri="{28A0092B-C50C-407E-A947-70E740481C1C}">
+                <a14:useLocalDpi xmlns:a14="http://schemas.microsoft.com/office/drawing/2010/main" val="0"/>
+              </a:ext>
+            </a:extLst>
+          </a:blip>
+          <a:srcRect/>
+          <a:stretch/>
+        </p:blipFill>
+        <p:spPr>
+          <a:xfrm>
+            <a:off x="0" y="0"/>
+            <a:ext cx="12192000" cy="3776472"/>
+          </a:xfrm>
+        </p:spPr>
+      </p:pic>
       <p:sp>
         <p:nvSpPr>
-          <p:cNvPr id="8" name="Text Placeholder 7">
+          <p:cNvPr id="13" name="Content Placeholder 12">
             <a:extLst>
               <a:ext uri="{FF2B5EF4-FFF2-40B4-BE49-F238E27FC236}">
-                <a16:creationId xmlns:a16="http://schemas.microsoft.com/office/drawing/2014/main" id="{ABA415A0-3B77-43FB-A408-5F1DA4B0AAFA}"/>
+                <a16:creationId xmlns:a16="http://schemas.microsoft.com/office/drawing/2014/main" id="{C0287FEC-3826-4868-8D93-52429C6156F5}"/>
               </a:ext>
             </a:extLst>
           </p:cNvPr>
@@ -24816,148 +25159,13 @@
             <a:spLocks noGrp="1"/>
           </p:cNvSpPr>
           <p:nvPr>
-            <p:ph type="body" idx="1"/>
+            <p:ph sz="quarter" idx="15"/>
           </p:nvPr>
         </p:nvSpPr>
         <p:spPr>
           <a:xfrm>
-            <a:off x="550864" y="1731375"/>
-            <a:ext cx="3563936" cy="535354"/>
-          </a:xfrm>
-        </p:spPr>
-        <p:txBody>
-          <a:bodyPr/>
-          <a:lstStyle/>
-          <a:p>
-            <a:r>
-              <a:rPr lang="en-US" dirty="0"/>
-              <a:t>Subtitle</a:t>
-            </a:r>
-          </a:p>
-        </p:txBody>
-      </p:sp>
-      <p:sp>
-        <p:nvSpPr>
-          <p:cNvPr id="9" name="Content Placeholder 8">
-            <a:extLst>
-              <a:ext uri="{FF2B5EF4-FFF2-40B4-BE49-F238E27FC236}">
-                <a16:creationId xmlns:a16="http://schemas.microsoft.com/office/drawing/2014/main" id="{8598ECEC-4413-4244-8F21-0076EC511806}"/>
-              </a:ext>
-            </a:extLst>
-          </p:cNvPr>
-          <p:cNvSpPr>
-            <a:spLocks noGrp="1"/>
-          </p:cNvSpPr>
-          <p:nvPr>
-            <p:ph sz="half" idx="2"/>
-          </p:nvPr>
-        </p:nvSpPr>
-        <p:spPr>
-          <a:xfrm>
-            <a:off x="559476" y="2432304"/>
-            <a:ext cx="3563936" cy="3515555"/>
-          </a:xfrm>
-        </p:spPr>
-        <p:txBody>
-          <a:bodyPr>
-            <a:normAutofit fontScale="92500" lnSpcReduction="20000"/>
-          </a:bodyPr>
-          <a:lstStyle/>
-          <a:p>
-            <a:pPr lvl="0"/>
-            <a:r>
-              <a:rPr lang="en-US" dirty="0"/>
-              <a:t>Add text, images, art, and videos. </a:t>
-            </a:r>
-          </a:p>
-          <a:p>
-            <a:pPr lvl="0"/>
-            <a:r>
-              <a:rPr lang="en-US" dirty="0"/>
-              <a:t>Add transitions, animations, and motion. </a:t>
-            </a:r>
-          </a:p>
-          <a:p>
-            <a:pPr lvl="0"/>
-            <a:r>
-              <a:rPr lang="en-US" dirty="0"/>
-              <a:t>Save to OneDrive, to get to your presentations from your computer, tablet, or phone. </a:t>
-            </a:r>
-          </a:p>
-          <a:p>
-            <a:r>
-              <a:rPr lang="en-US" dirty="0"/>
-              <a:t>Open the Design Ideas pane for instant slide makeovers. </a:t>
-            </a:r>
-          </a:p>
-          <a:p>
-            <a:r>
-              <a:rPr lang="en-US" dirty="0"/>
-              <a:t>When we have design ideas, we’ll show them to you right there. </a:t>
-            </a:r>
-          </a:p>
-          <a:p>
-            <a:pPr lvl="0"/>
-            <a:endParaRPr lang="en-US" dirty="0"/>
-          </a:p>
-          <a:p>
-            <a:endParaRPr lang="en-US" dirty="0"/>
-          </a:p>
-        </p:txBody>
-      </p:sp>
-      <p:sp>
-        <p:nvSpPr>
-          <p:cNvPr id="12" name="Text Placeholder 11">
-            <a:extLst>
-              <a:ext uri="{FF2B5EF4-FFF2-40B4-BE49-F238E27FC236}">
-                <a16:creationId xmlns:a16="http://schemas.microsoft.com/office/drawing/2014/main" id="{3A63626D-0E6E-4023-ABFC-A744C9862159}"/>
-              </a:ext>
-            </a:extLst>
-          </p:cNvPr>
-          <p:cNvSpPr>
-            <a:spLocks noGrp="1"/>
-          </p:cNvSpPr>
-          <p:nvPr>
-            <p:ph type="body" sz="quarter" idx="13"/>
-          </p:nvPr>
-        </p:nvSpPr>
-        <p:spPr>
-          <a:xfrm>
-            <a:off x="4341573" y="1731375"/>
-            <a:ext cx="3566160" cy="535354"/>
-          </a:xfrm>
-        </p:spPr>
-        <p:txBody>
-          <a:bodyPr/>
-          <a:lstStyle/>
-          <a:p>
-            <a:r>
-              <a:rPr lang="en-US" dirty="0"/>
-              <a:t>subtitle</a:t>
-            </a:r>
-          </a:p>
-        </p:txBody>
-      </p:sp>
-      <p:sp>
-        <p:nvSpPr>
-          <p:cNvPr id="13" name="Content Placeholder 12">
-            <a:extLst>
-              <a:ext uri="{FF2B5EF4-FFF2-40B4-BE49-F238E27FC236}">
-                <a16:creationId xmlns:a16="http://schemas.microsoft.com/office/drawing/2014/main" id="{258E9390-685C-4BAD-BFAD-EC56E81C4745}"/>
-              </a:ext>
-            </a:extLst>
-          </p:cNvPr>
-          <p:cNvSpPr>
-            <a:spLocks noGrp="1"/>
-          </p:cNvSpPr>
-          <p:nvPr>
-            <p:ph sz="quarter" idx="14"/>
-          </p:nvPr>
-        </p:nvSpPr>
-        <p:spPr>
-          <a:xfrm>
-            <a:off x="4341573" y="2427370"/>
-            <a:ext cx="3508755" cy="3515555"/>
+            <a:off x="5262411" y="4508500"/>
+            <a:ext cx="6221412" cy="1563688"/>
           </a:xfrm>
         </p:spPr>
         <p:txBody>
@@ -24966,142 +25174,19 @@
           </a:bodyPr>
           <a:lstStyle/>
           <a:p>
-            <a:pPr lvl="0"/>
             <a:r>
               <a:rPr lang="en-US" dirty="0"/>
-              <a:t>Add text, images, art, and videos. </a:t>
-            </a:r>
-          </a:p>
-          <a:p>
-            <a:pPr lvl="0"/>
-            <a:r>
-              <a:rPr lang="en-US" dirty="0"/>
-              <a:t>Add transitions, animations, and motion. </a:t>
-            </a:r>
-          </a:p>
-          <a:p>
-            <a:pPr lvl="0"/>
-            <a:r>
-              <a:rPr lang="en-US" dirty="0"/>
-              <a:t>Save to OneDrive, to get to your presentations from your computer, tablet, or phone. </a:t>
-            </a:r>
-          </a:p>
-          <a:p>
-            <a:r>
-              <a:rPr lang="en-US" dirty="0"/>
-              <a:t>Open the Design Ideas pane for instant slide makeovers. </a:t>
-            </a:r>
-          </a:p>
-          <a:p>
-            <a:r>
-              <a:rPr lang="en-US" dirty="0"/>
-              <a:t>When we have design ideas, we’ll show them to you right there.</a:t>
+              <a:t>With PowerPoint, you can create presentations and share your work with others, wherever they are. Type the text you want here to get started. You can also add images, art, and videos on this template. Save to OneDrive and access your presentations from your computer, tablet, or phone. </a:t>
             </a:r>
           </a:p>
         </p:txBody>
       </p:sp>
       <p:sp>
         <p:nvSpPr>
-          <p:cNvPr id="10" name="Text Placeholder 9">
+          <p:cNvPr id="4" name="Date Placeholder 3">
             <a:extLst>
               <a:ext uri="{FF2B5EF4-FFF2-40B4-BE49-F238E27FC236}">
-                <a16:creationId xmlns:a16="http://schemas.microsoft.com/office/drawing/2014/main" id="{34A9BC34-CFDB-4D7A-8D6C-1CE608D0909F}"/>
-              </a:ext>
-            </a:extLst>
-          </p:cNvPr>
-          <p:cNvSpPr>
-            <a:spLocks noGrp="1"/>
-          </p:cNvSpPr>
-          <p:nvPr>
-            <p:ph type="body" sz="quarter" idx="3"/>
-          </p:nvPr>
-        </p:nvSpPr>
-        <p:spPr>
-          <a:xfrm>
-            <a:off x="8139659" y="1731375"/>
-            <a:ext cx="3566160" cy="535354"/>
-          </a:xfrm>
-        </p:spPr>
-        <p:txBody>
-          <a:bodyPr/>
-          <a:lstStyle/>
-          <a:p>
-            <a:r>
-              <a:rPr lang="en-US"/>
-              <a:t>subtitle</a:t>
-            </a:r>
-            <a:endParaRPr lang="en-US" dirty="0"/>
-          </a:p>
-        </p:txBody>
-      </p:sp>
-      <p:sp>
-        <p:nvSpPr>
-          <p:cNvPr id="11" name="Content Placeholder 10">
-            <a:extLst>
-              <a:ext uri="{FF2B5EF4-FFF2-40B4-BE49-F238E27FC236}">
-                <a16:creationId xmlns:a16="http://schemas.microsoft.com/office/drawing/2014/main" id="{1D014E48-5DD9-49CE-AD5B-0FEF69204F68}"/>
-              </a:ext>
-            </a:extLst>
-          </p:cNvPr>
-          <p:cNvSpPr>
-            <a:spLocks noGrp="1"/>
-          </p:cNvSpPr>
-          <p:nvPr>
-            <p:ph sz="quarter" idx="4"/>
-          </p:nvPr>
-        </p:nvSpPr>
-        <p:spPr>
-          <a:xfrm>
-            <a:off x="8139659" y="2427370"/>
-            <a:ext cx="3508755" cy="3515555"/>
-          </a:xfrm>
-        </p:spPr>
-        <p:txBody>
-          <a:bodyPr>
-            <a:normAutofit lnSpcReduction="10000"/>
-          </a:bodyPr>
-          <a:lstStyle/>
-          <a:p>
-            <a:pPr lvl="0"/>
-            <a:r>
-              <a:rPr lang="en-US" dirty="0"/>
-              <a:t>Add text, images, art, and videos. </a:t>
-            </a:r>
-          </a:p>
-          <a:p>
-            <a:pPr lvl="0"/>
-            <a:r>
-              <a:rPr lang="en-US" dirty="0"/>
-              <a:t>Add transitions, animations, and motion. </a:t>
-            </a:r>
-          </a:p>
-          <a:p>
-            <a:pPr lvl="0"/>
-            <a:r>
-              <a:rPr lang="en-US" dirty="0"/>
-              <a:t>Save to OneDrive, to get to your presentations from your computer, tablet, or phone. </a:t>
-            </a:r>
-          </a:p>
-          <a:p>
-            <a:r>
-              <a:rPr lang="en-US" dirty="0"/>
-              <a:t>Open the Design Ideas pane for instant slide makeovers. </a:t>
-            </a:r>
-          </a:p>
-          <a:p>
-            <a:r>
-              <a:rPr lang="en-US" dirty="0"/>
-              <a:t>When we have design ideas, we’ll show them to you right there.</a:t>
-            </a:r>
-          </a:p>
-        </p:txBody>
-      </p:sp>
-      <p:sp>
-        <p:nvSpPr>
-          <p:cNvPr id="14" name="Date Placeholder 13">
-            <a:extLst>
-              <a:ext uri="{FF2B5EF4-FFF2-40B4-BE49-F238E27FC236}">
-                <a16:creationId xmlns:a16="http://schemas.microsoft.com/office/drawing/2014/main" id="{D236478C-E242-44E0-8357-C72C9B588CA7}"/>
+                <a16:creationId xmlns:a16="http://schemas.microsoft.com/office/drawing/2014/main" id="{0C329F70-04F7-4C70-BCF8-D4371F54EF2F}"/>
               </a:ext>
             </a:extLst>
           </p:cNvPr>
@@ -25132,10 +25217,10 @@
       </p:sp>
       <p:sp>
         <p:nvSpPr>
-          <p:cNvPr id="15" name="Footer Placeholder 14">
+          <p:cNvPr id="5" name="Footer Placeholder 4">
             <a:extLst>
               <a:ext uri="{FF2B5EF4-FFF2-40B4-BE49-F238E27FC236}">
-                <a16:creationId xmlns:a16="http://schemas.microsoft.com/office/drawing/2014/main" id="{65A6DC02-681E-4AF7-AC6E-57CDDB2FBA28}"/>
+                <a16:creationId xmlns:a16="http://schemas.microsoft.com/office/drawing/2014/main" id="{06A3302E-502D-4151-81C9-5FD6AF9596D6}"/>
               </a:ext>
             </a:extLst>
           </p:cNvPr>
@@ -25165,10 +25250,10 @@
       </p:sp>
       <p:sp>
         <p:nvSpPr>
-          <p:cNvPr id="16" name="Slide Number Placeholder 15">
+          <p:cNvPr id="6" name="Slide Number Placeholder 5">
             <a:extLst>
               <a:ext uri="{FF2B5EF4-FFF2-40B4-BE49-F238E27FC236}">
-                <a16:creationId xmlns:a16="http://schemas.microsoft.com/office/drawing/2014/main" id="{CF0A8666-4477-461C-A79D-E91232EE973E}"/>
+                <a16:creationId xmlns:a16="http://schemas.microsoft.com/office/drawing/2014/main" id="{9ED907F8-C614-4D59-A03F-BF9CD5E35703}"/>
               </a:ext>
             </a:extLst>
           </p:cNvPr>
@@ -25201,7 +25286,7 @@
     </p:spTree>
     <p:extLst>
       <p:ext uri="{BB962C8B-B14F-4D97-AF65-F5344CB8AC3E}">
-        <p14:creationId xmlns:p14="http://schemas.microsoft.com/office/powerpoint/2010/main" val="1420547054"/>
+        <p14:creationId xmlns:p14="http://schemas.microsoft.com/office/powerpoint/2010/main" val="3168979440"/>
       </p:ext>
     </p:extLst>
   </p:cSld>
@@ -25230,10 +25315,10 @@
       </p:grpSpPr>
       <p:sp>
         <p:nvSpPr>
-          <p:cNvPr id="11" name="Title 10">
+          <p:cNvPr id="7" name="Title 6">
             <a:extLst>
               <a:ext uri="{FF2B5EF4-FFF2-40B4-BE49-F238E27FC236}">
-                <a16:creationId xmlns:a16="http://schemas.microsoft.com/office/drawing/2014/main" id="{581E8936-2270-47FE-94A4-398CB123EF90}"/>
+                <a16:creationId xmlns:a16="http://schemas.microsoft.com/office/drawing/2014/main" id="{47788B34-4190-4916-9048-47720EA5ABF1}"/>
               </a:ext>
             </a:extLst>
           </p:cNvPr>
@@ -25246,8 +25331,8 @@
         </p:nvSpPr>
         <p:spPr>
           <a:xfrm>
-            <a:off x="550863" y="4508500"/>
-            <a:ext cx="4500562" cy="1562959"/>
+            <a:off x="550862" y="549275"/>
+            <a:ext cx="11097551" cy="1332000"/>
           </a:xfrm>
         </p:spPr>
         <p:txBody>
@@ -25256,51 +25341,17 @@
           <a:p>
             <a:r>
               <a:rPr lang="en-US" dirty="0"/>
-              <a:t>Data Modeling</a:t>
+              <a:t>Content 2 </a:t>
             </a:r>
           </a:p>
         </p:txBody>
       </p:sp>
-      <p:pic>
-        <p:nvPicPr>
-          <p:cNvPr id="16" name="Picture Placeholder 15" descr="Data Points Digital background">
-            <a:extLst>
-              <a:ext uri="{FF2B5EF4-FFF2-40B4-BE49-F238E27FC236}">
-                <a16:creationId xmlns:a16="http://schemas.microsoft.com/office/drawing/2014/main" id="{361E9ADB-7377-4CF1-9AE4-AEFBDEBEEEEC}"/>
-              </a:ext>
-            </a:extLst>
-          </p:cNvPr>
-          <p:cNvPicPr>
-            <a:picLocks noGrp="1" noChangeAspect="1"/>
-          </p:cNvPicPr>
-          <p:nvPr>
-            <p:ph type="pic" sz="quarter" idx="13"/>
-          </p:nvPr>
-        </p:nvPicPr>
-        <p:blipFill rotWithShape="1">
-          <a:blip r:embed="rId3" cstate="screen">
-            <a:extLst>
-              <a:ext uri="{28A0092B-C50C-407E-A947-70E740481C1C}">
-                <a14:useLocalDpi xmlns:a14="http://schemas.microsoft.com/office/drawing/2010/main" val="0"/>
-              </a:ext>
-            </a:extLst>
-          </a:blip>
-          <a:srcRect/>
-          <a:stretch/>
-        </p:blipFill>
-        <p:spPr>
-          <a:xfrm>
-            <a:off x="0" y="0"/>
-            <a:ext cx="12192000" cy="3776472"/>
-          </a:xfrm>
-        </p:spPr>
-      </p:pic>
       <p:sp>
         <p:nvSpPr>
-          <p:cNvPr id="13" name="Content Placeholder 12">
+          <p:cNvPr id="8" name="Text Placeholder 7">
             <a:extLst>
               <a:ext uri="{FF2B5EF4-FFF2-40B4-BE49-F238E27FC236}">
-                <a16:creationId xmlns:a16="http://schemas.microsoft.com/office/drawing/2014/main" id="{C0287FEC-3826-4868-8D93-52429C6156F5}"/>
+                <a16:creationId xmlns:a16="http://schemas.microsoft.com/office/drawing/2014/main" id="{ABA415A0-3B77-43FB-A408-5F1DA4B0AAFA}"/>
               </a:ext>
             </a:extLst>
           </p:cNvPr>
@@ -25308,13 +25359,148 @@
             <a:spLocks noGrp="1"/>
           </p:cNvSpPr>
           <p:nvPr>
-            <p:ph sz="quarter" idx="15"/>
+            <p:ph type="body" idx="1"/>
           </p:nvPr>
         </p:nvSpPr>
         <p:spPr>
           <a:xfrm>
-            <a:off x="5262411" y="4508500"/>
-            <a:ext cx="6221412" cy="1563688"/>
+            <a:off x="550864" y="1731375"/>
+            <a:ext cx="3563936" cy="535354"/>
+          </a:xfrm>
+        </p:spPr>
+        <p:txBody>
+          <a:bodyPr/>
+          <a:lstStyle/>
+          <a:p>
+            <a:r>
+              <a:rPr lang="en-US" dirty="0"/>
+              <a:t>Subtitle</a:t>
+            </a:r>
+          </a:p>
+        </p:txBody>
+      </p:sp>
+      <p:sp>
+        <p:nvSpPr>
+          <p:cNvPr id="9" name="Content Placeholder 8">
+            <a:extLst>
+              <a:ext uri="{FF2B5EF4-FFF2-40B4-BE49-F238E27FC236}">
+                <a16:creationId xmlns:a16="http://schemas.microsoft.com/office/drawing/2014/main" id="{8598ECEC-4413-4244-8F21-0076EC511806}"/>
+              </a:ext>
+            </a:extLst>
+          </p:cNvPr>
+          <p:cNvSpPr>
+            <a:spLocks noGrp="1"/>
+          </p:cNvSpPr>
+          <p:nvPr>
+            <p:ph sz="half" idx="2"/>
+          </p:nvPr>
+        </p:nvSpPr>
+        <p:spPr>
+          <a:xfrm>
+            <a:off x="559476" y="2432304"/>
+            <a:ext cx="3563936" cy="3515555"/>
+          </a:xfrm>
+        </p:spPr>
+        <p:txBody>
+          <a:bodyPr>
+            <a:normAutofit fontScale="92500" lnSpcReduction="20000"/>
+          </a:bodyPr>
+          <a:lstStyle/>
+          <a:p>
+            <a:pPr lvl="0"/>
+            <a:r>
+              <a:rPr lang="en-US" dirty="0"/>
+              <a:t>Add text, images, art, and videos. </a:t>
+            </a:r>
+          </a:p>
+          <a:p>
+            <a:pPr lvl="0"/>
+            <a:r>
+              <a:rPr lang="en-US" dirty="0"/>
+              <a:t>Add transitions, animations, and motion. </a:t>
+            </a:r>
+          </a:p>
+          <a:p>
+            <a:pPr lvl="0"/>
+            <a:r>
+              <a:rPr lang="en-US" dirty="0"/>
+              <a:t>Save to OneDrive, to get to your presentations from your computer, tablet, or phone. </a:t>
+            </a:r>
+          </a:p>
+          <a:p>
+            <a:r>
+              <a:rPr lang="en-US" dirty="0"/>
+              <a:t>Open the Design Ideas pane for instant slide makeovers. </a:t>
+            </a:r>
+          </a:p>
+          <a:p>
+            <a:r>
+              <a:rPr lang="en-US" dirty="0"/>
+              <a:t>When we have design ideas, we’ll show them to you right there. </a:t>
+            </a:r>
+          </a:p>
+          <a:p>
+            <a:pPr lvl="0"/>
+            <a:endParaRPr lang="en-US" dirty="0"/>
+          </a:p>
+          <a:p>
+            <a:endParaRPr lang="en-US" dirty="0"/>
+          </a:p>
+        </p:txBody>
+      </p:sp>
+      <p:sp>
+        <p:nvSpPr>
+          <p:cNvPr id="12" name="Text Placeholder 11">
+            <a:extLst>
+              <a:ext uri="{FF2B5EF4-FFF2-40B4-BE49-F238E27FC236}">
+                <a16:creationId xmlns:a16="http://schemas.microsoft.com/office/drawing/2014/main" id="{3A63626D-0E6E-4023-ABFC-A744C9862159}"/>
+              </a:ext>
+            </a:extLst>
+          </p:cNvPr>
+          <p:cNvSpPr>
+            <a:spLocks noGrp="1"/>
+          </p:cNvSpPr>
+          <p:nvPr>
+            <p:ph type="body" sz="quarter" idx="13"/>
+          </p:nvPr>
+        </p:nvSpPr>
+        <p:spPr>
+          <a:xfrm>
+            <a:off x="4341573" y="1731375"/>
+            <a:ext cx="3566160" cy="535354"/>
+          </a:xfrm>
+        </p:spPr>
+        <p:txBody>
+          <a:bodyPr/>
+          <a:lstStyle/>
+          <a:p>
+            <a:r>
+              <a:rPr lang="en-US" dirty="0"/>
+              <a:t>subtitle</a:t>
+            </a:r>
+          </a:p>
+        </p:txBody>
+      </p:sp>
+      <p:sp>
+        <p:nvSpPr>
+          <p:cNvPr id="13" name="Content Placeholder 12">
+            <a:extLst>
+              <a:ext uri="{FF2B5EF4-FFF2-40B4-BE49-F238E27FC236}">
+                <a16:creationId xmlns:a16="http://schemas.microsoft.com/office/drawing/2014/main" id="{258E9390-685C-4BAD-BFAD-EC56E81C4745}"/>
+              </a:ext>
+            </a:extLst>
+          </p:cNvPr>
+          <p:cNvSpPr>
+            <a:spLocks noGrp="1"/>
+          </p:cNvSpPr>
+          <p:nvPr>
+            <p:ph sz="quarter" idx="14"/>
+          </p:nvPr>
+        </p:nvSpPr>
+        <p:spPr>
+          <a:xfrm>
+            <a:off x="4341573" y="2427370"/>
+            <a:ext cx="3508755" cy="3515555"/>
           </a:xfrm>
         </p:spPr>
         <p:txBody>
@@ -25323,19 +25509,142 @@
           </a:bodyPr>
           <a:lstStyle/>
           <a:p>
+            <a:pPr lvl="0"/>
             <a:r>
               <a:rPr lang="en-US" dirty="0"/>
-              <a:t>With PowerPoint, you can create presentations and share your work with others, wherever they are. Type the text you want here to get started. You can also add images, art, and videos on this template. Save to OneDrive and access your presentations from your computer, tablet, or phone. </a:t>
+              <a:t>Add text, images, art, and videos. </a:t>
+            </a:r>
+          </a:p>
+          <a:p>
+            <a:pPr lvl="0"/>
+            <a:r>
+              <a:rPr lang="en-US" dirty="0"/>
+              <a:t>Add transitions, animations, and motion. </a:t>
+            </a:r>
+          </a:p>
+          <a:p>
+            <a:pPr lvl="0"/>
+            <a:r>
+              <a:rPr lang="en-US" dirty="0"/>
+              <a:t>Save to OneDrive, to get to your presentations from your computer, tablet, or phone. </a:t>
+            </a:r>
+          </a:p>
+          <a:p>
+            <a:r>
+              <a:rPr lang="en-US" dirty="0"/>
+              <a:t>Open the Design Ideas pane for instant slide makeovers. </a:t>
+            </a:r>
+          </a:p>
+          <a:p>
+            <a:r>
+              <a:rPr lang="en-US" dirty="0"/>
+              <a:t>When we have design ideas, we’ll show them to you right there.</a:t>
             </a:r>
           </a:p>
         </p:txBody>
       </p:sp>
       <p:sp>
         <p:nvSpPr>
-          <p:cNvPr id="4" name="Date Placeholder 3">
+          <p:cNvPr id="10" name="Text Placeholder 9">
             <a:extLst>
               <a:ext uri="{FF2B5EF4-FFF2-40B4-BE49-F238E27FC236}">
-                <a16:creationId xmlns:a16="http://schemas.microsoft.com/office/drawing/2014/main" id="{0C329F70-04F7-4C70-BCF8-D4371F54EF2F}"/>
+                <a16:creationId xmlns:a16="http://schemas.microsoft.com/office/drawing/2014/main" id="{34A9BC34-CFDB-4D7A-8D6C-1CE608D0909F}"/>
+              </a:ext>
+            </a:extLst>
+          </p:cNvPr>
+          <p:cNvSpPr>
+            <a:spLocks noGrp="1"/>
+          </p:cNvSpPr>
+          <p:nvPr>
+            <p:ph type="body" sz="quarter" idx="3"/>
+          </p:nvPr>
+        </p:nvSpPr>
+        <p:spPr>
+          <a:xfrm>
+            <a:off x="8139659" y="1731375"/>
+            <a:ext cx="3566160" cy="535354"/>
+          </a:xfrm>
+        </p:spPr>
+        <p:txBody>
+          <a:bodyPr/>
+          <a:lstStyle/>
+          <a:p>
+            <a:r>
+              <a:rPr lang="en-US"/>
+              <a:t>subtitle</a:t>
+            </a:r>
+            <a:endParaRPr lang="en-US" dirty="0"/>
+          </a:p>
+        </p:txBody>
+      </p:sp>
+      <p:sp>
+        <p:nvSpPr>
+          <p:cNvPr id="11" name="Content Placeholder 10">
+            <a:extLst>
+              <a:ext uri="{FF2B5EF4-FFF2-40B4-BE49-F238E27FC236}">
+                <a16:creationId xmlns:a16="http://schemas.microsoft.com/office/drawing/2014/main" id="{1D014E48-5DD9-49CE-AD5B-0FEF69204F68}"/>
+              </a:ext>
+            </a:extLst>
+          </p:cNvPr>
+          <p:cNvSpPr>
+            <a:spLocks noGrp="1"/>
+          </p:cNvSpPr>
+          <p:nvPr>
+            <p:ph sz="quarter" idx="4"/>
+          </p:nvPr>
+        </p:nvSpPr>
+        <p:spPr>
+          <a:xfrm>
+            <a:off x="8139659" y="2427370"/>
+            <a:ext cx="3508755" cy="3515555"/>
+          </a:xfrm>
+        </p:spPr>
+        <p:txBody>
+          <a:bodyPr>
+            <a:normAutofit lnSpcReduction="10000"/>
+          </a:bodyPr>
+          <a:lstStyle/>
+          <a:p>
+            <a:pPr lvl="0"/>
+            <a:r>
+              <a:rPr lang="en-US" dirty="0"/>
+              <a:t>Add text, images, art, and videos. </a:t>
+            </a:r>
+          </a:p>
+          <a:p>
+            <a:pPr lvl="0"/>
+            <a:r>
+              <a:rPr lang="en-US" dirty="0"/>
+              <a:t>Add transitions, animations, and motion. </a:t>
+            </a:r>
+          </a:p>
+          <a:p>
+            <a:pPr lvl="0"/>
+            <a:r>
+              <a:rPr lang="en-US" dirty="0"/>
+              <a:t>Save to OneDrive, to get to your presentations from your computer, tablet, or phone. </a:t>
+            </a:r>
+          </a:p>
+          <a:p>
+            <a:r>
+              <a:rPr lang="en-US" dirty="0"/>
+              <a:t>Open the Design Ideas pane for instant slide makeovers. </a:t>
+            </a:r>
+          </a:p>
+          <a:p>
+            <a:r>
+              <a:rPr lang="en-US" dirty="0"/>
+              <a:t>When we have design ideas, we’ll show them to you right there.</a:t>
+            </a:r>
+          </a:p>
+        </p:txBody>
+      </p:sp>
+      <p:sp>
+        <p:nvSpPr>
+          <p:cNvPr id="14" name="Date Placeholder 13">
+            <a:extLst>
+              <a:ext uri="{FF2B5EF4-FFF2-40B4-BE49-F238E27FC236}">
+                <a16:creationId xmlns:a16="http://schemas.microsoft.com/office/drawing/2014/main" id="{D236478C-E242-44E0-8357-C72C9B588CA7}"/>
               </a:ext>
             </a:extLst>
           </p:cNvPr>
@@ -25366,10 +25675,10 @@
       </p:sp>
       <p:sp>
         <p:nvSpPr>
-          <p:cNvPr id="5" name="Footer Placeholder 4">
+          <p:cNvPr id="15" name="Footer Placeholder 14">
             <a:extLst>
               <a:ext uri="{FF2B5EF4-FFF2-40B4-BE49-F238E27FC236}">
-                <a16:creationId xmlns:a16="http://schemas.microsoft.com/office/drawing/2014/main" id="{06A3302E-502D-4151-81C9-5FD6AF9596D6}"/>
+                <a16:creationId xmlns:a16="http://schemas.microsoft.com/office/drawing/2014/main" id="{65A6DC02-681E-4AF7-AC6E-57CDDB2FBA28}"/>
               </a:ext>
             </a:extLst>
           </p:cNvPr>
@@ -25399,10 +25708,10 @@
       </p:sp>
       <p:sp>
         <p:nvSpPr>
-          <p:cNvPr id="6" name="Slide Number Placeholder 5">
+          <p:cNvPr id="16" name="Slide Number Placeholder 15">
             <a:extLst>
               <a:ext uri="{FF2B5EF4-FFF2-40B4-BE49-F238E27FC236}">
-                <a16:creationId xmlns:a16="http://schemas.microsoft.com/office/drawing/2014/main" id="{9ED907F8-C614-4D59-A03F-BF9CD5E35703}"/>
+                <a16:creationId xmlns:a16="http://schemas.microsoft.com/office/drawing/2014/main" id="{CF0A8666-4477-461C-A79D-E91232EE973E}"/>
               </a:ext>
             </a:extLst>
           </p:cNvPr>
@@ -25435,7 +25744,7 @@
     </p:spTree>
     <p:extLst>
       <p:ext uri="{BB962C8B-B14F-4D97-AF65-F5344CB8AC3E}">
-        <p14:creationId xmlns:p14="http://schemas.microsoft.com/office/powerpoint/2010/main" val="3168979440"/>
+        <p14:creationId xmlns:p14="http://schemas.microsoft.com/office/powerpoint/2010/main" val="1966113941"/>
       </p:ext>
     </p:extLst>
   </p:cSld>
@@ -25464,10 +25773,10 @@
       </p:grpSpPr>
       <p:sp>
         <p:nvSpPr>
-          <p:cNvPr id="7" name="Title 6">
+          <p:cNvPr id="11" name="Title 10">
             <a:extLst>
               <a:ext uri="{FF2B5EF4-FFF2-40B4-BE49-F238E27FC236}">
-                <a16:creationId xmlns:a16="http://schemas.microsoft.com/office/drawing/2014/main" id="{47788B34-4190-4916-9048-47720EA5ABF1}"/>
+                <a16:creationId xmlns:a16="http://schemas.microsoft.com/office/drawing/2014/main" id="{581E8936-2270-47FE-94A4-398CB123EF90}"/>
               </a:ext>
             </a:extLst>
           </p:cNvPr>
@@ -25480,8 +25789,8 @@
         </p:nvSpPr>
         <p:spPr>
           <a:xfrm>
-            <a:off x="550862" y="549275"/>
-            <a:ext cx="11097551" cy="1332000"/>
+            <a:off x="550863" y="4508500"/>
+            <a:ext cx="4500562" cy="1562959"/>
           </a:xfrm>
         </p:spPr>
         <p:txBody>
@@ -25490,17 +25799,51 @@
           <a:p>
             <a:r>
               <a:rPr lang="en-US" dirty="0"/>
-              <a:t>Content 2 </a:t>
+              <a:t>Data Predictions</a:t>
             </a:r>
           </a:p>
         </p:txBody>
       </p:sp>
+      <p:pic>
+        <p:nvPicPr>
+          <p:cNvPr id="16" name="Picture Placeholder 15" descr="Data Points Digital background">
+            <a:extLst>
+              <a:ext uri="{FF2B5EF4-FFF2-40B4-BE49-F238E27FC236}">
+                <a16:creationId xmlns:a16="http://schemas.microsoft.com/office/drawing/2014/main" id="{361E9ADB-7377-4CF1-9AE4-AEFBDEBEEEEC}"/>
+              </a:ext>
+            </a:extLst>
+          </p:cNvPr>
+          <p:cNvPicPr>
+            <a:picLocks noGrp="1" noChangeAspect="1"/>
+          </p:cNvPicPr>
+          <p:nvPr>
+            <p:ph type="pic" sz="quarter" idx="13"/>
+          </p:nvPr>
+        </p:nvPicPr>
+        <p:blipFill rotWithShape="1">
+          <a:blip r:embed="rId3" cstate="screen">
+            <a:extLst>
+              <a:ext uri="{28A0092B-C50C-407E-A947-70E740481C1C}">
+                <a14:useLocalDpi xmlns:a14="http://schemas.microsoft.com/office/drawing/2010/main" val="0"/>
+              </a:ext>
+            </a:extLst>
+          </a:blip>
+          <a:srcRect/>
+          <a:stretch/>
+        </p:blipFill>
+        <p:spPr>
+          <a:xfrm>
+            <a:off x="0" y="0"/>
+            <a:ext cx="12192000" cy="3776472"/>
+          </a:xfrm>
+        </p:spPr>
+      </p:pic>
       <p:sp>
         <p:nvSpPr>
-          <p:cNvPr id="8" name="Text Placeholder 7">
+          <p:cNvPr id="13" name="Content Placeholder 12">
             <a:extLst>
               <a:ext uri="{FF2B5EF4-FFF2-40B4-BE49-F238E27FC236}">
-                <a16:creationId xmlns:a16="http://schemas.microsoft.com/office/drawing/2014/main" id="{ABA415A0-3B77-43FB-A408-5F1DA4B0AAFA}"/>
+                <a16:creationId xmlns:a16="http://schemas.microsoft.com/office/drawing/2014/main" id="{C0287FEC-3826-4868-8D93-52429C6156F5}"/>
               </a:ext>
             </a:extLst>
           </p:cNvPr>
@@ -25508,148 +25851,13 @@
             <a:spLocks noGrp="1"/>
           </p:cNvSpPr>
           <p:nvPr>
-            <p:ph type="body" idx="1"/>
+            <p:ph sz="quarter" idx="15"/>
           </p:nvPr>
         </p:nvSpPr>
         <p:spPr>
           <a:xfrm>
-            <a:off x="550864" y="1731375"/>
-            <a:ext cx="3563936" cy="535354"/>
-          </a:xfrm>
-        </p:spPr>
-        <p:txBody>
-          <a:bodyPr/>
-          <a:lstStyle/>
-          <a:p>
-            <a:r>
-              <a:rPr lang="en-US" dirty="0"/>
-              <a:t>Subtitle</a:t>
-            </a:r>
-          </a:p>
-        </p:txBody>
-      </p:sp>
-      <p:sp>
-        <p:nvSpPr>
-          <p:cNvPr id="9" name="Content Placeholder 8">
-            <a:extLst>
-              <a:ext uri="{FF2B5EF4-FFF2-40B4-BE49-F238E27FC236}">
-                <a16:creationId xmlns:a16="http://schemas.microsoft.com/office/drawing/2014/main" id="{8598ECEC-4413-4244-8F21-0076EC511806}"/>
-              </a:ext>
-            </a:extLst>
-          </p:cNvPr>
-          <p:cNvSpPr>
-            <a:spLocks noGrp="1"/>
-          </p:cNvSpPr>
-          <p:nvPr>
-            <p:ph sz="half" idx="2"/>
-          </p:nvPr>
-        </p:nvSpPr>
-        <p:spPr>
-          <a:xfrm>
-            <a:off x="559476" y="2432304"/>
-            <a:ext cx="3563936" cy="3515555"/>
-          </a:xfrm>
-        </p:spPr>
-        <p:txBody>
-          <a:bodyPr>
-            <a:normAutofit fontScale="92500" lnSpcReduction="20000"/>
-          </a:bodyPr>
-          <a:lstStyle/>
-          <a:p>
-            <a:pPr lvl="0"/>
-            <a:r>
-              <a:rPr lang="en-US" dirty="0"/>
-              <a:t>Add text, images, art, and videos. </a:t>
-            </a:r>
-          </a:p>
-          <a:p>
-            <a:pPr lvl="0"/>
-            <a:r>
-              <a:rPr lang="en-US" dirty="0"/>
-              <a:t>Add transitions, animations, and motion. </a:t>
-            </a:r>
-          </a:p>
-          <a:p>
-            <a:pPr lvl="0"/>
-            <a:r>
-              <a:rPr lang="en-US" dirty="0"/>
-              <a:t>Save to OneDrive, to get to your presentations from your computer, tablet, or phone. </a:t>
-            </a:r>
-          </a:p>
-          <a:p>
-            <a:r>
-              <a:rPr lang="en-US" dirty="0"/>
-              <a:t>Open the Design Ideas pane for instant slide makeovers. </a:t>
-            </a:r>
-          </a:p>
-          <a:p>
-            <a:r>
-              <a:rPr lang="en-US" dirty="0"/>
-              <a:t>When we have design ideas, we’ll show them to you right there. </a:t>
-            </a:r>
-          </a:p>
-          <a:p>
-            <a:pPr lvl="0"/>
-            <a:endParaRPr lang="en-US" dirty="0"/>
-          </a:p>
-          <a:p>
-            <a:endParaRPr lang="en-US" dirty="0"/>
-          </a:p>
-        </p:txBody>
-      </p:sp>
-      <p:sp>
-        <p:nvSpPr>
-          <p:cNvPr id="12" name="Text Placeholder 11">
-            <a:extLst>
-              <a:ext uri="{FF2B5EF4-FFF2-40B4-BE49-F238E27FC236}">
-                <a16:creationId xmlns:a16="http://schemas.microsoft.com/office/drawing/2014/main" id="{3A63626D-0E6E-4023-ABFC-A744C9862159}"/>
-              </a:ext>
-            </a:extLst>
-          </p:cNvPr>
-          <p:cNvSpPr>
-            <a:spLocks noGrp="1"/>
-          </p:cNvSpPr>
-          <p:nvPr>
-            <p:ph type="body" sz="quarter" idx="13"/>
-          </p:nvPr>
-        </p:nvSpPr>
-        <p:spPr>
-          <a:xfrm>
-            <a:off x="4341573" y="1731375"/>
-            <a:ext cx="3566160" cy="535354"/>
-          </a:xfrm>
-        </p:spPr>
-        <p:txBody>
-          <a:bodyPr/>
-          <a:lstStyle/>
-          <a:p>
-            <a:r>
-              <a:rPr lang="en-US" dirty="0"/>
-              <a:t>subtitle</a:t>
-            </a:r>
-          </a:p>
-        </p:txBody>
-      </p:sp>
-      <p:sp>
-        <p:nvSpPr>
-          <p:cNvPr id="13" name="Content Placeholder 12">
-            <a:extLst>
-              <a:ext uri="{FF2B5EF4-FFF2-40B4-BE49-F238E27FC236}">
-                <a16:creationId xmlns:a16="http://schemas.microsoft.com/office/drawing/2014/main" id="{258E9390-685C-4BAD-BFAD-EC56E81C4745}"/>
-              </a:ext>
-            </a:extLst>
-          </p:cNvPr>
-          <p:cNvSpPr>
-            <a:spLocks noGrp="1"/>
-          </p:cNvSpPr>
-          <p:nvPr>
-            <p:ph sz="quarter" idx="14"/>
-          </p:nvPr>
-        </p:nvSpPr>
-        <p:spPr>
-          <a:xfrm>
-            <a:off x="4341573" y="2427370"/>
-            <a:ext cx="3508755" cy="3515555"/>
+            <a:off x="5262411" y="4508500"/>
+            <a:ext cx="6221412" cy="1563688"/>
           </a:xfrm>
         </p:spPr>
         <p:txBody>
@@ -25658,142 +25866,19 @@
           </a:bodyPr>
           <a:lstStyle/>
           <a:p>
-            <a:pPr lvl="0"/>
             <a:r>
               <a:rPr lang="en-US" dirty="0"/>
-              <a:t>Add text, images, art, and videos. </a:t>
-            </a:r>
-          </a:p>
-          <a:p>
-            <a:pPr lvl="0"/>
-            <a:r>
-              <a:rPr lang="en-US" dirty="0"/>
-              <a:t>Add transitions, animations, and motion. </a:t>
-            </a:r>
-          </a:p>
-          <a:p>
-            <a:pPr lvl="0"/>
-            <a:r>
-              <a:rPr lang="en-US" dirty="0"/>
-              <a:t>Save to OneDrive, to get to your presentations from your computer, tablet, or phone. </a:t>
-            </a:r>
-          </a:p>
-          <a:p>
-            <a:r>
-              <a:rPr lang="en-US" dirty="0"/>
-              <a:t>Open the Design Ideas pane for instant slide makeovers. </a:t>
-            </a:r>
-          </a:p>
-          <a:p>
-            <a:r>
-              <a:rPr lang="en-US" dirty="0"/>
-              <a:t>When we have design ideas, we’ll show them to you right there.</a:t>
+              <a:t>With PowerPoint, you can create presentations and share your work with others, wherever they are. Type the text you want here to get started. You can also add images, art, and videos on this template. Save to OneDrive and access your presentations from your computer, tablet, or phone. </a:t>
             </a:r>
           </a:p>
         </p:txBody>
       </p:sp>
       <p:sp>
         <p:nvSpPr>
-          <p:cNvPr id="10" name="Text Placeholder 9">
+          <p:cNvPr id="4" name="Date Placeholder 3">
             <a:extLst>
               <a:ext uri="{FF2B5EF4-FFF2-40B4-BE49-F238E27FC236}">
-                <a16:creationId xmlns:a16="http://schemas.microsoft.com/office/drawing/2014/main" id="{34A9BC34-CFDB-4D7A-8D6C-1CE608D0909F}"/>
-              </a:ext>
-            </a:extLst>
-          </p:cNvPr>
-          <p:cNvSpPr>
-            <a:spLocks noGrp="1"/>
-          </p:cNvSpPr>
-          <p:nvPr>
-            <p:ph type="body" sz="quarter" idx="3"/>
-          </p:nvPr>
-        </p:nvSpPr>
-        <p:spPr>
-          <a:xfrm>
-            <a:off x="8139659" y="1731375"/>
-            <a:ext cx="3566160" cy="535354"/>
-          </a:xfrm>
-        </p:spPr>
-        <p:txBody>
-          <a:bodyPr/>
-          <a:lstStyle/>
-          <a:p>
-            <a:r>
-              <a:rPr lang="en-US"/>
-              <a:t>subtitle</a:t>
-            </a:r>
-            <a:endParaRPr lang="en-US" dirty="0"/>
-          </a:p>
-        </p:txBody>
-      </p:sp>
-      <p:sp>
-        <p:nvSpPr>
-          <p:cNvPr id="11" name="Content Placeholder 10">
-            <a:extLst>
-              <a:ext uri="{FF2B5EF4-FFF2-40B4-BE49-F238E27FC236}">
-                <a16:creationId xmlns:a16="http://schemas.microsoft.com/office/drawing/2014/main" id="{1D014E48-5DD9-49CE-AD5B-0FEF69204F68}"/>
-              </a:ext>
-            </a:extLst>
-          </p:cNvPr>
-          <p:cNvSpPr>
-            <a:spLocks noGrp="1"/>
-          </p:cNvSpPr>
-          <p:nvPr>
-            <p:ph sz="quarter" idx="4"/>
-          </p:nvPr>
-        </p:nvSpPr>
-        <p:spPr>
-          <a:xfrm>
-            <a:off x="8139659" y="2427370"/>
-            <a:ext cx="3508755" cy="3515555"/>
-          </a:xfrm>
-        </p:spPr>
-        <p:txBody>
-          <a:bodyPr>
-            <a:normAutofit lnSpcReduction="10000"/>
-          </a:bodyPr>
-          <a:lstStyle/>
-          <a:p>
-            <a:pPr lvl="0"/>
-            <a:r>
-              <a:rPr lang="en-US" dirty="0"/>
-              <a:t>Add text, images, art, and videos. </a:t>
-            </a:r>
-          </a:p>
-          <a:p>
-            <a:pPr lvl="0"/>
-            <a:r>
-              <a:rPr lang="en-US" dirty="0"/>
-              <a:t>Add transitions, animations, and motion. </a:t>
-            </a:r>
-          </a:p>
-          <a:p>
-            <a:pPr lvl="0"/>
-            <a:r>
-              <a:rPr lang="en-US" dirty="0"/>
-              <a:t>Save to OneDrive, to get to your presentations from your computer, tablet, or phone. </a:t>
-            </a:r>
-          </a:p>
-          <a:p>
-            <a:r>
-              <a:rPr lang="en-US" dirty="0"/>
-              <a:t>Open the Design Ideas pane for instant slide makeovers. </a:t>
-            </a:r>
-          </a:p>
-          <a:p>
-            <a:r>
-              <a:rPr lang="en-US" dirty="0"/>
-              <a:t>When we have design ideas, we’ll show them to you right there.</a:t>
-            </a:r>
-          </a:p>
-        </p:txBody>
-      </p:sp>
-      <p:sp>
-        <p:nvSpPr>
-          <p:cNvPr id="14" name="Date Placeholder 13">
-            <a:extLst>
-              <a:ext uri="{FF2B5EF4-FFF2-40B4-BE49-F238E27FC236}">
-                <a16:creationId xmlns:a16="http://schemas.microsoft.com/office/drawing/2014/main" id="{D236478C-E242-44E0-8357-C72C9B588CA7}"/>
+                <a16:creationId xmlns:a16="http://schemas.microsoft.com/office/drawing/2014/main" id="{0C329F70-04F7-4C70-BCF8-D4371F54EF2F}"/>
               </a:ext>
             </a:extLst>
           </p:cNvPr>
@@ -25824,10 +25909,10 @@
       </p:sp>
       <p:sp>
         <p:nvSpPr>
-          <p:cNvPr id="15" name="Footer Placeholder 14">
+          <p:cNvPr id="5" name="Footer Placeholder 4">
             <a:extLst>
               <a:ext uri="{FF2B5EF4-FFF2-40B4-BE49-F238E27FC236}">
-                <a16:creationId xmlns:a16="http://schemas.microsoft.com/office/drawing/2014/main" id="{65A6DC02-681E-4AF7-AC6E-57CDDB2FBA28}"/>
+                <a16:creationId xmlns:a16="http://schemas.microsoft.com/office/drawing/2014/main" id="{06A3302E-502D-4151-81C9-5FD6AF9596D6}"/>
               </a:ext>
             </a:extLst>
           </p:cNvPr>
@@ -25857,10 +25942,10 @@
       </p:sp>
       <p:sp>
         <p:nvSpPr>
-          <p:cNvPr id="16" name="Slide Number Placeholder 15">
+          <p:cNvPr id="6" name="Slide Number Placeholder 5">
             <a:extLst>
               <a:ext uri="{FF2B5EF4-FFF2-40B4-BE49-F238E27FC236}">
-                <a16:creationId xmlns:a16="http://schemas.microsoft.com/office/drawing/2014/main" id="{CF0A8666-4477-461C-A79D-E91232EE973E}"/>
+                <a16:creationId xmlns:a16="http://schemas.microsoft.com/office/drawing/2014/main" id="{9ED907F8-C614-4D59-A03F-BF9CD5E35703}"/>
               </a:ext>
             </a:extLst>
           </p:cNvPr>
@@ -25893,7 +25978,7 @@
     </p:spTree>
     <p:extLst>
       <p:ext uri="{BB962C8B-B14F-4D97-AF65-F5344CB8AC3E}">
-        <p14:creationId xmlns:p14="http://schemas.microsoft.com/office/powerpoint/2010/main" val="1966113941"/>
+        <p14:creationId xmlns:p14="http://schemas.microsoft.com/office/powerpoint/2010/main" val="3626334480"/>
       </p:ext>
     </p:extLst>
   </p:cSld>
@@ -25922,10 +26007,10 @@
       </p:grpSpPr>
       <p:sp>
         <p:nvSpPr>
-          <p:cNvPr id="11" name="Title 10">
+          <p:cNvPr id="7" name="Title 6">
             <a:extLst>
               <a:ext uri="{FF2B5EF4-FFF2-40B4-BE49-F238E27FC236}">
-                <a16:creationId xmlns:a16="http://schemas.microsoft.com/office/drawing/2014/main" id="{581E8936-2270-47FE-94A4-398CB123EF90}"/>
+                <a16:creationId xmlns:a16="http://schemas.microsoft.com/office/drawing/2014/main" id="{47788B34-4190-4916-9048-47720EA5ABF1}"/>
               </a:ext>
             </a:extLst>
           </p:cNvPr>
@@ -25938,8 +26023,8 @@
         </p:nvSpPr>
         <p:spPr>
           <a:xfrm>
-            <a:off x="550863" y="4508500"/>
-            <a:ext cx="4500562" cy="1562959"/>
+            <a:off x="550862" y="549275"/>
+            <a:ext cx="11097551" cy="1332000"/>
           </a:xfrm>
         </p:spPr>
         <p:txBody>
@@ -25948,51 +26033,17 @@
           <a:p>
             <a:r>
               <a:rPr lang="en-US" dirty="0"/>
-              <a:t>Data Predictions</a:t>
+              <a:t>Content 2 </a:t>
             </a:r>
           </a:p>
         </p:txBody>
       </p:sp>
-      <p:pic>
-        <p:nvPicPr>
-          <p:cNvPr id="16" name="Picture Placeholder 15" descr="Data Points Digital background">
-            <a:extLst>
-              <a:ext uri="{FF2B5EF4-FFF2-40B4-BE49-F238E27FC236}">
-                <a16:creationId xmlns:a16="http://schemas.microsoft.com/office/drawing/2014/main" id="{361E9ADB-7377-4CF1-9AE4-AEFBDEBEEEEC}"/>
-              </a:ext>
-            </a:extLst>
-          </p:cNvPr>
-          <p:cNvPicPr>
-            <a:picLocks noGrp="1" noChangeAspect="1"/>
-          </p:cNvPicPr>
-          <p:nvPr>
-            <p:ph type="pic" sz="quarter" idx="13"/>
-          </p:nvPr>
-        </p:nvPicPr>
-        <p:blipFill rotWithShape="1">
-          <a:blip r:embed="rId3" cstate="screen">
-            <a:extLst>
-              <a:ext uri="{28A0092B-C50C-407E-A947-70E740481C1C}">
-                <a14:useLocalDpi xmlns:a14="http://schemas.microsoft.com/office/drawing/2010/main" val="0"/>
-              </a:ext>
-            </a:extLst>
-          </a:blip>
-          <a:srcRect/>
-          <a:stretch/>
-        </p:blipFill>
-        <p:spPr>
-          <a:xfrm>
-            <a:off x="0" y="0"/>
-            <a:ext cx="12192000" cy="3776472"/>
-          </a:xfrm>
-        </p:spPr>
-      </p:pic>
       <p:sp>
         <p:nvSpPr>
-          <p:cNvPr id="13" name="Content Placeholder 12">
+          <p:cNvPr id="8" name="Text Placeholder 7">
             <a:extLst>
               <a:ext uri="{FF2B5EF4-FFF2-40B4-BE49-F238E27FC236}">
-                <a16:creationId xmlns:a16="http://schemas.microsoft.com/office/drawing/2014/main" id="{C0287FEC-3826-4868-8D93-52429C6156F5}"/>
+                <a16:creationId xmlns:a16="http://schemas.microsoft.com/office/drawing/2014/main" id="{ABA415A0-3B77-43FB-A408-5F1DA4B0AAFA}"/>
               </a:ext>
             </a:extLst>
           </p:cNvPr>
@@ -26000,13 +26051,148 @@
             <a:spLocks noGrp="1"/>
           </p:cNvSpPr>
           <p:nvPr>
-            <p:ph sz="quarter" idx="15"/>
+            <p:ph type="body" idx="1"/>
           </p:nvPr>
         </p:nvSpPr>
         <p:spPr>
           <a:xfrm>
-            <a:off x="5262411" y="4508500"/>
-            <a:ext cx="6221412" cy="1563688"/>
+            <a:off x="550864" y="1731375"/>
+            <a:ext cx="3563936" cy="535354"/>
+          </a:xfrm>
+        </p:spPr>
+        <p:txBody>
+          <a:bodyPr/>
+          <a:lstStyle/>
+          <a:p>
+            <a:r>
+              <a:rPr lang="en-US" dirty="0"/>
+              <a:t>Subtitle</a:t>
+            </a:r>
+          </a:p>
+        </p:txBody>
+      </p:sp>
+      <p:sp>
+        <p:nvSpPr>
+          <p:cNvPr id="9" name="Content Placeholder 8">
+            <a:extLst>
+              <a:ext uri="{FF2B5EF4-FFF2-40B4-BE49-F238E27FC236}">
+                <a16:creationId xmlns:a16="http://schemas.microsoft.com/office/drawing/2014/main" id="{8598ECEC-4413-4244-8F21-0076EC511806}"/>
+              </a:ext>
+            </a:extLst>
+          </p:cNvPr>
+          <p:cNvSpPr>
+            <a:spLocks noGrp="1"/>
+          </p:cNvSpPr>
+          <p:nvPr>
+            <p:ph sz="half" idx="2"/>
+          </p:nvPr>
+        </p:nvSpPr>
+        <p:spPr>
+          <a:xfrm>
+            <a:off x="559476" y="2432304"/>
+            <a:ext cx="3563936" cy="3515555"/>
+          </a:xfrm>
+        </p:spPr>
+        <p:txBody>
+          <a:bodyPr>
+            <a:normAutofit fontScale="92500" lnSpcReduction="20000"/>
+          </a:bodyPr>
+          <a:lstStyle/>
+          <a:p>
+            <a:pPr lvl="0"/>
+            <a:r>
+              <a:rPr lang="en-US" dirty="0"/>
+              <a:t>Add text, images, art, and videos. </a:t>
+            </a:r>
+          </a:p>
+          <a:p>
+            <a:pPr lvl="0"/>
+            <a:r>
+              <a:rPr lang="en-US" dirty="0"/>
+              <a:t>Add transitions, animations, and motion. </a:t>
+            </a:r>
+          </a:p>
+          <a:p>
+            <a:pPr lvl="0"/>
+            <a:r>
+              <a:rPr lang="en-US" dirty="0"/>
+              <a:t>Save to OneDrive, to get to your presentations from your computer, tablet, or phone. </a:t>
+            </a:r>
+          </a:p>
+          <a:p>
+            <a:r>
+              <a:rPr lang="en-US" dirty="0"/>
+              <a:t>Open the Design Ideas pane for instant slide makeovers. </a:t>
+            </a:r>
+          </a:p>
+          <a:p>
+            <a:r>
+              <a:rPr lang="en-US" dirty="0"/>
+              <a:t>When we have design ideas, we’ll show them to you right there. </a:t>
+            </a:r>
+          </a:p>
+          <a:p>
+            <a:pPr lvl="0"/>
+            <a:endParaRPr lang="en-US" dirty="0"/>
+          </a:p>
+          <a:p>
+            <a:endParaRPr lang="en-US" dirty="0"/>
+          </a:p>
+        </p:txBody>
+      </p:sp>
+      <p:sp>
+        <p:nvSpPr>
+          <p:cNvPr id="12" name="Text Placeholder 11">
+            <a:extLst>
+              <a:ext uri="{FF2B5EF4-FFF2-40B4-BE49-F238E27FC236}">
+                <a16:creationId xmlns:a16="http://schemas.microsoft.com/office/drawing/2014/main" id="{3A63626D-0E6E-4023-ABFC-A744C9862159}"/>
+              </a:ext>
+            </a:extLst>
+          </p:cNvPr>
+          <p:cNvSpPr>
+            <a:spLocks noGrp="1"/>
+          </p:cNvSpPr>
+          <p:nvPr>
+            <p:ph type="body" sz="quarter" idx="13"/>
+          </p:nvPr>
+        </p:nvSpPr>
+        <p:spPr>
+          <a:xfrm>
+            <a:off x="4341573" y="1731375"/>
+            <a:ext cx="3566160" cy="535354"/>
+          </a:xfrm>
+        </p:spPr>
+        <p:txBody>
+          <a:bodyPr/>
+          <a:lstStyle/>
+          <a:p>
+            <a:r>
+              <a:rPr lang="en-US" dirty="0"/>
+              <a:t>subtitle</a:t>
+            </a:r>
+          </a:p>
+        </p:txBody>
+      </p:sp>
+      <p:sp>
+        <p:nvSpPr>
+          <p:cNvPr id="13" name="Content Placeholder 12">
+            <a:extLst>
+              <a:ext uri="{FF2B5EF4-FFF2-40B4-BE49-F238E27FC236}">
+                <a16:creationId xmlns:a16="http://schemas.microsoft.com/office/drawing/2014/main" id="{258E9390-685C-4BAD-BFAD-EC56E81C4745}"/>
+              </a:ext>
+            </a:extLst>
+          </p:cNvPr>
+          <p:cNvSpPr>
+            <a:spLocks noGrp="1"/>
+          </p:cNvSpPr>
+          <p:nvPr>
+            <p:ph sz="quarter" idx="14"/>
+          </p:nvPr>
+        </p:nvSpPr>
+        <p:spPr>
+          <a:xfrm>
+            <a:off x="4341573" y="2427370"/>
+            <a:ext cx="3508755" cy="3515555"/>
           </a:xfrm>
         </p:spPr>
         <p:txBody>
@@ -26015,19 +26201,142 @@
           </a:bodyPr>
           <a:lstStyle/>
           <a:p>
+            <a:pPr lvl="0"/>
             <a:r>
               <a:rPr lang="en-US" dirty="0"/>
-              <a:t>With PowerPoint, you can create presentations and share your work with others, wherever they are. Type the text you want here to get started. You can also add images, art, and videos on this template. Save to OneDrive and access your presentations from your computer, tablet, or phone. </a:t>
+              <a:t>Add text, images, art, and videos. </a:t>
+            </a:r>
+          </a:p>
+          <a:p>
+            <a:pPr lvl="0"/>
+            <a:r>
+              <a:rPr lang="en-US" dirty="0"/>
+              <a:t>Add transitions, animations, and motion. </a:t>
+            </a:r>
+          </a:p>
+          <a:p>
+            <a:pPr lvl="0"/>
+            <a:r>
+              <a:rPr lang="en-US" dirty="0"/>
+              <a:t>Save to OneDrive, to get to your presentations from your computer, tablet, or phone. </a:t>
+            </a:r>
+          </a:p>
+          <a:p>
+            <a:r>
+              <a:rPr lang="en-US" dirty="0"/>
+              <a:t>Open the Design Ideas pane for instant slide makeovers. </a:t>
+            </a:r>
+          </a:p>
+          <a:p>
+            <a:r>
+              <a:rPr lang="en-US" dirty="0"/>
+              <a:t>When we have design ideas, we’ll show them to you right there.</a:t>
             </a:r>
           </a:p>
         </p:txBody>
       </p:sp>
       <p:sp>
         <p:nvSpPr>
-          <p:cNvPr id="4" name="Date Placeholder 3">
+          <p:cNvPr id="10" name="Text Placeholder 9">
             <a:extLst>
               <a:ext uri="{FF2B5EF4-FFF2-40B4-BE49-F238E27FC236}">
-                <a16:creationId xmlns:a16="http://schemas.microsoft.com/office/drawing/2014/main" id="{0C329F70-04F7-4C70-BCF8-D4371F54EF2F}"/>
+                <a16:creationId xmlns:a16="http://schemas.microsoft.com/office/drawing/2014/main" id="{34A9BC34-CFDB-4D7A-8D6C-1CE608D0909F}"/>
+              </a:ext>
+            </a:extLst>
+          </p:cNvPr>
+          <p:cNvSpPr>
+            <a:spLocks noGrp="1"/>
+          </p:cNvSpPr>
+          <p:nvPr>
+            <p:ph type="body" sz="quarter" idx="3"/>
+          </p:nvPr>
+        </p:nvSpPr>
+        <p:spPr>
+          <a:xfrm>
+            <a:off x="8139659" y="1731375"/>
+            <a:ext cx="3566160" cy="535354"/>
+          </a:xfrm>
+        </p:spPr>
+        <p:txBody>
+          <a:bodyPr/>
+          <a:lstStyle/>
+          <a:p>
+            <a:r>
+              <a:rPr lang="en-US"/>
+              <a:t>subtitle</a:t>
+            </a:r>
+            <a:endParaRPr lang="en-US" dirty="0"/>
+          </a:p>
+        </p:txBody>
+      </p:sp>
+      <p:sp>
+        <p:nvSpPr>
+          <p:cNvPr id="11" name="Content Placeholder 10">
+            <a:extLst>
+              <a:ext uri="{FF2B5EF4-FFF2-40B4-BE49-F238E27FC236}">
+                <a16:creationId xmlns:a16="http://schemas.microsoft.com/office/drawing/2014/main" id="{1D014E48-5DD9-49CE-AD5B-0FEF69204F68}"/>
+              </a:ext>
+            </a:extLst>
+          </p:cNvPr>
+          <p:cNvSpPr>
+            <a:spLocks noGrp="1"/>
+          </p:cNvSpPr>
+          <p:nvPr>
+            <p:ph sz="quarter" idx="4"/>
+          </p:nvPr>
+        </p:nvSpPr>
+        <p:spPr>
+          <a:xfrm>
+            <a:off x="8139659" y="2427370"/>
+            <a:ext cx="3508755" cy="3515555"/>
+          </a:xfrm>
+        </p:spPr>
+        <p:txBody>
+          <a:bodyPr>
+            <a:normAutofit lnSpcReduction="10000"/>
+          </a:bodyPr>
+          <a:lstStyle/>
+          <a:p>
+            <a:pPr lvl="0"/>
+            <a:r>
+              <a:rPr lang="en-US" dirty="0"/>
+              <a:t>Add text, images, art, and videos. </a:t>
+            </a:r>
+          </a:p>
+          <a:p>
+            <a:pPr lvl="0"/>
+            <a:r>
+              <a:rPr lang="en-US" dirty="0"/>
+              <a:t>Add transitions, animations, and motion. </a:t>
+            </a:r>
+          </a:p>
+          <a:p>
+            <a:pPr lvl="0"/>
+            <a:r>
+              <a:rPr lang="en-US" dirty="0"/>
+              <a:t>Save to OneDrive, to get to your presentations from your computer, tablet, or phone. </a:t>
+            </a:r>
+          </a:p>
+          <a:p>
+            <a:r>
+              <a:rPr lang="en-US" dirty="0"/>
+              <a:t>Open the Design Ideas pane for instant slide makeovers. </a:t>
+            </a:r>
+          </a:p>
+          <a:p>
+            <a:r>
+              <a:rPr lang="en-US" dirty="0"/>
+              <a:t>When we have design ideas, we’ll show them to you right there.</a:t>
+            </a:r>
+          </a:p>
+        </p:txBody>
+      </p:sp>
+      <p:sp>
+        <p:nvSpPr>
+          <p:cNvPr id="14" name="Date Placeholder 13">
+            <a:extLst>
+              <a:ext uri="{FF2B5EF4-FFF2-40B4-BE49-F238E27FC236}">
+                <a16:creationId xmlns:a16="http://schemas.microsoft.com/office/drawing/2014/main" id="{D236478C-E242-44E0-8357-C72C9B588CA7}"/>
               </a:ext>
             </a:extLst>
           </p:cNvPr>
@@ -26058,10 +26367,10 @@
       </p:sp>
       <p:sp>
         <p:nvSpPr>
-          <p:cNvPr id="5" name="Footer Placeholder 4">
+          <p:cNvPr id="15" name="Footer Placeholder 14">
             <a:extLst>
               <a:ext uri="{FF2B5EF4-FFF2-40B4-BE49-F238E27FC236}">
-                <a16:creationId xmlns:a16="http://schemas.microsoft.com/office/drawing/2014/main" id="{06A3302E-502D-4151-81C9-5FD6AF9596D6}"/>
+                <a16:creationId xmlns:a16="http://schemas.microsoft.com/office/drawing/2014/main" id="{65A6DC02-681E-4AF7-AC6E-57CDDB2FBA28}"/>
               </a:ext>
             </a:extLst>
           </p:cNvPr>
@@ -26091,10 +26400,10 @@
       </p:sp>
       <p:sp>
         <p:nvSpPr>
-          <p:cNvPr id="6" name="Slide Number Placeholder 5">
+          <p:cNvPr id="16" name="Slide Number Placeholder 15">
             <a:extLst>
               <a:ext uri="{FF2B5EF4-FFF2-40B4-BE49-F238E27FC236}">
-                <a16:creationId xmlns:a16="http://schemas.microsoft.com/office/drawing/2014/main" id="{9ED907F8-C614-4D59-A03F-BF9CD5E35703}"/>
+                <a16:creationId xmlns:a16="http://schemas.microsoft.com/office/drawing/2014/main" id="{CF0A8666-4477-461C-A79D-E91232EE973E}"/>
               </a:ext>
             </a:extLst>
           </p:cNvPr>
@@ -26127,7 +26436,7 @@
     </p:spTree>
     <p:extLst>
       <p:ext uri="{BB962C8B-B14F-4D97-AF65-F5344CB8AC3E}">
-        <p14:creationId xmlns:p14="http://schemas.microsoft.com/office/powerpoint/2010/main" val="3626334480"/>
+        <p14:creationId xmlns:p14="http://schemas.microsoft.com/office/powerpoint/2010/main" val="883699955"/>
       </p:ext>
     </p:extLst>
   </p:cSld>
@@ -26156,10 +26465,10 @@
       </p:grpSpPr>
       <p:sp>
         <p:nvSpPr>
-          <p:cNvPr id="7" name="Title 6">
+          <p:cNvPr id="11" name="Title 10">
             <a:extLst>
               <a:ext uri="{FF2B5EF4-FFF2-40B4-BE49-F238E27FC236}">
-                <a16:creationId xmlns:a16="http://schemas.microsoft.com/office/drawing/2014/main" id="{47788B34-4190-4916-9048-47720EA5ABF1}"/>
+                <a16:creationId xmlns:a16="http://schemas.microsoft.com/office/drawing/2014/main" id="{581E8936-2270-47FE-94A4-398CB123EF90}"/>
               </a:ext>
             </a:extLst>
           </p:cNvPr>
@@ -26172,8 +26481,8 @@
         </p:nvSpPr>
         <p:spPr>
           <a:xfrm>
-            <a:off x="550862" y="549275"/>
-            <a:ext cx="11097551" cy="1332000"/>
+            <a:off x="550863" y="4508500"/>
+            <a:ext cx="4500562" cy="1562959"/>
           </a:xfrm>
         </p:spPr>
         <p:txBody>
@@ -26182,17 +26491,51 @@
           <a:p>
             <a:r>
               <a:rPr lang="en-US" dirty="0"/>
-              <a:t>Content 2 </a:t>
+              <a:t>Summary</a:t>
             </a:r>
           </a:p>
         </p:txBody>
       </p:sp>
+      <p:pic>
+        <p:nvPicPr>
+          <p:cNvPr id="16" name="Picture Placeholder 15" descr="Data Points Digital background">
+            <a:extLst>
+              <a:ext uri="{FF2B5EF4-FFF2-40B4-BE49-F238E27FC236}">
+                <a16:creationId xmlns:a16="http://schemas.microsoft.com/office/drawing/2014/main" id="{361E9ADB-7377-4CF1-9AE4-AEFBDEBEEEEC}"/>
+              </a:ext>
+            </a:extLst>
+          </p:cNvPr>
+          <p:cNvPicPr>
+            <a:picLocks noGrp="1" noChangeAspect="1"/>
+          </p:cNvPicPr>
+          <p:nvPr>
+            <p:ph type="pic" sz="quarter" idx="13"/>
+          </p:nvPr>
+        </p:nvPicPr>
+        <p:blipFill rotWithShape="1">
+          <a:blip r:embed="rId3" cstate="screen">
+            <a:extLst>
+              <a:ext uri="{28A0092B-C50C-407E-A947-70E740481C1C}">
+                <a14:useLocalDpi xmlns:a14="http://schemas.microsoft.com/office/drawing/2010/main" val="0"/>
+              </a:ext>
+            </a:extLst>
+          </a:blip>
+          <a:srcRect/>
+          <a:stretch/>
+        </p:blipFill>
+        <p:spPr>
+          <a:xfrm>
+            <a:off x="0" y="0"/>
+            <a:ext cx="12192000" cy="3776472"/>
+          </a:xfrm>
+        </p:spPr>
+      </p:pic>
       <p:sp>
         <p:nvSpPr>
-          <p:cNvPr id="8" name="Text Placeholder 7">
+          <p:cNvPr id="13" name="Content Placeholder 12">
             <a:extLst>
               <a:ext uri="{FF2B5EF4-FFF2-40B4-BE49-F238E27FC236}">
-                <a16:creationId xmlns:a16="http://schemas.microsoft.com/office/drawing/2014/main" id="{ABA415A0-3B77-43FB-A408-5F1DA4B0AAFA}"/>
+                <a16:creationId xmlns:a16="http://schemas.microsoft.com/office/drawing/2014/main" id="{C0287FEC-3826-4868-8D93-52429C6156F5}"/>
               </a:ext>
             </a:extLst>
           </p:cNvPr>
@@ -26200,148 +26543,13 @@
             <a:spLocks noGrp="1"/>
           </p:cNvSpPr>
           <p:nvPr>
-            <p:ph type="body" idx="1"/>
+            <p:ph sz="quarter" idx="15"/>
           </p:nvPr>
         </p:nvSpPr>
         <p:spPr>
           <a:xfrm>
-            <a:off x="550864" y="1731375"/>
-            <a:ext cx="3563936" cy="535354"/>
-          </a:xfrm>
-        </p:spPr>
-        <p:txBody>
-          <a:bodyPr/>
-          <a:lstStyle/>
-          <a:p>
-            <a:r>
-              <a:rPr lang="en-US" dirty="0"/>
-              <a:t>Subtitle</a:t>
-            </a:r>
-          </a:p>
-        </p:txBody>
-      </p:sp>
-      <p:sp>
-        <p:nvSpPr>
-          <p:cNvPr id="9" name="Content Placeholder 8">
-            <a:extLst>
-              <a:ext uri="{FF2B5EF4-FFF2-40B4-BE49-F238E27FC236}">
-                <a16:creationId xmlns:a16="http://schemas.microsoft.com/office/drawing/2014/main" id="{8598ECEC-4413-4244-8F21-0076EC511806}"/>
-              </a:ext>
-            </a:extLst>
-          </p:cNvPr>
-          <p:cNvSpPr>
-            <a:spLocks noGrp="1"/>
-          </p:cNvSpPr>
-          <p:nvPr>
-            <p:ph sz="half" idx="2"/>
-          </p:nvPr>
-        </p:nvSpPr>
-        <p:spPr>
-          <a:xfrm>
-            <a:off x="559476" y="2432304"/>
-            <a:ext cx="3563936" cy="3515555"/>
-          </a:xfrm>
-        </p:spPr>
-        <p:txBody>
-          <a:bodyPr>
-            <a:normAutofit fontScale="92500" lnSpcReduction="20000"/>
-          </a:bodyPr>
-          <a:lstStyle/>
-          <a:p>
-            <a:pPr lvl="0"/>
-            <a:r>
-              <a:rPr lang="en-US" dirty="0"/>
-              <a:t>Add text, images, art, and videos. </a:t>
-            </a:r>
-          </a:p>
-          <a:p>
-            <a:pPr lvl="0"/>
-            <a:r>
-              <a:rPr lang="en-US" dirty="0"/>
-              <a:t>Add transitions, animations, and motion. </a:t>
-            </a:r>
-          </a:p>
-          <a:p>
-            <a:pPr lvl="0"/>
-            <a:r>
-              <a:rPr lang="en-US" dirty="0"/>
-              <a:t>Save to OneDrive, to get to your presentations from your computer, tablet, or phone. </a:t>
-            </a:r>
-          </a:p>
-          <a:p>
-            <a:r>
-              <a:rPr lang="en-US" dirty="0"/>
-              <a:t>Open the Design Ideas pane for instant slide makeovers. </a:t>
-            </a:r>
-          </a:p>
-          <a:p>
-            <a:r>
-              <a:rPr lang="en-US" dirty="0"/>
-              <a:t>When we have design ideas, we’ll show them to you right there. </a:t>
-            </a:r>
-          </a:p>
-          <a:p>
-            <a:pPr lvl="0"/>
-            <a:endParaRPr lang="en-US" dirty="0"/>
-          </a:p>
-          <a:p>
-            <a:endParaRPr lang="en-US" dirty="0"/>
-          </a:p>
-        </p:txBody>
-      </p:sp>
-      <p:sp>
-        <p:nvSpPr>
-          <p:cNvPr id="12" name="Text Placeholder 11">
-            <a:extLst>
-              <a:ext uri="{FF2B5EF4-FFF2-40B4-BE49-F238E27FC236}">
-                <a16:creationId xmlns:a16="http://schemas.microsoft.com/office/drawing/2014/main" id="{3A63626D-0E6E-4023-ABFC-A744C9862159}"/>
-              </a:ext>
-            </a:extLst>
-          </p:cNvPr>
-          <p:cNvSpPr>
-            <a:spLocks noGrp="1"/>
-          </p:cNvSpPr>
-          <p:nvPr>
-            <p:ph type="body" sz="quarter" idx="13"/>
-          </p:nvPr>
-        </p:nvSpPr>
-        <p:spPr>
-          <a:xfrm>
-            <a:off x="4341573" y="1731375"/>
-            <a:ext cx="3566160" cy="535354"/>
-          </a:xfrm>
-        </p:spPr>
-        <p:txBody>
-          <a:bodyPr/>
-          <a:lstStyle/>
-          <a:p>
-            <a:r>
-              <a:rPr lang="en-US" dirty="0"/>
-              <a:t>subtitle</a:t>
-            </a:r>
-          </a:p>
-        </p:txBody>
-      </p:sp>
-      <p:sp>
-        <p:nvSpPr>
-          <p:cNvPr id="13" name="Content Placeholder 12">
-            <a:extLst>
-              <a:ext uri="{FF2B5EF4-FFF2-40B4-BE49-F238E27FC236}">
-                <a16:creationId xmlns:a16="http://schemas.microsoft.com/office/drawing/2014/main" id="{258E9390-685C-4BAD-BFAD-EC56E81C4745}"/>
-              </a:ext>
-            </a:extLst>
-          </p:cNvPr>
-          <p:cNvSpPr>
-            <a:spLocks noGrp="1"/>
-          </p:cNvSpPr>
-          <p:nvPr>
-            <p:ph sz="quarter" idx="14"/>
-          </p:nvPr>
-        </p:nvSpPr>
-        <p:spPr>
-          <a:xfrm>
-            <a:off x="4341573" y="2427370"/>
-            <a:ext cx="3508755" cy="3515555"/>
+            <a:off x="5262411" y="4508500"/>
+            <a:ext cx="6221412" cy="1563688"/>
           </a:xfrm>
         </p:spPr>
         <p:txBody>
@@ -26350,142 +26558,19 @@
           </a:bodyPr>
           <a:lstStyle/>
           <a:p>
-            <a:pPr lvl="0"/>
             <a:r>
               <a:rPr lang="en-US" dirty="0"/>
-              <a:t>Add text, images, art, and videos. </a:t>
-            </a:r>
-          </a:p>
-          <a:p>
-            <a:pPr lvl="0"/>
-            <a:r>
-              <a:rPr lang="en-US" dirty="0"/>
-              <a:t>Add transitions, animations, and motion. </a:t>
-            </a:r>
-          </a:p>
-          <a:p>
-            <a:pPr lvl="0"/>
-            <a:r>
-              <a:rPr lang="en-US" dirty="0"/>
-              <a:t>Save to OneDrive, to get to your presentations from your computer, tablet, or phone. </a:t>
-            </a:r>
-          </a:p>
-          <a:p>
-            <a:r>
-              <a:rPr lang="en-US" dirty="0"/>
-              <a:t>Open the Design Ideas pane for instant slide makeovers. </a:t>
-            </a:r>
-          </a:p>
-          <a:p>
-            <a:r>
-              <a:rPr lang="en-US" dirty="0"/>
-              <a:t>When we have design ideas, we’ll show them to you right there.</a:t>
+              <a:t>With PowerPoint, you can create presentations and share your work with others, wherever they are. Type the text you want here to get started. You can also add images, art, and videos on this template. Save to OneDrive and access your presentations from your computer, tablet, or phone. </a:t>
             </a:r>
           </a:p>
         </p:txBody>
       </p:sp>
       <p:sp>
         <p:nvSpPr>
-          <p:cNvPr id="10" name="Text Placeholder 9">
+          <p:cNvPr id="4" name="Date Placeholder 3">
             <a:extLst>
               <a:ext uri="{FF2B5EF4-FFF2-40B4-BE49-F238E27FC236}">
-                <a16:creationId xmlns:a16="http://schemas.microsoft.com/office/drawing/2014/main" id="{34A9BC34-CFDB-4D7A-8D6C-1CE608D0909F}"/>
-              </a:ext>
-            </a:extLst>
-          </p:cNvPr>
-          <p:cNvSpPr>
-            <a:spLocks noGrp="1"/>
-          </p:cNvSpPr>
-          <p:nvPr>
-            <p:ph type="body" sz="quarter" idx="3"/>
-          </p:nvPr>
-        </p:nvSpPr>
-        <p:spPr>
-          <a:xfrm>
-            <a:off x="8139659" y="1731375"/>
-            <a:ext cx="3566160" cy="535354"/>
-          </a:xfrm>
-        </p:spPr>
-        <p:txBody>
-          <a:bodyPr/>
-          <a:lstStyle/>
-          <a:p>
-            <a:r>
-              <a:rPr lang="en-US"/>
-              <a:t>subtitle</a:t>
-            </a:r>
-            <a:endParaRPr lang="en-US" dirty="0"/>
-          </a:p>
-        </p:txBody>
-      </p:sp>
-      <p:sp>
-        <p:nvSpPr>
-          <p:cNvPr id="11" name="Content Placeholder 10">
-            <a:extLst>
-              <a:ext uri="{FF2B5EF4-FFF2-40B4-BE49-F238E27FC236}">
-                <a16:creationId xmlns:a16="http://schemas.microsoft.com/office/drawing/2014/main" id="{1D014E48-5DD9-49CE-AD5B-0FEF69204F68}"/>
-              </a:ext>
-            </a:extLst>
-          </p:cNvPr>
-          <p:cNvSpPr>
-            <a:spLocks noGrp="1"/>
-          </p:cNvSpPr>
-          <p:nvPr>
-            <p:ph sz="quarter" idx="4"/>
-          </p:nvPr>
-        </p:nvSpPr>
-        <p:spPr>
-          <a:xfrm>
-            <a:off x="8139659" y="2427370"/>
-            <a:ext cx="3508755" cy="3515555"/>
-          </a:xfrm>
-        </p:spPr>
-        <p:txBody>
-          <a:bodyPr>
-            <a:normAutofit lnSpcReduction="10000"/>
-          </a:bodyPr>
-          <a:lstStyle/>
-          <a:p>
-            <a:pPr lvl="0"/>
-            <a:r>
-              <a:rPr lang="en-US" dirty="0"/>
-              <a:t>Add text, images, art, and videos. </a:t>
-            </a:r>
-          </a:p>
-          <a:p>
-            <a:pPr lvl="0"/>
-            <a:r>
-              <a:rPr lang="en-US" dirty="0"/>
-              <a:t>Add transitions, animations, and motion. </a:t>
-            </a:r>
-          </a:p>
-          <a:p>
-            <a:pPr lvl="0"/>
-            <a:r>
-              <a:rPr lang="en-US" dirty="0"/>
-              <a:t>Save to OneDrive, to get to your presentations from your computer, tablet, or phone. </a:t>
-            </a:r>
-          </a:p>
-          <a:p>
-            <a:r>
-              <a:rPr lang="en-US" dirty="0"/>
-              <a:t>Open the Design Ideas pane for instant slide makeovers. </a:t>
-            </a:r>
-          </a:p>
-          <a:p>
-            <a:r>
-              <a:rPr lang="en-US" dirty="0"/>
-              <a:t>When we have design ideas, we’ll show them to you right there.</a:t>
-            </a:r>
-          </a:p>
-        </p:txBody>
-      </p:sp>
-      <p:sp>
-        <p:nvSpPr>
-          <p:cNvPr id="14" name="Date Placeholder 13">
-            <a:extLst>
-              <a:ext uri="{FF2B5EF4-FFF2-40B4-BE49-F238E27FC236}">
-                <a16:creationId xmlns:a16="http://schemas.microsoft.com/office/drawing/2014/main" id="{D236478C-E242-44E0-8357-C72C9B588CA7}"/>
+                <a16:creationId xmlns:a16="http://schemas.microsoft.com/office/drawing/2014/main" id="{0C329F70-04F7-4C70-BCF8-D4371F54EF2F}"/>
               </a:ext>
             </a:extLst>
           </p:cNvPr>
@@ -26516,10 +26601,10 @@
       </p:sp>
       <p:sp>
         <p:nvSpPr>
-          <p:cNvPr id="15" name="Footer Placeholder 14">
+          <p:cNvPr id="5" name="Footer Placeholder 4">
             <a:extLst>
               <a:ext uri="{FF2B5EF4-FFF2-40B4-BE49-F238E27FC236}">
-                <a16:creationId xmlns:a16="http://schemas.microsoft.com/office/drawing/2014/main" id="{65A6DC02-681E-4AF7-AC6E-57CDDB2FBA28}"/>
+                <a16:creationId xmlns:a16="http://schemas.microsoft.com/office/drawing/2014/main" id="{06A3302E-502D-4151-81C9-5FD6AF9596D6}"/>
               </a:ext>
             </a:extLst>
           </p:cNvPr>
@@ -26549,10 +26634,10 @@
       </p:sp>
       <p:sp>
         <p:nvSpPr>
-          <p:cNvPr id="16" name="Slide Number Placeholder 15">
+          <p:cNvPr id="6" name="Slide Number Placeholder 5">
             <a:extLst>
               <a:ext uri="{FF2B5EF4-FFF2-40B4-BE49-F238E27FC236}">
-                <a16:creationId xmlns:a16="http://schemas.microsoft.com/office/drawing/2014/main" id="{CF0A8666-4477-461C-A79D-E91232EE973E}"/>
+                <a16:creationId xmlns:a16="http://schemas.microsoft.com/office/drawing/2014/main" id="{9ED907F8-C614-4D59-A03F-BF9CD5E35703}"/>
               </a:ext>
             </a:extLst>
           </p:cNvPr>
@@ -26585,7 +26670,7 @@
     </p:spTree>
     <p:extLst>
       <p:ext uri="{BB962C8B-B14F-4D97-AF65-F5344CB8AC3E}">
-        <p14:creationId xmlns:p14="http://schemas.microsoft.com/office/powerpoint/2010/main" val="883699955"/>
+        <p14:creationId xmlns:p14="http://schemas.microsoft.com/office/powerpoint/2010/main" val="3521561301"/>
       </p:ext>
     </p:extLst>
   </p:cSld>
@@ -27027,7 +27112,7 @@
           <a:p>
             <a:r>
               <a:rPr lang="en-US" dirty="0"/>
-              <a:t>Summary</a:t>
+              <a:t>Lessons Learned</a:t>
             </a:r>
           </a:p>
         </p:txBody>
@@ -27090,13 +27175,45 @@
         </p:spPr>
         <p:txBody>
           <a:bodyPr>
-            <a:normAutofit lnSpcReduction="10000"/>
+            <a:normAutofit fontScale="77500" lnSpcReduction="20000"/>
           </a:bodyPr>
           <a:lstStyle/>
           <a:p>
+            <a:pPr marL="342900" indent="-342900">
+              <a:buFont typeface="Arial" panose="020B0604020202020204" pitchFamily="34" charset="0"/>
+              <a:buChar char="•"/>
+            </a:pPr>
             <a:r>
               <a:rPr lang="en-US" dirty="0"/>
-              <a:t>With PowerPoint, you can create presentations and share your work with others, wherever they are. Type the text you want here to get started. You can also add images, art, and videos on this template. Save to OneDrive and access your presentations from your computer, tablet, or phone. </a:t>
+              <a:t>A few lessons learned here</a:t>
+            </a:r>
+          </a:p>
+          <a:p>
+            <a:pPr marL="342900" indent="-342900">
+              <a:buFont typeface="Arial" panose="020B0604020202020204" pitchFamily="34" charset="0"/>
+              <a:buChar char="•"/>
+            </a:pPr>
+            <a:r>
+              <a:rPr lang="en-US" dirty="0"/>
+              <a:t>And here</a:t>
+            </a:r>
+          </a:p>
+          <a:p>
+            <a:pPr marL="342900" indent="-342900">
+              <a:buFont typeface="Arial" panose="020B0604020202020204" pitchFamily="34" charset="0"/>
+              <a:buChar char="•"/>
+            </a:pPr>
+            <a:r>
+              <a:rPr lang="en-US" dirty="0"/>
+              <a:t>Refine scope of our questions based on time constraints.  Model built to predict salary based on inputs.  We did not complete the additional models </a:t>
+            </a:r>
+            <a:r>
+              <a:rPr lang="en-US"/>
+              <a:t>to predict </a:t>
+            </a:r>
+            <a:r>
+              <a:rPr lang="en-US" dirty="0"/>
+              <a:t>job title or experience level based on salary. </a:t>
             </a:r>
           </a:p>
         </p:txBody>
@@ -27206,7 +27323,7 @@
     </p:spTree>
     <p:extLst>
       <p:ext uri="{BB962C8B-B14F-4D97-AF65-F5344CB8AC3E}">
-        <p14:creationId xmlns:p14="http://schemas.microsoft.com/office/powerpoint/2010/main" val="3521561301"/>
+        <p14:creationId xmlns:p14="http://schemas.microsoft.com/office/powerpoint/2010/main" val="2494024088"/>
       </p:ext>
     </p:extLst>
   </p:cSld>
@@ -27235,10 +27352,10 @@
       </p:grpSpPr>
       <p:sp>
         <p:nvSpPr>
-          <p:cNvPr id="11" name="Title 10">
+          <p:cNvPr id="14" name="Title 13">
             <a:extLst>
               <a:ext uri="{FF2B5EF4-FFF2-40B4-BE49-F238E27FC236}">
-                <a16:creationId xmlns:a16="http://schemas.microsoft.com/office/drawing/2014/main" id="{581E8936-2270-47FE-94A4-398CB123EF90}"/>
+                <a16:creationId xmlns:a16="http://schemas.microsoft.com/office/drawing/2014/main" id="{C15EE852-24F1-4643-8082-AB45CFF2BA10}"/>
               </a:ext>
             </a:extLst>
           </p:cNvPr>
@@ -27251,61 +27368,54 @@
         </p:nvSpPr>
         <p:spPr>
           <a:xfrm>
-            <a:off x="550863" y="4508500"/>
-            <a:ext cx="4500562" cy="1562959"/>
+            <a:off x="550863" y="549275"/>
+            <a:ext cx="4783137" cy="5390092"/>
           </a:xfrm>
         </p:spPr>
         <p:txBody>
-          <a:bodyPr/>
+          <a:bodyPr>
+            <a:normAutofit/>
+          </a:bodyPr>
           <a:lstStyle/>
           <a:p>
             <a:r>
               <a:rPr lang="en-US" dirty="0"/>
-              <a:t>Lessons Learned</a:t>
+              <a:t>Ready to negotiate salary for your new data science position… </a:t>
             </a:r>
+            <a:br>
+              <a:rPr lang="en-US" dirty="0"/>
+            </a:br>
+            <a:r>
+              <a:rPr lang="en-US" dirty="0"/>
+              <a:t>this app is here to help. </a:t>
+            </a:r>
+            <a:br>
+              <a:rPr lang="en-US" dirty="0"/>
+            </a:br>
+            <a:br>
+              <a:rPr lang="en-US" dirty="0"/>
+            </a:br>
+            <a:r>
+              <a:rPr lang="en-US" sz="2800" dirty="0"/>
+              <a:t>Know your worth.  </a:t>
+            </a:r>
+            <a:br>
+              <a:rPr lang="en-US" sz="2800" dirty="0"/>
+            </a:br>
+            <a:r>
+              <a:rPr lang="en-US" sz="2800" dirty="0"/>
+              <a:t>You are your best advocate.</a:t>
+            </a:r>
+            <a:endParaRPr lang="en-US" dirty="0"/>
           </a:p>
         </p:txBody>
       </p:sp>
-      <p:pic>
-        <p:nvPicPr>
-          <p:cNvPr id="16" name="Picture Placeholder 15" descr="Data Points Digital background">
-            <a:extLst>
-              <a:ext uri="{FF2B5EF4-FFF2-40B4-BE49-F238E27FC236}">
-                <a16:creationId xmlns:a16="http://schemas.microsoft.com/office/drawing/2014/main" id="{361E9ADB-7377-4CF1-9AE4-AEFBDEBEEEEC}"/>
-              </a:ext>
-            </a:extLst>
-          </p:cNvPr>
-          <p:cNvPicPr>
-            <a:picLocks noGrp="1" noChangeAspect="1"/>
-          </p:cNvPicPr>
-          <p:nvPr>
-            <p:ph type="pic" sz="quarter" idx="13"/>
-          </p:nvPr>
-        </p:nvPicPr>
-        <p:blipFill rotWithShape="1">
-          <a:blip r:embed="rId3" cstate="screen">
-            <a:extLst>
-              <a:ext uri="{28A0092B-C50C-407E-A947-70E740481C1C}">
-                <a14:useLocalDpi xmlns:a14="http://schemas.microsoft.com/office/drawing/2010/main" val="0"/>
-              </a:ext>
-            </a:extLst>
-          </a:blip>
-          <a:srcRect/>
-          <a:stretch/>
-        </p:blipFill>
-        <p:spPr>
-          <a:xfrm>
-            <a:off x="0" y="0"/>
-            <a:ext cx="12192000" cy="3776472"/>
-          </a:xfrm>
-        </p:spPr>
-      </p:pic>
       <p:sp>
         <p:nvSpPr>
-          <p:cNvPr id="13" name="Content Placeholder 12">
+          <p:cNvPr id="15" name="Content Placeholder 14">
             <a:extLst>
               <a:ext uri="{FF2B5EF4-FFF2-40B4-BE49-F238E27FC236}">
-                <a16:creationId xmlns:a16="http://schemas.microsoft.com/office/drawing/2014/main" id="{C0287FEC-3826-4868-8D93-52429C6156F5}"/>
+                <a16:creationId xmlns:a16="http://schemas.microsoft.com/office/drawing/2014/main" id="{4139825C-53C7-44F4-A064-9795CECD081B}"/>
               </a:ext>
             </a:extLst>
           </p:cNvPr>
@@ -27318,53 +27428,61 @@
         </p:nvSpPr>
         <p:spPr>
           <a:xfrm>
-            <a:off x="5262411" y="4508500"/>
-            <a:ext cx="6221412" cy="1563688"/>
+            <a:off x="550863" y="4097338"/>
+            <a:ext cx="3565524" cy="2351087"/>
           </a:xfrm>
         </p:spPr>
         <p:txBody>
-          <a:bodyPr>
-            <a:normAutofit/>
-          </a:bodyPr>
+          <a:bodyPr/>
           <a:lstStyle/>
           <a:p>
-            <a:pPr marL="342900" indent="-342900">
-              <a:buFont typeface="Arial" panose="020B0604020202020204" pitchFamily="34" charset="0"/>
-              <a:buChar char="•"/>
-            </a:pPr>
-            <a:r>
-              <a:rPr lang="en-US" dirty="0"/>
-              <a:t>A few lessons learned here</a:t>
-            </a:r>
-          </a:p>
-          <a:p>
-            <a:pPr marL="342900" indent="-342900">
-              <a:buFont typeface="Arial" panose="020B0604020202020204" pitchFamily="34" charset="0"/>
-              <a:buChar char="•"/>
-            </a:pPr>
-            <a:r>
-              <a:rPr lang="en-US" dirty="0"/>
-              <a:t>And here</a:t>
-            </a:r>
-          </a:p>
-          <a:p>
-            <a:pPr marL="342900" indent="-342900">
-              <a:buFont typeface="Arial" panose="020B0604020202020204" pitchFamily="34" charset="0"/>
-              <a:buChar char="•"/>
-            </a:pPr>
-            <a:r>
-              <a:rPr lang="en-US" dirty="0"/>
-              <a:t>And here</a:t>
-            </a:r>
+            <a:endParaRPr lang="en-US" dirty="0"/>
+          </a:p>
+          <a:p>
+            <a:endParaRPr lang="en-US" dirty="0"/>
           </a:p>
         </p:txBody>
       </p:sp>
+      <p:pic>
+        <p:nvPicPr>
+          <p:cNvPr id="18" name="Picture Placeholder 17" descr="A person drawing on a white board">
+            <a:extLst>
+              <a:ext uri="{FF2B5EF4-FFF2-40B4-BE49-F238E27FC236}">
+                <a16:creationId xmlns:a16="http://schemas.microsoft.com/office/drawing/2014/main" id="{301557C2-9072-409B-88EC-E8577CEFCAFB}"/>
+              </a:ext>
+            </a:extLst>
+          </p:cNvPr>
+          <p:cNvPicPr>
+            <a:picLocks noGrp="1" noChangeAspect="1"/>
+          </p:cNvPicPr>
+          <p:nvPr>
+            <p:ph type="pic" sz="quarter" idx="13"/>
+          </p:nvPr>
+        </p:nvPicPr>
+        <p:blipFill rotWithShape="1">
+          <a:blip r:embed="rId2" cstate="screen">
+            <a:extLst>
+              <a:ext uri="{28A0092B-C50C-407E-A947-70E740481C1C}">
+                <a14:useLocalDpi xmlns:a14="http://schemas.microsoft.com/office/drawing/2010/main" val="0"/>
+              </a:ext>
+            </a:extLst>
+          </a:blip>
+          <a:srcRect/>
+          <a:stretch/>
+        </p:blipFill>
+        <p:spPr>
+          <a:xfrm>
+            <a:off x="5535809" y="656633"/>
+            <a:ext cx="5132388" cy="5132388"/>
+          </a:xfrm>
+        </p:spPr>
+      </p:pic>
       <p:sp>
         <p:nvSpPr>
-          <p:cNvPr id="4" name="Date Placeholder 3">
+          <p:cNvPr id="19" name="Date Placeholder 18">
             <a:extLst>
               <a:ext uri="{FF2B5EF4-FFF2-40B4-BE49-F238E27FC236}">
-                <a16:creationId xmlns:a16="http://schemas.microsoft.com/office/drawing/2014/main" id="{0C329F70-04F7-4C70-BCF8-D4371F54EF2F}"/>
+                <a16:creationId xmlns:a16="http://schemas.microsoft.com/office/drawing/2014/main" id="{386DB667-0553-4FB8-B0E0-776539934AFF}"/>
               </a:ext>
             </a:extLst>
           </p:cNvPr>
@@ -27395,10 +27513,10 @@
       </p:sp>
       <p:sp>
         <p:nvSpPr>
-          <p:cNvPr id="5" name="Footer Placeholder 4">
+          <p:cNvPr id="20" name="Footer Placeholder 19">
             <a:extLst>
               <a:ext uri="{FF2B5EF4-FFF2-40B4-BE49-F238E27FC236}">
-                <a16:creationId xmlns:a16="http://schemas.microsoft.com/office/drawing/2014/main" id="{06A3302E-502D-4151-81C9-5FD6AF9596D6}"/>
+                <a16:creationId xmlns:a16="http://schemas.microsoft.com/office/drawing/2014/main" id="{C77C6228-C5A8-44DC-ABD7-A22A4475D3DF}"/>
               </a:ext>
             </a:extLst>
           </p:cNvPr>
@@ -27428,10 +27546,10 @@
       </p:sp>
       <p:sp>
         <p:nvSpPr>
-          <p:cNvPr id="6" name="Slide Number Placeholder 5">
+          <p:cNvPr id="21" name="Slide Number Placeholder 20">
             <a:extLst>
               <a:ext uri="{FF2B5EF4-FFF2-40B4-BE49-F238E27FC236}">
-                <a16:creationId xmlns:a16="http://schemas.microsoft.com/office/drawing/2014/main" id="{9ED907F8-C614-4D59-A03F-BF9CD5E35703}"/>
+                <a16:creationId xmlns:a16="http://schemas.microsoft.com/office/drawing/2014/main" id="{1C563B34-DD53-4FB1-B8C2-8914E01C6365}"/>
               </a:ext>
             </a:extLst>
           </p:cNvPr>
@@ -27464,7 +27582,7 @@
     </p:spTree>
     <p:extLst>
       <p:ext uri="{BB962C8B-B14F-4D97-AF65-F5344CB8AC3E}">
-        <p14:creationId xmlns:p14="http://schemas.microsoft.com/office/powerpoint/2010/main" val="2494024088"/>
+        <p14:creationId xmlns:p14="http://schemas.microsoft.com/office/powerpoint/2010/main" val="395518310"/>
       </p:ext>
     </p:extLst>
   </p:cSld>
@@ -28069,13 +28187,13 @@
         </p:spPr>
         <p:txBody>
           <a:bodyPr>
-            <a:normAutofit fontScale="92500" lnSpcReduction="20000"/>
+            <a:normAutofit fontScale="77500" lnSpcReduction="20000"/>
           </a:bodyPr>
           <a:lstStyle/>
           <a:p>
             <a:r>
               <a:rPr lang="en-US" dirty="0"/>
-              <a:t>Add an introduction here about the scope of the project</a:t>
+              <a:t>The aim of this project was to create a model and app to predict salary based on job title, </a:t>
             </a:r>
           </a:p>
           <a:p>
@@ -29435,16 +29553,8 @@
           <a:p>
             <a:r>
               <a:rPr lang="en-US" dirty="0"/>
-              <a:t>Tools and Software Used – </a:t>
+              <a:t>Tools Used</a:t>
             </a:r>
-            <a:br>
-              <a:rPr lang="en-US" dirty="0"/>
-            </a:br>
-            <a:r>
-              <a:rPr lang="en-US" sz="3200" dirty="0"/>
-              <a:t>group by data cleaning, analysis, visualization and modeling</a:t>
-            </a:r>
-            <a:endParaRPr lang="en-US" dirty="0"/>
           </a:p>
         </p:txBody>
       </p:sp>
@@ -29472,7 +29582,7 @@
         </p:blipFill>
         <p:spPr>
           <a:xfrm>
-            <a:off x="4303536" y="1968310"/>
+            <a:off x="5401079" y="1641064"/>
             <a:ext cx="1941722" cy="1045542"/>
           </a:xfrm>
         </p:spPr>
@@ -29590,7 +29700,7 @@
         </p:blipFill>
         <p:spPr>
           <a:xfrm>
-            <a:off x="550862" y="3677204"/>
+            <a:off x="2502429" y="1662771"/>
             <a:ext cx="2755144" cy="1113496"/>
           </a:xfrm>
           <a:prstGeom prst="rect">
@@ -29600,10 +29710,10 @@
       </p:pic>
       <p:pic>
         <p:nvPicPr>
-          <p:cNvPr id="1026" name="Picture 2" descr="Matplotlib Logo PNG Vector">
+          <p:cNvPr id="1038" name="Picture 14">
             <a:extLst>
               <a:ext uri="{FF2B5EF4-FFF2-40B4-BE49-F238E27FC236}">
-                <a16:creationId xmlns:a16="http://schemas.microsoft.com/office/drawing/2014/main" id="{8C80EFAC-F57B-DEA5-3387-DAA4AE31498E}"/>
+                <a16:creationId xmlns:a16="http://schemas.microsoft.com/office/drawing/2014/main" id="{F98CC23E-35FD-B798-DDAD-4A84F703E1F8}"/>
               </a:ext>
             </a:extLst>
           </p:cNvPr>
@@ -29614,89 +29724,6 @@
         </p:nvPicPr>
         <p:blipFill>
           <a:blip r:embed="rId5">
-            <a:extLst>
-              <a:ext uri="{28A0092B-C50C-407E-A947-70E740481C1C}">
-                <a14:useLocalDpi xmlns:a14="http://schemas.microsoft.com/office/drawing/2010/main" val="0"/>
-              </a:ext>
-            </a:extLst>
-          </a:blip>
-          <a:srcRect/>
-          <a:stretch>
-            <a:fillRect/>
-          </a:stretch>
-        </p:blipFill>
-        <p:spPr bwMode="auto">
-          <a:xfrm>
-            <a:off x="8366288" y="3850005"/>
-            <a:ext cx="2254315" cy="450863"/>
-          </a:xfrm>
-          <a:prstGeom prst="rect">
-            <a:avLst/>
-          </a:prstGeom>
-          <a:noFill/>
-          <a:extLst>
-            <a:ext uri="{909E8E84-426E-40DD-AFC4-6F175D3DCCD1}">
-              <a14:hiddenFill xmlns:a14="http://schemas.microsoft.com/office/drawing/2010/main">
-                <a:solidFill>
-                  <a:srgbClr val="FFFFFF"/>
-                </a:solidFill>
-              </a14:hiddenFill>
-            </a:ext>
-          </a:extLst>
-        </p:spPr>
-      </p:pic>
-      <p:pic>
-        <p:nvPicPr>
-          <p:cNvPr id="5" name="Graphic 4">
-            <a:extLst>
-              <a:ext uri="{FF2B5EF4-FFF2-40B4-BE49-F238E27FC236}">
-                <a16:creationId xmlns:a16="http://schemas.microsoft.com/office/drawing/2014/main" id="{6F596CDC-581C-99FC-72AA-F339E0AB5826}"/>
-              </a:ext>
-            </a:extLst>
-          </p:cNvPr>
-          <p:cNvPicPr>
-            <a:picLocks noChangeAspect="1"/>
-          </p:cNvPicPr>
-          <p:nvPr/>
-        </p:nvPicPr>
-        <p:blipFill>
-          <a:blip r:embed="rId6">
-            <a:extLst>
-              <a:ext uri="{96DAC541-7B7A-43D3-8B79-37D633B846F1}">
-                <asvg:svgBlip xmlns:asvg="http://schemas.microsoft.com/office/drawing/2016/SVG/main" r:embed="rId7"/>
-              </a:ext>
-            </a:extLst>
-          </a:blip>
-          <a:stretch>
-            <a:fillRect/>
-          </a:stretch>
-        </p:blipFill>
-        <p:spPr>
-          <a:xfrm>
-            <a:off x="1359619" y="2080838"/>
-            <a:ext cx="982941" cy="1099958"/>
-          </a:xfrm>
-          <a:prstGeom prst="rect">
-            <a:avLst/>
-          </a:prstGeom>
-        </p:spPr>
-      </p:pic>
-      <p:pic>
-        <p:nvPicPr>
-          <p:cNvPr id="1038" name="Picture 14">
-            <a:extLst>
-              <a:ext uri="{FF2B5EF4-FFF2-40B4-BE49-F238E27FC236}">
-                <a16:creationId xmlns:a16="http://schemas.microsoft.com/office/drawing/2014/main" id="{F98CC23E-35FD-B798-DDAD-4A84F703E1F8}"/>
-              </a:ext>
-            </a:extLst>
-          </p:cNvPr>
-          <p:cNvPicPr>
-            <a:picLocks noChangeAspect="1" noChangeArrowheads="1"/>
-          </p:cNvPicPr>
-          <p:nvPr/>
-        </p:nvPicPr>
-        <p:blipFill>
-          <a:blip r:embed="rId8">
             <a:extLst>
               <a:ext uri="{28A0092B-C50C-407E-A947-70E740481C1C}">
                 <a14:useLocalDpi xmlns:a14="http://schemas.microsoft.com/office/drawing/2010/main" val="0"/>
@@ -29777,6 +29804,1005 @@
           </a:p>
         </p:txBody>
       </p:sp>
+      <p:graphicFrame>
+        <p:nvGraphicFramePr>
+          <p:cNvPr id="3" name="Table 3">
+            <a:extLst>
+              <a:ext uri="{FF2B5EF4-FFF2-40B4-BE49-F238E27FC236}">
+                <a16:creationId xmlns:a16="http://schemas.microsoft.com/office/drawing/2014/main" id="{F4BACA68-1D0D-8EAD-FF77-469EB8D23C2C}"/>
+              </a:ext>
+            </a:extLst>
+          </p:cNvPr>
+          <p:cNvGraphicFramePr>
+            <a:graphicFrameLocks noGrp="1"/>
+          </p:cNvGraphicFramePr>
+          <p:nvPr>
+            <p:extLst>
+              <p:ext uri="{D42A27DB-BD31-4B8C-83A1-F6EECF244321}">
+                <p14:modId xmlns:p14="http://schemas.microsoft.com/office/powerpoint/2010/main" val="393131563"/>
+              </p:ext>
+            </p:extLst>
+          </p:nvPr>
+        </p:nvGraphicFramePr>
+        <p:xfrm>
+          <a:off x="595293" y="3154939"/>
+          <a:ext cx="11045843" cy="3056409"/>
+        </p:xfrm>
+        <a:graphic>
+          <a:graphicData uri="http://schemas.openxmlformats.org/drawingml/2006/table">
+            <a:tbl>
+              <a:tblPr firstRow="1" bandRow="1">
+                <a:tableStyleId>{5C22544A-7EE6-4342-B048-85BDC9FD1C3A}</a:tableStyleId>
+              </a:tblPr>
+              <a:tblGrid>
+                <a:gridCol w="1743938">
+                  <a:extLst>
+                    <a:ext uri="{9D8B030D-6E8A-4147-A177-3AD203B41FA5}">
+                      <a16:colId xmlns:a16="http://schemas.microsoft.com/office/drawing/2014/main" val="3041728667"/>
+                    </a:ext>
+                  </a:extLst>
+                </a:gridCol>
+                <a:gridCol w="981300">
+                  <a:extLst>
+                    <a:ext uri="{9D8B030D-6E8A-4147-A177-3AD203B41FA5}">
+                      <a16:colId xmlns:a16="http://schemas.microsoft.com/office/drawing/2014/main" val="2383351662"/>
+                    </a:ext>
+                  </a:extLst>
+                </a:gridCol>
+                <a:gridCol w="1219413">
+                  <a:extLst>
+                    <a:ext uri="{9D8B030D-6E8A-4147-A177-3AD203B41FA5}">
+                      <a16:colId xmlns:a16="http://schemas.microsoft.com/office/drawing/2014/main" val="3452272311"/>
+                    </a:ext>
+                  </a:extLst>
+                </a:gridCol>
+                <a:gridCol w="1292986">
+                  <a:extLst>
+                    <a:ext uri="{9D8B030D-6E8A-4147-A177-3AD203B41FA5}">
+                      <a16:colId xmlns:a16="http://schemas.microsoft.com/office/drawing/2014/main" val="4143118586"/>
+                    </a:ext>
+                  </a:extLst>
+                </a:gridCol>
+                <a:gridCol w="1292986">
+                  <a:extLst>
+                    <a:ext uri="{9D8B030D-6E8A-4147-A177-3AD203B41FA5}">
+                      <a16:colId xmlns:a16="http://schemas.microsoft.com/office/drawing/2014/main" val="3199448949"/>
+                    </a:ext>
+                  </a:extLst>
+                </a:gridCol>
+                <a:gridCol w="1219413">
+                  <a:extLst>
+                    <a:ext uri="{9D8B030D-6E8A-4147-A177-3AD203B41FA5}">
+                      <a16:colId xmlns:a16="http://schemas.microsoft.com/office/drawing/2014/main" val="1268966656"/>
+                    </a:ext>
+                  </a:extLst>
+                </a:gridCol>
+                <a:gridCol w="1219413">
+                  <a:extLst>
+                    <a:ext uri="{9D8B030D-6E8A-4147-A177-3AD203B41FA5}">
+                      <a16:colId xmlns:a16="http://schemas.microsoft.com/office/drawing/2014/main" val="1277050262"/>
+                    </a:ext>
+                  </a:extLst>
+                </a:gridCol>
+                <a:gridCol w="1219413">
+                  <a:extLst>
+                    <a:ext uri="{9D8B030D-6E8A-4147-A177-3AD203B41FA5}">
+                      <a16:colId xmlns:a16="http://schemas.microsoft.com/office/drawing/2014/main" val="3226147811"/>
+                    </a:ext>
+                  </a:extLst>
+                </a:gridCol>
+                <a:gridCol w="856981">
+                  <a:extLst>
+                    <a:ext uri="{9D8B030D-6E8A-4147-A177-3AD203B41FA5}">
+                      <a16:colId xmlns:a16="http://schemas.microsoft.com/office/drawing/2014/main" val="221579736"/>
+                    </a:ext>
+                  </a:extLst>
+                </a:gridCol>
+              </a:tblGrid>
+              <a:tr h="587529">
+                <a:tc>
+                  <a:txBody>
+                    <a:bodyPr/>
+                    <a:lstStyle/>
+                    <a:p>
+                      <a:endParaRPr lang="en-US" dirty="0"/>
+                    </a:p>
+                  </a:txBody>
+                  <a:tcPr/>
+                </a:tc>
+                <a:tc>
+                  <a:txBody>
+                    <a:bodyPr/>
+                    <a:lstStyle/>
+                    <a:p>
+                      <a:r>
+                        <a:rPr lang="en-US" dirty="0">
+                          <a:solidFill>
+                            <a:schemeClr val="bg1">
+                              <a:lumMod val="85000"/>
+                              <a:lumOff val="15000"/>
+                            </a:schemeClr>
+                          </a:solidFill>
+                        </a:rPr>
+                        <a:t>Pandas</a:t>
+                      </a:r>
+                    </a:p>
+                  </a:txBody>
+                  <a:tcPr/>
+                </a:tc>
+                <a:tc>
+                  <a:txBody>
+                    <a:bodyPr/>
+                    <a:lstStyle/>
+                    <a:p>
+                      <a:r>
+                        <a:rPr lang="en-US" dirty="0">
+                          <a:solidFill>
+                            <a:schemeClr val="bg1">
+                              <a:lumMod val="85000"/>
+                              <a:lumOff val="15000"/>
+                            </a:schemeClr>
+                          </a:solidFill>
+                        </a:rPr>
+                        <a:t>Path</a:t>
+                      </a:r>
+                    </a:p>
+                  </a:txBody>
+                  <a:tcPr/>
+                </a:tc>
+                <a:tc>
+                  <a:txBody>
+                    <a:bodyPr/>
+                    <a:lstStyle/>
+                    <a:p>
+                      <a:r>
+                        <a:rPr lang="en-US" dirty="0">
+                          <a:solidFill>
+                            <a:schemeClr val="bg1">
+                              <a:lumMod val="85000"/>
+                              <a:lumOff val="15000"/>
+                            </a:schemeClr>
+                          </a:solidFill>
+                        </a:rPr>
+                        <a:t>Tableau</a:t>
+                      </a:r>
+                    </a:p>
+                  </a:txBody>
+                  <a:tcPr/>
+                </a:tc>
+                <a:tc>
+                  <a:txBody>
+                    <a:bodyPr/>
+                    <a:lstStyle/>
+                    <a:p>
+                      <a:r>
+                        <a:rPr lang="en-US" dirty="0">
+                          <a:solidFill>
+                            <a:schemeClr val="bg1">
+                              <a:lumMod val="85000"/>
+                              <a:lumOff val="15000"/>
+                            </a:schemeClr>
+                          </a:solidFill>
+                        </a:rPr>
+                        <a:t>Scikit-learn</a:t>
+                      </a:r>
+                    </a:p>
+                  </a:txBody>
+                  <a:tcPr/>
+                </a:tc>
+                <a:tc>
+                  <a:txBody>
+                    <a:bodyPr/>
+                    <a:lstStyle/>
+                    <a:p>
+                      <a:r>
+                        <a:rPr lang="en-US" dirty="0">
+                          <a:solidFill>
+                            <a:schemeClr val="bg1">
+                              <a:lumMod val="85000"/>
+                              <a:lumOff val="15000"/>
+                            </a:schemeClr>
+                          </a:solidFill>
+                        </a:rPr>
+                        <a:t>Flask</a:t>
+                      </a:r>
+                    </a:p>
+                  </a:txBody>
+                  <a:tcPr/>
+                </a:tc>
+                <a:tc>
+                  <a:txBody>
+                    <a:bodyPr/>
+                    <a:lstStyle/>
+                    <a:p>
+                      <a:r>
+                        <a:rPr lang="en-US" dirty="0">
+                          <a:solidFill>
+                            <a:schemeClr val="bg1">
+                              <a:lumMod val="85000"/>
+                              <a:lumOff val="15000"/>
+                            </a:schemeClr>
+                          </a:solidFill>
+                        </a:rPr>
+                        <a:t>pickle</a:t>
+                      </a:r>
+                    </a:p>
+                  </a:txBody>
+                  <a:tcPr/>
+                </a:tc>
+                <a:tc>
+                  <a:txBody>
+                    <a:bodyPr/>
+                    <a:lstStyle/>
+                    <a:p>
+                      <a:r>
+                        <a:rPr lang="en-US" dirty="0">
+                          <a:solidFill>
+                            <a:schemeClr val="bg1">
+                              <a:lumMod val="85000"/>
+                              <a:lumOff val="15000"/>
+                            </a:schemeClr>
+                          </a:solidFill>
+                        </a:rPr>
+                        <a:t>HTML</a:t>
+                      </a:r>
+                    </a:p>
+                  </a:txBody>
+                  <a:tcPr/>
+                </a:tc>
+                <a:tc>
+                  <a:txBody>
+                    <a:bodyPr/>
+                    <a:lstStyle/>
+                    <a:p>
+                      <a:r>
+                        <a:rPr lang="en-US" dirty="0">
+                          <a:solidFill>
+                            <a:schemeClr val="bg1">
+                              <a:lumMod val="85000"/>
+                              <a:lumOff val="15000"/>
+                            </a:schemeClr>
+                          </a:solidFill>
+                        </a:rPr>
+                        <a:t>CSS</a:t>
+                      </a:r>
+                    </a:p>
+                  </a:txBody>
+                  <a:tcPr/>
+                </a:tc>
+                <a:extLst>
+                  <a:ext uri="{0D108BD9-81ED-4DB2-BD59-A6C34878D82A}">
+                    <a16:rowId xmlns:a16="http://schemas.microsoft.com/office/drawing/2014/main" val="2573611634"/>
+                  </a:ext>
+                </a:extLst>
+              </a:tr>
+              <a:tr h="335731">
+                <a:tc>
+                  <a:txBody>
+                    <a:bodyPr/>
+                    <a:lstStyle/>
+                    <a:p>
+                      <a:r>
+                        <a:rPr lang="en-US" dirty="0"/>
+                        <a:t>Cleaning</a:t>
+                      </a:r>
+                    </a:p>
+                  </a:txBody>
+                  <a:tcPr/>
+                </a:tc>
+                <a:tc>
+                  <a:txBody>
+                    <a:bodyPr/>
+                    <a:lstStyle/>
+                    <a:p>
+                      <a:r>
+                        <a:rPr lang="en-US" dirty="0"/>
+                        <a:t>X</a:t>
+                      </a:r>
+                    </a:p>
+                  </a:txBody>
+                  <a:tcPr/>
+                </a:tc>
+                <a:tc>
+                  <a:txBody>
+                    <a:bodyPr/>
+                    <a:lstStyle/>
+                    <a:p>
+                      <a:r>
+                        <a:rPr lang="en-US" dirty="0"/>
+                        <a:t>X</a:t>
+                      </a:r>
+                    </a:p>
+                  </a:txBody>
+                  <a:tcPr/>
+                </a:tc>
+                <a:tc>
+                  <a:txBody>
+                    <a:bodyPr/>
+                    <a:lstStyle/>
+                    <a:p>
+                      <a:r>
+                        <a:rPr lang="en-US" dirty="0"/>
+                        <a:t>X</a:t>
+                      </a:r>
+                    </a:p>
+                  </a:txBody>
+                  <a:tcPr/>
+                </a:tc>
+                <a:tc>
+                  <a:txBody>
+                    <a:bodyPr/>
+                    <a:lstStyle/>
+                    <a:p>
+                      <a:endParaRPr lang="en-US"/>
+                    </a:p>
+                  </a:txBody>
+                  <a:tcPr/>
+                </a:tc>
+                <a:tc>
+                  <a:txBody>
+                    <a:bodyPr/>
+                    <a:lstStyle/>
+                    <a:p>
+                      <a:endParaRPr lang="en-US" dirty="0"/>
+                    </a:p>
+                  </a:txBody>
+                  <a:tcPr/>
+                </a:tc>
+                <a:tc>
+                  <a:txBody>
+                    <a:bodyPr/>
+                    <a:lstStyle/>
+                    <a:p>
+                      <a:endParaRPr lang="en-US" dirty="0"/>
+                    </a:p>
+                  </a:txBody>
+                  <a:tcPr/>
+                </a:tc>
+                <a:tc>
+                  <a:txBody>
+                    <a:bodyPr/>
+                    <a:lstStyle/>
+                    <a:p>
+                      <a:endParaRPr lang="en-US" dirty="0"/>
+                    </a:p>
+                  </a:txBody>
+                  <a:tcPr/>
+                </a:tc>
+                <a:tc>
+                  <a:txBody>
+                    <a:bodyPr/>
+                    <a:lstStyle/>
+                    <a:p>
+                      <a:endParaRPr lang="en-US" dirty="0"/>
+                    </a:p>
+                  </a:txBody>
+                  <a:tcPr/>
+                </a:tc>
+                <a:extLst>
+                  <a:ext uri="{0D108BD9-81ED-4DB2-BD59-A6C34878D82A}">
+                    <a16:rowId xmlns:a16="http://schemas.microsoft.com/office/drawing/2014/main" val="4281013380"/>
+                  </a:ext>
+                </a:extLst>
+              </a:tr>
+              <a:tr h="335731">
+                <a:tc>
+                  <a:txBody>
+                    <a:bodyPr/>
+                    <a:lstStyle/>
+                    <a:p>
+                      <a:r>
+                        <a:rPr lang="en-US" dirty="0"/>
+                        <a:t>Analysis</a:t>
+                      </a:r>
+                    </a:p>
+                  </a:txBody>
+                  <a:tcPr/>
+                </a:tc>
+                <a:tc>
+                  <a:txBody>
+                    <a:bodyPr/>
+                    <a:lstStyle/>
+                    <a:p>
+                      <a:r>
+                        <a:rPr lang="en-US" dirty="0"/>
+                        <a:t>X</a:t>
+                      </a:r>
+                    </a:p>
+                  </a:txBody>
+                  <a:tcPr/>
+                </a:tc>
+                <a:tc>
+                  <a:txBody>
+                    <a:bodyPr/>
+                    <a:lstStyle/>
+                    <a:p>
+                      <a:r>
+                        <a:rPr lang="en-US" dirty="0"/>
+                        <a:t>X</a:t>
+                      </a:r>
+                    </a:p>
+                  </a:txBody>
+                  <a:tcPr/>
+                </a:tc>
+                <a:tc>
+                  <a:txBody>
+                    <a:bodyPr/>
+                    <a:lstStyle/>
+                    <a:p>
+                      <a:r>
+                        <a:rPr lang="en-US" dirty="0"/>
+                        <a:t>X</a:t>
+                      </a:r>
+                    </a:p>
+                  </a:txBody>
+                  <a:tcPr/>
+                </a:tc>
+                <a:tc>
+                  <a:txBody>
+                    <a:bodyPr/>
+                    <a:lstStyle/>
+                    <a:p>
+                      <a:endParaRPr lang="en-US" dirty="0"/>
+                    </a:p>
+                  </a:txBody>
+                  <a:tcPr/>
+                </a:tc>
+                <a:tc>
+                  <a:txBody>
+                    <a:bodyPr/>
+                    <a:lstStyle/>
+                    <a:p>
+                      <a:endParaRPr lang="en-US" dirty="0"/>
+                    </a:p>
+                  </a:txBody>
+                  <a:tcPr/>
+                </a:tc>
+                <a:tc>
+                  <a:txBody>
+                    <a:bodyPr/>
+                    <a:lstStyle/>
+                    <a:p>
+                      <a:endParaRPr lang="en-US" dirty="0"/>
+                    </a:p>
+                  </a:txBody>
+                  <a:tcPr/>
+                </a:tc>
+                <a:tc>
+                  <a:txBody>
+                    <a:bodyPr/>
+                    <a:lstStyle/>
+                    <a:p>
+                      <a:endParaRPr lang="en-US" dirty="0"/>
+                    </a:p>
+                  </a:txBody>
+                  <a:tcPr/>
+                </a:tc>
+                <a:tc>
+                  <a:txBody>
+                    <a:bodyPr/>
+                    <a:lstStyle/>
+                    <a:p>
+                      <a:endParaRPr lang="en-US" dirty="0"/>
+                    </a:p>
+                  </a:txBody>
+                  <a:tcPr/>
+                </a:tc>
+                <a:extLst>
+                  <a:ext uri="{0D108BD9-81ED-4DB2-BD59-A6C34878D82A}">
+                    <a16:rowId xmlns:a16="http://schemas.microsoft.com/office/drawing/2014/main" val="1129791616"/>
+                  </a:ext>
+                </a:extLst>
+              </a:tr>
+              <a:tr h="335731">
+                <a:tc>
+                  <a:txBody>
+                    <a:bodyPr/>
+                    <a:lstStyle/>
+                    <a:p>
+                      <a:r>
+                        <a:rPr lang="en-US" dirty="0"/>
+                        <a:t>Visualization</a:t>
+                      </a:r>
+                    </a:p>
+                  </a:txBody>
+                  <a:tcPr/>
+                </a:tc>
+                <a:tc>
+                  <a:txBody>
+                    <a:bodyPr/>
+                    <a:lstStyle/>
+                    <a:p>
+                      <a:endParaRPr lang="en-US" dirty="0"/>
+                    </a:p>
+                  </a:txBody>
+                  <a:tcPr/>
+                </a:tc>
+                <a:tc>
+                  <a:txBody>
+                    <a:bodyPr/>
+                    <a:lstStyle/>
+                    <a:p>
+                      <a:endParaRPr lang="en-US" dirty="0"/>
+                    </a:p>
+                  </a:txBody>
+                  <a:tcPr/>
+                </a:tc>
+                <a:tc>
+                  <a:txBody>
+                    <a:bodyPr/>
+                    <a:lstStyle/>
+                    <a:p>
+                      <a:r>
+                        <a:rPr lang="en-US" dirty="0"/>
+                        <a:t>X</a:t>
+                      </a:r>
+                    </a:p>
+                  </a:txBody>
+                  <a:tcPr/>
+                </a:tc>
+                <a:tc>
+                  <a:txBody>
+                    <a:bodyPr/>
+                    <a:lstStyle/>
+                    <a:p>
+                      <a:endParaRPr lang="en-US" dirty="0"/>
+                    </a:p>
+                  </a:txBody>
+                  <a:tcPr/>
+                </a:tc>
+                <a:tc>
+                  <a:txBody>
+                    <a:bodyPr/>
+                    <a:lstStyle/>
+                    <a:p>
+                      <a:endParaRPr lang="en-US" dirty="0"/>
+                    </a:p>
+                  </a:txBody>
+                  <a:tcPr/>
+                </a:tc>
+                <a:tc>
+                  <a:txBody>
+                    <a:bodyPr/>
+                    <a:lstStyle/>
+                    <a:p>
+                      <a:endParaRPr lang="en-US" dirty="0"/>
+                    </a:p>
+                  </a:txBody>
+                  <a:tcPr/>
+                </a:tc>
+                <a:tc>
+                  <a:txBody>
+                    <a:bodyPr/>
+                    <a:lstStyle/>
+                    <a:p>
+                      <a:r>
+                        <a:rPr lang="en-US" dirty="0"/>
+                        <a:t>X</a:t>
+                      </a:r>
+                    </a:p>
+                  </a:txBody>
+                  <a:tcPr/>
+                </a:tc>
+                <a:tc>
+                  <a:txBody>
+                    <a:bodyPr/>
+                    <a:lstStyle/>
+                    <a:p>
+                      <a:endParaRPr lang="en-US" dirty="0"/>
+                    </a:p>
+                  </a:txBody>
+                  <a:tcPr/>
+                </a:tc>
+                <a:extLst>
+                  <a:ext uri="{0D108BD9-81ED-4DB2-BD59-A6C34878D82A}">
+                    <a16:rowId xmlns:a16="http://schemas.microsoft.com/office/drawing/2014/main" val="1505100292"/>
+                  </a:ext>
+                </a:extLst>
+              </a:tr>
+              <a:tr h="335731">
+                <a:tc>
+                  <a:txBody>
+                    <a:bodyPr/>
+                    <a:lstStyle/>
+                    <a:p>
+                      <a:r>
+                        <a:rPr lang="en-US" dirty="0"/>
+                        <a:t>Modeling</a:t>
+                      </a:r>
+                    </a:p>
+                  </a:txBody>
+                  <a:tcPr/>
+                </a:tc>
+                <a:tc>
+                  <a:txBody>
+                    <a:bodyPr/>
+                    <a:lstStyle/>
+                    <a:p>
+                      <a:r>
+                        <a:rPr lang="en-US" dirty="0"/>
+                        <a:t>X</a:t>
+                      </a:r>
+                    </a:p>
+                  </a:txBody>
+                  <a:tcPr/>
+                </a:tc>
+                <a:tc>
+                  <a:txBody>
+                    <a:bodyPr/>
+                    <a:lstStyle/>
+                    <a:p>
+                      <a:r>
+                        <a:rPr lang="en-US" dirty="0"/>
+                        <a:t>X</a:t>
+                      </a:r>
+                    </a:p>
+                  </a:txBody>
+                  <a:tcPr/>
+                </a:tc>
+                <a:tc>
+                  <a:txBody>
+                    <a:bodyPr/>
+                    <a:lstStyle/>
+                    <a:p>
+                      <a:endParaRPr lang="en-US"/>
+                    </a:p>
+                  </a:txBody>
+                  <a:tcPr/>
+                </a:tc>
+                <a:tc>
+                  <a:txBody>
+                    <a:bodyPr/>
+                    <a:lstStyle/>
+                    <a:p>
+                      <a:r>
+                        <a:rPr lang="en-US" dirty="0"/>
+                        <a:t>X</a:t>
+                      </a:r>
+                    </a:p>
+                  </a:txBody>
+                  <a:tcPr/>
+                </a:tc>
+                <a:tc>
+                  <a:txBody>
+                    <a:bodyPr/>
+                    <a:lstStyle/>
+                    <a:p>
+                      <a:endParaRPr lang="en-US" dirty="0"/>
+                    </a:p>
+                  </a:txBody>
+                  <a:tcPr/>
+                </a:tc>
+                <a:tc>
+                  <a:txBody>
+                    <a:bodyPr/>
+                    <a:lstStyle/>
+                    <a:p>
+                      <a:endParaRPr lang="en-US" dirty="0"/>
+                    </a:p>
+                  </a:txBody>
+                  <a:tcPr/>
+                </a:tc>
+                <a:tc>
+                  <a:txBody>
+                    <a:bodyPr/>
+                    <a:lstStyle/>
+                    <a:p>
+                      <a:endParaRPr lang="en-US" dirty="0"/>
+                    </a:p>
+                  </a:txBody>
+                  <a:tcPr/>
+                </a:tc>
+                <a:tc>
+                  <a:txBody>
+                    <a:bodyPr/>
+                    <a:lstStyle/>
+                    <a:p>
+                      <a:endParaRPr lang="en-US" dirty="0"/>
+                    </a:p>
+                  </a:txBody>
+                  <a:tcPr/>
+                </a:tc>
+                <a:extLst>
+                  <a:ext uri="{0D108BD9-81ED-4DB2-BD59-A6C34878D82A}">
+                    <a16:rowId xmlns:a16="http://schemas.microsoft.com/office/drawing/2014/main" val="851557463"/>
+                  </a:ext>
+                </a:extLst>
+              </a:tr>
+              <a:tr h="587529">
+                <a:tc>
+                  <a:txBody>
+                    <a:bodyPr/>
+                    <a:lstStyle/>
+                    <a:p>
+                      <a:r>
+                        <a:rPr lang="en-US" dirty="0"/>
+                        <a:t>Website design</a:t>
+                      </a:r>
+                    </a:p>
+                  </a:txBody>
+                  <a:tcPr/>
+                </a:tc>
+                <a:tc>
+                  <a:txBody>
+                    <a:bodyPr/>
+                    <a:lstStyle/>
+                    <a:p>
+                      <a:endParaRPr lang="en-US"/>
+                    </a:p>
+                  </a:txBody>
+                  <a:tcPr/>
+                </a:tc>
+                <a:tc>
+                  <a:txBody>
+                    <a:bodyPr/>
+                    <a:lstStyle/>
+                    <a:p>
+                      <a:endParaRPr lang="en-US"/>
+                    </a:p>
+                  </a:txBody>
+                  <a:tcPr/>
+                </a:tc>
+                <a:tc>
+                  <a:txBody>
+                    <a:bodyPr/>
+                    <a:lstStyle/>
+                    <a:p>
+                      <a:endParaRPr lang="en-US"/>
+                    </a:p>
+                  </a:txBody>
+                  <a:tcPr/>
+                </a:tc>
+                <a:tc>
+                  <a:txBody>
+                    <a:bodyPr/>
+                    <a:lstStyle/>
+                    <a:p>
+                      <a:endParaRPr lang="en-US" dirty="0"/>
+                    </a:p>
+                  </a:txBody>
+                  <a:tcPr/>
+                </a:tc>
+                <a:tc>
+                  <a:txBody>
+                    <a:bodyPr/>
+                    <a:lstStyle/>
+                    <a:p>
+                      <a:r>
+                        <a:rPr lang="en-US" dirty="0"/>
+                        <a:t>X</a:t>
+                      </a:r>
+                    </a:p>
+                  </a:txBody>
+                  <a:tcPr/>
+                </a:tc>
+                <a:tc>
+                  <a:txBody>
+                    <a:bodyPr/>
+                    <a:lstStyle/>
+                    <a:p>
+                      <a:r>
+                        <a:rPr lang="en-US" dirty="0"/>
+                        <a:t>X</a:t>
+                      </a:r>
+                    </a:p>
+                  </a:txBody>
+                  <a:tcPr/>
+                </a:tc>
+                <a:tc>
+                  <a:txBody>
+                    <a:bodyPr/>
+                    <a:lstStyle/>
+                    <a:p>
+                      <a:r>
+                        <a:rPr lang="en-US" dirty="0"/>
+                        <a:t>X</a:t>
+                      </a:r>
+                    </a:p>
+                  </a:txBody>
+                  <a:tcPr/>
+                </a:tc>
+                <a:tc>
+                  <a:txBody>
+                    <a:bodyPr/>
+                    <a:lstStyle/>
+                    <a:p>
+                      <a:r>
+                        <a:rPr lang="en-US" dirty="0"/>
+                        <a:t>X</a:t>
+                      </a:r>
+                    </a:p>
+                  </a:txBody>
+                  <a:tcPr/>
+                </a:tc>
+                <a:extLst>
+                  <a:ext uri="{0D108BD9-81ED-4DB2-BD59-A6C34878D82A}">
+                    <a16:rowId xmlns:a16="http://schemas.microsoft.com/office/drawing/2014/main" val="4107021215"/>
+                  </a:ext>
+                </a:extLst>
+              </a:tr>
+              <a:tr h="335731">
+                <a:tc>
+                  <a:txBody>
+                    <a:bodyPr/>
+                    <a:lstStyle/>
+                    <a:p>
+                      <a:r>
+                        <a:rPr lang="en-US" dirty="0"/>
+                        <a:t>Predictions</a:t>
+                      </a:r>
+                    </a:p>
+                  </a:txBody>
+                  <a:tcPr/>
+                </a:tc>
+                <a:tc>
+                  <a:txBody>
+                    <a:bodyPr/>
+                    <a:lstStyle/>
+                    <a:p>
+                      <a:endParaRPr lang="en-US"/>
+                    </a:p>
+                  </a:txBody>
+                  <a:tcPr/>
+                </a:tc>
+                <a:tc>
+                  <a:txBody>
+                    <a:bodyPr/>
+                    <a:lstStyle/>
+                    <a:p>
+                      <a:endParaRPr lang="en-US"/>
+                    </a:p>
+                  </a:txBody>
+                  <a:tcPr/>
+                </a:tc>
+                <a:tc>
+                  <a:txBody>
+                    <a:bodyPr/>
+                    <a:lstStyle/>
+                    <a:p>
+                      <a:endParaRPr lang="en-US"/>
+                    </a:p>
+                  </a:txBody>
+                  <a:tcPr/>
+                </a:tc>
+                <a:tc>
+                  <a:txBody>
+                    <a:bodyPr/>
+                    <a:lstStyle/>
+                    <a:p>
+                      <a:r>
+                        <a:rPr lang="en-US" dirty="0"/>
+                        <a:t>X</a:t>
+                      </a:r>
+                    </a:p>
+                  </a:txBody>
+                  <a:tcPr/>
+                </a:tc>
+                <a:tc>
+                  <a:txBody>
+                    <a:bodyPr/>
+                    <a:lstStyle/>
+                    <a:p>
+                      <a:r>
+                        <a:rPr lang="en-US" dirty="0"/>
+                        <a:t>X</a:t>
+                      </a:r>
+                    </a:p>
+                  </a:txBody>
+                  <a:tcPr/>
+                </a:tc>
+                <a:tc>
+                  <a:txBody>
+                    <a:bodyPr/>
+                    <a:lstStyle/>
+                    <a:p>
+                      <a:r>
+                        <a:rPr lang="en-US" dirty="0"/>
+                        <a:t>X</a:t>
+                      </a:r>
+                    </a:p>
+                  </a:txBody>
+                  <a:tcPr/>
+                </a:tc>
+                <a:tc>
+                  <a:txBody>
+                    <a:bodyPr/>
+                    <a:lstStyle/>
+                    <a:p>
+                      <a:r>
+                        <a:rPr lang="en-US" dirty="0"/>
+                        <a:t>X</a:t>
+                      </a:r>
+                    </a:p>
+                  </a:txBody>
+                  <a:tcPr/>
+                </a:tc>
+                <a:tc>
+                  <a:txBody>
+                    <a:bodyPr/>
+                    <a:lstStyle/>
+                    <a:p>
+                      <a:endParaRPr lang="en-US" dirty="0"/>
+                    </a:p>
+                  </a:txBody>
+                  <a:tcPr/>
+                </a:tc>
+                <a:extLst>
+                  <a:ext uri="{0D108BD9-81ED-4DB2-BD59-A6C34878D82A}">
+                    <a16:rowId xmlns:a16="http://schemas.microsoft.com/office/drawing/2014/main" val="2473506382"/>
+                  </a:ext>
+                </a:extLst>
+              </a:tr>
+            </a:tbl>
+          </a:graphicData>
+        </a:graphic>
+      </p:graphicFrame>
+      <p:pic>
+        <p:nvPicPr>
+          <p:cNvPr id="4" name="Graphic 3">
+            <a:extLst>
+              <a:ext uri="{FF2B5EF4-FFF2-40B4-BE49-F238E27FC236}">
+                <a16:creationId xmlns:a16="http://schemas.microsoft.com/office/drawing/2014/main" id="{F50FF372-563F-E289-8FA0-C4373B9A0BDF}"/>
+              </a:ext>
+            </a:extLst>
+          </p:cNvPr>
+          <p:cNvPicPr>
+            <a:picLocks noChangeAspect="1"/>
+          </p:cNvPicPr>
+          <p:nvPr/>
+        </p:nvPicPr>
+        <p:blipFill>
+          <a:blip r:embed="rId6">
+            <a:extLst>
+              <a:ext uri="{96DAC541-7B7A-43D3-8B79-37D633B846F1}">
+                <asvg:svgBlip xmlns:asvg="http://schemas.microsoft.com/office/drawing/2016/SVG/main" r:embed="rId7"/>
+              </a:ext>
+            </a:extLst>
+          </a:blip>
+          <a:stretch>
+            <a:fillRect/>
+          </a:stretch>
+        </p:blipFill>
+        <p:spPr>
+          <a:xfrm>
+            <a:off x="550862" y="1719312"/>
+            <a:ext cx="982941" cy="1099958"/>
+          </a:xfrm>
+          <a:prstGeom prst="rect">
+            <a:avLst/>
+          </a:prstGeom>
+        </p:spPr>
+      </p:pic>
+      <p:pic>
+        <p:nvPicPr>
+          <p:cNvPr id="10" name="Picture 9" descr="A picture containing text, clipart, graphic design, graphics&#10;&#10;Description automatically generated">
+            <a:extLst>
+              <a:ext uri="{FF2B5EF4-FFF2-40B4-BE49-F238E27FC236}">
+                <a16:creationId xmlns:a16="http://schemas.microsoft.com/office/drawing/2014/main" id="{458347B8-1369-8393-02CD-ECCE0D0BEABA}"/>
+              </a:ext>
+            </a:extLst>
+          </p:cNvPr>
+          <p:cNvPicPr>
+            <a:picLocks noChangeAspect="1"/>
+          </p:cNvPicPr>
+          <p:nvPr/>
+        </p:nvPicPr>
+        <p:blipFill>
+          <a:blip r:embed="rId8"/>
+          <a:stretch>
+            <a:fillRect/>
+          </a:stretch>
+        </p:blipFill>
+        <p:spPr>
+          <a:xfrm>
+            <a:off x="10400454" y="1816288"/>
+            <a:ext cx="1604771" cy="1002982"/>
+          </a:xfrm>
+          <a:prstGeom prst="rect">
+            <a:avLst/>
+          </a:prstGeom>
+        </p:spPr>
+      </p:pic>
     </p:spTree>
     <p:extLst>
       <p:ext uri="{BB962C8B-B14F-4D97-AF65-F5344CB8AC3E}">
@@ -30927,10 +31953,10 @@
       </p:grpSpPr>
       <p:sp>
         <p:nvSpPr>
-          <p:cNvPr id="14" name="Title 13">
+          <p:cNvPr id="3" name="Title 2">
             <a:extLst>
               <a:ext uri="{FF2B5EF4-FFF2-40B4-BE49-F238E27FC236}">
-                <a16:creationId xmlns:a16="http://schemas.microsoft.com/office/drawing/2014/main" id="{C15EE852-24F1-4643-8082-AB45CFF2BA10}"/>
+                <a16:creationId xmlns:a16="http://schemas.microsoft.com/office/drawing/2014/main" id="{FAD72D26-24EF-4CBD-9431-A558CB7CA906}"/>
               </a:ext>
             </a:extLst>
           </p:cNvPr>
@@ -30943,43 +31969,8 @@
         </p:nvSpPr>
         <p:spPr>
           <a:xfrm>
-            <a:off x="550864" y="549275"/>
-            <a:ext cx="3566160" cy="3384550"/>
-          </a:xfrm>
-        </p:spPr>
-        <p:txBody>
-          <a:bodyPr>
-            <a:normAutofit/>
-          </a:bodyPr>
-          <a:lstStyle/>
-          <a:p>
-            <a:r>
-              <a:rPr lang="en-US" dirty="0"/>
-              <a:t>The way to get started is to quit talking and begin doing.</a:t>
-            </a:r>
-          </a:p>
-        </p:txBody>
-      </p:sp>
-      <p:sp>
-        <p:nvSpPr>
-          <p:cNvPr id="15" name="Content Placeholder 14">
-            <a:extLst>
-              <a:ext uri="{FF2B5EF4-FFF2-40B4-BE49-F238E27FC236}">
-                <a16:creationId xmlns:a16="http://schemas.microsoft.com/office/drawing/2014/main" id="{4139825C-53C7-44F4-A064-9795CECD081B}"/>
-              </a:ext>
-            </a:extLst>
-          </p:cNvPr>
-          <p:cNvSpPr>
-            <a:spLocks noGrp="1"/>
-          </p:cNvSpPr>
-          <p:nvPr>
-            <p:ph sz="quarter" idx="15"/>
-          </p:nvPr>
-        </p:nvSpPr>
-        <p:spPr>
-          <a:xfrm>
-            <a:off x="550863" y="4097338"/>
-            <a:ext cx="3565524" cy="2351087"/>
+            <a:off x="550862" y="549275"/>
+            <a:ext cx="11091600" cy="1332000"/>
           </a:xfrm>
         </p:spPr>
         <p:txBody>
@@ -30988,54 +31979,48 @@
           <a:p>
             <a:r>
               <a:rPr lang="en-US" dirty="0"/>
-              <a:t>Walt Disney</a:t>
+              <a:t>Timeline</a:t>
             </a:r>
-          </a:p>
-          <a:p>
-            <a:endParaRPr lang="en-US" dirty="0"/>
           </a:p>
         </p:txBody>
       </p:sp>
-      <p:pic>
-        <p:nvPicPr>
-          <p:cNvPr id="18" name="Picture Placeholder 17" descr="A person drawing on a white board">
+      <p:graphicFrame>
+        <p:nvGraphicFramePr>
+          <p:cNvPr id="4" name="Content Placeholder 3" descr="Timeline Smart Art Placeholder ">
             <a:extLst>
               <a:ext uri="{FF2B5EF4-FFF2-40B4-BE49-F238E27FC236}">
-                <a16:creationId xmlns:a16="http://schemas.microsoft.com/office/drawing/2014/main" id="{301557C2-9072-409B-88EC-E8577CEFCAFB}"/>
+                <a16:creationId xmlns:a16="http://schemas.microsoft.com/office/drawing/2014/main" id="{93897051-DA8D-4072-A594-51769F8D52F5}"/>
               </a:ext>
             </a:extLst>
           </p:cNvPr>
-          <p:cNvPicPr>
-            <a:picLocks noGrp="1" noChangeAspect="1"/>
-          </p:cNvPicPr>
+          <p:cNvGraphicFramePr>
+            <a:graphicFrameLocks noGrp="1"/>
+          </p:cNvGraphicFramePr>
           <p:nvPr>
-            <p:ph type="pic" sz="quarter" idx="13"/>
+            <p:ph idx="1"/>
+            <p:extLst>
+              <p:ext uri="{D42A27DB-BD31-4B8C-83A1-F6EECF244321}">
+                <p14:modId xmlns:p14="http://schemas.microsoft.com/office/powerpoint/2010/main" val="2727404955"/>
+              </p:ext>
+            </p:extLst>
           </p:nvPr>
-        </p:nvPicPr>
-        <p:blipFill rotWithShape="1">
-          <a:blip r:embed="rId2" cstate="screen">
-            <a:extLst>
-              <a:ext uri="{28A0092B-C50C-407E-A947-70E740481C1C}">
-                <a14:useLocalDpi xmlns:a14="http://schemas.microsoft.com/office/drawing/2010/main" val="0"/>
-              </a:ext>
-            </a:extLst>
-          </a:blip>
-          <a:srcRect/>
-          <a:stretch/>
-        </p:blipFill>
-        <p:spPr>
-          <a:xfrm>
-            <a:off x="5535809" y="656633"/>
-            <a:ext cx="5132388" cy="5132388"/>
-          </a:xfrm>
-        </p:spPr>
-      </p:pic>
+        </p:nvGraphicFramePr>
+        <p:xfrm>
+          <a:off x="550863" y="2112963"/>
+          <a:ext cx="11090275" cy="3979862"/>
+        </p:xfrm>
+        <a:graphic>
+          <a:graphicData uri="http://schemas.openxmlformats.org/drawingml/2006/diagram">
+            <dgm:relIds xmlns:dgm="http://schemas.openxmlformats.org/drawingml/2006/diagram" xmlns:r="http://schemas.openxmlformats.org/officeDocument/2006/relationships" r:dm="rId3" r:lo="rId4" r:qs="rId5" r:cs="rId6"/>
+          </a:graphicData>
+        </a:graphic>
+      </p:graphicFrame>
       <p:sp>
         <p:nvSpPr>
-          <p:cNvPr id="19" name="Date Placeholder 18">
+          <p:cNvPr id="2" name="Date Placeholder 1">
             <a:extLst>
               <a:ext uri="{FF2B5EF4-FFF2-40B4-BE49-F238E27FC236}">
-                <a16:creationId xmlns:a16="http://schemas.microsoft.com/office/drawing/2014/main" id="{386DB667-0553-4FB8-B0E0-776539934AFF}"/>
+                <a16:creationId xmlns:a16="http://schemas.microsoft.com/office/drawing/2014/main" id="{81FCAF0A-629F-4EC6-B3E6-563ED999F360}"/>
               </a:ext>
             </a:extLst>
           </p:cNvPr>
@@ -31066,10 +32051,10 @@
       </p:sp>
       <p:sp>
         <p:nvSpPr>
-          <p:cNvPr id="20" name="Footer Placeholder 19">
+          <p:cNvPr id="7" name="Footer Placeholder 6">
             <a:extLst>
               <a:ext uri="{FF2B5EF4-FFF2-40B4-BE49-F238E27FC236}">
-                <a16:creationId xmlns:a16="http://schemas.microsoft.com/office/drawing/2014/main" id="{C77C6228-C5A8-44DC-ABD7-A22A4475D3DF}"/>
+                <a16:creationId xmlns:a16="http://schemas.microsoft.com/office/drawing/2014/main" id="{920A7C57-D6C5-4BA0-AB3C-41D4E3436B0E}"/>
               </a:ext>
             </a:extLst>
           </p:cNvPr>
@@ -31099,10 +32084,10 @@
       </p:sp>
       <p:sp>
         <p:nvSpPr>
-          <p:cNvPr id="21" name="Slide Number Placeholder 20">
+          <p:cNvPr id="6" name="Slide Number Placeholder 5">
             <a:extLst>
               <a:ext uri="{FF2B5EF4-FFF2-40B4-BE49-F238E27FC236}">
-                <a16:creationId xmlns:a16="http://schemas.microsoft.com/office/drawing/2014/main" id="{1C563B34-DD53-4FB1-B8C2-8914E01C6365}"/>
+                <a16:creationId xmlns:a16="http://schemas.microsoft.com/office/drawing/2014/main" id="{5E5CAC52-3FD1-464A-805A-B8F7AF04574A}"/>
               </a:ext>
             </a:extLst>
           </p:cNvPr>
@@ -31135,7 +32120,7 @@
     </p:spTree>
     <p:extLst>
       <p:ext uri="{BB962C8B-B14F-4D97-AF65-F5344CB8AC3E}">
-        <p14:creationId xmlns:p14="http://schemas.microsoft.com/office/powerpoint/2010/main" val="395518310"/>
+        <p14:creationId xmlns:p14="http://schemas.microsoft.com/office/powerpoint/2010/main" val="2624630061"/>
       </p:ext>
     </p:extLst>
   </p:cSld>
@@ -31164,10 +32149,10 @@
       </p:grpSpPr>
       <p:sp>
         <p:nvSpPr>
-          <p:cNvPr id="3" name="Title 2">
+          <p:cNvPr id="11" name="Title 10">
             <a:extLst>
               <a:ext uri="{FF2B5EF4-FFF2-40B4-BE49-F238E27FC236}">
-                <a16:creationId xmlns:a16="http://schemas.microsoft.com/office/drawing/2014/main" id="{FAD72D26-24EF-4CBD-9431-A558CB7CA906}"/>
+                <a16:creationId xmlns:a16="http://schemas.microsoft.com/office/drawing/2014/main" id="{581E8936-2270-47FE-94A4-398CB123EF90}"/>
               </a:ext>
             </a:extLst>
           </p:cNvPr>
@@ -31180,8 +32165,8 @@
         </p:nvSpPr>
         <p:spPr>
           <a:xfrm>
-            <a:off x="550862" y="549275"/>
-            <a:ext cx="11091600" cy="1332000"/>
+            <a:off x="550863" y="4508500"/>
+            <a:ext cx="4500562" cy="1562959"/>
           </a:xfrm>
         </p:spPr>
         <p:txBody>
@@ -31190,48 +32175,86 @@
           <a:p>
             <a:r>
               <a:rPr lang="en-US" dirty="0"/>
-              <a:t>Timeline</a:t>
+              <a:t>Data Cleaning</a:t>
             </a:r>
           </a:p>
         </p:txBody>
       </p:sp>
-      <p:graphicFrame>
-        <p:nvGraphicFramePr>
-          <p:cNvPr id="4" name="Content Placeholder 3" descr="Timeline Smart Art Placeholder ">
+      <p:pic>
+        <p:nvPicPr>
+          <p:cNvPr id="16" name="Picture Placeholder 15" descr="Data Points Digital background">
             <a:extLst>
               <a:ext uri="{FF2B5EF4-FFF2-40B4-BE49-F238E27FC236}">
-                <a16:creationId xmlns:a16="http://schemas.microsoft.com/office/drawing/2014/main" id="{93897051-DA8D-4072-A594-51769F8D52F5}"/>
+                <a16:creationId xmlns:a16="http://schemas.microsoft.com/office/drawing/2014/main" id="{361E9ADB-7377-4CF1-9AE4-AEFBDEBEEEEC}"/>
               </a:ext>
             </a:extLst>
           </p:cNvPr>
-          <p:cNvGraphicFramePr>
-            <a:graphicFrameLocks noGrp="1"/>
-          </p:cNvGraphicFramePr>
+          <p:cNvPicPr>
+            <a:picLocks noGrp="1" noChangeAspect="1"/>
+          </p:cNvPicPr>
           <p:nvPr>
-            <p:ph idx="1"/>
-            <p:extLst>
-              <p:ext uri="{D42A27DB-BD31-4B8C-83A1-F6EECF244321}">
-                <p14:modId xmlns:p14="http://schemas.microsoft.com/office/powerpoint/2010/main" val="2727404955"/>
-              </p:ext>
-            </p:extLst>
+            <p:ph type="pic" sz="quarter" idx="13"/>
           </p:nvPr>
-        </p:nvGraphicFramePr>
-        <p:xfrm>
-          <a:off x="550863" y="2112963"/>
-          <a:ext cx="11090275" cy="3979862"/>
-        </p:xfrm>
-        <a:graphic>
-          <a:graphicData uri="http://schemas.openxmlformats.org/drawingml/2006/diagram">
-            <dgm:relIds xmlns:dgm="http://schemas.openxmlformats.org/drawingml/2006/diagram" xmlns:r="http://schemas.openxmlformats.org/officeDocument/2006/relationships" r:dm="rId3" r:lo="rId4" r:qs="rId5" r:cs="rId6"/>
-          </a:graphicData>
-        </a:graphic>
-      </p:graphicFrame>
+        </p:nvPicPr>
+        <p:blipFill rotWithShape="1">
+          <a:blip r:embed="rId3" cstate="screen">
+            <a:extLst>
+              <a:ext uri="{28A0092B-C50C-407E-A947-70E740481C1C}">
+                <a14:useLocalDpi xmlns:a14="http://schemas.microsoft.com/office/drawing/2010/main" val="0"/>
+              </a:ext>
+            </a:extLst>
+          </a:blip>
+          <a:srcRect/>
+          <a:stretch/>
+        </p:blipFill>
+        <p:spPr>
+          <a:xfrm>
+            <a:off x="0" y="0"/>
+            <a:ext cx="12192000" cy="3776472"/>
+          </a:xfrm>
+        </p:spPr>
+      </p:pic>
       <p:sp>
         <p:nvSpPr>
-          <p:cNvPr id="2" name="Date Placeholder 1">
+          <p:cNvPr id="13" name="Content Placeholder 12">
             <a:extLst>
               <a:ext uri="{FF2B5EF4-FFF2-40B4-BE49-F238E27FC236}">
-                <a16:creationId xmlns:a16="http://schemas.microsoft.com/office/drawing/2014/main" id="{81FCAF0A-629F-4EC6-B3E6-563ED999F360}"/>
+                <a16:creationId xmlns:a16="http://schemas.microsoft.com/office/drawing/2014/main" id="{C0287FEC-3826-4868-8D93-52429C6156F5}"/>
+              </a:ext>
+            </a:extLst>
+          </p:cNvPr>
+          <p:cNvSpPr>
+            <a:spLocks noGrp="1"/>
+          </p:cNvSpPr>
+          <p:nvPr>
+            <p:ph sz="quarter" idx="15"/>
+          </p:nvPr>
+        </p:nvSpPr>
+        <p:spPr>
+          <a:xfrm>
+            <a:off x="5262411" y="4508500"/>
+            <a:ext cx="6221412" cy="1563688"/>
+          </a:xfrm>
+        </p:spPr>
+        <p:txBody>
+          <a:bodyPr>
+            <a:normAutofit lnSpcReduction="10000"/>
+          </a:bodyPr>
+          <a:lstStyle/>
+          <a:p>
+            <a:r>
+              <a:rPr lang="en-US" dirty="0"/>
+              <a:t>With PowerPoint, you can create presentations and share your work with others, wherever they are. Type the text you want here to get started. You can also add images, art, and videos on this template. Save to OneDrive and access your presentations from your computer, tablet, or phone. </a:t>
+            </a:r>
+          </a:p>
+        </p:txBody>
+      </p:sp>
+      <p:sp>
+        <p:nvSpPr>
+          <p:cNvPr id="4" name="Date Placeholder 3">
+            <a:extLst>
+              <a:ext uri="{FF2B5EF4-FFF2-40B4-BE49-F238E27FC236}">
+                <a16:creationId xmlns:a16="http://schemas.microsoft.com/office/drawing/2014/main" id="{0C329F70-04F7-4C70-BCF8-D4371F54EF2F}"/>
               </a:ext>
             </a:extLst>
           </p:cNvPr>
@@ -31262,10 +32285,10 @@
       </p:sp>
       <p:sp>
         <p:nvSpPr>
-          <p:cNvPr id="7" name="Footer Placeholder 6">
+          <p:cNvPr id="5" name="Footer Placeholder 4">
             <a:extLst>
               <a:ext uri="{FF2B5EF4-FFF2-40B4-BE49-F238E27FC236}">
-                <a16:creationId xmlns:a16="http://schemas.microsoft.com/office/drawing/2014/main" id="{920A7C57-D6C5-4BA0-AB3C-41D4E3436B0E}"/>
+                <a16:creationId xmlns:a16="http://schemas.microsoft.com/office/drawing/2014/main" id="{06A3302E-502D-4151-81C9-5FD6AF9596D6}"/>
               </a:ext>
             </a:extLst>
           </p:cNvPr>
@@ -31298,7 +32321,7 @@
           <p:cNvPr id="6" name="Slide Number Placeholder 5">
             <a:extLst>
               <a:ext uri="{FF2B5EF4-FFF2-40B4-BE49-F238E27FC236}">
-                <a16:creationId xmlns:a16="http://schemas.microsoft.com/office/drawing/2014/main" id="{5E5CAC52-3FD1-464A-805A-B8F7AF04574A}"/>
+                <a16:creationId xmlns:a16="http://schemas.microsoft.com/office/drawing/2014/main" id="{9ED907F8-C614-4D59-A03F-BF9CD5E35703}"/>
               </a:ext>
             </a:extLst>
           </p:cNvPr>
@@ -31328,59 +32351,10 @@
           </a:p>
         </p:txBody>
       </p:sp>
-      <p:sp>
-        <p:nvSpPr>
-          <p:cNvPr id="5" name="Oval 4">
-            <a:extLst>
-              <a:ext uri="{FF2B5EF4-FFF2-40B4-BE49-F238E27FC236}">
-                <a16:creationId xmlns:a16="http://schemas.microsoft.com/office/drawing/2014/main" id="{9C4D63C3-2037-D163-2B36-745EDB87239C}"/>
-              </a:ext>
-            </a:extLst>
-          </p:cNvPr>
-          <p:cNvSpPr/>
-          <p:nvPr/>
-        </p:nvSpPr>
-        <p:spPr>
-          <a:xfrm>
-            <a:off x="10906812" y="443060"/>
-            <a:ext cx="768285" cy="721150"/>
-          </a:xfrm>
-          <a:prstGeom prst="ellipse">
-            <a:avLst/>
-          </a:prstGeom>
-          <a:solidFill>
-            <a:srgbClr val="FFFF00"/>
-          </a:solidFill>
-        </p:spPr>
-        <p:style>
-          <a:lnRef idx="2">
-            <a:schemeClr val="accent1">
-              <a:shade val="15000"/>
-            </a:schemeClr>
-          </a:lnRef>
-          <a:fillRef idx="1">
-            <a:schemeClr val="accent1"/>
-          </a:fillRef>
-          <a:effectRef idx="0">
-            <a:schemeClr val="accent1"/>
-          </a:effectRef>
-          <a:fontRef idx="minor">
-            <a:schemeClr val="lt1"/>
-          </a:fontRef>
-        </p:style>
-        <p:txBody>
-          <a:bodyPr rtlCol="0" anchor="ctr"/>
-          <a:lstStyle/>
-          <a:p>
-            <a:pPr algn="ctr"/>
-            <a:endParaRPr lang="en-US"/>
-          </a:p>
-        </p:txBody>
-      </p:sp>
     </p:spTree>
     <p:extLst>
       <p:ext uri="{BB962C8B-B14F-4D97-AF65-F5344CB8AC3E}">
-        <p14:creationId xmlns:p14="http://schemas.microsoft.com/office/powerpoint/2010/main" val="2624630061"/>
+        <p14:creationId xmlns:p14="http://schemas.microsoft.com/office/powerpoint/2010/main" val="2192275075"/>
       </p:ext>
     </p:extLst>
   </p:cSld>
@@ -31409,10 +32383,10 @@
       </p:grpSpPr>
       <p:sp>
         <p:nvSpPr>
-          <p:cNvPr id="11" name="Title 10">
+          <p:cNvPr id="8" name="Title 7">
             <a:extLst>
               <a:ext uri="{FF2B5EF4-FFF2-40B4-BE49-F238E27FC236}">
-                <a16:creationId xmlns:a16="http://schemas.microsoft.com/office/drawing/2014/main" id="{581E8936-2270-47FE-94A4-398CB123EF90}"/>
+                <a16:creationId xmlns:a16="http://schemas.microsoft.com/office/drawing/2014/main" id="{168E8C7D-5B44-4DE4-699B-550A2EEB5F3B}"/>
               </a:ext>
             </a:extLst>
           </p:cNvPr>
@@ -31423,63 +32397,52 @@
             <p:ph type="title"/>
           </p:nvPr>
         </p:nvSpPr>
-        <p:spPr>
-          <a:xfrm>
-            <a:off x="550863" y="4508500"/>
-            <a:ext cx="4500562" cy="1562959"/>
-          </a:xfrm>
-        </p:spPr>
+        <p:spPr/>
         <p:txBody>
           <a:bodyPr/>
           <a:lstStyle/>
           <a:p>
-            <a:r>
-              <a:rPr lang="en-US" dirty="0"/>
-              <a:t>Data Cleaning</a:t>
-            </a:r>
+            <a:endParaRPr lang="en-US"/>
           </a:p>
         </p:txBody>
       </p:sp>
-      <p:pic>
-        <p:nvPicPr>
-          <p:cNvPr id="16" name="Picture Placeholder 15" descr="Data Points Digital background">
+      <p:graphicFrame>
+        <p:nvGraphicFramePr>
+          <p:cNvPr id="13" name="Content Placeholder 12">
             <a:extLst>
               <a:ext uri="{FF2B5EF4-FFF2-40B4-BE49-F238E27FC236}">
-                <a16:creationId xmlns:a16="http://schemas.microsoft.com/office/drawing/2014/main" id="{361E9ADB-7377-4CF1-9AE4-AEFBDEBEEEEC}"/>
+                <a16:creationId xmlns:a16="http://schemas.microsoft.com/office/drawing/2014/main" id="{7A9D9A9A-C8BE-0EA8-E990-D78A1356E95C}"/>
               </a:ext>
             </a:extLst>
           </p:cNvPr>
-          <p:cNvPicPr>
-            <a:picLocks noGrp="1" noChangeAspect="1"/>
-          </p:cNvPicPr>
+          <p:cNvGraphicFramePr>
+            <a:graphicFrameLocks noGrp="1"/>
+          </p:cNvGraphicFramePr>
           <p:nvPr>
-            <p:ph type="pic" sz="quarter" idx="13"/>
+            <p:ph idx="1"/>
+            <p:extLst>
+              <p:ext uri="{D42A27DB-BD31-4B8C-83A1-F6EECF244321}">
+                <p14:modId xmlns:p14="http://schemas.microsoft.com/office/powerpoint/2010/main" val="1000106168"/>
+              </p:ext>
+            </p:extLst>
           </p:nvPr>
-        </p:nvPicPr>
-        <p:blipFill rotWithShape="1">
-          <a:blip r:embed="rId3" cstate="screen">
-            <a:extLst>
-              <a:ext uri="{28A0092B-C50C-407E-A947-70E740481C1C}">
-                <a14:useLocalDpi xmlns:a14="http://schemas.microsoft.com/office/drawing/2010/main" val="0"/>
-              </a:ext>
-            </a:extLst>
-          </a:blip>
-          <a:srcRect/>
-          <a:stretch/>
-        </p:blipFill>
-        <p:spPr>
-          <a:xfrm>
-            <a:off x="0" y="0"/>
-            <a:ext cx="12192000" cy="3776472"/>
-          </a:xfrm>
-        </p:spPr>
-      </p:pic>
+        </p:nvGraphicFramePr>
+        <p:xfrm>
+          <a:off x="4295775" y="1749425"/>
+          <a:ext cx="7345363" cy="4343400"/>
+        </p:xfrm>
+        <a:graphic>
+          <a:graphicData uri="http://schemas.openxmlformats.org/drawingml/2006/chart">
+            <c:chart xmlns:c="http://schemas.openxmlformats.org/drawingml/2006/chart" xmlns:r="http://schemas.openxmlformats.org/officeDocument/2006/relationships" r:id="rId2"/>
+          </a:graphicData>
+        </a:graphic>
+      </p:graphicFrame>
       <p:sp>
         <p:nvSpPr>
-          <p:cNvPr id="13" name="Content Placeholder 12">
+          <p:cNvPr id="10" name="Text Placeholder 9">
             <a:extLst>
               <a:ext uri="{FF2B5EF4-FFF2-40B4-BE49-F238E27FC236}">
-                <a16:creationId xmlns:a16="http://schemas.microsoft.com/office/drawing/2014/main" id="{C0287FEC-3826-4868-8D93-52429C6156F5}"/>
+                <a16:creationId xmlns:a16="http://schemas.microsoft.com/office/drawing/2014/main" id="{5B389D72-C7F4-C79A-31A7-91F5C89F4D16}"/>
               </a:ext>
             </a:extLst>
           </p:cNvPr>
@@ -31487,34 +32450,24 @@
             <a:spLocks noGrp="1"/>
           </p:cNvSpPr>
           <p:nvPr>
-            <p:ph sz="quarter" idx="15"/>
+            <p:ph type="body" sz="half" idx="2"/>
           </p:nvPr>
         </p:nvSpPr>
-        <p:spPr>
-          <a:xfrm>
-            <a:off x="5262411" y="4508500"/>
-            <a:ext cx="6221412" cy="1563688"/>
-          </a:xfrm>
-        </p:spPr>
+        <p:spPr/>
         <p:txBody>
-          <a:bodyPr>
-            <a:normAutofit lnSpcReduction="10000"/>
-          </a:bodyPr>
+          <a:bodyPr/>
           <a:lstStyle/>
           <a:p>
-            <a:r>
-              <a:rPr lang="en-US" dirty="0"/>
-              <a:t>With PowerPoint, you can create presentations and share your work with others, wherever they are. Type the text you want here to get started. You can also add images, art, and videos on this template. Save to OneDrive and access your presentations from your computer, tablet, or phone. </a:t>
-            </a:r>
+            <a:endParaRPr lang="en-US"/>
           </a:p>
         </p:txBody>
       </p:sp>
       <p:sp>
         <p:nvSpPr>
-          <p:cNvPr id="4" name="Date Placeholder 3">
+          <p:cNvPr id="5" name="Date Placeholder 4">
             <a:extLst>
               <a:ext uri="{FF2B5EF4-FFF2-40B4-BE49-F238E27FC236}">
-                <a16:creationId xmlns:a16="http://schemas.microsoft.com/office/drawing/2014/main" id="{0C329F70-04F7-4C70-BCF8-D4371F54EF2F}"/>
+                <a16:creationId xmlns:a16="http://schemas.microsoft.com/office/drawing/2014/main" id="{3F6B9F8A-751F-7D09-582F-7B0F544B4766}"/>
               </a:ext>
             </a:extLst>
           </p:cNvPr>
@@ -31525,12 +32478,7 @@
             <p:ph type="dt" sz="half" idx="10"/>
           </p:nvPr>
         </p:nvSpPr>
-        <p:spPr>
-          <a:xfrm>
-            <a:off x="550863" y="6507212"/>
-            <a:ext cx="2628900" cy="153888"/>
-          </a:xfrm>
-        </p:spPr>
+        <p:spPr/>
         <p:txBody>
           <a:bodyPr/>
           <a:lstStyle/>
@@ -31539,16 +32487,15 @@
               <a:rPr lang="en-US"/>
               <a:t>Tuesday, February 2, 20XX</a:t>
             </a:r>
-            <a:endParaRPr lang="en-US" dirty="0"/>
           </a:p>
         </p:txBody>
       </p:sp>
       <p:sp>
         <p:nvSpPr>
-          <p:cNvPr id="5" name="Footer Placeholder 4">
+          <p:cNvPr id="6" name="Footer Placeholder 5">
             <a:extLst>
               <a:ext uri="{FF2B5EF4-FFF2-40B4-BE49-F238E27FC236}">
-                <a16:creationId xmlns:a16="http://schemas.microsoft.com/office/drawing/2014/main" id="{06A3302E-502D-4151-81C9-5FD6AF9596D6}"/>
+                <a16:creationId xmlns:a16="http://schemas.microsoft.com/office/drawing/2014/main" id="{4CC085F2-07EA-A6EF-56DE-8B7FDD71CE98}"/>
               </a:ext>
             </a:extLst>
           </p:cNvPr>
@@ -31559,12 +32506,7 @@
             <p:ph type="ftr" sz="quarter" idx="11"/>
           </p:nvPr>
         </p:nvSpPr>
-        <p:spPr>
-          <a:xfrm>
-            <a:off x="3359150" y="6507212"/>
-            <a:ext cx="6379210" cy="153888"/>
-          </a:xfrm>
-        </p:spPr>
+        <p:spPr/>
         <p:txBody>
           <a:bodyPr/>
           <a:lstStyle/>
@@ -31578,10 +32520,10 @@
       </p:sp>
       <p:sp>
         <p:nvSpPr>
-          <p:cNvPr id="6" name="Slide Number Placeholder 5">
+          <p:cNvPr id="7" name="Slide Number Placeholder 6">
             <a:extLst>
               <a:ext uri="{FF2B5EF4-FFF2-40B4-BE49-F238E27FC236}">
-                <a16:creationId xmlns:a16="http://schemas.microsoft.com/office/drawing/2014/main" id="{9ED907F8-C614-4D59-A03F-BF9CD5E35703}"/>
+                <a16:creationId xmlns:a16="http://schemas.microsoft.com/office/drawing/2014/main" id="{75700248-A8AA-8638-18BD-53A22A37E992}"/>
               </a:ext>
             </a:extLst>
           </p:cNvPr>
@@ -31592,19 +32534,13 @@
             <p:ph type="sldNum" sz="quarter" idx="12"/>
           </p:nvPr>
         </p:nvSpPr>
-        <p:spPr>
-          <a:xfrm>
-            <a:off x="9948863" y="6507212"/>
-            <a:ext cx="1692274" cy="153888"/>
-          </a:xfrm>
-        </p:spPr>
+        <p:spPr/>
         <p:txBody>
           <a:bodyPr/>
           <a:lstStyle/>
           <a:p>
             <a:fld id="{DBA1B0FB-D917-4C8C-928F-313BD683BF39}" type="slidenum">
               <a:rPr lang="en-US" smtClean="0"/>
-              <a:pPr/>
               <a:t>9</a:t>
             </a:fld>
             <a:endParaRPr lang="en-US"/>
@@ -31614,7 +32550,7 @@
     </p:spTree>
     <p:extLst>
       <p:ext uri="{BB962C8B-B14F-4D97-AF65-F5344CB8AC3E}">
-        <p14:creationId xmlns:p14="http://schemas.microsoft.com/office/powerpoint/2010/main" val="2192275075"/>
+        <p14:creationId xmlns:p14="http://schemas.microsoft.com/office/powerpoint/2010/main" val="3447434048"/>
       </p:ext>
     </p:extLst>
   </p:cSld>
@@ -32416,6 +33352,15 @@
 </file>
 
 <file path=customXml/item1.xml><?xml version="1.0" encoding="utf-8"?>
+<?mso-contentType ?>
+<FormTemplates xmlns="http://schemas.microsoft.com/sharepoint/v3/contenttype/forms">
+  <Display>DocumentLibraryForm</Display>
+  <Edit>DocumentLibraryForm</Edit>
+  <New>DocumentLibraryForm</New>
+</FormTemplates>
+</file>
+
+<file path=customXml/item2.xml><?xml version="1.0" encoding="utf-8"?>
 <p:properties xmlns:p="http://schemas.microsoft.com/office/2006/metadata/properties" xmlns:xsi="http://www.w3.org/2001/XMLSchema-instance" xmlns:pc="http://schemas.microsoft.com/office/infopath/2007/PartnerControls">
   <documentManagement>
     <_ip_UnifiedCompliancePolicyUIAction xmlns="http://schemas.microsoft.com/sharepoint/v3" xsi:nil="true"/>
@@ -32432,15 +33377,6 @@
     <MediaServiceKeyPoints xmlns="71af3243-3dd4-4a8d-8c0d-dd76da1f02a5" xsi:nil="true"/>
   </documentManagement>
 </p:properties>
-</file>
-
-<file path=customXml/item2.xml><?xml version="1.0" encoding="utf-8"?>
-<?mso-contentType ?>
-<FormTemplates xmlns="http://schemas.microsoft.com/sharepoint/v3/contenttype/forms">
-  <Display>DocumentLibraryForm</Display>
-  <Edit>DocumentLibraryForm</Edit>
-  <New>DocumentLibraryForm</New>
-</FormTemplates>
 </file>
 
 <file path=customXml/item3.xml><?xml version="1.0" encoding="utf-8"?>
@@ -32720,6 +33656,14 @@
 </file>
 
 <file path=customXml/itemProps1.xml><?xml version="1.0" encoding="utf-8"?>
+<ds:datastoreItem xmlns:ds="http://schemas.openxmlformats.org/officeDocument/2006/customXml" ds:itemID="{904751AB-E840-446F-8D49-E697067EC887}">
+  <ds:schemaRefs>
+    <ds:schemaRef ds:uri="http://schemas.microsoft.com/sharepoint/v3/contenttype/forms"/>
+  </ds:schemaRefs>
+</ds:datastoreItem>
+</file>
+
+<file path=customXml/itemProps2.xml><?xml version="1.0" encoding="utf-8"?>
 <ds:datastoreItem xmlns:ds="http://schemas.openxmlformats.org/officeDocument/2006/customXml" ds:itemID="{50811A92-D464-4AC4-A396-BA73B10CEEAC}">
   <ds:schemaRefs>
     <ds:schemaRef ds:uri="http://schemas.microsoft.com/office/2006/metadata/properties"/>
@@ -32727,14 +33671,6 @@
     <ds:schemaRef ds:uri="http://schemas.microsoft.com/sharepoint/v3"/>
     <ds:schemaRef ds:uri="71af3243-3dd4-4a8d-8c0d-dd76da1f02a5"/>
     <ds:schemaRef ds:uri="230e9df3-be65-4c73-a93b-d1236ebd677e"/>
-  </ds:schemaRefs>
-</ds:datastoreItem>
-</file>
-
-<file path=customXml/itemProps2.xml><?xml version="1.0" encoding="utf-8"?>
-<ds:datastoreItem xmlns:ds="http://schemas.openxmlformats.org/officeDocument/2006/customXml" ds:itemID="{904751AB-E840-446F-8D49-E697067EC887}">
-  <ds:schemaRefs>
-    <ds:schemaRef ds:uri="http://schemas.microsoft.com/sharepoint/v3/contenttype/forms"/>
   </ds:schemaRefs>
 </ds:datastoreItem>
 </file>
